--- a/chapter_06/figures/cv_optuna.pptx
+++ b/chapter_06/figures/cv_optuna.pptx
@@ -2,14 +2,14 @@
 <file path=ppt/presentation.xml><?xml version="1.0" encoding="utf-8"?>
 <p:presentation xmlns:a="http://schemas.openxmlformats.org/drawingml/2006/main" xmlns:r="http://schemas.openxmlformats.org/officeDocument/2006/relationships" xmlns:p="http://schemas.openxmlformats.org/presentationml/2006/main" saveSubsetFonts="1">
   <p:sldMasterIdLst>
-    <p:sldMasterId id="2147483684" r:id="rId1"/>
+    <p:sldMasterId id="2147483696" r:id="rId1"/>
   </p:sldMasterIdLst>
   <p:sldIdLst>
     <p:sldId id="258" r:id="rId2"/>
     <p:sldId id="257" r:id="rId3"/>
     <p:sldId id="259" r:id="rId4"/>
   </p:sldIdLst>
-  <p:sldSz cx="4140200" cy="7991475"/>
+  <p:sldSz cx="4140200" cy="7596188"/>
   <p:notesSz cx="6858000" cy="9144000"/>
   <p:defaultTextStyle>
     <a:defPPr>
@@ -117,7 +117,7 @@
 <file path=ppt/revisionInfo.xml><?xml version="1.0" encoding="utf-8"?>
 <p1510:revInfo xmlns:a="http://schemas.openxmlformats.org/drawingml/2006/main" xmlns:r="http://schemas.openxmlformats.org/officeDocument/2006/relationships" xmlns:p1510="http://schemas.microsoft.com/office/powerpoint/2015/10/main">
   <p1510:revLst>
-    <p1510:client id="{8F39CC3E-6016-4CF8-AB9C-88FF887B156E}" v="83" dt="2025-06-12T10:54:26.561"/>
+    <p1510:client id="{0478CFAF-F744-4001-ABF3-5E8A4958592B}" v="5" dt="2025-07-03T10:13:38.626"/>
   </p1510:revLst>
 </p1510:revInfo>
 </file>
@@ -5948,6 +5948,798 @@
           <pc:docMk/>
           <pc:sldMk cId="2168025636" sldId="259"/>
         </pc:sldMkLst>
+      </pc:sldChg>
+    </pc:docChg>
+  </pc:docChgLst>
+  <pc:docChgLst>
+    <pc:chgData name="Fatima Pillosu" userId="a6295d4dc9e22643" providerId="LiveId" clId="{0478CFAF-F744-4001-ABF3-5E8A4958592B}"/>
+    <pc:docChg chg="undo custSel modSld">
+      <pc:chgData name="Fatima Pillosu" userId="a6295d4dc9e22643" providerId="LiveId" clId="{0478CFAF-F744-4001-ABF3-5E8A4958592B}" dt="2025-07-03T10:13:38.626" v="499"/>
+      <pc:docMkLst>
+        <pc:docMk/>
+      </pc:docMkLst>
+      <pc:sldChg chg="addSp delSp modSp mod">
+        <pc:chgData name="Fatima Pillosu" userId="a6295d4dc9e22643" providerId="LiveId" clId="{0478CFAF-F744-4001-ABF3-5E8A4958592B}" dt="2025-07-03T10:13:38.626" v="499"/>
+        <pc:sldMkLst>
+          <pc:docMk/>
+          <pc:sldMk cId="2370713982" sldId="258"/>
+        </pc:sldMkLst>
+        <pc:spChg chg="add del mod">
+          <ac:chgData name="Fatima Pillosu" userId="a6295d4dc9e22643" providerId="LiveId" clId="{0478CFAF-F744-4001-ABF3-5E8A4958592B}" dt="2025-07-03T10:13:29.318" v="498" actId="21"/>
+          <ac:spMkLst>
+            <pc:docMk/>
+            <pc:sldMk cId="2370713982" sldId="258"/>
+            <ac:spMk id="4" creationId="{27B7D5CF-81CA-4EAF-61FB-FBDB71CAE40F}"/>
+          </ac:spMkLst>
+        </pc:spChg>
+        <pc:spChg chg="add del mod">
+          <ac:chgData name="Fatima Pillosu" userId="a6295d4dc9e22643" providerId="LiveId" clId="{0478CFAF-F744-4001-ABF3-5E8A4958592B}" dt="2025-07-03T10:13:25.499" v="497" actId="478"/>
+          <ac:spMkLst>
+            <pc:docMk/>
+            <pc:sldMk cId="2370713982" sldId="258"/>
+            <ac:spMk id="6" creationId="{5B5D5622-A42F-1A13-C7AE-10F806E4B9BF}"/>
+          </ac:spMkLst>
+        </pc:spChg>
+        <pc:spChg chg="add mod">
+          <ac:chgData name="Fatima Pillosu" userId="a6295d4dc9e22643" providerId="LiveId" clId="{0478CFAF-F744-4001-ABF3-5E8A4958592B}" dt="2025-07-03T10:13:38.626" v="499"/>
+          <ac:spMkLst>
+            <pc:docMk/>
+            <pc:sldMk cId="2370713982" sldId="258"/>
+            <ac:spMk id="9" creationId="{37757665-AC28-C2D7-9288-A4F262BEDCA5}"/>
+          </ac:spMkLst>
+        </pc:spChg>
+        <pc:spChg chg="add mod">
+          <ac:chgData name="Fatima Pillosu" userId="a6295d4dc9e22643" providerId="LiveId" clId="{0478CFAF-F744-4001-ABF3-5E8A4958592B}" dt="2025-07-03T10:13:38.626" v="499"/>
+          <ac:spMkLst>
+            <pc:docMk/>
+            <pc:sldMk cId="2370713982" sldId="258"/>
+            <ac:spMk id="11" creationId="{6E3975A0-04BD-A32C-5C8E-87D363BCBF43}"/>
+          </ac:spMkLst>
+        </pc:spChg>
+        <pc:spChg chg="add mod">
+          <ac:chgData name="Fatima Pillosu" userId="a6295d4dc9e22643" providerId="LiveId" clId="{0478CFAF-F744-4001-ABF3-5E8A4958592B}" dt="2025-07-03T10:13:38.626" v="499"/>
+          <ac:spMkLst>
+            <pc:docMk/>
+            <pc:sldMk cId="2370713982" sldId="258"/>
+            <ac:spMk id="12" creationId="{EC3C4672-BBD3-831C-7CA8-0C6A492C9F9C}"/>
+          </ac:spMkLst>
+        </pc:spChg>
+        <pc:spChg chg="add mod">
+          <ac:chgData name="Fatima Pillosu" userId="a6295d4dc9e22643" providerId="LiveId" clId="{0478CFAF-F744-4001-ABF3-5E8A4958592B}" dt="2025-07-03T10:13:38.626" v="499"/>
+          <ac:spMkLst>
+            <pc:docMk/>
+            <pc:sldMk cId="2370713982" sldId="258"/>
+            <ac:spMk id="14" creationId="{A98AD652-CC49-61CB-93BF-590382B2DB5F}"/>
+          </ac:spMkLst>
+        </pc:spChg>
+        <pc:spChg chg="add mod">
+          <ac:chgData name="Fatima Pillosu" userId="a6295d4dc9e22643" providerId="LiveId" clId="{0478CFAF-F744-4001-ABF3-5E8A4958592B}" dt="2025-07-03T10:13:38.626" v="499"/>
+          <ac:spMkLst>
+            <pc:docMk/>
+            <pc:sldMk cId="2370713982" sldId="258"/>
+            <ac:spMk id="16" creationId="{66347620-DBE3-A5F5-F8A3-7C2F7C6EBDE6}"/>
+          </ac:spMkLst>
+        </pc:spChg>
+        <pc:spChg chg="add mod">
+          <ac:chgData name="Fatima Pillosu" userId="a6295d4dc9e22643" providerId="LiveId" clId="{0478CFAF-F744-4001-ABF3-5E8A4958592B}" dt="2025-07-03T10:13:38.626" v="499"/>
+          <ac:spMkLst>
+            <pc:docMk/>
+            <pc:sldMk cId="2370713982" sldId="258"/>
+            <ac:spMk id="17" creationId="{4DC959A9-7C89-6A9D-8C2C-4CCD3B47ECC5}"/>
+          </ac:spMkLst>
+        </pc:spChg>
+        <pc:spChg chg="add mod">
+          <ac:chgData name="Fatima Pillosu" userId="a6295d4dc9e22643" providerId="LiveId" clId="{0478CFAF-F744-4001-ABF3-5E8A4958592B}" dt="2025-07-03T10:13:38.626" v="499"/>
+          <ac:spMkLst>
+            <pc:docMk/>
+            <pc:sldMk cId="2370713982" sldId="258"/>
+            <ac:spMk id="21" creationId="{AE7F31D2-F023-F7AB-A647-E119A53ECEA7}"/>
+          </ac:spMkLst>
+        </pc:spChg>
+        <pc:spChg chg="add mod">
+          <ac:chgData name="Fatima Pillosu" userId="a6295d4dc9e22643" providerId="LiveId" clId="{0478CFAF-F744-4001-ABF3-5E8A4958592B}" dt="2025-07-03T10:13:38.626" v="499"/>
+          <ac:spMkLst>
+            <pc:docMk/>
+            <pc:sldMk cId="2370713982" sldId="258"/>
+            <ac:spMk id="22" creationId="{1A0731B8-37BC-29FF-5EFB-3505DFCBB060}"/>
+          </ac:spMkLst>
+        </pc:spChg>
+        <pc:spChg chg="add mod">
+          <ac:chgData name="Fatima Pillosu" userId="a6295d4dc9e22643" providerId="LiveId" clId="{0478CFAF-F744-4001-ABF3-5E8A4958592B}" dt="2025-07-03T10:13:38.626" v="499"/>
+          <ac:spMkLst>
+            <pc:docMk/>
+            <pc:sldMk cId="2370713982" sldId="258"/>
+            <ac:spMk id="24" creationId="{5382C8C2-6F3C-50EB-0A51-B5F6DC1665D1}"/>
+          </ac:spMkLst>
+        </pc:spChg>
+        <pc:spChg chg="add mod">
+          <ac:chgData name="Fatima Pillosu" userId="a6295d4dc9e22643" providerId="LiveId" clId="{0478CFAF-F744-4001-ABF3-5E8A4958592B}" dt="2025-07-03T10:13:38.626" v="499"/>
+          <ac:spMkLst>
+            <pc:docMk/>
+            <pc:sldMk cId="2370713982" sldId="258"/>
+            <ac:spMk id="25" creationId="{AFE3A951-104C-CEDE-A21D-544D4B214711}"/>
+          </ac:spMkLst>
+        </pc:spChg>
+        <pc:spChg chg="add mod">
+          <ac:chgData name="Fatima Pillosu" userId="a6295d4dc9e22643" providerId="LiveId" clId="{0478CFAF-F744-4001-ABF3-5E8A4958592B}" dt="2025-07-03T10:13:38.626" v="499"/>
+          <ac:spMkLst>
+            <pc:docMk/>
+            <pc:sldMk cId="2370713982" sldId="258"/>
+            <ac:spMk id="26" creationId="{F81123FD-1880-7B13-64BB-A61B32D6C3FC}"/>
+          </ac:spMkLst>
+        </pc:spChg>
+        <pc:spChg chg="add mod">
+          <ac:chgData name="Fatima Pillosu" userId="a6295d4dc9e22643" providerId="LiveId" clId="{0478CFAF-F744-4001-ABF3-5E8A4958592B}" dt="2025-07-03T10:13:38.626" v="499"/>
+          <ac:spMkLst>
+            <pc:docMk/>
+            <pc:sldMk cId="2370713982" sldId="258"/>
+            <ac:spMk id="27" creationId="{68F25C0E-89BD-9175-A93B-76E013FBF0DD}"/>
+          </ac:spMkLst>
+        </pc:spChg>
+        <pc:spChg chg="add mod">
+          <ac:chgData name="Fatima Pillosu" userId="a6295d4dc9e22643" providerId="LiveId" clId="{0478CFAF-F744-4001-ABF3-5E8A4958592B}" dt="2025-07-03T10:13:38.626" v="499"/>
+          <ac:spMkLst>
+            <pc:docMk/>
+            <pc:sldMk cId="2370713982" sldId="258"/>
+            <ac:spMk id="28" creationId="{96248778-630E-7601-4FAE-FF9CFCDF1B42}"/>
+          </ac:spMkLst>
+        </pc:spChg>
+        <pc:spChg chg="add mod">
+          <ac:chgData name="Fatima Pillosu" userId="a6295d4dc9e22643" providerId="LiveId" clId="{0478CFAF-F744-4001-ABF3-5E8A4958592B}" dt="2025-07-03T10:13:38.626" v="499"/>
+          <ac:spMkLst>
+            <pc:docMk/>
+            <pc:sldMk cId="2370713982" sldId="258"/>
+            <ac:spMk id="29" creationId="{9CADC630-E44A-1A89-9FDE-8EDA7123B19C}"/>
+          </ac:spMkLst>
+        </pc:spChg>
+        <pc:spChg chg="add mod">
+          <ac:chgData name="Fatima Pillosu" userId="a6295d4dc9e22643" providerId="LiveId" clId="{0478CFAF-F744-4001-ABF3-5E8A4958592B}" dt="2025-07-03T10:13:38.626" v="499"/>
+          <ac:spMkLst>
+            <pc:docMk/>
+            <pc:sldMk cId="2370713982" sldId="258"/>
+            <ac:spMk id="30" creationId="{EAF3C8BC-9003-987C-E4A9-44A032A5528E}"/>
+          </ac:spMkLst>
+        </pc:spChg>
+        <pc:spChg chg="add mod">
+          <ac:chgData name="Fatima Pillosu" userId="a6295d4dc9e22643" providerId="LiveId" clId="{0478CFAF-F744-4001-ABF3-5E8A4958592B}" dt="2025-07-03T10:13:38.626" v="499"/>
+          <ac:spMkLst>
+            <pc:docMk/>
+            <pc:sldMk cId="2370713982" sldId="258"/>
+            <ac:spMk id="31" creationId="{28B436EB-88AE-9EF3-EB76-64B6D1FB6EEB}"/>
+          </ac:spMkLst>
+        </pc:spChg>
+        <pc:spChg chg="add mod">
+          <ac:chgData name="Fatima Pillosu" userId="a6295d4dc9e22643" providerId="LiveId" clId="{0478CFAF-F744-4001-ABF3-5E8A4958592B}" dt="2025-07-03T10:13:38.626" v="499"/>
+          <ac:spMkLst>
+            <pc:docMk/>
+            <pc:sldMk cId="2370713982" sldId="258"/>
+            <ac:spMk id="32" creationId="{F27C24D0-AB2A-41DB-6171-C0B6ED9E9A68}"/>
+          </ac:spMkLst>
+        </pc:spChg>
+        <pc:spChg chg="add mod">
+          <ac:chgData name="Fatima Pillosu" userId="a6295d4dc9e22643" providerId="LiveId" clId="{0478CFAF-F744-4001-ABF3-5E8A4958592B}" dt="2025-07-03T10:13:38.626" v="499"/>
+          <ac:spMkLst>
+            <pc:docMk/>
+            <pc:sldMk cId="2370713982" sldId="258"/>
+            <ac:spMk id="33" creationId="{41C377DF-3C36-42E1-684D-12BC83DB59C3}"/>
+          </ac:spMkLst>
+        </pc:spChg>
+        <pc:spChg chg="add mod">
+          <ac:chgData name="Fatima Pillosu" userId="a6295d4dc9e22643" providerId="LiveId" clId="{0478CFAF-F744-4001-ABF3-5E8A4958592B}" dt="2025-07-03T10:13:38.626" v="499"/>
+          <ac:spMkLst>
+            <pc:docMk/>
+            <pc:sldMk cId="2370713982" sldId="258"/>
+            <ac:spMk id="35" creationId="{2CFA74E3-D91E-2C27-4A99-D3D1A111919C}"/>
+          </ac:spMkLst>
+        </pc:spChg>
+        <pc:spChg chg="add mod">
+          <ac:chgData name="Fatima Pillosu" userId="a6295d4dc9e22643" providerId="LiveId" clId="{0478CFAF-F744-4001-ABF3-5E8A4958592B}" dt="2025-07-03T10:13:38.626" v="499"/>
+          <ac:spMkLst>
+            <pc:docMk/>
+            <pc:sldMk cId="2370713982" sldId="258"/>
+            <ac:spMk id="36" creationId="{CC497459-D1DC-EE9A-EE1D-815F28D2818C}"/>
+          </ac:spMkLst>
+        </pc:spChg>
+        <pc:spChg chg="add mod">
+          <ac:chgData name="Fatima Pillosu" userId="a6295d4dc9e22643" providerId="LiveId" clId="{0478CFAF-F744-4001-ABF3-5E8A4958592B}" dt="2025-07-03T10:13:38.626" v="499"/>
+          <ac:spMkLst>
+            <pc:docMk/>
+            <pc:sldMk cId="2370713982" sldId="258"/>
+            <ac:spMk id="37" creationId="{8A74094E-C336-74AA-E520-6856C354301A}"/>
+          </ac:spMkLst>
+        </pc:spChg>
+        <pc:spChg chg="add mod">
+          <ac:chgData name="Fatima Pillosu" userId="a6295d4dc9e22643" providerId="LiveId" clId="{0478CFAF-F744-4001-ABF3-5E8A4958592B}" dt="2025-07-03T10:13:38.626" v="499"/>
+          <ac:spMkLst>
+            <pc:docMk/>
+            <pc:sldMk cId="2370713982" sldId="258"/>
+            <ac:spMk id="38" creationId="{10B23706-9C8A-69A2-B423-B2EEB1C4D06D}"/>
+          </ac:spMkLst>
+        </pc:spChg>
+        <pc:spChg chg="add mod">
+          <ac:chgData name="Fatima Pillosu" userId="a6295d4dc9e22643" providerId="LiveId" clId="{0478CFAF-F744-4001-ABF3-5E8A4958592B}" dt="2025-07-03T10:13:38.626" v="499"/>
+          <ac:spMkLst>
+            <pc:docMk/>
+            <pc:sldMk cId="2370713982" sldId="258"/>
+            <ac:spMk id="39" creationId="{14A7D952-0782-7271-7F2A-BC6BC775B542}"/>
+          </ac:spMkLst>
+        </pc:spChg>
+        <pc:spChg chg="add mod">
+          <ac:chgData name="Fatima Pillosu" userId="a6295d4dc9e22643" providerId="LiveId" clId="{0478CFAF-F744-4001-ABF3-5E8A4958592B}" dt="2025-07-03T10:13:38.626" v="499"/>
+          <ac:spMkLst>
+            <pc:docMk/>
+            <pc:sldMk cId="2370713982" sldId="258"/>
+            <ac:spMk id="40" creationId="{06432789-ABB4-135D-C8F1-01F8D760F247}"/>
+          </ac:spMkLst>
+        </pc:spChg>
+        <pc:spChg chg="add mod">
+          <ac:chgData name="Fatima Pillosu" userId="a6295d4dc9e22643" providerId="LiveId" clId="{0478CFAF-F744-4001-ABF3-5E8A4958592B}" dt="2025-07-03T10:13:38.626" v="499"/>
+          <ac:spMkLst>
+            <pc:docMk/>
+            <pc:sldMk cId="2370713982" sldId="258"/>
+            <ac:spMk id="41" creationId="{C5603496-23AC-2551-E5E0-BDF8C60E9816}"/>
+          </ac:spMkLst>
+        </pc:spChg>
+        <pc:spChg chg="add mod">
+          <ac:chgData name="Fatima Pillosu" userId="a6295d4dc9e22643" providerId="LiveId" clId="{0478CFAF-F744-4001-ABF3-5E8A4958592B}" dt="2025-07-03T10:13:38.626" v="499"/>
+          <ac:spMkLst>
+            <pc:docMk/>
+            <pc:sldMk cId="2370713982" sldId="258"/>
+            <ac:spMk id="42" creationId="{BD4FCEEF-D9EE-3F9D-274E-A275AE7207AC}"/>
+          </ac:spMkLst>
+        </pc:spChg>
+        <pc:spChg chg="add mod">
+          <ac:chgData name="Fatima Pillosu" userId="a6295d4dc9e22643" providerId="LiveId" clId="{0478CFAF-F744-4001-ABF3-5E8A4958592B}" dt="2025-07-03T10:13:38.626" v="499"/>
+          <ac:spMkLst>
+            <pc:docMk/>
+            <pc:sldMk cId="2370713982" sldId="258"/>
+            <ac:spMk id="44" creationId="{54B4C05C-53AB-88AD-E871-B8862B4F61D3}"/>
+          </ac:spMkLst>
+        </pc:spChg>
+        <pc:spChg chg="add mod">
+          <ac:chgData name="Fatima Pillosu" userId="a6295d4dc9e22643" providerId="LiveId" clId="{0478CFAF-F744-4001-ABF3-5E8A4958592B}" dt="2025-07-03T10:13:38.626" v="499"/>
+          <ac:spMkLst>
+            <pc:docMk/>
+            <pc:sldMk cId="2370713982" sldId="258"/>
+            <ac:spMk id="45" creationId="{6EE46427-6BDE-882E-3A72-3DF2ED872F0A}"/>
+          </ac:spMkLst>
+        </pc:spChg>
+        <pc:spChg chg="add mod">
+          <ac:chgData name="Fatima Pillosu" userId="a6295d4dc9e22643" providerId="LiveId" clId="{0478CFAF-F744-4001-ABF3-5E8A4958592B}" dt="2025-07-03T10:13:38.626" v="499"/>
+          <ac:spMkLst>
+            <pc:docMk/>
+            <pc:sldMk cId="2370713982" sldId="258"/>
+            <ac:spMk id="46" creationId="{0BBE180E-9D2D-A30D-B94E-AB6240A4F89E}"/>
+          </ac:spMkLst>
+        </pc:spChg>
+        <pc:spChg chg="add mod">
+          <ac:chgData name="Fatima Pillosu" userId="a6295d4dc9e22643" providerId="LiveId" clId="{0478CFAF-F744-4001-ABF3-5E8A4958592B}" dt="2025-07-03T10:13:38.626" v="499"/>
+          <ac:spMkLst>
+            <pc:docMk/>
+            <pc:sldMk cId="2370713982" sldId="258"/>
+            <ac:spMk id="53" creationId="{27B7D5CF-81CA-4EAF-61FB-FBDB71CAE40F}"/>
+          </ac:spMkLst>
+        </pc:spChg>
+        <pc:spChg chg="del mod">
+          <ac:chgData name="Fatima Pillosu" userId="a6295d4dc9e22643" providerId="LiveId" clId="{0478CFAF-F744-4001-ABF3-5E8A4958592B}" dt="2025-07-03T10:13:29.318" v="498" actId="21"/>
+          <ac:spMkLst>
+            <pc:docMk/>
+            <pc:sldMk cId="2370713982" sldId="258"/>
+            <ac:spMk id="175" creationId="{37757665-AC28-C2D7-9288-A4F262BEDCA5}"/>
+          </ac:spMkLst>
+        </pc:spChg>
+        <pc:spChg chg="del">
+          <ac:chgData name="Fatima Pillosu" userId="a6295d4dc9e22643" providerId="LiveId" clId="{0478CFAF-F744-4001-ABF3-5E8A4958592B}" dt="2025-07-03T10:13:29.318" v="498" actId="21"/>
+          <ac:spMkLst>
+            <pc:docMk/>
+            <pc:sldMk cId="2370713982" sldId="258"/>
+            <ac:spMk id="177" creationId="{6E3975A0-04BD-A32C-5C8E-87D363BCBF43}"/>
+          </ac:spMkLst>
+        </pc:spChg>
+        <pc:spChg chg="del mod">
+          <ac:chgData name="Fatima Pillosu" userId="a6295d4dc9e22643" providerId="LiveId" clId="{0478CFAF-F744-4001-ABF3-5E8A4958592B}" dt="2025-07-03T10:13:29.318" v="498" actId="21"/>
+          <ac:spMkLst>
+            <pc:docMk/>
+            <pc:sldMk cId="2370713982" sldId="258"/>
+            <ac:spMk id="178" creationId="{EC3C4672-BBD3-831C-7CA8-0C6A492C9F9C}"/>
+          </ac:spMkLst>
+        </pc:spChg>
+        <pc:spChg chg="del">
+          <ac:chgData name="Fatima Pillosu" userId="a6295d4dc9e22643" providerId="LiveId" clId="{0478CFAF-F744-4001-ABF3-5E8A4958592B}" dt="2025-07-03T10:13:29.318" v="498" actId="21"/>
+          <ac:spMkLst>
+            <pc:docMk/>
+            <pc:sldMk cId="2370713982" sldId="258"/>
+            <ac:spMk id="180" creationId="{A98AD652-CC49-61CB-93BF-590382B2DB5F}"/>
+          </ac:spMkLst>
+        </pc:spChg>
+        <pc:spChg chg="del mod">
+          <ac:chgData name="Fatima Pillosu" userId="a6295d4dc9e22643" providerId="LiveId" clId="{0478CFAF-F744-4001-ABF3-5E8A4958592B}" dt="2025-07-03T10:13:29.318" v="498" actId="21"/>
+          <ac:spMkLst>
+            <pc:docMk/>
+            <pc:sldMk cId="2370713982" sldId="258"/>
+            <ac:spMk id="182" creationId="{66347620-DBE3-A5F5-F8A3-7C2F7C6EBDE6}"/>
+          </ac:spMkLst>
+        </pc:spChg>
+        <pc:spChg chg="del">
+          <ac:chgData name="Fatima Pillosu" userId="a6295d4dc9e22643" providerId="LiveId" clId="{0478CFAF-F744-4001-ABF3-5E8A4958592B}" dt="2025-07-03T10:13:29.318" v="498" actId="21"/>
+          <ac:spMkLst>
+            <pc:docMk/>
+            <pc:sldMk cId="2370713982" sldId="258"/>
+            <ac:spMk id="183" creationId="{4DC959A9-7C89-6A9D-8C2C-4CCD3B47ECC5}"/>
+          </ac:spMkLst>
+        </pc:spChg>
+        <pc:spChg chg="del mod">
+          <ac:chgData name="Fatima Pillosu" userId="a6295d4dc9e22643" providerId="LiveId" clId="{0478CFAF-F744-4001-ABF3-5E8A4958592B}" dt="2025-07-03T10:13:29.318" v="498" actId="21"/>
+          <ac:spMkLst>
+            <pc:docMk/>
+            <pc:sldMk cId="2370713982" sldId="258"/>
+            <ac:spMk id="187" creationId="{AE7F31D2-F023-F7AB-A647-E119A53ECEA7}"/>
+          </ac:spMkLst>
+        </pc:spChg>
+        <pc:spChg chg="del mod">
+          <ac:chgData name="Fatima Pillosu" userId="a6295d4dc9e22643" providerId="LiveId" clId="{0478CFAF-F744-4001-ABF3-5E8A4958592B}" dt="2025-07-03T10:13:29.318" v="498" actId="21"/>
+          <ac:spMkLst>
+            <pc:docMk/>
+            <pc:sldMk cId="2370713982" sldId="258"/>
+            <ac:spMk id="189" creationId="{1A0731B8-37BC-29FF-5EFB-3505DFCBB060}"/>
+          </ac:spMkLst>
+        </pc:spChg>
+        <pc:spChg chg="del">
+          <ac:chgData name="Fatima Pillosu" userId="a6295d4dc9e22643" providerId="LiveId" clId="{0478CFAF-F744-4001-ABF3-5E8A4958592B}" dt="2025-07-03T10:13:29.318" v="498" actId="21"/>
+          <ac:spMkLst>
+            <pc:docMk/>
+            <pc:sldMk cId="2370713982" sldId="258"/>
+            <ac:spMk id="191" creationId="{5382C8C2-6F3C-50EB-0A51-B5F6DC1665D1}"/>
+          </ac:spMkLst>
+        </pc:spChg>
+        <pc:spChg chg="del">
+          <ac:chgData name="Fatima Pillosu" userId="a6295d4dc9e22643" providerId="LiveId" clId="{0478CFAF-F744-4001-ABF3-5E8A4958592B}" dt="2025-07-03T10:13:29.318" v="498" actId="21"/>
+          <ac:spMkLst>
+            <pc:docMk/>
+            <pc:sldMk cId="2370713982" sldId="258"/>
+            <ac:spMk id="192" creationId="{AFE3A951-104C-CEDE-A21D-544D4B214711}"/>
+          </ac:spMkLst>
+        </pc:spChg>
+        <pc:spChg chg="del">
+          <ac:chgData name="Fatima Pillosu" userId="a6295d4dc9e22643" providerId="LiveId" clId="{0478CFAF-F744-4001-ABF3-5E8A4958592B}" dt="2025-07-03T10:13:29.318" v="498" actId="21"/>
+          <ac:spMkLst>
+            <pc:docMk/>
+            <pc:sldMk cId="2370713982" sldId="258"/>
+            <ac:spMk id="193" creationId="{F81123FD-1880-7B13-64BB-A61B32D6C3FC}"/>
+          </ac:spMkLst>
+        </pc:spChg>
+        <pc:spChg chg="del">
+          <ac:chgData name="Fatima Pillosu" userId="a6295d4dc9e22643" providerId="LiveId" clId="{0478CFAF-F744-4001-ABF3-5E8A4958592B}" dt="2025-07-03T10:13:29.318" v="498" actId="21"/>
+          <ac:spMkLst>
+            <pc:docMk/>
+            <pc:sldMk cId="2370713982" sldId="258"/>
+            <ac:spMk id="194" creationId="{68F25C0E-89BD-9175-A93B-76E013FBF0DD}"/>
+          </ac:spMkLst>
+        </pc:spChg>
+        <pc:spChg chg="del">
+          <ac:chgData name="Fatima Pillosu" userId="a6295d4dc9e22643" providerId="LiveId" clId="{0478CFAF-F744-4001-ABF3-5E8A4958592B}" dt="2025-07-03T10:13:29.318" v="498" actId="21"/>
+          <ac:spMkLst>
+            <pc:docMk/>
+            <pc:sldMk cId="2370713982" sldId="258"/>
+            <ac:spMk id="195" creationId="{96248778-630E-7601-4FAE-FF9CFCDF1B42}"/>
+          </ac:spMkLst>
+        </pc:spChg>
+        <pc:spChg chg="del">
+          <ac:chgData name="Fatima Pillosu" userId="a6295d4dc9e22643" providerId="LiveId" clId="{0478CFAF-F744-4001-ABF3-5E8A4958592B}" dt="2025-07-03T10:13:29.318" v="498" actId="21"/>
+          <ac:spMkLst>
+            <pc:docMk/>
+            <pc:sldMk cId="2370713982" sldId="258"/>
+            <ac:spMk id="196" creationId="{9CADC630-E44A-1A89-9FDE-8EDA7123B19C}"/>
+          </ac:spMkLst>
+        </pc:spChg>
+        <pc:spChg chg="del">
+          <ac:chgData name="Fatima Pillosu" userId="a6295d4dc9e22643" providerId="LiveId" clId="{0478CFAF-F744-4001-ABF3-5E8A4958592B}" dt="2025-07-03T10:13:29.318" v="498" actId="21"/>
+          <ac:spMkLst>
+            <pc:docMk/>
+            <pc:sldMk cId="2370713982" sldId="258"/>
+            <ac:spMk id="197" creationId="{EAF3C8BC-9003-987C-E4A9-44A032A5528E}"/>
+          </ac:spMkLst>
+        </pc:spChg>
+        <pc:spChg chg="del">
+          <ac:chgData name="Fatima Pillosu" userId="a6295d4dc9e22643" providerId="LiveId" clId="{0478CFAF-F744-4001-ABF3-5E8A4958592B}" dt="2025-07-03T10:13:29.318" v="498" actId="21"/>
+          <ac:spMkLst>
+            <pc:docMk/>
+            <pc:sldMk cId="2370713982" sldId="258"/>
+            <ac:spMk id="198" creationId="{28B436EB-88AE-9EF3-EB76-64B6D1FB6EEB}"/>
+          </ac:spMkLst>
+        </pc:spChg>
+        <pc:spChg chg="del">
+          <ac:chgData name="Fatima Pillosu" userId="a6295d4dc9e22643" providerId="LiveId" clId="{0478CFAF-F744-4001-ABF3-5E8A4958592B}" dt="2025-07-03T10:13:29.318" v="498" actId="21"/>
+          <ac:spMkLst>
+            <pc:docMk/>
+            <pc:sldMk cId="2370713982" sldId="258"/>
+            <ac:spMk id="199" creationId="{F27C24D0-AB2A-41DB-6171-C0B6ED9E9A68}"/>
+          </ac:spMkLst>
+        </pc:spChg>
+        <pc:spChg chg="del mod">
+          <ac:chgData name="Fatima Pillosu" userId="a6295d4dc9e22643" providerId="LiveId" clId="{0478CFAF-F744-4001-ABF3-5E8A4958592B}" dt="2025-07-03T10:13:29.318" v="498" actId="21"/>
+          <ac:spMkLst>
+            <pc:docMk/>
+            <pc:sldMk cId="2370713982" sldId="258"/>
+            <ac:spMk id="200" creationId="{41C377DF-3C36-42E1-684D-12BC83DB59C3}"/>
+          </ac:spMkLst>
+        </pc:spChg>
+        <pc:spChg chg="del">
+          <ac:chgData name="Fatima Pillosu" userId="a6295d4dc9e22643" providerId="LiveId" clId="{0478CFAF-F744-4001-ABF3-5E8A4958592B}" dt="2025-07-03T10:13:29.318" v="498" actId="21"/>
+          <ac:spMkLst>
+            <pc:docMk/>
+            <pc:sldMk cId="2370713982" sldId="258"/>
+            <ac:spMk id="202" creationId="{2CFA74E3-D91E-2C27-4A99-D3D1A111919C}"/>
+          </ac:spMkLst>
+        </pc:spChg>
+        <pc:spChg chg="del">
+          <ac:chgData name="Fatima Pillosu" userId="a6295d4dc9e22643" providerId="LiveId" clId="{0478CFAF-F744-4001-ABF3-5E8A4958592B}" dt="2025-07-03T10:13:29.318" v="498" actId="21"/>
+          <ac:spMkLst>
+            <pc:docMk/>
+            <pc:sldMk cId="2370713982" sldId="258"/>
+            <ac:spMk id="203" creationId="{CC497459-D1DC-EE9A-EE1D-815F28D2818C}"/>
+          </ac:spMkLst>
+        </pc:spChg>
+        <pc:spChg chg="del">
+          <ac:chgData name="Fatima Pillosu" userId="a6295d4dc9e22643" providerId="LiveId" clId="{0478CFAF-F744-4001-ABF3-5E8A4958592B}" dt="2025-07-03T10:13:29.318" v="498" actId="21"/>
+          <ac:spMkLst>
+            <pc:docMk/>
+            <pc:sldMk cId="2370713982" sldId="258"/>
+            <ac:spMk id="204" creationId="{8A74094E-C336-74AA-E520-6856C354301A}"/>
+          </ac:spMkLst>
+        </pc:spChg>
+        <pc:spChg chg="del">
+          <ac:chgData name="Fatima Pillosu" userId="a6295d4dc9e22643" providerId="LiveId" clId="{0478CFAF-F744-4001-ABF3-5E8A4958592B}" dt="2025-07-03T10:13:29.318" v="498" actId="21"/>
+          <ac:spMkLst>
+            <pc:docMk/>
+            <pc:sldMk cId="2370713982" sldId="258"/>
+            <ac:spMk id="205" creationId="{10B23706-9C8A-69A2-B423-B2EEB1C4D06D}"/>
+          </ac:spMkLst>
+        </pc:spChg>
+        <pc:spChg chg="del">
+          <ac:chgData name="Fatima Pillosu" userId="a6295d4dc9e22643" providerId="LiveId" clId="{0478CFAF-F744-4001-ABF3-5E8A4958592B}" dt="2025-07-03T10:13:29.318" v="498" actId="21"/>
+          <ac:spMkLst>
+            <pc:docMk/>
+            <pc:sldMk cId="2370713982" sldId="258"/>
+            <ac:spMk id="206" creationId="{14A7D952-0782-7271-7F2A-BC6BC775B542}"/>
+          </ac:spMkLst>
+        </pc:spChg>
+        <pc:spChg chg="del">
+          <ac:chgData name="Fatima Pillosu" userId="a6295d4dc9e22643" providerId="LiveId" clId="{0478CFAF-F744-4001-ABF3-5E8A4958592B}" dt="2025-07-03T10:13:29.318" v="498" actId="21"/>
+          <ac:spMkLst>
+            <pc:docMk/>
+            <pc:sldMk cId="2370713982" sldId="258"/>
+            <ac:spMk id="207" creationId="{06432789-ABB4-135D-C8F1-01F8D760F247}"/>
+          </ac:spMkLst>
+        </pc:spChg>
+        <pc:spChg chg="del">
+          <ac:chgData name="Fatima Pillosu" userId="a6295d4dc9e22643" providerId="LiveId" clId="{0478CFAF-F744-4001-ABF3-5E8A4958592B}" dt="2025-07-03T10:13:29.318" v="498" actId="21"/>
+          <ac:spMkLst>
+            <pc:docMk/>
+            <pc:sldMk cId="2370713982" sldId="258"/>
+            <ac:spMk id="208" creationId="{C5603496-23AC-2551-E5E0-BDF8C60E9816}"/>
+          </ac:spMkLst>
+        </pc:spChg>
+        <pc:spChg chg="del">
+          <ac:chgData name="Fatima Pillosu" userId="a6295d4dc9e22643" providerId="LiveId" clId="{0478CFAF-F744-4001-ABF3-5E8A4958592B}" dt="2025-07-03T10:13:29.318" v="498" actId="21"/>
+          <ac:spMkLst>
+            <pc:docMk/>
+            <pc:sldMk cId="2370713982" sldId="258"/>
+            <ac:spMk id="209" creationId="{BD4FCEEF-D9EE-3F9D-274E-A275AE7207AC}"/>
+          </ac:spMkLst>
+        </pc:spChg>
+        <pc:spChg chg="del mod">
+          <ac:chgData name="Fatima Pillosu" userId="a6295d4dc9e22643" providerId="LiveId" clId="{0478CFAF-F744-4001-ABF3-5E8A4958592B}" dt="2025-07-03T10:13:29.318" v="498" actId="21"/>
+          <ac:spMkLst>
+            <pc:docMk/>
+            <pc:sldMk cId="2370713982" sldId="258"/>
+            <ac:spMk id="211" creationId="{54B4C05C-53AB-88AD-E871-B8862B4F61D3}"/>
+          </ac:spMkLst>
+        </pc:spChg>
+        <pc:spChg chg="del">
+          <ac:chgData name="Fatima Pillosu" userId="a6295d4dc9e22643" providerId="LiveId" clId="{0478CFAF-F744-4001-ABF3-5E8A4958592B}" dt="2025-07-03T10:13:29.318" v="498" actId="21"/>
+          <ac:spMkLst>
+            <pc:docMk/>
+            <pc:sldMk cId="2370713982" sldId="258"/>
+            <ac:spMk id="212" creationId="{6EE46427-6BDE-882E-3A72-3DF2ED872F0A}"/>
+          </ac:spMkLst>
+        </pc:spChg>
+        <pc:spChg chg="del">
+          <ac:chgData name="Fatima Pillosu" userId="a6295d4dc9e22643" providerId="LiveId" clId="{0478CFAF-F744-4001-ABF3-5E8A4958592B}" dt="2025-07-03T10:13:29.318" v="498" actId="21"/>
+          <ac:spMkLst>
+            <pc:docMk/>
+            <pc:sldMk cId="2370713982" sldId="258"/>
+            <ac:spMk id="213" creationId="{0BBE180E-9D2D-A30D-B94E-AB6240A4F89E}"/>
+          </ac:spMkLst>
+        </pc:spChg>
+        <pc:spChg chg="del mod">
+          <ac:chgData name="Fatima Pillosu" userId="a6295d4dc9e22643" providerId="LiveId" clId="{0478CFAF-F744-4001-ABF3-5E8A4958592B}" dt="2025-07-03T10:09:18.869" v="463" actId="478"/>
+          <ac:spMkLst>
+            <pc:docMk/>
+            <pc:sldMk cId="2370713982" sldId="258"/>
+            <ac:spMk id="218" creationId="{F39AC6C1-D9A5-4BB9-D077-438BD55748C0}"/>
+          </ac:spMkLst>
+        </pc:spChg>
+        <pc:picChg chg="add mod">
+          <ac:chgData name="Fatima Pillosu" userId="a6295d4dc9e22643" providerId="LiveId" clId="{0478CFAF-F744-4001-ABF3-5E8A4958592B}" dt="2025-07-03T10:13:38.626" v="499"/>
+          <ac:picMkLst>
+            <pc:docMk/>
+            <pc:sldMk cId="2370713982" sldId="258"/>
+            <ac:picMk id="15" creationId="{E97DB556-868B-EC99-E5AE-818CEEC67257}"/>
+          </ac:picMkLst>
+        </pc:picChg>
+        <pc:picChg chg="add mod">
+          <ac:chgData name="Fatima Pillosu" userId="a6295d4dc9e22643" providerId="LiveId" clId="{0478CFAF-F744-4001-ABF3-5E8A4958592B}" dt="2025-07-03T10:13:38.626" v="499"/>
+          <ac:picMkLst>
+            <pc:docMk/>
+            <pc:sldMk cId="2370713982" sldId="258"/>
+            <ac:picMk id="23" creationId="{6A5460AA-4519-4CF9-A5F0-33FE5FD31A96}"/>
+          </ac:picMkLst>
+        </pc:picChg>
+        <pc:picChg chg="add mod">
+          <ac:chgData name="Fatima Pillosu" userId="a6295d4dc9e22643" providerId="LiveId" clId="{0478CFAF-F744-4001-ABF3-5E8A4958592B}" dt="2025-07-03T10:13:38.626" v="499"/>
+          <ac:picMkLst>
+            <pc:docMk/>
+            <pc:sldMk cId="2370713982" sldId="258"/>
+            <ac:picMk id="47" creationId="{682317A1-2BB1-8278-722B-8CE350ED4201}"/>
+          </ac:picMkLst>
+        </pc:picChg>
+        <pc:picChg chg="del">
+          <ac:chgData name="Fatima Pillosu" userId="a6295d4dc9e22643" providerId="LiveId" clId="{0478CFAF-F744-4001-ABF3-5E8A4958592B}" dt="2025-07-03T10:13:29.318" v="498" actId="21"/>
+          <ac:picMkLst>
+            <pc:docMk/>
+            <pc:sldMk cId="2370713982" sldId="258"/>
+            <ac:picMk id="181" creationId="{E97DB556-868B-EC99-E5AE-818CEEC67257}"/>
+          </ac:picMkLst>
+        </pc:picChg>
+        <pc:picChg chg="del">
+          <ac:chgData name="Fatima Pillosu" userId="a6295d4dc9e22643" providerId="LiveId" clId="{0478CFAF-F744-4001-ABF3-5E8A4958592B}" dt="2025-07-03T10:13:29.318" v="498" actId="21"/>
+          <ac:picMkLst>
+            <pc:docMk/>
+            <pc:sldMk cId="2370713982" sldId="258"/>
+            <ac:picMk id="190" creationId="{6A5460AA-4519-4CF9-A5F0-33FE5FD31A96}"/>
+          </ac:picMkLst>
+        </pc:picChg>
+        <pc:picChg chg="del">
+          <ac:chgData name="Fatima Pillosu" userId="a6295d4dc9e22643" providerId="LiveId" clId="{0478CFAF-F744-4001-ABF3-5E8A4958592B}" dt="2025-07-03T10:13:29.318" v="498" actId="21"/>
+          <ac:picMkLst>
+            <pc:docMk/>
+            <pc:sldMk cId="2370713982" sldId="258"/>
+            <ac:picMk id="214" creationId="{682317A1-2BB1-8278-722B-8CE350ED4201}"/>
+          </ac:picMkLst>
+        </pc:picChg>
+        <pc:cxnChg chg="add del mod">
+          <ac:chgData name="Fatima Pillosu" userId="a6295d4dc9e22643" providerId="LiveId" clId="{0478CFAF-F744-4001-ABF3-5E8A4958592B}" dt="2025-07-03T10:13:29.318" v="498" actId="21"/>
+          <ac:cxnSpMkLst>
+            <pc:docMk/>
+            <pc:sldMk cId="2370713982" sldId="258"/>
+            <ac:cxnSpMk id="2" creationId="{78FE547C-E0DD-A313-0B6C-3682E841EA64}"/>
+          </ac:cxnSpMkLst>
+        </pc:cxnChg>
+        <pc:cxnChg chg="add mod">
+          <ac:chgData name="Fatima Pillosu" userId="a6295d4dc9e22643" providerId="LiveId" clId="{0478CFAF-F744-4001-ABF3-5E8A4958592B}" dt="2025-07-03T10:13:38.626" v="499"/>
+          <ac:cxnSpMkLst>
+            <pc:docMk/>
+            <pc:sldMk cId="2370713982" sldId="258"/>
+            <ac:cxnSpMk id="7" creationId="{6B2B5BF2-676C-E1AE-BA62-2F7C9F6C9C70}"/>
+          </ac:cxnSpMkLst>
+        </pc:cxnChg>
+        <pc:cxnChg chg="add mod">
+          <ac:chgData name="Fatima Pillosu" userId="a6295d4dc9e22643" providerId="LiveId" clId="{0478CFAF-F744-4001-ABF3-5E8A4958592B}" dt="2025-07-03T10:13:38.626" v="499"/>
+          <ac:cxnSpMkLst>
+            <pc:docMk/>
+            <pc:sldMk cId="2370713982" sldId="258"/>
+            <ac:cxnSpMk id="8" creationId="{C03C5827-406F-B7CA-16D5-2D1C3286C854}"/>
+          </ac:cxnSpMkLst>
+        </pc:cxnChg>
+        <pc:cxnChg chg="add mod">
+          <ac:chgData name="Fatima Pillosu" userId="a6295d4dc9e22643" providerId="LiveId" clId="{0478CFAF-F744-4001-ABF3-5E8A4958592B}" dt="2025-07-03T10:13:38.626" v="499"/>
+          <ac:cxnSpMkLst>
+            <pc:docMk/>
+            <pc:sldMk cId="2370713982" sldId="258"/>
+            <ac:cxnSpMk id="10" creationId="{92F3CE2A-5F1A-1C78-2C29-5D73E908A641}"/>
+          </ac:cxnSpMkLst>
+        </pc:cxnChg>
+        <pc:cxnChg chg="add mod">
+          <ac:chgData name="Fatima Pillosu" userId="a6295d4dc9e22643" providerId="LiveId" clId="{0478CFAF-F744-4001-ABF3-5E8A4958592B}" dt="2025-07-03T10:13:38.626" v="499"/>
+          <ac:cxnSpMkLst>
+            <pc:docMk/>
+            <pc:sldMk cId="2370713982" sldId="258"/>
+            <ac:cxnSpMk id="13" creationId="{7DC2AC43-F265-6066-8ACE-435A1F981070}"/>
+          </ac:cxnSpMkLst>
+        </pc:cxnChg>
+        <pc:cxnChg chg="add mod">
+          <ac:chgData name="Fatima Pillosu" userId="a6295d4dc9e22643" providerId="LiveId" clId="{0478CFAF-F744-4001-ABF3-5E8A4958592B}" dt="2025-07-03T10:13:38.626" v="499"/>
+          <ac:cxnSpMkLst>
+            <pc:docMk/>
+            <pc:sldMk cId="2370713982" sldId="258"/>
+            <ac:cxnSpMk id="18" creationId="{B54C17C6-3C4D-8A4F-59E1-33BB2363B4F2}"/>
+          </ac:cxnSpMkLst>
+        </pc:cxnChg>
+        <pc:cxnChg chg="add mod">
+          <ac:chgData name="Fatima Pillosu" userId="a6295d4dc9e22643" providerId="LiveId" clId="{0478CFAF-F744-4001-ABF3-5E8A4958592B}" dt="2025-07-03T10:13:38.626" v="499"/>
+          <ac:cxnSpMkLst>
+            <pc:docMk/>
+            <pc:sldMk cId="2370713982" sldId="258"/>
+            <ac:cxnSpMk id="19" creationId="{256D26E3-8C15-B026-B526-6022B54CCA43}"/>
+          </ac:cxnSpMkLst>
+        </pc:cxnChg>
+        <pc:cxnChg chg="add mod">
+          <ac:chgData name="Fatima Pillosu" userId="a6295d4dc9e22643" providerId="LiveId" clId="{0478CFAF-F744-4001-ABF3-5E8A4958592B}" dt="2025-07-03T10:13:38.626" v="499"/>
+          <ac:cxnSpMkLst>
+            <pc:docMk/>
+            <pc:sldMk cId="2370713982" sldId="258"/>
+            <ac:cxnSpMk id="20" creationId="{8B8A5069-7969-C164-8418-15F4BE24B20F}"/>
+          </ac:cxnSpMkLst>
+        </pc:cxnChg>
+        <pc:cxnChg chg="add mod">
+          <ac:chgData name="Fatima Pillosu" userId="a6295d4dc9e22643" providerId="LiveId" clId="{0478CFAF-F744-4001-ABF3-5E8A4958592B}" dt="2025-07-03T10:13:38.626" v="499"/>
+          <ac:cxnSpMkLst>
+            <pc:docMk/>
+            <pc:sldMk cId="2370713982" sldId="258"/>
+            <ac:cxnSpMk id="34" creationId="{D6C433DB-BAA1-CC71-D29E-1CD90D5B8AA6}"/>
+          </ac:cxnSpMkLst>
+        </pc:cxnChg>
+        <pc:cxnChg chg="add mod">
+          <ac:chgData name="Fatima Pillosu" userId="a6295d4dc9e22643" providerId="LiveId" clId="{0478CFAF-F744-4001-ABF3-5E8A4958592B}" dt="2025-07-03T10:13:38.626" v="499"/>
+          <ac:cxnSpMkLst>
+            <pc:docMk/>
+            <pc:sldMk cId="2370713982" sldId="258"/>
+            <ac:cxnSpMk id="43" creationId="{C7C3581F-BB46-6BFD-88EC-1685548CDC83}"/>
+          </ac:cxnSpMkLst>
+        </pc:cxnChg>
+        <pc:cxnChg chg="add mod">
+          <ac:chgData name="Fatima Pillosu" userId="a6295d4dc9e22643" providerId="LiveId" clId="{0478CFAF-F744-4001-ABF3-5E8A4958592B}" dt="2025-07-03T10:13:38.626" v="499"/>
+          <ac:cxnSpMkLst>
+            <pc:docMk/>
+            <pc:sldMk cId="2370713982" sldId="258"/>
+            <ac:cxnSpMk id="48" creationId="{C90FD5CB-CFB6-24E9-74FD-5E099AAAFF1E}"/>
+          </ac:cxnSpMkLst>
+        </pc:cxnChg>
+        <pc:cxnChg chg="add mod">
+          <ac:chgData name="Fatima Pillosu" userId="a6295d4dc9e22643" providerId="LiveId" clId="{0478CFAF-F744-4001-ABF3-5E8A4958592B}" dt="2025-07-03T10:13:38.626" v="499"/>
+          <ac:cxnSpMkLst>
+            <pc:docMk/>
+            <pc:sldMk cId="2370713982" sldId="258"/>
+            <ac:cxnSpMk id="49" creationId="{05C4EC2C-B3F3-2097-D9EC-F18C3D347A17}"/>
+          </ac:cxnSpMkLst>
+        </pc:cxnChg>
+        <pc:cxnChg chg="add mod">
+          <ac:chgData name="Fatima Pillosu" userId="a6295d4dc9e22643" providerId="LiveId" clId="{0478CFAF-F744-4001-ABF3-5E8A4958592B}" dt="2025-07-03T10:13:38.626" v="499"/>
+          <ac:cxnSpMkLst>
+            <pc:docMk/>
+            <pc:sldMk cId="2370713982" sldId="258"/>
+            <ac:cxnSpMk id="50" creationId="{0EA9D7BD-3F7C-AE8D-C1CE-E9C384898216}"/>
+          </ac:cxnSpMkLst>
+        </pc:cxnChg>
+        <pc:cxnChg chg="add mod">
+          <ac:chgData name="Fatima Pillosu" userId="a6295d4dc9e22643" providerId="LiveId" clId="{0478CFAF-F744-4001-ABF3-5E8A4958592B}" dt="2025-07-03T10:13:38.626" v="499"/>
+          <ac:cxnSpMkLst>
+            <pc:docMk/>
+            <pc:sldMk cId="2370713982" sldId="258"/>
+            <ac:cxnSpMk id="51" creationId="{8AED844A-3F43-A4D7-963B-F1037DBA7454}"/>
+          </ac:cxnSpMkLst>
+        </pc:cxnChg>
+        <pc:cxnChg chg="add mod">
+          <ac:chgData name="Fatima Pillosu" userId="a6295d4dc9e22643" providerId="LiveId" clId="{0478CFAF-F744-4001-ABF3-5E8A4958592B}" dt="2025-07-03T10:13:38.626" v="499"/>
+          <ac:cxnSpMkLst>
+            <pc:docMk/>
+            <pc:sldMk cId="2370713982" sldId="258"/>
+            <ac:cxnSpMk id="52" creationId="{78FE547C-E0DD-A313-0B6C-3682E841EA64}"/>
+          </ac:cxnSpMkLst>
+        </pc:cxnChg>
+        <pc:cxnChg chg="del mod">
+          <ac:chgData name="Fatima Pillosu" userId="a6295d4dc9e22643" providerId="LiveId" clId="{0478CFAF-F744-4001-ABF3-5E8A4958592B}" dt="2025-07-03T10:13:29.318" v="498" actId="21"/>
+          <ac:cxnSpMkLst>
+            <pc:docMk/>
+            <pc:sldMk cId="2370713982" sldId="258"/>
+            <ac:cxnSpMk id="173" creationId="{6B2B5BF2-676C-E1AE-BA62-2F7C9F6C9C70}"/>
+          </ac:cxnSpMkLst>
+        </pc:cxnChg>
+        <pc:cxnChg chg="del">
+          <ac:chgData name="Fatima Pillosu" userId="a6295d4dc9e22643" providerId="LiveId" clId="{0478CFAF-F744-4001-ABF3-5E8A4958592B}" dt="2025-07-03T10:13:29.318" v="498" actId="21"/>
+          <ac:cxnSpMkLst>
+            <pc:docMk/>
+            <pc:sldMk cId="2370713982" sldId="258"/>
+            <ac:cxnSpMk id="174" creationId="{C03C5827-406F-B7CA-16D5-2D1C3286C854}"/>
+          </ac:cxnSpMkLst>
+        </pc:cxnChg>
+        <pc:cxnChg chg="del">
+          <ac:chgData name="Fatima Pillosu" userId="a6295d4dc9e22643" providerId="LiveId" clId="{0478CFAF-F744-4001-ABF3-5E8A4958592B}" dt="2025-07-03T10:13:29.318" v="498" actId="21"/>
+          <ac:cxnSpMkLst>
+            <pc:docMk/>
+            <pc:sldMk cId="2370713982" sldId="258"/>
+            <ac:cxnSpMk id="176" creationId="{92F3CE2A-5F1A-1C78-2C29-5D73E908A641}"/>
+          </ac:cxnSpMkLst>
+        </pc:cxnChg>
+        <pc:cxnChg chg="del mod">
+          <ac:chgData name="Fatima Pillosu" userId="a6295d4dc9e22643" providerId="LiveId" clId="{0478CFAF-F744-4001-ABF3-5E8A4958592B}" dt="2025-07-03T10:13:29.318" v="498" actId="21"/>
+          <ac:cxnSpMkLst>
+            <pc:docMk/>
+            <pc:sldMk cId="2370713982" sldId="258"/>
+            <ac:cxnSpMk id="179" creationId="{7DC2AC43-F265-6066-8ACE-435A1F981070}"/>
+          </ac:cxnSpMkLst>
+        </pc:cxnChg>
+        <pc:cxnChg chg="del">
+          <ac:chgData name="Fatima Pillosu" userId="a6295d4dc9e22643" providerId="LiveId" clId="{0478CFAF-F744-4001-ABF3-5E8A4958592B}" dt="2025-07-03T10:13:29.318" v="498" actId="21"/>
+          <ac:cxnSpMkLst>
+            <pc:docMk/>
+            <pc:sldMk cId="2370713982" sldId="258"/>
+            <ac:cxnSpMk id="184" creationId="{B54C17C6-3C4D-8A4F-59E1-33BB2363B4F2}"/>
+          </ac:cxnSpMkLst>
+        </pc:cxnChg>
+        <pc:cxnChg chg="del">
+          <ac:chgData name="Fatima Pillosu" userId="a6295d4dc9e22643" providerId="LiveId" clId="{0478CFAF-F744-4001-ABF3-5E8A4958592B}" dt="2025-07-03T10:13:29.318" v="498" actId="21"/>
+          <ac:cxnSpMkLst>
+            <pc:docMk/>
+            <pc:sldMk cId="2370713982" sldId="258"/>
+            <ac:cxnSpMk id="185" creationId="{256D26E3-8C15-B026-B526-6022B54CCA43}"/>
+          </ac:cxnSpMkLst>
+        </pc:cxnChg>
+        <pc:cxnChg chg="del mod">
+          <ac:chgData name="Fatima Pillosu" userId="a6295d4dc9e22643" providerId="LiveId" clId="{0478CFAF-F744-4001-ABF3-5E8A4958592B}" dt="2025-07-03T10:13:29.318" v="498" actId="21"/>
+          <ac:cxnSpMkLst>
+            <pc:docMk/>
+            <pc:sldMk cId="2370713982" sldId="258"/>
+            <ac:cxnSpMk id="186" creationId="{8B8A5069-7969-C164-8418-15F4BE24B20F}"/>
+          </ac:cxnSpMkLst>
+        </pc:cxnChg>
+        <pc:cxnChg chg="del mod">
+          <ac:chgData name="Fatima Pillosu" userId="a6295d4dc9e22643" providerId="LiveId" clId="{0478CFAF-F744-4001-ABF3-5E8A4958592B}" dt="2025-07-03T10:09:19.671" v="464" actId="478"/>
+          <ac:cxnSpMkLst>
+            <pc:docMk/>
+            <pc:sldMk cId="2370713982" sldId="258"/>
+            <ac:cxnSpMk id="188" creationId="{D5FAA1EB-8CDC-4657-65F7-67F78E902DA0}"/>
+          </ac:cxnSpMkLst>
+        </pc:cxnChg>
+        <pc:cxnChg chg="del mod">
+          <ac:chgData name="Fatima Pillosu" userId="a6295d4dc9e22643" providerId="LiveId" clId="{0478CFAF-F744-4001-ABF3-5E8A4958592B}" dt="2025-07-03T10:13:29.318" v="498" actId="21"/>
+          <ac:cxnSpMkLst>
+            <pc:docMk/>
+            <pc:sldMk cId="2370713982" sldId="258"/>
+            <ac:cxnSpMk id="201" creationId="{D6C433DB-BAA1-CC71-D29E-1CD90D5B8AA6}"/>
+          </ac:cxnSpMkLst>
+        </pc:cxnChg>
+        <pc:cxnChg chg="del mod">
+          <ac:chgData name="Fatima Pillosu" userId="a6295d4dc9e22643" providerId="LiveId" clId="{0478CFAF-F744-4001-ABF3-5E8A4958592B}" dt="2025-07-03T10:13:29.318" v="498" actId="21"/>
+          <ac:cxnSpMkLst>
+            <pc:docMk/>
+            <pc:sldMk cId="2370713982" sldId="258"/>
+            <ac:cxnSpMk id="210" creationId="{C7C3581F-BB46-6BFD-88EC-1685548CDC83}"/>
+          </ac:cxnSpMkLst>
+        </pc:cxnChg>
+        <pc:cxnChg chg="del">
+          <ac:chgData name="Fatima Pillosu" userId="a6295d4dc9e22643" providerId="LiveId" clId="{0478CFAF-F744-4001-ABF3-5E8A4958592B}" dt="2025-07-03T10:13:29.318" v="498" actId="21"/>
+          <ac:cxnSpMkLst>
+            <pc:docMk/>
+            <pc:sldMk cId="2370713982" sldId="258"/>
+            <ac:cxnSpMk id="215" creationId="{C90FD5CB-CFB6-24E9-74FD-5E099AAAFF1E}"/>
+          </ac:cxnSpMkLst>
+        </pc:cxnChg>
+        <pc:cxnChg chg="del">
+          <ac:chgData name="Fatima Pillosu" userId="a6295d4dc9e22643" providerId="LiveId" clId="{0478CFAF-F744-4001-ABF3-5E8A4958592B}" dt="2025-07-03T10:13:29.318" v="498" actId="21"/>
+          <ac:cxnSpMkLst>
+            <pc:docMk/>
+            <pc:sldMk cId="2370713982" sldId="258"/>
+            <ac:cxnSpMk id="216" creationId="{05C4EC2C-B3F3-2097-D9EC-F18C3D347A17}"/>
+          </ac:cxnSpMkLst>
+        </pc:cxnChg>
+        <pc:cxnChg chg="del">
+          <ac:chgData name="Fatima Pillosu" userId="a6295d4dc9e22643" providerId="LiveId" clId="{0478CFAF-F744-4001-ABF3-5E8A4958592B}" dt="2025-07-03T10:13:29.318" v="498" actId="21"/>
+          <ac:cxnSpMkLst>
+            <pc:docMk/>
+            <pc:sldMk cId="2370713982" sldId="258"/>
+            <ac:cxnSpMk id="217" creationId="{0EA9D7BD-3F7C-AE8D-C1CE-E9C384898216}"/>
+          </ac:cxnSpMkLst>
+        </pc:cxnChg>
+        <pc:cxnChg chg="del mod">
+          <ac:chgData name="Fatima Pillosu" userId="a6295d4dc9e22643" providerId="LiveId" clId="{0478CFAF-F744-4001-ABF3-5E8A4958592B}" dt="2025-07-03T10:13:29.318" v="498" actId="21"/>
+          <ac:cxnSpMkLst>
+            <pc:docMk/>
+            <pc:sldMk cId="2370713982" sldId="258"/>
+            <ac:cxnSpMk id="219" creationId="{8AED844A-3F43-A4D7-963B-F1037DBA7454}"/>
+          </ac:cxnSpMkLst>
+        </pc:cxnChg>
       </pc:sldChg>
     </pc:docChg>
   </pc:docChgLst>
@@ -5983,8 +6775,8 @@
         </p:nvSpPr>
         <p:spPr>
           <a:xfrm>
-            <a:off x="310515" y="1307865"/>
-            <a:ext cx="3519170" cy="2782217"/>
+            <a:off x="310515" y="1243173"/>
+            <a:ext cx="3519170" cy="2644599"/>
           </a:xfrm>
         </p:spPr>
         <p:txBody>
@@ -6015,8 +6807,8 @@
         </p:nvSpPr>
         <p:spPr>
           <a:xfrm>
-            <a:off x="517525" y="4197375"/>
-            <a:ext cx="3105150" cy="1929423"/>
+            <a:off x="517525" y="3989757"/>
+            <a:ext cx="3105150" cy="1833987"/>
           </a:xfrm>
         </p:spPr>
         <p:txBody>
@@ -6085,7 +6877,7 @@
           <a:p>
             <a:fld id="{26226F86-B123-4002-8175-586B5E8ACF57}" type="datetimeFigureOut">
               <a:rPr lang="en-GB" smtClean="0"/>
-              <a:t>12/06/2025</a:t>
+              <a:t>02/07/2025</a:t>
             </a:fld>
             <a:endParaRPr lang="en-GB"/>
           </a:p>
@@ -6136,7 +6928,7 @@
     </p:spTree>
     <p:extLst>
       <p:ext uri="{BB962C8B-B14F-4D97-AF65-F5344CB8AC3E}">
-        <p14:creationId xmlns:p14="http://schemas.microsoft.com/office/powerpoint/2010/main" val="3900935617"/>
+        <p14:creationId xmlns:p14="http://schemas.microsoft.com/office/powerpoint/2010/main" val="3968974430"/>
       </p:ext>
     </p:extLst>
   </p:cSld>
@@ -6255,7 +7047,7 @@
           <a:p>
             <a:fld id="{26226F86-B123-4002-8175-586B5E8ACF57}" type="datetimeFigureOut">
               <a:rPr lang="en-GB" smtClean="0"/>
-              <a:t>12/06/2025</a:t>
+              <a:t>02/07/2025</a:t>
             </a:fld>
             <a:endParaRPr lang="en-GB"/>
           </a:p>
@@ -6306,7 +7098,7 @@
     </p:spTree>
     <p:extLst>
       <p:ext uri="{BB962C8B-B14F-4D97-AF65-F5344CB8AC3E}">
-        <p14:creationId xmlns:p14="http://schemas.microsoft.com/office/powerpoint/2010/main" val="1508069228"/>
+        <p14:creationId xmlns:p14="http://schemas.microsoft.com/office/powerpoint/2010/main" val="2895606354"/>
       </p:ext>
     </p:extLst>
   </p:cSld>
@@ -6345,8 +7137,8 @@
         </p:nvSpPr>
         <p:spPr>
           <a:xfrm>
-            <a:off x="2962831" y="425472"/>
-            <a:ext cx="892731" cy="6772406"/>
+            <a:off x="2962831" y="404427"/>
+            <a:ext cx="892731" cy="6437418"/>
           </a:xfrm>
         </p:spPr>
         <p:txBody>
@@ -6373,8 +7165,8 @@
         </p:nvSpPr>
         <p:spPr>
           <a:xfrm>
-            <a:off x="284639" y="425472"/>
-            <a:ext cx="2626439" cy="6772406"/>
+            <a:off x="284639" y="404427"/>
+            <a:ext cx="2626439" cy="6437418"/>
           </a:xfrm>
         </p:spPr>
         <p:txBody>
@@ -6435,7 +7227,7 @@
           <a:p>
             <a:fld id="{26226F86-B123-4002-8175-586B5E8ACF57}" type="datetimeFigureOut">
               <a:rPr lang="en-GB" smtClean="0"/>
-              <a:t>12/06/2025</a:t>
+              <a:t>02/07/2025</a:t>
             </a:fld>
             <a:endParaRPr lang="en-GB"/>
           </a:p>
@@ -6486,7 +7278,7 @@
     </p:spTree>
     <p:extLst>
       <p:ext uri="{BB962C8B-B14F-4D97-AF65-F5344CB8AC3E}">
-        <p14:creationId xmlns:p14="http://schemas.microsoft.com/office/powerpoint/2010/main" val="383022387"/>
+        <p14:creationId xmlns:p14="http://schemas.microsoft.com/office/powerpoint/2010/main" val="2379376403"/>
       </p:ext>
     </p:extLst>
   </p:cSld>
@@ -6605,7 +7397,7 @@
           <a:p>
             <a:fld id="{26226F86-B123-4002-8175-586B5E8ACF57}" type="datetimeFigureOut">
               <a:rPr lang="en-GB" smtClean="0"/>
-              <a:t>12/06/2025</a:t>
+              <a:t>02/07/2025</a:t>
             </a:fld>
             <a:endParaRPr lang="en-GB"/>
           </a:p>
@@ -6656,7 +7448,7 @@
     </p:spTree>
     <p:extLst>
       <p:ext uri="{BB962C8B-B14F-4D97-AF65-F5344CB8AC3E}">
-        <p14:creationId xmlns:p14="http://schemas.microsoft.com/office/powerpoint/2010/main" val="472665170"/>
+        <p14:creationId xmlns:p14="http://schemas.microsoft.com/office/powerpoint/2010/main" val="4128719797"/>
       </p:ext>
     </p:extLst>
   </p:cSld>
@@ -6695,8 +7487,8 @@
         </p:nvSpPr>
         <p:spPr>
           <a:xfrm>
-            <a:off x="282482" y="1992321"/>
-            <a:ext cx="3570923" cy="3324231"/>
+            <a:off x="282482" y="1893774"/>
+            <a:ext cx="3570923" cy="3159803"/>
           </a:xfrm>
         </p:spPr>
         <p:txBody>
@@ -6727,8 +7519,8 @@
         </p:nvSpPr>
         <p:spPr>
           <a:xfrm>
-            <a:off x="282482" y="5348001"/>
-            <a:ext cx="3570923" cy="1748135"/>
+            <a:off x="282482" y="5083469"/>
+            <a:ext cx="3570923" cy="1661666"/>
           </a:xfrm>
         </p:spPr>
         <p:txBody>
@@ -6851,7 +7643,7 @@
           <a:p>
             <a:fld id="{26226F86-B123-4002-8175-586B5E8ACF57}" type="datetimeFigureOut">
               <a:rPr lang="en-GB" smtClean="0"/>
-              <a:t>12/06/2025</a:t>
+              <a:t>02/07/2025</a:t>
             </a:fld>
             <a:endParaRPr lang="en-GB"/>
           </a:p>
@@ -6902,7 +7694,7 @@
     </p:spTree>
     <p:extLst>
       <p:ext uri="{BB962C8B-B14F-4D97-AF65-F5344CB8AC3E}">
-        <p14:creationId xmlns:p14="http://schemas.microsoft.com/office/powerpoint/2010/main" val="1617335411"/>
+        <p14:creationId xmlns:p14="http://schemas.microsoft.com/office/powerpoint/2010/main" val="1634248628"/>
       </p:ext>
     </p:extLst>
   </p:cSld>
@@ -6964,8 +7756,8 @@
         </p:nvSpPr>
         <p:spPr>
           <a:xfrm>
-            <a:off x="284639" y="2127360"/>
-            <a:ext cx="1759585" cy="5070517"/>
+            <a:off x="284639" y="2022133"/>
+            <a:ext cx="1759585" cy="4819712"/>
           </a:xfrm>
         </p:spPr>
         <p:txBody>
@@ -7021,8 +7813,8 @@
         </p:nvSpPr>
         <p:spPr>
           <a:xfrm>
-            <a:off x="2095976" y="2127360"/>
-            <a:ext cx="1759585" cy="5070517"/>
+            <a:off x="2095976" y="2022133"/>
+            <a:ext cx="1759585" cy="4819712"/>
           </a:xfrm>
         </p:spPr>
         <p:txBody>
@@ -7083,7 +7875,7 @@
           <a:p>
             <a:fld id="{26226F86-B123-4002-8175-586B5E8ACF57}" type="datetimeFigureOut">
               <a:rPr lang="en-GB" smtClean="0"/>
-              <a:t>12/06/2025</a:t>
+              <a:t>02/07/2025</a:t>
             </a:fld>
             <a:endParaRPr lang="en-GB"/>
           </a:p>
@@ -7134,7 +7926,7 @@
     </p:spTree>
     <p:extLst>
       <p:ext uri="{BB962C8B-B14F-4D97-AF65-F5344CB8AC3E}">
-        <p14:creationId xmlns:p14="http://schemas.microsoft.com/office/powerpoint/2010/main" val="2022225238"/>
+        <p14:creationId xmlns:p14="http://schemas.microsoft.com/office/powerpoint/2010/main" val="3687292436"/>
       </p:ext>
     </p:extLst>
   </p:cSld>
@@ -7173,8 +7965,8 @@
         </p:nvSpPr>
         <p:spPr>
           <a:xfrm>
-            <a:off x="285178" y="425474"/>
-            <a:ext cx="3570923" cy="1544649"/>
+            <a:off x="285178" y="404428"/>
+            <a:ext cx="3570923" cy="1468245"/>
           </a:xfrm>
         </p:spPr>
         <p:txBody>
@@ -7201,8 +7993,8 @@
         </p:nvSpPr>
         <p:spPr>
           <a:xfrm>
-            <a:off x="285179" y="1959022"/>
-            <a:ext cx="1751498" cy="960086"/>
+            <a:off x="285179" y="1862122"/>
+            <a:ext cx="1751498" cy="912597"/>
           </a:xfrm>
         </p:spPr>
         <p:txBody>
@@ -7266,8 +8058,8 @@
         </p:nvSpPr>
         <p:spPr>
           <a:xfrm>
-            <a:off x="285179" y="2919108"/>
-            <a:ext cx="1751498" cy="4293569"/>
+            <a:off x="285179" y="2774719"/>
+            <a:ext cx="1751498" cy="4081193"/>
           </a:xfrm>
         </p:spPr>
         <p:txBody>
@@ -7323,8 +8115,8 @@
         </p:nvSpPr>
         <p:spPr>
           <a:xfrm>
-            <a:off x="2095977" y="1959022"/>
-            <a:ext cx="1760124" cy="960086"/>
+            <a:off x="2095977" y="1862122"/>
+            <a:ext cx="1760124" cy="912597"/>
           </a:xfrm>
         </p:spPr>
         <p:txBody>
@@ -7388,8 +8180,8 @@
         </p:nvSpPr>
         <p:spPr>
           <a:xfrm>
-            <a:off x="2095977" y="2919108"/>
-            <a:ext cx="1760124" cy="4293569"/>
+            <a:off x="2095977" y="2774719"/>
+            <a:ext cx="1760124" cy="4081193"/>
           </a:xfrm>
         </p:spPr>
         <p:txBody>
@@ -7450,7 +8242,7 @@
           <a:p>
             <a:fld id="{26226F86-B123-4002-8175-586B5E8ACF57}" type="datetimeFigureOut">
               <a:rPr lang="en-GB" smtClean="0"/>
-              <a:t>12/06/2025</a:t>
+              <a:t>02/07/2025</a:t>
             </a:fld>
             <a:endParaRPr lang="en-GB"/>
           </a:p>
@@ -7501,7 +8293,7 @@
     </p:spTree>
     <p:extLst>
       <p:ext uri="{BB962C8B-B14F-4D97-AF65-F5344CB8AC3E}">
-        <p14:creationId xmlns:p14="http://schemas.microsoft.com/office/powerpoint/2010/main" val="1680433592"/>
+        <p14:creationId xmlns:p14="http://schemas.microsoft.com/office/powerpoint/2010/main" val="4234823074"/>
       </p:ext>
     </p:extLst>
   </p:cSld>
@@ -7568,7 +8360,7 @@
           <a:p>
             <a:fld id="{26226F86-B123-4002-8175-586B5E8ACF57}" type="datetimeFigureOut">
               <a:rPr lang="en-GB" smtClean="0"/>
-              <a:t>12/06/2025</a:t>
+              <a:t>02/07/2025</a:t>
             </a:fld>
             <a:endParaRPr lang="en-GB"/>
           </a:p>
@@ -7619,7 +8411,7 @@
     </p:spTree>
     <p:extLst>
       <p:ext uri="{BB962C8B-B14F-4D97-AF65-F5344CB8AC3E}">
-        <p14:creationId xmlns:p14="http://schemas.microsoft.com/office/powerpoint/2010/main" val="445693269"/>
+        <p14:creationId xmlns:p14="http://schemas.microsoft.com/office/powerpoint/2010/main" val="1180495647"/>
       </p:ext>
     </p:extLst>
   </p:cSld>
@@ -7663,7 +8455,7 @@
           <a:p>
             <a:fld id="{26226F86-B123-4002-8175-586B5E8ACF57}" type="datetimeFigureOut">
               <a:rPr lang="en-GB" smtClean="0"/>
-              <a:t>12/06/2025</a:t>
+              <a:t>02/07/2025</a:t>
             </a:fld>
             <a:endParaRPr lang="en-GB"/>
           </a:p>
@@ -7714,7 +8506,7 @@
     </p:spTree>
     <p:extLst>
       <p:ext uri="{BB962C8B-B14F-4D97-AF65-F5344CB8AC3E}">
-        <p14:creationId xmlns:p14="http://schemas.microsoft.com/office/powerpoint/2010/main" val="3373522934"/>
+        <p14:creationId xmlns:p14="http://schemas.microsoft.com/office/powerpoint/2010/main" val="1768909274"/>
       </p:ext>
     </p:extLst>
   </p:cSld>
@@ -7753,8 +8545,8 @@
         </p:nvSpPr>
         <p:spPr>
           <a:xfrm>
-            <a:off x="285178" y="532765"/>
-            <a:ext cx="1335322" cy="1864678"/>
+            <a:off x="285178" y="506412"/>
+            <a:ext cx="1335322" cy="1772444"/>
           </a:xfrm>
         </p:spPr>
         <p:txBody>
@@ -7785,8 +8577,8 @@
         </p:nvSpPr>
         <p:spPr>
           <a:xfrm>
-            <a:off x="1760124" y="1150626"/>
-            <a:ext cx="2095976" cy="5679127"/>
+            <a:off x="1760124" y="1093712"/>
+            <a:ext cx="2095976" cy="5398217"/>
           </a:xfrm>
         </p:spPr>
         <p:txBody>
@@ -7870,8 +8662,8 @@
         </p:nvSpPr>
         <p:spPr>
           <a:xfrm>
-            <a:off x="285178" y="2397442"/>
-            <a:ext cx="1335322" cy="4441559"/>
+            <a:off x="285178" y="2278857"/>
+            <a:ext cx="1335322" cy="4221863"/>
           </a:xfrm>
         </p:spPr>
         <p:txBody>
@@ -7940,7 +8732,7 @@
           <a:p>
             <a:fld id="{26226F86-B123-4002-8175-586B5E8ACF57}" type="datetimeFigureOut">
               <a:rPr lang="en-GB" smtClean="0"/>
-              <a:t>12/06/2025</a:t>
+              <a:t>02/07/2025</a:t>
             </a:fld>
             <a:endParaRPr lang="en-GB"/>
           </a:p>
@@ -7991,7 +8783,7 @@
     </p:spTree>
     <p:extLst>
       <p:ext uri="{BB962C8B-B14F-4D97-AF65-F5344CB8AC3E}">
-        <p14:creationId xmlns:p14="http://schemas.microsoft.com/office/powerpoint/2010/main" val="1111042838"/>
+        <p14:creationId xmlns:p14="http://schemas.microsoft.com/office/powerpoint/2010/main" val="3032773821"/>
       </p:ext>
     </p:extLst>
   </p:cSld>
@@ -8030,8 +8822,8 @@
         </p:nvSpPr>
         <p:spPr>
           <a:xfrm>
-            <a:off x="285178" y="532765"/>
-            <a:ext cx="1335322" cy="1864678"/>
+            <a:off x="285178" y="506412"/>
+            <a:ext cx="1335322" cy="1772444"/>
           </a:xfrm>
         </p:spPr>
         <p:txBody>
@@ -8062,8 +8854,8 @@
         </p:nvSpPr>
         <p:spPr>
           <a:xfrm>
-            <a:off x="1760124" y="1150626"/>
-            <a:ext cx="2095976" cy="5679127"/>
+            <a:off x="1760124" y="1093712"/>
+            <a:ext cx="2095976" cy="5398217"/>
           </a:xfrm>
         </p:spPr>
         <p:txBody>
@@ -8127,8 +8919,8 @@
         </p:nvSpPr>
         <p:spPr>
           <a:xfrm>
-            <a:off x="285178" y="2397442"/>
-            <a:ext cx="1335322" cy="4441559"/>
+            <a:off x="285178" y="2278857"/>
+            <a:ext cx="1335322" cy="4221863"/>
           </a:xfrm>
         </p:spPr>
         <p:txBody>
@@ -8197,7 +8989,7 @@
           <a:p>
             <a:fld id="{26226F86-B123-4002-8175-586B5E8ACF57}" type="datetimeFigureOut">
               <a:rPr lang="en-GB" smtClean="0"/>
-              <a:t>12/06/2025</a:t>
+              <a:t>02/07/2025</a:t>
             </a:fld>
             <a:endParaRPr lang="en-GB"/>
           </a:p>
@@ -8248,7 +9040,7 @@
     </p:spTree>
     <p:extLst>
       <p:ext uri="{BB962C8B-B14F-4D97-AF65-F5344CB8AC3E}">
-        <p14:creationId xmlns:p14="http://schemas.microsoft.com/office/powerpoint/2010/main" val="98811895"/>
+        <p14:creationId xmlns:p14="http://schemas.microsoft.com/office/powerpoint/2010/main" val="437825404"/>
       </p:ext>
     </p:extLst>
   </p:cSld>
@@ -8292,8 +9084,8 @@
         </p:nvSpPr>
         <p:spPr>
           <a:xfrm>
-            <a:off x="284639" y="425474"/>
-            <a:ext cx="3570923" cy="1544649"/>
+            <a:off x="284639" y="404428"/>
+            <a:ext cx="3570923" cy="1468245"/>
           </a:xfrm>
           <a:prstGeom prst="rect">
             <a:avLst/>
@@ -8325,8 +9117,8 @@
         </p:nvSpPr>
         <p:spPr>
           <a:xfrm>
-            <a:off x="284639" y="2127360"/>
-            <a:ext cx="3570923" cy="5070517"/>
+            <a:off x="284639" y="2022133"/>
+            <a:ext cx="3570923" cy="4819712"/>
           </a:xfrm>
           <a:prstGeom prst="rect">
             <a:avLst/>
@@ -8387,8 +9179,8 @@
         </p:nvSpPr>
         <p:spPr>
           <a:xfrm>
-            <a:off x="284639" y="7406915"/>
-            <a:ext cx="931545" cy="425472"/>
+            <a:off x="284639" y="7040542"/>
+            <a:ext cx="931545" cy="404427"/>
           </a:xfrm>
           <a:prstGeom prst="rect">
             <a:avLst/>
@@ -8410,7 +9202,7 @@
           <a:p>
             <a:fld id="{26226F86-B123-4002-8175-586B5E8ACF57}" type="datetimeFigureOut">
               <a:rPr lang="en-GB" smtClean="0"/>
-              <a:t>12/06/2025</a:t>
+              <a:t>02/07/2025</a:t>
             </a:fld>
             <a:endParaRPr lang="en-GB"/>
           </a:p>
@@ -8428,8 +9220,8 @@
         </p:nvSpPr>
         <p:spPr>
           <a:xfrm>
-            <a:off x="1371441" y="7406915"/>
-            <a:ext cx="1397318" cy="425472"/>
+            <a:off x="1371441" y="7040542"/>
+            <a:ext cx="1397318" cy="404427"/>
           </a:xfrm>
           <a:prstGeom prst="rect">
             <a:avLst/>
@@ -8465,8 +9257,8 @@
         </p:nvSpPr>
         <p:spPr>
           <a:xfrm>
-            <a:off x="2924016" y="7406915"/>
-            <a:ext cx="931545" cy="425472"/>
+            <a:off x="2924016" y="7040542"/>
+            <a:ext cx="931545" cy="404427"/>
           </a:xfrm>
           <a:prstGeom prst="rect">
             <a:avLst/>
@@ -8497,23 +9289,23 @@
     </p:spTree>
     <p:extLst>
       <p:ext uri="{BB962C8B-B14F-4D97-AF65-F5344CB8AC3E}">
-        <p14:creationId xmlns:p14="http://schemas.microsoft.com/office/powerpoint/2010/main" val="1944114402"/>
+        <p14:creationId xmlns:p14="http://schemas.microsoft.com/office/powerpoint/2010/main" val="3103596789"/>
       </p:ext>
     </p:extLst>
   </p:cSld>
   <p:clrMap bg1="lt1" tx1="dk1" bg2="lt2" tx2="dk2" accent1="accent1" accent2="accent2" accent3="accent3" accent4="accent4" accent5="accent5" accent6="accent6" hlink="hlink" folHlink="folHlink"/>
   <p:sldLayoutIdLst>
-    <p:sldLayoutId id="2147483685" r:id="rId1"/>
-    <p:sldLayoutId id="2147483686" r:id="rId2"/>
-    <p:sldLayoutId id="2147483687" r:id="rId3"/>
-    <p:sldLayoutId id="2147483688" r:id="rId4"/>
-    <p:sldLayoutId id="2147483689" r:id="rId5"/>
-    <p:sldLayoutId id="2147483690" r:id="rId6"/>
-    <p:sldLayoutId id="2147483691" r:id="rId7"/>
-    <p:sldLayoutId id="2147483692" r:id="rId8"/>
-    <p:sldLayoutId id="2147483693" r:id="rId9"/>
-    <p:sldLayoutId id="2147483694" r:id="rId10"/>
-    <p:sldLayoutId id="2147483695" r:id="rId11"/>
+    <p:sldLayoutId id="2147483697" r:id="rId1"/>
+    <p:sldLayoutId id="2147483698" r:id="rId2"/>
+    <p:sldLayoutId id="2147483699" r:id="rId3"/>
+    <p:sldLayoutId id="2147483700" r:id="rId4"/>
+    <p:sldLayoutId id="2147483701" r:id="rId5"/>
+    <p:sldLayoutId id="2147483702" r:id="rId6"/>
+    <p:sldLayoutId id="2147483703" r:id="rId7"/>
+    <p:sldLayoutId id="2147483704" r:id="rId8"/>
+    <p:sldLayoutId id="2147483705" r:id="rId9"/>
+    <p:sldLayoutId id="2147483706" r:id="rId10"/>
+    <p:sldLayoutId id="2147483707" r:id="rId11"/>
   </p:sldLayoutIdLst>
   <p:txStyles>
     <p:titleStyle>
@@ -8823,7 +9615,7 @@
       </p:grpSpPr>
       <p:cxnSp>
         <p:nvCxnSpPr>
-          <p:cNvPr id="173" name="Straight Arrow Connector 172">
+          <p:cNvPr id="7" name="Straight Arrow Connector 6">
             <a:extLst>
               <a:ext uri="{FF2B5EF4-FFF2-40B4-BE49-F238E27FC236}">
                 <a16:creationId xmlns:a16="http://schemas.microsoft.com/office/drawing/2014/main" id="{6B2B5BF2-676C-E1AE-BA62-2F7C9F6C9C70}"/>
@@ -8837,7 +9629,7 @@
         </p:nvCxnSpPr>
         <p:spPr>
           <a:xfrm>
-            <a:off x="1814251" y="5841781"/>
+            <a:off x="1807853" y="5841781"/>
             <a:ext cx="0" cy="184430"/>
           </a:xfrm>
           <a:prstGeom prst="straightConnector1">
@@ -8870,7 +9662,7 @@
       </p:cxnSp>
       <p:cxnSp>
         <p:nvCxnSpPr>
-          <p:cNvPr id="174" name="Straight Arrow Connector 173">
+          <p:cNvPr id="8" name="Straight Arrow Connector 7">
             <a:extLst>
               <a:ext uri="{FF2B5EF4-FFF2-40B4-BE49-F238E27FC236}">
                 <a16:creationId xmlns:a16="http://schemas.microsoft.com/office/drawing/2014/main" id="{C03C5827-406F-B7CA-16D5-2D1C3286C854}"/>
@@ -8879,7 +9671,7 @@
           </p:cNvPr>
           <p:cNvCxnSpPr>
             <a:cxnSpLocks/>
-            <a:stCxn id="182" idx="2"/>
+            <a:stCxn id="16" idx="2"/>
           </p:cNvCxnSpPr>
           <p:nvPr/>
         </p:nvCxnSpPr>
@@ -8918,7 +9710,7 @@
       </p:cxnSp>
       <p:sp>
         <p:nvSpPr>
-          <p:cNvPr id="175" name="Rectangle 174">
+          <p:cNvPr id="9" name="Rectangle 8">
             <a:extLst>
               <a:ext uri="{FF2B5EF4-FFF2-40B4-BE49-F238E27FC236}">
                 <a16:creationId xmlns:a16="http://schemas.microsoft.com/office/drawing/2014/main" id="{37757665-AC28-C2D7-9288-A4F262BEDCA5}"/>
@@ -8977,10 +9769,10 @@
                 <a:solidFill>
                   <a:srgbClr val="009900"/>
                 </a:solidFill>
-                <a:latin typeface="Calibri Light" panose="020F0302020204030204" pitchFamily="34" charset="0"/>
-                <a:cs typeface="Calibri Light" panose="020F0302020204030204" pitchFamily="34" charset="0"/>
+                <a:latin typeface="Calibri" panose="020F0502020204030204" pitchFamily="34" charset="0"/>
+                <a:cs typeface="Calibri" panose="020F0502020204030204" pitchFamily="34" charset="0"/>
               </a:rPr>
-              <a:t>precision-recall curves</a:t>
+              <a:t>Precision-Recall curves</a:t>
             </a:r>
             <a:r>
               <a:rPr lang="en-GB" sz="800" dirty="0">
@@ -8997,10 +9789,10 @@
                 <a:solidFill>
                   <a:srgbClr val="009900"/>
                 </a:solidFill>
-                <a:latin typeface="Calibri Light" panose="020F0302020204030204" pitchFamily="34" charset="0"/>
-                <a:cs typeface="Calibri Light" panose="020F0302020204030204" pitchFamily="34" charset="0"/>
+                <a:latin typeface="Calibri" panose="020F0502020204030204" pitchFamily="34" charset="0"/>
+                <a:cs typeface="Calibri" panose="020F0502020204030204" pitchFamily="34" charset="0"/>
               </a:rPr>
-              <a:t>auprc</a:t>
+              <a:t>AUC-PR</a:t>
             </a:r>
             <a:r>
               <a:rPr lang="en-GB" sz="800" dirty="0">
@@ -9017,10 +9809,10 @@
                 <a:solidFill>
                   <a:srgbClr val="009900"/>
                 </a:solidFill>
-                <a:latin typeface="Calibri Light" panose="020F0302020204030204" pitchFamily="34" charset="0"/>
-                <a:cs typeface="Calibri Light" panose="020F0302020204030204" pitchFamily="34" charset="0"/>
+                <a:latin typeface="Calibri" panose="020F0502020204030204" pitchFamily="34" charset="0"/>
+                <a:cs typeface="Calibri" panose="020F0502020204030204" pitchFamily="34" charset="0"/>
               </a:rPr>
-              <a:t>roc curves</a:t>
+              <a:t>ROC curves</a:t>
             </a:r>
             <a:r>
               <a:rPr lang="en-GB" sz="800" dirty="0">
@@ -9037,10 +9829,10 @@
                 <a:solidFill>
                   <a:srgbClr val="009900"/>
                 </a:solidFill>
-                <a:latin typeface="Calibri Light" panose="020F0302020204030204" pitchFamily="34" charset="0"/>
-                <a:cs typeface="Calibri Light" panose="020F0302020204030204" pitchFamily="34" charset="0"/>
+                <a:latin typeface="Calibri" panose="020F0502020204030204" pitchFamily="34" charset="0"/>
+                <a:cs typeface="Calibri" panose="020F0502020204030204" pitchFamily="34" charset="0"/>
               </a:rPr>
-              <a:t>aroc</a:t>
+              <a:t>AUC-ROC</a:t>
             </a:r>
             <a:r>
               <a:rPr lang="en-GB" sz="800" dirty="0">
@@ -9057,8 +9849,8 @@
                 <a:solidFill>
                   <a:srgbClr val="009900"/>
                 </a:solidFill>
-                <a:latin typeface="Calibri Light" panose="020F0302020204030204" pitchFamily="34" charset="0"/>
-                <a:cs typeface="Calibri Light" panose="020F0302020204030204" pitchFamily="34" charset="0"/>
+                <a:latin typeface="Calibri" panose="020F0502020204030204" pitchFamily="34" charset="0"/>
+                <a:cs typeface="Calibri" panose="020F0502020204030204" pitchFamily="34" charset="0"/>
               </a:rPr>
               <a:t>reliability diagrams</a:t>
             </a:r>
@@ -9077,10 +9869,20 @@
                 <a:solidFill>
                   <a:srgbClr val="009900"/>
                 </a:solidFill>
+                <a:latin typeface="Calibri" panose="020F0502020204030204" pitchFamily="34" charset="0"/>
+                <a:cs typeface="Calibri" panose="020F0502020204030204" pitchFamily="34" charset="0"/>
+              </a:rPr>
+              <a:t>frequency bias</a:t>
+            </a:r>
+            <a:r>
+              <a:rPr lang="en-GB" sz="800" b="1" dirty="0">
+                <a:solidFill>
+                  <a:srgbClr val="009900"/>
+                </a:solidFill>
                 <a:latin typeface="Calibri Light" panose="020F0302020204030204" pitchFamily="34" charset="0"/>
                 <a:cs typeface="Calibri Light" panose="020F0302020204030204" pitchFamily="34" charset="0"/>
               </a:rPr>
-              <a:t>frequency bias.</a:t>
+              <a:t>.</a:t>
             </a:r>
             <a:endParaRPr lang="en-GB" sz="800" dirty="0">
               <a:solidFill>
@@ -9094,7 +9896,7 @@
       </p:sp>
       <p:cxnSp>
         <p:nvCxnSpPr>
-          <p:cNvPr id="176" name="Straight Arrow Connector 175">
+          <p:cNvPr id="10" name="Straight Arrow Connector 9">
             <a:extLst>
               <a:ext uri="{FF2B5EF4-FFF2-40B4-BE49-F238E27FC236}">
                 <a16:creationId xmlns:a16="http://schemas.microsoft.com/office/drawing/2014/main" id="{92F3CE2A-5F1A-1C78-2C29-5D73E908A641}"/>
@@ -9103,7 +9905,7 @@
           </p:cNvPr>
           <p:cNvCxnSpPr>
             <a:cxnSpLocks/>
-            <a:endCxn id="175" idx="3"/>
+            <a:endCxn id="9" idx="3"/>
           </p:cNvCxnSpPr>
           <p:nvPr/>
         </p:nvCxnSpPr>
@@ -9142,7 +9944,7 @@
       </p:cxnSp>
       <p:sp>
         <p:nvSpPr>
-          <p:cNvPr id="177" name="Rectangle 176">
+          <p:cNvPr id="11" name="Rectangle 10">
             <a:extLst>
               <a:ext uri="{FF2B5EF4-FFF2-40B4-BE49-F238E27FC236}">
                 <a16:creationId xmlns:a16="http://schemas.microsoft.com/office/drawing/2014/main" id="{6E3975A0-04BD-A32C-5C8E-87D363BCBF43}"/>
@@ -9186,19 +9988,6 @@
           <a:lstStyle/>
           <a:p>
             <a:r>
-              <a:rPr lang="en-GB" sz="1200" b="1">
-                <a:solidFill>
-                  <a:schemeClr val="tx1">
-                    <a:lumMod val="75000"/>
-                    <a:lumOff val="25000"/>
-                  </a:schemeClr>
-                </a:solidFill>
-                <a:latin typeface="Calibri" panose="020F0502020204030204" pitchFamily="34" charset="0"/>
-                <a:cs typeface="Calibri" panose="020F0502020204030204" pitchFamily="34" charset="0"/>
-              </a:rPr>
-              <a:t>Workflow for </a:t>
-            </a:r>
-            <a:r>
               <a:rPr lang="en-GB" sz="1200" b="1" dirty="0">
                 <a:solidFill>
                   <a:schemeClr val="tx1">
@@ -9209,7 +9998,7 @@
                 <a:latin typeface="Calibri" panose="020F0502020204030204" pitchFamily="34" charset="0"/>
                 <a:cs typeface="Calibri" panose="020F0502020204030204" pitchFamily="34" charset="0"/>
               </a:rPr>
-              <a:t>training data-driven predictive models</a:t>
+              <a:t>Workflow for training data-driven predictive models</a:t>
             </a:r>
           </a:p>
           <a:p>
@@ -9231,7 +10020,7 @@
       </p:sp>
       <p:sp>
         <p:nvSpPr>
-          <p:cNvPr id="178" name="Rectangle 177">
+          <p:cNvPr id="12" name="Rectangle 11">
             <a:extLst>
               <a:ext uri="{FF2B5EF4-FFF2-40B4-BE49-F238E27FC236}">
                 <a16:creationId xmlns:a16="http://schemas.microsoft.com/office/drawing/2014/main" id="{EC3C4672-BBD3-831C-7CA8-0C6A492C9F9C}"/>
@@ -9243,13 +10032,15 @@
         </p:nvSpPr>
         <p:spPr>
           <a:xfrm>
-            <a:off x="565693" y="572085"/>
-            <a:ext cx="3008814" cy="264384"/>
+            <a:off x="490149" y="572085"/>
+            <a:ext cx="3159903" cy="264384"/>
           </a:xfrm>
           <a:prstGeom prst="rect">
             <a:avLst/>
           </a:prstGeom>
-          <a:noFill/>
+          <a:solidFill>
+            <a:srgbClr val="800080"/>
+          </a:solidFill>
           <a:ln w="3175">
             <a:solidFill>
               <a:schemeClr val="tx1">
@@ -9281,76 +10072,124 @@
           <a:p>
             <a:pPr algn="ctr"/>
             <a:r>
-              <a:rPr lang="en-GB" sz="800" dirty="0">
+              <a:rPr lang="en-GB" sz="800" u="sng" dirty="0">
                 <a:solidFill>
-                  <a:schemeClr val="tx1">
-                    <a:lumMod val="75000"/>
-                    <a:lumOff val="25000"/>
-                  </a:schemeClr>
+                  <a:schemeClr val="bg1"/>
                 </a:solidFill>
                 <a:latin typeface="Calibri Light" panose="020F0302020204030204" pitchFamily="34" charset="0"/>
                 <a:cs typeface="Calibri Light" panose="020F0302020204030204" pitchFamily="34" charset="0"/>
               </a:rPr>
-              <a:t>Imbalanced training dataset (from 2001 to 2020)</a:t>
-            </a:r>
-          </a:p>
-          <a:p>
-            <a:pPr algn="ctr"/>
-            <a:r>
-              <a:rPr lang="en-GB" sz="800" b="1" dirty="0">
+              <a:t>Imbalanced</a:t>
+            </a:r>
+            <a:r>
+              <a:rPr lang="en-GB" sz="800" dirty="0">
                 <a:solidFill>
-                  <a:schemeClr val="tx1">
-                    <a:lumMod val="75000"/>
-                    <a:lumOff val="25000"/>
-                  </a:schemeClr>
+                  <a:schemeClr val="bg1"/>
                 </a:solidFill>
                 <a:latin typeface="Calibri Light" panose="020F0302020204030204" pitchFamily="34" charset="0"/>
                 <a:cs typeface="Calibri Light" panose="020F0302020204030204" pitchFamily="34" charset="0"/>
               </a:rPr>
-              <a:t>m = 19M </a:t>
-            </a:r>
-            <a:r>
-              <a:rPr lang="en-GB" sz="800" dirty="0">
+              <a:t> training dataset (from 2001 to 2020)</a:t>
+            </a:r>
+          </a:p>
+          <a:p>
+            <a:pPr algn="ctr"/>
+            <a:r>
+              <a:rPr lang="en-GB" sz="800" b="1" dirty="0">
                 <a:solidFill>
-                  <a:schemeClr val="tx1">
-                    <a:lumMod val="75000"/>
-                    <a:lumOff val="25000"/>
-                  </a:schemeClr>
+                  <a:schemeClr val="bg1"/>
+                </a:solidFill>
+                <a:latin typeface="Calibri" panose="020F0502020204030204" pitchFamily="34" charset="0"/>
+                <a:cs typeface="Calibri" panose="020F0502020204030204" pitchFamily="34" charset="0"/>
+              </a:rPr>
+              <a:t>m = 19.75M</a:t>
+            </a:r>
+            <a:r>
+              <a:rPr lang="en-GB" sz="800" b="1" dirty="0">
+                <a:solidFill>
+                  <a:schemeClr val="bg1"/>
                 </a:solidFill>
                 <a:latin typeface="Calibri Light" panose="020F0302020204030204" pitchFamily="34" charset="0"/>
                 <a:cs typeface="Calibri Light" panose="020F0302020204030204" pitchFamily="34" charset="0"/>
               </a:rPr>
-              <a:t>data points, of which only </a:t>
+              <a:t> </a:t>
+            </a:r>
+            <a:r>
+              <a:rPr lang="en-GB" sz="800" dirty="0">
+                <a:solidFill>
+                  <a:schemeClr val="bg1"/>
+                </a:solidFill>
+                <a:latin typeface="Calibri Light" panose="020F0302020204030204" pitchFamily="34" charset="0"/>
+                <a:cs typeface="Calibri Light" panose="020F0302020204030204" pitchFamily="34" charset="0"/>
+              </a:rPr>
+              <a:t>data points, of which </a:t>
             </a:r>
             <a:r>
               <a:rPr lang="en-GB" sz="800" b="1" dirty="0">
                 <a:solidFill>
-                  <a:schemeClr val="tx1">
-                    <a:lumMod val="75000"/>
-                    <a:lumOff val="25000"/>
-                  </a:schemeClr>
+                  <a:schemeClr val="bg1"/>
                 </a:solidFill>
                 <a:latin typeface="Calibri" panose="020F0502020204030204" pitchFamily="34" charset="0"/>
                 <a:cs typeface="Calibri" panose="020F0502020204030204" pitchFamily="34" charset="0"/>
               </a:rPr>
-              <a:t>53245 (0.27%) are yes-events</a:t>
-            </a:r>
-            <a:endParaRPr lang="en-GB" sz="800" dirty="0">
-              <a:solidFill>
-                <a:schemeClr val="tx1">
-                  <a:lumMod val="75000"/>
-                  <a:lumOff val="25000"/>
-                </a:schemeClr>
-              </a:solidFill>
-              <a:latin typeface="Calibri Light" panose="020F0302020204030204" pitchFamily="34" charset="0"/>
-              <a:cs typeface="Calibri Light" panose="020F0302020204030204" pitchFamily="34" charset="0"/>
-            </a:endParaRPr>
+              <a:t>53245 </a:t>
+            </a:r>
+            <a:r>
+              <a:rPr lang="en-GB" sz="800" dirty="0">
+                <a:solidFill>
+                  <a:schemeClr val="bg1"/>
+                </a:solidFill>
+                <a:latin typeface="Calibri Light" panose="020F0302020204030204" pitchFamily="34" charset="0"/>
+                <a:cs typeface="Calibri Light" panose="020F0302020204030204" pitchFamily="34" charset="0"/>
+              </a:rPr>
+              <a:t>(</a:t>
+            </a:r>
+            <a:r>
+              <a:rPr lang="en-GB" sz="800" b="1" dirty="0">
+                <a:solidFill>
+                  <a:schemeClr val="bg1"/>
+                </a:solidFill>
+                <a:latin typeface="Calibri" panose="020F0502020204030204" pitchFamily="34" charset="0"/>
+                <a:cs typeface="Calibri" panose="020F0502020204030204" pitchFamily="34" charset="0"/>
+              </a:rPr>
+              <a:t>0.27%</a:t>
+            </a:r>
+            <a:r>
+              <a:rPr lang="en-GB" sz="800" dirty="0">
+                <a:solidFill>
+                  <a:schemeClr val="bg1"/>
+                </a:solidFill>
+                <a:latin typeface="Calibri Light" panose="020F0302020204030204" pitchFamily="34" charset="0"/>
+                <a:cs typeface="Calibri Light" panose="020F0302020204030204" pitchFamily="34" charset="0"/>
+              </a:rPr>
+              <a:t>)</a:t>
+            </a:r>
+            <a:r>
+              <a:rPr lang="en-GB" sz="800" b="1" dirty="0">
+                <a:solidFill>
+                  <a:schemeClr val="bg1"/>
+                </a:solidFill>
+                <a:latin typeface="Calibri" panose="020F0502020204030204" pitchFamily="34" charset="0"/>
+                <a:cs typeface="Calibri" panose="020F0502020204030204" pitchFamily="34" charset="0"/>
+              </a:rPr>
+              <a:t> </a:t>
+            </a:r>
+            <a:r>
+              <a:rPr lang="en-GB" sz="800" dirty="0">
+                <a:solidFill>
+                  <a:schemeClr val="bg1"/>
+                </a:solidFill>
+                <a:latin typeface="Calibri Light" panose="020F0302020204030204" pitchFamily="34" charset="0"/>
+                <a:cs typeface="Calibri Light" panose="020F0302020204030204" pitchFamily="34" charset="0"/>
+              </a:rPr>
+              <a:t>are gridded yes-events</a:t>
+            </a:r>
           </a:p>
         </p:txBody>
       </p:sp>
       <p:cxnSp>
         <p:nvCxnSpPr>
-          <p:cNvPr id="179" name="Straight Arrow Connector 178">
+          <p:cNvPr id="13" name="Straight Arrow Connector 12">
             <a:extLst>
               <a:ext uri="{FF2B5EF4-FFF2-40B4-BE49-F238E27FC236}">
                 <a16:creationId xmlns:a16="http://schemas.microsoft.com/office/drawing/2014/main" id="{7DC2AC43-F265-6066-8ACE-435A1F981070}"/>
@@ -9359,14 +10198,14 @@
           </p:cNvPr>
           <p:cNvCxnSpPr>
             <a:cxnSpLocks/>
-            <a:stCxn id="178" idx="2"/>
+            <a:stCxn id="12" idx="2"/>
           </p:cNvCxnSpPr>
           <p:nvPr/>
         </p:nvCxnSpPr>
         <p:spPr>
           <a:xfrm>
-            <a:off x="2070100" y="836469"/>
-            <a:ext cx="1" cy="614581"/>
+            <a:off x="2070101" y="836469"/>
+            <a:ext cx="0" cy="614581"/>
           </a:xfrm>
           <a:prstGeom prst="straightConnector1">
             <a:avLst/>
@@ -9398,7 +10237,7 @@
       </p:cxnSp>
       <p:sp>
         <p:nvSpPr>
-          <p:cNvPr id="180" name="Rectangle 179">
+          <p:cNvPr id="14" name="Rectangle 13">
             <a:extLst>
               <a:ext uri="{FF2B5EF4-FFF2-40B4-BE49-F238E27FC236}">
                 <a16:creationId xmlns:a16="http://schemas.microsoft.com/office/drawing/2014/main" id="{A98AD652-CC49-61CB-93BF-590382B2DB5F}"/>
@@ -9474,7 +10313,7 @@
       </p:sp>
       <p:pic>
         <p:nvPicPr>
-          <p:cNvPr id="181" name="Picture 2" descr="Integrate scikit-learn (sklearn) with ZenML - Modeling Integrations">
+          <p:cNvPr id="15" name="Picture 2" descr="Integrate scikit-learn (sklearn) with ZenML - Modeling Integrations">
             <a:extLst>
               <a:ext uri="{FF2B5EF4-FFF2-40B4-BE49-F238E27FC236}">
                 <a16:creationId xmlns:a16="http://schemas.microsoft.com/office/drawing/2014/main" id="{E97DB556-868B-EC99-E5AE-818CEEC67257}"/>
@@ -9519,7 +10358,7 @@
       </p:pic>
       <p:sp>
         <p:nvSpPr>
-          <p:cNvPr id="182" name="Rectangle 181">
+          <p:cNvPr id="16" name="Rectangle 15">
             <a:extLst>
               <a:ext uri="{FF2B5EF4-FFF2-40B4-BE49-F238E27FC236}">
                 <a16:creationId xmlns:a16="http://schemas.microsoft.com/office/drawing/2014/main" id="{66347620-DBE3-A5F5-F8A3-7C2F7C6EBDE6}"/>
@@ -9582,7 +10421,7 @@
       </p:sp>
       <p:sp>
         <p:nvSpPr>
-          <p:cNvPr id="183" name="TextBox 182">
+          <p:cNvPr id="17" name="TextBox 16">
             <a:extLst>
               <a:ext uri="{FF2B5EF4-FFF2-40B4-BE49-F238E27FC236}">
                 <a16:creationId xmlns:a16="http://schemas.microsoft.com/office/drawing/2014/main" id="{4DC959A9-7C89-6A9D-8C2C-4CCD3B47ECC5}"/>
@@ -9624,7 +10463,7 @@
       </p:sp>
       <p:cxnSp>
         <p:nvCxnSpPr>
-          <p:cNvPr id="184" name="Straight Arrow Connector 183">
+          <p:cNvPr id="18" name="Straight Arrow Connector 17">
             <a:extLst>
               <a:ext uri="{FF2B5EF4-FFF2-40B4-BE49-F238E27FC236}">
                 <a16:creationId xmlns:a16="http://schemas.microsoft.com/office/drawing/2014/main" id="{B54C17C6-3C4D-8A4F-59E1-33BB2363B4F2}"/>
@@ -9668,7 +10507,7 @@
       </p:cxnSp>
       <p:cxnSp>
         <p:nvCxnSpPr>
-          <p:cNvPr id="185" name="Straight Arrow Connector 184">
+          <p:cNvPr id="19" name="Straight Arrow Connector 18">
             <a:extLst>
               <a:ext uri="{FF2B5EF4-FFF2-40B4-BE49-F238E27FC236}">
                 <a16:creationId xmlns:a16="http://schemas.microsoft.com/office/drawing/2014/main" id="{256D26E3-8C15-B026-B526-6022B54CCA43}"/>
@@ -9712,7 +10551,7 @@
       </p:cxnSp>
       <p:cxnSp>
         <p:nvCxnSpPr>
-          <p:cNvPr id="186" name="Straight Arrow Connector 185">
+          <p:cNvPr id="20" name="Straight Arrow Connector 19">
             <a:extLst>
               <a:ext uri="{FF2B5EF4-FFF2-40B4-BE49-F238E27FC236}">
                 <a16:creationId xmlns:a16="http://schemas.microsoft.com/office/drawing/2014/main" id="{8B8A5069-7969-C164-8418-15F4BE24B20F}"/>
@@ -9759,7 +10598,7 @@
       </p:cxnSp>
       <p:sp>
         <p:nvSpPr>
-          <p:cNvPr id="187" name="Rectangle 186">
+          <p:cNvPr id="21" name="Rectangle 20">
             <a:extLst>
               <a:ext uri="{FF2B5EF4-FFF2-40B4-BE49-F238E27FC236}">
                 <a16:creationId xmlns:a16="http://schemas.microsoft.com/office/drawing/2014/main" id="{AE7F31D2-F023-F7AB-A647-E119A53ECEA7}"/>
@@ -9771,8 +10610,8 @@
         </p:nvSpPr>
         <p:spPr>
           <a:xfrm>
-            <a:off x="514494" y="6638401"/>
-            <a:ext cx="3111212" cy="411559"/>
+            <a:off x="0" y="6675785"/>
+            <a:ext cx="4140200" cy="323055"/>
           </a:xfrm>
           <a:prstGeom prst="rect">
             <a:avLst/>
@@ -9819,15 +10658,12 @@
             <a:r>
               <a:rPr lang="en-GB" sz="800" b="1" dirty="0">
                 <a:solidFill>
-                  <a:schemeClr val="tx1">
-                    <a:lumMod val="75000"/>
-                    <a:lumOff val="25000"/>
-                  </a:schemeClr>
+                  <a:srgbClr val="009900"/>
                 </a:solidFill>
                 <a:latin typeface="Calibri" panose="020F0502020204030204" pitchFamily="34" charset="0"/>
                 <a:cs typeface="Calibri" panose="020F0502020204030204" pitchFamily="34" charset="0"/>
               </a:rPr>
-              <a:t>overall best set of hyperparameters </a:t>
+              <a:t>model corresponding to the fold with the best set of hyperparameters over the outer test datasets</a:t>
             </a:r>
             <a:r>
               <a:rPr lang="en-GB" sz="800" dirty="0">
@@ -9840,145 +10676,54 @@
                 <a:latin typeface="Calibri Light" panose="020F0302020204030204" pitchFamily="34" charset="0"/>
                 <a:cs typeface="Calibri Light" panose="020F0302020204030204" pitchFamily="34" charset="0"/>
               </a:rPr>
-              <a:t>out of all k_outer folds:</a:t>
-            </a:r>
-          </a:p>
-          <a:p>
-            <a:pPr algn="ctr"/>
+              <a:t>, and </a:t>
+            </a:r>
+            <a:r>
+              <a:rPr lang="en-GB" sz="800" b="1" dirty="0">
+                <a:solidFill>
+                  <a:srgbClr val="800080"/>
+                </a:solidFill>
+                <a:latin typeface="Calibri" panose="020F0502020204030204" pitchFamily="34" charset="0"/>
+                <a:cs typeface="Calibri" panose="020F0502020204030204" pitchFamily="34" charset="0"/>
+              </a:rPr>
+              <a:t>train it over the original training dataset </a:t>
+            </a:r>
             <a:r>
               <a:rPr lang="en-GB" sz="800" dirty="0">
                 <a:solidFill>
-                  <a:schemeClr val="tx1">
-                    <a:lumMod val="75000"/>
-                    <a:lumOff val="25000"/>
-                  </a:schemeClr>
+                  <a:srgbClr val="800080"/>
                 </a:solidFill>
                 <a:latin typeface="Calibri Light" panose="020F0302020204030204" pitchFamily="34" charset="0"/>
                 <a:cs typeface="Calibri Light" panose="020F0302020204030204" pitchFamily="34" charset="0"/>
               </a:rPr>
-              <a:t>-&gt; Compute the</a:t>
+              <a:t>(</a:t>
             </a:r>
             <a:r>
               <a:rPr lang="en-GB" sz="800" b="1" dirty="0">
                 <a:solidFill>
-                  <a:schemeClr val="tx1">
-                    <a:lumMod val="75000"/>
-                    <a:lumOff val="25000"/>
-                  </a:schemeClr>
+                  <a:srgbClr val="800080"/>
                 </a:solidFill>
                 <a:latin typeface="Calibri" panose="020F0502020204030204" pitchFamily="34" charset="0"/>
                 <a:cs typeface="Calibri" panose="020F0502020204030204" pitchFamily="34" charset="0"/>
               </a:rPr>
-              <a:t> mode</a:t>
+              <a:t>m</a:t>
             </a:r>
             <a:r>
               <a:rPr lang="en-GB" sz="800" dirty="0">
                 <a:solidFill>
-                  <a:schemeClr val="tx1">
-                    <a:lumMod val="75000"/>
-                    <a:lumOff val="25000"/>
-                  </a:schemeClr>
+                  <a:srgbClr val="800080"/>
                 </a:solidFill>
                 <a:latin typeface="Calibri Light" panose="020F0302020204030204" pitchFamily="34" charset="0"/>
                 <a:cs typeface="Calibri Light" panose="020F0302020204030204" pitchFamily="34" charset="0"/>
               </a:rPr>
-              <a:t> for categorical hyperparameters</a:t>
-            </a:r>
-          </a:p>
-          <a:p>
-            <a:pPr algn="ctr"/>
-            <a:r>
-              <a:rPr lang="en-GB" sz="800" dirty="0">
-                <a:solidFill>
-                  <a:schemeClr val="tx1">
-                    <a:lumMod val="75000"/>
-                    <a:lumOff val="25000"/>
-                  </a:schemeClr>
-                </a:solidFill>
-                <a:latin typeface="Calibri Light" panose="020F0302020204030204" pitchFamily="34" charset="0"/>
-                <a:cs typeface="Calibri Light" panose="020F0302020204030204" pitchFamily="34" charset="0"/>
-              </a:rPr>
-              <a:t>-&gt; Compute the</a:t>
-            </a:r>
-            <a:r>
-              <a:rPr lang="en-GB" sz="800" b="1" dirty="0">
-                <a:solidFill>
-                  <a:schemeClr val="tx1">
-                    <a:lumMod val="75000"/>
-                    <a:lumOff val="25000"/>
-                  </a:schemeClr>
-                </a:solidFill>
-                <a:latin typeface="Calibri" panose="020F0502020204030204" pitchFamily="34" charset="0"/>
-                <a:cs typeface="Calibri" panose="020F0502020204030204" pitchFamily="34" charset="0"/>
-              </a:rPr>
-              <a:t> median</a:t>
-            </a:r>
-            <a:r>
-              <a:rPr lang="en-GB" sz="800" dirty="0">
-                <a:solidFill>
-                  <a:schemeClr val="tx1">
-                    <a:lumMod val="75000"/>
-                    <a:lumOff val="25000"/>
-                  </a:schemeClr>
-                </a:solidFill>
-                <a:latin typeface="Calibri Light" panose="020F0302020204030204" pitchFamily="34" charset="0"/>
-                <a:cs typeface="Calibri Light" panose="020F0302020204030204" pitchFamily="34" charset="0"/>
-              </a:rPr>
-              <a:t> for numerical hyperparameters</a:t>
+              <a:t> datapoints)</a:t>
             </a:r>
           </a:p>
         </p:txBody>
       </p:sp>
-      <p:cxnSp>
-        <p:nvCxnSpPr>
-          <p:cNvPr id="188" name="Straight Arrow Connector 187">
-            <a:extLst>
-              <a:ext uri="{FF2B5EF4-FFF2-40B4-BE49-F238E27FC236}">
-                <a16:creationId xmlns:a16="http://schemas.microsoft.com/office/drawing/2014/main" id="{D5FAA1EB-8CDC-4657-65F7-67F78E902DA0}"/>
-              </a:ext>
-            </a:extLst>
-          </p:cNvPr>
-          <p:cNvCxnSpPr>
-            <a:cxnSpLocks/>
-          </p:cNvCxnSpPr>
-          <p:nvPr/>
-        </p:nvCxnSpPr>
-        <p:spPr>
-          <a:xfrm>
-            <a:off x="2070100" y="7057389"/>
-            <a:ext cx="0" cy="184430"/>
-          </a:xfrm>
-          <a:prstGeom prst="straightConnector1">
-            <a:avLst/>
-          </a:prstGeom>
-          <a:ln w="3175">
-            <a:solidFill>
-              <a:schemeClr val="tx1">
-                <a:lumMod val="75000"/>
-                <a:lumOff val="25000"/>
-              </a:schemeClr>
-            </a:solidFill>
-            <a:tailEnd type="triangle"/>
-          </a:ln>
-        </p:spPr>
-        <p:style>
-          <a:lnRef idx="2">
-            <a:schemeClr val="accent1"/>
-          </a:lnRef>
-          <a:fillRef idx="0">
-            <a:schemeClr val="accent1"/>
-          </a:fillRef>
-          <a:effectRef idx="1">
-            <a:schemeClr val="accent1"/>
-          </a:effectRef>
-          <a:fontRef idx="minor">
-            <a:schemeClr val="tx1"/>
-          </a:fontRef>
-        </p:style>
-      </p:cxnSp>
       <p:sp>
         <p:nvSpPr>
-          <p:cNvPr id="189" name="Parallelogram 188">
+          <p:cNvPr id="22" name="Parallelogram 21">
             <a:extLst>
               <a:ext uri="{FF2B5EF4-FFF2-40B4-BE49-F238E27FC236}">
                 <a16:creationId xmlns:a16="http://schemas.microsoft.com/office/drawing/2014/main" id="{1A0731B8-37BC-29FF-5EFB-3505DFCBB060}"/>
@@ -9990,7 +10735,7 @@
         </p:nvSpPr>
         <p:spPr>
           <a:xfrm>
-            <a:off x="1073151" y="7586584"/>
+            <a:off x="92655" y="7174515"/>
             <a:ext cx="2000607" cy="361106"/>
           </a:xfrm>
           <a:prstGeom prst="parallelogram">
@@ -10050,7 +10795,7 @@
       </p:sp>
       <p:pic>
         <p:nvPicPr>
-          <p:cNvPr id="190" name="Picture 189">
+          <p:cNvPr id="23" name="Picture 22">
             <a:extLst>
               <a:ext uri="{FF2B5EF4-FFF2-40B4-BE49-F238E27FC236}">
                 <a16:creationId xmlns:a16="http://schemas.microsoft.com/office/drawing/2014/main" id="{6A5460AA-4519-4CF9-A5F0-33FE5FD31A96}"/>
@@ -10080,7 +10825,7 @@
       </p:pic>
       <p:sp>
         <p:nvSpPr>
-          <p:cNvPr id="191" name="Rectangle 190">
+          <p:cNvPr id="24" name="Rectangle 23">
             <a:extLst>
               <a:ext uri="{FF2B5EF4-FFF2-40B4-BE49-F238E27FC236}">
                 <a16:creationId xmlns:a16="http://schemas.microsoft.com/office/drawing/2014/main" id="{5382C8C2-6F3C-50EB-0A51-B5F6DC1665D1}"/>
@@ -10143,7 +10888,7 @@
       </p:sp>
       <p:sp>
         <p:nvSpPr>
-          <p:cNvPr id="192" name="Rectangle 191">
+          <p:cNvPr id="25" name="Rectangle 24">
             <a:extLst>
               <a:ext uri="{FF2B5EF4-FFF2-40B4-BE49-F238E27FC236}">
                 <a16:creationId xmlns:a16="http://schemas.microsoft.com/office/drawing/2014/main" id="{AFE3A951-104C-CEDE-A21D-544D4B214711}"/>
@@ -10206,7 +10951,7 @@
       </p:sp>
       <p:sp>
         <p:nvSpPr>
-          <p:cNvPr id="193" name="Rectangle 192">
+          <p:cNvPr id="26" name="Rectangle 25">
             <a:extLst>
               <a:ext uri="{FF2B5EF4-FFF2-40B4-BE49-F238E27FC236}">
                 <a16:creationId xmlns:a16="http://schemas.microsoft.com/office/drawing/2014/main" id="{F81123FD-1880-7B13-64BB-A61B32D6C3FC}"/>
@@ -10269,7 +11014,7 @@
       </p:sp>
       <p:sp>
         <p:nvSpPr>
-          <p:cNvPr id="194" name="Rectangle 193">
+          <p:cNvPr id="27" name="Rectangle 26">
             <a:extLst>
               <a:ext uri="{FF2B5EF4-FFF2-40B4-BE49-F238E27FC236}">
                 <a16:creationId xmlns:a16="http://schemas.microsoft.com/office/drawing/2014/main" id="{68F25C0E-89BD-9175-A93B-76E013FBF0DD}"/>
@@ -10332,7 +11077,7 @@
       </p:sp>
       <p:sp>
         <p:nvSpPr>
-          <p:cNvPr id="195" name="Rectangle 194">
+          <p:cNvPr id="28" name="Rectangle 27">
             <a:extLst>
               <a:ext uri="{FF2B5EF4-FFF2-40B4-BE49-F238E27FC236}">
                 <a16:creationId xmlns:a16="http://schemas.microsoft.com/office/drawing/2014/main" id="{96248778-630E-7601-4FAE-FF9CFCDF1B42}"/>
@@ -10395,7 +11140,7 @@
       </p:sp>
       <p:sp>
         <p:nvSpPr>
-          <p:cNvPr id="196" name="Rectangle 195">
+          <p:cNvPr id="29" name="Rectangle 28">
             <a:extLst>
               <a:ext uri="{FF2B5EF4-FFF2-40B4-BE49-F238E27FC236}">
                 <a16:creationId xmlns:a16="http://schemas.microsoft.com/office/drawing/2014/main" id="{9CADC630-E44A-1A89-9FDE-8EDA7123B19C}"/>
@@ -10458,7 +11203,7 @@
       </p:sp>
       <p:sp>
         <p:nvSpPr>
-          <p:cNvPr id="197" name="Rectangle 196">
+          <p:cNvPr id="30" name="Rectangle 29">
             <a:extLst>
               <a:ext uri="{FF2B5EF4-FFF2-40B4-BE49-F238E27FC236}">
                 <a16:creationId xmlns:a16="http://schemas.microsoft.com/office/drawing/2014/main" id="{EAF3C8BC-9003-987C-E4A9-44A032A5528E}"/>
@@ -10521,7 +11266,7 @@
       </p:sp>
       <p:sp>
         <p:nvSpPr>
-          <p:cNvPr id="198" name="Rectangle 197">
+          <p:cNvPr id="31" name="Rectangle 30">
             <a:extLst>
               <a:ext uri="{FF2B5EF4-FFF2-40B4-BE49-F238E27FC236}">
                 <a16:creationId xmlns:a16="http://schemas.microsoft.com/office/drawing/2014/main" id="{28B436EB-88AE-9EF3-EB76-64B6D1FB6EEB}"/>
@@ -10584,7 +11329,7 @@
       </p:sp>
       <p:sp>
         <p:nvSpPr>
-          <p:cNvPr id="199" name="Rectangle 198">
+          <p:cNvPr id="32" name="Rectangle 31">
             <a:extLst>
               <a:ext uri="{FF2B5EF4-FFF2-40B4-BE49-F238E27FC236}">
                 <a16:creationId xmlns:a16="http://schemas.microsoft.com/office/drawing/2014/main" id="{F27C24D0-AB2A-41DB-6171-C0B6ED9E9A68}"/>
@@ -10647,7 +11392,7 @@
       </p:sp>
       <p:sp>
         <p:nvSpPr>
-          <p:cNvPr id="200" name="Rectangle 199">
+          <p:cNvPr id="33" name="Rectangle 32">
             <a:extLst>
               <a:ext uri="{FF2B5EF4-FFF2-40B4-BE49-F238E27FC236}">
                 <a16:creationId xmlns:a16="http://schemas.microsoft.com/office/drawing/2014/main" id="{41C377DF-3C36-42E1-684D-12BC83DB59C3}"/>
@@ -10659,8 +11404,8 @@
         </p:nvSpPr>
         <p:spPr>
           <a:xfrm>
-            <a:off x="326662" y="4638605"/>
-            <a:ext cx="2978473" cy="546157"/>
+            <a:off x="288074" y="4638605"/>
+            <a:ext cx="3028422" cy="546157"/>
           </a:xfrm>
           <a:prstGeom prst="rect">
             <a:avLst/>
@@ -10745,7 +11490,7 @@
                 <a:latin typeface="Calibri" panose="020F0502020204030204" pitchFamily="34" charset="0"/>
                 <a:cs typeface="Calibri" panose="020F0502020204030204" pitchFamily="34" charset="0"/>
               </a:rPr>
-              <a:t>auprc</a:t>
+              <a:t>AUC-PR</a:t>
             </a:r>
             <a:r>
               <a:rPr lang="en-GB" sz="800" dirty="0">
@@ -10765,7 +11510,7 @@
                 <a:latin typeface="Calibri" panose="020F0502020204030204" pitchFamily="34" charset="0"/>
                 <a:cs typeface="Calibri" panose="020F0502020204030204" pitchFamily="34" charset="0"/>
               </a:rPr>
-              <a:t>aroc</a:t>
+              <a:t>AUC-ROC</a:t>
             </a:r>
             <a:r>
               <a:rPr lang="en-GB" sz="800" dirty="0">
@@ -10808,7 +11553,7 @@
       </p:sp>
       <p:cxnSp>
         <p:nvCxnSpPr>
-          <p:cNvPr id="201" name="Straight Arrow Connector 200">
+          <p:cNvPr id="34" name="Straight Arrow Connector 33">
             <a:extLst>
               <a:ext uri="{FF2B5EF4-FFF2-40B4-BE49-F238E27FC236}">
                 <a16:creationId xmlns:a16="http://schemas.microsoft.com/office/drawing/2014/main" id="{D6C433DB-BAA1-CC71-D29E-1CD90D5B8AA6}"/>
@@ -10822,7 +11567,7 @@
         </p:nvCxnSpPr>
         <p:spPr>
           <a:xfrm>
-            <a:off x="1801455" y="4448774"/>
+            <a:off x="1807853" y="4448774"/>
             <a:ext cx="0" cy="183694"/>
           </a:xfrm>
           <a:prstGeom prst="straightConnector1">
@@ -10855,7 +11600,7 @@
       </p:cxnSp>
       <p:sp>
         <p:nvSpPr>
-          <p:cNvPr id="202" name="Rectangle 201">
+          <p:cNvPr id="35" name="Rectangle 34">
             <a:extLst>
               <a:ext uri="{FF2B5EF4-FFF2-40B4-BE49-F238E27FC236}">
                 <a16:creationId xmlns:a16="http://schemas.microsoft.com/office/drawing/2014/main" id="{2CFA74E3-D91E-2C27-4A99-D3D1A111919C}"/>
@@ -10956,7 +11701,7 @@
       </p:sp>
       <p:sp>
         <p:nvSpPr>
-          <p:cNvPr id="203" name="Rectangle 202">
+          <p:cNvPr id="36" name="Rectangle 35">
             <a:extLst>
               <a:ext uri="{FF2B5EF4-FFF2-40B4-BE49-F238E27FC236}">
                 <a16:creationId xmlns:a16="http://schemas.microsoft.com/office/drawing/2014/main" id="{CC497459-D1DC-EE9A-EE1D-815F28D2818C}"/>
@@ -11031,7 +11776,7 @@
       </p:sp>
       <p:sp>
         <p:nvSpPr>
-          <p:cNvPr id="204" name="Rectangle 203">
+          <p:cNvPr id="37" name="Rectangle 36">
             <a:extLst>
               <a:ext uri="{FF2B5EF4-FFF2-40B4-BE49-F238E27FC236}">
                 <a16:creationId xmlns:a16="http://schemas.microsoft.com/office/drawing/2014/main" id="{8A74094E-C336-74AA-E520-6856C354301A}"/>
@@ -11106,7 +11851,7 @@
       </p:sp>
       <p:sp>
         <p:nvSpPr>
-          <p:cNvPr id="205" name="Rectangle 204">
+          <p:cNvPr id="38" name="Rectangle 37">
             <a:extLst>
               <a:ext uri="{FF2B5EF4-FFF2-40B4-BE49-F238E27FC236}">
                 <a16:creationId xmlns:a16="http://schemas.microsoft.com/office/drawing/2014/main" id="{10B23706-9C8A-69A2-B423-B2EEB1C4D06D}"/>
@@ -11181,7 +11926,7 @@
       </p:sp>
       <p:sp>
         <p:nvSpPr>
-          <p:cNvPr id="206" name="Rectangle 205">
+          <p:cNvPr id="39" name="Rectangle 38">
             <a:extLst>
               <a:ext uri="{FF2B5EF4-FFF2-40B4-BE49-F238E27FC236}">
                 <a16:creationId xmlns:a16="http://schemas.microsoft.com/office/drawing/2014/main" id="{14A7D952-0782-7271-7F2A-BC6BC775B542}"/>
@@ -11243,7 +11988,7 @@
       </p:sp>
       <p:sp>
         <p:nvSpPr>
-          <p:cNvPr id="207" name="Rectangle 206">
+          <p:cNvPr id="40" name="Rectangle 39">
             <a:extLst>
               <a:ext uri="{FF2B5EF4-FFF2-40B4-BE49-F238E27FC236}">
                 <a16:creationId xmlns:a16="http://schemas.microsoft.com/office/drawing/2014/main" id="{06432789-ABB4-135D-C8F1-01F8D760F247}"/>
@@ -11305,7 +12050,7 @@
       </p:sp>
       <p:sp>
         <p:nvSpPr>
-          <p:cNvPr id="208" name="Rectangle 207">
+          <p:cNvPr id="41" name="Rectangle 40">
             <a:extLst>
               <a:ext uri="{FF2B5EF4-FFF2-40B4-BE49-F238E27FC236}">
                 <a16:creationId xmlns:a16="http://schemas.microsoft.com/office/drawing/2014/main" id="{C5603496-23AC-2551-E5E0-BDF8C60E9816}"/>
@@ -11367,7 +12112,7 @@
       </p:sp>
       <p:sp>
         <p:nvSpPr>
-          <p:cNvPr id="209" name="Rectangle 208">
+          <p:cNvPr id="42" name="Rectangle 41">
             <a:extLst>
               <a:ext uri="{FF2B5EF4-FFF2-40B4-BE49-F238E27FC236}">
                 <a16:creationId xmlns:a16="http://schemas.microsoft.com/office/drawing/2014/main" id="{BD4FCEEF-D9EE-3F9D-274E-A275AE7207AC}"/>
@@ -11428,7 +12173,7 @@
       </p:sp>
       <p:cxnSp>
         <p:nvCxnSpPr>
-          <p:cNvPr id="210" name="Straight Arrow Connector 209">
+          <p:cNvPr id="43" name="Straight Arrow Connector 42">
             <a:extLst>
               <a:ext uri="{FF2B5EF4-FFF2-40B4-BE49-F238E27FC236}">
                 <a16:creationId xmlns:a16="http://schemas.microsoft.com/office/drawing/2014/main" id="{C7C3581F-BB46-6BFD-88EC-1685548CDC83}"/>
@@ -11442,7 +12187,7 @@
         </p:nvCxnSpPr>
         <p:spPr>
           <a:xfrm>
-            <a:off x="1814251" y="5189502"/>
+            <a:off x="1807853" y="5189502"/>
             <a:ext cx="0" cy="184430"/>
           </a:xfrm>
           <a:prstGeom prst="straightConnector1">
@@ -11475,7 +12220,7 @@
       </p:cxnSp>
       <p:sp>
         <p:nvSpPr>
-          <p:cNvPr id="211" name="Rectangle 210">
+          <p:cNvPr id="44" name="Rectangle 43">
             <a:extLst>
               <a:ext uri="{FF2B5EF4-FFF2-40B4-BE49-F238E27FC236}">
                 <a16:creationId xmlns:a16="http://schemas.microsoft.com/office/drawing/2014/main" id="{54B4C05C-53AB-88AD-E871-B8862B4F61D3}"/>
@@ -11567,14 +12312,14 @@
                 <a:latin typeface="Calibri Light" panose="020F0302020204030204" pitchFamily="34" charset="0"/>
                 <a:cs typeface="Calibri Light" panose="020F0302020204030204" pitchFamily="34" charset="0"/>
               </a:rPr>
-              <a:t>and trains the model with it over the whole outer training dataset.</a:t>
+              <a:t>and trains the model with it over the entire outer training dataset.</a:t>
             </a:r>
           </a:p>
         </p:txBody>
       </p:sp>
       <p:sp>
         <p:nvSpPr>
-          <p:cNvPr id="212" name="Rectangle 211">
+          <p:cNvPr id="45" name="Rectangle 44">
             <a:extLst>
               <a:ext uri="{FF2B5EF4-FFF2-40B4-BE49-F238E27FC236}">
                 <a16:creationId xmlns:a16="http://schemas.microsoft.com/office/drawing/2014/main" id="{6EE46427-6BDE-882E-3A72-3DF2ED872F0A}"/>
@@ -11646,7 +12391,7 @@
       </p:sp>
       <p:sp>
         <p:nvSpPr>
-          <p:cNvPr id="213" name="TextBox 212">
+          <p:cNvPr id="46" name="TextBox 45">
             <a:extLst>
               <a:ext uri="{FF2B5EF4-FFF2-40B4-BE49-F238E27FC236}">
                 <a16:creationId xmlns:a16="http://schemas.microsoft.com/office/drawing/2014/main" id="{0BBE180E-9D2D-A30D-B94E-AB6240A4F89E}"/>
@@ -11688,7 +12433,7 @@
       </p:sp>
       <p:pic>
         <p:nvPicPr>
-          <p:cNvPr id="214" name="Graphic 213" descr="Refresh with solid fill">
+          <p:cNvPr id="47" name="Graphic 46" descr="Refresh with solid fill">
             <a:extLst>
               <a:ext uri="{FF2B5EF4-FFF2-40B4-BE49-F238E27FC236}">
                 <a16:creationId xmlns:a16="http://schemas.microsoft.com/office/drawing/2014/main" id="{682317A1-2BB1-8278-722B-8CE350ED4201}"/>
@@ -11724,7 +12469,7 @@
       </p:pic>
       <p:cxnSp>
         <p:nvCxnSpPr>
-          <p:cNvPr id="215" name="Straight Connector 214">
+          <p:cNvPr id="48" name="Straight Connector 47">
             <a:extLst>
               <a:ext uri="{FF2B5EF4-FFF2-40B4-BE49-F238E27FC236}">
                 <a16:creationId xmlns:a16="http://schemas.microsoft.com/office/drawing/2014/main" id="{C90FD5CB-CFB6-24E9-74FD-5E099AAAFF1E}"/>
@@ -11771,7 +12516,7 @@
       </p:cxnSp>
       <p:cxnSp>
         <p:nvCxnSpPr>
-          <p:cNvPr id="216" name="Straight Connector 215">
+          <p:cNvPr id="49" name="Straight Connector 48">
             <a:extLst>
               <a:ext uri="{FF2B5EF4-FFF2-40B4-BE49-F238E27FC236}">
                 <a16:creationId xmlns:a16="http://schemas.microsoft.com/office/drawing/2014/main" id="{05C4EC2C-B3F3-2097-D9EC-F18C3D347A17}"/>
@@ -11818,7 +12563,7 @@
       </p:cxnSp>
       <p:cxnSp>
         <p:nvCxnSpPr>
-          <p:cNvPr id="217" name="Straight Connector 216">
+          <p:cNvPr id="50" name="Straight Connector 49">
             <a:extLst>
               <a:ext uri="{FF2B5EF4-FFF2-40B4-BE49-F238E27FC236}">
                 <a16:creationId xmlns:a16="http://schemas.microsoft.com/office/drawing/2014/main" id="{0EA9D7BD-3F7C-AE8D-C1CE-E9C384898216}"/>
@@ -11863,97 +12608,9 @@
           </a:fontRef>
         </p:style>
       </p:cxnSp>
-      <p:sp>
-        <p:nvSpPr>
-          <p:cNvPr id="218" name="Rectangle 217">
-            <a:extLst>
-              <a:ext uri="{FF2B5EF4-FFF2-40B4-BE49-F238E27FC236}">
-                <a16:creationId xmlns:a16="http://schemas.microsoft.com/office/drawing/2014/main" id="{F39AC6C1-D9A5-4BB9-D077-438BD55748C0}"/>
-              </a:ext>
-            </a:extLst>
-          </p:cNvPr>
-          <p:cNvSpPr/>
-          <p:nvPr/>
-        </p:nvSpPr>
-        <p:spPr>
-          <a:xfrm>
-            <a:off x="514494" y="7212125"/>
-            <a:ext cx="3111212" cy="206737"/>
-          </a:xfrm>
-          <a:prstGeom prst="rect">
-            <a:avLst/>
-          </a:prstGeom>
-          <a:noFill/>
-          <a:ln w="3175">
-            <a:noFill/>
-          </a:ln>
-        </p:spPr>
-        <p:style>
-          <a:lnRef idx="2">
-            <a:schemeClr val="accent1">
-              <a:shade val="15000"/>
-            </a:schemeClr>
-          </a:lnRef>
-          <a:fillRef idx="1">
-            <a:schemeClr val="accent1"/>
-          </a:fillRef>
-          <a:effectRef idx="0">
-            <a:schemeClr val="accent1"/>
-          </a:effectRef>
-          <a:fontRef idx="minor">
-            <a:schemeClr val="lt1"/>
-          </a:fontRef>
-        </p:style>
-        <p:txBody>
-          <a:bodyPr rtlCol="0" anchor="ctr"/>
-          <a:lstStyle/>
-          <a:p>
-            <a:pPr algn="ctr"/>
-            <a:r>
-              <a:rPr lang="en-GB" sz="800" dirty="0">
-                <a:solidFill>
-                  <a:schemeClr val="tx1">
-                    <a:lumMod val="75000"/>
-                    <a:lumOff val="25000"/>
-                  </a:schemeClr>
-                </a:solidFill>
-                <a:latin typeface="Calibri Light" panose="020F0302020204030204" pitchFamily="34" charset="0"/>
-                <a:cs typeface="Calibri Light" panose="020F0302020204030204" pitchFamily="34" charset="0"/>
-              </a:rPr>
-              <a:t>Train the best model over the original training dataset (</a:t>
-            </a:r>
-            <a:r>
-              <a:rPr lang="en-GB" sz="800" b="1" dirty="0">
-                <a:solidFill>
-                  <a:schemeClr val="tx1">
-                    <a:lumMod val="75000"/>
-                    <a:lumOff val="25000"/>
-                  </a:schemeClr>
-                </a:solidFill>
-                <a:latin typeface="Calibri" panose="020F0502020204030204" pitchFamily="34" charset="0"/>
-                <a:cs typeface="Calibri" panose="020F0502020204030204" pitchFamily="34" charset="0"/>
-              </a:rPr>
-              <a:t>m</a:t>
-            </a:r>
-            <a:r>
-              <a:rPr lang="en-GB" sz="800" dirty="0">
-                <a:solidFill>
-                  <a:schemeClr val="tx1">
-                    <a:lumMod val="75000"/>
-                    <a:lumOff val="25000"/>
-                  </a:schemeClr>
-                </a:solidFill>
-                <a:latin typeface="Calibri Light" panose="020F0302020204030204" pitchFamily="34" charset="0"/>
-                <a:cs typeface="Calibri Light" panose="020F0302020204030204" pitchFamily="34" charset="0"/>
-              </a:rPr>
-              <a:t> datapoints)</a:t>
-            </a:r>
-          </a:p>
-        </p:txBody>
-      </p:sp>
       <p:cxnSp>
         <p:nvCxnSpPr>
-          <p:cNvPr id="219" name="Straight Arrow Connector 218">
+          <p:cNvPr id="51" name="Straight Arrow Connector 50">
             <a:extLst>
               <a:ext uri="{FF2B5EF4-FFF2-40B4-BE49-F238E27FC236}">
                 <a16:creationId xmlns:a16="http://schemas.microsoft.com/office/drawing/2014/main" id="{8AED844A-3F43-A4D7-963B-F1037DBA7454}"/>
@@ -11967,7 +12624,7 @@
         </p:nvCxnSpPr>
         <p:spPr>
           <a:xfrm>
-            <a:off x="2070100" y="7399812"/>
+            <a:off x="1089604" y="6987743"/>
             <a:ext cx="0" cy="184430"/>
           </a:xfrm>
           <a:prstGeom prst="straightConnector1">
@@ -11998,6 +12655,182 @@
           </a:fontRef>
         </p:style>
       </p:cxnSp>
+      <p:cxnSp>
+        <p:nvCxnSpPr>
+          <p:cNvPr id="52" name="Straight Arrow Connector 51">
+            <a:extLst>
+              <a:ext uri="{FF2B5EF4-FFF2-40B4-BE49-F238E27FC236}">
+                <a16:creationId xmlns:a16="http://schemas.microsoft.com/office/drawing/2014/main" id="{78FE547C-E0DD-A313-0B6C-3682E841EA64}"/>
+              </a:ext>
+            </a:extLst>
+          </p:cNvPr>
+          <p:cNvCxnSpPr>
+            <a:cxnSpLocks/>
+          </p:cNvCxnSpPr>
+          <p:nvPr/>
+        </p:nvCxnSpPr>
+        <p:spPr>
+          <a:xfrm>
+            <a:off x="1848368" y="7380025"/>
+            <a:ext cx="345978" cy="0"/>
+          </a:xfrm>
+          <a:prstGeom prst="straightConnector1">
+            <a:avLst/>
+          </a:prstGeom>
+          <a:ln w="3175">
+            <a:solidFill>
+              <a:schemeClr val="tx1">
+                <a:lumMod val="75000"/>
+                <a:lumOff val="25000"/>
+              </a:schemeClr>
+            </a:solidFill>
+            <a:tailEnd type="triangle"/>
+          </a:ln>
+        </p:spPr>
+        <p:style>
+          <a:lnRef idx="2">
+            <a:schemeClr val="accent1"/>
+          </a:lnRef>
+          <a:fillRef idx="0">
+            <a:schemeClr val="accent1"/>
+          </a:fillRef>
+          <a:effectRef idx="1">
+            <a:schemeClr val="accent1"/>
+          </a:effectRef>
+          <a:fontRef idx="minor">
+            <a:schemeClr val="tx1"/>
+          </a:fontRef>
+        </p:style>
+      </p:cxnSp>
+      <p:sp>
+        <p:nvSpPr>
+          <p:cNvPr id="53" name="Rectangle 52">
+            <a:extLst>
+              <a:ext uri="{FF2B5EF4-FFF2-40B4-BE49-F238E27FC236}">
+                <a16:creationId xmlns:a16="http://schemas.microsoft.com/office/drawing/2014/main" id="{27B7D5CF-81CA-4EAF-61FB-FBDB71CAE40F}"/>
+              </a:ext>
+            </a:extLst>
+          </p:cNvPr>
+          <p:cNvSpPr/>
+          <p:nvPr/>
+        </p:nvSpPr>
+        <p:spPr>
+          <a:xfrm>
+            <a:off x="2194346" y="7057502"/>
+            <a:ext cx="1856205" cy="485691"/>
+          </a:xfrm>
+          <a:prstGeom prst="rect">
+            <a:avLst/>
+          </a:prstGeom>
+          <a:solidFill>
+            <a:srgbClr val="00B0F0"/>
+          </a:solidFill>
+          <a:ln w="3175">
+            <a:solidFill>
+              <a:schemeClr val="tx1">
+                <a:lumMod val="75000"/>
+                <a:lumOff val="25000"/>
+              </a:schemeClr>
+            </a:solidFill>
+          </a:ln>
+        </p:spPr>
+        <p:style>
+          <a:lnRef idx="2">
+            <a:schemeClr val="accent1">
+              <a:shade val="15000"/>
+            </a:schemeClr>
+          </a:lnRef>
+          <a:fillRef idx="1">
+            <a:schemeClr val="accent1"/>
+          </a:fillRef>
+          <a:effectRef idx="0">
+            <a:schemeClr val="accent1"/>
+          </a:effectRef>
+          <a:fontRef idx="minor">
+            <a:schemeClr val="lt1"/>
+          </a:fontRef>
+        </p:style>
+        <p:txBody>
+          <a:bodyPr rtlCol="0" anchor="ctr"/>
+          <a:lstStyle/>
+          <a:p>
+            <a:pPr algn="ctr"/>
+            <a:r>
+              <a:rPr lang="en-GB" sz="800" dirty="0">
+                <a:solidFill>
+                  <a:schemeClr val="bg1"/>
+                </a:solidFill>
+                <a:latin typeface="Calibri Light" panose="020F0302020204030204" pitchFamily="34" charset="0"/>
+                <a:cs typeface="Calibri Light" panose="020F0302020204030204" pitchFamily="34" charset="0"/>
+              </a:rPr>
+              <a:t>Verification dataset (from 2021 to 2024)</a:t>
+            </a:r>
+          </a:p>
+          <a:p>
+            <a:pPr algn="ctr"/>
+            <a:r>
+              <a:rPr lang="en-GB" sz="800" b="1" dirty="0">
+                <a:solidFill>
+                  <a:schemeClr val="bg1"/>
+                </a:solidFill>
+                <a:latin typeface="Calibri" panose="020F0502020204030204" pitchFamily="34" charset="0"/>
+                <a:cs typeface="Calibri" panose="020F0502020204030204" pitchFamily="34" charset="0"/>
+              </a:rPr>
+              <a:t>n = 4.36M</a:t>
+            </a:r>
+            <a:r>
+              <a:rPr lang="en-GB" sz="800" dirty="0">
+                <a:solidFill>
+                  <a:schemeClr val="bg1"/>
+                </a:solidFill>
+                <a:latin typeface="Calibri Light" panose="020F0302020204030204" pitchFamily="34" charset="0"/>
+                <a:cs typeface="Calibri Light" panose="020F0302020204030204" pitchFamily="34" charset="0"/>
+              </a:rPr>
+              <a:t>, of which </a:t>
+            </a:r>
+            <a:r>
+              <a:rPr lang="en-GB" sz="800" b="1" dirty="0">
+                <a:solidFill>
+                  <a:schemeClr val="bg1"/>
+                </a:solidFill>
+                <a:latin typeface="Calibri" panose="020F0502020204030204" pitchFamily="34" charset="0"/>
+                <a:cs typeface="Calibri" panose="020F0502020204030204" pitchFamily="34" charset="0"/>
+              </a:rPr>
+              <a:t>10742</a:t>
+            </a:r>
+            <a:r>
+              <a:rPr lang="en-GB" sz="800" dirty="0">
+                <a:solidFill>
+                  <a:schemeClr val="bg1"/>
+                </a:solidFill>
+                <a:latin typeface="Calibri Light" panose="020F0302020204030204" pitchFamily="34" charset="0"/>
+                <a:cs typeface="Calibri Light" panose="020F0302020204030204" pitchFamily="34" charset="0"/>
+              </a:rPr>
+              <a:t> (</a:t>
+            </a:r>
+            <a:r>
+              <a:rPr lang="en-GB" sz="800" b="1" dirty="0">
+                <a:solidFill>
+                  <a:schemeClr val="bg1"/>
+                </a:solidFill>
+                <a:latin typeface="Calibri" panose="020F0502020204030204" pitchFamily="34" charset="0"/>
+                <a:cs typeface="Calibri" panose="020F0502020204030204" pitchFamily="34" charset="0"/>
+              </a:rPr>
+              <a:t>0.25%</a:t>
+            </a:r>
+            <a:r>
+              <a:rPr lang="en-GB" sz="800" dirty="0">
+                <a:solidFill>
+                  <a:schemeClr val="bg1"/>
+                </a:solidFill>
+                <a:latin typeface="Calibri Light" panose="020F0302020204030204" pitchFamily="34" charset="0"/>
+                <a:cs typeface="Calibri Light" panose="020F0302020204030204" pitchFamily="34" charset="0"/>
+              </a:rPr>
+              <a:t>) are gridded yes-events</a:t>
+            </a:r>
+          </a:p>
+        </p:txBody>
+      </p:sp>
     </p:spTree>
     <p:extLst>
       <p:ext uri="{BB962C8B-B14F-4D97-AF65-F5344CB8AC3E}">
@@ -12042,7 +12875,7 @@
         </p:nvSpPr>
         <p:spPr>
           <a:xfrm>
-            <a:off x="-1341803" y="2022737"/>
+            <a:off x="-1341803" y="1825095"/>
             <a:ext cx="5937987" cy="1752925"/>
           </a:xfrm>
           <a:prstGeom prst="rect">
@@ -12101,7 +12934,7 @@
         </p:nvSpPr>
         <p:spPr>
           <a:xfrm>
-            <a:off x="-1259906" y="2529325"/>
+            <a:off x="-1259906" y="2331683"/>
             <a:ext cx="1965301" cy="1182447"/>
           </a:xfrm>
           <a:prstGeom prst="rect">
@@ -12157,7 +12990,7 @@
         </p:nvSpPr>
         <p:spPr>
           <a:xfrm>
-            <a:off x="-268472" y="2575995"/>
+            <a:off x="-268472" y="2378352"/>
             <a:ext cx="719591" cy="232126"/>
           </a:xfrm>
           <a:prstGeom prst="rect">
@@ -12226,7 +13059,7 @@
         </p:nvSpPr>
         <p:spPr>
           <a:xfrm>
-            <a:off x="-268471" y="2931078"/>
+            <a:off x="-268471" y="2733435"/>
             <a:ext cx="222841" cy="232126"/>
           </a:xfrm>
           <a:prstGeom prst="rect">
@@ -12287,7 +13120,7 @@
         </p:nvSpPr>
         <p:spPr>
           <a:xfrm>
-            <a:off x="-268471" y="3176533"/>
+            <a:off x="-268471" y="2978890"/>
             <a:ext cx="222841" cy="232126"/>
           </a:xfrm>
           <a:prstGeom prst="rect">
@@ -12348,7 +13181,7 @@
         </p:nvSpPr>
         <p:spPr>
           <a:xfrm>
-            <a:off x="-268471" y="3433219"/>
+            <a:off x="-268471" y="3235576"/>
             <a:ext cx="222841" cy="232126"/>
           </a:xfrm>
           <a:prstGeom prst="rect">
@@ -12409,7 +13242,7 @@
         </p:nvSpPr>
         <p:spPr>
           <a:xfrm>
-            <a:off x="480386" y="2575995"/>
+            <a:off x="480387" y="2378352"/>
             <a:ext cx="185701" cy="232126"/>
           </a:xfrm>
           <a:prstGeom prst="rect">
@@ -12470,7 +13303,7 @@
         </p:nvSpPr>
         <p:spPr>
           <a:xfrm>
-            <a:off x="-20097" y="2931078"/>
+            <a:off x="-20097" y="2733435"/>
             <a:ext cx="222841" cy="232126"/>
           </a:xfrm>
           <a:prstGeom prst="rect">
@@ -12531,7 +13364,7 @@
         </p:nvSpPr>
         <p:spPr>
           <a:xfrm>
-            <a:off x="-20097" y="3176533"/>
+            <a:off x="-20097" y="2978890"/>
             <a:ext cx="222841" cy="232126"/>
           </a:xfrm>
           <a:prstGeom prst="rect">
@@ -12592,7 +13425,7 @@
         </p:nvSpPr>
         <p:spPr>
           <a:xfrm>
-            <a:off x="-20097" y="3433219"/>
+            <a:off x="-20097" y="3235576"/>
             <a:ext cx="222841" cy="232126"/>
           </a:xfrm>
           <a:prstGeom prst="rect">
@@ -12653,7 +13486,7 @@
         </p:nvSpPr>
         <p:spPr>
           <a:xfrm>
-            <a:off x="228278" y="2931078"/>
+            <a:off x="228279" y="2733435"/>
             <a:ext cx="222841" cy="232126"/>
           </a:xfrm>
           <a:prstGeom prst="rect">
@@ -12714,7 +13547,7 @@
         </p:nvSpPr>
         <p:spPr>
           <a:xfrm>
-            <a:off x="228278" y="3176533"/>
+            <a:off x="228279" y="2978890"/>
             <a:ext cx="222841" cy="232126"/>
           </a:xfrm>
           <a:prstGeom prst="rect">
@@ -12775,7 +13608,7 @@
         </p:nvSpPr>
         <p:spPr>
           <a:xfrm>
-            <a:off x="228278" y="3433219"/>
+            <a:off x="228279" y="3235576"/>
             <a:ext cx="222841" cy="232126"/>
           </a:xfrm>
           <a:prstGeom prst="rect">
@@ -12836,7 +13669,7 @@
         </p:nvSpPr>
         <p:spPr>
           <a:xfrm>
-            <a:off x="-262416" y="2249487"/>
+            <a:off x="-262416" y="2051844"/>
             <a:ext cx="928504" cy="232126"/>
           </a:xfrm>
           <a:prstGeom prst="rect">
@@ -12919,7 +13752,7 @@
         </p:nvSpPr>
         <p:spPr>
           <a:xfrm>
-            <a:off x="735159" y="2931078"/>
+            <a:off x="735160" y="2733435"/>
             <a:ext cx="222841" cy="232126"/>
           </a:xfrm>
           <a:prstGeom prst="rect">
@@ -12980,7 +13813,7 @@
         </p:nvSpPr>
         <p:spPr>
           <a:xfrm>
-            <a:off x="735159" y="3176533"/>
+            <a:off x="735160" y="2978890"/>
             <a:ext cx="222841" cy="232126"/>
           </a:xfrm>
           <a:prstGeom prst="rect">
@@ -13041,7 +13874,7 @@
         </p:nvSpPr>
         <p:spPr>
           <a:xfrm>
-            <a:off x="735159" y="3433219"/>
+            <a:off x="735160" y="3235576"/>
             <a:ext cx="222841" cy="232126"/>
           </a:xfrm>
           <a:prstGeom prst="rect">
@@ -13102,7 +13935,7 @@
         </p:nvSpPr>
         <p:spPr>
           <a:xfrm>
-            <a:off x="1484015" y="2575995"/>
+            <a:off x="1484016" y="2378352"/>
             <a:ext cx="185701" cy="232126"/>
           </a:xfrm>
           <a:prstGeom prst="rect">
@@ -13163,7 +13996,7 @@
         </p:nvSpPr>
         <p:spPr>
           <a:xfrm>
-            <a:off x="983533" y="2931078"/>
+            <a:off x="983534" y="2733435"/>
             <a:ext cx="222841" cy="232126"/>
           </a:xfrm>
           <a:prstGeom prst="rect">
@@ -13224,7 +14057,7 @@
         </p:nvSpPr>
         <p:spPr>
           <a:xfrm>
-            <a:off x="983533" y="3176533"/>
+            <a:off x="983534" y="2978890"/>
             <a:ext cx="222841" cy="232126"/>
           </a:xfrm>
           <a:prstGeom prst="rect">
@@ -13285,7 +14118,7 @@
         </p:nvSpPr>
         <p:spPr>
           <a:xfrm>
-            <a:off x="983533" y="3433219"/>
+            <a:off x="983534" y="3235576"/>
             <a:ext cx="222841" cy="232126"/>
           </a:xfrm>
           <a:prstGeom prst="rect">
@@ -13346,7 +14179,7 @@
         </p:nvSpPr>
         <p:spPr>
           <a:xfrm>
-            <a:off x="1231908" y="2931078"/>
+            <a:off x="1231909" y="2733435"/>
             <a:ext cx="222841" cy="232126"/>
           </a:xfrm>
           <a:prstGeom prst="rect">
@@ -13407,7 +14240,7 @@
         </p:nvSpPr>
         <p:spPr>
           <a:xfrm>
-            <a:off x="1231908" y="3176533"/>
+            <a:off x="1231909" y="2978890"/>
             <a:ext cx="222841" cy="232126"/>
           </a:xfrm>
           <a:prstGeom prst="rect">
@@ -13468,7 +14301,7 @@
         </p:nvSpPr>
         <p:spPr>
           <a:xfrm>
-            <a:off x="1231908" y="3433219"/>
+            <a:off x="1231909" y="3235576"/>
             <a:ext cx="222841" cy="232126"/>
           </a:xfrm>
           <a:prstGeom prst="rect">
@@ -13529,7 +14362,7 @@
         </p:nvSpPr>
         <p:spPr>
           <a:xfrm>
-            <a:off x="741212" y="2249487"/>
+            <a:off x="741212" y="2051844"/>
             <a:ext cx="928504" cy="232126"/>
           </a:xfrm>
           <a:prstGeom prst="rect">
@@ -13612,7 +14445,7 @@
         </p:nvSpPr>
         <p:spPr>
           <a:xfrm>
-            <a:off x="1696805" y="2931078"/>
+            <a:off x="1696806" y="2733435"/>
             <a:ext cx="222841" cy="232126"/>
           </a:xfrm>
           <a:prstGeom prst="rect">
@@ -13673,7 +14506,7 @@
         </p:nvSpPr>
         <p:spPr>
           <a:xfrm>
-            <a:off x="1696805" y="3176533"/>
+            <a:off x="1696806" y="2978890"/>
             <a:ext cx="222841" cy="232126"/>
           </a:xfrm>
           <a:prstGeom prst="rect">
@@ -13734,7 +14567,7 @@
         </p:nvSpPr>
         <p:spPr>
           <a:xfrm>
-            <a:off x="1696805" y="3433219"/>
+            <a:off x="1696806" y="3235576"/>
             <a:ext cx="222841" cy="232126"/>
           </a:xfrm>
           <a:prstGeom prst="rect">
@@ -13795,7 +14628,7 @@
         </p:nvSpPr>
         <p:spPr>
           <a:xfrm>
-            <a:off x="2445663" y="2575995"/>
+            <a:off x="2445664" y="2378352"/>
             <a:ext cx="185701" cy="232126"/>
           </a:xfrm>
           <a:prstGeom prst="rect">
@@ -13856,7 +14689,7 @@
         </p:nvSpPr>
         <p:spPr>
           <a:xfrm>
-            <a:off x="1945181" y="2931078"/>
+            <a:off x="1945182" y="2733435"/>
             <a:ext cx="222841" cy="232126"/>
           </a:xfrm>
           <a:prstGeom prst="rect">
@@ -13917,7 +14750,7 @@
         </p:nvSpPr>
         <p:spPr>
           <a:xfrm>
-            <a:off x="1945181" y="3176533"/>
+            <a:off x="1945182" y="2978890"/>
             <a:ext cx="222841" cy="232126"/>
           </a:xfrm>
           <a:prstGeom prst="rect">
@@ -13978,7 +14811,7 @@
         </p:nvSpPr>
         <p:spPr>
           <a:xfrm>
-            <a:off x="1945181" y="3433219"/>
+            <a:off x="1945182" y="3235576"/>
             <a:ext cx="222841" cy="232126"/>
           </a:xfrm>
           <a:prstGeom prst="rect">
@@ -14039,7 +14872,7 @@
         </p:nvSpPr>
         <p:spPr>
           <a:xfrm>
-            <a:off x="2193556" y="2931078"/>
+            <a:off x="2193557" y="2733435"/>
             <a:ext cx="222841" cy="232126"/>
           </a:xfrm>
           <a:prstGeom prst="rect">
@@ -14100,7 +14933,7 @@
         </p:nvSpPr>
         <p:spPr>
           <a:xfrm>
-            <a:off x="2193556" y="3176533"/>
+            <a:off x="2193557" y="2978890"/>
             <a:ext cx="222841" cy="232126"/>
           </a:xfrm>
           <a:prstGeom prst="rect">
@@ -14161,7 +14994,7 @@
         </p:nvSpPr>
         <p:spPr>
           <a:xfrm>
-            <a:off x="2193556" y="3433219"/>
+            <a:off x="2193557" y="3235576"/>
             <a:ext cx="222841" cy="232126"/>
           </a:xfrm>
           <a:prstGeom prst="rect">
@@ -14222,7 +15055,7 @@
         </p:nvSpPr>
         <p:spPr>
           <a:xfrm>
-            <a:off x="1702860" y="2249487"/>
+            <a:off x="1702860" y="2051844"/>
             <a:ext cx="928504" cy="232126"/>
           </a:xfrm>
           <a:prstGeom prst="rect">
@@ -14305,7 +15138,7 @@
         </p:nvSpPr>
         <p:spPr>
           <a:xfrm>
-            <a:off x="2651164" y="2931078"/>
+            <a:off x="2651165" y="2733435"/>
             <a:ext cx="222841" cy="232126"/>
           </a:xfrm>
           <a:prstGeom prst="rect">
@@ -14366,7 +15199,7 @@
         </p:nvSpPr>
         <p:spPr>
           <a:xfrm>
-            <a:off x="2651164" y="3176533"/>
+            <a:off x="2651165" y="2978890"/>
             <a:ext cx="222841" cy="232126"/>
           </a:xfrm>
           <a:prstGeom prst="rect">
@@ -14427,7 +15260,7 @@
         </p:nvSpPr>
         <p:spPr>
           <a:xfrm>
-            <a:off x="2651164" y="3433219"/>
+            <a:off x="2651165" y="3235576"/>
             <a:ext cx="222841" cy="232126"/>
           </a:xfrm>
           <a:prstGeom prst="rect">
@@ -14488,7 +15321,7 @@
         </p:nvSpPr>
         <p:spPr>
           <a:xfrm>
-            <a:off x="3400020" y="2575995"/>
+            <a:off x="3400021" y="2378352"/>
             <a:ext cx="185701" cy="232126"/>
           </a:xfrm>
           <a:prstGeom prst="rect">
@@ -14549,7 +15382,7 @@
         </p:nvSpPr>
         <p:spPr>
           <a:xfrm>
-            <a:off x="2899538" y="2931078"/>
+            <a:off x="2899539" y="2733435"/>
             <a:ext cx="222841" cy="232126"/>
           </a:xfrm>
           <a:prstGeom prst="rect">
@@ -14610,7 +15443,7 @@
         </p:nvSpPr>
         <p:spPr>
           <a:xfrm>
-            <a:off x="2899538" y="3176533"/>
+            <a:off x="2899539" y="2978890"/>
             <a:ext cx="222841" cy="232126"/>
           </a:xfrm>
           <a:prstGeom prst="rect">
@@ -14671,7 +15504,7 @@
         </p:nvSpPr>
         <p:spPr>
           <a:xfrm>
-            <a:off x="2899538" y="3433219"/>
+            <a:off x="2899539" y="3235576"/>
             <a:ext cx="222841" cy="232126"/>
           </a:xfrm>
           <a:prstGeom prst="rect">
@@ -14732,7 +15565,7 @@
         </p:nvSpPr>
         <p:spPr>
           <a:xfrm>
-            <a:off x="3147913" y="2931078"/>
+            <a:off x="3147914" y="2733435"/>
             <a:ext cx="222841" cy="232126"/>
           </a:xfrm>
           <a:prstGeom prst="rect">
@@ -14793,7 +15626,7 @@
         </p:nvSpPr>
         <p:spPr>
           <a:xfrm>
-            <a:off x="3147913" y="3176533"/>
+            <a:off x="3147914" y="2978890"/>
             <a:ext cx="222841" cy="232126"/>
           </a:xfrm>
           <a:prstGeom prst="rect">
@@ -14854,7 +15687,7 @@
         </p:nvSpPr>
         <p:spPr>
           <a:xfrm>
-            <a:off x="3147913" y="3433219"/>
+            <a:off x="3147914" y="3235576"/>
             <a:ext cx="222841" cy="232126"/>
           </a:xfrm>
           <a:prstGeom prst="rect">
@@ -14915,7 +15748,7 @@
         </p:nvSpPr>
         <p:spPr>
           <a:xfrm>
-            <a:off x="2657218" y="2249487"/>
+            <a:off x="2657218" y="2051844"/>
             <a:ext cx="928504" cy="232126"/>
           </a:xfrm>
           <a:prstGeom prst="rect">
@@ -14998,7 +15831,7 @@
         </p:nvSpPr>
         <p:spPr>
           <a:xfrm>
-            <a:off x="3612811" y="2931078"/>
+            <a:off x="3612812" y="2733435"/>
             <a:ext cx="222841" cy="232126"/>
           </a:xfrm>
           <a:prstGeom prst="rect">
@@ -15059,7 +15892,7 @@
         </p:nvSpPr>
         <p:spPr>
           <a:xfrm>
-            <a:off x="3612811" y="3176533"/>
+            <a:off x="3612812" y="2978890"/>
             <a:ext cx="222841" cy="232126"/>
           </a:xfrm>
           <a:prstGeom prst="rect">
@@ -15120,7 +15953,7 @@
         </p:nvSpPr>
         <p:spPr>
           <a:xfrm>
-            <a:off x="3612811" y="3433219"/>
+            <a:off x="3612812" y="3235576"/>
             <a:ext cx="222841" cy="232126"/>
           </a:xfrm>
           <a:prstGeom prst="rect">
@@ -15181,7 +16014,7 @@
         </p:nvSpPr>
         <p:spPr>
           <a:xfrm>
-            <a:off x="4361669" y="2575995"/>
+            <a:off x="4361669" y="2378352"/>
             <a:ext cx="185701" cy="232126"/>
           </a:xfrm>
           <a:prstGeom prst="rect">
@@ -15242,7 +16075,7 @@
         </p:nvSpPr>
         <p:spPr>
           <a:xfrm>
-            <a:off x="3861186" y="2931078"/>
+            <a:off x="3861187" y="2733435"/>
             <a:ext cx="222841" cy="232126"/>
           </a:xfrm>
           <a:prstGeom prst="rect">
@@ -15303,7 +16136,7 @@
         </p:nvSpPr>
         <p:spPr>
           <a:xfrm>
-            <a:off x="3861186" y="3176533"/>
+            <a:off x="3861187" y="2978890"/>
             <a:ext cx="222841" cy="232126"/>
           </a:xfrm>
           <a:prstGeom prst="rect">
@@ -15364,7 +16197,7 @@
         </p:nvSpPr>
         <p:spPr>
           <a:xfrm>
-            <a:off x="3861186" y="3433219"/>
+            <a:off x="3861187" y="3235576"/>
             <a:ext cx="222841" cy="232126"/>
           </a:xfrm>
           <a:prstGeom prst="rect">
@@ -15425,7 +16258,7 @@
         </p:nvSpPr>
         <p:spPr>
           <a:xfrm>
-            <a:off x="4109561" y="2931078"/>
+            <a:off x="4109562" y="2733435"/>
             <a:ext cx="222841" cy="232126"/>
           </a:xfrm>
           <a:prstGeom prst="rect">
@@ -15486,7 +16319,7 @@
         </p:nvSpPr>
         <p:spPr>
           <a:xfrm>
-            <a:off x="4109561" y="3176533"/>
+            <a:off x="4109562" y="2978890"/>
             <a:ext cx="222841" cy="232126"/>
           </a:xfrm>
           <a:prstGeom prst="rect">
@@ -15547,7 +16380,7 @@
         </p:nvSpPr>
         <p:spPr>
           <a:xfrm>
-            <a:off x="4109561" y="3433219"/>
+            <a:off x="4109562" y="3235576"/>
             <a:ext cx="222841" cy="232126"/>
           </a:xfrm>
           <a:prstGeom prst="rect">
@@ -15608,7 +16441,7 @@
         </p:nvSpPr>
         <p:spPr>
           <a:xfrm>
-            <a:off x="3618866" y="2249487"/>
+            <a:off x="3618866" y="2051844"/>
             <a:ext cx="928504" cy="232126"/>
           </a:xfrm>
           <a:prstGeom prst="rect">
@@ -15705,7 +16538,7 @@
         </p:blipFill>
         <p:spPr>
           <a:xfrm>
-            <a:off x="-539269" y="2323733"/>
+            <a:off x="-539269" y="2126090"/>
             <a:ext cx="139276" cy="139276"/>
           </a:xfrm>
           <a:prstGeom prst="rect">
@@ -15727,7 +16560,7 @@
         </p:nvSpPr>
         <p:spPr>
           <a:xfrm>
-            <a:off x="-1183695" y="2257419"/>
+            <a:off x="-1183695" y="2059776"/>
             <a:ext cx="998142" cy="251418"/>
           </a:xfrm>
           <a:prstGeom prst="rect">
@@ -15802,7 +16635,7 @@
         </p:nvSpPr>
         <p:spPr>
           <a:xfrm>
-            <a:off x="-1385404" y="3155001"/>
+            <a:off x="-1385404" y="2957358"/>
             <a:ext cx="998142" cy="251418"/>
           </a:xfrm>
           <a:prstGeom prst="rect">
@@ -15877,7 +16710,7 @@
         </p:nvSpPr>
         <p:spPr>
           <a:xfrm>
-            <a:off x="-471792" y="2931078"/>
+            <a:off x="-471792" y="2733435"/>
             <a:ext cx="171966" cy="709256"/>
           </a:xfrm>
           <a:prstGeom prst="leftBrace">
@@ -15949,7 +16782,7 @@
         </p:blipFill>
         <p:spPr>
           <a:xfrm>
-            <a:off x="-725725" y="3213449"/>
+            <a:off x="-725725" y="3015806"/>
             <a:ext cx="139276" cy="139276"/>
           </a:xfrm>
           <a:prstGeom prst="rect">
@@ -15971,7 +16804,7 @@
         </p:nvSpPr>
         <p:spPr>
           <a:xfrm>
-            <a:off x="-262201" y="2038802"/>
+            <a:off x="-262201" y="1841159"/>
             <a:ext cx="928288" cy="231282"/>
           </a:xfrm>
           <a:prstGeom prst="rect">
@@ -16016,7 +16849,7 @@
         </p:nvSpPr>
         <p:spPr>
           <a:xfrm>
-            <a:off x="741211" y="2575995"/>
+            <a:off x="741212" y="2378352"/>
             <a:ext cx="719591" cy="232126"/>
           </a:xfrm>
           <a:prstGeom prst="rect">
@@ -16085,7 +16918,7 @@
         </p:nvSpPr>
         <p:spPr>
           <a:xfrm>
-            <a:off x="1702860" y="2575995"/>
+            <a:off x="1702861" y="2378352"/>
             <a:ext cx="719591" cy="232126"/>
           </a:xfrm>
           <a:prstGeom prst="rect">
@@ -16154,7 +16987,7 @@
         </p:nvSpPr>
         <p:spPr>
           <a:xfrm>
-            <a:off x="2657217" y="2575995"/>
+            <a:off x="2657218" y="2378352"/>
             <a:ext cx="719591" cy="232126"/>
           </a:xfrm>
           <a:prstGeom prst="rect">
@@ -16223,7 +17056,7 @@
         </p:nvSpPr>
         <p:spPr>
           <a:xfrm>
-            <a:off x="3618865" y="2575995"/>
+            <a:off x="3618866" y="2378352"/>
             <a:ext cx="719591" cy="232126"/>
           </a:xfrm>
           <a:prstGeom prst="rect">
@@ -16292,7 +17125,7 @@
         </p:nvSpPr>
         <p:spPr>
           <a:xfrm>
-            <a:off x="744910" y="2038802"/>
+            <a:off x="744910" y="1841159"/>
             <a:ext cx="928288" cy="231282"/>
           </a:xfrm>
           <a:prstGeom prst="rect">
@@ -16337,7 +17170,7 @@
         </p:nvSpPr>
         <p:spPr>
           <a:xfrm>
-            <a:off x="1706164" y="2038802"/>
+            <a:off x="1706164" y="1841159"/>
             <a:ext cx="928288" cy="231282"/>
           </a:xfrm>
           <a:prstGeom prst="rect">
@@ -16382,7 +17215,7 @@
         </p:nvSpPr>
         <p:spPr>
           <a:xfrm>
-            <a:off x="2667417" y="2038802"/>
+            <a:off x="2667417" y="1841159"/>
             <a:ext cx="928288" cy="231282"/>
           </a:xfrm>
           <a:prstGeom prst="rect">
@@ -16427,7 +17260,7 @@
         </p:nvSpPr>
         <p:spPr>
           <a:xfrm>
-            <a:off x="3628667" y="2038802"/>
+            <a:off x="3628667" y="1841159"/>
             <a:ext cx="928288" cy="231282"/>
           </a:xfrm>
           <a:prstGeom prst="rect">
@@ -16486,7 +17319,7 @@
         </p:blipFill>
         <p:spPr>
           <a:xfrm>
-            <a:off x="1218620" y="1846200"/>
+            <a:off x="1218620" y="1648557"/>
             <a:ext cx="139276" cy="139276"/>
           </a:xfrm>
           <a:prstGeom prst="rect">
@@ -16508,7 +17341,7 @@
         </p:nvSpPr>
         <p:spPr>
           <a:xfrm>
-            <a:off x="1173977" y="1777846"/>
+            <a:off x="1173977" y="1580203"/>
             <a:ext cx="998142" cy="251418"/>
           </a:xfrm>
           <a:prstGeom prst="rect">
@@ -16613,7 +17446,7 @@
         </p:nvSpPr>
         <p:spPr>
           <a:xfrm>
-            <a:off x="158835" y="4683746"/>
+            <a:off x="158836" y="4486104"/>
             <a:ext cx="1043303" cy="221979"/>
           </a:xfrm>
           <a:prstGeom prst="rect">
@@ -16676,7 +17509,7 @@
         </p:nvSpPr>
         <p:spPr>
           <a:xfrm>
-            <a:off x="1235435" y="4683746"/>
+            <a:off x="1235436" y="4486104"/>
             <a:ext cx="1043303" cy="221979"/>
           </a:xfrm>
           <a:prstGeom prst="rect">
@@ -16739,7 +17572,7 @@
         </p:nvSpPr>
         <p:spPr>
           <a:xfrm>
-            <a:off x="2312036" y="4683746"/>
+            <a:off x="2312037" y="4486104"/>
             <a:ext cx="1043303" cy="221979"/>
           </a:xfrm>
           <a:prstGeom prst="rect">
@@ -16802,7 +17635,7 @@
         </p:nvSpPr>
         <p:spPr>
           <a:xfrm>
-            <a:off x="158835" y="4944284"/>
+            <a:off x="158836" y="4746642"/>
             <a:ext cx="1043303" cy="221979"/>
           </a:xfrm>
           <a:prstGeom prst="rect">
@@ -16865,7 +17698,7 @@
         </p:nvSpPr>
         <p:spPr>
           <a:xfrm>
-            <a:off x="1235435" y="4944284"/>
+            <a:off x="1235436" y="4746642"/>
             <a:ext cx="1043303" cy="221979"/>
           </a:xfrm>
           <a:prstGeom prst="rect">
@@ -16928,7 +17761,7 @@
         </p:nvSpPr>
         <p:spPr>
           <a:xfrm>
-            <a:off x="2312036" y="4944284"/>
+            <a:off x="2312037" y="4746642"/>
             <a:ext cx="1043303" cy="221979"/>
           </a:xfrm>
           <a:prstGeom prst="rect">
@@ -16991,7 +17824,7 @@
         </p:nvSpPr>
         <p:spPr>
           <a:xfrm>
-            <a:off x="158835" y="5194996"/>
+            <a:off x="158836" y="4997354"/>
             <a:ext cx="1043303" cy="221979"/>
           </a:xfrm>
           <a:prstGeom prst="rect">
@@ -17054,7 +17887,7 @@
         </p:nvSpPr>
         <p:spPr>
           <a:xfrm>
-            <a:off x="1235435" y="5194996"/>
+            <a:off x="1235436" y="4997354"/>
             <a:ext cx="1043303" cy="221979"/>
           </a:xfrm>
           <a:prstGeom prst="rect">
@@ -17117,7 +17950,7 @@
         </p:nvSpPr>
         <p:spPr>
           <a:xfrm>
-            <a:off x="2312036" y="5194996"/>
+            <a:off x="2312037" y="4997354"/>
             <a:ext cx="1043303" cy="221979"/>
           </a:xfrm>
           <a:prstGeom prst="rect">
@@ -17180,7 +18013,7 @@
         </p:nvSpPr>
         <p:spPr>
           <a:xfrm>
-            <a:off x="-252372" y="5717236"/>
+            <a:off x="-252372" y="5519594"/>
             <a:ext cx="3673110" cy="673531"/>
           </a:xfrm>
           <a:prstGeom prst="rect">
@@ -17290,7 +18123,7 @@
         </p:nvCxnSpPr>
         <p:spPr>
           <a:xfrm>
-            <a:off x="1566371" y="5483132"/>
+            <a:off x="1566371" y="5285490"/>
             <a:ext cx="0" cy="226535"/>
           </a:xfrm>
           <a:prstGeom prst="straightConnector1">
@@ -17335,7 +18168,7 @@
         </p:nvSpPr>
         <p:spPr>
           <a:xfrm>
-            <a:off x="-252372" y="3652086"/>
+            <a:off x="-252372" y="3454444"/>
             <a:ext cx="3664182" cy="391125"/>
           </a:xfrm>
           <a:prstGeom prst="rect">
@@ -17436,7 +18269,7 @@
         </p:nvSpPr>
         <p:spPr>
           <a:xfrm>
-            <a:off x="150161" y="4484062"/>
+            <a:off x="150162" y="4286420"/>
             <a:ext cx="1043303" cy="221979"/>
           </a:xfrm>
           <a:prstGeom prst="rect">
@@ -17511,7 +18344,7 @@
         </p:nvSpPr>
         <p:spPr>
           <a:xfrm>
-            <a:off x="1226761" y="4484062"/>
+            <a:off x="1226762" y="4286420"/>
             <a:ext cx="1043303" cy="221979"/>
           </a:xfrm>
           <a:prstGeom prst="rect">
@@ -17586,7 +18419,7 @@
         </p:nvSpPr>
         <p:spPr>
           <a:xfrm>
-            <a:off x="2303361" y="4484062"/>
+            <a:off x="2303362" y="4286420"/>
             <a:ext cx="1043303" cy="221979"/>
           </a:xfrm>
           <a:prstGeom prst="rect">
@@ -17661,7 +18494,7 @@
         </p:nvSpPr>
         <p:spPr>
           <a:xfrm>
-            <a:off x="-375889" y="4688938"/>
+            <a:off x="-375889" y="4491296"/>
             <a:ext cx="614111" cy="221979"/>
           </a:xfrm>
           <a:prstGeom prst="rect">
@@ -17723,7 +18556,7 @@
         </p:nvSpPr>
         <p:spPr>
           <a:xfrm>
-            <a:off x="-375889" y="4952058"/>
+            <a:off x="-375889" y="4754416"/>
             <a:ext cx="614111" cy="221979"/>
           </a:xfrm>
           <a:prstGeom prst="rect">
@@ -17785,7 +18618,7 @@
         </p:nvSpPr>
         <p:spPr>
           <a:xfrm>
-            <a:off x="-375889" y="5197948"/>
+            <a:off x="-375889" y="5000306"/>
             <a:ext cx="614111" cy="221979"/>
           </a:xfrm>
           <a:prstGeom prst="rect">
@@ -17847,7 +18680,7 @@
         </p:nvSpPr>
         <p:spPr>
           <a:xfrm>
-            <a:off x="-252370" y="4052329"/>
+            <a:off x="-252370" y="3854687"/>
             <a:ext cx="3664183" cy="3092009"/>
           </a:xfrm>
           <a:prstGeom prst="rect">
@@ -17910,7 +18743,7 @@
         </p:nvCxnSpPr>
         <p:spPr>
           <a:xfrm>
-            <a:off x="1582977" y="6396612"/>
+            <a:off x="1582977" y="6198970"/>
             <a:ext cx="0" cy="227443"/>
           </a:xfrm>
           <a:prstGeom prst="straightConnector1">
@@ -17955,7 +18788,7 @@
         </p:nvSpPr>
         <p:spPr>
           <a:xfrm>
-            <a:off x="-219748" y="6614028"/>
+            <a:off x="-219748" y="6416385"/>
             <a:ext cx="3631557" cy="530310"/>
           </a:xfrm>
           <a:prstGeom prst="rect">
@@ -18034,7 +18867,7 @@
         </p:nvSpPr>
         <p:spPr>
           <a:xfrm>
-            <a:off x="150161" y="4236866"/>
+            <a:off x="150161" y="4039224"/>
             <a:ext cx="3205178" cy="219821"/>
           </a:xfrm>
           <a:prstGeom prst="rect">
@@ -18106,7 +18939,7 @@
         </p:nvSpPr>
         <p:spPr>
           <a:xfrm>
-            <a:off x="182329" y="4031127"/>
+            <a:off x="182329" y="3833484"/>
             <a:ext cx="3196504" cy="244234"/>
           </a:xfrm>
           <a:prstGeom prst="rect">
@@ -18162,7 +18995,7 @@
         </p:blipFill>
         <p:spPr>
           <a:xfrm>
-            <a:off x="1113994" y="3857117"/>
+            <a:off x="1113994" y="3659474"/>
             <a:ext cx="133188" cy="133188"/>
           </a:xfrm>
           <a:prstGeom prst="rect">

--- a/chapter_06/figures/cv_optuna.pptx
+++ b/chapter_06/figures/cv_optuna.pptx
@@ -117,7 +117,7 @@
 <file path=ppt/revisionInfo.xml><?xml version="1.0" encoding="utf-8"?>
 <p1510:revInfo xmlns:a="http://schemas.openxmlformats.org/drawingml/2006/main" xmlns:r="http://schemas.openxmlformats.org/officeDocument/2006/relationships" xmlns:p1510="http://schemas.microsoft.com/office/powerpoint/2015/10/main">
   <p1510:revLst>
-    <p1510:client id="{0478CFAF-F744-4001-ABF3-5E8A4958592B}" v="5" dt="2025-07-03T10:13:38.626"/>
+    <p1510:client id="{0478CFAF-F744-4001-ABF3-5E8A4958592B}" v="49" dt="2025-07-05T15:22:36.675"/>
   </p1510:revLst>
 </p1510:revInfo>
 </file>
@@ -5954,12 +5954,12 @@
   <pc:docChgLst>
     <pc:chgData name="Fatima Pillosu" userId="a6295d4dc9e22643" providerId="LiveId" clId="{0478CFAF-F744-4001-ABF3-5E8A4958592B}"/>
     <pc:docChg chg="undo custSel modSld">
-      <pc:chgData name="Fatima Pillosu" userId="a6295d4dc9e22643" providerId="LiveId" clId="{0478CFAF-F744-4001-ABF3-5E8A4958592B}" dt="2025-07-03T10:13:38.626" v="499"/>
+      <pc:chgData name="Fatima Pillosu" userId="a6295d4dc9e22643" providerId="LiveId" clId="{0478CFAF-F744-4001-ABF3-5E8A4958592B}" dt="2025-07-05T15:26:45.798" v="1176" actId="33524"/>
       <pc:docMkLst>
         <pc:docMk/>
       </pc:docMkLst>
       <pc:sldChg chg="addSp delSp modSp mod">
-        <pc:chgData name="Fatima Pillosu" userId="a6295d4dc9e22643" providerId="LiveId" clId="{0478CFAF-F744-4001-ABF3-5E8A4958592B}" dt="2025-07-03T10:13:38.626" v="499"/>
+        <pc:chgData name="Fatima Pillosu" userId="a6295d4dc9e22643" providerId="LiveId" clId="{0478CFAF-F744-4001-ABF3-5E8A4958592B}" dt="2025-07-05T15:26:45.798" v="1176" actId="33524"/>
         <pc:sldMkLst>
           <pc:docMk/>
           <pc:sldMk cId="2370713982" sldId="258"/>
@@ -5981,7 +5981,7 @@
           </ac:spMkLst>
         </pc:spChg>
         <pc:spChg chg="add mod">
-          <ac:chgData name="Fatima Pillosu" userId="a6295d4dc9e22643" providerId="LiveId" clId="{0478CFAF-F744-4001-ABF3-5E8A4958592B}" dt="2025-07-03T10:13:38.626" v="499"/>
+          <ac:chgData name="Fatima Pillosu" userId="a6295d4dc9e22643" providerId="LiveId" clId="{0478CFAF-F744-4001-ABF3-5E8A4958592B}" dt="2025-07-05T15:16:27.739" v="678" actId="207"/>
           <ac:spMkLst>
             <pc:docMk/>
             <pc:sldMk cId="2370713982" sldId="258"/>
@@ -5989,7 +5989,7 @@
           </ac:spMkLst>
         </pc:spChg>
         <pc:spChg chg="add mod">
-          <ac:chgData name="Fatima Pillosu" userId="a6295d4dc9e22643" providerId="LiveId" clId="{0478CFAF-F744-4001-ABF3-5E8A4958592B}" dt="2025-07-03T10:13:38.626" v="499"/>
+          <ac:chgData name="Fatima Pillosu" userId="a6295d4dc9e22643" providerId="LiveId" clId="{0478CFAF-F744-4001-ABF3-5E8A4958592B}" dt="2025-07-05T15:26:28.076" v="1175" actId="20577"/>
           <ac:spMkLst>
             <pc:docMk/>
             <pc:sldMk cId="2370713982" sldId="258"/>
@@ -5997,7 +5997,7 @@
           </ac:spMkLst>
         </pc:spChg>
         <pc:spChg chg="add mod">
-          <ac:chgData name="Fatima Pillosu" userId="a6295d4dc9e22643" providerId="LiveId" clId="{0478CFAF-F744-4001-ABF3-5E8A4958592B}" dt="2025-07-03T10:13:38.626" v="499"/>
+          <ac:chgData name="Fatima Pillosu" userId="a6295d4dc9e22643" providerId="LiveId" clId="{0478CFAF-F744-4001-ABF3-5E8A4958592B}" dt="2025-07-05T15:13:08.339" v="536" actId="1036"/>
           <ac:spMkLst>
             <pc:docMk/>
             <pc:sldMk cId="2370713982" sldId="258"/>
@@ -6005,7 +6005,7 @@
           </ac:spMkLst>
         </pc:spChg>
         <pc:spChg chg="add mod">
-          <ac:chgData name="Fatima Pillosu" userId="a6295d4dc9e22643" providerId="LiveId" clId="{0478CFAF-F744-4001-ABF3-5E8A4958592B}" dt="2025-07-03T10:13:38.626" v="499"/>
+          <ac:chgData name="Fatima Pillosu" userId="a6295d4dc9e22643" providerId="LiveId" clId="{0478CFAF-F744-4001-ABF3-5E8A4958592B}" dt="2025-07-05T15:22:33.451" v="1003" actId="114"/>
           <ac:spMkLst>
             <pc:docMk/>
             <pc:sldMk cId="2370713982" sldId="258"/>
@@ -6013,7 +6013,7 @@
           </ac:spMkLst>
         </pc:spChg>
         <pc:spChg chg="add mod">
-          <ac:chgData name="Fatima Pillosu" userId="a6295d4dc9e22643" providerId="LiveId" clId="{0478CFAF-F744-4001-ABF3-5E8A4958592B}" dt="2025-07-03T10:13:38.626" v="499"/>
+          <ac:chgData name="Fatima Pillosu" userId="a6295d4dc9e22643" providerId="LiveId" clId="{0478CFAF-F744-4001-ABF3-5E8A4958592B}" dt="2025-07-05T15:16:15.408" v="676" actId="207"/>
           <ac:spMkLst>
             <pc:docMk/>
             <pc:sldMk cId="2370713982" sldId="258"/>
@@ -6021,7 +6021,7 @@
           </ac:spMkLst>
         </pc:spChg>
         <pc:spChg chg="add mod">
-          <ac:chgData name="Fatima Pillosu" userId="a6295d4dc9e22643" providerId="LiveId" clId="{0478CFAF-F744-4001-ABF3-5E8A4958592B}" dt="2025-07-03T10:13:38.626" v="499"/>
+          <ac:chgData name="Fatima Pillosu" userId="a6295d4dc9e22643" providerId="LiveId" clId="{0478CFAF-F744-4001-ABF3-5E8A4958592B}" dt="2025-07-05T15:13:08.339" v="536" actId="1036"/>
           <ac:spMkLst>
             <pc:docMk/>
             <pc:sldMk cId="2370713982" sldId="258"/>
@@ -6029,7 +6029,7 @@
           </ac:spMkLst>
         </pc:spChg>
         <pc:spChg chg="add mod">
-          <ac:chgData name="Fatima Pillosu" userId="a6295d4dc9e22643" providerId="LiveId" clId="{0478CFAF-F744-4001-ABF3-5E8A4958592B}" dt="2025-07-03T10:13:38.626" v="499"/>
+          <ac:chgData name="Fatima Pillosu" userId="a6295d4dc9e22643" providerId="LiveId" clId="{0478CFAF-F744-4001-ABF3-5E8A4958592B}" dt="2025-07-05T15:19:05.350" v="786" actId="1035"/>
           <ac:spMkLst>
             <pc:docMk/>
             <pc:sldMk cId="2370713982" sldId="258"/>
@@ -6037,7 +6037,7 @@
           </ac:spMkLst>
         </pc:spChg>
         <pc:spChg chg="add mod">
-          <ac:chgData name="Fatima Pillosu" userId="a6295d4dc9e22643" providerId="LiveId" clId="{0478CFAF-F744-4001-ABF3-5E8A4958592B}" dt="2025-07-03T10:13:38.626" v="499"/>
+          <ac:chgData name="Fatima Pillosu" userId="a6295d4dc9e22643" providerId="LiveId" clId="{0478CFAF-F744-4001-ABF3-5E8A4958592B}" dt="2025-07-05T15:24:02.481" v="1036" actId="1037"/>
           <ac:spMkLst>
             <pc:docMk/>
             <pc:sldMk cId="2370713982" sldId="258"/>
@@ -6045,7 +6045,7 @@
           </ac:spMkLst>
         </pc:spChg>
         <pc:spChg chg="add mod">
-          <ac:chgData name="Fatima Pillosu" userId="a6295d4dc9e22643" providerId="LiveId" clId="{0478CFAF-F744-4001-ABF3-5E8A4958592B}" dt="2025-07-03T10:13:38.626" v="499"/>
+          <ac:chgData name="Fatima Pillosu" userId="a6295d4dc9e22643" providerId="LiveId" clId="{0478CFAF-F744-4001-ABF3-5E8A4958592B}" dt="2025-07-05T15:13:08.339" v="536" actId="1036"/>
           <ac:spMkLst>
             <pc:docMk/>
             <pc:sldMk cId="2370713982" sldId="258"/>
@@ -6053,7 +6053,7 @@
           </ac:spMkLst>
         </pc:spChg>
         <pc:spChg chg="add mod">
-          <ac:chgData name="Fatima Pillosu" userId="a6295d4dc9e22643" providerId="LiveId" clId="{0478CFAF-F744-4001-ABF3-5E8A4958592B}" dt="2025-07-03T10:13:38.626" v="499"/>
+          <ac:chgData name="Fatima Pillosu" userId="a6295d4dc9e22643" providerId="LiveId" clId="{0478CFAF-F744-4001-ABF3-5E8A4958592B}" dt="2025-07-05T15:13:08.339" v="536" actId="1036"/>
           <ac:spMkLst>
             <pc:docMk/>
             <pc:sldMk cId="2370713982" sldId="258"/>
@@ -6061,7 +6061,7 @@
           </ac:spMkLst>
         </pc:spChg>
         <pc:spChg chg="add mod">
-          <ac:chgData name="Fatima Pillosu" userId="a6295d4dc9e22643" providerId="LiveId" clId="{0478CFAF-F744-4001-ABF3-5E8A4958592B}" dt="2025-07-03T10:13:38.626" v="499"/>
+          <ac:chgData name="Fatima Pillosu" userId="a6295d4dc9e22643" providerId="LiveId" clId="{0478CFAF-F744-4001-ABF3-5E8A4958592B}" dt="2025-07-05T15:13:08.339" v="536" actId="1036"/>
           <ac:spMkLst>
             <pc:docMk/>
             <pc:sldMk cId="2370713982" sldId="258"/>
@@ -6069,7 +6069,7 @@
           </ac:spMkLst>
         </pc:spChg>
         <pc:spChg chg="add mod">
-          <ac:chgData name="Fatima Pillosu" userId="a6295d4dc9e22643" providerId="LiveId" clId="{0478CFAF-F744-4001-ABF3-5E8A4958592B}" dt="2025-07-03T10:13:38.626" v="499"/>
+          <ac:chgData name="Fatima Pillosu" userId="a6295d4dc9e22643" providerId="LiveId" clId="{0478CFAF-F744-4001-ABF3-5E8A4958592B}" dt="2025-07-05T15:13:08.339" v="536" actId="1036"/>
           <ac:spMkLst>
             <pc:docMk/>
             <pc:sldMk cId="2370713982" sldId="258"/>
@@ -6077,7 +6077,7 @@
           </ac:spMkLst>
         </pc:spChg>
         <pc:spChg chg="add mod">
-          <ac:chgData name="Fatima Pillosu" userId="a6295d4dc9e22643" providerId="LiveId" clId="{0478CFAF-F744-4001-ABF3-5E8A4958592B}" dt="2025-07-03T10:13:38.626" v="499"/>
+          <ac:chgData name="Fatima Pillosu" userId="a6295d4dc9e22643" providerId="LiveId" clId="{0478CFAF-F744-4001-ABF3-5E8A4958592B}" dt="2025-07-05T15:13:08.339" v="536" actId="1036"/>
           <ac:spMkLst>
             <pc:docMk/>
             <pc:sldMk cId="2370713982" sldId="258"/>
@@ -6085,7 +6085,7 @@
           </ac:spMkLst>
         </pc:spChg>
         <pc:spChg chg="add mod">
-          <ac:chgData name="Fatima Pillosu" userId="a6295d4dc9e22643" providerId="LiveId" clId="{0478CFAF-F744-4001-ABF3-5E8A4958592B}" dt="2025-07-03T10:13:38.626" v="499"/>
+          <ac:chgData name="Fatima Pillosu" userId="a6295d4dc9e22643" providerId="LiveId" clId="{0478CFAF-F744-4001-ABF3-5E8A4958592B}" dt="2025-07-05T15:13:08.339" v="536" actId="1036"/>
           <ac:spMkLst>
             <pc:docMk/>
             <pc:sldMk cId="2370713982" sldId="258"/>
@@ -6093,7 +6093,7 @@
           </ac:spMkLst>
         </pc:spChg>
         <pc:spChg chg="add mod">
-          <ac:chgData name="Fatima Pillosu" userId="a6295d4dc9e22643" providerId="LiveId" clId="{0478CFAF-F744-4001-ABF3-5E8A4958592B}" dt="2025-07-03T10:13:38.626" v="499"/>
+          <ac:chgData name="Fatima Pillosu" userId="a6295d4dc9e22643" providerId="LiveId" clId="{0478CFAF-F744-4001-ABF3-5E8A4958592B}" dt="2025-07-05T15:13:08.339" v="536" actId="1036"/>
           <ac:spMkLst>
             <pc:docMk/>
             <pc:sldMk cId="2370713982" sldId="258"/>
@@ -6101,7 +6101,7 @@
           </ac:spMkLst>
         </pc:spChg>
         <pc:spChg chg="add mod">
-          <ac:chgData name="Fatima Pillosu" userId="a6295d4dc9e22643" providerId="LiveId" clId="{0478CFAF-F744-4001-ABF3-5E8A4958592B}" dt="2025-07-03T10:13:38.626" v="499"/>
+          <ac:chgData name="Fatima Pillosu" userId="a6295d4dc9e22643" providerId="LiveId" clId="{0478CFAF-F744-4001-ABF3-5E8A4958592B}" dt="2025-07-05T15:13:08.339" v="536" actId="1036"/>
           <ac:spMkLst>
             <pc:docMk/>
             <pc:sldMk cId="2370713982" sldId="258"/>
@@ -6109,7 +6109,7 @@
           </ac:spMkLst>
         </pc:spChg>
         <pc:spChg chg="add mod">
-          <ac:chgData name="Fatima Pillosu" userId="a6295d4dc9e22643" providerId="LiveId" clId="{0478CFAF-F744-4001-ABF3-5E8A4958592B}" dt="2025-07-03T10:13:38.626" v="499"/>
+          <ac:chgData name="Fatima Pillosu" userId="a6295d4dc9e22643" providerId="LiveId" clId="{0478CFAF-F744-4001-ABF3-5E8A4958592B}" dt="2025-07-05T15:13:08.339" v="536" actId="1036"/>
           <ac:spMkLst>
             <pc:docMk/>
             <pc:sldMk cId="2370713982" sldId="258"/>
@@ -6117,7 +6117,7 @@
           </ac:spMkLst>
         </pc:spChg>
         <pc:spChg chg="add mod">
-          <ac:chgData name="Fatima Pillosu" userId="a6295d4dc9e22643" providerId="LiveId" clId="{0478CFAF-F744-4001-ABF3-5E8A4958592B}" dt="2025-07-03T10:13:38.626" v="499"/>
+          <ac:chgData name="Fatima Pillosu" userId="a6295d4dc9e22643" providerId="LiveId" clId="{0478CFAF-F744-4001-ABF3-5E8A4958592B}" dt="2025-07-05T15:13:08.339" v="536" actId="1036"/>
           <ac:spMkLst>
             <pc:docMk/>
             <pc:sldMk cId="2370713982" sldId="258"/>
@@ -6125,7 +6125,7 @@
           </ac:spMkLst>
         </pc:spChg>
         <pc:spChg chg="add mod">
-          <ac:chgData name="Fatima Pillosu" userId="a6295d4dc9e22643" providerId="LiveId" clId="{0478CFAF-F744-4001-ABF3-5E8A4958592B}" dt="2025-07-03T10:13:38.626" v="499"/>
+          <ac:chgData name="Fatima Pillosu" userId="a6295d4dc9e22643" providerId="LiveId" clId="{0478CFAF-F744-4001-ABF3-5E8A4958592B}" dt="2025-07-05T15:13:08.339" v="536" actId="1036"/>
           <ac:spMkLst>
             <pc:docMk/>
             <pc:sldMk cId="2370713982" sldId="258"/>
@@ -6133,7 +6133,7 @@
           </ac:spMkLst>
         </pc:spChg>
         <pc:spChg chg="add mod">
-          <ac:chgData name="Fatima Pillosu" userId="a6295d4dc9e22643" providerId="LiveId" clId="{0478CFAF-F744-4001-ABF3-5E8A4958592B}" dt="2025-07-03T10:13:38.626" v="499"/>
+          <ac:chgData name="Fatima Pillosu" userId="a6295d4dc9e22643" providerId="LiveId" clId="{0478CFAF-F744-4001-ABF3-5E8A4958592B}" dt="2025-07-05T15:13:08.339" v="536" actId="1036"/>
           <ac:spMkLst>
             <pc:docMk/>
             <pc:sldMk cId="2370713982" sldId="258"/>
@@ -6141,7 +6141,7 @@
           </ac:spMkLst>
         </pc:spChg>
         <pc:spChg chg="add mod">
-          <ac:chgData name="Fatima Pillosu" userId="a6295d4dc9e22643" providerId="LiveId" clId="{0478CFAF-F744-4001-ABF3-5E8A4958592B}" dt="2025-07-03T10:13:38.626" v="499"/>
+          <ac:chgData name="Fatima Pillosu" userId="a6295d4dc9e22643" providerId="LiveId" clId="{0478CFAF-F744-4001-ABF3-5E8A4958592B}" dt="2025-07-05T15:13:08.339" v="536" actId="1036"/>
           <ac:spMkLst>
             <pc:docMk/>
             <pc:sldMk cId="2370713982" sldId="258"/>
@@ -6149,7 +6149,7 @@
           </ac:spMkLst>
         </pc:spChg>
         <pc:spChg chg="add mod">
-          <ac:chgData name="Fatima Pillosu" userId="a6295d4dc9e22643" providerId="LiveId" clId="{0478CFAF-F744-4001-ABF3-5E8A4958592B}" dt="2025-07-03T10:13:38.626" v="499"/>
+          <ac:chgData name="Fatima Pillosu" userId="a6295d4dc9e22643" providerId="LiveId" clId="{0478CFAF-F744-4001-ABF3-5E8A4958592B}" dt="2025-07-05T15:13:08.339" v="536" actId="1036"/>
           <ac:spMkLst>
             <pc:docMk/>
             <pc:sldMk cId="2370713982" sldId="258"/>
@@ -6157,7 +6157,7 @@
           </ac:spMkLst>
         </pc:spChg>
         <pc:spChg chg="add mod">
-          <ac:chgData name="Fatima Pillosu" userId="a6295d4dc9e22643" providerId="LiveId" clId="{0478CFAF-F744-4001-ABF3-5E8A4958592B}" dt="2025-07-03T10:13:38.626" v="499"/>
+          <ac:chgData name="Fatima Pillosu" userId="a6295d4dc9e22643" providerId="LiveId" clId="{0478CFAF-F744-4001-ABF3-5E8A4958592B}" dt="2025-07-05T15:13:08.339" v="536" actId="1036"/>
           <ac:spMkLst>
             <pc:docMk/>
             <pc:sldMk cId="2370713982" sldId="258"/>
@@ -6165,7 +6165,7 @@
           </ac:spMkLst>
         </pc:spChg>
         <pc:spChg chg="add mod">
-          <ac:chgData name="Fatima Pillosu" userId="a6295d4dc9e22643" providerId="LiveId" clId="{0478CFAF-F744-4001-ABF3-5E8A4958592B}" dt="2025-07-03T10:13:38.626" v="499"/>
+          <ac:chgData name="Fatima Pillosu" userId="a6295d4dc9e22643" providerId="LiveId" clId="{0478CFAF-F744-4001-ABF3-5E8A4958592B}" dt="2025-07-05T15:13:08.339" v="536" actId="1036"/>
           <ac:spMkLst>
             <pc:docMk/>
             <pc:sldMk cId="2370713982" sldId="258"/>
@@ -6173,7 +6173,7 @@
           </ac:spMkLst>
         </pc:spChg>
         <pc:spChg chg="add mod">
-          <ac:chgData name="Fatima Pillosu" userId="a6295d4dc9e22643" providerId="LiveId" clId="{0478CFAF-F744-4001-ABF3-5E8A4958592B}" dt="2025-07-03T10:13:38.626" v="499"/>
+          <ac:chgData name="Fatima Pillosu" userId="a6295d4dc9e22643" providerId="LiveId" clId="{0478CFAF-F744-4001-ABF3-5E8A4958592B}" dt="2025-07-05T15:13:08.339" v="536" actId="1036"/>
           <ac:spMkLst>
             <pc:docMk/>
             <pc:sldMk cId="2370713982" sldId="258"/>
@@ -6181,7 +6181,7 @@
           </ac:spMkLst>
         </pc:spChg>
         <pc:spChg chg="add mod">
-          <ac:chgData name="Fatima Pillosu" userId="a6295d4dc9e22643" providerId="LiveId" clId="{0478CFAF-F744-4001-ABF3-5E8A4958592B}" dt="2025-07-03T10:13:38.626" v="499"/>
+          <ac:chgData name="Fatima Pillosu" userId="a6295d4dc9e22643" providerId="LiveId" clId="{0478CFAF-F744-4001-ABF3-5E8A4958592B}" dt="2025-07-05T15:13:08.339" v="536" actId="1036"/>
           <ac:spMkLst>
             <pc:docMk/>
             <pc:sldMk cId="2370713982" sldId="258"/>
@@ -6189,7 +6189,7 @@
           </ac:spMkLst>
         </pc:spChg>
         <pc:spChg chg="add mod">
-          <ac:chgData name="Fatima Pillosu" userId="a6295d4dc9e22643" providerId="LiveId" clId="{0478CFAF-F744-4001-ABF3-5E8A4958592B}" dt="2025-07-03T10:13:38.626" v="499"/>
+          <ac:chgData name="Fatima Pillosu" userId="a6295d4dc9e22643" providerId="LiveId" clId="{0478CFAF-F744-4001-ABF3-5E8A4958592B}" dt="2025-07-05T15:26:45.798" v="1176" actId="33524"/>
           <ac:spMkLst>
             <pc:docMk/>
             <pc:sldMk cId="2370713982" sldId="258"/>
@@ -6197,7 +6197,7 @@
           </ac:spMkLst>
         </pc:spChg>
         <pc:spChg chg="add mod">
-          <ac:chgData name="Fatima Pillosu" userId="a6295d4dc9e22643" providerId="LiveId" clId="{0478CFAF-F744-4001-ABF3-5E8A4958592B}" dt="2025-07-03T10:13:38.626" v="499"/>
+          <ac:chgData name="Fatima Pillosu" userId="a6295d4dc9e22643" providerId="LiveId" clId="{0478CFAF-F744-4001-ABF3-5E8A4958592B}" dt="2025-07-05T15:13:08.339" v="536" actId="1036"/>
           <ac:spMkLst>
             <pc:docMk/>
             <pc:sldMk cId="2370713982" sldId="258"/>
@@ -6205,7 +6205,7 @@
           </ac:spMkLst>
         </pc:spChg>
         <pc:spChg chg="add mod">
-          <ac:chgData name="Fatima Pillosu" userId="a6295d4dc9e22643" providerId="LiveId" clId="{0478CFAF-F744-4001-ABF3-5E8A4958592B}" dt="2025-07-03T10:13:38.626" v="499"/>
+          <ac:chgData name="Fatima Pillosu" userId="a6295d4dc9e22643" providerId="LiveId" clId="{0478CFAF-F744-4001-ABF3-5E8A4958592B}" dt="2025-07-05T15:13:08.339" v="536" actId="1036"/>
           <ac:spMkLst>
             <pc:docMk/>
             <pc:sldMk cId="2370713982" sldId="258"/>
@@ -6213,11 +6213,27 @@
           </ac:spMkLst>
         </pc:spChg>
         <pc:spChg chg="add mod">
-          <ac:chgData name="Fatima Pillosu" userId="a6295d4dc9e22643" providerId="LiveId" clId="{0478CFAF-F744-4001-ABF3-5E8A4958592B}" dt="2025-07-03T10:13:38.626" v="499"/>
+          <ac:chgData name="Fatima Pillosu" userId="a6295d4dc9e22643" providerId="LiveId" clId="{0478CFAF-F744-4001-ABF3-5E8A4958592B}" dt="2025-07-05T15:24:19.386" v="1044" actId="14100"/>
           <ac:spMkLst>
             <pc:docMk/>
             <pc:sldMk cId="2370713982" sldId="258"/>
             <ac:spMk id="53" creationId="{27B7D5CF-81CA-4EAF-61FB-FBDB71CAE40F}"/>
+          </ac:spMkLst>
+        </pc:spChg>
+        <pc:spChg chg="add del mod">
+          <ac:chgData name="Fatima Pillosu" userId="a6295d4dc9e22643" providerId="LiveId" clId="{0478CFAF-F744-4001-ABF3-5E8A4958592B}" dt="2025-07-05T15:19:38.870" v="812" actId="22"/>
+          <ac:spMkLst>
+            <pc:docMk/>
+            <pc:sldMk cId="2370713982" sldId="258"/>
+            <ac:spMk id="54" creationId="{93C34A20-7CB5-2F0A-0C2D-D6976B6CD62A}"/>
+          </ac:spMkLst>
+        </pc:spChg>
+        <pc:spChg chg="add mod">
+          <ac:chgData name="Fatima Pillosu" userId="a6295d4dc9e22643" providerId="LiveId" clId="{0478CFAF-F744-4001-ABF3-5E8A4958592B}" dt="2025-07-05T15:22:14.072" v="993" actId="207"/>
+          <ac:spMkLst>
+            <pc:docMk/>
+            <pc:sldMk cId="2370713982" sldId="258"/>
+            <ac:spMk id="55" creationId="{78B6A93C-975D-F2FB-2429-F211CE81F035}"/>
           </ac:spMkLst>
         </pc:spChg>
         <pc:spChg chg="del mod">
@@ -6461,7 +6477,7 @@
           </ac:spMkLst>
         </pc:spChg>
         <pc:picChg chg="add mod">
-          <ac:chgData name="Fatima Pillosu" userId="a6295d4dc9e22643" providerId="LiveId" clId="{0478CFAF-F744-4001-ABF3-5E8A4958592B}" dt="2025-07-03T10:13:38.626" v="499"/>
+          <ac:chgData name="Fatima Pillosu" userId="a6295d4dc9e22643" providerId="LiveId" clId="{0478CFAF-F744-4001-ABF3-5E8A4958592B}" dt="2025-07-05T15:22:36.674" v="1007" actId="1038"/>
           <ac:picMkLst>
             <pc:docMk/>
             <pc:sldMk cId="2370713982" sldId="258"/>
@@ -6469,7 +6485,7 @@
           </ac:picMkLst>
         </pc:picChg>
         <pc:picChg chg="add mod">
-          <ac:chgData name="Fatima Pillosu" userId="a6295d4dc9e22643" providerId="LiveId" clId="{0478CFAF-F744-4001-ABF3-5E8A4958592B}" dt="2025-07-03T10:13:38.626" v="499"/>
+          <ac:chgData name="Fatima Pillosu" userId="a6295d4dc9e22643" providerId="LiveId" clId="{0478CFAF-F744-4001-ABF3-5E8A4958592B}" dt="2025-07-05T15:13:08.339" v="536" actId="1036"/>
           <ac:picMkLst>
             <pc:docMk/>
             <pc:sldMk cId="2370713982" sldId="258"/>
@@ -6477,7 +6493,7 @@
           </ac:picMkLst>
         </pc:picChg>
         <pc:picChg chg="add mod">
-          <ac:chgData name="Fatima Pillosu" userId="a6295d4dc9e22643" providerId="LiveId" clId="{0478CFAF-F744-4001-ABF3-5E8A4958592B}" dt="2025-07-03T10:13:38.626" v="499"/>
+          <ac:chgData name="Fatima Pillosu" userId="a6295d4dc9e22643" providerId="LiveId" clId="{0478CFAF-F744-4001-ABF3-5E8A4958592B}" dt="2025-07-05T15:13:08.339" v="536" actId="1036"/>
           <ac:picMkLst>
             <pc:docMk/>
             <pc:sldMk cId="2370713982" sldId="258"/>
@@ -6517,7 +6533,7 @@
           </ac:cxnSpMkLst>
         </pc:cxnChg>
         <pc:cxnChg chg="add mod">
-          <ac:chgData name="Fatima Pillosu" userId="a6295d4dc9e22643" providerId="LiveId" clId="{0478CFAF-F744-4001-ABF3-5E8A4958592B}" dt="2025-07-03T10:13:38.626" v="499"/>
+          <ac:chgData name="Fatima Pillosu" userId="a6295d4dc9e22643" providerId="LiveId" clId="{0478CFAF-F744-4001-ABF3-5E8A4958592B}" dt="2025-07-05T15:13:08.339" v="536" actId="1036"/>
           <ac:cxnSpMkLst>
             <pc:docMk/>
             <pc:sldMk cId="2370713982" sldId="258"/>
@@ -6525,7 +6541,7 @@
           </ac:cxnSpMkLst>
         </pc:cxnChg>
         <pc:cxnChg chg="add mod">
-          <ac:chgData name="Fatima Pillosu" userId="a6295d4dc9e22643" providerId="LiveId" clId="{0478CFAF-F744-4001-ABF3-5E8A4958592B}" dt="2025-07-03T10:13:38.626" v="499"/>
+          <ac:chgData name="Fatima Pillosu" userId="a6295d4dc9e22643" providerId="LiveId" clId="{0478CFAF-F744-4001-ABF3-5E8A4958592B}" dt="2025-07-05T15:15:02.171" v="665" actId="14100"/>
           <ac:cxnSpMkLst>
             <pc:docMk/>
             <pc:sldMk cId="2370713982" sldId="258"/>
@@ -6533,7 +6549,7 @@
           </ac:cxnSpMkLst>
         </pc:cxnChg>
         <pc:cxnChg chg="add mod">
-          <ac:chgData name="Fatima Pillosu" userId="a6295d4dc9e22643" providerId="LiveId" clId="{0478CFAF-F744-4001-ABF3-5E8A4958592B}" dt="2025-07-03T10:13:38.626" v="499"/>
+          <ac:chgData name="Fatima Pillosu" userId="a6295d4dc9e22643" providerId="LiveId" clId="{0478CFAF-F744-4001-ABF3-5E8A4958592B}" dt="2025-07-05T15:15:08.516" v="666" actId="14100"/>
           <ac:cxnSpMkLst>
             <pc:docMk/>
             <pc:sldMk cId="2370713982" sldId="258"/>
@@ -6541,7 +6557,7 @@
           </ac:cxnSpMkLst>
         </pc:cxnChg>
         <pc:cxnChg chg="add mod">
-          <ac:chgData name="Fatima Pillosu" userId="a6295d4dc9e22643" providerId="LiveId" clId="{0478CFAF-F744-4001-ABF3-5E8A4958592B}" dt="2025-07-03T10:13:38.626" v="499"/>
+          <ac:chgData name="Fatima Pillosu" userId="a6295d4dc9e22643" providerId="LiveId" clId="{0478CFAF-F744-4001-ABF3-5E8A4958592B}" dt="2025-07-05T15:23:05.357" v="1012" actId="14100"/>
           <ac:cxnSpMkLst>
             <pc:docMk/>
             <pc:sldMk cId="2370713982" sldId="258"/>
@@ -6549,7 +6565,7 @@
           </ac:cxnSpMkLst>
         </pc:cxnChg>
         <pc:cxnChg chg="add mod">
-          <ac:chgData name="Fatima Pillosu" userId="a6295d4dc9e22643" providerId="LiveId" clId="{0478CFAF-F744-4001-ABF3-5E8A4958592B}" dt="2025-07-03T10:13:38.626" v="499"/>
+          <ac:chgData name="Fatima Pillosu" userId="a6295d4dc9e22643" providerId="LiveId" clId="{0478CFAF-F744-4001-ABF3-5E8A4958592B}" dt="2025-07-05T15:13:08.339" v="536" actId="1036"/>
           <ac:cxnSpMkLst>
             <pc:docMk/>
             <pc:sldMk cId="2370713982" sldId="258"/>
@@ -6557,7 +6573,7 @@
           </ac:cxnSpMkLst>
         </pc:cxnChg>
         <pc:cxnChg chg="add mod">
-          <ac:chgData name="Fatima Pillosu" userId="a6295d4dc9e22643" providerId="LiveId" clId="{0478CFAF-F744-4001-ABF3-5E8A4958592B}" dt="2025-07-03T10:13:38.626" v="499"/>
+          <ac:chgData name="Fatima Pillosu" userId="a6295d4dc9e22643" providerId="LiveId" clId="{0478CFAF-F744-4001-ABF3-5E8A4958592B}" dt="2025-07-05T15:13:08.339" v="536" actId="1036"/>
           <ac:cxnSpMkLst>
             <pc:docMk/>
             <pc:sldMk cId="2370713982" sldId="258"/>
@@ -6565,7 +6581,7 @@
           </ac:cxnSpMkLst>
         </pc:cxnChg>
         <pc:cxnChg chg="add mod">
-          <ac:chgData name="Fatima Pillosu" userId="a6295d4dc9e22643" providerId="LiveId" clId="{0478CFAF-F744-4001-ABF3-5E8A4958592B}" dt="2025-07-03T10:13:38.626" v="499"/>
+          <ac:chgData name="Fatima Pillosu" userId="a6295d4dc9e22643" providerId="LiveId" clId="{0478CFAF-F744-4001-ABF3-5E8A4958592B}" dt="2025-07-05T15:13:08.339" v="536" actId="1036"/>
           <ac:cxnSpMkLst>
             <pc:docMk/>
             <pc:sldMk cId="2370713982" sldId="258"/>
@@ -6573,7 +6589,7 @@
           </ac:cxnSpMkLst>
         </pc:cxnChg>
         <pc:cxnChg chg="add mod">
-          <ac:chgData name="Fatima Pillosu" userId="a6295d4dc9e22643" providerId="LiveId" clId="{0478CFAF-F744-4001-ABF3-5E8A4958592B}" dt="2025-07-03T10:13:38.626" v="499"/>
+          <ac:chgData name="Fatima Pillosu" userId="a6295d4dc9e22643" providerId="LiveId" clId="{0478CFAF-F744-4001-ABF3-5E8A4958592B}" dt="2025-07-05T15:13:08.339" v="536" actId="1036"/>
           <ac:cxnSpMkLst>
             <pc:docMk/>
             <pc:sldMk cId="2370713982" sldId="258"/>
@@ -6581,7 +6597,7 @@
           </ac:cxnSpMkLst>
         </pc:cxnChg>
         <pc:cxnChg chg="add mod">
-          <ac:chgData name="Fatima Pillosu" userId="a6295d4dc9e22643" providerId="LiveId" clId="{0478CFAF-F744-4001-ABF3-5E8A4958592B}" dt="2025-07-03T10:13:38.626" v="499"/>
+          <ac:chgData name="Fatima Pillosu" userId="a6295d4dc9e22643" providerId="LiveId" clId="{0478CFAF-F744-4001-ABF3-5E8A4958592B}" dt="2025-07-05T15:13:08.339" v="536" actId="1036"/>
           <ac:cxnSpMkLst>
             <pc:docMk/>
             <pc:sldMk cId="2370713982" sldId="258"/>
@@ -6589,7 +6605,7 @@
           </ac:cxnSpMkLst>
         </pc:cxnChg>
         <pc:cxnChg chg="add mod">
-          <ac:chgData name="Fatima Pillosu" userId="a6295d4dc9e22643" providerId="LiveId" clId="{0478CFAF-F744-4001-ABF3-5E8A4958592B}" dt="2025-07-03T10:13:38.626" v="499"/>
+          <ac:chgData name="Fatima Pillosu" userId="a6295d4dc9e22643" providerId="LiveId" clId="{0478CFAF-F744-4001-ABF3-5E8A4958592B}" dt="2025-07-05T15:13:08.339" v="536" actId="1036"/>
           <ac:cxnSpMkLst>
             <pc:docMk/>
             <pc:sldMk cId="2370713982" sldId="258"/>
@@ -6597,7 +6613,7 @@
           </ac:cxnSpMkLst>
         </pc:cxnChg>
         <pc:cxnChg chg="add mod">
-          <ac:chgData name="Fatima Pillosu" userId="a6295d4dc9e22643" providerId="LiveId" clId="{0478CFAF-F744-4001-ABF3-5E8A4958592B}" dt="2025-07-03T10:13:38.626" v="499"/>
+          <ac:chgData name="Fatima Pillosu" userId="a6295d4dc9e22643" providerId="LiveId" clId="{0478CFAF-F744-4001-ABF3-5E8A4958592B}" dt="2025-07-05T15:13:08.339" v="536" actId="1036"/>
           <ac:cxnSpMkLst>
             <pc:docMk/>
             <pc:sldMk cId="2370713982" sldId="258"/>
@@ -6605,7 +6621,7 @@
           </ac:cxnSpMkLst>
         </pc:cxnChg>
         <pc:cxnChg chg="add mod">
-          <ac:chgData name="Fatima Pillosu" userId="a6295d4dc9e22643" providerId="LiveId" clId="{0478CFAF-F744-4001-ABF3-5E8A4958592B}" dt="2025-07-03T10:13:38.626" v="499"/>
+          <ac:chgData name="Fatima Pillosu" userId="a6295d4dc9e22643" providerId="LiveId" clId="{0478CFAF-F744-4001-ABF3-5E8A4958592B}" dt="2025-07-05T15:13:08.339" v="536" actId="1036"/>
           <ac:cxnSpMkLst>
             <pc:docMk/>
             <pc:sldMk cId="2370713982" sldId="258"/>
@@ -6613,7 +6629,7 @@
           </ac:cxnSpMkLst>
         </pc:cxnChg>
         <pc:cxnChg chg="add mod">
-          <ac:chgData name="Fatima Pillosu" userId="a6295d4dc9e22643" providerId="LiveId" clId="{0478CFAF-F744-4001-ABF3-5E8A4958592B}" dt="2025-07-03T10:13:38.626" v="499"/>
+          <ac:chgData name="Fatima Pillosu" userId="a6295d4dc9e22643" providerId="LiveId" clId="{0478CFAF-F744-4001-ABF3-5E8A4958592B}" dt="2025-07-05T15:24:05.528" v="1041" actId="1037"/>
           <ac:cxnSpMkLst>
             <pc:docMk/>
             <pc:sldMk cId="2370713982" sldId="258"/>
@@ -6621,7 +6637,7 @@
           </ac:cxnSpMkLst>
         </pc:cxnChg>
         <pc:cxnChg chg="add mod">
-          <ac:chgData name="Fatima Pillosu" userId="a6295d4dc9e22643" providerId="LiveId" clId="{0478CFAF-F744-4001-ABF3-5E8A4958592B}" dt="2025-07-03T10:13:38.626" v="499"/>
+          <ac:chgData name="Fatima Pillosu" userId="a6295d4dc9e22643" providerId="LiveId" clId="{0478CFAF-F744-4001-ABF3-5E8A4958592B}" dt="2025-07-05T15:24:21.505" v="1046" actId="1037"/>
           <ac:cxnSpMkLst>
             <pc:docMk/>
             <pc:sldMk cId="2370713982" sldId="258"/>
@@ -6877,7 +6893,7 @@
           <a:p>
             <a:fld id="{26226F86-B123-4002-8175-586B5E8ACF57}" type="datetimeFigureOut">
               <a:rPr lang="en-GB" smtClean="0"/>
-              <a:t>02/07/2025</a:t>
+              <a:t>05/07/2025</a:t>
             </a:fld>
             <a:endParaRPr lang="en-GB"/>
           </a:p>
@@ -7047,7 +7063,7 @@
           <a:p>
             <a:fld id="{26226F86-B123-4002-8175-586B5E8ACF57}" type="datetimeFigureOut">
               <a:rPr lang="en-GB" smtClean="0"/>
-              <a:t>02/07/2025</a:t>
+              <a:t>05/07/2025</a:t>
             </a:fld>
             <a:endParaRPr lang="en-GB"/>
           </a:p>
@@ -7227,7 +7243,7 @@
           <a:p>
             <a:fld id="{26226F86-B123-4002-8175-586B5E8ACF57}" type="datetimeFigureOut">
               <a:rPr lang="en-GB" smtClean="0"/>
-              <a:t>02/07/2025</a:t>
+              <a:t>05/07/2025</a:t>
             </a:fld>
             <a:endParaRPr lang="en-GB"/>
           </a:p>
@@ -7397,7 +7413,7 @@
           <a:p>
             <a:fld id="{26226F86-B123-4002-8175-586B5E8ACF57}" type="datetimeFigureOut">
               <a:rPr lang="en-GB" smtClean="0"/>
-              <a:t>02/07/2025</a:t>
+              <a:t>05/07/2025</a:t>
             </a:fld>
             <a:endParaRPr lang="en-GB"/>
           </a:p>
@@ -7643,7 +7659,7 @@
           <a:p>
             <a:fld id="{26226F86-B123-4002-8175-586B5E8ACF57}" type="datetimeFigureOut">
               <a:rPr lang="en-GB" smtClean="0"/>
-              <a:t>02/07/2025</a:t>
+              <a:t>05/07/2025</a:t>
             </a:fld>
             <a:endParaRPr lang="en-GB"/>
           </a:p>
@@ -7875,7 +7891,7 @@
           <a:p>
             <a:fld id="{26226F86-B123-4002-8175-586B5E8ACF57}" type="datetimeFigureOut">
               <a:rPr lang="en-GB" smtClean="0"/>
-              <a:t>02/07/2025</a:t>
+              <a:t>05/07/2025</a:t>
             </a:fld>
             <a:endParaRPr lang="en-GB"/>
           </a:p>
@@ -8242,7 +8258,7 @@
           <a:p>
             <a:fld id="{26226F86-B123-4002-8175-586B5E8ACF57}" type="datetimeFigureOut">
               <a:rPr lang="en-GB" smtClean="0"/>
-              <a:t>02/07/2025</a:t>
+              <a:t>05/07/2025</a:t>
             </a:fld>
             <a:endParaRPr lang="en-GB"/>
           </a:p>
@@ -8360,7 +8376,7 @@
           <a:p>
             <a:fld id="{26226F86-B123-4002-8175-586B5E8ACF57}" type="datetimeFigureOut">
               <a:rPr lang="en-GB" smtClean="0"/>
-              <a:t>02/07/2025</a:t>
+              <a:t>05/07/2025</a:t>
             </a:fld>
             <a:endParaRPr lang="en-GB"/>
           </a:p>
@@ -8455,7 +8471,7 @@
           <a:p>
             <a:fld id="{26226F86-B123-4002-8175-586B5E8ACF57}" type="datetimeFigureOut">
               <a:rPr lang="en-GB" smtClean="0"/>
-              <a:t>02/07/2025</a:t>
+              <a:t>05/07/2025</a:t>
             </a:fld>
             <a:endParaRPr lang="en-GB"/>
           </a:p>
@@ -8732,7 +8748,7 @@
           <a:p>
             <a:fld id="{26226F86-B123-4002-8175-586B5E8ACF57}" type="datetimeFigureOut">
               <a:rPr lang="en-GB" smtClean="0"/>
-              <a:t>02/07/2025</a:t>
+              <a:t>05/07/2025</a:t>
             </a:fld>
             <a:endParaRPr lang="en-GB"/>
           </a:p>
@@ -8989,7 +9005,7 @@
           <a:p>
             <a:fld id="{26226F86-B123-4002-8175-586B5E8ACF57}" type="datetimeFigureOut">
               <a:rPr lang="en-GB" smtClean="0"/>
-              <a:t>02/07/2025</a:t>
+              <a:t>05/07/2025</a:t>
             </a:fld>
             <a:endParaRPr lang="en-GB"/>
           </a:p>
@@ -9202,7 +9218,7 @@
           <a:p>
             <a:fld id="{26226F86-B123-4002-8175-586B5E8ACF57}" type="datetimeFigureOut">
               <a:rPr lang="en-GB" smtClean="0"/>
-              <a:t>02/07/2025</a:t>
+              <a:t>05/07/2025</a:t>
             </a:fld>
             <a:endParaRPr lang="en-GB"/>
           </a:p>
@@ -9629,7 +9645,7 @@
         </p:nvCxnSpPr>
         <p:spPr>
           <a:xfrm>
-            <a:off x="1807853" y="5841781"/>
+            <a:off x="1807853" y="5658896"/>
             <a:ext cx="0" cy="184430"/>
           </a:xfrm>
           <a:prstGeom prst="straightConnector1">
@@ -9676,9 +9692,9 @@
           <p:nvPr/>
         </p:nvCxnSpPr>
         <p:spPr>
-          <a:xfrm>
-            <a:off x="3707851" y="3618194"/>
-            <a:ext cx="0" cy="2601023"/>
+          <a:xfrm flipH="1">
+            <a:off x="3707850" y="3435309"/>
+            <a:ext cx="1" cy="2555106"/>
           </a:xfrm>
           <a:prstGeom prst="straightConnector1">
             <a:avLst/>
@@ -9722,8 +9738,8 @@
         </p:nvSpPr>
         <p:spPr>
           <a:xfrm>
-            <a:off x="326662" y="6027167"/>
-            <a:ext cx="2971233" cy="384100"/>
+            <a:off x="326662" y="5844282"/>
+            <a:ext cx="2971233" cy="292266"/>
           </a:xfrm>
           <a:prstGeom prst="rect">
             <a:avLst/>
@@ -9757,37 +9773,17 @@
             <a:r>
               <a:rPr lang="en-GB" sz="800" dirty="0">
                 <a:solidFill>
-                  <a:srgbClr val="009900"/>
+                  <a:srgbClr val="2CA58D"/>
                 </a:solidFill>
                 <a:latin typeface="Calibri Light" panose="020F0302020204030204" pitchFamily="34" charset="0"/>
                 <a:cs typeface="Calibri Light" panose="020F0302020204030204" pitchFamily="34" charset="0"/>
               </a:rPr>
-              <a:t>Test predictions over the corresponding outer test dataset, computing </a:t>
+              <a:t>Test predictions (through </a:t>
             </a:r>
             <a:r>
               <a:rPr lang="en-GB" sz="800" b="1" dirty="0">
                 <a:solidFill>
-                  <a:srgbClr val="009900"/>
-                </a:solidFill>
-                <a:latin typeface="Calibri" panose="020F0502020204030204" pitchFamily="34" charset="0"/>
-                <a:cs typeface="Calibri" panose="020F0502020204030204" pitchFamily="34" charset="0"/>
-              </a:rPr>
-              <a:t>Precision-Recall curves</a:t>
-            </a:r>
-            <a:r>
-              <a:rPr lang="en-GB" sz="800" dirty="0">
-                <a:solidFill>
-                  <a:srgbClr val="009900"/>
-                </a:solidFill>
-                <a:latin typeface="Calibri Light" panose="020F0302020204030204" pitchFamily="34" charset="0"/>
-                <a:cs typeface="Calibri Light" panose="020F0302020204030204" pitchFamily="34" charset="0"/>
-              </a:rPr>
-              <a:t>, </a:t>
-            </a:r>
-            <a:r>
-              <a:rPr lang="en-GB" sz="800" b="1" dirty="0">
-                <a:solidFill>
-                  <a:srgbClr val="009900"/>
+                  <a:srgbClr val="2CA58D"/>
                 </a:solidFill>
                 <a:latin typeface="Calibri" panose="020F0502020204030204" pitchFamily="34" charset="0"/>
                 <a:cs typeface="Calibri" panose="020F0502020204030204" pitchFamily="34" charset="0"/>
@@ -9797,37 +9793,17 @@
             <a:r>
               <a:rPr lang="en-GB" sz="800" dirty="0">
                 <a:solidFill>
-                  <a:srgbClr val="009900"/>
+                  <a:srgbClr val="2CA58D"/>
                 </a:solidFill>
                 <a:latin typeface="Calibri Light" panose="020F0302020204030204" pitchFamily="34" charset="0"/>
                 <a:cs typeface="Calibri Light" panose="020F0302020204030204" pitchFamily="34" charset="0"/>
               </a:rPr>
-              <a:t>, </a:t>
+              <a:t> and </a:t>
             </a:r>
             <a:r>
               <a:rPr lang="en-GB" sz="800" b="1" dirty="0">
                 <a:solidFill>
-                  <a:srgbClr val="009900"/>
-                </a:solidFill>
-                <a:latin typeface="Calibri" panose="020F0502020204030204" pitchFamily="34" charset="0"/>
-                <a:cs typeface="Calibri" panose="020F0502020204030204" pitchFamily="34" charset="0"/>
-              </a:rPr>
-              <a:t>ROC curves</a:t>
-            </a:r>
-            <a:r>
-              <a:rPr lang="en-GB" sz="800" dirty="0">
-                <a:solidFill>
-                  <a:srgbClr val="009900"/>
-                </a:solidFill>
-                <a:latin typeface="Calibri Light" panose="020F0302020204030204" pitchFamily="34" charset="0"/>
-                <a:cs typeface="Calibri Light" panose="020F0302020204030204" pitchFamily="34" charset="0"/>
-              </a:rPr>
-              <a:t>, </a:t>
-            </a:r>
-            <a:r>
-              <a:rPr lang="en-GB" sz="800" b="1" dirty="0">
-                <a:solidFill>
-                  <a:srgbClr val="009900"/>
+                  <a:srgbClr val="2CA58D"/>
                 </a:solidFill>
                 <a:latin typeface="Calibri" panose="020F0502020204030204" pitchFamily="34" charset="0"/>
                 <a:cs typeface="Calibri" panose="020F0502020204030204" pitchFamily="34" charset="0"/>
@@ -9837,60 +9813,13 @@
             <a:r>
               <a:rPr lang="en-GB" sz="800" dirty="0">
                 <a:solidFill>
-                  <a:srgbClr val="009900"/>
+                  <a:srgbClr val="2CA58D"/>
                 </a:solidFill>
                 <a:latin typeface="Calibri Light" panose="020F0302020204030204" pitchFamily="34" charset="0"/>
                 <a:cs typeface="Calibri Light" panose="020F0302020204030204" pitchFamily="34" charset="0"/>
               </a:rPr>
-              <a:t>, </a:t>
-            </a:r>
-            <a:r>
-              <a:rPr lang="en-GB" sz="800" b="1" dirty="0">
-                <a:solidFill>
-                  <a:srgbClr val="009900"/>
-                </a:solidFill>
-                <a:latin typeface="Calibri" panose="020F0502020204030204" pitchFamily="34" charset="0"/>
-                <a:cs typeface="Calibri" panose="020F0502020204030204" pitchFamily="34" charset="0"/>
-              </a:rPr>
-              <a:t>reliability diagrams</a:t>
-            </a:r>
-            <a:r>
-              <a:rPr lang="en-GB" sz="800" dirty="0">
-                <a:solidFill>
-                  <a:srgbClr val="009900"/>
-                </a:solidFill>
-                <a:latin typeface="Calibri Light" panose="020F0302020204030204" pitchFamily="34" charset="0"/>
-                <a:cs typeface="Calibri Light" panose="020F0302020204030204" pitchFamily="34" charset="0"/>
-              </a:rPr>
-              <a:t>, and </a:t>
-            </a:r>
-            <a:r>
-              <a:rPr lang="en-GB" sz="800" b="1" dirty="0">
-                <a:solidFill>
-                  <a:srgbClr val="009900"/>
-                </a:solidFill>
-                <a:latin typeface="Calibri" panose="020F0502020204030204" pitchFamily="34" charset="0"/>
-                <a:cs typeface="Calibri" panose="020F0502020204030204" pitchFamily="34" charset="0"/>
-              </a:rPr>
-              <a:t>frequency bias</a:t>
-            </a:r>
-            <a:r>
-              <a:rPr lang="en-GB" sz="800" b="1" dirty="0">
-                <a:solidFill>
-                  <a:srgbClr val="009900"/>
-                </a:solidFill>
-                <a:latin typeface="Calibri Light" panose="020F0302020204030204" pitchFamily="34" charset="0"/>
-                <a:cs typeface="Calibri Light" panose="020F0302020204030204" pitchFamily="34" charset="0"/>
-              </a:rPr>
-              <a:t>.</a:t>
-            </a:r>
-            <a:endParaRPr lang="en-GB" sz="800" dirty="0">
-              <a:solidFill>
-                <a:srgbClr val="009900"/>
-              </a:solidFill>
-              <a:latin typeface="Calibri Light" panose="020F0302020204030204" pitchFamily="34" charset="0"/>
-              <a:cs typeface="Calibri Light" panose="020F0302020204030204" pitchFamily="34" charset="0"/>
-            </a:endParaRPr>
+              <a:t>) over the corresponding outer test dataset.</a:t>
+            </a:r>
           </a:p>
         </p:txBody>
       </p:sp>
@@ -9905,14 +9834,13 @@
           </p:cNvPr>
           <p:cNvCxnSpPr>
             <a:cxnSpLocks/>
-            <a:endCxn id="9" idx="3"/>
           </p:cNvCxnSpPr>
           <p:nvPr/>
         </p:nvCxnSpPr>
         <p:spPr>
           <a:xfrm flipH="1">
-            <a:off x="3297895" y="6219217"/>
-            <a:ext cx="409956" cy="0"/>
+            <a:off x="3099335" y="5990415"/>
+            <a:ext cx="608515" cy="0"/>
           </a:xfrm>
           <a:prstGeom prst="straightConnector1">
             <a:avLst/>
@@ -9956,8 +9884,8 @@
         </p:nvSpPr>
         <p:spPr>
           <a:xfrm>
-            <a:off x="-78147" y="-20095"/>
-            <a:ext cx="4335187" cy="507973"/>
+            <a:off x="-78147" y="-39345"/>
+            <a:ext cx="4335187" cy="348703"/>
           </a:xfrm>
           <a:prstGeom prst="rect">
             <a:avLst/>
@@ -9988,7 +9916,7 @@
           <a:lstStyle/>
           <a:p>
             <a:r>
-              <a:rPr lang="en-GB" sz="1200" b="1" dirty="0">
+              <a:rPr lang="en-US" sz="1200" b="1" dirty="0">
                 <a:solidFill>
                   <a:schemeClr val="tx1">
                     <a:lumMod val="75000"/>
@@ -9998,7 +9926,7 @@
                 <a:latin typeface="Calibri" panose="020F0502020204030204" pitchFamily="34" charset="0"/>
                 <a:cs typeface="Calibri" panose="020F0502020204030204" pitchFamily="34" charset="0"/>
               </a:rPr>
-              <a:t>Workflow for training data-driven predictive models</a:t>
+              <a:t>Repeated nested cross-validation</a:t>
             </a:r>
           </a:p>
           <a:p>
@@ -10013,7 +9941,7 @@
                 <a:latin typeface="Calibri Light" panose="020F0302020204030204" pitchFamily="34" charset="0"/>
                 <a:cs typeface="Calibri Light" panose="020F0302020204030204" pitchFamily="34" charset="0"/>
               </a:rPr>
-              <a:t>Hyperparameter tuning and model’s generalisation capabilities when using imbalanced observational datasets for training</a:t>
+              <a:t>For hyperparameter tuning and model’s generalisation capabilities</a:t>
             </a:r>
           </a:p>
         </p:txBody>
@@ -10032,7 +9960,7 @@
         </p:nvSpPr>
         <p:spPr>
           <a:xfrm>
-            <a:off x="490149" y="572085"/>
+            <a:off x="490149" y="389200"/>
             <a:ext cx="3159903" cy="264384"/>
           </a:xfrm>
           <a:prstGeom prst="rect">
@@ -10198,14 +10126,13 @@
           </p:cNvPr>
           <p:cNvCxnSpPr>
             <a:cxnSpLocks/>
-            <a:stCxn id="12" idx="2"/>
           </p:cNvCxnSpPr>
           <p:nvPr/>
         </p:nvCxnSpPr>
         <p:spPr>
           <a:xfrm>
-            <a:off x="2070101" y="836469"/>
-            <a:ext cx="0" cy="614581"/>
+            <a:off x="2070101" y="615084"/>
+            <a:ext cx="0" cy="684000"/>
           </a:xfrm>
           <a:prstGeom prst="straightConnector1">
             <a:avLst/>
@@ -10249,7 +10176,7 @@
         </p:nvSpPr>
         <p:spPr>
           <a:xfrm>
-            <a:off x="2115982" y="907450"/>
+            <a:off x="2115982" y="686065"/>
             <a:ext cx="1915552" cy="589128"/>
           </a:xfrm>
           <a:prstGeom prst="rect">
@@ -10281,15 +10208,15 @@
           <a:lstStyle/>
           <a:p>
             <a:r>
-              <a:rPr lang="en-GB" sz="800" b="1" i="1" dirty="0">
+              <a:rPr lang="en-GB" sz="800" b="1" dirty="0">
                 <a:solidFill>
                   <a:schemeClr val="tx1">
                     <a:lumMod val="75000"/>
                     <a:lumOff val="25000"/>
                   </a:schemeClr>
                 </a:solidFill>
-                <a:latin typeface="Calibri Light" panose="020F0302020204030204" pitchFamily="34" charset="0"/>
-                <a:cs typeface="Calibri Light" panose="020F0302020204030204" pitchFamily="34" charset="0"/>
+                <a:latin typeface="Calibri" panose="020F0502020204030204" pitchFamily="34" charset="0"/>
+                <a:cs typeface="Calibri" panose="020F0502020204030204" pitchFamily="34" charset="0"/>
               </a:rPr>
               <a:t>RepeatedStratifiedKfold</a:t>
             </a:r>
@@ -10338,7 +10265,7 @@
         </p:blipFill>
         <p:spPr bwMode="auto">
           <a:xfrm>
-            <a:off x="3216414" y="906641"/>
+            <a:off x="3264540" y="685256"/>
             <a:ext cx="262871" cy="171347"/>
           </a:xfrm>
           <a:prstGeom prst="rect">
@@ -10370,7 +10297,7 @@
         </p:nvSpPr>
         <p:spPr>
           <a:xfrm>
-            <a:off x="3347851" y="3438194"/>
+            <a:off x="3347851" y="3255309"/>
             <a:ext cx="720000" cy="180000"/>
           </a:xfrm>
           <a:prstGeom prst="rect">
@@ -10407,9 +10334,7 @@
             <a:r>
               <a:rPr lang="en-GB" sz="800" dirty="0">
                 <a:solidFill>
-                  <a:schemeClr val="bg1">
-                    <a:lumMod val="95000"/>
-                  </a:schemeClr>
+                  <a:srgbClr val="F2F2F2"/>
                 </a:solidFill>
                 <a:latin typeface="Calibri Light" panose="020F0302020204030204" pitchFamily="34" charset="0"/>
                 <a:cs typeface="Calibri Light" panose="020F0302020204030204" pitchFamily="34" charset="0"/>
@@ -10433,7 +10358,7 @@
         </p:nvSpPr>
         <p:spPr>
           <a:xfrm>
-            <a:off x="3347850" y="3271364"/>
+            <a:off x="3347850" y="3088479"/>
             <a:ext cx="720000" cy="215442"/>
           </a:xfrm>
           <a:prstGeom prst="rect">
@@ -10477,7 +10402,7 @@
         </p:nvCxnSpPr>
         <p:spPr>
           <a:xfrm>
-            <a:off x="1424066" y="2802126"/>
+            <a:off x="1424066" y="2619241"/>
             <a:ext cx="1881069" cy="159293"/>
           </a:xfrm>
           <a:prstGeom prst="straightConnector1">
@@ -10521,7 +10446,7 @@
         </p:nvCxnSpPr>
         <p:spPr>
           <a:xfrm>
-            <a:off x="74951" y="2796196"/>
+            <a:off x="74951" y="2613311"/>
             <a:ext cx="251711" cy="167808"/>
           </a:xfrm>
           <a:prstGeom prst="straightConnector1">
@@ -10565,7 +10490,7 @@
         </p:nvCxnSpPr>
         <p:spPr>
           <a:xfrm>
-            <a:off x="2070100" y="6486086"/>
+            <a:off x="2070100" y="6303201"/>
             <a:ext cx="0" cy="184430"/>
           </a:xfrm>
           <a:prstGeom prst="straightConnector1">
@@ -10610,8 +10535,8 @@
         </p:nvSpPr>
         <p:spPr>
           <a:xfrm>
-            <a:off x="0" y="6675785"/>
-            <a:ext cx="4140200" cy="323055"/>
+            <a:off x="0" y="6483276"/>
+            <a:ext cx="4140200" cy="173470"/>
           </a:xfrm>
           <a:prstGeom prst="rect">
             <a:avLst/>
@@ -10643,27 +10568,14 @@
           <a:p>
             <a:pPr algn="ctr"/>
             <a:r>
-              <a:rPr lang="en-GB" sz="800" dirty="0">
-                <a:solidFill>
-                  <a:schemeClr val="tx1">
-                    <a:lumMod val="75000"/>
-                    <a:lumOff val="25000"/>
-                  </a:schemeClr>
-                </a:solidFill>
-                <a:latin typeface="Calibri Light" panose="020F0302020204030204" pitchFamily="34" charset="0"/>
-                <a:cs typeface="Calibri Light" panose="020F0302020204030204" pitchFamily="34" charset="0"/>
-              </a:rPr>
-              <a:t>Select the </a:t>
-            </a:r>
-            <a:r>
               <a:rPr lang="en-GB" sz="800" b="1" dirty="0">
                 <a:solidFill>
-                  <a:srgbClr val="009900"/>
+                  <a:srgbClr val="2CA58D"/>
                 </a:solidFill>
                 <a:latin typeface="Calibri" panose="020F0502020204030204" pitchFamily="34" charset="0"/>
                 <a:cs typeface="Calibri" panose="020F0502020204030204" pitchFamily="34" charset="0"/>
               </a:rPr>
-              <a:t>model corresponding to the fold with the best set of hyperparameters over the outer test datasets</a:t>
+              <a:t>Select the best-performing fold</a:t>
             </a:r>
             <a:r>
               <a:rPr lang="en-GB" sz="800" dirty="0">
@@ -10735,8 +10647,8 @@
         </p:nvSpPr>
         <p:spPr>
           <a:xfrm>
-            <a:off x="92655" y="7174515"/>
-            <a:ext cx="2000607" cy="361106"/>
+            <a:off x="18108" y="6827996"/>
+            <a:ext cx="1720023" cy="444575"/>
           </a:xfrm>
           <a:prstGeom prst="parallelogram">
             <a:avLst>
@@ -10778,7 +10690,7 @@
           <a:p>
             <a:pPr algn="ctr"/>
             <a:r>
-              <a:rPr lang="en-GB" sz="1000" dirty="0">
+              <a:rPr lang="en-GB" sz="800" dirty="0">
                 <a:solidFill>
                   <a:schemeClr val="tx1">
                     <a:lumMod val="75000"/>
@@ -10788,7 +10700,23 @@
                 <a:latin typeface="Calibri Light" panose="020F0302020204030204" pitchFamily="34" charset="0"/>
                 <a:cs typeface="Calibri Light" panose="020F0302020204030204" pitchFamily="34" charset="0"/>
               </a:rPr>
-              <a:t>Model ready for forecast production</a:t>
+              <a:t>Model ready </a:t>
+            </a:r>
+          </a:p>
+          <a:p>
+            <a:pPr algn="ctr"/>
+            <a:r>
+              <a:rPr lang="en-GB" sz="800" dirty="0">
+                <a:solidFill>
+                  <a:schemeClr val="tx1">
+                    <a:lumMod val="75000"/>
+                    <a:lumOff val="25000"/>
+                  </a:schemeClr>
+                </a:solidFill>
+                <a:latin typeface="Calibri Light" panose="020F0302020204030204" pitchFamily="34" charset="0"/>
+                <a:cs typeface="Calibri Light" panose="020F0302020204030204" pitchFamily="34" charset="0"/>
+              </a:rPr>
+              <a:t>for forecast production</a:t>
             </a:r>
           </a:p>
         </p:txBody>
@@ -10815,7 +10743,7 @@
         </p:blipFill>
         <p:spPr>
           <a:xfrm>
-            <a:off x="-15240" y="1458479"/>
+            <a:off x="-15240" y="1275594"/>
             <a:ext cx="4140200" cy="1390443"/>
           </a:xfrm>
           <a:prstGeom prst="rect">
@@ -10837,7 +10765,7 @@
         </p:nvSpPr>
         <p:spPr>
           <a:xfrm>
-            <a:off x="660104" y="3800563"/>
+            <a:off x="660104" y="3617678"/>
             <a:ext cx="846000" cy="180000"/>
           </a:xfrm>
           <a:prstGeom prst="rect">
@@ -10900,7 +10828,7 @@
         </p:nvSpPr>
         <p:spPr>
           <a:xfrm>
-            <a:off x="1533104" y="3800563"/>
+            <a:off x="1533104" y="3617678"/>
             <a:ext cx="846000" cy="180000"/>
           </a:xfrm>
           <a:prstGeom prst="rect">
@@ -10963,7 +10891,7 @@
         </p:nvSpPr>
         <p:spPr>
           <a:xfrm>
-            <a:off x="2406104" y="3800563"/>
+            <a:off x="2406104" y="3617678"/>
             <a:ext cx="846000" cy="180000"/>
           </a:xfrm>
           <a:prstGeom prst="rect">
@@ -11026,7 +10954,7 @@
         </p:nvSpPr>
         <p:spPr>
           <a:xfrm>
-            <a:off x="660104" y="4011829"/>
+            <a:off x="660104" y="3828944"/>
             <a:ext cx="846000" cy="180000"/>
           </a:xfrm>
           <a:prstGeom prst="rect">
@@ -11089,7 +11017,7 @@
         </p:nvSpPr>
         <p:spPr>
           <a:xfrm>
-            <a:off x="1533104" y="4011829"/>
+            <a:off x="1533104" y="3828944"/>
             <a:ext cx="846000" cy="180000"/>
           </a:xfrm>
           <a:prstGeom prst="rect">
@@ -11152,7 +11080,7 @@
         </p:nvSpPr>
         <p:spPr>
           <a:xfrm>
-            <a:off x="2406104" y="4011829"/>
+            <a:off x="2406104" y="3828944"/>
             <a:ext cx="846000" cy="180000"/>
           </a:xfrm>
           <a:prstGeom prst="rect">
@@ -11215,7 +11143,7 @@
         </p:nvSpPr>
         <p:spPr>
           <a:xfrm>
-            <a:off x="660104" y="4215128"/>
+            <a:off x="660104" y="4032243"/>
             <a:ext cx="846000" cy="180000"/>
           </a:xfrm>
           <a:prstGeom prst="rect">
@@ -11278,7 +11206,7 @@
         </p:nvSpPr>
         <p:spPr>
           <a:xfrm>
-            <a:off x="1533104" y="4215128"/>
+            <a:off x="1533104" y="4032243"/>
             <a:ext cx="846000" cy="180000"/>
           </a:xfrm>
           <a:prstGeom prst="rect">
@@ -11341,7 +11269,7 @@
         </p:nvSpPr>
         <p:spPr>
           <a:xfrm>
-            <a:off x="2406104" y="4215128"/>
+            <a:off x="2406104" y="4032243"/>
             <a:ext cx="846000" cy="180000"/>
           </a:xfrm>
           <a:prstGeom prst="rect">
@@ -11404,7 +11332,7 @@
         </p:nvSpPr>
         <p:spPr>
           <a:xfrm>
-            <a:off x="288074" y="4638605"/>
+            <a:off x="288074" y="4455720"/>
             <a:ext cx="3028422" cy="546157"/>
           </a:xfrm>
           <a:prstGeom prst="rect">
@@ -11567,7 +11495,7 @@
         </p:nvCxnSpPr>
         <p:spPr>
           <a:xfrm>
-            <a:off x="1807853" y="4448774"/>
+            <a:off x="1807853" y="4265889"/>
             <a:ext cx="0" cy="183694"/>
           </a:xfrm>
           <a:prstGeom prst="straightConnector1">
@@ -11612,7 +11540,7 @@
         </p:nvSpPr>
         <p:spPr>
           <a:xfrm>
-            <a:off x="326662" y="2964004"/>
+            <a:off x="326662" y="2781119"/>
             <a:ext cx="2971234" cy="317158"/>
           </a:xfrm>
           <a:prstGeom prst="rect">
@@ -11713,7 +11641,7 @@
         </p:nvSpPr>
         <p:spPr>
           <a:xfrm>
-            <a:off x="653070" y="3638642"/>
+            <a:off x="653070" y="3455757"/>
             <a:ext cx="846000" cy="180000"/>
           </a:xfrm>
           <a:prstGeom prst="rect">
@@ -11788,7 +11716,7 @@
         </p:nvSpPr>
         <p:spPr>
           <a:xfrm>
-            <a:off x="1526070" y="3638642"/>
+            <a:off x="1526070" y="3455757"/>
             <a:ext cx="846000" cy="180000"/>
           </a:xfrm>
           <a:prstGeom prst="rect">
@@ -11863,7 +11791,7 @@
         </p:nvSpPr>
         <p:spPr>
           <a:xfrm>
-            <a:off x="2399070" y="3638642"/>
+            <a:off x="2399070" y="3455757"/>
             <a:ext cx="846000" cy="180000"/>
           </a:xfrm>
           <a:prstGeom prst="rect">
@@ -11938,7 +11866,7 @@
         </p:nvSpPr>
         <p:spPr>
           <a:xfrm>
-            <a:off x="226504" y="3804773"/>
+            <a:off x="226504" y="3621888"/>
             <a:ext cx="497974" cy="180000"/>
           </a:xfrm>
           <a:prstGeom prst="rect">
@@ -12000,7 +11928,7 @@
         </p:nvSpPr>
         <p:spPr>
           <a:xfrm>
-            <a:off x="226504" y="4018133"/>
+            <a:off x="226504" y="3835248"/>
             <a:ext cx="497974" cy="180000"/>
           </a:xfrm>
           <a:prstGeom prst="rect">
@@ -12062,7 +11990,7 @@
         </p:nvSpPr>
         <p:spPr>
           <a:xfrm>
-            <a:off x="226504" y="4217522"/>
+            <a:off x="226504" y="4034637"/>
             <a:ext cx="497974" cy="180000"/>
           </a:xfrm>
           <a:prstGeom prst="rect">
@@ -12124,7 +12052,7 @@
         </p:nvSpPr>
         <p:spPr>
           <a:xfrm>
-            <a:off x="326663" y="3288555"/>
+            <a:off x="326663" y="3105670"/>
             <a:ext cx="2971235" cy="2507267"/>
           </a:xfrm>
           <a:prstGeom prst="rect">
@@ -12187,7 +12115,7 @@
         </p:nvCxnSpPr>
         <p:spPr>
           <a:xfrm>
-            <a:off x="1807853" y="5189502"/>
+            <a:off x="1807853" y="5006617"/>
             <a:ext cx="0" cy="184430"/>
           </a:xfrm>
           <a:prstGeom prst="straightConnector1">
@@ -12232,7 +12160,7 @@
         </p:nvSpPr>
         <p:spPr>
           <a:xfrm>
-            <a:off x="353116" y="5365801"/>
+            <a:off x="353116" y="5182916"/>
             <a:ext cx="2944779" cy="430021"/>
           </a:xfrm>
           <a:prstGeom prst="rect">
@@ -12282,7 +12210,7 @@
                 <a:latin typeface="Calibri" panose="020F0502020204030204" pitchFamily="34" charset="0"/>
                 <a:cs typeface="Calibri" panose="020F0502020204030204" pitchFamily="34" charset="0"/>
               </a:rPr>
-              <a:t>best hyper-parameter set per outer fold</a:t>
+              <a:t>best hyper-parameter set per outer fold and</a:t>
             </a:r>
             <a:r>
               <a:rPr lang="en-GB" sz="800" dirty="0">
@@ -12292,27 +12220,7 @@
                 <a:latin typeface="Calibri Light" panose="020F0302020204030204" pitchFamily="34" charset="0"/>
                 <a:cs typeface="Calibri Light" panose="020F0302020204030204" pitchFamily="34" charset="0"/>
               </a:rPr>
-              <a:t>,</a:t>
-            </a:r>
-            <a:r>
-              <a:rPr lang="en-GB" sz="800" b="1" dirty="0">
-                <a:solidFill>
-                  <a:srgbClr val="3A0CA3"/>
-                </a:solidFill>
-                <a:latin typeface="Calibri" panose="020F0502020204030204" pitchFamily="34" charset="0"/>
-                <a:cs typeface="Calibri" panose="020F0502020204030204" pitchFamily="34" charset="0"/>
-              </a:rPr>
-              <a:t> </a:t>
-            </a:r>
-            <a:r>
-              <a:rPr lang="en-GB" sz="800" dirty="0">
-                <a:solidFill>
-                  <a:srgbClr val="3A0CA3"/>
-                </a:solidFill>
-                <a:latin typeface="Calibri Light" panose="020F0302020204030204" pitchFamily="34" charset="0"/>
-                <a:cs typeface="Calibri Light" panose="020F0302020204030204" pitchFamily="34" charset="0"/>
-              </a:rPr>
-              <a:t>and trains the model with it over the entire outer training dataset.</a:t>
+              <a:t> trains the model with it over the entire outer training dataset.</a:t>
             </a:r>
           </a:p>
         </p:txBody>
@@ -12331,7 +12239,7 @@
         </p:nvSpPr>
         <p:spPr>
           <a:xfrm>
-            <a:off x="653070" y="3438194"/>
+            <a:off x="653070" y="3255309"/>
             <a:ext cx="2599034" cy="178250"/>
           </a:xfrm>
           <a:prstGeom prst="rect">
@@ -12403,7 +12311,7 @@
         </p:nvSpPr>
         <p:spPr>
           <a:xfrm>
-            <a:off x="679155" y="3271363"/>
+            <a:off x="679155" y="3088478"/>
             <a:ext cx="2592000" cy="215444"/>
           </a:xfrm>
           <a:prstGeom prst="rect">
@@ -12459,7 +12367,7 @@
         </p:blipFill>
         <p:spPr>
           <a:xfrm>
-            <a:off x="1434629" y="3130261"/>
+            <a:off x="1434629" y="2947376"/>
             <a:ext cx="108000" cy="108000"/>
           </a:xfrm>
           <a:prstGeom prst="rect">
@@ -12483,7 +12391,7 @@
         </p:nvCxnSpPr>
         <p:spPr>
           <a:xfrm>
-            <a:off x="31750" y="6438900"/>
+            <a:off x="31750" y="6256015"/>
             <a:ext cx="4124960" cy="0"/>
           </a:xfrm>
           <a:prstGeom prst="line">
@@ -12530,7 +12438,7 @@
         </p:nvCxnSpPr>
         <p:spPr>
           <a:xfrm rot="16200000">
-            <a:off x="-165100" y="6246167"/>
+            <a:off x="-165100" y="6063282"/>
             <a:ext cx="393700" cy="0"/>
           </a:xfrm>
           <a:prstGeom prst="line">
@@ -12577,7 +12485,7 @@
         </p:nvCxnSpPr>
         <p:spPr>
           <a:xfrm rot="16200000">
-            <a:off x="3902750" y="6238267"/>
+            <a:off x="3902750" y="6055382"/>
             <a:ext cx="393700" cy="0"/>
           </a:xfrm>
           <a:prstGeom prst="line">
@@ -12624,7 +12532,7 @@
         </p:nvCxnSpPr>
         <p:spPr>
           <a:xfrm>
-            <a:off x="1089604" y="6987743"/>
+            <a:off x="1041479" y="6641225"/>
             <a:ext cx="0" cy="184430"/>
           </a:xfrm>
           <a:prstGeom prst="straightConnector1">
@@ -12671,7 +12579,7 @@
         </p:nvCxnSpPr>
         <p:spPr>
           <a:xfrm>
-            <a:off x="1848368" y="7380025"/>
+            <a:off x="1513854" y="7033507"/>
             <a:ext cx="345978" cy="0"/>
           </a:xfrm>
           <a:prstGeom prst="straightConnector1">
@@ -12716,8 +12624,8 @@
         </p:nvSpPr>
         <p:spPr>
           <a:xfrm>
-            <a:off x="2194346" y="7057502"/>
-            <a:ext cx="1856205" cy="485691"/>
+            <a:off x="1879082" y="6710984"/>
+            <a:ext cx="2171470" cy="485691"/>
           </a:xfrm>
           <a:prstGeom prst="rect">
             <a:avLst/>
@@ -12827,6 +12735,185 @@
                 <a:cs typeface="Calibri Light" panose="020F0302020204030204" pitchFamily="34" charset="0"/>
               </a:rPr>
               <a:t>) are gridded yes-events</a:t>
+            </a:r>
+          </a:p>
+        </p:txBody>
+      </p:sp>
+      <p:sp>
+        <p:nvSpPr>
+          <p:cNvPr id="55" name="Rectangle 54">
+            <a:extLst>
+              <a:ext uri="{FF2B5EF4-FFF2-40B4-BE49-F238E27FC236}">
+                <a16:creationId xmlns:a16="http://schemas.microsoft.com/office/drawing/2014/main" id="{78B6A93C-975D-F2FB-2429-F211CE81F035}"/>
+              </a:ext>
+            </a:extLst>
+          </p:cNvPr>
+          <p:cNvSpPr/>
+          <p:nvPr/>
+        </p:nvSpPr>
+        <p:spPr>
+          <a:xfrm>
+            <a:off x="1731819" y="7188082"/>
+            <a:ext cx="2525221" cy="406457"/>
+          </a:xfrm>
+          <a:prstGeom prst="rect">
+            <a:avLst/>
+          </a:prstGeom>
+          <a:noFill/>
+          <a:ln w="3175">
+            <a:noFill/>
+          </a:ln>
+        </p:spPr>
+        <p:style>
+          <a:lnRef idx="2">
+            <a:schemeClr val="accent1">
+              <a:shade val="15000"/>
+            </a:schemeClr>
+          </a:lnRef>
+          <a:fillRef idx="1">
+            <a:schemeClr val="accent1"/>
+          </a:fillRef>
+          <a:effectRef idx="0">
+            <a:schemeClr val="accent1"/>
+          </a:effectRef>
+          <a:fontRef idx="minor">
+            <a:schemeClr val="lt1"/>
+          </a:fontRef>
+        </p:style>
+        <p:txBody>
+          <a:bodyPr rtlCol="0" anchor="ctr"/>
+          <a:lstStyle/>
+          <a:p>
+            <a:pPr algn="ctr"/>
+            <a:r>
+              <a:rPr lang="en-GB" sz="800" dirty="0">
+                <a:solidFill>
+                  <a:srgbClr val="0099CC"/>
+                </a:solidFill>
+                <a:latin typeface="Calibri Light" panose="020F0302020204030204" pitchFamily="34" charset="0"/>
+                <a:cs typeface="Calibri Light" panose="020F0302020204030204" pitchFamily="34" charset="0"/>
+              </a:rPr>
+              <a:t>Test predictions using the </a:t>
+            </a:r>
+            <a:r>
+              <a:rPr lang="en-GB" sz="800" b="1" dirty="0">
+                <a:solidFill>
+                  <a:srgbClr val="0099CC"/>
+                </a:solidFill>
+                <a:latin typeface="Calibri" panose="020F0502020204030204" pitchFamily="34" charset="0"/>
+                <a:cs typeface="Calibri" panose="020F0502020204030204" pitchFamily="34" charset="0"/>
+              </a:rPr>
+              <a:t>Precision-Recall curve </a:t>
+            </a:r>
+            <a:r>
+              <a:rPr lang="en-GB" sz="800" dirty="0">
+                <a:solidFill>
+                  <a:srgbClr val="0099CC"/>
+                </a:solidFill>
+                <a:latin typeface="Calibri Light" panose="020F0302020204030204" pitchFamily="34" charset="0"/>
+                <a:cs typeface="Calibri Light" panose="020F0302020204030204" pitchFamily="34" charset="0"/>
+              </a:rPr>
+              <a:t>and </a:t>
+            </a:r>
+            <a:r>
+              <a:rPr lang="en-GB" sz="800" b="1" dirty="0">
+                <a:solidFill>
+                  <a:srgbClr val="0099CC"/>
+                </a:solidFill>
+                <a:latin typeface="Calibri" panose="020F0502020204030204" pitchFamily="34" charset="0"/>
+                <a:cs typeface="Calibri" panose="020F0502020204030204" pitchFamily="34" charset="0"/>
+              </a:rPr>
+              <a:t>AUC-PR</a:t>
+            </a:r>
+            <a:r>
+              <a:rPr lang="en-GB" sz="800" dirty="0">
+                <a:solidFill>
+                  <a:srgbClr val="0099CC"/>
+                </a:solidFill>
+                <a:latin typeface="Calibri Light" panose="020F0302020204030204" pitchFamily="34" charset="0"/>
+                <a:cs typeface="Calibri Light" panose="020F0302020204030204" pitchFamily="34" charset="0"/>
+              </a:rPr>
+              <a:t>,  the </a:t>
+            </a:r>
+            <a:r>
+              <a:rPr lang="en-GB" sz="800" b="1" dirty="0">
+                <a:solidFill>
+                  <a:srgbClr val="0099CC"/>
+                </a:solidFill>
+                <a:latin typeface="Calibri" panose="020F0502020204030204" pitchFamily="34" charset="0"/>
+                <a:cs typeface="Calibri" panose="020F0502020204030204" pitchFamily="34" charset="0"/>
+              </a:rPr>
+              <a:t>ROC curve </a:t>
+            </a:r>
+            <a:r>
+              <a:rPr lang="en-GB" sz="800" dirty="0">
+                <a:solidFill>
+                  <a:srgbClr val="0099CC"/>
+                </a:solidFill>
+                <a:latin typeface="Calibri Light" panose="020F0302020204030204" pitchFamily="34" charset="0"/>
+                <a:cs typeface="Calibri Light" panose="020F0302020204030204" pitchFamily="34" charset="0"/>
+              </a:rPr>
+              <a:t>and </a:t>
+            </a:r>
+            <a:r>
+              <a:rPr lang="en-GB" sz="800" b="1" dirty="0">
+                <a:solidFill>
+                  <a:srgbClr val="0099CC"/>
+                </a:solidFill>
+                <a:latin typeface="Calibri" panose="020F0502020204030204" pitchFamily="34" charset="0"/>
+                <a:cs typeface="Calibri" panose="020F0502020204030204" pitchFamily="34" charset="0"/>
+              </a:rPr>
+              <a:t>AUC-ROC</a:t>
+            </a:r>
+            <a:r>
+              <a:rPr lang="en-GB" sz="800" dirty="0">
+                <a:solidFill>
+                  <a:srgbClr val="0099CC"/>
+                </a:solidFill>
+                <a:latin typeface="Calibri Light" panose="020F0302020204030204" pitchFamily="34" charset="0"/>
+                <a:cs typeface="Calibri Light" panose="020F0302020204030204" pitchFamily="34" charset="0"/>
+              </a:rPr>
+              <a:t>, the </a:t>
+            </a:r>
+            <a:r>
+              <a:rPr lang="en-GB" sz="800" b="1" dirty="0">
+                <a:solidFill>
+                  <a:srgbClr val="0099CC"/>
+                </a:solidFill>
+                <a:latin typeface="Calibri" panose="020F0502020204030204" pitchFamily="34" charset="0"/>
+                <a:cs typeface="Calibri" panose="020F0502020204030204" pitchFamily="34" charset="0"/>
+              </a:rPr>
+              <a:t>reliability diagram </a:t>
+            </a:r>
+            <a:r>
+              <a:rPr lang="en-GB" sz="800" dirty="0">
+                <a:solidFill>
+                  <a:srgbClr val="0099CC"/>
+                </a:solidFill>
+                <a:latin typeface="Calibri Light" panose="020F0302020204030204" pitchFamily="34" charset="0"/>
+                <a:cs typeface="Calibri Light" panose="020F0302020204030204" pitchFamily="34" charset="0"/>
+              </a:rPr>
+              <a:t>and the </a:t>
+            </a:r>
+            <a:r>
+              <a:rPr lang="en-GB" sz="800" b="1" dirty="0">
+                <a:solidFill>
+                  <a:srgbClr val="0099CC"/>
+                </a:solidFill>
+                <a:latin typeface="Calibri" panose="020F0502020204030204" pitchFamily="34" charset="0"/>
+                <a:cs typeface="Calibri" panose="020F0502020204030204" pitchFamily="34" charset="0"/>
+              </a:rPr>
+              <a:t>frequency bias</a:t>
+            </a:r>
+            <a:r>
+              <a:rPr lang="en-GB" sz="800" dirty="0">
+                <a:solidFill>
+                  <a:srgbClr val="0099CC"/>
+                </a:solidFill>
+                <a:latin typeface="Calibri Light" panose="020F0302020204030204" pitchFamily="34" charset="0"/>
+                <a:cs typeface="Calibri Light" panose="020F0302020204030204" pitchFamily="34" charset="0"/>
+              </a:rPr>
+              <a:t>.</a:t>
             </a:r>
           </a:p>
         </p:txBody>

--- a/chapter_06/figures/cv_optuna.pptx
+++ b/chapter_06/figures/cv_optuna.pptx
@@ -2,14 +2,14 @@
 <file path=ppt/presentation.xml><?xml version="1.0" encoding="utf-8"?>
 <p:presentation xmlns:a="http://schemas.openxmlformats.org/drawingml/2006/main" xmlns:r="http://schemas.openxmlformats.org/officeDocument/2006/relationships" xmlns:p="http://schemas.openxmlformats.org/presentationml/2006/main" saveSubsetFonts="1">
   <p:sldMasterIdLst>
-    <p:sldMasterId id="2147483696" r:id="rId1"/>
+    <p:sldMasterId id="2147483720" r:id="rId1"/>
   </p:sldMasterIdLst>
   <p:sldIdLst>
     <p:sldId id="258" r:id="rId2"/>
     <p:sldId id="257" r:id="rId3"/>
     <p:sldId id="259" r:id="rId4"/>
   </p:sldIdLst>
-  <p:sldSz cx="4140200" cy="7596188"/>
+  <p:sldSz cx="4140200" cy="7073900"/>
   <p:notesSz cx="6858000" cy="9144000"/>
   <p:defaultTextStyle>
     <a:defPPr>
@@ -117,7 +117,7 @@
 <file path=ppt/revisionInfo.xml><?xml version="1.0" encoding="utf-8"?>
 <p1510:revInfo xmlns:a="http://schemas.openxmlformats.org/drawingml/2006/main" xmlns:r="http://schemas.openxmlformats.org/officeDocument/2006/relationships" xmlns:p1510="http://schemas.microsoft.com/office/powerpoint/2015/10/main">
   <p1510:revLst>
-    <p1510:client id="{0478CFAF-F744-4001-ABF3-5E8A4958592B}" v="49" dt="2025-07-05T15:22:36.675"/>
+    <p1510:client id="{0478CFAF-F744-4001-ABF3-5E8A4958592B}" v="134" dt="2025-07-05T17:17:17.389"/>
   </p1510:revLst>
 </p1510:revInfo>
 </file>
@@ -5954,12 +5954,203 @@
   <pc:docChgLst>
     <pc:chgData name="Fatima Pillosu" userId="a6295d4dc9e22643" providerId="LiveId" clId="{0478CFAF-F744-4001-ABF3-5E8A4958592B}"/>
     <pc:docChg chg="undo custSel modSld">
-      <pc:chgData name="Fatima Pillosu" userId="a6295d4dc9e22643" providerId="LiveId" clId="{0478CFAF-F744-4001-ABF3-5E8A4958592B}" dt="2025-07-05T15:26:45.798" v="1176" actId="33524"/>
+      <pc:chgData name="Fatima Pillosu" userId="a6295d4dc9e22643" providerId="LiveId" clId="{0478CFAF-F744-4001-ABF3-5E8A4958592B}" dt="2025-07-05T17:18:02.779" v="2609" actId="14100"/>
       <pc:docMkLst>
         <pc:docMk/>
       </pc:docMkLst>
       <pc:sldChg chg="addSp delSp modSp mod">
-        <pc:chgData name="Fatima Pillosu" userId="a6295d4dc9e22643" providerId="LiveId" clId="{0478CFAF-F744-4001-ABF3-5E8A4958592B}" dt="2025-07-05T15:26:45.798" v="1176" actId="33524"/>
+        <pc:chgData name="Fatima Pillosu" userId="a6295d4dc9e22643" providerId="LiveId" clId="{0478CFAF-F744-4001-ABF3-5E8A4958592B}" dt="2025-07-05T17:00:28.975" v="2272" actId="1035"/>
+        <pc:sldMkLst>
+          <pc:docMk/>
+          <pc:sldMk cId="2827987875" sldId="257"/>
+        </pc:sldMkLst>
+        <pc:spChg chg="add mod">
+          <ac:chgData name="Fatima Pillosu" userId="a6295d4dc9e22643" providerId="LiveId" clId="{0478CFAF-F744-4001-ABF3-5E8A4958592B}" dt="2025-07-05T16:35:56.842" v="1639" actId="1076"/>
+          <ac:spMkLst>
+            <pc:docMk/>
+            <pc:sldMk cId="2827987875" sldId="257"/>
+            <ac:spMk id="2" creationId="{70009A46-6D12-CD32-6226-3AE28828467D}"/>
+          </ac:spMkLst>
+        </pc:spChg>
+        <pc:spChg chg="add mod">
+          <ac:chgData name="Fatima Pillosu" userId="a6295d4dc9e22643" providerId="LiveId" clId="{0478CFAF-F744-4001-ABF3-5E8A4958592B}" dt="2025-07-05T16:36:19.145" v="1669" actId="20577"/>
+          <ac:spMkLst>
+            <pc:docMk/>
+            <pc:sldMk cId="2827987875" sldId="257"/>
+            <ac:spMk id="3" creationId="{D530AD3E-3C80-557C-5792-3994668D0538}"/>
+          </ac:spMkLst>
+        </pc:spChg>
+        <pc:spChg chg="add mod">
+          <ac:chgData name="Fatima Pillosu" userId="a6295d4dc9e22643" providerId="LiveId" clId="{0478CFAF-F744-4001-ABF3-5E8A4958592B}" dt="2025-07-05T16:36:40.013" v="1677" actId="14100"/>
+          <ac:spMkLst>
+            <pc:docMk/>
+            <pc:sldMk cId="2827987875" sldId="257"/>
+            <ac:spMk id="4" creationId="{9A9B4192-EF51-90EC-146D-0F70F0266B6F}"/>
+          </ac:spMkLst>
+        </pc:spChg>
+        <pc:spChg chg="add del mod">
+          <ac:chgData name="Fatima Pillosu" userId="a6295d4dc9e22643" providerId="LiveId" clId="{0478CFAF-F744-4001-ABF3-5E8A4958592B}" dt="2025-07-05T16:39:58.567" v="1778" actId="478"/>
+          <ac:spMkLst>
+            <pc:docMk/>
+            <pc:sldMk cId="2827987875" sldId="257"/>
+            <ac:spMk id="5" creationId="{15521800-3C3A-311F-B20C-77B976C38308}"/>
+          </ac:spMkLst>
+        </pc:spChg>
+        <pc:spChg chg="mod">
+          <ac:chgData name="Fatima Pillosu" userId="a6295d4dc9e22643" providerId="LiveId" clId="{0478CFAF-F744-4001-ABF3-5E8A4958592B}" dt="2025-07-05T16:59:52.774" v="2257" actId="14100"/>
+          <ac:spMkLst>
+            <pc:docMk/>
+            <pc:sldMk cId="2827987875" sldId="257"/>
+            <ac:spMk id="102" creationId="{5C5ACA8D-4927-11CF-B54D-5C46952E06E3}"/>
+          </ac:spMkLst>
+        </pc:spChg>
+        <pc:spChg chg="mod">
+          <ac:chgData name="Fatima Pillosu" userId="a6295d4dc9e22643" providerId="LiveId" clId="{0478CFAF-F744-4001-ABF3-5E8A4958592B}" dt="2025-07-05T16:34:14.723" v="1547" actId="14100"/>
+          <ac:spMkLst>
+            <pc:docMk/>
+            <pc:sldMk cId="2827987875" sldId="257"/>
+            <ac:spMk id="110" creationId="{F59FB585-539C-6777-66FD-3AAED8FD3645}"/>
+          </ac:spMkLst>
+        </pc:spChg>
+        <pc:spChg chg="mod">
+          <ac:chgData name="Fatima Pillosu" userId="a6295d4dc9e22643" providerId="LiveId" clId="{0478CFAF-F744-4001-ABF3-5E8A4958592B}" dt="2025-07-05T16:34:06.397" v="1541" actId="1036"/>
+          <ac:spMkLst>
+            <pc:docMk/>
+            <pc:sldMk cId="2827987875" sldId="257"/>
+            <ac:spMk id="173" creationId="{A5ABFD78-8DD6-FD1D-7C23-DB4D0F1736DD}"/>
+          </ac:spMkLst>
+        </pc:spChg>
+        <pc:spChg chg="mod">
+          <ac:chgData name="Fatima Pillosu" userId="a6295d4dc9e22643" providerId="LiveId" clId="{0478CFAF-F744-4001-ABF3-5E8A4958592B}" dt="2025-07-05T16:34:06.397" v="1541" actId="1036"/>
+          <ac:spMkLst>
+            <pc:docMk/>
+            <pc:sldMk cId="2827987875" sldId="257"/>
+            <ac:spMk id="176" creationId="{B32C1BFB-D5AD-3AB9-B29E-1146286EDE70}"/>
+          </ac:spMkLst>
+        </pc:spChg>
+        <pc:spChg chg="mod">
+          <ac:chgData name="Fatima Pillosu" userId="a6295d4dc9e22643" providerId="LiveId" clId="{0478CFAF-F744-4001-ABF3-5E8A4958592B}" dt="2025-07-05T16:34:06.397" v="1541" actId="1036"/>
+          <ac:spMkLst>
+            <pc:docMk/>
+            <pc:sldMk cId="2827987875" sldId="257"/>
+            <ac:spMk id="179" creationId="{03BF83E4-23A2-6F6B-F77B-4F4E210DDC19}"/>
+          </ac:spMkLst>
+        </pc:spChg>
+        <pc:spChg chg="mod">
+          <ac:chgData name="Fatima Pillosu" userId="a6295d4dc9e22643" providerId="LiveId" clId="{0478CFAF-F744-4001-ABF3-5E8A4958592B}" dt="2025-07-05T16:34:06.397" v="1541" actId="1036"/>
+          <ac:spMkLst>
+            <pc:docMk/>
+            <pc:sldMk cId="2827987875" sldId="257"/>
+            <ac:spMk id="189" creationId="{089EF62A-C51C-AD49-DD60-83E9D73EAC6B}"/>
+          </ac:spMkLst>
+        </pc:spChg>
+        <pc:spChg chg="mod">
+          <ac:chgData name="Fatima Pillosu" userId="a6295d4dc9e22643" providerId="LiveId" clId="{0478CFAF-F744-4001-ABF3-5E8A4958592B}" dt="2025-07-05T16:34:06.397" v="1541" actId="1036"/>
+          <ac:spMkLst>
+            <pc:docMk/>
+            <pc:sldMk cId="2827987875" sldId="257"/>
+            <ac:spMk id="190" creationId="{6D85A790-A34B-14D6-CEF2-1115C6053268}"/>
+          </ac:spMkLst>
+        </pc:spChg>
+        <pc:spChg chg="mod">
+          <ac:chgData name="Fatima Pillosu" userId="a6295d4dc9e22643" providerId="LiveId" clId="{0478CFAF-F744-4001-ABF3-5E8A4958592B}" dt="2025-07-05T16:34:06.397" v="1541" actId="1036"/>
+          <ac:spMkLst>
+            <pc:docMk/>
+            <pc:sldMk cId="2827987875" sldId="257"/>
+            <ac:spMk id="191" creationId="{311C2BDF-F677-848A-7B9B-13D488660F1E}"/>
+          </ac:spMkLst>
+        </pc:spChg>
+        <pc:spChg chg="mod">
+          <ac:chgData name="Fatima Pillosu" userId="a6295d4dc9e22643" providerId="LiveId" clId="{0478CFAF-F744-4001-ABF3-5E8A4958592B}" dt="2025-07-05T16:34:06.397" v="1541" actId="1036"/>
+          <ac:spMkLst>
+            <pc:docMk/>
+            <pc:sldMk cId="2827987875" sldId="257"/>
+            <ac:spMk id="192" creationId="{EF878829-230D-C992-63D8-7FD18C8F739B}"/>
+          </ac:spMkLst>
+        </pc:spChg>
+        <pc:spChg chg="mod">
+          <ac:chgData name="Fatima Pillosu" userId="a6295d4dc9e22643" providerId="LiveId" clId="{0478CFAF-F744-4001-ABF3-5E8A4958592B}" dt="2025-07-05T16:34:06.397" v="1541" actId="1036"/>
+          <ac:spMkLst>
+            <pc:docMk/>
+            <pc:sldMk cId="2827987875" sldId="257"/>
+            <ac:spMk id="193" creationId="{592435FA-0508-9D62-594C-A47523268557}"/>
+          </ac:spMkLst>
+        </pc:spChg>
+        <pc:spChg chg="mod">
+          <ac:chgData name="Fatima Pillosu" userId="a6295d4dc9e22643" providerId="LiveId" clId="{0478CFAF-F744-4001-ABF3-5E8A4958592B}" dt="2025-07-05T16:34:06.397" v="1541" actId="1036"/>
+          <ac:spMkLst>
+            <pc:docMk/>
+            <pc:sldMk cId="2827987875" sldId="257"/>
+            <ac:spMk id="194" creationId="{180C6A98-8473-4376-FEF7-80A5030190F4}"/>
+          </ac:spMkLst>
+        </pc:spChg>
+        <pc:spChg chg="mod">
+          <ac:chgData name="Fatima Pillosu" userId="a6295d4dc9e22643" providerId="LiveId" clId="{0478CFAF-F744-4001-ABF3-5E8A4958592B}" dt="2025-07-05T16:34:26.177" v="1553" actId="1037"/>
+          <ac:spMkLst>
+            <pc:docMk/>
+            <pc:sldMk cId="2827987875" sldId="257"/>
+            <ac:spMk id="261" creationId="{65A7B9AB-4F79-4820-C9E2-9696002C4485}"/>
+          </ac:spMkLst>
+        </pc:spChg>
+        <pc:spChg chg="mod">
+          <ac:chgData name="Fatima Pillosu" userId="a6295d4dc9e22643" providerId="LiveId" clId="{0478CFAF-F744-4001-ABF3-5E8A4958592B}" dt="2025-07-05T16:34:06.397" v="1541" actId="1036"/>
+          <ac:spMkLst>
+            <pc:docMk/>
+            <pc:sldMk cId="2827987875" sldId="257"/>
+            <ac:spMk id="264" creationId="{AB01A647-00FD-E268-3A7E-95026504EE1D}"/>
+          </ac:spMkLst>
+        </pc:spChg>
+        <pc:spChg chg="mod">
+          <ac:chgData name="Fatima Pillosu" userId="a6295d4dc9e22643" providerId="LiveId" clId="{0478CFAF-F744-4001-ABF3-5E8A4958592B}" dt="2025-07-05T16:34:06.397" v="1541" actId="1036"/>
+          <ac:spMkLst>
+            <pc:docMk/>
+            <pc:sldMk cId="2827987875" sldId="257"/>
+            <ac:spMk id="265" creationId="{83CFB0F6-64E8-F3BB-86CE-9ECD42E950E2}"/>
+          </ac:spMkLst>
+        </pc:spChg>
+        <pc:spChg chg="mod">
+          <ac:chgData name="Fatima Pillosu" userId="a6295d4dc9e22643" providerId="LiveId" clId="{0478CFAF-F744-4001-ABF3-5E8A4958592B}" dt="2025-07-05T17:00:28.975" v="2272" actId="1035"/>
+          <ac:spMkLst>
+            <pc:docMk/>
+            <pc:sldMk cId="2827987875" sldId="257"/>
+            <ac:spMk id="285" creationId="{DF256CA8-D670-521F-DABE-87891B706515}"/>
+          </ac:spMkLst>
+        </pc:spChg>
+        <pc:picChg chg="add mod">
+          <ac:chgData name="Fatima Pillosu" userId="a6295d4dc9e22643" providerId="LiveId" clId="{0478CFAF-F744-4001-ABF3-5E8A4958592B}" dt="2025-07-05T17:00:28.975" v="2272" actId="1035"/>
+          <ac:picMkLst>
+            <pc:docMk/>
+            <pc:sldMk cId="2827987875" sldId="257"/>
+            <ac:picMk id="6" creationId="{769FF019-D5FA-0862-6908-CADDF593680E}"/>
+          </ac:picMkLst>
+        </pc:picChg>
+        <pc:picChg chg="mod">
+          <ac:chgData name="Fatima Pillosu" userId="a6295d4dc9e22643" providerId="LiveId" clId="{0478CFAF-F744-4001-ABF3-5E8A4958592B}" dt="2025-07-05T16:34:28.510" v="1554" actId="1037"/>
+          <ac:picMkLst>
+            <pc:docMk/>
+            <pc:sldMk cId="2827987875" sldId="257"/>
+            <ac:picMk id="260" creationId="{188183AB-ECAE-1879-7A04-C407C9362A01}"/>
+          </ac:picMkLst>
+        </pc:picChg>
+        <pc:picChg chg="mod">
+          <ac:chgData name="Fatima Pillosu" userId="a6295d4dc9e22643" providerId="LiveId" clId="{0478CFAF-F744-4001-ABF3-5E8A4958592B}" dt="2025-07-05T16:34:32.798" v="1555" actId="1036"/>
+          <ac:picMkLst>
+            <pc:docMk/>
+            <pc:sldMk cId="2827987875" sldId="257"/>
+            <ac:picMk id="266" creationId="{88C69EAF-A024-F33E-5F09-FB9179C3FBE1}"/>
+          </ac:picMkLst>
+        </pc:picChg>
+        <pc:picChg chg="mod">
+          <ac:chgData name="Fatima Pillosu" userId="a6295d4dc9e22643" providerId="LiveId" clId="{0478CFAF-F744-4001-ABF3-5E8A4958592B}" dt="2025-07-05T17:00:28.975" v="2272" actId="1035"/>
+          <ac:picMkLst>
+            <pc:docMk/>
+            <pc:sldMk cId="2827987875" sldId="257"/>
+            <ac:picMk id="284" creationId="{650301A6-4217-9358-B600-1054572DC2EF}"/>
+          </ac:picMkLst>
+        </pc:picChg>
+      </pc:sldChg>
+      <pc:sldChg chg="addSp delSp modSp mod">
+        <pc:chgData name="Fatima Pillosu" userId="a6295d4dc9e22643" providerId="LiveId" clId="{0478CFAF-F744-4001-ABF3-5E8A4958592B}" dt="2025-07-05T17:18:02.779" v="2609" actId="14100"/>
         <pc:sldMkLst>
           <pc:docMk/>
           <pc:sldMk cId="2370713982" sldId="258"/>
@@ -5980,240 +6171,240 @@
             <ac:spMk id="6" creationId="{5B5D5622-A42F-1A13-C7AE-10F806E4B9BF}"/>
           </ac:spMkLst>
         </pc:spChg>
-        <pc:spChg chg="add mod">
-          <ac:chgData name="Fatima Pillosu" userId="a6295d4dc9e22643" providerId="LiveId" clId="{0478CFAF-F744-4001-ABF3-5E8A4958592B}" dt="2025-07-05T15:16:27.739" v="678" actId="207"/>
+        <pc:spChg chg="add del mod">
+          <ac:chgData name="Fatima Pillosu" userId="a6295d4dc9e22643" providerId="LiveId" clId="{0478CFAF-F744-4001-ABF3-5E8A4958592B}" dt="2025-07-05T17:16:51.266" v="2578" actId="21"/>
           <ac:spMkLst>
             <pc:docMk/>
             <pc:sldMk cId="2370713982" sldId="258"/>
             <ac:spMk id="9" creationId="{37757665-AC28-C2D7-9288-A4F262BEDCA5}"/>
           </ac:spMkLst>
         </pc:spChg>
-        <pc:spChg chg="add mod">
-          <ac:chgData name="Fatima Pillosu" userId="a6295d4dc9e22643" providerId="LiveId" clId="{0478CFAF-F744-4001-ABF3-5E8A4958592B}" dt="2025-07-05T15:26:28.076" v="1175" actId="20577"/>
+        <pc:spChg chg="add del mod">
+          <ac:chgData name="Fatima Pillosu" userId="a6295d4dc9e22643" providerId="LiveId" clId="{0478CFAF-F744-4001-ABF3-5E8A4958592B}" dt="2025-07-05T17:16:51.266" v="2578" actId="21"/>
           <ac:spMkLst>
             <pc:docMk/>
             <pc:sldMk cId="2370713982" sldId="258"/>
             <ac:spMk id="11" creationId="{6E3975A0-04BD-A32C-5C8E-87D363BCBF43}"/>
           </ac:spMkLst>
         </pc:spChg>
-        <pc:spChg chg="add mod">
-          <ac:chgData name="Fatima Pillosu" userId="a6295d4dc9e22643" providerId="LiveId" clId="{0478CFAF-F744-4001-ABF3-5E8A4958592B}" dt="2025-07-05T15:13:08.339" v="536" actId="1036"/>
+        <pc:spChg chg="add del mod">
+          <ac:chgData name="Fatima Pillosu" userId="a6295d4dc9e22643" providerId="LiveId" clId="{0478CFAF-F744-4001-ABF3-5E8A4958592B}" dt="2025-07-05T17:16:51.266" v="2578" actId="21"/>
           <ac:spMkLst>
             <pc:docMk/>
             <pc:sldMk cId="2370713982" sldId="258"/>
             <ac:spMk id="12" creationId="{EC3C4672-BBD3-831C-7CA8-0C6A492C9F9C}"/>
           </ac:spMkLst>
         </pc:spChg>
-        <pc:spChg chg="add mod">
-          <ac:chgData name="Fatima Pillosu" userId="a6295d4dc9e22643" providerId="LiveId" clId="{0478CFAF-F744-4001-ABF3-5E8A4958592B}" dt="2025-07-05T15:22:33.451" v="1003" actId="114"/>
+        <pc:spChg chg="add del mod">
+          <ac:chgData name="Fatima Pillosu" userId="a6295d4dc9e22643" providerId="LiveId" clId="{0478CFAF-F744-4001-ABF3-5E8A4958592B}" dt="2025-07-05T16:40:32.927" v="1802" actId="478"/>
           <ac:spMkLst>
             <pc:docMk/>
             <pc:sldMk cId="2370713982" sldId="258"/>
             <ac:spMk id="14" creationId="{A98AD652-CC49-61CB-93BF-590382B2DB5F}"/>
           </ac:spMkLst>
         </pc:spChg>
-        <pc:spChg chg="add mod">
-          <ac:chgData name="Fatima Pillosu" userId="a6295d4dc9e22643" providerId="LiveId" clId="{0478CFAF-F744-4001-ABF3-5E8A4958592B}" dt="2025-07-05T15:16:15.408" v="676" actId="207"/>
+        <pc:spChg chg="add del mod">
+          <ac:chgData name="Fatima Pillosu" userId="a6295d4dc9e22643" providerId="LiveId" clId="{0478CFAF-F744-4001-ABF3-5E8A4958592B}" dt="2025-07-05T17:16:51.266" v="2578" actId="21"/>
           <ac:spMkLst>
             <pc:docMk/>
             <pc:sldMk cId="2370713982" sldId="258"/>
             <ac:spMk id="16" creationId="{66347620-DBE3-A5F5-F8A3-7C2F7C6EBDE6}"/>
           </ac:spMkLst>
         </pc:spChg>
-        <pc:spChg chg="add mod">
-          <ac:chgData name="Fatima Pillosu" userId="a6295d4dc9e22643" providerId="LiveId" clId="{0478CFAF-F744-4001-ABF3-5E8A4958592B}" dt="2025-07-05T15:13:08.339" v="536" actId="1036"/>
+        <pc:spChg chg="add del mod">
+          <ac:chgData name="Fatima Pillosu" userId="a6295d4dc9e22643" providerId="LiveId" clId="{0478CFAF-F744-4001-ABF3-5E8A4958592B}" dt="2025-07-05T17:16:51.266" v="2578" actId="21"/>
           <ac:spMkLst>
             <pc:docMk/>
             <pc:sldMk cId="2370713982" sldId="258"/>
             <ac:spMk id="17" creationId="{4DC959A9-7C89-6A9D-8C2C-4CCD3B47ECC5}"/>
           </ac:spMkLst>
         </pc:spChg>
-        <pc:spChg chg="add mod">
-          <ac:chgData name="Fatima Pillosu" userId="a6295d4dc9e22643" providerId="LiveId" clId="{0478CFAF-F744-4001-ABF3-5E8A4958592B}" dt="2025-07-05T15:19:05.350" v="786" actId="1035"/>
+        <pc:spChg chg="add del mod ord">
+          <ac:chgData name="Fatima Pillosu" userId="a6295d4dc9e22643" providerId="LiveId" clId="{0478CFAF-F744-4001-ABF3-5E8A4958592B}" dt="2025-07-05T17:09:30.650" v="2452" actId="478"/>
           <ac:spMkLst>
             <pc:docMk/>
             <pc:sldMk cId="2370713982" sldId="258"/>
             <ac:spMk id="21" creationId="{AE7F31D2-F023-F7AB-A647-E119A53ECEA7}"/>
           </ac:spMkLst>
         </pc:spChg>
-        <pc:spChg chg="add mod">
-          <ac:chgData name="Fatima Pillosu" userId="a6295d4dc9e22643" providerId="LiveId" clId="{0478CFAF-F744-4001-ABF3-5E8A4958592B}" dt="2025-07-05T15:24:02.481" v="1036" actId="1037"/>
+        <pc:spChg chg="add del mod">
+          <ac:chgData name="Fatima Pillosu" userId="a6295d4dc9e22643" providerId="LiveId" clId="{0478CFAF-F744-4001-ABF3-5E8A4958592B}" dt="2025-07-05T17:16:51.266" v="2578" actId="21"/>
           <ac:spMkLst>
             <pc:docMk/>
             <pc:sldMk cId="2370713982" sldId="258"/>
             <ac:spMk id="22" creationId="{1A0731B8-37BC-29FF-5EFB-3505DFCBB060}"/>
           </ac:spMkLst>
         </pc:spChg>
-        <pc:spChg chg="add mod">
-          <ac:chgData name="Fatima Pillosu" userId="a6295d4dc9e22643" providerId="LiveId" clId="{0478CFAF-F744-4001-ABF3-5E8A4958592B}" dt="2025-07-05T15:13:08.339" v="536" actId="1036"/>
+        <pc:spChg chg="add del mod">
+          <ac:chgData name="Fatima Pillosu" userId="a6295d4dc9e22643" providerId="LiveId" clId="{0478CFAF-F744-4001-ABF3-5E8A4958592B}" dt="2025-07-05T17:16:51.266" v="2578" actId="21"/>
           <ac:spMkLst>
             <pc:docMk/>
             <pc:sldMk cId="2370713982" sldId="258"/>
             <ac:spMk id="24" creationId="{5382C8C2-6F3C-50EB-0A51-B5F6DC1665D1}"/>
           </ac:spMkLst>
         </pc:spChg>
-        <pc:spChg chg="add mod">
-          <ac:chgData name="Fatima Pillosu" userId="a6295d4dc9e22643" providerId="LiveId" clId="{0478CFAF-F744-4001-ABF3-5E8A4958592B}" dt="2025-07-05T15:13:08.339" v="536" actId="1036"/>
+        <pc:spChg chg="add del mod">
+          <ac:chgData name="Fatima Pillosu" userId="a6295d4dc9e22643" providerId="LiveId" clId="{0478CFAF-F744-4001-ABF3-5E8A4958592B}" dt="2025-07-05T17:16:51.266" v="2578" actId="21"/>
           <ac:spMkLst>
             <pc:docMk/>
             <pc:sldMk cId="2370713982" sldId="258"/>
             <ac:spMk id="25" creationId="{AFE3A951-104C-CEDE-A21D-544D4B214711}"/>
           </ac:spMkLst>
         </pc:spChg>
-        <pc:spChg chg="add mod">
-          <ac:chgData name="Fatima Pillosu" userId="a6295d4dc9e22643" providerId="LiveId" clId="{0478CFAF-F744-4001-ABF3-5E8A4958592B}" dt="2025-07-05T15:13:08.339" v="536" actId="1036"/>
+        <pc:spChg chg="add del mod">
+          <ac:chgData name="Fatima Pillosu" userId="a6295d4dc9e22643" providerId="LiveId" clId="{0478CFAF-F744-4001-ABF3-5E8A4958592B}" dt="2025-07-05T17:16:51.266" v="2578" actId="21"/>
           <ac:spMkLst>
             <pc:docMk/>
             <pc:sldMk cId="2370713982" sldId="258"/>
             <ac:spMk id="26" creationId="{F81123FD-1880-7B13-64BB-A61B32D6C3FC}"/>
           </ac:spMkLst>
         </pc:spChg>
-        <pc:spChg chg="add mod">
-          <ac:chgData name="Fatima Pillosu" userId="a6295d4dc9e22643" providerId="LiveId" clId="{0478CFAF-F744-4001-ABF3-5E8A4958592B}" dt="2025-07-05T15:13:08.339" v="536" actId="1036"/>
+        <pc:spChg chg="add del mod">
+          <ac:chgData name="Fatima Pillosu" userId="a6295d4dc9e22643" providerId="LiveId" clId="{0478CFAF-F744-4001-ABF3-5E8A4958592B}" dt="2025-07-05T17:16:51.266" v="2578" actId="21"/>
           <ac:spMkLst>
             <pc:docMk/>
             <pc:sldMk cId="2370713982" sldId="258"/>
             <ac:spMk id="27" creationId="{68F25C0E-89BD-9175-A93B-76E013FBF0DD}"/>
           </ac:spMkLst>
         </pc:spChg>
-        <pc:spChg chg="add mod">
-          <ac:chgData name="Fatima Pillosu" userId="a6295d4dc9e22643" providerId="LiveId" clId="{0478CFAF-F744-4001-ABF3-5E8A4958592B}" dt="2025-07-05T15:13:08.339" v="536" actId="1036"/>
+        <pc:spChg chg="add del mod">
+          <ac:chgData name="Fatima Pillosu" userId="a6295d4dc9e22643" providerId="LiveId" clId="{0478CFAF-F744-4001-ABF3-5E8A4958592B}" dt="2025-07-05T17:16:51.266" v="2578" actId="21"/>
           <ac:spMkLst>
             <pc:docMk/>
             <pc:sldMk cId="2370713982" sldId="258"/>
             <ac:spMk id="28" creationId="{96248778-630E-7601-4FAE-FF9CFCDF1B42}"/>
           </ac:spMkLst>
         </pc:spChg>
-        <pc:spChg chg="add mod">
-          <ac:chgData name="Fatima Pillosu" userId="a6295d4dc9e22643" providerId="LiveId" clId="{0478CFAF-F744-4001-ABF3-5E8A4958592B}" dt="2025-07-05T15:13:08.339" v="536" actId="1036"/>
+        <pc:spChg chg="add del mod">
+          <ac:chgData name="Fatima Pillosu" userId="a6295d4dc9e22643" providerId="LiveId" clId="{0478CFAF-F744-4001-ABF3-5E8A4958592B}" dt="2025-07-05T17:16:51.266" v="2578" actId="21"/>
           <ac:spMkLst>
             <pc:docMk/>
             <pc:sldMk cId="2370713982" sldId="258"/>
             <ac:spMk id="29" creationId="{9CADC630-E44A-1A89-9FDE-8EDA7123B19C}"/>
           </ac:spMkLst>
         </pc:spChg>
-        <pc:spChg chg="add mod">
-          <ac:chgData name="Fatima Pillosu" userId="a6295d4dc9e22643" providerId="LiveId" clId="{0478CFAF-F744-4001-ABF3-5E8A4958592B}" dt="2025-07-05T15:13:08.339" v="536" actId="1036"/>
+        <pc:spChg chg="add del mod">
+          <ac:chgData name="Fatima Pillosu" userId="a6295d4dc9e22643" providerId="LiveId" clId="{0478CFAF-F744-4001-ABF3-5E8A4958592B}" dt="2025-07-05T17:16:51.266" v="2578" actId="21"/>
           <ac:spMkLst>
             <pc:docMk/>
             <pc:sldMk cId="2370713982" sldId="258"/>
             <ac:spMk id="30" creationId="{EAF3C8BC-9003-987C-E4A9-44A032A5528E}"/>
           </ac:spMkLst>
         </pc:spChg>
-        <pc:spChg chg="add mod">
-          <ac:chgData name="Fatima Pillosu" userId="a6295d4dc9e22643" providerId="LiveId" clId="{0478CFAF-F744-4001-ABF3-5E8A4958592B}" dt="2025-07-05T15:13:08.339" v="536" actId="1036"/>
+        <pc:spChg chg="add del mod">
+          <ac:chgData name="Fatima Pillosu" userId="a6295d4dc9e22643" providerId="LiveId" clId="{0478CFAF-F744-4001-ABF3-5E8A4958592B}" dt="2025-07-05T17:16:51.266" v="2578" actId="21"/>
           <ac:spMkLst>
             <pc:docMk/>
             <pc:sldMk cId="2370713982" sldId="258"/>
             <ac:spMk id="31" creationId="{28B436EB-88AE-9EF3-EB76-64B6D1FB6EEB}"/>
           </ac:spMkLst>
         </pc:spChg>
-        <pc:spChg chg="add mod">
-          <ac:chgData name="Fatima Pillosu" userId="a6295d4dc9e22643" providerId="LiveId" clId="{0478CFAF-F744-4001-ABF3-5E8A4958592B}" dt="2025-07-05T15:13:08.339" v="536" actId="1036"/>
+        <pc:spChg chg="add del mod">
+          <ac:chgData name="Fatima Pillosu" userId="a6295d4dc9e22643" providerId="LiveId" clId="{0478CFAF-F744-4001-ABF3-5E8A4958592B}" dt="2025-07-05T17:16:51.266" v="2578" actId="21"/>
           <ac:spMkLst>
             <pc:docMk/>
             <pc:sldMk cId="2370713982" sldId="258"/>
             <ac:spMk id="32" creationId="{F27C24D0-AB2A-41DB-6171-C0B6ED9E9A68}"/>
           </ac:spMkLst>
         </pc:spChg>
-        <pc:spChg chg="add mod">
-          <ac:chgData name="Fatima Pillosu" userId="a6295d4dc9e22643" providerId="LiveId" clId="{0478CFAF-F744-4001-ABF3-5E8A4958592B}" dt="2025-07-05T15:13:08.339" v="536" actId="1036"/>
+        <pc:spChg chg="add del mod">
+          <ac:chgData name="Fatima Pillosu" userId="a6295d4dc9e22643" providerId="LiveId" clId="{0478CFAF-F744-4001-ABF3-5E8A4958592B}" dt="2025-07-05T17:16:51.266" v="2578" actId="21"/>
           <ac:spMkLst>
             <pc:docMk/>
             <pc:sldMk cId="2370713982" sldId="258"/>
             <ac:spMk id="33" creationId="{41C377DF-3C36-42E1-684D-12BC83DB59C3}"/>
           </ac:spMkLst>
         </pc:spChg>
-        <pc:spChg chg="add mod">
-          <ac:chgData name="Fatima Pillosu" userId="a6295d4dc9e22643" providerId="LiveId" clId="{0478CFAF-F744-4001-ABF3-5E8A4958592B}" dt="2025-07-05T15:13:08.339" v="536" actId="1036"/>
+        <pc:spChg chg="add del mod">
+          <ac:chgData name="Fatima Pillosu" userId="a6295d4dc9e22643" providerId="LiveId" clId="{0478CFAF-F744-4001-ABF3-5E8A4958592B}" dt="2025-07-05T17:16:51.266" v="2578" actId="21"/>
           <ac:spMkLst>
             <pc:docMk/>
             <pc:sldMk cId="2370713982" sldId="258"/>
             <ac:spMk id="35" creationId="{2CFA74E3-D91E-2C27-4A99-D3D1A111919C}"/>
           </ac:spMkLst>
         </pc:spChg>
-        <pc:spChg chg="add mod">
-          <ac:chgData name="Fatima Pillosu" userId="a6295d4dc9e22643" providerId="LiveId" clId="{0478CFAF-F744-4001-ABF3-5E8A4958592B}" dt="2025-07-05T15:13:08.339" v="536" actId="1036"/>
+        <pc:spChg chg="add del mod">
+          <ac:chgData name="Fatima Pillosu" userId="a6295d4dc9e22643" providerId="LiveId" clId="{0478CFAF-F744-4001-ABF3-5E8A4958592B}" dt="2025-07-05T17:16:51.266" v="2578" actId="21"/>
           <ac:spMkLst>
             <pc:docMk/>
             <pc:sldMk cId="2370713982" sldId="258"/>
             <ac:spMk id="36" creationId="{CC497459-D1DC-EE9A-EE1D-815F28D2818C}"/>
           </ac:spMkLst>
         </pc:spChg>
-        <pc:spChg chg="add mod">
-          <ac:chgData name="Fatima Pillosu" userId="a6295d4dc9e22643" providerId="LiveId" clId="{0478CFAF-F744-4001-ABF3-5E8A4958592B}" dt="2025-07-05T15:13:08.339" v="536" actId="1036"/>
+        <pc:spChg chg="add del mod">
+          <ac:chgData name="Fatima Pillosu" userId="a6295d4dc9e22643" providerId="LiveId" clId="{0478CFAF-F744-4001-ABF3-5E8A4958592B}" dt="2025-07-05T17:16:51.266" v="2578" actId="21"/>
           <ac:spMkLst>
             <pc:docMk/>
             <pc:sldMk cId="2370713982" sldId="258"/>
             <ac:spMk id="37" creationId="{8A74094E-C336-74AA-E520-6856C354301A}"/>
           </ac:spMkLst>
         </pc:spChg>
-        <pc:spChg chg="add mod">
-          <ac:chgData name="Fatima Pillosu" userId="a6295d4dc9e22643" providerId="LiveId" clId="{0478CFAF-F744-4001-ABF3-5E8A4958592B}" dt="2025-07-05T15:13:08.339" v="536" actId="1036"/>
+        <pc:spChg chg="add del mod">
+          <ac:chgData name="Fatima Pillosu" userId="a6295d4dc9e22643" providerId="LiveId" clId="{0478CFAF-F744-4001-ABF3-5E8A4958592B}" dt="2025-07-05T17:16:51.266" v="2578" actId="21"/>
           <ac:spMkLst>
             <pc:docMk/>
             <pc:sldMk cId="2370713982" sldId="258"/>
             <ac:spMk id="38" creationId="{10B23706-9C8A-69A2-B423-B2EEB1C4D06D}"/>
           </ac:spMkLst>
         </pc:spChg>
-        <pc:spChg chg="add mod">
-          <ac:chgData name="Fatima Pillosu" userId="a6295d4dc9e22643" providerId="LiveId" clId="{0478CFAF-F744-4001-ABF3-5E8A4958592B}" dt="2025-07-05T15:13:08.339" v="536" actId="1036"/>
+        <pc:spChg chg="add del mod">
+          <ac:chgData name="Fatima Pillosu" userId="a6295d4dc9e22643" providerId="LiveId" clId="{0478CFAF-F744-4001-ABF3-5E8A4958592B}" dt="2025-07-05T17:16:51.266" v="2578" actId="21"/>
           <ac:spMkLst>
             <pc:docMk/>
             <pc:sldMk cId="2370713982" sldId="258"/>
             <ac:spMk id="39" creationId="{14A7D952-0782-7271-7F2A-BC6BC775B542}"/>
           </ac:spMkLst>
         </pc:spChg>
-        <pc:spChg chg="add mod">
-          <ac:chgData name="Fatima Pillosu" userId="a6295d4dc9e22643" providerId="LiveId" clId="{0478CFAF-F744-4001-ABF3-5E8A4958592B}" dt="2025-07-05T15:13:08.339" v="536" actId="1036"/>
+        <pc:spChg chg="add del mod">
+          <ac:chgData name="Fatima Pillosu" userId="a6295d4dc9e22643" providerId="LiveId" clId="{0478CFAF-F744-4001-ABF3-5E8A4958592B}" dt="2025-07-05T17:16:51.266" v="2578" actId="21"/>
           <ac:spMkLst>
             <pc:docMk/>
             <pc:sldMk cId="2370713982" sldId="258"/>
             <ac:spMk id="40" creationId="{06432789-ABB4-135D-C8F1-01F8D760F247}"/>
           </ac:spMkLst>
         </pc:spChg>
-        <pc:spChg chg="add mod">
-          <ac:chgData name="Fatima Pillosu" userId="a6295d4dc9e22643" providerId="LiveId" clId="{0478CFAF-F744-4001-ABF3-5E8A4958592B}" dt="2025-07-05T15:13:08.339" v="536" actId="1036"/>
+        <pc:spChg chg="add del mod">
+          <ac:chgData name="Fatima Pillosu" userId="a6295d4dc9e22643" providerId="LiveId" clId="{0478CFAF-F744-4001-ABF3-5E8A4958592B}" dt="2025-07-05T17:16:51.266" v="2578" actId="21"/>
           <ac:spMkLst>
             <pc:docMk/>
             <pc:sldMk cId="2370713982" sldId="258"/>
             <ac:spMk id="41" creationId="{C5603496-23AC-2551-E5E0-BDF8C60E9816}"/>
           </ac:spMkLst>
         </pc:spChg>
-        <pc:spChg chg="add mod">
-          <ac:chgData name="Fatima Pillosu" userId="a6295d4dc9e22643" providerId="LiveId" clId="{0478CFAF-F744-4001-ABF3-5E8A4958592B}" dt="2025-07-05T15:13:08.339" v="536" actId="1036"/>
+        <pc:spChg chg="add del mod">
+          <ac:chgData name="Fatima Pillosu" userId="a6295d4dc9e22643" providerId="LiveId" clId="{0478CFAF-F744-4001-ABF3-5E8A4958592B}" dt="2025-07-05T17:16:51.266" v="2578" actId="21"/>
           <ac:spMkLst>
             <pc:docMk/>
             <pc:sldMk cId="2370713982" sldId="258"/>
             <ac:spMk id="42" creationId="{BD4FCEEF-D9EE-3F9D-274E-A275AE7207AC}"/>
           </ac:spMkLst>
         </pc:spChg>
-        <pc:spChg chg="add mod">
-          <ac:chgData name="Fatima Pillosu" userId="a6295d4dc9e22643" providerId="LiveId" clId="{0478CFAF-F744-4001-ABF3-5E8A4958592B}" dt="2025-07-05T15:26:45.798" v="1176" actId="33524"/>
+        <pc:spChg chg="add del mod">
+          <ac:chgData name="Fatima Pillosu" userId="a6295d4dc9e22643" providerId="LiveId" clId="{0478CFAF-F744-4001-ABF3-5E8A4958592B}" dt="2025-07-05T17:16:51.266" v="2578" actId="21"/>
           <ac:spMkLst>
             <pc:docMk/>
             <pc:sldMk cId="2370713982" sldId="258"/>
             <ac:spMk id="44" creationId="{54B4C05C-53AB-88AD-E871-B8862B4F61D3}"/>
           </ac:spMkLst>
         </pc:spChg>
-        <pc:spChg chg="add mod">
-          <ac:chgData name="Fatima Pillosu" userId="a6295d4dc9e22643" providerId="LiveId" clId="{0478CFAF-F744-4001-ABF3-5E8A4958592B}" dt="2025-07-05T15:13:08.339" v="536" actId="1036"/>
+        <pc:spChg chg="add del mod">
+          <ac:chgData name="Fatima Pillosu" userId="a6295d4dc9e22643" providerId="LiveId" clId="{0478CFAF-F744-4001-ABF3-5E8A4958592B}" dt="2025-07-05T17:16:51.266" v="2578" actId="21"/>
           <ac:spMkLst>
             <pc:docMk/>
             <pc:sldMk cId="2370713982" sldId="258"/>
             <ac:spMk id="45" creationId="{6EE46427-6BDE-882E-3A72-3DF2ED872F0A}"/>
           </ac:spMkLst>
         </pc:spChg>
-        <pc:spChg chg="add mod">
-          <ac:chgData name="Fatima Pillosu" userId="a6295d4dc9e22643" providerId="LiveId" clId="{0478CFAF-F744-4001-ABF3-5E8A4958592B}" dt="2025-07-05T15:13:08.339" v="536" actId="1036"/>
+        <pc:spChg chg="add del mod">
+          <ac:chgData name="Fatima Pillosu" userId="a6295d4dc9e22643" providerId="LiveId" clId="{0478CFAF-F744-4001-ABF3-5E8A4958592B}" dt="2025-07-05T17:16:51.266" v="2578" actId="21"/>
           <ac:spMkLst>
             <pc:docMk/>
             <pc:sldMk cId="2370713982" sldId="258"/>
             <ac:spMk id="46" creationId="{0BBE180E-9D2D-A30D-B94E-AB6240A4F89E}"/>
           </ac:spMkLst>
         </pc:spChg>
-        <pc:spChg chg="add mod">
-          <ac:chgData name="Fatima Pillosu" userId="a6295d4dc9e22643" providerId="LiveId" clId="{0478CFAF-F744-4001-ABF3-5E8A4958592B}" dt="2025-07-05T15:24:19.386" v="1044" actId="14100"/>
+        <pc:spChg chg="add del mod">
+          <ac:chgData name="Fatima Pillosu" userId="a6295d4dc9e22643" providerId="LiveId" clId="{0478CFAF-F744-4001-ABF3-5E8A4958592B}" dt="2025-07-05T17:16:51.266" v="2578" actId="21"/>
           <ac:spMkLst>
             <pc:docMk/>
             <pc:sldMk cId="2370713982" sldId="258"/>
@@ -6228,12 +6419,876 @@
             <ac:spMk id="54" creationId="{93C34A20-7CB5-2F0A-0C2D-D6976B6CD62A}"/>
           </ac:spMkLst>
         </pc:spChg>
-        <pc:spChg chg="add mod">
-          <ac:chgData name="Fatima Pillosu" userId="a6295d4dc9e22643" providerId="LiveId" clId="{0478CFAF-F744-4001-ABF3-5E8A4958592B}" dt="2025-07-05T15:22:14.072" v="993" actId="207"/>
+        <pc:spChg chg="add del mod">
+          <ac:chgData name="Fatima Pillosu" userId="a6295d4dc9e22643" providerId="LiveId" clId="{0478CFAF-F744-4001-ABF3-5E8A4958592B}" dt="2025-07-05T17:16:51.266" v="2578" actId="21"/>
           <ac:spMkLst>
             <pc:docMk/>
             <pc:sldMk cId="2370713982" sldId="258"/>
             <ac:spMk id="55" creationId="{78B6A93C-975D-F2FB-2429-F211CE81F035}"/>
+          </ac:spMkLst>
+        </pc:spChg>
+        <pc:spChg chg="add mod">
+          <ac:chgData name="Fatima Pillosu" userId="a6295d4dc9e22643" providerId="LiveId" clId="{0478CFAF-F744-4001-ABF3-5E8A4958592B}" dt="2025-07-05T16:37:00.957" v="1695"/>
+          <ac:spMkLst>
+            <pc:docMk/>
+            <pc:sldMk cId="2370713982" sldId="258"/>
+            <ac:spMk id="63" creationId="{318D1204-CCB6-3F04-441C-185E60523032}"/>
+          </ac:spMkLst>
+        </pc:spChg>
+        <pc:spChg chg="add mod">
+          <ac:chgData name="Fatima Pillosu" userId="a6295d4dc9e22643" providerId="LiveId" clId="{0478CFAF-F744-4001-ABF3-5E8A4958592B}" dt="2025-07-05T16:37:00.957" v="1695"/>
+          <ac:spMkLst>
+            <pc:docMk/>
+            <pc:sldMk cId="2370713982" sldId="258"/>
+            <ac:spMk id="64" creationId="{F4C0EC6E-3792-A9FA-8C7F-8EE9E88A383A}"/>
+          </ac:spMkLst>
+        </pc:spChg>
+        <pc:spChg chg="add mod">
+          <ac:chgData name="Fatima Pillosu" userId="a6295d4dc9e22643" providerId="LiveId" clId="{0478CFAF-F744-4001-ABF3-5E8A4958592B}" dt="2025-07-05T16:37:00.957" v="1695"/>
+          <ac:spMkLst>
+            <pc:docMk/>
+            <pc:sldMk cId="2370713982" sldId="258"/>
+            <ac:spMk id="65" creationId="{A128A644-6743-5D1C-0FE3-61FF1A876284}"/>
+          </ac:spMkLst>
+        </pc:spChg>
+        <pc:spChg chg="add mod">
+          <ac:chgData name="Fatima Pillosu" userId="a6295d4dc9e22643" providerId="LiveId" clId="{0478CFAF-F744-4001-ABF3-5E8A4958592B}" dt="2025-07-05T16:37:00.957" v="1695"/>
+          <ac:spMkLst>
+            <pc:docMk/>
+            <pc:sldMk cId="2370713982" sldId="258"/>
+            <ac:spMk id="66" creationId="{C26EDF62-F3D8-F627-B82B-DEE12D4E3FDA}"/>
+          </ac:spMkLst>
+        </pc:spChg>
+        <pc:spChg chg="add mod">
+          <ac:chgData name="Fatima Pillosu" userId="a6295d4dc9e22643" providerId="LiveId" clId="{0478CFAF-F744-4001-ABF3-5E8A4958592B}" dt="2025-07-05T16:37:00.957" v="1695"/>
+          <ac:spMkLst>
+            <pc:docMk/>
+            <pc:sldMk cId="2370713982" sldId="258"/>
+            <ac:spMk id="67" creationId="{3F7B8269-D6FB-776D-ACD6-9A40D65EF202}"/>
+          </ac:spMkLst>
+        </pc:spChg>
+        <pc:spChg chg="add mod">
+          <ac:chgData name="Fatima Pillosu" userId="a6295d4dc9e22643" providerId="LiveId" clId="{0478CFAF-F744-4001-ABF3-5E8A4958592B}" dt="2025-07-05T16:37:00.957" v="1695"/>
+          <ac:spMkLst>
+            <pc:docMk/>
+            <pc:sldMk cId="2370713982" sldId="258"/>
+            <ac:spMk id="68" creationId="{7E150803-A88A-43E8-D853-10EA961B4E1F}"/>
+          </ac:spMkLst>
+        </pc:spChg>
+        <pc:spChg chg="add mod">
+          <ac:chgData name="Fatima Pillosu" userId="a6295d4dc9e22643" providerId="LiveId" clId="{0478CFAF-F744-4001-ABF3-5E8A4958592B}" dt="2025-07-05T16:37:00.957" v="1695"/>
+          <ac:spMkLst>
+            <pc:docMk/>
+            <pc:sldMk cId="2370713982" sldId="258"/>
+            <ac:spMk id="69" creationId="{7FEA8660-AAAC-E936-233B-C1558367C3E4}"/>
+          </ac:spMkLst>
+        </pc:spChg>
+        <pc:spChg chg="add mod">
+          <ac:chgData name="Fatima Pillosu" userId="a6295d4dc9e22643" providerId="LiveId" clId="{0478CFAF-F744-4001-ABF3-5E8A4958592B}" dt="2025-07-05T16:37:00.957" v="1695"/>
+          <ac:spMkLst>
+            <pc:docMk/>
+            <pc:sldMk cId="2370713982" sldId="258"/>
+            <ac:spMk id="70" creationId="{15B43BEF-5671-0929-8607-F6FD5F6ACF19}"/>
+          </ac:spMkLst>
+        </pc:spChg>
+        <pc:spChg chg="add mod">
+          <ac:chgData name="Fatima Pillosu" userId="a6295d4dc9e22643" providerId="LiveId" clId="{0478CFAF-F744-4001-ABF3-5E8A4958592B}" dt="2025-07-05T16:37:00.957" v="1695"/>
+          <ac:spMkLst>
+            <pc:docMk/>
+            <pc:sldMk cId="2370713982" sldId="258"/>
+            <ac:spMk id="71" creationId="{2CFEAFB7-B92B-3E1B-75F2-BF209E875A4A}"/>
+          </ac:spMkLst>
+        </pc:spChg>
+        <pc:spChg chg="add mod">
+          <ac:chgData name="Fatima Pillosu" userId="a6295d4dc9e22643" providerId="LiveId" clId="{0478CFAF-F744-4001-ABF3-5E8A4958592B}" dt="2025-07-05T16:37:00.957" v="1695"/>
+          <ac:spMkLst>
+            <pc:docMk/>
+            <pc:sldMk cId="2370713982" sldId="258"/>
+            <ac:spMk id="72" creationId="{62C2317F-E423-9372-FD9B-B79C8986473B}"/>
+          </ac:spMkLst>
+        </pc:spChg>
+        <pc:spChg chg="add mod">
+          <ac:chgData name="Fatima Pillosu" userId="a6295d4dc9e22643" providerId="LiveId" clId="{0478CFAF-F744-4001-ABF3-5E8A4958592B}" dt="2025-07-05T16:37:00.957" v="1695"/>
+          <ac:spMkLst>
+            <pc:docMk/>
+            <pc:sldMk cId="2370713982" sldId="258"/>
+            <ac:spMk id="73" creationId="{97E5CA56-16A1-03CE-E430-8C4BE3495284}"/>
+          </ac:spMkLst>
+        </pc:spChg>
+        <pc:spChg chg="add mod">
+          <ac:chgData name="Fatima Pillosu" userId="a6295d4dc9e22643" providerId="LiveId" clId="{0478CFAF-F744-4001-ABF3-5E8A4958592B}" dt="2025-07-05T16:37:00.957" v="1695"/>
+          <ac:spMkLst>
+            <pc:docMk/>
+            <pc:sldMk cId="2370713982" sldId="258"/>
+            <ac:spMk id="74" creationId="{2E2BDA5F-57C3-F517-8360-6E1792BC0235}"/>
+          </ac:spMkLst>
+        </pc:spChg>
+        <pc:spChg chg="add mod">
+          <ac:chgData name="Fatima Pillosu" userId="a6295d4dc9e22643" providerId="LiveId" clId="{0478CFAF-F744-4001-ABF3-5E8A4958592B}" dt="2025-07-05T16:37:00.957" v="1695"/>
+          <ac:spMkLst>
+            <pc:docMk/>
+            <pc:sldMk cId="2370713982" sldId="258"/>
+            <ac:spMk id="75" creationId="{C23D8559-78BA-288A-5BE1-20E96778F21B}"/>
+          </ac:spMkLst>
+        </pc:spChg>
+        <pc:spChg chg="add mod">
+          <ac:chgData name="Fatima Pillosu" userId="a6295d4dc9e22643" providerId="LiveId" clId="{0478CFAF-F744-4001-ABF3-5E8A4958592B}" dt="2025-07-05T16:37:00.957" v="1695"/>
+          <ac:spMkLst>
+            <pc:docMk/>
+            <pc:sldMk cId="2370713982" sldId="258"/>
+            <ac:spMk id="76" creationId="{E6302EBC-B5B6-25D0-842C-68D858A421A6}"/>
+          </ac:spMkLst>
+        </pc:spChg>
+        <pc:spChg chg="add mod">
+          <ac:chgData name="Fatima Pillosu" userId="a6295d4dc9e22643" providerId="LiveId" clId="{0478CFAF-F744-4001-ABF3-5E8A4958592B}" dt="2025-07-05T16:37:00.957" v="1695"/>
+          <ac:spMkLst>
+            <pc:docMk/>
+            <pc:sldMk cId="2370713982" sldId="258"/>
+            <ac:spMk id="77" creationId="{6D698A62-6494-6DC6-11BB-DEDBB9EB13EB}"/>
+          </ac:spMkLst>
+        </pc:spChg>
+        <pc:spChg chg="add mod">
+          <ac:chgData name="Fatima Pillosu" userId="a6295d4dc9e22643" providerId="LiveId" clId="{0478CFAF-F744-4001-ABF3-5E8A4958592B}" dt="2025-07-05T16:37:00.957" v="1695"/>
+          <ac:spMkLst>
+            <pc:docMk/>
+            <pc:sldMk cId="2370713982" sldId="258"/>
+            <ac:spMk id="78" creationId="{D81D758A-9186-DCBB-CC2F-46A2F3772C79}"/>
+          </ac:spMkLst>
+        </pc:spChg>
+        <pc:spChg chg="add mod">
+          <ac:chgData name="Fatima Pillosu" userId="a6295d4dc9e22643" providerId="LiveId" clId="{0478CFAF-F744-4001-ABF3-5E8A4958592B}" dt="2025-07-05T16:37:00.957" v="1695"/>
+          <ac:spMkLst>
+            <pc:docMk/>
+            <pc:sldMk cId="2370713982" sldId="258"/>
+            <ac:spMk id="79" creationId="{A3B5900D-826A-86AF-F65A-EDCD83901FED}"/>
+          </ac:spMkLst>
+        </pc:spChg>
+        <pc:spChg chg="add mod">
+          <ac:chgData name="Fatima Pillosu" userId="a6295d4dc9e22643" providerId="LiveId" clId="{0478CFAF-F744-4001-ABF3-5E8A4958592B}" dt="2025-07-05T16:37:00.957" v="1695"/>
+          <ac:spMkLst>
+            <pc:docMk/>
+            <pc:sldMk cId="2370713982" sldId="258"/>
+            <ac:spMk id="80" creationId="{FD6FC680-F1C3-498E-26C6-1509E0046578}"/>
+          </ac:spMkLst>
+        </pc:spChg>
+        <pc:spChg chg="add mod">
+          <ac:chgData name="Fatima Pillosu" userId="a6295d4dc9e22643" providerId="LiveId" clId="{0478CFAF-F744-4001-ABF3-5E8A4958592B}" dt="2025-07-05T16:37:00.957" v="1695"/>
+          <ac:spMkLst>
+            <pc:docMk/>
+            <pc:sldMk cId="2370713982" sldId="258"/>
+            <ac:spMk id="81" creationId="{4F24B8DD-CE9A-4120-B2BA-704F84D5FC7B}"/>
+          </ac:spMkLst>
+        </pc:spChg>
+        <pc:spChg chg="add mod">
+          <ac:chgData name="Fatima Pillosu" userId="a6295d4dc9e22643" providerId="LiveId" clId="{0478CFAF-F744-4001-ABF3-5E8A4958592B}" dt="2025-07-05T16:37:00.957" v="1695"/>
+          <ac:spMkLst>
+            <pc:docMk/>
+            <pc:sldMk cId="2370713982" sldId="258"/>
+            <ac:spMk id="82" creationId="{FBA622E7-BED1-2555-99FD-6B9CF3062345}"/>
+          </ac:spMkLst>
+        </pc:spChg>
+        <pc:spChg chg="add mod">
+          <ac:chgData name="Fatima Pillosu" userId="a6295d4dc9e22643" providerId="LiveId" clId="{0478CFAF-F744-4001-ABF3-5E8A4958592B}" dt="2025-07-05T16:37:00.957" v="1695"/>
+          <ac:spMkLst>
+            <pc:docMk/>
+            <pc:sldMk cId="2370713982" sldId="258"/>
+            <ac:spMk id="83" creationId="{D673BA76-97E2-E955-6C76-A19E2D2D24F0}"/>
+          </ac:spMkLst>
+        </pc:spChg>
+        <pc:spChg chg="add mod">
+          <ac:chgData name="Fatima Pillosu" userId="a6295d4dc9e22643" providerId="LiveId" clId="{0478CFAF-F744-4001-ABF3-5E8A4958592B}" dt="2025-07-05T16:37:00.957" v="1695"/>
+          <ac:spMkLst>
+            <pc:docMk/>
+            <pc:sldMk cId="2370713982" sldId="258"/>
+            <ac:spMk id="84" creationId="{5E569A7F-A11A-B5BF-9076-6C9D5065D239}"/>
+          </ac:spMkLst>
+        </pc:spChg>
+        <pc:spChg chg="add mod">
+          <ac:chgData name="Fatima Pillosu" userId="a6295d4dc9e22643" providerId="LiveId" clId="{0478CFAF-F744-4001-ABF3-5E8A4958592B}" dt="2025-07-05T16:37:00.957" v="1695"/>
+          <ac:spMkLst>
+            <pc:docMk/>
+            <pc:sldMk cId="2370713982" sldId="258"/>
+            <ac:spMk id="85" creationId="{90B3B0D3-EC07-0A40-7040-61E4F13E21C9}"/>
+          </ac:spMkLst>
+        </pc:spChg>
+        <pc:spChg chg="add mod">
+          <ac:chgData name="Fatima Pillosu" userId="a6295d4dc9e22643" providerId="LiveId" clId="{0478CFAF-F744-4001-ABF3-5E8A4958592B}" dt="2025-07-05T16:37:00.957" v="1695"/>
+          <ac:spMkLst>
+            <pc:docMk/>
+            <pc:sldMk cId="2370713982" sldId="258"/>
+            <ac:spMk id="86" creationId="{48EFBE61-5C33-D7CD-90CE-6DD47157478D}"/>
+          </ac:spMkLst>
+        </pc:spChg>
+        <pc:spChg chg="add mod">
+          <ac:chgData name="Fatima Pillosu" userId="a6295d4dc9e22643" providerId="LiveId" clId="{0478CFAF-F744-4001-ABF3-5E8A4958592B}" dt="2025-07-05T16:37:00.957" v="1695"/>
+          <ac:spMkLst>
+            <pc:docMk/>
+            <pc:sldMk cId="2370713982" sldId="258"/>
+            <ac:spMk id="87" creationId="{5DA2101F-93A4-8F85-DB71-73887D5F59F2}"/>
+          </ac:spMkLst>
+        </pc:spChg>
+        <pc:spChg chg="add mod">
+          <ac:chgData name="Fatima Pillosu" userId="a6295d4dc9e22643" providerId="LiveId" clId="{0478CFAF-F744-4001-ABF3-5E8A4958592B}" dt="2025-07-05T16:37:00.957" v="1695"/>
+          <ac:spMkLst>
+            <pc:docMk/>
+            <pc:sldMk cId="2370713982" sldId="258"/>
+            <ac:spMk id="88" creationId="{E80304F6-D148-9C6E-71E8-1B22AC1D20D4}"/>
+          </ac:spMkLst>
+        </pc:spChg>
+        <pc:spChg chg="add mod">
+          <ac:chgData name="Fatima Pillosu" userId="a6295d4dc9e22643" providerId="LiveId" clId="{0478CFAF-F744-4001-ABF3-5E8A4958592B}" dt="2025-07-05T16:37:00.957" v="1695"/>
+          <ac:spMkLst>
+            <pc:docMk/>
+            <pc:sldMk cId="2370713982" sldId="258"/>
+            <ac:spMk id="89" creationId="{1BC2E19C-5EC3-990D-2C7A-D899CDB21DE2}"/>
+          </ac:spMkLst>
+        </pc:spChg>
+        <pc:spChg chg="add mod">
+          <ac:chgData name="Fatima Pillosu" userId="a6295d4dc9e22643" providerId="LiveId" clId="{0478CFAF-F744-4001-ABF3-5E8A4958592B}" dt="2025-07-05T16:37:00.957" v="1695"/>
+          <ac:spMkLst>
+            <pc:docMk/>
+            <pc:sldMk cId="2370713982" sldId="258"/>
+            <ac:spMk id="90" creationId="{5E96A015-A43B-1B5B-3506-C148E78EAD5E}"/>
+          </ac:spMkLst>
+        </pc:spChg>
+        <pc:spChg chg="add mod">
+          <ac:chgData name="Fatima Pillosu" userId="a6295d4dc9e22643" providerId="LiveId" clId="{0478CFAF-F744-4001-ABF3-5E8A4958592B}" dt="2025-07-05T16:37:00.957" v="1695"/>
+          <ac:spMkLst>
+            <pc:docMk/>
+            <pc:sldMk cId="2370713982" sldId="258"/>
+            <ac:spMk id="91" creationId="{03B39A1B-3096-1AC7-9FA9-2A968BB19AE9}"/>
+          </ac:spMkLst>
+        </pc:spChg>
+        <pc:spChg chg="add mod">
+          <ac:chgData name="Fatima Pillosu" userId="a6295d4dc9e22643" providerId="LiveId" clId="{0478CFAF-F744-4001-ABF3-5E8A4958592B}" dt="2025-07-05T16:37:00.957" v="1695"/>
+          <ac:spMkLst>
+            <pc:docMk/>
+            <pc:sldMk cId="2370713982" sldId="258"/>
+            <ac:spMk id="92" creationId="{F330E570-3BDF-DDBF-0575-818425968B2E}"/>
+          </ac:spMkLst>
+        </pc:spChg>
+        <pc:spChg chg="add mod">
+          <ac:chgData name="Fatima Pillosu" userId="a6295d4dc9e22643" providerId="LiveId" clId="{0478CFAF-F744-4001-ABF3-5E8A4958592B}" dt="2025-07-05T16:37:00.957" v="1695"/>
+          <ac:spMkLst>
+            <pc:docMk/>
+            <pc:sldMk cId="2370713982" sldId="258"/>
+            <ac:spMk id="93" creationId="{012B8114-5CA3-D734-20B2-C9ECCB87245F}"/>
+          </ac:spMkLst>
+        </pc:spChg>
+        <pc:spChg chg="add mod">
+          <ac:chgData name="Fatima Pillosu" userId="a6295d4dc9e22643" providerId="LiveId" clId="{0478CFAF-F744-4001-ABF3-5E8A4958592B}" dt="2025-07-05T16:37:00.957" v="1695"/>
+          <ac:spMkLst>
+            <pc:docMk/>
+            <pc:sldMk cId="2370713982" sldId="258"/>
+            <ac:spMk id="94" creationId="{E6F57AB6-BA43-6A14-9D12-AF51A6ED2E94}"/>
+          </ac:spMkLst>
+        </pc:spChg>
+        <pc:spChg chg="add mod">
+          <ac:chgData name="Fatima Pillosu" userId="a6295d4dc9e22643" providerId="LiveId" clId="{0478CFAF-F744-4001-ABF3-5E8A4958592B}" dt="2025-07-05T16:37:00.957" v="1695"/>
+          <ac:spMkLst>
+            <pc:docMk/>
+            <pc:sldMk cId="2370713982" sldId="258"/>
+            <ac:spMk id="95" creationId="{9547244B-D5D8-4A02-DEE0-0511CE519C5C}"/>
+          </ac:spMkLst>
+        </pc:spChg>
+        <pc:spChg chg="add mod">
+          <ac:chgData name="Fatima Pillosu" userId="a6295d4dc9e22643" providerId="LiveId" clId="{0478CFAF-F744-4001-ABF3-5E8A4958592B}" dt="2025-07-05T16:37:00.957" v="1695"/>
+          <ac:spMkLst>
+            <pc:docMk/>
+            <pc:sldMk cId="2370713982" sldId="258"/>
+            <ac:spMk id="96" creationId="{E458CDD4-A2A5-B8A7-167F-ED108A5C225B}"/>
+          </ac:spMkLst>
+        </pc:spChg>
+        <pc:spChg chg="add mod">
+          <ac:chgData name="Fatima Pillosu" userId="a6295d4dc9e22643" providerId="LiveId" clId="{0478CFAF-F744-4001-ABF3-5E8A4958592B}" dt="2025-07-05T16:37:00.957" v="1695"/>
+          <ac:spMkLst>
+            <pc:docMk/>
+            <pc:sldMk cId="2370713982" sldId="258"/>
+            <ac:spMk id="97" creationId="{6ACD9C09-EB56-36FF-8D96-911F275740A9}"/>
+          </ac:spMkLst>
+        </pc:spChg>
+        <pc:spChg chg="add mod">
+          <ac:chgData name="Fatima Pillosu" userId="a6295d4dc9e22643" providerId="LiveId" clId="{0478CFAF-F744-4001-ABF3-5E8A4958592B}" dt="2025-07-05T16:37:00.957" v="1695"/>
+          <ac:spMkLst>
+            <pc:docMk/>
+            <pc:sldMk cId="2370713982" sldId="258"/>
+            <ac:spMk id="98" creationId="{98C41D7B-E9A8-5F50-FC4D-33C25B9369A4}"/>
+          </ac:spMkLst>
+        </pc:spChg>
+        <pc:spChg chg="add mod">
+          <ac:chgData name="Fatima Pillosu" userId="a6295d4dc9e22643" providerId="LiveId" clId="{0478CFAF-F744-4001-ABF3-5E8A4958592B}" dt="2025-07-05T16:37:00.957" v="1695"/>
+          <ac:spMkLst>
+            <pc:docMk/>
+            <pc:sldMk cId="2370713982" sldId="258"/>
+            <ac:spMk id="99" creationId="{D5F3EA2C-F98C-66A1-70F2-E0961FAAB6BA}"/>
+          </ac:spMkLst>
+        </pc:spChg>
+        <pc:spChg chg="add mod">
+          <ac:chgData name="Fatima Pillosu" userId="a6295d4dc9e22643" providerId="LiveId" clId="{0478CFAF-F744-4001-ABF3-5E8A4958592B}" dt="2025-07-05T16:37:00.957" v="1695"/>
+          <ac:spMkLst>
+            <pc:docMk/>
+            <pc:sldMk cId="2370713982" sldId="258"/>
+            <ac:spMk id="100" creationId="{9C4F39D3-64EF-BB36-19DD-96EDE63721A7}"/>
+          </ac:spMkLst>
+        </pc:spChg>
+        <pc:spChg chg="add mod">
+          <ac:chgData name="Fatima Pillosu" userId="a6295d4dc9e22643" providerId="LiveId" clId="{0478CFAF-F744-4001-ABF3-5E8A4958592B}" dt="2025-07-05T16:37:00.957" v="1695"/>
+          <ac:spMkLst>
+            <pc:docMk/>
+            <pc:sldMk cId="2370713982" sldId="258"/>
+            <ac:spMk id="101" creationId="{47CFD3D1-2F58-DBD7-9528-FF94ABBFEDF5}"/>
+          </ac:spMkLst>
+        </pc:spChg>
+        <pc:spChg chg="add mod">
+          <ac:chgData name="Fatima Pillosu" userId="a6295d4dc9e22643" providerId="LiveId" clId="{0478CFAF-F744-4001-ABF3-5E8A4958592B}" dt="2025-07-05T16:37:00.957" v="1695"/>
+          <ac:spMkLst>
+            <pc:docMk/>
+            <pc:sldMk cId="2370713982" sldId="258"/>
+            <ac:spMk id="102" creationId="{452F2910-5738-C139-6E35-2BBF4ED46668}"/>
+          </ac:spMkLst>
+        </pc:spChg>
+        <pc:spChg chg="add mod">
+          <ac:chgData name="Fatima Pillosu" userId="a6295d4dc9e22643" providerId="LiveId" clId="{0478CFAF-F744-4001-ABF3-5E8A4958592B}" dt="2025-07-05T16:37:00.957" v="1695"/>
+          <ac:spMkLst>
+            <pc:docMk/>
+            <pc:sldMk cId="2370713982" sldId="258"/>
+            <ac:spMk id="103" creationId="{F796FF8C-507E-7F53-4B59-38D4E3BED3AF}"/>
+          </ac:spMkLst>
+        </pc:spChg>
+        <pc:spChg chg="add mod">
+          <ac:chgData name="Fatima Pillosu" userId="a6295d4dc9e22643" providerId="LiveId" clId="{0478CFAF-F744-4001-ABF3-5E8A4958592B}" dt="2025-07-05T16:37:00.957" v="1695"/>
+          <ac:spMkLst>
+            <pc:docMk/>
+            <pc:sldMk cId="2370713982" sldId="258"/>
+            <ac:spMk id="104" creationId="{34AFB1D2-D7AB-0C04-7F0D-01FFCE04D5B2}"/>
+          </ac:spMkLst>
+        </pc:spChg>
+        <pc:spChg chg="add mod">
+          <ac:chgData name="Fatima Pillosu" userId="a6295d4dc9e22643" providerId="LiveId" clId="{0478CFAF-F744-4001-ABF3-5E8A4958592B}" dt="2025-07-05T16:37:00.957" v="1695"/>
+          <ac:spMkLst>
+            <pc:docMk/>
+            <pc:sldMk cId="2370713982" sldId="258"/>
+            <ac:spMk id="105" creationId="{002E82A7-A7D3-46C8-D0C3-C4ABA05D3D54}"/>
+          </ac:spMkLst>
+        </pc:spChg>
+        <pc:spChg chg="add mod">
+          <ac:chgData name="Fatima Pillosu" userId="a6295d4dc9e22643" providerId="LiveId" clId="{0478CFAF-F744-4001-ABF3-5E8A4958592B}" dt="2025-07-05T16:37:00.957" v="1695"/>
+          <ac:spMkLst>
+            <pc:docMk/>
+            <pc:sldMk cId="2370713982" sldId="258"/>
+            <ac:spMk id="106" creationId="{63FA6123-F627-3B57-E84C-21131A0FD8AB}"/>
+          </ac:spMkLst>
+        </pc:spChg>
+        <pc:spChg chg="add mod">
+          <ac:chgData name="Fatima Pillosu" userId="a6295d4dc9e22643" providerId="LiveId" clId="{0478CFAF-F744-4001-ABF3-5E8A4958592B}" dt="2025-07-05T16:37:00.957" v="1695"/>
+          <ac:spMkLst>
+            <pc:docMk/>
+            <pc:sldMk cId="2370713982" sldId="258"/>
+            <ac:spMk id="107" creationId="{F11466C7-52B1-30F6-A8D7-3B04B5896ECF}"/>
+          </ac:spMkLst>
+        </pc:spChg>
+        <pc:spChg chg="add mod">
+          <ac:chgData name="Fatima Pillosu" userId="a6295d4dc9e22643" providerId="LiveId" clId="{0478CFAF-F744-4001-ABF3-5E8A4958592B}" dt="2025-07-05T16:37:00.957" v="1695"/>
+          <ac:spMkLst>
+            <pc:docMk/>
+            <pc:sldMk cId="2370713982" sldId="258"/>
+            <ac:spMk id="108" creationId="{2CE916EC-8C6D-8D8B-4B18-A9366437FF77}"/>
+          </ac:spMkLst>
+        </pc:spChg>
+        <pc:spChg chg="add mod">
+          <ac:chgData name="Fatima Pillosu" userId="a6295d4dc9e22643" providerId="LiveId" clId="{0478CFAF-F744-4001-ABF3-5E8A4958592B}" dt="2025-07-05T16:37:00.957" v="1695"/>
+          <ac:spMkLst>
+            <pc:docMk/>
+            <pc:sldMk cId="2370713982" sldId="258"/>
+            <ac:spMk id="109" creationId="{9C447C73-8381-64C7-1B14-5BC0D4ABF2DD}"/>
+          </ac:spMkLst>
+        </pc:spChg>
+        <pc:spChg chg="add mod">
+          <ac:chgData name="Fatima Pillosu" userId="a6295d4dc9e22643" providerId="LiveId" clId="{0478CFAF-F744-4001-ABF3-5E8A4958592B}" dt="2025-07-05T16:37:00.957" v="1695"/>
+          <ac:spMkLst>
+            <pc:docMk/>
+            <pc:sldMk cId="2370713982" sldId="258"/>
+            <ac:spMk id="110" creationId="{96CC1C92-DE56-34F4-4875-B2C0BFEAB81D}"/>
+          </ac:spMkLst>
+        </pc:spChg>
+        <pc:spChg chg="add mod">
+          <ac:chgData name="Fatima Pillosu" userId="a6295d4dc9e22643" providerId="LiveId" clId="{0478CFAF-F744-4001-ABF3-5E8A4958592B}" dt="2025-07-05T16:37:00.957" v="1695"/>
+          <ac:spMkLst>
+            <pc:docMk/>
+            <pc:sldMk cId="2370713982" sldId="258"/>
+            <ac:spMk id="111" creationId="{669FB875-8136-AE3D-97AF-553BEACB97E4}"/>
+          </ac:spMkLst>
+        </pc:spChg>
+        <pc:spChg chg="add mod">
+          <ac:chgData name="Fatima Pillosu" userId="a6295d4dc9e22643" providerId="LiveId" clId="{0478CFAF-F744-4001-ABF3-5E8A4958592B}" dt="2025-07-05T16:37:00.957" v="1695"/>
+          <ac:spMkLst>
+            <pc:docMk/>
+            <pc:sldMk cId="2370713982" sldId="258"/>
+            <ac:spMk id="112" creationId="{837E3F32-BF36-BA38-F3CA-61F2A49B3909}"/>
+          </ac:spMkLst>
+        </pc:spChg>
+        <pc:spChg chg="add mod">
+          <ac:chgData name="Fatima Pillosu" userId="a6295d4dc9e22643" providerId="LiveId" clId="{0478CFAF-F744-4001-ABF3-5E8A4958592B}" dt="2025-07-05T16:37:00.957" v="1695"/>
+          <ac:spMkLst>
+            <pc:docMk/>
+            <pc:sldMk cId="2370713982" sldId="258"/>
+            <ac:spMk id="113" creationId="{96FE4FA0-B088-C8B6-8A36-B044FFDB5CB2}"/>
+          </ac:spMkLst>
+        </pc:spChg>
+        <pc:spChg chg="add mod">
+          <ac:chgData name="Fatima Pillosu" userId="a6295d4dc9e22643" providerId="LiveId" clId="{0478CFAF-F744-4001-ABF3-5E8A4958592B}" dt="2025-07-05T16:37:00.957" v="1695"/>
+          <ac:spMkLst>
+            <pc:docMk/>
+            <pc:sldMk cId="2370713982" sldId="258"/>
+            <ac:spMk id="114" creationId="{93123500-7E95-C69A-D43B-EBA78CD500F7}"/>
+          </ac:spMkLst>
+        </pc:spChg>
+        <pc:spChg chg="add mod">
+          <ac:chgData name="Fatima Pillosu" userId="a6295d4dc9e22643" providerId="LiveId" clId="{0478CFAF-F744-4001-ABF3-5E8A4958592B}" dt="2025-07-05T16:37:00.957" v="1695"/>
+          <ac:spMkLst>
+            <pc:docMk/>
+            <pc:sldMk cId="2370713982" sldId="258"/>
+            <ac:spMk id="115" creationId="{606F4365-0A40-E8D8-BD39-EB0938CE860D}"/>
+          </ac:spMkLst>
+        </pc:spChg>
+        <pc:spChg chg="add mod">
+          <ac:chgData name="Fatima Pillosu" userId="a6295d4dc9e22643" providerId="LiveId" clId="{0478CFAF-F744-4001-ABF3-5E8A4958592B}" dt="2025-07-05T16:37:00.957" v="1695"/>
+          <ac:spMkLst>
+            <pc:docMk/>
+            <pc:sldMk cId="2370713982" sldId="258"/>
+            <ac:spMk id="116" creationId="{DC0565FD-0988-BC51-BADE-209FC00F5B5B}"/>
+          </ac:spMkLst>
+        </pc:spChg>
+        <pc:spChg chg="add mod">
+          <ac:chgData name="Fatima Pillosu" userId="a6295d4dc9e22643" providerId="LiveId" clId="{0478CFAF-F744-4001-ABF3-5E8A4958592B}" dt="2025-07-05T16:37:00.957" v="1695"/>
+          <ac:spMkLst>
+            <pc:docMk/>
+            <pc:sldMk cId="2370713982" sldId="258"/>
+            <ac:spMk id="117" creationId="{605E3525-263A-3DE8-589C-54BAA6BDFE38}"/>
+          </ac:spMkLst>
+        </pc:spChg>
+        <pc:spChg chg="add mod">
+          <ac:chgData name="Fatima Pillosu" userId="a6295d4dc9e22643" providerId="LiveId" clId="{0478CFAF-F744-4001-ABF3-5E8A4958592B}" dt="2025-07-05T16:37:00.957" v="1695"/>
+          <ac:spMkLst>
+            <pc:docMk/>
+            <pc:sldMk cId="2370713982" sldId="258"/>
+            <ac:spMk id="118" creationId="{671B5A67-DF22-8065-D965-373B38BC6128}"/>
+          </ac:spMkLst>
+        </pc:spChg>
+        <pc:spChg chg="add mod">
+          <ac:chgData name="Fatima Pillosu" userId="a6295d4dc9e22643" providerId="LiveId" clId="{0478CFAF-F744-4001-ABF3-5E8A4958592B}" dt="2025-07-05T16:37:00.957" v="1695"/>
+          <ac:spMkLst>
+            <pc:docMk/>
+            <pc:sldMk cId="2370713982" sldId="258"/>
+            <ac:spMk id="119" creationId="{8B9E80C3-8905-9269-5733-F6D49705B6C4}"/>
+          </ac:spMkLst>
+        </pc:spChg>
+        <pc:spChg chg="add mod">
+          <ac:chgData name="Fatima Pillosu" userId="a6295d4dc9e22643" providerId="LiveId" clId="{0478CFAF-F744-4001-ABF3-5E8A4958592B}" dt="2025-07-05T16:37:00.957" v="1695"/>
+          <ac:spMkLst>
+            <pc:docMk/>
+            <pc:sldMk cId="2370713982" sldId="258"/>
+            <ac:spMk id="120" creationId="{F77D3A6D-38F2-7016-7A51-268D3EFB867F}"/>
+          </ac:spMkLst>
+        </pc:spChg>
+        <pc:spChg chg="add mod">
+          <ac:chgData name="Fatima Pillosu" userId="a6295d4dc9e22643" providerId="LiveId" clId="{0478CFAF-F744-4001-ABF3-5E8A4958592B}" dt="2025-07-05T16:37:00.957" v="1695"/>
+          <ac:spMkLst>
+            <pc:docMk/>
+            <pc:sldMk cId="2370713982" sldId="258"/>
+            <ac:spMk id="122" creationId="{7907AFBC-7A62-0EAC-62E3-2845D3BAE72E}"/>
+          </ac:spMkLst>
+        </pc:spChg>
+        <pc:spChg chg="add mod">
+          <ac:chgData name="Fatima Pillosu" userId="a6295d4dc9e22643" providerId="LiveId" clId="{0478CFAF-F744-4001-ABF3-5E8A4958592B}" dt="2025-07-05T16:37:00.957" v="1695"/>
+          <ac:spMkLst>
+            <pc:docMk/>
+            <pc:sldMk cId="2370713982" sldId="258"/>
+            <ac:spMk id="123" creationId="{7076CF0E-7382-4436-4A1F-02477002BFA5}"/>
+          </ac:spMkLst>
+        </pc:spChg>
+        <pc:spChg chg="add mod">
+          <ac:chgData name="Fatima Pillosu" userId="a6295d4dc9e22643" providerId="LiveId" clId="{0478CFAF-F744-4001-ABF3-5E8A4958592B}" dt="2025-07-05T16:37:00.957" v="1695"/>
+          <ac:spMkLst>
+            <pc:docMk/>
+            <pc:sldMk cId="2370713982" sldId="258"/>
+            <ac:spMk id="124" creationId="{CAC26026-B22C-1F79-7253-C9B719DB53BC}"/>
+          </ac:spMkLst>
+        </pc:spChg>
+        <pc:spChg chg="add mod">
+          <ac:chgData name="Fatima Pillosu" userId="a6295d4dc9e22643" providerId="LiveId" clId="{0478CFAF-F744-4001-ABF3-5E8A4958592B}" dt="2025-07-05T16:37:00.957" v="1695"/>
+          <ac:spMkLst>
+            <pc:docMk/>
+            <pc:sldMk cId="2370713982" sldId="258"/>
+            <ac:spMk id="126" creationId="{25181575-11A3-16A0-7373-BBC705F59511}"/>
+          </ac:spMkLst>
+        </pc:spChg>
+        <pc:spChg chg="add mod">
+          <ac:chgData name="Fatima Pillosu" userId="a6295d4dc9e22643" providerId="LiveId" clId="{0478CFAF-F744-4001-ABF3-5E8A4958592B}" dt="2025-07-05T16:37:00.957" v="1695"/>
+          <ac:spMkLst>
+            <pc:docMk/>
+            <pc:sldMk cId="2370713982" sldId="258"/>
+            <ac:spMk id="127" creationId="{F8D84B17-2A23-1248-654E-FBF0127468B3}"/>
+          </ac:spMkLst>
+        </pc:spChg>
+        <pc:spChg chg="add mod">
+          <ac:chgData name="Fatima Pillosu" userId="a6295d4dc9e22643" providerId="LiveId" clId="{0478CFAF-F744-4001-ABF3-5E8A4958592B}" dt="2025-07-05T16:37:00.957" v="1695"/>
+          <ac:spMkLst>
+            <pc:docMk/>
+            <pc:sldMk cId="2370713982" sldId="258"/>
+            <ac:spMk id="128" creationId="{5ED1DAAC-1360-78E3-C85D-3AD2E562820C}"/>
+          </ac:spMkLst>
+        </pc:spChg>
+        <pc:spChg chg="add mod">
+          <ac:chgData name="Fatima Pillosu" userId="a6295d4dc9e22643" providerId="LiveId" clId="{0478CFAF-F744-4001-ABF3-5E8A4958592B}" dt="2025-07-05T16:37:00.957" v="1695"/>
+          <ac:spMkLst>
+            <pc:docMk/>
+            <pc:sldMk cId="2370713982" sldId="258"/>
+            <ac:spMk id="129" creationId="{D3B679E2-95B1-D458-0E4F-94583F178133}"/>
+          </ac:spMkLst>
+        </pc:spChg>
+        <pc:spChg chg="add mod">
+          <ac:chgData name="Fatima Pillosu" userId="a6295d4dc9e22643" providerId="LiveId" clId="{0478CFAF-F744-4001-ABF3-5E8A4958592B}" dt="2025-07-05T16:37:00.957" v="1695"/>
+          <ac:spMkLst>
+            <pc:docMk/>
+            <pc:sldMk cId="2370713982" sldId="258"/>
+            <ac:spMk id="130" creationId="{FBCEC91B-2EB9-A298-686A-993A56DE6907}"/>
+          </ac:spMkLst>
+        </pc:spChg>
+        <pc:spChg chg="add mod">
+          <ac:chgData name="Fatima Pillosu" userId="a6295d4dc9e22643" providerId="LiveId" clId="{0478CFAF-F744-4001-ABF3-5E8A4958592B}" dt="2025-07-05T16:37:00.957" v="1695"/>
+          <ac:spMkLst>
+            <pc:docMk/>
+            <pc:sldMk cId="2370713982" sldId="258"/>
+            <ac:spMk id="131" creationId="{CAE6A712-34DD-160C-EB7E-2344A496E239}"/>
+          </ac:spMkLst>
+        </pc:spChg>
+        <pc:spChg chg="add mod">
+          <ac:chgData name="Fatima Pillosu" userId="a6295d4dc9e22643" providerId="LiveId" clId="{0478CFAF-F744-4001-ABF3-5E8A4958592B}" dt="2025-07-05T16:37:00.957" v="1695"/>
+          <ac:spMkLst>
+            <pc:docMk/>
+            <pc:sldMk cId="2370713982" sldId="258"/>
+            <ac:spMk id="132" creationId="{C3BF0182-9156-A708-3FAC-DA123E3E2F99}"/>
+          </ac:spMkLst>
+        </pc:spChg>
+        <pc:spChg chg="add mod">
+          <ac:chgData name="Fatima Pillosu" userId="a6295d4dc9e22643" providerId="LiveId" clId="{0478CFAF-F744-4001-ABF3-5E8A4958592B}" dt="2025-07-05T16:37:00.957" v="1695"/>
+          <ac:spMkLst>
+            <pc:docMk/>
+            <pc:sldMk cId="2370713982" sldId="258"/>
+            <ac:spMk id="133" creationId="{364ACDE4-BAD5-343E-ECB2-4A18804D59D6}"/>
+          </ac:spMkLst>
+        </pc:spChg>
+        <pc:spChg chg="add mod">
+          <ac:chgData name="Fatima Pillosu" userId="a6295d4dc9e22643" providerId="LiveId" clId="{0478CFAF-F744-4001-ABF3-5E8A4958592B}" dt="2025-07-05T16:37:00.957" v="1695"/>
+          <ac:spMkLst>
+            <pc:docMk/>
+            <pc:sldMk cId="2370713982" sldId="258"/>
+            <ac:spMk id="134" creationId="{66C71B72-88EF-3125-BDB1-F2005C0A6008}"/>
+          </ac:spMkLst>
+        </pc:spChg>
+        <pc:spChg chg="add mod">
+          <ac:chgData name="Fatima Pillosu" userId="a6295d4dc9e22643" providerId="LiveId" clId="{0478CFAF-F744-4001-ABF3-5E8A4958592B}" dt="2025-07-05T16:37:00.957" v="1695"/>
+          <ac:spMkLst>
+            <pc:docMk/>
+            <pc:sldMk cId="2370713982" sldId="258"/>
+            <ac:spMk id="136" creationId="{D2454895-5F03-E9BD-01CA-1B7F2A019EB7}"/>
+          </ac:spMkLst>
+        </pc:spChg>
+        <pc:spChg chg="add mod">
+          <ac:chgData name="Fatima Pillosu" userId="a6295d4dc9e22643" providerId="LiveId" clId="{0478CFAF-F744-4001-ABF3-5E8A4958592B}" dt="2025-07-05T16:37:00.957" v="1695"/>
+          <ac:spMkLst>
+            <pc:docMk/>
+            <pc:sldMk cId="2370713982" sldId="258"/>
+            <ac:spMk id="137" creationId="{4F626285-3802-62DA-3E98-F3E5BDDC14DD}"/>
+          </ac:spMkLst>
+        </pc:spChg>
+        <pc:spChg chg="add mod">
+          <ac:chgData name="Fatima Pillosu" userId="a6295d4dc9e22643" providerId="LiveId" clId="{0478CFAF-F744-4001-ABF3-5E8A4958592B}" dt="2025-07-05T16:37:00.957" v="1695"/>
+          <ac:spMkLst>
+            <pc:docMk/>
+            <pc:sldMk cId="2370713982" sldId="258"/>
+            <ac:spMk id="138" creationId="{1DF1CA65-C892-DD73-7ADB-83C650AC6BBD}"/>
+          </ac:spMkLst>
+        </pc:spChg>
+        <pc:spChg chg="add mod">
+          <ac:chgData name="Fatima Pillosu" userId="a6295d4dc9e22643" providerId="LiveId" clId="{0478CFAF-F744-4001-ABF3-5E8A4958592B}" dt="2025-07-05T16:37:00.957" v="1695"/>
+          <ac:spMkLst>
+            <pc:docMk/>
+            <pc:sldMk cId="2370713982" sldId="258"/>
+            <ac:spMk id="139" creationId="{D39A2922-55AC-C196-C170-7EE901F83A31}"/>
+          </ac:spMkLst>
+        </pc:spChg>
+        <pc:spChg chg="add mod">
+          <ac:chgData name="Fatima Pillosu" userId="a6295d4dc9e22643" providerId="LiveId" clId="{0478CFAF-F744-4001-ABF3-5E8A4958592B}" dt="2025-07-05T16:40:33.874" v="1803"/>
+          <ac:spMkLst>
+            <pc:docMk/>
+            <pc:sldMk cId="2370713982" sldId="258"/>
+            <ac:spMk id="141" creationId="{F4C819FF-405D-AC1A-9845-3AA8BFF1874D}"/>
+          </ac:spMkLst>
+        </pc:spChg>
+        <pc:spChg chg="add mod">
+          <ac:chgData name="Fatima Pillosu" userId="a6295d4dc9e22643" providerId="LiveId" clId="{0478CFAF-F744-4001-ABF3-5E8A4958592B}" dt="2025-07-05T16:40:33.874" v="1803"/>
+          <ac:spMkLst>
+            <pc:docMk/>
+            <pc:sldMk cId="2370713982" sldId="258"/>
+            <ac:spMk id="142" creationId="{FED4E7C7-95F3-E857-31E9-988252A8788F}"/>
+          </ac:spMkLst>
+        </pc:spChg>
+        <pc:spChg chg="add mod">
+          <ac:chgData name="Fatima Pillosu" userId="a6295d4dc9e22643" providerId="LiveId" clId="{0478CFAF-F744-4001-ABF3-5E8A4958592B}" dt="2025-07-05T16:40:33.874" v="1803"/>
+          <ac:spMkLst>
+            <pc:docMk/>
+            <pc:sldMk cId="2370713982" sldId="258"/>
+            <ac:spMk id="143" creationId="{27862242-6668-C88E-62B7-F9373370A83B}"/>
+          </ac:spMkLst>
+        </pc:spChg>
+        <pc:spChg chg="add mod">
+          <ac:chgData name="Fatima Pillosu" userId="a6295d4dc9e22643" providerId="LiveId" clId="{0478CFAF-F744-4001-ABF3-5E8A4958592B}" dt="2025-07-05T16:40:33.874" v="1803"/>
+          <ac:spMkLst>
+            <pc:docMk/>
+            <pc:sldMk cId="2370713982" sldId="258"/>
+            <ac:spMk id="144" creationId="{1B24D7F2-DE95-6062-BF47-8AA6161242B4}"/>
+          </ac:spMkLst>
+        </pc:spChg>
+        <pc:spChg chg="add mod">
+          <ac:chgData name="Fatima Pillosu" userId="a6295d4dc9e22643" providerId="LiveId" clId="{0478CFAF-F744-4001-ABF3-5E8A4958592B}" dt="2025-07-05T16:40:33.874" v="1803"/>
+          <ac:spMkLst>
+            <pc:docMk/>
+            <pc:sldMk cId="2370713982" sldId="258"/>
+            <ac:spMk id="145" creationId="{4A25B8AF-474A-309C-331F-91C7A205EFFA}"/>
+          </ac:spMkLst>
+        </pc:spChg>
+        <pc:spChg chg="add mod">
+          <ac:chgData name="Fatima Pillosu" userId="a6295d4dc9e22643" providerId="LiveId" clId="{0478CFAF-F744-4001-ABF3-5E8A4958592B}" dt="2025-07-05T16:40:33.874" v="1803"/>
+          <ac:spMkLst>
+            <pc:docMk/>
+            <pc:sldMk cId="2370713982" sldId="258"/>
+            <ac:spMk id="146" creationId="{4E5827C5-E07C-2B8A-8E08-4834F0DD2102}"/>
+          </ac:spMkLst>
+        </pc:spChg>
+        <pc:spChg chg="add mod">
+          <ac:chgData name="Fatima Pillosu" userId="a6295d4dc9e22643" providerId="LiveId" clId="{0478CFAF-F744-4001-ABF3-5E8A4958592B}" dt="2025-07-05T16:40:33.874" v="1803"/>
+          <ac:spMkLst>
+            <pc:docMk/>
+            <pc:sldMk cId="2370713982" sldId="258"/>
+            <ac:spMk id="147" creationId="{D2A1AB3F-A4F5-97D2-8253-BCEF76AD8086}"/>
+          </ac:spMkLst>
+        </pc:spChg>
+        <pc:spChg chg="add mod">
+          <ac:chgData name="Fatima Pillosu" userId="a6295d4dc9e22643" providerId="LiveId" clId="{0478CFAF-F744-4001-ABF3-5E8A4958592B}" dt="2025-07-05T16:40:33.874" v="1803"/>
+          <ac:spMkLst>
+            <pc:docMk/>
+            <pc:sldMk cId="2370713982" sldId="258"/>
+            <ac:spMk id="148" creationId="{B01CA45E-F5F4-2857-A430-A2E3E7A265BE}"/>
+          </ac:spMkLst>
+        </pc:spChg>
+        <pc:spChg chg="add mod">
+          <ac:chgData name="Fatima Pillosu" userId="a6295d4dc9e22643" providerId="LiveId" clId="{0478CFAF-F744-4001-ABF3-5E8A4958592B}" dt="2025-07-05T16:40:33.874" v="1803"/>
+          <ac:spMkLst>
+            <pc:docMk/>
+            <pc:sldMk cId="2370713982" sldId="258"/>
+            <ac:spMk id="149" creationId="{3B2FCA64-5346-46BC-290B-4B600F90ED9D}"/>
+          </ac:spMkLst>
+        </pc:spChg>
+        <pc:spChg chg="add mod">
+          <ac:chgData name="Fatima Pillosu" userId="a6295d4dc9e22643" providerId="LiveId" clId="{0478CFAF-F744-4001-ABF3-5E8A4958592B}" dt="2025-07-05T16:40:33.874" v="1803"/>
+          <ac:spMkLst>
+            <pc:docMk/>
+            <pc:sldMk cId="2370713982" sldId="258"/>
+            <ac:spMk id="150" creationId="{2812DA88-8E8D-C32B-4497-7389780BEA08}"/>
+          </ac:spMkLst>
+        </pc:spChg>
+        <pc:spChg chg="add mod">
+          <ac:chgData name="Fatima Pillosu" userId="a6295d4dc9e22643" providerId="LiveId" clId="{0478CFAF-F744-4001-ABF3-5E8A4958592B}" dt="2025-07-05T16:40:33.874" v="1803"/>
+          <ac:spMkLst>
+            <pc:docMk/>
+            <pc:sldMk cId="2370713982" sldId="258"/>
+            <ac:spMk id="151" creationId="{ECBC73AF-8CB0-DC17-AF29-6EE5FE07D6FF}"/>
+          </ac:spMkLst>
+        </pc:spChg>
+        <pc:spChg chg="add mod">
+          <ac:chgData name="Fatima Pillosu" userId="a6295d4dc9e22643" providerId="LiveId" clId="{0478CFAF-F744-4001-ABF3-5E8A4958592B}" dt="2025-07-05T16:40:33.874" v="1803"/>
+          <ac:spMkLst>
+            <pc:docMk/>
+            <pc:sldMk cId="2370713982" sldId="258"/>
+            <ac:spMk id="152" creationId="{A81453B4-E8F4-841D-F953-FABD2A2C01AA}"/>
+          </ac:spMkLst>
+        </pc:spChg>
+        <pc:spChg chg="add mod">
+          <ac:chgData name="Fatima Pillosu" userId="a6295d4dc9e22643" providerId="LiveId" clId="{0478CFAF-F744-4001-ABF3-5E8A4958592B}" dt="2025-07-05T16:40:33.874" v="1803"/>
+          <ac:spMkLst>
+            <pc:docMk/>
+            <pc:sldMk cId="2370713982" sldId="258"/>
+            <ac:spMk id="153" creationId="{3A5B05FF-4CDE-1B2C-5A6C-BD19D5572F73}"/>
+          </ac:spMkLst>
+        </pc:spChg>
+        <pc:spChg chg="add mod">
+          <ac:chgData name="Fatima Pillosu" userId="a6295d4dc9e22643" providerId="LiveId" clId="{0478CFAF-F744-4001-ABF3-5E8A4958592B}" dt="2025-07-05T16:40:33.874" v="1803"/>
+          <ac:spMkLst>
+            <pc:docMk/>
+            <pc:sldMk cId="2370713982" sldId="258"/>
+            <ac:spMk id="154" creationId="{AA473242-EAA3-CE62-E1F9-3950DACD6B6F}"/>
+          </ac:spMkLst>
+        </pc:spChg>
+        <pc:spChg chg="add mod">
+          <ac:chgData name="Fatima Pillosu" userId="a6295d4dc9e22643" providerId="LiveId" clId="{0478CFAF-F744-4001-ABF3-5E8A4958592B}" dt="2025-07-05T16:40:33.874" v="1803"/>
+          <ac:spMkLst>
+            <pc:docMk/>
+            <pc:sldMk cId="2370713982" sldId="258"/>
+            <ac:spMk id="155" creationId="{02BBCA5D-98DB-FEE3-A156-381E9158549F}"/>
+          </ac:spMkLst>
+        </pc:spChg>
+        <pc:spChg chg="add mod">
+          <ac:chgData name="Fatima Pillosu" userId="a6295d4dc9e22643" providerId="LiveId" clId="{0478CFAF-F744-4001-ABF3-5E8A4958592B}" dt="2025-07-05T16:40:33.874" v="1803"/>
+          <ac:spMkLst>
+            <pc:docMk/>
+            <pc:sldMk cId="2370713982" sldId="258"/>
+            <ac:spMk id="156" creationId="{38830D48-11C0-B6EF-9DA0-EBB0A88F1019}"/>
+          </ac:spMkLst>
+        </pc:spChg>
+        <pc:spChg chg="add mod">
+          <ac:chgData name="Fatima Pillosu" userId="a6295d4dc9e22643" providerId="LiveId" clId="{0478CFAF-F744-4001-ABF3-5E8A4958592B}" dt="2025-07-05T16:40:33.874" v="1803"/>
+          <ac:spMkLst>
+            <pc:docMk/>
+            <pc:sldMk cId="2370713982" sldId="258"/>
+            <ac:spMk id="157" creationId="{F939439E-54AD-1D44-D4DC-161D99F8C09C}"/>
+          </ac:spMkLst>
+        </pc:spChg>
+        <pc:spChg chg="add mod">
+          <ac:chgData name="Fatima Pillosu" userId="a6295d4dc9e22643" providerId="LiveId" clId="{0478CFAF-F744-4001-ABF3-5E8A4958592B}" dt="2025-07-05T16:40:33.874" v="1803"/>
+          <ac:spMkLst>
+            <pc:docMk/>
+            <pc:sldMk cId="2370713982" sldId="258"/>
+            <ac:spMk id="158" creationId="{186CE641-C1CD-1F4C-3407-39D56C89D14E}"/>
+          </ac:spMkLst>
+        </pc:spChg>
+        <pc:spChg chg="add mod">
+          <ac:chgData name="Fatima Pillosu" userId="a6295d4dc9e22643" providerId="LiveId" clId="{0478CFAF-F744-4001-ABF3-5E8A4958592B}" dt="2025-07-05T16:40:33.874" v="1803"/>
+          <ac:spMkLst>
+            <pc:docMk/>
+            <pc:sldMk cId="2370713982" sldId="258"/>
+            <ac:spMk id="159" creationId="{97270CDD-007E-01A4-75E2-77BA69DE63BE}"/>
+          </ac:spMkLst>
+        </pc:spChg>
+        <pc:spChg chg="add mod">
+          <ac:chgData name="Fatima Pillosu" userId="a6295d4dc9e22643" providerId="LiveId" clId="{0478CFAF-F744-4001-ABF3-5E8A4958592B}" dt="2025-07-05T16:40:33.874" v="1803"/>
+          <ac:spMkLst>
+            <pc:docMk/>
+            <pc:sldMk cId="2370713982" sldId="258"/>
+            <ac:spMk id="160" creationId="{E13A681A-5F71-F164-E867-59243A536311}"/>
+          </ac:spMkLst>
+        </pc:spChg>
+        <pc:spChg chg="add mod">
+          <ac:chgData name="Fatima Pillosu" userId="a6295d4dc9e22643" providerId="LiveId" clId="{0478CFAF-F744-4001-ABF3-5E8A4958592B}" dt="2025-07-05T16:40:33.874" v="1803"/>
+          <ac:spMkLst>
+            <pc:docMk/>
+            <pc:sldMk cId="2370713982" sldId="258"/>
+            <ac:spMk id="161" creationId="{61B6E285-9A95-6640-531D-458196CCB08D}"/>
+          </ac:spMkLst>
+        </pc:spChg>
+        <pc:spChg chg="add mod">
+          <ac:chgData name="Fatima Pillosu" userId="a6295d4dc9e22643" providerId="LiveId" clId="{0478CFAF-F744-4001-ABF3-5E8A4958592B}" dt="2025-07-05T16:40:33.874" v="1803"/>
+          <ac:spMkLst>
+            <pc:docMk/>
+            <pc:sldMk cId="2370713982" sldId="258"/>
+            <ac:spMk id="162" creationId="{7B406D14-0AC9-9629-5BF6-C111B10C387A}"/>
+          </ac:spMkLst>
+        </pc:spChg>
+        <pc:spChg chg="add mod">
+          <ac:chgData name="Fatima Pillosu" userId="a6295d4dc9e22643" providerId="LiveId" clId="{0478CFAF-F744-4001-ABF3-5E8A4958592B}" dt="2025-07-05T16:40:33.874" v="1803"/>
+          <ac:spMkLst>
+            <pc:docMk/>
+            <pc:sldMk cId="2370713982" sldId="258"/>
+            <ac:spMk id="163" creationId="{1E5EE596-A37B-BC80-1253-1A36840EDBEE}"/>
+          </ac:spMkLst>
+        </pc:spChg>
+        <pc:spChg chg="add mod">
+          <ac:chgData name="Fatima Pillosu" userId="a6295d4dc9e22643" providerId="LiveId" clId="{0478CFAF-F744-4001-ABF3-5E8A4958592B}" dt="2025-07-05T16:40:33.874" v="1803"/>
+          <ac:spMkLst>
+            <pc:docMk/>
+            <pc:sldMk cId="2370713982" sldId="258"/>
+            <ac:spMk id="164" creationId="{782132F7-6C09-E0FC-999E-CC796ADD5EDA}"/>
+          </ac:spMkLst>
+        </pc:spChg>
+        <pc:spChg chg="add mod">
+          <ac:chgData name="Fatima Pillosu" userId="a6295d4dc9e22643" providerId="LiveId" clId="{0478CFAF-F744-4001-ABF3-5E8A4958592B}" dt="2025-07-05T16:40:33.874" v="1803"/>
+          <ac:spMkLst>
+            <pc:docMk/>
+            <pc:sldMk cId="2370713982" sldId="258"/>
+            <ac:spMk id="165" creationId="{78B57937-19BD-C3E3-AEBE-F8C8E44D702A}"/>
+          </ac:spMkLst>
+        </pc:spChg>
+        <pc:spChg chg="add mod">
+          <ac:chgData name="Fatima Pillosu" userId="a6295d4dc9e22643" providerId="LiveId" clId="{0478CFAF-F744-4001-ABF3-5E8A4958592B}" dt="2025-07-05T16:40:33.874" v="1803"/>
+          <ac:spMkLst>
+            <pc:docMk/>
+            <pc:sldMk cId="2370713982" sldId="258"/>
+            <ac:spMk id="166" creationId="{AAAF63C3-4489-9669-15FD-47095A5EBD20}"/>
+          </ac:spMkLst>
+        </pc:spChg>
+        <pc:spChg chg="add mod">
+          <ac:chgData name="Fatima Pillosu" userId="a6295d4dc9e22643" providerId="LiveId" clId="{0478CFAF-F744-4001-ABF3-5E8A4958592B}" dt="2025-07-05T16:40:33.874" v="1803"/>
+          <ac:spMkLst>
+            <pc:docMk/>
+            <pc:sldMk cId="2370713982" sldId="258"/>
+            <ac:spMk id="167" creationId="{BC6F8D13-5F09-97E8-5762-D3C1F83245F1}"/>
+          </ac:spMkLst>
+        </pc:spChg>
+        <pc:spChg chg="add mod">
+          <ac:chgData name="Fatima Pillosu" userId="a6295d4dc9e22643" providerId="LiveId" clId="{0478CFAF-F744-4001-ABF3-5E8A4958592B}" dt="2025-07-05T16:40:33.874" v="1803"/>
+          <ac:spMkLst>
+            <pc:docMk/>
+            <pc:sldMk cId="2370713982" sldId="258"/>
+            <ac:spMk id="168" creationId="{DFAE2A28-C8D9-7BCA-902D-A9807DB1D622}"/>
+          </ac:spMkLst>
+        </pc:spChg>
+        <pc:spChg chg="add mod">
+          <ac:chgData name="Fatima Pillosu" userId="a6295d4dc9e22643" providerId="LiveId" clId="{0478CFAF-F744-4001-ABF3-5E8A4958592B}" dt="2025-07-05T16:40:33.874" v="1803"/>
+          <ac:spMkLst>
+            <pc:docMk/>
+            <pc:sldMk cId="2370713982" sldId="258"/>
+            <ac:spMk id="169" creationId="{0732726B-3EAF-65B0-0EF1-1E8AD3CBB4BD}"/>
+          </ac:spMkLst>
+        </pc:spChg>
+        <pc:spChg chg="add mod">
+          <ac:chgData name="Fatima Pillosu" userId="a6295d4dc9e22643" providerId="LiveId" clId="{0478CFAF-F744-4001-ABF3-5E8A4958592B}" dt="2025-07-05T16:40:33.874" v="1803"/>
+          <ac:spMkLst>
+            <pc:docMk/>
+            <pc:sldMk cId="2370713982" sldId="258"/>
+            <ac:spMk id="170" creationId="{D1427EC5-4503-4191-5A67-792C4092C39C}"/>
+          </ac:spMkLst>
+        </pc:spChg>
+        <pc:spChg chg="add mod">
+          <ac:chgData name="Fatima Pillosu" userId="a6295d4dc9e22643" providerId="LiveId" clId="{0478CFAF-F744-4001-ABF3-5E8A4958592B}" dt="2025-07-05T16:40:33.874" v="1803"/>
+          <ac:spMkLst>
+            <pc:docMk/>
+            <pc:sldMk cId="2370713982" sldId="258"/>
+            <ac:spMk id="171" creationId="{8FAE7CAC-E98D-4D78-2127-5B6715724141}"/>
+          </ac:spMkLst>
+        </pc:spChg>
+        <pc:spChg chg="add mod">
+          <ac:chgData name="Fatima Pillosu" userId="a6295d4dc9e22643" providerId="LiveId" clId="{0478CFAF-F744-4001-ABF3-5E8A4958592B}" dt="2025-07-05T16:40:33.874" v="1803"/>
+          <ac:spMkLst>
+            <pc:docMk/>
+            <pc:sldMk cId="2370713982" sldId="258"/>
+            <ac:spMk id="172" creationId="{42B7E630-3E8D-3D02-B3F3-4F3A72ED2ED6}"/>
+          </ac:spMkLst>
+        </pc:spChg>
+        <pc:spChg chg="add mod">
+          <ac:chgData name="Fatima Pillosu" userId="a6295d4dc9e22643" providerId="LiveId" clId="{0478CFAF-F744-4001-ABF3-5E8A4958592B}" dt="2025-07-05T16:40:33.874" v="1803"/>
+          <ac:spMkLst>
+            <pc:docMk/>
+            <pc:sldMk cId="2370713982" sldId="258"/>
+            <ac:spMk id="173" creationId="{A3E60378-5A8B-4909-A363-EDD4B6874520}"/>
+          </ac:spMkLst>
+        </pc:spChg>
+        <pc:spChg chg="add mod">
+          <ac:chgData name="Fatima Pillosu" userId="a6295d4dc9e22643" providerId="LiveId" clId="{0478CFAF-F744-4001-ABF3-5E8A4958592B}" dt="2025-07-05T16:40:33.874" v="1803"/>
+          <ac:spMkLst>
+            <pc:docMk/>
+            <pc:sldMk cId="2370713982" sldId="258"/>
+            <ac:spMk id="174" creationId="{E991E489-A91A-1DB5-1E54-0B34C2B84BA1}"/>
           </ac:spMkLst>
         </pc:spChg>
         <pc:spChg chg="del mod">
@@ -6244,6 +7299,30 @@
             <ac:spMk id="175" creationId="{37757665-AC28-C2D7-9288-A4F262BEDCA5}"/>
           </ac:spMkLst>
         </pc:spChg>
+        <pc:spChg chg="add mod">
+          <ac:chgData name="Fatima Pillosu" userId="a6295d4dc9e22643" providerId="LiveId" clId="{0478CFAF-F744-4001-ABF3-5E8A4958592B}" dt="2025-07-05T16:40:33.874" v="1803"/>
+          <ac:spMkLst>
+            <pc:docMk/>
+            <pc:sldMk cId="2370713982" sldId="258"/>
+            <ac:spMk id="175" creationId="{739DB82C-9F3C-30EC-EA6A-0B2396032045}"/>
+          </ac:spMkLst>
+        </pc:spChg>
+        <pc:spChg chg="add mod">
+          <ac:chgData name="Fatima Pillosu" userId="a6295d4dc9e22643" providerId="LiveId" clId="{0478CFAF-F744-4001-ABF3-5E8A4958592B}" dt="2025-07-05T16:40:33.874" v="1803"/>
+          <ac:spMkLst>
+            <pc:docMk/>
+            <pc:sldMk cId="2370713982" sldId="258"/>
+            <ac:spMk id="176" creationId="{9E0A0374-B426-F54E-06E1-92CB924C219E}"/>
+          </ac:spMkLst>
+        </pc:spChg>
+        <pc:spChg chg="add mod">
+          <ac:chgData name="Fatima Pillosu" userId="a6295d4dc9e22643" providerId="LiveId" clId="{0478CFAF-F744-4001-ABF3-5E8A4958592B}" dt="2025-07-05T16:40:33.874" v="1803"/>
+          <ac:spMkLst>
+            <pc:docMk/>
+            <pc:sldMk cId="2370713982" sldId="258"/>
+            <ac:spMk id="177" creationId="{65312E85-C669-B5BD-F456-1C8ECF78734D}"/>
+          </ac:spMkLst>
+        </pc:spChg>
         <pc:spChg chg="del">
           <ac:chgData name="Fatima Pillosu" userId="a6295d4dc9e22643" providerId="LiveId" clId="{0478CFAF-F744-4001-ABF3-5E8A4958592B}" dt="2025-07-03T10:13:29.318" v="498" actId="21"/>
           <ac:spMkLst>
@@ -6252,6 +7331,14 @@
             <ac:spMk id="177" creationId="{6E3975A0-04BD-A32C-5C8E-87D363BCBF43}"/>
           </ac:spMkLst>
         </pc:spChg>
+        <pc:spChg chg="add mod">
+          <ac:chgData name="Fatima Pillosu" userId="a6295d4dc9e22643" providerId="LiveId" clId="{0478CFAF-F744-4001-ABF3-5E8A4958592B}" dt="2025-07-05T16:40:33.874" v="1803"/>
+          <ac:spMkLst>
+            <pc:docMk/>
+            <pc:sldMk cId="2370713982" sldId="258"/>
+            <ac:spMk id="178" creationId="{02EEE0A7-AF2D-028D-18D7-3A8194ECAE61}"/>
+          </ac:spMkLst>
+        </pc:spChg>
         <pc:spChg chg="del mod">
           <ac:chgData name="Fatima Pillosu" userId="a6295d4dc9e22643" providerId="LiveId" clId="{0478CFAF-F744-4001-ABF3-5E8A4958592B}" dt="2025-07-03T10:13:29.318" v="498" actId="21"/>
           <ac:spMkLst>
@@ -6260,6 +7347,22 @@
             <ac:spMk id="178" creationId="{EC3C4672-BBD3-831C-7CA8-0C6A492C9F9C}"/>
           </ac:spMkLst>
         </pc:spChg>
+        <pc:spChg chg="add mod">
+          <ac:chgData name="Fatima Pillosu" userId="a6295d4dc9e22643" providerId="LiveId" clId="{0478CFAF-F744-4001-ABF3-5E8A4958592B}" dt="2025-07-05T16:40:33.874" v="1803"/>
+          <ac:spMkLst>
+            <pc:docMk/>
+            <pc:sldMk cId="2370713982" sldId="258"/>
+            <ac:spMk id="179" creationId="{BBB91DEC-E7F7-5495-90B2-36D6A4F62EBF}"/>
+          </ac:spMkLst>
+        </pc:spChg>
+        <pc:spChg chg="add mod">
+          <ac:chgData name="Fatima Pillosu" userId="a6295d4dc9e22643" providerId="LiveId" clId="{0478CFAF-F744-4001-ABF3-5E8A4958592B}" dt="2025-07-05T16:40:33.874" v="1803"/>
+          <ac:spMkLst>
+            <pc:docMk/>
+            <pc:sldMk cId="2370713982" sldId="258"/>
+            <ac:spMk id="180" creationId="{00784BF0-EDFB-70B1-8B66-28143BC5BDCA}"/>
+          </ac:spMkLst>
+        </pc:spChg>
         <pc:spChg chg="del">
           <ac:chgData name="Fatima Pillosu" userId="a6295d4dc9e22643" providerId="LiveId" clId="{0478CFAF-F744-4001-ABF3-5E8A4958592B}" dt="2025-07-03T10:13:29.318" v="498" actId="21"/>
           <ac:spMkLst>
@@ -6268,6 +7371,14 @@
             <ac:spMk id="180" creationId="{A98AD652-CC49-61CB-93BF-590382B2DB5F}"/>
           </ac:spMkLst>
         </pc:spChg>
+        <pc:spChg chg="add mod">
+          <ac:chgData name="Fatima Pillosu" userId="a6295d4dc9e22643" providerId="LiveId" clId="{0478CFAF-F744-4001-ABF3-5E8A4958592B}" dt="2025-07-05T16:40:33.874" v="1803"/>
+          <ac:spMkLst>
+            <pc:docMk/>
+            <pc:sldMk cId="2370713982" sldId="258"/>
+            <ac:spMk id="181" creationId="{E0BCACD4-03A0-365C-9014-C06439E40F3C}"/>
+          </ac:spMkLst>
+        </pc:spChg>
         <pc:spChg chg="del mod">
           <ac:chgData name="Fatima Pillosu" userId="a6295d4dc9e22643" providerId="LiveId" clId="{0478CFAF-F744-4001-ABF3-5E8A4958592B}" dt="2025-07-03T10:13:29.318" v="498" actId="21"/>
           <ac:spMkLst>
@@ -6276,6 +7387,22 @@
             <ac:spMk id="182" creationId="{66347620-DBE3-A5F5-F8A3-7C2F7C6EBDE6}"/>
           </ac:spMkLst>
         </pc:spChg>
+        <pc:spChg chg="add mod">
+          <ac:chgData name="Fatima Pillosu" userId="a6295d4dc9e22643" providerId="LiveId" clId="{0478CFAF-F744-4001-ABF3-5E8A4958592B}" dt="2025-07-05T16:40:33.874" v="1803"/>
+          <ac:spMkLst>
+            <pc:docMk/>
+            <pc:sldMk cId="2370713982" sldId="258"/>
+            <ac:spMk id="182" creationId="{8F111ECA-D33C-F860-00FB-D7F3DAA2929C}"/>
+          </ac:spMkLst>
+        </pc:spChg>
+        <pc:spChg chg="add mod">
+          <ac:chgData name="Fatima Pillosu" userId="a6295d4dc9e22643" providerId="LiveId" clId="{0478CFAF-F744-4001-ABF3-5E8A4958592B}" dt="2025-07-05T16:40:33.874" v="1803"/>
+          <ac:spMkLst>
+            <pc:docMk/>
+            <pc:sldMk cId="2370713982" sldId="258"/>
+            <ac:spMk id="183" creationId="{337E16D7-6EFB-CAA3-039F-0156BEC1F23D}"/>
+          </ac:spMkLst>
+        </pc:spChg>
         <pc:spChg chg="del">
           <ac:chgData name="Fatima Pillosu" userId="a6295d4dc9e22643" providerId="LiveId" clId="{0478CFAF-F744-4001-ABF3-5E8A4958592B}" dt="2025-07-03T10:13:29.318" v="498" actId="21"/>
           <ac:spMkLst>
@@ -6284,6 +7411,30 @@
             <ac:spMk id="183" creationId="{4DC959A9-7C89-6A9D-8C2C-4CCD3B47ECC5}"/>
           </ac:spMkLst>
         </pc:spChg>
+        <pc:spChg chg="add mod">
+          <ac:chgData name="Fatima Pillosu" userId="a6295d4dc9e22643" providerId="LiveId" clId="{0478CFAF-F744-4001-ABF3-5E8A4958592B}" dt="2025-07-05T16:40:33.874" v="1803"/>
+          <ac:spMkLst>
+            <pc:docMk/>
+            <pc:sldMk cId="2370713982" sldId="258"/>
+            <ac:spMk id="184" creationId="{D287E3A4-15CD-593F-1DE8-C457C2345965}"/>
+          </ac:spMkLst>
+        </pc:spChg>
+        <pc:spChg chg="add mod">
+          <ac:chgData name="Fatima Pillosu" userId="a6295d4dc9e22643" providerId="LiveId" clId="{0478CFAF-F744-4001-ABF3-5E8A4958592B}" dt="2025-07-05T16:40:33.874" v="1803"/>
+          <ac:spMkLst>
+            <pc:docMk/>
+            <pc:sldMk cId="2370713982" sldId="258"/>
+            <ac:spMk id="185" creationId="{BA04E07D-1492-C885-379E-B5AF5556DEF5}"/>
+          </ac:spMkLst>
+        </pc:spChg>
+        <pc:spChg chg="add mod">
+          <ac:chgData name="Fatima Pillosu" userId="a6295d4dc9e22643" providerId="LiveId" clId="{0478CFAF-F744-4001-ABF3-5E8A4958592B}" dt="2025-07-05T16:40:33.874" v="1803"/>
+          <ac:spMkLst>
+            <pc:docMk/>
+            <pc:sldMk cId="2370713982" sldId="258"/>
+            <ac:spMk id="186" creationId="{0F38520F-34C5-9CAD-7A2C-6AE40DAE2216}"/>
+          </ac:spMkLst>
+        </pc:spChg>
         <pc:spChg chg="del mod">
           <ac:chgData name="Fatima Pillosu" userId="a6295d4dc9e22643" providerId="LiveId" clId="{0478CFAF-F744-4001-ABF3-5E8A4958592B}" dt="2025-07-03T10:13:29.318" v="498" actId="21"/>
           <ac:spMkLst>
@@ -6292,6 +7443,30 @@
             <ac:spMk id="187" creationId="{AE7F31D2-F023-F7AB-A647-E119A53ECEA7}"/>
           </ac:spMkLst>
         </pc:spChg>
+        <pc:spChg chg="add mod">
+          <ac:chgData name="Fatima Pillosu" userId="a6295d4dc9e22643" providerId="LiveId" clId="{0478CFAF-F744-4001-ABF3-5E8A4958592B}" dt="2025-07-05T16:40:33.874" v="1803"/>
+          <ac:spMkLst>
+            <pc:docMk/>
+            <pc:sldMk cId="2370713982" sldId="258"/>
+            <ac:spMk id="187" creationId="{C83D60BF-095D-A2E6-C6CD-18F9E801CF6D}"/>
+          </ac:spMkLst>
+        </pc:spChg>
+        <pc:spChg chg="add mod">
+          <ac:chgData name="Fatima Pillosu" userId="a6295d4dc9e22643" providerId="LiveId" clId="{0478CFAF-F744-4001-ABF3-5E8A4958592B}" dt="2025-07-05T16:40:33.874" v="1803"/>
+          <ac:spMkLst>
+            <pc:docMk/>
+            <pc:sldMk cId="2370713982" sldId="258"/>
+            <ac:spMk id="188" creationId="{B9E7C01B-7333-0618-594B-2E155412667A}"/>
+          </ac:spMkLst>
+        </pc:spChg>
+        <pc:spChg chg="add mod">
+          <ac:chgData name="Fatima Pillosu" userId="a6295d4dc9e22643" providerId="LiveId" clId="{0478CFAF-F744-4001-ABF3-5E8A4958592B}" dt="2025-07-05T16:40:33.874" v="1803"/>
+          <ac:spMkLst>
+            <pc:docMk/>
+            <pc:sldMk cId="2370713982" sldId="258"/>
+            <ac:spMk id="189" creationId="{0D28237C-B2EC-4580-1A85-8EB177DC120E}"/>
+          </ac:spMkLst>
+        </pc:spChg>
         <pc:spChg chg="del mod">
           <ac:chgData name="Fatima Pillosu" userId="a6295d4dc9e22643" providerId="LiveId" clId="{0478CFAF-F744-4001-ABF3-5E8A4958592B}" dt="2025-07-03T10:13:29.318" v="498" actId="21"/>
           <ac:spMkLst>
@@ -6300,6 +7475,14 @@
             <ac:spMk id="189" creationId="{1A0731B8-37BC-29FF-5EFB-3505DFCBB060}"/>
           </ac:spMkLst>
         </pc:spChg>
+        <pc:spChg chg="add mod">
+          <ac:chgData name="Fatima Pillosu" userId="a6295d4dc9e22643" providerId="LiveId" clId="{0478CFAF-F744-4001-ABF3-5E8A4958592B}" dt="2025-07-05T16:40:33.874" v="1803"/>
+          <ac:spMkLst>
+            <pc:docMk/>
+            <pc:sldMk cId="2370713982" sldId="258"/>
+            <ac:spMk id="190" creationId="{A506135B-D187-572F-773E-045F7F459447}"/>
+          </ac:spMkLst>
+        </pc:spChg>
         <pc:spChg chg="del">
           <ac:chgData name="Fatima Pillosu" userId="a6295d4dc9e22643" providerId="LiveId" clId="{0478CFAF-F744-4001-ABF3-5E8A4958592B}" dt="2025-07-03T10:13:29.318" v="498" actId="21"/>
           <ac:spMkLst>
@@ -6308,6 +7491,22 @@
             <ac:spMk id="191" creationId="{5382C8C2-6F3C-50EB-0A51-B5F6DC1665D1}"/>
           </ac:spMkLst>
         </pc:spChg>
+        <pc:spChg chg="add mod">
+          <ac:chgData name="Fatima Pillosu" userId="a6295d4dc9e22643" providerId="LiveId" clId="{0478CFAF-F744-4001-ABF3-5E8A4958592B}" dt="2025-07-05T16:40:33.874" v="1803"/>
+          <ac:spMkLst>
+            <pc:docMk/>
+            <pc:sldMk cId="2370713982" sldId="258"/>
+            <ac:spMk id="191" creationId="{658A1760-554D-68DD-FBFF-360366AA5FE0}"/>
+          </ac:spMkLst>
+        </pc:spChg>
+        <pc:spChg chg="add mod">
+          <ac:chgData name="Fatima Pillosu" userId="a6295d4dc9e22643" providerId="LiveId" clId="{0478CFAF-F744-4001-ABF3-5E8A4958592B}" dt="2025-07-05T16:40:33.874" v="1803"/>
+          <ac:spMkLst>
+            <pc:docMk/>
+            <pc:sldMk cId="2370713982" sldId="258"/>
+            <ac:spMk id="192" creationId="{266FA600-7C07-83A2-2F15-177C72C63612}"/>
+          </ac:spMkLst>
+        </pc:spChg>
         <pc:spChg chg="del">
           <ac:chgData name="Fatima Pillosu" userId="a6295d4dc9e22643" providerId="LiveId" clId="{0478CFAF-F744-4001-ABF3-5E8A4958592B}" dt="2025-07-03T10:13:29.318" v="498" actId="21"/>
           <ac:spMkLst>
@@ -6316,6 +7515,14 @@
             <ac:spMk id="192" creationId="{AFE3A951-104C-CEDE-A21D-544D4B214711}"/>
           </ac:spMkLst>
         </pc:spChg>
+        <pc:spChg chg="add mod">
+          <ac:chgData name="Fatima Pillosu" userId="a6295d4dc9e22643" providerId="LiveId" clId="{0478CFAF-F744-4001-ABF3-5E8A4958592B}" dt="2025-07-05T16:40:33.874" v="1803"/>
+          <ac:spMkLst>
+            <pc:docMk/>
+            <pc:sldMk cId="2370713982" sldId="258"/>
+            <ac:spMk id="193" creationId="{B00BB954-FB19-A320-232F-DCF98EC10C87}"/>
+          </ac:spMkLst>
+        </pc:spChg>
         <pc:spChg chg="del">
           <ac:chgData name="Fatima Pillosu" userId="a6295d4dc9e22643" providerId="LiveId" clId="{0478CFAF-F744-4001-ABF3-5E8A4958592B}" dt="2025-07-03T10:13:29.318" v="498" actId="21"/>
           <ac:spMkLst>
@@ -6324,6 +7531,14 @@
             <ac:spMk id="193" creationId="{F81123FD-1880-7B13-64BB-A61B32D6C3FC}"/>
           </ac:spMkLst>
         </pc:spChg>
+        <pc:spChg chg="add mod">
+          <ac:chgData name="Fatima Pillosu" userId="a6295d4dc9e22643" providerId="LiveId" clId="{0478CFAF-F744-4001-ABF3-5E8A4958592B}" dt="2025-07-05T16:40:33.874" v="1803"/>
+          <ac:spMkLst>
+            <pc:docMk/>
+            <pc:sldMk cId="2370713982" sldId="258"/>
+            <ac:spMk id="194" creationId="{4D97E181-6924-465C-AA41-1FDADECC7688}"/>
+          </ac:spMkLst>
+        </pc:spChg>
         <pc:spChg chg="del">
           <ac:chgData name="Fatima Pillosu" userId="a6295d4dc9e22643" providerId="LiveId" clId="{0478CFAF-F744-4001-ABF3-5E8A4958592B}" dt="2025-07-03T10:13:29.318" v="498" actId="21"/>
           <ac:spMkLst>
@@ -6332,6 +7547,14 @@
             <ac:spMk id="194" creationId="{68F25C0E-89BD-9175-A93B-76E013FBF0DD}"/>
           </ac:spMkLst>
         </pc:spChg>
+        <pc:spChg chg="add mod">
+          <ac:chgData name="Fatima Pillosu" userId="a6295d4dc9e22643" providerId="LiveId" clId="{0478CFAF-F744-4001-ABF3-5E8A4958592B}" dt="2025-07-05T16:40:33.874" v="1803"/>
+          <ac:spMkLst>
+            <pc:docMk/>
+            <pc:sldMk cId="2370713982" sldId="258"/>
+            <ac:spMk id="195" creationId="{7EF8757D-90D1-C6FD-40F3-43D4B1748C4E}"/>
+          </ac:spMkLst>
+        </pc:spChg>
         <pc:spChg chg="del">
           <ac:chgData name="Fatima Pillosu" userId="a6295d4dc9e22643" providerId="LiveId" clId="{0478CFAF-F744-4001-ABF3-5E8A4958592B}" dt="2025-07-03T10:13:29.318" v="498" actId="21"/>
           <ac:spMkLst>
@@ -6340,6 +7563,14 @@
             <ac:spMk id="195" creationId="{96248778-630E-7601-4FAE-FF9CFCDF1B42}"/>
           </ac:spMkLst>
         </pc:spChg>
+        <pc:spChg chg="add mod">
+          <ac:chgData name="Fatima Pillosu" userId="a6295d4dc9e22643" providerId="LiveId" clId="{0478CFAF-F744-4001-ABF3-5E8A4958592B}" dt="2025-07-05T16:40:33.874" v="1803"/>
+          <ac:spMkLst>
+            <pc:docMk/>
+            <pc:sldMk cId="2370713982" sldId="258"/>
+            <ac:spMk id="196" creationId="{5016874D-FACB-6421-8A2A-FCCF2C8EC54B}"/>
+          </ac:spMkLst>
+        </pc:spChg>
         <pc:spChg chg="del">
           <ac:chgData name="Fatima Pillosu" userId="a6295d4dc9e22643" providerId="LiveId" clId="{0478CFAF-F744-4001-ABF3-5E8A4958592B}" dt="2025-07-03T10:13:29.318" v="498" actId="21"/>
           <ac:spMkLst>
@@ -6356,6 +7587,14 @@
             <ac:spMk id="197" creationId="{EAF3C8BC-9003-987C-E4A9-44A032A5528E}"/>
           </ac:spMkLst>
         </pc:spChg>
+        <pc:spChg chg="add mod">
+          <ac:chgData name="Fatima Pillosu" userId="a6295d4dc9e22643" providerId="LiveId" clId="{0478CFAF-F744-4001-ABF3-5E8A4958592B}" dt="2025-07-05T16:40:33.874" v="1803"/>
+          <ac:spMkLst>
+            <pc:docMk/>
+            <pc:sldMk cId="2370713982" sldId="258"/>
+            <ac:spMk id="197" creationId="{F8F37AA5-8C2C-BEDF-ED6F-96D23A0A1226}"/>
+          </ac:spMkLst>
+        </pc:spChg>
         <pc:spChg chg="del">
           <ac:chgData name="Fatima Pillosu" userId="a6295d4dc9e22643" providerId="LiveId" clId="{0478CFAF-F744-4001-ABF3-5E8A4958592B}" dt="2025-07-03T10:13:29.318" v="498" actId="21"/>
           <ac:spMkLst>
@@ -6364,6 +7603,14 @@
             <ac:spMk id="198" creationId="{28B436EB-88AE-9EF3-EB76-64B6D1FB6EEB}"/>
           </ac:spMkLst>
         </pc:spChg>
+        <pc:spChg chg="add mod">
+          <ac:chgData name="Fatima Pillosu" userId="a6295d4dc9e22643" providerId="LiveId" clId="{0478CFAF-F744-4001-ABF3-5E8A4958592B}" dt="2025-07-05T16:40:33.874" v="1803"/>
+          <ac:spMkLst>
+            <pc:docMk/>
+            <pc:sldMk cId="2370713982" sldId="258"/>
+            <ac:spMk id="198" creationId="{4A7EEEB6-1551-369B-04EA-64954B42B01F}"/>
+          </ac:spMkLst>
+        </pc:spChg>
         <pc:spChg chg="del">
           <ac:chgData name="Fatima Pillosu" userId="a6295d4dc9e22643" providerId="LiveId" clId="{0478CFAF-F744-4001-ABF3-5E8A4958592B}" dt="2025-07-03T10:13:29.318" v="498" actId="21"/>
           <ac:spMkLst>
@@ -6380,6 +7627,30 @@
             <ac:spMk id="200" creationId="{41C377DF-3C36-42E1-684D-12BC83DB59C3}"/>
           </ac:spMkLst>
         </pc:spChg>
+        <pc:spChg chg="add mod">
+          <ac:chgData name="Fatima Pillosu" userId="a6295d4dc9e22643" providerId="LiveId" clId="{0478CFAF-F744-4001-ABF3-5E8A4958592B}" dt="2025-07-05T16:40:33.874" v="1803"/>
+          <ac:spMkLst>
+            <pc:docMk/>
+            <pc:sldMk cId="2370713982" sldId="258"/>
+            <ac:spMk id="200" creationId="{CD34347E-D9C4-5D95-3032-1E75105E64C2}"/>
+          </ac:spMkLst>
+        </pc:spChg>
+        <pc:spChg chg="add mod">
+          <ac:chgData name="Fatima Pillosu" userId="a6295d4dc9e22643" providerId="LiveId" clId="{0478CFAF-F744-4001-ABF3-5E8A4958592B}" dt="2025-07-05T16:40:33.874" v="1803"/>
+          <ac:spMkLst>
+            <pc:docMk/>
+            <pc:sldMk cId="2370713982" sldId="258"/>
+            <ac:spMk id="201" creationId="{B3132B85-98BA-F8BF-7289-D5434E73287F}"/>
+          </ac:spMkLst>
+        </pc:spChg>
+        <pc:spChg chg="add mod">
+          <ac:chgData name="Fatima Pillosu" userId="a6295d4dc9e22643" providerId="LiveId" clId="{0478CFAF-F744-4001-ABF3-5E8A4958592B}" dt="2025-07-05T16:40:33.874" v="1803"/>
+          <ac:spMkLst>
+            <pc:docMk/>
+            <pc:sldMk cId="2370713982" sldId="258"/>
+            <ac:spMk id="202" creationId="{24AD8B64-C5FC-B254-215F-486B00E991AE}"/>
+          </ac:spMkLst>
+        </pc:spChg>
         <pc:spChg chg="del">
           <ac:chgData name="Fatima Pillosu" userId="a6295d4dc9e22643" providerId="LiveId" clId="{0478CFAF-F744-4001-ABF3-5E8A4958592B}" dt="2025-07-03T10:13:29.318" v="498" actId="21"/>
           <ac:spMkLst>
@@ -6396,6 +7667,14 @@
             <ac:spMk id="203" creationId="{CC497459-D1DC-EE9A-EE1D-815F28D2818C}"/>
           </ac:spMkLst>
         </pc:spChg>
+        <pc:spChg chg="add mod">
+          <ac:chgData name="Fatima Pillosu" userId="a6295d4dc9e22643" providerId="LiveId" clId="{0478CFAF-F744-4001-ABF3-5E8A4958592B}" dt="2025-07-05T16:40:33.874" v="1803"/>
+          <ac:spMkLst>
+            <pc:docMk/>
+            <pc:sldMk cId="2370713982" sldId="258"/>
+            <ac:spMk id="204" creationId="{55BBA085-7032-4E14-BEB5-7F967DF5BDD7}"/>
+          </ac:spMkLst>
+        </pc:spChg>
         <pc:spChg chg="del">
           <ac:chgData name="Fatima Pillosu" userId="a6295d4dc9e22643" providerId="LiveId" clId="{0478CFAF-F744-4001-ABF3-5E8A4958592B}" dt="2025-07-03T10:13:29.318" v="498" actId="21"/>
           <ac:spMkLst>
@@ -6412,6 +7691,14 @@
             <ac:spMk id="205" creationId="{10B23706-9C8A-69A2-B423-B2EEB1C4D06D}"/>
           </ac:spMkLst>
         </pc:spChg>
+        <pc:spChg chg="add mod">
+          <ac:chgData name="Fatima Pillosu" userId="a6295d4dc9e22643" providerId="LiveId" clId="{0478CFAF-F744-4001-ABF3-5E8A4958592B}" dt="2025-07-05T16:40:33.874" v="1803"/>
+          <ac:spMkLst>
+            <pc:docMk/>
+            <pc:sldMk cId="2370713982" sldId="258"/>
+            <ac:spMk id="205" creationId="{10E5732B-FC2F-85E1-6658-A45F0C25FCA0}"/>
+          </ac:spMkLst>
+        </pc:spChg>
         <pc:spChg chg="del">
           <ac:chgData name="Fatima Pillosu" userId="a6295d4dc9e22643" providerId="LiveId" clId="{0478CFAF-F744-4001-ABF3-5E8A4958592B}" dt="2025-07-03T10:13:29.318" v="498" actId="21"/>
           <ac:spMkLst>
@@ -6420,6 +7707,14 @@
             <ac:spMk id="206" creationId="{14A7D952-0782-7271-7F2A-BC6BC775B542}"/>
           </ac:spMkLst>
         </pc:spChg>
+        <pc:spChg chg="add mod">
+          <ac:chgData name="Fatima Pillosu" userId="a6295d4dc9e22643" providerId="LiveId" clId="{0478CFAF-F744-4001-ABF3-5E8A4958592B}" dt="2025-07-05T16:40:33.874" v="1803"/>
+          <ac:spMkLst>
+            <pc:docMk/>
+            <pc:sldMk cId="2370713982" sldId="258"/>
+            <ac:spMk id="206" creationId="{633EF27D-3D95-96B2-45B5-4F3CCB3EED32}"/>
+          </ac:spMkLst>
+        </pc:spChg>
         <pc:spChg chg="del">
           <ac:chgData name="Fatima Pillosu" userId="a6295d4dc9e22643" providerId="LiveId" clId="{0478CFAF-F744-4001-ABF3-5E8A4958592B}" dt="2025-07-03T10:13:29.318" v="498" actId="21"/>
           <ac:spMkLst>
@@ -6428,6 +7723,14 @@
             <ac:spMk id="207" creationId="{06432789-ABB4-135D-C8F1-01F8D760F247}"/>
           </ac:spMkLst>
         </pc:spChg>
+        <pc:spChg chg="add mod">
+          <ac:chgData name="Fatima Pillosu" userId="a6295d4dc9e22643" providerId="LiveId" clId="{0478CFAF-F744-4001-ABF3-5E8A4958592B}" dt="2025-07-05T16:40:33.874" v="1803"/>
+          <ac:spMkLst>
+            <pc:docMk/>
+            <pc:sldMk cId="2370713982" sldId="258"/>
+            <ac:spMk id="207" creationId="{605558F0-1E7A-0EB0-F819-5128FC98C9D5}"/>
+          </ac:spMkLst>
+        </pc:spChg>
         <pc:spChg chg="del">
           <ac:chgData name="Fatima Pillosu" userId="a6295d4dc9e22643" providerId="LiveId" clId="{0478CFAF-F744-4001-ABF3-5E8A4958592B}" dt="2025-07-03T10:13:29.318" v="498" actId="21"/>
           <ac:spMkLst>
@@ -6436,6 +7739,22 @@
             <ac:spMk id="208" creationId="{C5603496-23AC-2551-E5E0-BDF8C60E9816}"/>
           </ac:spMkLst>
         </pc:spChg>
+        <pc:spChg chg="add mod">
+          <ac:chgData name="Fatima Pillosu" userId="a6295d4dc9e22643" providerId="LiveId" clId="{0478CFAF-F744-4001-ABF3-5E8A4958592B}" dt="2025-07-05T16:40:33.874" v="1803"/>
+          <ac:spMkLst>
+            <pc:docMk/>
+            <pc:sldMk cId="2370713982" sldId="258"/>
+            <ac:spMk id="208" creationId="{EB9AE8F3-89CF-3BB5-DD6E-9DB7A9D58C9D}"/>
+          </ac:spMkLst>
+        </pc:spChg>
+        <pc:spChg chg="add mod">
+          <ac:chgData name="Fatima Pillosu" userId="a6295d4dc9e22643" providerId="LiveId" clId="{0478CFAF-F744-4001-ABF3-5E8A4958592B}" dt="2025-07-05T16:40:33.874" v="1803"/>
+          <ac:spMkLst>
+            <pc:docMk/>
+            <pc:sldMk cId="2370713982" sldId="258"/>
+            <ac:spMk id="209" creationId="{02F821C6-956D-723C-87FE-889959726D21}"/>
+          </ac:spMkLst>
+        </pc:spChg>
         <pc:spChg chg="del">
           <ac:chgData name="Fatima Pillosu" userId="a6295d4dc9e22643" providerId="LiveId" clId="{0478CFAF-F744-4001-ABF3-5E8A4958592B}" dt="2025-07-03T10:13:29.318" v="498" actId="21"/>
           <ac:spMkLst>
@@ -6444,6 +7763,14 @@
             <ac:spMk id="209" creationId="{BD4FCEEF-D9EE-3F9D-274E-A275AE7207AC}"/>
           </ac:spMkLst>
         </pc:spChg>
+        <pc:spChg chg="add mod">
+          <ac:chgData name="Fatima Pillosu" userId="a6295d4dc9e22643" providerId="LiveId" clId="{0478CFAF-F744-4001-ABF3-5E8A4958592B}" dt="2025-07-05T16:40:33.874" v="1803"/>
+          <ac:spMkLst>
+            <pc:docMk/>
+            <pc:sldMk cId="2370713982" sldId="258"/>
+            <ac:spMk id="210" creationId="{A390F4DC-279E-22E8-9876-E4FB776BA111}"/>
+          </ac:spMkLst>
+        </pc:spChg>
         <pc:spChg chg="del mod">
           <ac:chgData name="Fatima Pillosu" userId="a6295d4dc9e22643" providerId="LiveId" clId="{0478CFAF-F744-4001-ABF3-5E8A4958592B}" dt="2025-07-03T10:13:29.318" v="498" actId="21"/>
           <ac:spMkLst>
@@ -6452,6 +7779,14 @@
             <ac:spMk id="211" creationId="{54B4C05C-53AB-88AD-E871-B8862B4F61D3}"/>
           </ac:spMkLst>
         </pc:spChg>
+        <pc:spChg chg="add mod">
+          <ac:chgData name="Fatima Pillosu" userId="a6295d4dc9e22643" providerId="LiveId" clId="{0478CFAF-F744-4001-ABF3-5E8A4958592B}" dt="2025-07-05T16:40:33.874" v="1803"/>
+          <ac:spMkLst>
+            <pc:docMk/>
+            <pc:sldMk cId="2370713982" sldId="258"/>
+            <ac:spMk id="211" creationId="{8675120E-1BB7-B072-3F4C-266715FC1CBF}"/>
+          </ac:spMkLst>
+        </pc:spChg>
         <pc:spChg chg="del">
           <ac:chgData name="Fatima Pillosu" userId="a6295d4dc9e22643" providerId="LiveId" clId="{0478CFAF-F744-4001-ABF3-5E8A4958592B}" dt="2025-07-03T10:13:29.318" v="498" actId="21"/>
           <ac:spMkLst>
@@ -6460,6 +7795,14 @@
             <ac:spMk id="212" creationId="{6EE46427-6BDE-882E-3A72-3DF2ED872F0A}"/>
           </ac:spMkLst>
         </pc:spChg>
+        <pc:spChg chg="add mod">
+          <ac:chgData name="Fatima Pillosu" userId="a6295d4dc9e22643" providerId="LiveId" clId="{0478CFAF-F744-4001-ABF3-5E8A4958592B}" dt="2025-07-05T16:40:33.874" v="1803"/>
+          <ac:spMkLst>
+            <pc:docMk/>
+            <pc:sldMk cId="2370713982" sldId="258"/>
+            <ac:spMk id="212" creationId="{E4DA76CC-B988-8CD8-FD26-0AC04F5C9BC4}"/>
+          </ac:spMkLst>
+        </pc:spChg>
         <pc:spChg chg="del">
           <ac:chgData name="Fatima Pillosu" userId="a6295d4dc9e22643" providerId="LiveId" clId="{0478CFAF-F744-4001-ABF3-5E8A4958592B}" dt="2025-07-03T10:13:29.318" v="498" actId="21"/>
           <ac:spMkLst>
@@ -6468,6 +7811,38 @@
             <ac:spMk id="213" creationId="{0BBE180E-9D2D-A30D-B94E-AB6240A4F89E}"/>
           </ac:spMkLst>
         </pc:spChg>
+        <pc:spChg chg="add mod">
+          <ac:chgData name="Fatima Pillosu" userId="a6295d4dc9e22643" providerId="LiveId" clId="{0478CFAF-F744-4001-ABF3-5E8A4958592B}" dt="2025-07-05T16:40:33.874" v="1803"/>
+          <ac:spMkLst>
+            <pc:docMk/>
+            <pc:sldMk cId="2370713982" sldId="258"/>
+            <ac:spMk id="214" creationId="{3B8DAD02-AB2A-232C-281E-FD1D6F67900B}"/>
+          </ac:spMkLst>
+        </pc:spChg>
+        <pc:spChg chg="add mod">
+          <ac:chgData name="Fatima Pillosu" userId="a6295d4dc9e22643" providerId="LiveId" clId="{0478CFAF-F744-4001-ABF3-5E8A4958592B}" dt="2025-07-05T16:40:33.874" v="1803"/>
+          <ac:spMkLst>
+            <pc:docMk/>
+            <pc:sldMk cId="2370713982" sldId="258"/>
+            <ac:spMk id="215" creationId="{AC25273A-FCD6-9F3C-A8D3-802C72167897}"/>
+          </ac:spMkLst>
+        </pc:spChg>
+        <pc:spChg chg="add mod">
+          <ac:chgData name="Fatima Pillosu" userId="a6295d4dc9e22643" providerId="LiveId" clId="{0478CFAF-F744-4001-ABF3-5E8A4958592B}" dt="2025-07-05T16:40:33.874" v="1803"/>
+          <ac:spMkLst>
+            <pc:docMk/>
+            <pc:sldMk cId="2370713982" sldId="258"/>
+            <ac:spMk id="216" creationId="{80133519-51C6-BBF4-8BDC-6D857346947F}"/>
+          </ac:spMkLst>
+        </pc:spChg>
+        <pc:spChg chg="add mod">
+          <ac:chgData name="Fatima Pillosu" userId="a6295d4dc9e22643" providerId="LiveId" clId="{0478CFAF-F744-4001-ABF3-5E8A4958592B}" dt="2025-07-05T16:40:33.874" v="1803"/>
+          <ac:spMkLst>
+            <pc:docMk/>
+            <pc:sldMk cId="2370713982" sldId="258"/>
+            <ac:spMk id="217" creationId="{B99F005D-C150-2DB3-723A-CB1E39243879}"/>
+          </ac:spMkLst>
+        </pc:spChg>
         <pc:spChg chg="del mod">
           <ac:chgData name="Fatima Pillosu" userId="a6295d4dc9e22643" providerId="LiveId" clId="{0478CFAF-F744-4001-ABF3-5E8A4958592B}" dt="2025-07-03T10:09:18.869" v="463" actId="478"/>
           <ac:spMkLst>
@@ -6476,28 +7851,1164 @@
             <ac:spMk id="218" creationId="{F39AC6C1-D9A5-4BB9-D077-438BD55748C0}"/>
           </ac:spMkLst>
         </pc:spChg>
-        <pc:picChg chg="add mod">
-          <ac:chgData name="Fatima Pillosu" userId="a6295d4dc9e22643" providerId="LiveId" clId="{0478CFAF-F744-4001-ABF3-5E8A4958592B}" dt="2025-07-05T15:22:36.674" v="1007" actId="1038"/>
+        <pc:spChg chg="add del mod">
+          <ac:chgData name="Fatima Pillosu" userId="a6295d4dc9e22643" providerId="LiveId" clId="{0478CFAF-F744-4001-ABF3-5E8A4958592B}" dt="2025-07-05T17:16:51.266" v="2578" actId="21"/>
+          <ac:spMkLst>
+            <pc:docMk/>
+            <pc:sldMk cId="2370713982" sldId="258"/>
+            <ac:spMk id="223" creationId="{A6BD9B84-7D11-E6C4-714D-168348DA6A59}"/>
+          </ac:spMkLst>
+        </pc:spChg>
+        <pc:spChg chg="add mod">
+          <ac:chgData name="Fatima Pillosu" userId="a6295d4dc9e22643" providerId="LiveId" clId="{0478CFAF-F744-4001-ABF3-5E8A4958592B}" dt="2025-07-05T17:00:02.260" v="2259"/>
+          <ac:spMkLst>
+            <pc:docMk/>
+            <pc:sldMk cId="2370713982" sldId="258"/>
+            <ac:spMk id="230" creationId="{4F49A448-C6C0-E2CF-6690-BDB845979814}"/>
+          </ac:spMkLst>
+        </pc:spChg>
+        <pc:spChg chg="add mod">
+          <ac:chgData name="Fatima Pillosu" userId="a6295d4dc9e22643" providerId="LiveId" clId="{0478CFAF-F744-4001-ABF3-5E8A4958592B}" dt="2025-07-05T17:00:02.260" v="2259"/>
+          <ac:spMkLst>
+            <pc:docMk/>
+            <pc:sldMk cId="2370713982" sldId="258"/>
+            <ac:spMk id="231" creationId="{BC7E0D99-75E8-1DEF-8315-F8481018A598}"/>
+          </ac:spMkLst>
+        </pc:spChg>
+        <pc:spChg chg="add mod">
+          <ac:chgData name="Fatima Pillosu" userId="a6295d4dc9e22643" providerId="LiveId" clId="{0478CFAF-F744-4001-ABF3-5E8A4958592B}" dt="2025-07-05T17:00:02.260" v="2259"/>
+          <ac:spMkLst>
+            <pc:docMk/>
+            <pc:sldMk cId="2370713982" sldId="258"/>
+            <ac:spMk id="232" creationId="{E9AC6E30-1406-80A2-36EF-CDFB178547E6}"/>
+          </ac:spMkLst>
+        </pc:spChg>
+        <pc:spChg chg="add mod">
+          <ac:chgData name="Fatima Pillosu" userId="a6295d4dc9e22643" providerId="LiveId" clId="{0478CFAF-F744-4001-ABF3-5E8A4958592B}" dt="2025-07-05T17:00:02.260" v="2259"/>
+          <ac:spMkLst>
+            <pc:docMk/>
+            <pc:sldMk cId="2370713982" sldId="258"/>
+            <ac:spMk id="233" creationId="{13281793-0011-AE41-2970-F017F4A56DF6}"/>
+          </ac:spMkLst>
+        </pc:spChg>
+        <pc:spChg chg="add mod">
+          <ac:chgData name="Fatima Pillosu" userId="a6295d4dc9e22643" providerId="LiveId" clId="{0478CFAF-F744-4001-ABF3-5E8A4958592B}" dt="2025-07-05T17:00:02.260" v="2259"/>
+          <ac:spMkLst>
+            <pc:docMk/>
+            <pc:sldMk cId="2370713982" sldId="258"/>
+            <ac:spMk id="234" creationId="{3F7DCCE3-B029-F4BF-5B0E-D034080B9C03}"/>
+          </ac:spMkLst>
+        </pc:spChg>
+        <pc:spChg chg="add mod">
+          <ac:chgData name="Fatima Pillosu" userId="a6295d4dc9e22643" providerId="LiveId" clId="{0478CFAF-F744-4001-ABF3-5E8A4958592B}" dt="2025-07-05T17:00:02.260" v="2259"/>
+          <ac:spMkLst>
+            <pc:docMk/>
+            <pc:sldMk cId="2370713982" sldId="258"/>
+            <ac:spMk id="235" creationId="{2B76D5C2-4276-E21C-CEF1-CC2159835BAA}"/>
+          </ac:spMkLst>
+        </pc:spChg>
+        <pc:spChg chg="add mod">
+          <ac:chgData name="Fatima Pillosu" userId="a6295d4dc9e22643" providerId="LiveId" clId="{0478CFAF-F744-4001-ABF3-5E8A4958592B}" dt="2025-07-05T17:00:02.260" v="2259"/>
+          <ac:spMkLst>
+            <pc:docMk/>
+            <pc:sldMk cId="2370713982" sldId="258"/>
+            <ac:spMk id="236" creationId="{AB35AAF2-24AA-08F7-177A-1734FD7AFF2F}"/>
+          </ac:spMkLst>
+        </pc:spChg>
+        <pc:spChg chg="add mod">
+          <ac:chgData name="Fatima Pillosu" userId="a6295d4dc9e22643" providerId="LiveId" clId="{0478CFAF-F744-4001-ABF3-5E8A4958592B}" dt="2025-07-05T17:00:02.260" v="2259"/>
+          <ac:spMkLst>
+            <pc:docMk/>
+            <pc:sldMk cId="2370713982" sldId="258"/>
+            <ac:spMk id="237" creationId="{62FA3F71-6B1F-D6BA-76E5-13F25A420075}"/>
+          </ac:spMkLst>
+        </pc:spChg>
+        <pc:spChg chg="add mod">
+          <ac:chgData name="Fatima Pillosu" userId="a6295d4dc9e22643" providerId="LiveId" clId="{0478CFAF-F744-4001-ABF3-5E8A4958592B}" dt="2025-07-05T17:00:02.260" v="2259"/>
+          <ac:spMkLst>
+            <pc:docMk/>
+            <pc:sldMk cId="2370713982" sldId="258"/>
+            <ac:spMk id="238" creationId="{B4F84370-9767-DFF1-E46E-0A04D6CE6F79}"/>
+          </ac:spMkLst>
+        </pc:spChg>
+        <pc:spChg chg="add mod">
+          <ac:chgData name="Fatima Pillosu" userId="a6295d4dc9e22643" providerId="LiveId" clId="{0478CFAF-F744-4001-ABF3-5E8A4958592B}" dt="2025-07-05T17:00:02.260" v="2259"/>
+          <ac:spMkLst>
+            <pc:docMk/>
+            <pc:sldMk cId="2370713982" sldId="258"/>
+            <ac:spMk id="239" creationId="{BDE7450F-D6FA-8BE5-0017-6032002FC639}"/>
+          </ac:spMkLst>
+        </pc:spChg>
+        <pc:spChg chg="add mod">
+          <ac:chgData name="Fatima Pillosu" userId="a6295d4dc9e22643" providerId="LiveId" clId="{0478CFAF-F744-4001-ABF3-5E8A4958592B}" dt="2025-07-05T17:00:02.260" v="2259"/>
+          <ac:spMkLst>
+            <pc:docMk/>
+            <pc:sldMk cId="2370713982" sldId="258"/>
+            <ac:spMk id="240" creationId="{99D45DC5-8AFD-01BD-CBB4-CB25396D5C76}"/>
+          </ac:spMkLst>
+        </pc:spChg>
+        <pc:spChg chg="add mod">
+          <ac:chgData name="Fatima Pillosu" userId="a6295d4dc9e22643" providerId="LiveId" clId="{0478CFAF-F744-4001-ABF3-5E8A4958592B}" dt="2025-07-05T17:00:02.260" v="2259"/>
+          <ac:spMkLst>
+            <pc:docMk/>
+            <pc:sldMk cId="2370713982" sldId="258"/>
+            <ac:spMk id="241" creationId="{16EC226E-B110-ECBA-7912-2D4D114D8ABB}"/>
+          </ac:spMkLst>
+        </pc:spChg>
+        <pc:spChg chg="add mod">
+          <ac:chgData name="Fatima Pillosu" userId="a6295d4dc9e22643" providerId="LiveId" clId="{0478CFAF-F744-4001-ABF3-5E8A4958592B}" dt="2025-07-05T17:00:02.260" v="2259"/>
+          <ac:spMkLst>
+            <pc:docMk/>
+            <pc:sldMk cId="2370713982" sldId="258"/>
+            <ac:spMk id="242" creationId="{6BD3E1B3-29B7-9331-DBCA-134287F495A6}"/>
+          </ac:spMkLst>
+        </pc:spChg>
+        <pc:spChg chg="add mod">
+          <ac:chgData name="Fatima Pillosu" userId="a6295d4dc9e22643" providerId="LiveId" clId="{0478CFAF-F744-4001-ABF3-5E8A4958592B}" dt="2025-07-05T17:00:02.260" v="2259"/>
+          <ac:spMkLst>
+            <pc:docMk/>
+            <pc:sldMk cId="2370713982" sldId="258"/>
+            <ac:spMk id="243" creationId="{9C5FAEF3-6437-FF04-9B93-ED734BA11987}"/>
+          </ac:spMkLst>
+        </pc:spChg>
+        <pc:spChg chg="add mod">
+          <ac:chgData name="Fatima Pillosu" userId="a6295d4dc9e22643" providerId="LiveId" clId="{0478CFAF-F744-4001-ABF3-5E8A4958592B}" dt="2025-07-05T17:00:02.260" v="2259"/>
+          <ac:spMkLst>
+            <pc:docMk/>
+            <pc:sldMk cId="2370713982" sldId="258"/>
+            <ac:spMk id="244" creationId="{475E8966-E45D-2E50-15D9-C5D780DBA003}"/>
+          </ac:spMkLst>
+        </pc:spChg>
+        <pc:spChg chg="add mod">
+          <ac:chgData name="Fatima Pillosu" userId="a6295d4dc9e22643" providerId="LiveId" clId="{0478CFAF-F744-4001-ABF3-5E8A4958592B}" dt="2025-07-05T17:00:02.260" v="2259"/>
+          <ac:spMkLst>
+            <pc:docMk/>
+            <pc:sldMk cId="2370713982" sldId="258"/>
+            <ac:spMk id="245" creationId="{FAE65509-2D9C-08C2-8497-3696E1BAD790}"/>
+          </ac:spMkLst>
+        </pc:spChg>
+        <pc:spChg chg="add mod">
+          <ac:chgData name="Fatima Pillosu" userId="a6295d4dc9e22643" providerId="LiveId" clId="{0478CFAF-F744-4001-ABF3-5E8A4958592B}" dt="2025-07-05T17:00:02.260" v="2259"/>
+          <ac:spMkLst>
+            <pc:docMk/>
+            <pc:sldMk cId="2370713982" sldId="258"/>
+            <ac:spMk id="246" creationId="{C0D64C05-4B3B-38EF-8BAB-7469148B0F5E}"/>
+          </ac:spMkLst>
+        </pc:spChg>
+        <pc:spChg chg="add mod">
+          <ac:chgData name="Fatima Pillosu" userId="a6295d4dc9e22643" providerId="LiveId" clId="{0478CFAF-F744-4001-ABF3-5E8A4958592B}" dt="2025-07-05T17:00:02.260" v="2259"/>
+          <ac:spMkLst>
+            <pc:docMk/>
+            <pc:sldMk cId="2370713982" sldId="258"/>
+            <ac:spMk id="247" creationId="{5B4AD98B-ACB6-1F9A-356E-CDB08AB35428}"/>
+          </ac:spMkLst>
+        </pc:spChg>
+        <pc:spChg chg="add mod">
+          <ac:chgData name="Fatima Pillosu" userId="a6295d4dc9e22643" providerId="LiveId" clId="{0478CFAF-F744-4001-ABF3-5E8A4958592B}" dt="2025-07-05T17:00:02.260" v="2259"/>
+          <ac:spMkLst>
+            <pc:docMk/>
+            <pc:sldMk cId="2370713982" sldId="258"/>
+            <ac:spMk id="248" creationId="{37CC47BE-DC3C-F415-42DB-2CEC2A8D974B}"/>
+          </ac:spMkLst>
+        </pc:spChg>
+        <pc:spChg chg="add mod">
+          <ac:chgData name="Fatima Pillosu" userId="a6295d4dc9e22643" providerId="LiveId" clId="{0478CFAF-F744-4001-ABF3-5E8A4958592B}" dt="2025-07-05T17:00:02.260" v="2259"/>
+          <ac:spMkLst>
+            <pc:docMk/>
+            <pc:sldMk cId="2370713982" sldId="258"/>
+            <ac:spMk id="249" creationId="{6BBE670B-5586-1285-F6F2-788877245673}"/>
+          </ac:spMkLst>
+        </pc:spChg>
+        <pc:spChg chg="add mod">
+          <ac:chgData name="Fatima Pillosu" userId="a6295d4dc9e22643" providerId="LiveId" clId="{0478CFAF-F744-4001-ABF3-5E8A4958592B}" dt="2025-07-05T17:00:02.260" v="2259"/>
+          <ac:spMkLst>
+            <pc:docMk/>
+            <pc:sldMk cId="2370713982" sldId="258"/>
+            <ac:spMk id="250" creationId="{FBD67056-B19C-DCC1-1B46-A803F13AA8D1}"/>
+          </ac:spMkLst>
+        </pc:spChg>
+        <pc:spChg chg="add mod">
+          <ac:chgData name="Fatima Pillosu" userId="a6295d4dc9e22643" providerId="LiveId" clId="{0478CFAF-F744-4001-ABF3-5E8A4958592B}" dt="2025-07-05T17:00:02.260" v="2259"/>
+          <ac:spMkLst>
+            <pc:docMk/>
+            <pc:sldMk cId="2370713982" sldId="258"/>
+            <ac:spMk id="251" creationId="{62908A88-9C4C-7CD9-B843-4BBDCF1A7E76}"/>
+          </ac:spMkLst>
+        </pc:spChg>
+        <pc:spChg chg="add mod">
+          <ac:chgData name="Fatima Pillosu" userId="a6295d4dc9e22643" providerId="LiveId" clId="{0478CFAF-F744-4001-ABF3-5E8A4958592B}" dt="2025-07-05T17:00:02.260" v="2259"/>
+          <ac:spMkLst>
+            <pc:docMk/>
+            <pc:sldMk cId="2370713982" sldId="258"/>
+            <ac:spMk id="252" creationId="{FA8595F9-48C8-1DCD-C632-32B4B1676C79}"/>
+          </ac:spMkLst>
+        </pc:spChg>
+        <pc:spChg chg="add mod">
+          <ac:chgData name="Fatima Pillosu" userId="a6295d4dc9e22643" providerId="LiveId" clId="{0478CFAF-F744-4001-ABF3-5E8A4958592B}" dt="2025-07-05T17:00:02.260" v="2259"/>
+          <ac:spMkLst>
+            <pc:docMk/>
+            <pc:sldMk cId="2370713982" sldId="258"/>
+            <ac:spMk id="253" creationId="{4D440F47-D0B2-9253-1F8A-3FC22658395A}"/>
+          </ac:spMkLst>
+        </pc:spChg>
+        <pc:spChg chg="add mod">
+          <ac:chgData name="Fatima Pillosu" userId="a6295d4dc9e22643" providerId="LiveId" clId="{0478CFAF-F744-4001-ABF3-5E8A4958592B}" dt="2025-07-05T17:00:02.260" v="2259"/>
+          <ac:spMkLst>
+            <pc:docMk/>
+            <pc:sldMk cId="2370713982" sldId="258"/>
+            <ac:spMk id="254" creationId="{686365E1-F8AA-7ADC-99A8-B7AEC4CCFE2C}"/>
+          </ac:spMkLst>
+        </pc:spChg>
+        <pc:spChg chg="add mod">
+          <ac:chgData name="Fatima Pillosu" userId="a6295d4dc9e22643" providerId="LiveId" clId="{0478CFAF-F744-4001-ABF3-5E8A4958592B}" dt="2025-07-05T17:00:02.260" v="2259"/>
+          <ac:spMkLst>
+            <pc:docMk/>
+            <pc:sldMk cId="2370713982" sldId="258"/>
+            <ac:spMk id="255" creationId="{51AB06DE-CC90-5076-BD94-DC3B9AE3863A}"/>
+          </ac:spMkLst>
+        </pc:spChg>
+        <pc:spChg chg="add mod">
+          <ac:chgData name="Fatima Pillosu" userId="a6295d4dc9e22643" providerId="LiveId" clId="{0478CFAF-F744-4001-ABF3-5E8A4958592B}" dt="2025-07-05T17:00:02.260" v="2259"/>
+          <ac:spMkLst>
+            <pc:docMk/>
+            <pc:sldMk cId="2370713982" sldId="258"/>
+            <ac:spMk id="256" creationId="{ADBC356D-D406-ACE9-38E8-E46AD2CA82DF}"/>
+          </ac:spMkLst>
+        </pc:spChg>
+        <pc:spChg chg="add mod">
+          <ac:chgData name="Fatima Pillosu" userId="a6295d4dc9e22643" providerId="LiveId" clId="{0478CFAF-F744-4001-ABF3-5E8A4958592B}" dt="2025-07-05T17:00:02.260" v="2259"/>
+          <ac:spMkLst>
+            <pc:docMk/>
+            <pc:sldMk cId="2370713982" sldId="258"/>
+            <ac:spMk id="257" creationId="{9D44AEDB-52EF-0D02-95BF-ADBAC6F0EBF5}"/>
+          </ac:spMkLst>
+        </pc:spChg>
+        <pc:spChg chg="add mod">
+          <ac:chgData name="Fatima Pillosu" userId="a6295d4dc9e22643" providerId="LiveId" clId="{0478CFAF-F744-4001-ABF3-5E8A4958592B}" dt="2025-07-05T17:00:02.260" v="2259"/>
+          <ac:spMkLst>
+            <pc:docMk/>
+            <pc:sldMk cId="2370713982" sldId="258"/>
+            <ac:spMk id="258" creationId="{873EB772-025C-F3E8-F81B-7A57CA1C769C}"/>
+          </ac:spMkLst>
+        </pc:spChg>
+        <pc:spChg chg="add mod">
+          <ac:chgData name="Fatima Pillosu" userId="a6295d4dc9e22643" providerId="LiveId" clId="{0478CFAF-F744-4001-ABF3-5E8A4958592B}" dt="2025-07-05T17:00:02.260" v="2259"/>
+          <ac:spMkLst>
+            <pc:docMk/>
+            <pc:sldMk cId="2370713982" sldId="258"/>
+            <ac:spMk id="259" creationId="{6F3DFFDE-E24C-47E3-10B1-475F4579BB39}"/>
+          </ac:spMkLst>
+        </pc:spChg>
+        <pc:spChg chg="add mod">
+          <ac:chgData name="Fatima Pillosu" userId="a6295d4dc9e22643" providerId="LiveId" clId="{0478CFAF-F744-4001-ABF3-5E8A4958592B}" dt="2025-07-05T17:00:02.260" v="2259"/>
+          <ac:spMkLst>
+            <pc:docMk/>
+            <pc:sldMk cId="2370713982" sldId="258"/>
+            <ac:spMk id="260" creationId="{08852421-7853-7478-467D-2A18C006ECD3}"/>
+          </ac:spMkLst>
+        </pc:spChg>
+        <pc:spChg chg="add mod">
+          <ac:chgData name="Fatima Pillosu" userId="a6295d4dc9e22643" providerId="LiveId" clId="{0478CFAF-F744-4001-ABF3-5E8A4958592B}" dt="2025-07-05T17:00:02.260" v="2259"/>
+          <ac:spMkLst>
+            <pc:docMk/>
+            <pc:sldMk cId="2370713982" sldId="258"/>
+            <ac:spMk id="261" creationId="{8A6BC634-EBA8-ACBF-64A0-909F2686B8DB}"/>
+          </ac:spMkLst>
+        </pc:spChg>
+        <pc:spChg chg="add mod">
+          <ac:chgData name="Fatima Pillosu" userId="a6295d4dc9e22643" providerId="LiveId" clId="{0478CFAF-F744-4001-ABF3-5E8A4958592B}" dt="2025-07-05T17:00:02.260" v="2259"/>
+          <ac:spMkLst>
+            <pc:docMk/>
+            <pc:sldMk cId="2370713982" sldId="258"/>
+            <ac:spMk id="262" creationId="{AD23FAFC-0BA5-B066-46F8-2FC5D4BB2A7B}"/>
+          </ac:spMkLst>
+        </pc:spChg>
+        <pc:spChg chg="add mod">
+          <ac:chgData name="Fatima Pillosu" userId="a6295d4dc9e22643" providerId="LiveId" clId="{0478CFAF-F744-4001-ABF3-5E8A4958592B}" dt="2025-07-05T17:00:02.260" v="2259"/>
+          <ac:spMkLst>
+            <pc:docMk/>
+            <pc:sldMk cId="2370713982" sldId="258"/>
+            <ac:spMk id="263" creationId="{39EA2646-D7E1-A0E9-F50A-4F3C5DCC23EB}"/>
+          </ac:spMkLst>
+        </pc:spChg>
+        <pc:spChg chg="add mod">
+          <ac:chgData name="Fatima Pillosu" userId="a6295d4dc9e22643" providerId="LiveId" clId="{0478CFAF-F744-4001-ABF3-5E8A4958592B}" dt="2025-07-05T17:00:02.260" v="2259"/>
+          <ac:spMkLst>
+            <pc:docMk/>
+            <pc:sldMk cId="2370713982" sldId="258"/>
+            <ac:spMk id="264" creationId="{9EF73CFA-27A4-8312-7092-2F4B820E9972}"/>
+          </ac:spMkLst>
+        </pc:spChg>
+        <pc:spChg chg="add mod">
+          <ac:chgData name="Fatima Pillosu" userId="a6295d4dc9e22643" providerId="LiveId" clId="{0478CFAF-F744-4001-ABF3-5E8A4958592B}" dt="2025-07-05T17:00:02.260" v="2259"/>
+          <ac:spMkLst>
+            <pc:docMk/>
+            <pc:sldMk cId="2370713982" sldId="258"/>
+            <ac:spMk id="265" creationId="{F1BC012F-D080-1563-0A8B-0BA69A2D6F1A}"/>
+          </ac:spMkLst>
+        </pc:spChg>
+        <pc:spChg chg="add mod">
+          <ac:chgData name="Fatima Pillosu" userId="a6295d4dc9e22643" providerId="LiveId" clId="{0478CFAF-F744-4001-ABF3-5E8A4958592B}" dt="2025-07-05T17:00:02.260" v="2259"/>
+          <ac:spMkLst>
+            <pc:docMk/>
+            <pc:sldMk cId="2370713982" sldId="258"/>
+            <ac:spMk id="266" creationId="{F8D4438F-599E-B012-7BB7-72584A34DC6F}"/>
+          </ac:spMkLst>
+        </pc:spChg>
+        <pc:spChg chg="add mod">
+          <ac:chgData name="Fatima Pillosu" userId="a6295d4dc9e22643" providerId="LiveId" clId="{0478CFAF-F744-4001-ABF3-5E8A4958592B}" dt="2025-07-05T17:00:02.260" v="2259"/>
+          <ac:spMkLst>
+            <pc:docMk/>
+            <pc:sldMk cId="2370713982" sldId="258"/>
+            <ac:spMk id="267" creationId="{FAB8AA37-F950-F693-7550-79A21743EF48}"/>
+          </ac:spMkLst>
+        </pc:spChg>
+        <pc:spChg chg="add mod">
+          <ac:chgData name="Fatima Pillosu" userId="a6295d4dc9e22643" providerId="LiveId" clId="{0478CFAF-F744-4001-ABF3-5E8A4958592B}" dt="2025-07-05T17:00:02.260" v="2259"/>
+          <ac:spMkLst>
+            <pc:docMk/>
+            <pc:sldMk cId="2370713982" sldId="258"/>
+            <ac:spMk id="268" creationId="{502996B2-5367-531C-8B98-12227FD853AF}"/>
+          </ac:spMkLst>
+        </pc:spChg>
+        <pc:spChg chg="add mod">
+          <ac:chgData name="Fatima Pillosu" userId="a6295d4dc9e22643" providerId="LiveId" clId="{0478CFAF-F744-4001-ABF3-5E8A4958592B}" dt="2025-07-05T17:00:02.260" v="2259"/>
+          <ac:spMkLst>
+            <pc:docMk/>
+            <pc:sldMk cId="2370713982" sldId="258"/>
+            <ac:spMk id="269" creationId="{2A4212F9-C774-821A-262A-D6FB4E8EC363}"/>
+          </ac:spMkLst>
+        </pc:spChg>
+        <pc:spChg chg="add mod">
+          <ac:chgData name="Fatima Pillosu" userId="a6295d4dc9e22643" providerId="LiveId" clId="{0478CFAF-F744-4001-ABF3-5E8A4958592B}" dt="2025-07-05T17:00:02.260" v="2259"/>
+          <ac:spMkLst>
+            <pc:docMk/>
+            <pc:sldMk cId="2370713982" sldId="258"/>
+            <ac:spMk id="270" creationId="{221254A6-45C6-4866-6ED9-71A7277B2A70}"/>
+          </ac:spMkLst>
+        </pc:spChg>
+        <pc:spChg chg="add mod">
+          <ac:chgData name="Fatima Pillosu" userId="a6295d4dc9e22643" providerId="LiveId" clId="{0478CFAF-F744-4001-ABF3-5E8A4958592B}" dt="2025-07-05T17:00:02.260" v="2259"/>
+          <ac:spMkLst>
+            <pc:docMk/>
+            <pc:sldMk cId="2370713982" sldId="258"/>
+            <ac:spMk id="271" creationId="{E3AF8A30-5E78-058E-05A8-2DC8F19F7278}"/>
+          </ac:spMkLst>
+        </pc:spChg>
+        <pc:spChg chg="add mod">
+          <ac:chgData name="Fatima Pillosu" userId="a6295d4dc9e22643" providerId="LiveId" clId="{0478CFAF-F744-4001-ABF3-5E8A4958592B}" dt="2025-07-05T17:00:02.260" v="2259"/>
+          <ac:spMkLst>
+            <pc:docMk/>
+            <pc:sldMk cId="2370713982" sldId="258"/>
+            <ac:spMk id="272" creationId="{F03D380A-E7B0-5F4A-EB4A-289E2CE382E4}"/>
+          </ac:spMkLst>
+        </pc:spChg>
+        <pc:spChg chg="add mod">
+          <ac:chgData name="Fatima Pillosu" userId="a6295d4dc9e22643" providerId="LiveId" clId="{0478CFAF-F744-4001-ABF3-5E8A4958592B}" dt="2025-07-05T17:00:02.260" v="2259"/>
+          <ac:spMkLst>
+            <pc:docMk/>
+            <pc:sldMk cId="2370713982" sldId="258"/>
+            <ac:spMk id="273" creationId="{E0CB4330-C5B2-38B6-E46A-B6C20333ACEA}"/>
+          </ac:spMkLst>
+        </pc:spChg>
+        <pc:spChg chg="add mod">
+          <ac:chgData name="Fatima Pillosu" userId="a6295d4dc9e22643" providerId="LiveId" clId="{0478CFAF-F744-4001-ABF3-5E8A4958592B}" dt="2025-07-05T17:00:02.260" v="2259"/>
+          <ac:spMkLst>
+            <pc:docMk/>
+            <pc:sldMk cId="2370713982" sldId="258"/>
+            <ac:spMk id="274" creationId="{FBA23C61-6E29-0B24-D176-CDAD3929A394}"/>
+          </ac:spMkLst>
+        </pc:spChg>
+        <pc:spChg chg="add mod">
+          <ac:chgData name="Fatima Pillosu" userId="a6295d4dc9e22643" providerId="LiveId" clId="{0478CFAF-F744-4001-ABF3-5E8A4958592B}" dt="2025-07-05T17:00:02.260" v="2259"/>
+          <ac:spMkLst>
+            <pc:docMk/>
+            <pc:sldMk cId="2370713982" sldId="258"/>
+            <ac:spMk id="275" creationId="{0B439594-3A77-5DD1-7AEF-6C653E32B311}"/>
+          </ac:spMkLst>
+        </pc:spChg>
+        <pc:spChg chg="add mod">
+          <ac:chgData name="Fatima Pillosu" userId="a6295d4dc9e22643" providerId="LiveId" clId="{0478CFAF-F744-4001-ABF3-5E8A4958592B}" dt="2025-07-05T17:00:02.260" v="2259"/>
+          <ac:spMkLst>
+            <pc:docMk/>
+            <pc:sldMk cId="2370713982" sldId="258"/>
+            <ac:spMk id="276" creationId="{44D82665-2A4B-0882-6FDA-E578D062B632}"/>
+          </ac:spMkLst>
+        </pc:spChg>
+        <pc:spChg chg="add mod">
+          <ac:chgData name="Fatima Pillosu" userId="a6295d4dc9e22643" providerId="LiveId" clId="{0478CFAF-F744-4001-ABF3-5E8A4958592B}" dt="2025-07-05T17:00:02.260" v="2259"/>
+          <ac:spMkLst>
+            <pc:docMk/>
+            <pc:sldMk cId="2370713982" sldId="258"/>
+            <ac:spMk id="277" creationId="{8CDC3896-F6A8-D185-BF38-8C76FEB3B59A}"/>
+          </ac:spMkLst>
+        </pc:spChg>
+        <pc:spChg chg="add mod">
+          <ac:chgData name="Fatima Pillosu" userId="a6295d4dc9e22643" providerId="LiveId" clId="{0478CFAF-F744-4001-ABF3-5E8A4958592B}" dt="2025-07-05T17:00:02.260" v="2259"/>
+          <ac:spMkLst>
+            <pc:docMk/>
+            <pc:sldMk cId="2370713982" sldId="258"/>
+            <ac:spMk id="278" creationId="{A32E5C17-8EC1-0525-E25F-A2AD8E24B989}"/>
+          </ac:spMkLst>
+        </pc:spChg>
+        <pc:spChg chg="add mod">
+          <ac:chgData name="Fatima Pillosu" userId="a6295d4dc9e22643" providerId="LiveId" clId="{0478CFAF-F744-4001-ABF3-5E8A4958592B}" dt="2025-07-05T17:00:02.260" v="2259"/>
+          <ac:spMkLst>
+            <pc:docMk/>
+            <pc:sldMk cId="2370713982" sldId="258"/>
+            <ac:spMk id="279" creationId="{02DF6299-6CA6-C897-D738-4F8D937A274E}"/>
+          </ac:spMkLst>
+        </pc:spChg>
+        <pc:spChg chg="add mod">
+          <ac:chgData name="Fatima Pillosu" userId="a6295d4dc9e22643" providerId="LiveId" clId="{0478CFAF-F744-4001-ABF3-5E8A4958592B}" dt="2025-07-05T17:00:02.260" v="2259"/>
+          <ac:spMkLst>
+            <pc:docMk/>
+            <pc:sldMk cId="2370713982" sldId="258"/>
+            <ac:spMk id="280" creationId="{34E835BC-01DE-5706-60C1-7F93D248B331}"/>
+          </ac:spMkLst>
+        </pc:spChg>
+        <pc:spChg chg="add mod">
+          <ac:chgData name="Fatima Pillosu" userId="a6295d4dc9e22643" providerId="LiveId" clId="{0478CFAF-F744-4001-ABF3-5E8A4958592B}" dt="2025-07-05T17:00:02.260" v="2259"/>
+          <ac:spMkLst>
+            <pc:docMk/>
+            <pc:sldMk cId="2370713982" sldId="258"/>
+            <ac:spMk id="281" creationId="{CCCFED03-17F2-FFE1-82FB-7A522623ECFA}"/>
+          </ac:spMkLst>
+        </pc:spChg>
+        <pc:spChg chg="add mod">
+          <ac:chgData name="Fatima Pillosu" userId="a6295d4dc9e22643" providerId="LiveId" clId="{0478CFAF-F744-4001-ABF3-5E8A4958592B}" dt="2025-07-05T17:00:02.260" v="2259"/>
+          <ac:spMkLst>
+            <pc:docMk/>
+            <pc:sldMk cId="2370713982" sldId="258"/>
+            <ac:spMk id="282" creationId="{2A949E99-D674-0715-9895-492EABBBB3E0}"/>
+          </ac:spMkLst>
+        </pc:spChg>
+        <pc:spChg chg="add mod">
+          <ac:chgData name="Fatima Pillosu" userId="a6295d4dc9e22643" providerId="LiveId" clId="{0478CFAF-F744-4001-ABF3-5E8A4958592B}" dt="2025-07-05T17:00:02.260" v="2259"/>
+          <ac:spMkLst>
+            <pc:docMk/>
+            <pc:sldMk cId="2370713982" sldId="258"/>
+            <ac:spMk id="283" creationId="{F49A6925-1F40-E1EB-FF86-A4019B93C43B}"/>
+          </ac:spMkLst>
+        </pc:spChg>
+        <pc:spChg chg="add mod">
+          <ac:chgData name="Fatima Pillosu" userId="a6295d4dc9e22643" providerId="LiveId" clId="{0478CFAF-F744-4001-ABF3-5E8A4958592B}" dt="2025-07-05T17:00:02.260" v="2259"/>
+          <ac:spMkLst>
+            <pc:docMk/>
+            <pc:sldMk cId="2370713982" sldId="258"/>
+            <ac:spMk id="284" creationId="{095564B6-15B5-9CFD-3982-0F18D11AEF45}"/>
+          </ac:spMkLst>
+        </pc:spChg>
+        <pc:spChg chg="add mod">
+          <ac:chgData name="Fatima Pillosu" userId="a6295d4dc9e22643" providerId="LiveId" clId="{0478CFAF-F744-4001-ABF3-5E8A4958592B}" dt="2025-07-05T17:00:02.260" v="2259"/>
+          <ac:spMkLst>
+            <pc:docMk/>
+            <pc:sldMk cId="2370713982" sldId="258"/>
+            <ac:spMk id="285" creationId="{36CCC496-C653-466B-C8DB-77544D2CE6B8}"/>
+          </ac:spMkLst>
+        </pc:spChg>
+        <pc:spChg chg="add mod">
+          <ac:chgData name="Fatima Pillosu" userId="a6295d4dc9e22643" providerId="LiveId" clId="{0478CFAF-F744-4001-ABF3-5E8A4958592B}" dt="2025-07-05T17:00:02.260" v="2259"/>
+          <ac:spMkLst>
+            <pc:docMk/>
+            <pc:sldMk cId="2370713982" sldId="258"/>
+            <ac:spMk id="286" creationId="{D3648379-AE8F-CE22-13B6-D227FB254076}"/>
+          </ac:spMkLst>
+        </pc:spChg>
+        <pc:spChg chg="add mod">
+          <ac:chgData name="Fatima Pillosu" userId="a6295d4dc9e22643" providerId="LiveId" clId="{0478CFAF-F744-4001-ABF3-5E8A4958592B}" dt="2025-07-05T17:00:02.260" v="2259"/>
+          <ac:spMkLst>
+            <pc:docMk/>
+            <pc:sldMk cId="2370713982" sldId="258"/>
+            <ac:spMk id="287" creationId="{B5B80698-A37B-8791-34D5-4D4EC7F9F52F}"/>
+          </ac:spMkLst>
+        </pc:spChg>
+        <pc:spChg chg="add mod">
+          <ac:chgData name="Fatima Pillosu" userId="a6295d4dc9e22643" providerId="LiveId" clId="{0478CFAF-F744-4001-ABF3-5E8A4958592B}" dt="2025-07-05T17:00:02.260" v="2259"/>
+          <ac:spMkLst>
+            <pc:docMk/>
+            <pc:sldMk cId="2370713982" sldId="258"/>
+            <ac:spMk id="289" creationId="{4A05A7B8-AE9A-8B0F-9D44-AA62B5EDA0A2}"/>
+          </ac:spMkLst>
+        </pc:spChg>
+        <pc:spChg chg="add mod">
+          <ac:chgData name="Fatima Pillosu" userId="a6295d4dc9e22643" providerId="LiveId" clId="{0478CFAF-F744-4001-ABF3-5E8A4958592B}" dt="2025-07-05T17:00:02.260" v="2259"/>
+          <ac:spMkLst>
+            <pc:docMk/>
+            <pc:sldMk cId="2370713982" sldId="258"/>
+            <ac:spMk id="290" creationId="{41879E0B-62B0-72B9-B00F-F32848D111E2}"/>
+          </ac:spMkLst>
+        </pc:spChg>
+        <pc:spChg chg="add mod">
+          <ac:chgData name="Fatima Pillosu" userId="a6295d4dc9e22643" providerId="LiveId" clId="{0478CFAF-F744-4001-ABF3-5E8A4958592B}" dt="2025-07-05T17:00:02.260" v="2259"/>
+          <ac:spMkLst>
+            <pc:docMk/>
+            <pc:sldMk cId="2370713982" sldId="258"/>
+            <ac:spMk id="291" creationId="{BF4F8A56-CE19-B911-226F-4115384EF0F0}"/>
+          </ac:spMkLst>
+        </pc:spChg>
+        <pc:spChg chg="add mod">
+          <ac:chgData name="Fatima Pillosu" userId="a6295d4dc9e22643" providerId="LiveId" clId="{0478CFAF-F744-4001-ABF3-5E8A4958592B}" dt="2025-07-05T17:00:02.260" v="2259"/>
+          <ac:spMkLst>
+            <pc:docMk/>
+            <pc:sldMk cId="2370713982" sldId="258"/>
+            <ac:spMk id="293" creationId="{DFCF566E-A8A0-E7E9-3C3E-A2A3B84CED08}"/>
+          </ac:spMkLst>
+        </pc:spChg>
+        <pc:spChg chg="add mod">
+          <ac:chgData name="Fatima Pillosu" userId="a6295d4dc9e22643" providerId="LiveId" clId="{0478CFAF-F744-4001-ABF3-5E8A4958592B}" dt="2025-07-05T17:00:02.260" v="2259"/>
+          <ac:spMkLst>
+            <pc:docMk/>
+            <pc:sldMk cId="2370713982" sldId="258"/>
+            <ac:spMk id="294" creationId="{DA5DC8E1-EC01-87D7-C5C6-552D5AB95B66}"/>
+          </ac:spMkLst>
+        </pc:spChg>
+        <pc:spChg chg="add mod">
+          <ac:chgData name="Fatima Pillosu" userId="a6295d4dc9e22643" providerId="LiveId" clId="{0478CFAF-F744-4001-ABF3-5E8A4958592B}" dt="2025-07-05T17:00:02.260" v="2259"/>
+          <ac:spMkLst>
+            <pc:docMk/>
+            <pc:sldMk cId="2370713982" sldId="258"/>
+            <ac:spMk id="295" creationId="{0D4205C5-93CE-CA2A-EF9C-96991ED97559}"/>
+          </ac:spMkLst>
+        </pc:spChg>
+        <pc:spChg chg="add mod">
+          <ac:chgData name="Fatima Pillosu" userId="a6295d4dc9e22643" providerId="LiveId" clId="{0478CFAF-F744-4001-ABF3-5E8A4958592B}" dt="2025-07-05T17:00:02.260" v="2259"/>
+          <ac:spMkLst>
+            <pc:docMk/>
+            <pc:sldMk cId="2370713982" sldId="258"/>
+            <ac:spMk id="296" creationId="{D0219A1C-4CB8-6238-768F-43D651F649F1}"/>
+          </ac:spMkLst>
+        </pc:spChg>
+        <pc:spChg chg="add mod">
+          <ac:chgData name="Fatima Pillosu" userId="a6295d4dc9e22643" providerId="LiveId" clId="{0478CFAF-F744-4001-ABF3-5E8A4958592B}" dt="2025-07-05T17:00:02.260" v="2259"/>
+          <ac:spMkLst>
+            <pc:docMk/>
+            <pc:sldMk cId="2370713982" sldId="258"/>
+            <ac:spMk id="297" creationId="{CBF4CB42-F17E-4353-BFA2-5E3FFC9AD69F}"/>
+          </ac:spMkLst>
+        </pc:spChg>
+        <pc:spChg chg="add mod">
+          <ac:chgData name="Fatima Pillosu" userId="a6295d4dc9e22643" providerId="LiveId" clId="{0478CFAF-F744-4001-ABF3-5E8A4958592B}" dt="2025-07-05T17:00:02.260" v="2259"/>
+          <ac:spMkLst>
+            <pc:docMk/>
+            <pc:sldMk cId="2370713982" sldId="258"/>
+            <ac:spMk id="298" creationId="{A604454B-9BC2-65EE-CC1D-66647A29254A}"/>
+          </ac:spMkLst>
+        </pc:spChg>
+        <pc:spChg chg="add mod">
+          <ac:chgData name="Fatima Pillosu" userId="a6295d4dc9e22643" providerId="LiveId" clId="{0478CFAF-F744-4001-ABF3-5E8A4958592B}" dt="2025-07-05T17:00:02.260" v="2259"/>
+          <ac:spMkLst>
+            <pc:docMk/>
+            <pc:sldMk cId="2370713982" sldId="258"/>
+            <ac:spMk id="299" creationId="{50CA1C3E-AAF8-9988-FB7C-01D512B7F8EF}"/>
+          </ac:spMkLst>
+        </pc:spChg>
+        <pc:spChg chg="add mod">
+          <ac:chgData name="Fatima Pillosu" userId="a6295d4dc9e22643" providerId="LiveId" clId="{0478CFAF-F744-4001-ABF3-5E8A4958592B}" dt="2025-07-05T17:00:02.260" v="2259"/>
+          <ac:spMkLst>
+            <pc:docMk/>
+            <pc:sldMk cId="2370713982" sldId="258"/>
+            <ac:spMk id="300" creationId="{4EB15B92-9091-220C-1E44-6798BAFA913C}"/>
+          </ac:spMkLst>
+        </pc:spChg>
+        <pc:spChg chg="add mod">
+          <ac:chgData name="Fatima Pillosu" userId="a6295d4dc9e22643" providerId="LiveId" clId="{0478CFAF-F744-4001-ABF3-5E8A4958592B}" dt="2025-07-05T17:00:02.260" v="2259"/>
+          <ac:spMkLst>
+            <pc:docMk/>
+            <pc:sldMk cId="2370713982" sldId="258"/>
+            <ac:spMk id="301" creationId="{AC5EA421-5BFF-D70A-5A16-44A8EB8C8DDC}"/>
+          </ac:spMkLst>
+        </pc:spChg>
+        <pc:spChg chg="add mod">
+          <ac:chgData name="Fatima Pillosu" userId="a6295d4dc9e22643" providerId="LiveId" clId="{0478CFAF-F744-4001-ABF3-5E8A4958592B}" dt="2025-07-05T17:00:02.260" v="2259"/>
+          <ac:spMkLst>
+            <pc:docMk/>
+            <pc:sldMk cId="2370713982" sldId="258"/>
+            <ac:spMk id="303" creationId="{848C06D6-0F20-8D28-DFCC-635D2A7CE621}"/>
+          </ac:spMkLst>
+        </pc:spChg>
+        <pc:spChg chg="add mod">
+          <ac:chgData name="Fatima Pillosu" userId="a6295d4dc9e22643" providerId="LiveId" clId="{0478CFAF-F744-4001-ABF3-5E8A4958592B}" dt="2025-07-05T17:00:02.260" v="2259"/>
+          <ac:spMkLst>
+            <pc:docMk/>
+            <pc:sldMk cId="2370713982" sldId="258"/>
+            <ac:spMk id="304" creationId="{9718635E-61CC-14EB-5452-D5620CCB9DCE}"/>
+          </ac:spMkLst>
+        </pc:spChg>
+        <pc:spChg chg="add mod">
+          <ac:chgData name="Fatima Pillosu" userId="a6295d4dc9e22643" providerId="LiveId" clId="{0478CFAF-F744-4001-ABF3-5E8A4958592B}" dt="2025-07-05T17:00:02.260" v="2259"/>
+          <ac:spMkLst>
+            <pc:docMk/>
+            <pc:sldMk cId="2370713982" sldId="258"/>
+            <ac:spMk id="305" creationId="{547C8285-8D4F-1E2F-1299-7064A4CF483B}"/>
+          </ac:spMkLst>
+        </pc:spChg>
+        <pc:spChg chg="add mod">
+          <ac:chgData name="Fatima Pillosu" userId="a6295d4dc9e22643" providerId="LiveId" clId="{0478CFAF-F744-4001-ABF3-5E8A4958592B}" dt="2025-07-05T17:00:02.260" v="2259"/>
+          <ac:spMkLst>
+            <pc:docMk/>
+            <pc:sldMk cId="2370713982" sldId="258"/>
+            <ac:spMk id="306" creationId="{AD0C7058-FC5D-C1E8-D483-2430254BC227}"/>
+          </ac:spMkLst>
+        </pc:spChg>
+        <pc:spChg chg="add del">
+          <ac:chgData name="Fatima Pillosu" userId="a6295d4dc9e22643" providerId="LiveId" clId="{0478CFAF-F744-4001-ABF3-5E8A4958592B}" dt="2025-07-05T17:15:49.426" v="2569" actId="478"/>
+          <ac:spMkLst>
+            <pc:docMk/>
+            <pc:sldMk cId="2370713982" sldId="258"/>
+            <ac:spMk id="320" creationId="{5102E2A0-5102-0C2A-81E7-3CE0B1C71E8E}"/>
+          </ac:spMkLst>
+        </pc:spChg>
+        <pc:spChg chg="add del mod">
+          <ac:chgData name="Fatima Pillosu" userId="a6295d4dc9e22643" providerId="LiveId" clId="{0478CFAF-F744-4001-ABF3-5E8A4958592B}" dt="2025-07-05T17:17:09.004" v="2580" actId="21"/>
+          <ac:spMkLst>
+            <pc:docMk/>
+            <pc:sldMk cId="2370713982" sldId="258"/>
+            <ac:spMk id="323" creationId="{37757665-AC28-C2D7-9288-A4F262BEDCA5}"/>
+          </ac:spMkLst>
+        </pc:spChg>
+        <pc:spChg chg="add del mod">
+          <ac:chgData name="Fatima Pillosu" userId="a6295d4dc9e22643" providerId="LiveId" clId="{0478CFAF-F744-4001-ABF3-5E8A4958592B}" dt="2025-07-05T17:17:09.004" v="2580" actId="21"/>
+          <ac:spMkLst>
+            <pc:docMk/>
+            <pc:sldMk cId="2370713982" sldId="258"/>
+            <ac:spMk id="324" creationId="{6E3975A0-04BD-A32C-5C8E-87D363BCBF43}"/>
+          </ac:spMkLst>
+        </pc:spChg>
+        <pc:spChg chg="add del mod">
+          <ac:chgData name="Fatima Pillosu" userId="a6295d4dc9e22643" providerId="LiveId" clId="{0478CFAF-F744-4001-ABF3-5E8A4958592B}" dt="2025-07-05T17:17:09.004" v="2580" actId="21"/>
+          <ac:spMkLst>
+            <pc:docMk/>
+            <pc:sldMk cId="2370713982" sldId="258"/>
+            <ac:spMk id="325" creationId="{EC3C4672-BBD3-831C-7CA8-0C6A492C9F9C}"/>
+          </ac:spMkLst>
+        </pc:spChg>
+        <pc:spChg chg="add del mod">
+          <ac:chgData name="Fatima Pillosu" userId="a6295d4dc9e22643" providerId="LiveId" clId="{0478CFAF-F744-4001-ABF3-5E8A4958592B}" dt="2025-07-05T17:17:09.004" v="2580" actId="21"/>
+          <ac:spMkLst>
+            <pc:docMk/>
+            <pc:sldMk cId="2370713982" sldId="258"/>
+            <ac:spMk id="327" creationId="{66347620-DBE3-A5F5-F8A3-7C2F7C6EBDE6}"/>
+          </ac:spMkLst>
+        </pc:spChg>
+        <pc:spChg chg="add del mod">
+          <ac:chgData name="Fatima Pillosu" userId="a6295d4dc9e22643" providerId="LiveId" clId="{0478CFAF-F744-4001-ABF3-5E8A4958592B}" dt="2025-07-05T17:17:09.004" v="2580" actId="21"/>
+          <ac:spMkLst>
+            <pc:docMk/>
+            <pc:sldMk cId="2370713982" sldId="258"/>
+            <ac:spMk id="328" creationId="{4DC959A9-7C89-6A9D-8C2C-4CCD3B47ECC5}"/>
+          </ac:spMkLst>
+        </pc:spChg>
+        <pc:spChg chg="add del mod">
+          <ac:chgData name="Fatima Pillosu" userId="a6295d4dc9e22643" providerId="LiveId" clId="{0478CFAF-F744-4001-ABF3-5E8A4958592B}" dt="2025-07-05T17:17:09.004" v="2580" actId="21"/>
+          <ac:spMkLst>
+            <pc:docMk/>
+            <pc:sldMk cId="2370713982" sldId="258"/>
+            <ac:spMk id="332" creationId="{1A0731B8-37BC-29FF-5EFB-3505DFCBB060}"/>
+          </ac:spMkLst>
+        </pc:spChg>
+        <pc:spChg chg="add del mod">
+          <ac:chgData name="Fatima Pillosu" userId="a6295d4dc9e22643" providerId="LiveId" clId="{0478CFAF-F744-4001-ABF3-5E8A4958592B}" dt="2025-07-05T17:17:09.004" v="2580" actId="21"/>
+          <ac:spMkLst>
+            <pc:docMk/>
+            <pc:sldMk cId="2370713982" sldId="258"/>
+            <ac:spMk id="333" creationId="{5382C8C2-6F3C-50EB-0A51-B5F6DC1665D1}"/>
+          </ac:spMkLst>
+        </pc:spChg>
+        <pc:spChg chg="add del mod">
+          <ac:chgData name="Fatima Pillosu" userId="a6295d4dc9e22643" providerId="LiveId" clId="{0478CFAF-F744-4001-ABF3-5E8A4958592B}" dt="2025-07-05T17:17:09.004" v="2580" actId="21"/>
+          <ac:spMkLst>
+            <pc:docMk/>
+            <pc:sldMk cId="2370713982" sldId="258"/>
+            <ac:spMk id="334" creationId="{AFE3A951-104C-CEDE-A21D-544D4B214711}"/>
+          </ac:spMkLst>
+        </pc:spChg>
+        <pc:spChg chg="add del mod">
+          <ac:chgData name="Fatima Pillosu" userId="a6295d4dc9e22643" providerId="LiveId" clId="{0478CFAF-F744-4001-ABF3-5E8A4958592B}" dt="2025-07-05T17:17:09.004" v="2580" actId="21"/>
+          <ac:spMkLst>
+            <pc:docMk/>
+            <pc:sldMk cId="2370713982" sldId="258"/>
+            <ac:spMk id="335" creationId="{F81123FD-1880-7B13-64BB-A61B32D6C3FC}"/>
+          </ac:spMkLst>
+        </pc:spChg>
+        <pc:spChg chg="add del mod">
+          <ac:chgData name="Fatima Pillosu" userId="a6295d4dc9e22643" providerId="LiveId" clId="{0478CFAF-F744-4001-ABF3-5E8A4958592B}" dt="2025-07-05T17:17:09.004" v="2580" actId="21"/>
+          <ac:spMkLst>
+            <pc:docMk/>
+            <pc:sldMk cId="2370713982" sldId="258"/>
+            <ac:spMk id="336" creationId="{68F25C0E-89BD-9175-A93B-76E013FBF0DD}"/>
+          </ac:spMkLst>
+        </pc:spChg>
+        <pc:spChg chg="add del mod">
+          <ac:chgData name="Fatima Pillosu" userId="a6295d4dc9e22643" providerId="LiveId" clId="{0478CFAF-F744-4001-ABF3-5E8A4958592B}" dt="2025-07-05T17:17:09.004" v="2580" actId="21"/>
+          <ac:spMkLst>
+            <pc:docMk/>
+            <pc:sldMk cId="2370713982" sldId="258"/>
+            <ac:spMk id="337" creationId="{96248778-630E-7601-4FAE-FF9CFCDF1B42}"/>
+          </ac:spMkLst>
+        </pc:spChg>
+        <pc:spChg chg="add del mod">
+          <ac:chgData name="Fatima Pillosu" userId="a6295d4dc9e22643" providerId="LiveId" clId="{0478CFAF-F744-4001-ABF3-5E8A4958592B}" dt="2025-07-05T17:17:09.004" v="2580" actId="21"/>
+          <ac:spMkLst>
+            <pc:docMk/>
+            <pc:sldMk cId="2370713982" sldId="258"/>
+            <ac:spMk id="338" creationId="{9CADC630-E44A-1A89-9FDE-8EDA7123B19C}"/>
+          </ac:spMkLst>
+        </pc:spChg>
+        <pc:spChg chg="add del mod">
+          <ac:chgData name="Fatima Pillosu" userId="a6295d4dc9e22643" providerId="LiveId" clId="{0478CFAF-F744-4001-ABF3-5E8A4958592B}" dt="2025-07-05T17:17:09.004" v="2580" actId="21"/>
+          <ac:spMkLst>
+            <pc:docMk/>
+            <pc:sldMk cId="2370713982" sldId="258"/>
+            <ac:spMk id="339" creationId="{EAF3C8BC-9003-987C-E4A9-44A032A5528E}"/>
+          </ac:spMkLst>
+        </pc:spChg>
+        <pc:spChg chg="add del mod">
+          <ac:chgData name="Fatima Pillosu" userId="a6295d4dc9e22643" providerId="LiveId" clId="{0478CFAF-F744-4001-ABF3-5E8A4958592B}" dt="2025-07-05T17:17:09.004" v="2580" actId="21"/>
+          <ac:spMkLst>
+            <pc:docMk/>
+            <pc:sldMk cId="2370713982" sldId="258"/>
+            <ac:spMk id="340" creationId="{28B436EB-88AE-9EF3-EB76-64B6D1FB6EEB}"/>
+          </ac:spMkLst>
+        </pc:spChg>
+        <pc:spChg chg="add del mod">
+          <ac:chgData name="Fatima Pillosu" userId="a6295d4dc9e22643" providerId="LiveId" clId="{0478CFAF-F744-4001-ABF3-5E8A4958592B}" dt="2025-07-05T17:17:09.004" v="2580" actId="21"/>
+          <ac:spMkLst>
+            <pc:docMk/>
+            <pc:sldMk cId="2370713982" sldId="258"/>
+            <ac:spMk id="341" creationId="{F27C24D0-AB2A-41DB-6171-C0B6ED9E9A68}"/>
+          </ac:spMkLst>
+        </pc:spChg>
+        <pc:spChg chg="add del mod">
+          <ac:chgData name="Fatima Pillosu" userId="a6295d4dc9e22643" providerId="LiveId" clId="{0478CFAF-F744-4001-ABF3-5E8A4958592B}" dt="2025-07-05T17:17:09.004" v="2580" actId="21"/>
+          <ac:spMkLst>
+            <pc:docMk/>
+            <pc:sldMk cId="2370713982" sldId="258"/>
+            <ac:spMk id="342" creationId="{41C377DF-3C36-42E1-684D-12BC83DB59C3}"/>
+          </ac:spMkLst>
+        </pc:spChg>
+        <pc:spChg chg="add del mod">
+          <ac:chgData name="Fatima Pillosu" userId="a6295d4dc9e22643" providerId="LiveId" clId="{0478CFAF-F744-4001-ABF3-5E8A4958592B}" dt="2025-07-05T17:17:09.004" v="2580" actId="21"/>
+          <ac:spMkLst>
+            <pc:docMk/>
+            <pc:sldMk cId="2370713982" sldId="258"/>
+            <ac:spMk id="343" creationId="{2CFA74E3-D91E-2C27-4A99-D3D1A111919C}"/>
+          </ac:spMkLst>
+        </pc:spChg>
+        <pc:spChg chg="add del mod">
+          <ac:chgData name="Fatima Pillosu" userId="a6295d4dc9e22643" providerId="LiveId" clId="{0478CFAF-F744-4001-ABF3-5E8A4958592B}" dt="2025-07-05T17:17:09.004" v="2580" actId="21"/>
+          <ac:spMkLst>
+            <pc:docMk/>
+            <pc:sldMk cId="2370713982" sldId="258"/>
+            <ac:spMk id="344" creationId="{CC497459-D1DC-EE9A-EE1D-815F28D2818C}"/>
+          </ac:spMkLst>
+        </pc:spChg>
+        <pc:spChg chg="add del mod">
+          <ac:chgData name="Fatima Pillosu" userId="a6295d4dc9e22643" providerId="LiveId" clId="{0478CFAF-F744-4001-ABF3-5E8A4958592B}" dt="2025-07-05T17:17:09.004" v="2580" actId="21"/>
+          <ac:spMkLst>
+            <pc:docMk/>
+            <pc:sldMk cId="2370713982" sldId="258"/>
+            <ac:spMk id="345" creationId="{8A74094E-C336-74AA-E520-6856C354301A}"/>
+          </ac:spMkLst>
+        </pc:spChg>
+        <pc:spChg chg="add del mod">
+          <ac:chgData name="Fatima Pillosu" userId="a6295d4dc9e22643" providerId="LiveId" clId="{0478CFAF-F744-4001-ABF3-5E8A4958592B}" dt="2025-07-05T17:17:09.004" v="2580" actId="21"/>
+          <ac:spMkLst>
+            <pc:docMk/>
+            <pc:sldMk cId="2370713982" sldId="258"/>
+            <ac:spMk id="346" creationId="{10B23706-9C8A-69A2-B423-B2EEB1C4D06D}"/>
+          </ac:spMkLst>
+        </pc:spChg>
+        <pc:spChg chg="add del mod">
+          <ac:chgData name="Fatima Pillosu" userId="a6295d4dc9e22643" providerId="LiveId" clId="{0478CFAF-F744-4001-ABF3-5E8A4958592B}" dt="2025-07-05T17:17:09.004" v="2580" actId="21"/>
+          <ac:spMkLst>
+            <pc:docMk/>
+            <pc:sldMk cId="2370713982" sldId="258"/>
+            <ac:spMk id="347" creationId="{14A7D952-0782-7271-7F2A-BC6BC775B542}"/>
+          </ac:spMkLst>
+        </pc:spChg>
+        <pc:spChg chg="add del mod">
+          <ac:chgData name="Fatima Pillosu" userId="a6295d4dc9e22643" providerId="LiveId" clId="{0478CFAF-F744-4001-ABF3-5E8A4958592B}" dt="2025-07-05T17:17:09.004" v="2580" actId="21"/>
+          <ac:spMkLst>
+            <pc:docMk/>
+            <pc:sldMk cId="2370713982" sldId="258"/>
+            <ac:spMk id="348" creationId="{06432789-ABB4-135D-C8F1-01F8D760F247}"/>
+          </ac:spMkLst>
+        </pc:spChg>
+        <pc:spChg chg="add del mod">
+          <ac:chgData name="Fatima Pillosu" userId="a6295d4dc9e22643" providerId="LiveId" clId="{0478CFAF-F744-4001-ABF3-5E8A4958592B}" dt="2025-07-05T17:17:09.004" v="2580" actId="21"/>
+          <ac:spMkLst>
+            <pc:docMk/>
+            <pc:sldMk cId="2370713982" sldId="258"/>
+            <ac:spMk id="349" creationId="{C5603496-23AC-2551-E5E0-BDF8C60E9816}"/>
+          </ac:spMkLst>
+        </pc:spChg>
+        <pc:spChg chg="add del mod">
+          <ac:chgData name="Fatima Pillosu" userId="a6295d4dc9e22643" providerId="LiveId" clId="{0478CFAF-F744-4001-ABF3-5E8A4958592B}" dt="2025-07-05T17:17:09.004" v="2580" actId="21"/>
+          <ac:spMkLst>
+            <pc:docMk/>
+            <pc:sldMk cId="2370713982" sldId="258"/>
+            <ac:spMk id="350" creationId="{BD4FCEEF-D9EE-3F9D-274E-A275AE7207AC}"/>
+          </ac:spMkLst>
+        </pc:spChg>
+        <pc:spChg chg="add del mod">
+          <ac:chgData name="Fatima Pillosu" userId="a6295d4dc9e22643" providerId="LiveId" clId="{0478CFAF-F744-4001-ABF3-5E8A4958592B}" dt="2025-07-05T17:17:09.004" v="2580" actId="21"/>
+          <ac:spMkLst>
+            <pc:docMk/>
+            <pc:sldMk cId="2370713982" sldId="258"/>
+            <ac:spMk id="352" creationId="{54B4C05C-53AB-88AD-E871-B8862B4F61D3}"/>
+          </ac:spMkLst>
+        </pc:spChg>
+        <pc:spChg chg="add del mod">
+          <ac:chgData name="Fatima Pillosu" userId="a6295d4dc9e22643" providerId="LiveId" clId="{0478CFAF-F744-4001-ABF3-5E8A4958592B}" dt="2025-07-05T17:17:09.004" v="2580" actId="21"/>
+          <ac:spMkLst>
+            <pc:docMk/>
+            <pc:sldMk cId="2370713982" sldId="258"/>
+            <ac:spMk id="353" creationId="{6EE46427-6BDE-882E-3A72-3DF2ED872F0A}"/>
+          </ac:spMkLst>
+        </pc:spChg>
+        <pc:spChg chg="add del mod">
+          <ac:chgData name="Fatima Pillosu" userId="a6295d4dc9e22643" providerId="LiveId" clId="{0478CFAF-F744-4001-ABF3-5E8A4958592B}" dt="2025-07-05T17:17:09.004" v="2580" actId="21"/>
+          <ac:spMkLst>
+            <pc:docMk/>
+            <pc:sldMk cId="2370713982" sldId="258"/>
+            <ac:spMk id="354" creationId="{0BBE180E-9D2D-A30D-B94E-AB6240A4F89E}"/>
+          </ac:spMkLst>
+        </pc:spChg>
+        <pc:spChg chg="add del mod">
+          <ac:chgData name="Fatima Pillosu" userId="a6295d4dc9e22643" providerId="LiveId" clId="{0478CFAF-F744-4001-ABF3-5E8A4958592B}" dt="2025-07-05T17:17:09.004" v="2580" actId="21"/>
+          <ac:spMkLst>
+            <pc:docMk/>
+            <pc:sldMk cId="2370713982" sldId="258"/>
+            <ac:spMk id="355" creationId="{27B7D5CF-81CA-4EAF-61FB-FBDB71CAE40F}"/>
+          </ac:spMkLst>
+        </pc:spChg>
+        <pc:spChg chg="add del mod">
+          <ac:chgData name="Fatima Pillosu" userId="a6295d4dc9e22643" providerId="LiveId" clId="{0478CFAF-F744-4001-ABF3-5E8A4958592B}" dt="2025-07-05T17:17:09.004" v="2580" actId="21"/>
+          <ac:spMkLst>
+            <pc:docMk/>
+            <pc:sldMk cId="2370713982" sldId="258"/>
+            <ac:spMk id="356" creationId="{78B6A93C-975D-F2FB-2429-F211CE81F035}"/>
+          </ac:spMkLst>
+        </pc:spChg>
+        <pc:spChg chg="add del mod">
+          <ac:chgData name="Fatima Pillosu" userId="a6295d4dc9e22643" providerId="LiveId" clId="{0478CFAF-F744-4001-ABF3-5E8A4958592B}" dt="2025-07-05T17:17:09.004" v="2580" actId="21"/>
+          <ac:spMkLst>
+            <pc:docMk/>
+            <pc:sldMk cId="2370713982" sldId="258"/>
+            <ac:spMk id="358" creationId="{A6BD9B84-7D11-E6C4-714D-168348DA6A59}"/>
+          </ac:spMkLst>
+        </pc:spChg>
+        <pc:spChg chg="add mod">
+          <ac:chgData name="Fatima Pillosu" userId="a6295d4dc9e22643" providerId="LiveId" clId="{0478CFAF-F744-4001-ABF3-5E8A4958592B}" dt="2025-07-05T17:17:58.193" v="2608" actId="1036"/>
+          <ac:spMkLst>
+            <pc:docMk/>
+            <pc:sldMk cId="2370713982" sldId="258"/>
+            <ac:spMk id="367" creationId="{37757665-AC28-C2D7-9288-A4F262BEDCA5}"/>
+          </ac:spMkLst>
+        </pc:spChg>
+        <pc:spChg chg="add mod">
+          <ac:chgData name="Fatima Pillosu" userId="a6295d4dc9e22643" providerId="LiveId" clId="{0478CFAF-F744-4001-ABF3-5E8A4958592B}" dt="2025-07-05T17:17:17.389" v="2581"/>
+          <ac:spMkLst>
+            <pc:docMk/>
+            <pc:sldMk cId="2370713982" sldId="258"/>
+            <ac:spMk id="368" creationId="{6E3975A0-04BD-A32C-5C8E-87D363BCBF43}"/>
+          </ac:spMkLst>
+        </pc:spChg>
+        <pc:spChg chg="add mod">
+          <ac:chgData name="Fatima Pillosu" userId="a6295d4dc9e22643" providerId="LiveId" clId="{0478CFAF-F744-4001-ABF3-5E8A4958592B}" dt="2025-07-05T17:17:17.389" v="2581"/>
+          <ac:spMkLst>
+            <pc:docMk/>
+            <pc:sldMk cId="2370713982" sldId="258"/>
+            <ac:spMk id="369" creationId="{EC3C4672-BBD3-831C-7CA8-0C6A492C9F9C}"/>
+          </ac:spMkLst>
+        </pc:spChg>
+        <pc:spChg chg="add mod">
+          <ac:chgData name="Fatima Pillosu" userId="a6295d4dc9e22643" providerId="LiveId" clId="{0478CFAF-F744-4001-ABF3-5E8A4958592B}" dt="2025-07-05T17:17:58.193" v="2608" actId="1036"/>
+          <ac:spMkLst>
+            <pc:docMk/>
+            <pc:sldMk cId="2370713982" sldId="258"/>
+            <ac:spMk id="371" creationId="{66347620-DBE3-A5F5-F8A3-7C2F7C6EBDE6}"/>
+          </ac:spMkLst>
+        </pc:spChg>
+        <pc:spChg chg="add mod">
+          <ac:chgData name="Fatima Pillosu" userId="a6295d4dc9e22643" providerId="LiveId" clId="{0478CFAF-F744-4001-ABF3-5E8A4958592B}" dt="2025-07-05T17:17:58.193" v="2608" actId="1036"/>
+          <ac:spMkLst>
+            <pc:docMk/>
+            <pc:sldMk cId="2370713982" sldId="258"/>
+            <ac:spMk id="372" creationId="{4DC959A9-7C89-6A9D-8C2C-4CCD3B47ECC5}"/>
+          </ac:spMkLst>
+        </pc:spChg>
+        <pc:spChg chg="add mod">
+          <ac:chgData name="Fatima Pillosu" userId="a6295d4dc9e22643" providerId="LiveId" clId="{0478CFAF-F744-4001-ABF3-5E8A4958592B}" dt="2025-07-05T17:17:58.193" v="2608" actId="1036"/>
+          <ac:spMkLst>
+            <pc:docMk/>
+            <pc:sldMk cId="2370713982" sldId="258"/>
+            <ac:spMk id="376" creationId="{1A0731B8-37BC-29FF-5EFB-3505DFCBB060}"/>
+          </ac:spMkLst>
+        </pc:spChg>
+        <pc:spChg chg="add mod">
+          <ac:chgData name="Fatima Pillosu" userId="a6295d4dc9e22643" providerId="LiveId" clId="{0478CFAF-F744-4001-ABF3-5E8A4958592B}" dt="2025-07-05T17:17:58.193" v="2608" actId="1036"/>
+          <ac:spMkLst>
+            <pc:docMk/>
+            <pc:sldMk cId="2370713982" sldId="258"/>
+            <ac:spMk id="377" creationId="{5382C8C2-6F3C-50EB-0A51-B5F6DC1665D1}"/>
+          </ac:spMkLst>
+        </pc:spChg>
+        <pc:spChg chg="add mod">
+          <ac:chgData name="Fatima Pillosu" userId="a6295d4dc9e22643" providerId="LiveId" clId="{0478CFAF-F744-4001-ABF3-5E8A4958592B}" dt="2025-07-05T17:17:58.193" v="2608" actId="1036"/>
+          <ac:spMkLst>
+            <pc:docMk/>
+            <pc:sldMk cId="2370713982" sldId="258"/>
+            <ac:spMk id="378" creationId="{AFE3A951-104C-CEDE-A21D-544D4B214711}"/>
+          </ac:spMkLst>
+        </pc:spChg>
+        <pc:spChg chg="add mod">
+          <ac:chgData name="Fatima Pillosu" userId="a6295d4dc9e22643" providerId="LiveId" clId="{0478CFAF-F744-4001-ABF3-5E8A4958592B}" dt="2025-07-05T17:17:58.193" v="2608" actId="1036"/>
+          <ac:spMkLst>
+            <pc:docMk/>
+            <pc:sldMk cId="2370713982" sldId="258"/>
+            <ac:spMk id="379" creationId="{F81123FD-1880-7B13-64BB-A61B32D6C3FC}"/>
+          </ac:spMkLst>
+        </pc:spChg>
+        <pc:spChg chg="add mod">
+          <ac:chgData name="Fatima Pillosu" userId="a6295d4dc9e22643" providerId="LiveId" clId="{0478CFAF-F744-4001-ABF3-5E8A4958592B}" dt="2025-07-05T17:17:58.193" v="2608" actId="1036"/>
+          <ac:spMkLst>
+            <pc:docMk/>
+            <pc:sldMk cId="2370713982" sldId="258"/>
+            <ac:spMk id="380" creationId="{68F25C0E-89BD-9175-A93B-76E013FBF0DD}"/>
+          </ac:spMkLst>
+        </pc:spChg>
+        <pc:spChg chg="add mod">
+          <ac:chgData name="Fatima Pillosu" userId="a6295d4dc9e22643" providerId="LiveId" clId="{0478CFAF-F744-4001-ABF3-5E8A4958592B}" dt="2025-07-05T17:17:58.193" v="2608" actId="1036"/>
+          <ac:spMkLst>
+            <pc:docMk/>
+            <pc:sldMk cId="2370713982" sldId="258"/>
+            <ac:spMk id="381" creationId="{96248778-630E-7601-4FAE-FF9CFCDF1B42}"/>
+          </ac:spMkLst>
+        </pc:spChg>
+        <pc:spChg chg="add mod">
+          <ac:chgData name="Fatima Pillosu" userId="a6295d4dc9e22643" providerId="LiveId" clId="{0478CFAF-F744-4001-ABF3-5E8A4958592B}" dt="2025-07-05T17:17:58.193" v="2608" actId="1036"/>
+          <ac:spMkLst>
+            <pc:docMk/>
+            <pc:sldMk cId="2370713982" sldId="258"/>
+            <ac:spMk id="382" creationId="{9CADC630-E44A-1A89-9FDE-8EDA7123B19C}"/>
+          </ac:spMkLst>
+        </pc:spChg>
+        <pc:spChg chg="add mod">
+          <ac:chgData name="Fatima Pillosu" userId="a6295d4dc9e22643" providerId="LiveId" clId="{0478CFAF-F744-4001-ABF3-5E8A4958592B}" dt="2025-07-05T17:17:58.193" v="2608" actId="1036"/>
+          <ac:spMkLst>
+            <pc:docMk/>
+            <pc:sldMk cId="2370713982" sldId="258"/>
+            <ac:spMk id="383" creationId="{EAF3C8BC-9003-987C-E4A9-44A032A5528E}"/>
+          </ac:spMkLst>
+        </pc:spChg>
+        <pc:spChg chg="add mod">
+          <ac:chgData name="Fatima Pillosu" userId="a6295d4dc9e22643" providerId="LiveId" clId="{0478CFAF-F744-4001-ABF3-5E8A4958592B}" dt="2025-07-05T17:17:58.193" v="2608" actId="1036"/>
+          <ac:spMkLst>
+            <pc:docMk/>
+            <pc:sldMk cId="2370713982" sldId="258"/>
+            <ac:spMk id="384" creationId="{28B436EB-88AE-9EF3-EB76-64B6D1FB6EEB}"/>
+          </ac:spMkLst>
+        </pc:spChg>
+        <pc:spChg chg="add mod">
+          <ac:chgData name="Fatima Pillosu" userId="a6295d4dc9e22643" providerId="LiveId" clId="{0478CFAF-F744-4001-ABF3-5E8A4958592B}" dt="2025-07-05T17:17:58.193" v="2608" actId="1036"/>
+          <ac:spMkLst>
+            <pc:docMk/>
+            <pc:sldMk cId="2370713982" sldId="258"/>
+            <ac:spMk id="385" creationId="{F27C24D0-AB2A-41DB-6171-C0B6ED9E9A68}"/>
+          </ac:spMkLst>
+        </pc:spChg>
+        <pc:spChg chg="add mod">
+          <ac:chgData name="Fatima Pillosu" userId="a6295d4dc9e22643" providerId="LiveId" clId="{0478CFAF-F744-4001-ABF3-5E8A4958592B}" dt="2025-07-05T17:17:58.193" v="2608" actId="1036"/>
+          <ac:spMkLst>
+            <pc:docMk/>
+            <pc:sldMk cId="2370713982" sldId="258"/>
+            <ac:spMk id="386" creationId="{41C377DF-3C36-42E1-684D-12BC83DB59C3}"/>
+          </ac:spMkLst>
+        </pc:spChg>
+        <pc:spChg chg="add mod">
+          <ac:chgData name="Fatima Pillosu" userId="a6295d4dc9e22643" providerId="LiveId" clId="{0478CFAF-F744-4001-ABF3-5E8A4958592B}" dt="2025-07-05T17:17:58.193" v="2608" actId="1036"/>
+          <ac:spMkLst>
+            <pc:docMk/>
+            <pc:sldMk cId="2370713982" sldId="258"/>
+            <ac:spMk id="387" creationId="{2CFA74E3-D91E-2C27-4A99-D3D1A111919C}"/>
+          </ac:spMkLst>
+        </pc:spChg>
+        <pc:spChg chg="add mod">
+          <ac:chgData name="Fatima Pillosu" userId="a6295d4dc9e22643" providerId="LiveId" clId="{0478CFAF-F744-4001-ABF3-5E8A4958592B}" dt="2025-07-05T17:17:58.193" v="2608" actId="1036"/>
+          <ac:spMkLst>
+            <pc:docMk/>
+            <pc:sldMk cId="2370713982" sldId="258"/>
+            <ac:spMk id="388" creationId="{CC497459-D1DC-EE9A-EE1D-815F28D2818C}"/>
+          </ac:spMkLst>
+        </pc:spChg>
+        <pc:spChg chg="add mod">
+          <ac:chgData name="Fatima Pillosu" userId="a6295d4dc9e22643" providerId="LiveId" clId="{0478CFAF-F744-4001-ABF3-5E8A4958592B}" dt="2025-07-05T17:17:58.193" v="2608" actId="1036"/>
+          <ac:spMkLst>
+            <pc:docMk/>
+            <pc:sldMk cId="2370713982" sldId="258"/>
+            <ac:spMk id="389" creationId="{8A74094E-C336-74AA-E520-6856C354301A}"/>
+          </ac:spMkLst>
+        </pc:spChg>
+        <pc:spChg chg="add mod">
+          <ac:chgData name="Fatima Pillosu" userId="a6295d4dc9e22643" providerId="LiveId" clId="{0478CFAF-F744-4001-ABF3-5E8A4958592B}" dt="2025-07-05T17:17:58.193" v="2608" actId="1036"/>
+          <ac:spMkLst>
+            <pc:docMk/>
+            <pc:sldMk cId="2370713982" sldId="258"/>
+            <ac:spMk id="390" creationId="{10B23706-9C8A-69A2-B423-B2EEB1C4D06D}"/>
+          </ac:spMkLst>
+        </pc:spChg>
+        <pc:spChg chg="add mod">
+          <ac:chgData name="Fatima Pillosu" userId="a6295d4dc9e22643" providerId="LiveId" clId="{0478CFAF-F744-4001-ABF3-5E8A4958592B}" dt="2025-07-05T17:17:58.193" v="2608" actId="1036"/>
+          <ac:spMkLst>
+            <pc:docMk/>
+            <pc:sldMk cId="2370713982" sldId="258"/>
+            <ac:spMk id="391" creationId="{14A7D952-0782-7271-7F2A-BC6BC775B542}"/>
+          </ac:spMkLst>
+        </pc:spChg>
+        <pc:spChg chg="add mod">
+          <ac:chgData name="Fatima Pillosu" userId="a6295d4dc9e22643" providerId="LiveId" clId="{0478CFAF-F744-4001-ABF3-5E8A4958592B}" dt="2025-07-05T17:17:58.193" v="2608" actId="1036"/>
+          <ac:spMkLst>
+            <pc:docMk/>
+            <pc:sldMk cId="2370713982" sldId="258"/>
+            <ac:spMk id="392" creationId="{06432789-ABB4-135D-C8F1-01F8D760F247}"/>
+          </ac:spMkLst>
+        </pc:spChg>
+        <pc:spChg chg="add mod">
+          <ac:chgData name="Fatima Pillosu" userId="a6295d4dc9e22643" providerId="LiveId" clId="{0478CFAF-F744-4001-ABF3-5E8A4958592B}" dt="2025-07-05T17:17:58.193" v="2608" actId="1036"/>
+          <ac:spMkLst>
+            <pc:docMk/>
+            <pc:sldMk cId="2370713982" sldId="258"/>
+            <ac:spMk id="393" creationId="{C5603496-23AC-2551-E5E0-BDF8C60E9816}"/>
+          </ac:spMkLst>
+        </pc:spChg>
+        <pc:spChg chg="add mod">
+          <ac:chgData name="Fatima Pillosu" userId="a6295d4dc9e22643" providerId="LiveId" clId="{0478CFAF-F744-4001-ABF3-5E8A4958592B}" dt="2025-07-05T17:17:58.193" v="2608" actId="1036"/>
+          <ac:spMkLst>
+            <pc:docMk/>
+            <pc:sldMk cId="2370713982" sldId="258"/>
+            <ac:spMk id="394" creationId="{BD4FCEEF-D9EE-3F9D-274E-A275AE7207AC}"/>
+          </ac:spMkLst>
+        </pc:spChg>
+        <pc:spChg chg="add mod">
+          <ac:chgData name="Fatima Pillosu" userId="a6295d4dc9e22643" providerId="LiveId" clId="{0478CFAF-F744-4001-ABF3-5E8A4958592B}" dt="2025-07-05T17:17:58.193" v="2608" actId="1036"/>
+          <ac:spMkLst>
+            <pc:docMk/>
+            <pc:sldMk cId="2370713982" sldId="258"/>
+            <ac:spMk id="396" creationId="{54B4C05C-53AB-88AD-E871-B8862B4F61D3}"/>
+          </ac:spMkLst>
+        </pc:spChg>
+        <pc:spChg chg="add mod">
+          <ac:chgData name="Fatima Pillosu" userId="a6295d4dc9e22643" providerId="LiveId" clId="{0478CFAF-F744-4001-ABF3-5E8A4958592B}" dt="2025-07-05T17:17:58.193" v="2608" actId="1036"/>
+          <ac:spMkLst>
+            <pc:docMk/>
+            <pc:sldMk cId="2370713982" sldId="258"/>
+            <ac:spMk id="397" creationId="{6EE46427-6BDE-882E-3A72-3DF2ED872F0A}"/>
+          </ac:spMkLst>
+        </pc:spChg>
+        <pc:spChg chg="add mod">
+          <ac:chgData name="Fatima Pillosu" userId="a6295d4dc9e22643" providerId="LiveId" clId="{0478CFAF-F744-4001-ABF3-5E8A4958592B}" dt="2025-07-05T17:17:58.193" v="2608" actId="1036"/>
+          <ac:spMkLst>
+            <pc:docMk/>
+            <pc:sldMk cId="2370713982" sldId="258"/>
+            <ac:spMk id="398" creationId="{0BBE180E-9D2D-A30D-B94E-AB6240A4F89E}"/>
+          </ac:spMkLst>
+        </pc:spChg>
+        <pc:spChg chg="add mod">
+          <ac:chgData name="Fatima Pillosu" userId="a6295d4dc9e22643" providerId="LiveId" clId="{0478CFAF-F744-4001-ABF3-5E8A4958592B}" dt="2025-07-05T17:17:58.193" v="2608" actId="1036"/>
+          <ac:spMkLst>
+            <pc:docMk/>
+            <pc:sldMk cId="2370713982" sldId="258"/>
+            <ac:spMk id="399" creationId="{27B7D5CF-81CA-4EAF-61FB-FBDB71CAE40F}"/>
+          </ac:spMkLst>
+        </pc:spChg>
+        <pc:spChg chg="add mod">
+          <ac:chgData name="Fatima Pillosu" userId="a6295d4dc9e22643" providerId="LiveId" clId="{0478CFAF-F744-4001-ABF3-5E8A4958592B}" dt="2025-07-05T17:17:58.193" v="2608" actId="1036"/>
+          <ac:spMkLst>
+            <pc:docMk/>
+            <pc:sldMk cId="2370713982" sldId="258"/>
+            <ac:spMk id="400" creationId="{78B6A93C-975D-F2FB-2429-F211CE81F035}"/>
+          </ac:spMkLst>
+        </pc:spChg>
+        <pc:spChg chg="add mod">
+          <ac:chgData name="Fatima Pillosu" userId="a6295d4dc9e22643" providerId="LiveId" clId="{0478CFAF-F744-4001-ABF3-5E8A4958592B}" dt="2025-07-05T17:17:58.193" v="2608" actId="1036"/>
+          <ac:spMkLst>
+            <pc:docMk/>
+            <pc:sldMk cId="2370713982" sldId="258"/>
+            <ac:spMk id="402" creationId="{A6BD9B84-7D11-E6C4-714D-168348DA6A59}"/>
+          </ac:spMkLst>
+        </pc:spChg>
+        <pc:picChg chg="add del mod">
+          <ac:chgData name="Fatima Pillosu" userId="a6295d4dc9e22643" providerId="LiveId" clId="{0478CFAF-F744-4001-ABF3-5E8A4958592B}" dt="2025-07-05T16:36:59.453" v="1694" actId="478"/>
+          <ac:picMkLst>
+            <pc:docMk/>
+            <pc:sldMk cId="2370713982" sldId="258"/>
+            <ac:picMk id="2" creationId="{E12FF310-2553-6488-2734-2276398F73B5}"/>
+          </ac:picMkLst>
+        </pc:picChg>
+        <pc:picChg chg="add del mod">
+          <ac:chgData name="Fatima Pillosu" userId="a6295d4dc9e22643" providerId="LiveId" clId="{0478CFAF-F744-4001-ABF3-5E8A4958592B}" dt="2025-07-05T16:40:32.927" v="1802" actId="478"/>
           <ac:picMkLst>
             <pc:docMk/>
             <pc:sldMk cId="2370713982" sldId="258"/>
             <ac:picMk id="15" creationId="{E97DB556-868B-EC99-E5AE-818CEEC67257}"/>
           </ac:picMkLst>
         </pc:picChg>
-        <pc:picChg chg="add mod">
-          <ac:chgData name="Fatima Pillosu" userId="a6295d4dc9e22643" providerId="LiveId" clId="{0478CFAF-F744-4001-ABF3-5E8A4958592B}" dt="2025-07-05T15:13:08.339" v="536" actId="1036"/>
+        <pc:picChg chg="add del mod">
+          <ac:chgData name="Fatima Pillosu" userId="a6295d4dc9e22643" providerId="LiveId" clId="{0478CFAF-F744-4001-ABF3-5E8A4958592B}" dt="2025-07-05T16:23:44.185" v="1317" actId="478"/>
           <ac:picMkLst>
             <pc:docMk/>
             <pc:sldMk cId="2370713982" sldId="258"/>
             <ac:picMk id="23" creationId="{6A5460AA-4519-4CF9-A5F0-33FE5FD31A96}"/>
           </ac:picMkLst>
         </pc:picChg>
+        <pc:picChg chg="add del mod">
+          <ac:chgData name="Fatima Pillosu" userId="a6295d4dc9e22643" providerId="LiveId" clId="{0478CFAF-F744-4001-ABF3-5E8A4958592B}" dt="2025-07-05T16:27:15.462" v="1429" actId="478"/>
+          <ac:picMkLst>
+            <pc:docMk/>
+            <pc:sldMk cId="2370713982" sldId="258"/>
+            <ac:picMk id="47" creationId="{682317A1-2BB1-8278-722B-8CE350ED4201}"/>
+          </ac:picMkLst>
+        </pc:picChg>
+        <pc:picChg chg="add del mod">
+          <ac:chgData name="Fatima Pillosu" userId="a6295d4dc9e22643" providerId="LiveId" clId="{0478CFAF-F744-4001-ABF3-5E8A4958592B}" dt="2025-07-05T17:16:51.266" v="2578" actId="21"/>
+          <ac:picMkLst>
+            <pc:docMk/>
+            <pc:sldMk cId="2370713982" sldId="258"/>
+            <ac:picMk id="60" creationId="{4943A585-56F4-BE8B-C666-8836FD94BB13}"/>
+          </ac:picMkLst>
+        </pc:picChg>
         <pc:picChg chg="add mod">
-          <ac:chgData name="Fatima Pillosu" userId="a6295d4dc9e22643" providerId="LiveId" clId="{0478CFAF-F744-4001-ABF3-5E8A4958592B}" dt="2025-07-05T15:13:08.339" v="536" actId="1036"/>
+          <ac:chgData name="Fatima Pillosu" userId="a6295d4dc9e22643" providerId="LiveId" clId="{0478CFAF-F744-4001-ABF3-5E8A4958592B}" dt="2025-07-05T16:37:00.957" v="1695"/>
           <ac:picMkLst>
             <pc:docMk/>
             <pc:sldMk cId="2370713982" sldId="258"/>
-            <ac:picMk id="47" creationId="{682317A1-2BB1-8278-722B-8CE350ED4201}"/>
+            <ac:picMk id="121" creationId="{096F2C00-C9FA-3A7B-BA82-5CF2BEBDFEF4}"/>
+          </ac:picMkLst>
+        </pc:picChg>
+        <pc:picChg chg="add mod">
+          <ac:chgData name="Fatima Pillosu" userId="a6295d4dc9e22643" providerId="LiveId" clId="{0478CFAF-F744-4001-ABF3-5E8A4958592B}" dt="2025-07-05T16:37:00.957" v="1695"/>
+          <ac:picMkLst>
+            <pc:docMk/>
+            <pc:sldMk cId="2370713982" sldId="258"/>
+            <ac:picMk id="125" creationId="{40185CBA-334C-2E38-20B3-BE685ABCDA59}"/>
+          </ac:picMkLst>
+        </pc:picChg>
+        <pc:picChg chg="add mod">
+          <ac:chgData name="Fatima Pillosu" userId="a6295d4dc9e22643" providerId="LiveId" clId="{0478CFAF-F744-4001-ABF3-5E8A4958592B}" dt="2025-07-05T16:37:00.957" v="1695"/>
+          <ac:picMkLst>
+            <pc:docMk/>
+            <pc:sldMk cId="2370713982" sldId="258"/>
+            <ac:picMk id="135" creationId="{1F085759-05C6-7D03-BE4F-AB6E6FDD901F}"/>
+          </ac:picMkLst>
+        </pc:picChg>
+        <pc:picChg chg="add del mod">
+          <ac:chgData name="Fatima Pillosu" userId="a6295d4dc9e22643" providerId="LiveId" clId="{0478CFAF-F744-4001-ABF3-5E8A4958592B}" dt="2025-07-05T16:40:27.384" v="1799" actId="478"/>
+          <ac:picMkLst>
+            <pc:docMk/>
+            <pc:sldMk cId="2370713982" sldId="258"/>
+            <ac:picMk id="140" creationId="{B6FCA2B6-7586-2311-7933-AF50F8B9F0BB}"/>
           </ac:picMkLst>
         </pc:picChg>
         <pc:picChg chg="del">
@@ -6516,12 +9027,132 @@
             <ac:picMk id="190" creationId="{6A5460AA-4519-4CF9-A5F0-33FE5FD31A96}"/>
           </ac:picMkLst>
         </pc:picChg>
+        <pc:picChg chg="add mod">
+          <ac:chgData name="Fatima Pillosu" userId="a6295d4dc9e22643" providerId="LiveId" clId="{0478CFAF-F744-4001-ABF3-5E8A4958592B}" dt="2025-07-05T16:40:33.874" v="1803"/>
+          <ac:picMkLst>
+            <pc:docMk/>
+            <pc:sldMk cId="2370713982" sldId="258"/>
+            <ac:picMk id="199" creationId="{AAC10381-F207-6675-FC44-1AB63434DAFE}"/>
+          </ac:picMkLst>
+        </pc:picChg>
+        <pc:picChg chg="add mod">
+          <ac:chgData name="Fatima Pillosu" userId="a6295d4dc9e22643" providerId="LiveId" clId="{0478CFAF-F744-4001-ABF3-5E8A4958592B}" dt="2025-07-05T16:40:33.874" v="1803"/>
+          <ac:picMkLst>
+            <pc:docMk/>
+            <pc:sldMk cId="2370713982" sldId="258"/>
+            <ac:picMk id="203" creationId="{0D8CAA98-7472-A448-B635-B0CF2EC8EF5F}"/>
+          </ac:picMkLst>
+        </pc:picChg>
+        <pc:picChg chg="add mod">
+          <ac:chgData name="Fatima Pillosu" userId="a6295d4dc9e22643" providerId="LiveId" clId="{0478CFAF-F744-4001-ABF3-5E8A4958592B}" dt="2025-07-05T16:40:33.874" v="1803"/>
+          <ac:picMkLst>
+            <pc:docMk/>
+            <pc:sldMk cId="2370713982" sldId="258"/>
+            <ac:picMk id="213" creationId="{B6084B2B-9B29-07BF-58AA-C5C645122505}"/>
+          </ac:picMkLst>
+        </pc:picChg>
         <pc:picChg chg="del">
           <ac:chgData name="Fatima Pillosu" userId="a6295d4dc9e22643" providerId="LiveId" clId="{0478CFAF-F744-4001-ABF3-5E8A4958592B}" dt="2025-07-03T10:13:29.318" v="498" actId="21"/>
           <ac:picMkLst>
             <pc:docMk/>
             <pc:sldMk cId="2370713982" sldId="258"/>
             <ac:picMk id="214" creationId="{682317A1-2BB1-8278-722B-8CE350ED4201}"/>
+          </ac:picMkLst>
+        </pc:picChg>
+        <pc:picChg chg="add mod">
+          <ac:chgData name="Fatima Pillosu" userId="a6295d4dc9e22643" providerId="LiveId" clId="{0478CFAF-F744-4001-ABF3-5E8A4958592B}" dt="2025-07-05T16:40:33.874" v="1803"/>
+          <ac:picMkLst>
+            <pc:docMk/>
+            <pc:sldMk cId="2370713982" sldId="258"/>
+            <ac:picMk id="218" creationId="{33EA38C7-C57D-58BA-DB6D-B4C439F265E3}"/>
+          </ac:picMkLst>
+        </pc:picChg>
+        <pc:picChg chg="add del mod">
+          <ac:chgData name="Fatima Pillosu" userId="a6295d4dc9e22643" providerId="LiveId" clId="{0478CFAF-F744-4001-ABF3-5E8A4958592B}" dt="2025-07-05T16:59:59.994" v="2258" actId="478"/>
+          <ac:picMkLst>
+            <pc:docMk/>
+            <pc:sldMk cId="2370713982" sldId="258"/>
+            <ac:picMk id="219" creationId="{95D6656D-4199-3C5B-A441-F15003741C67}"/>
+          </ac:picMkLst>
+        </pc:picChg>
+        <pc:picChg chg="add mod">
+          <ac:chgData name="Fatima Pillosu" userId="a6295d4dc9e22643" providerId="LiveId" clId="{0478CFAF-F744-4001-ABF3-5E8A4958592B}" dt="2025-07-05T17:00:02.260" v="2259"/>
+          <ac:picMkLst>
+            <pc:docMk/>
+            <pc:sldMk cId="2370713982" sldId="258"/>
+            <ac:picMk id="288" creationId="{52AB5E86-C5F0-1689-9BCA-B76B041AB7F5}"/>
+          </ac:picMkLst>
+        </pc:picChg>
+        <pc:picChg chg="add mod">
+          <ac:chgData name="Fatima Pillosu" userId="a6295d4dc9e22643" providerId="LiveId" clId="{0478CFAF-F744-4001-ABF3-5E8A4958592B}" dt="2025-07-05T17:00:02.260" v="2259"/>
+          <ac:picMkLst>
+            <pc:docMk/>
+            <pc:sldMk cId="2370713982" sldId="258"/>
+            <ac:picMk id="292" creationId="{4AE0AB3E-5F29-D91F-2EB9-4515B1223181}"/>
+          </ac:picMkLst>
+        </pc:picChg>
+        <pc:picChg chg="add mod">
+          <ac:chgData name="Fatima Pillosu" userId="a6295d4dc9e22643" providerId="LiveId" clId="{0478CFAF-F744-4001-ABF3-5E8A4958592B}" dt="2025-07-05T17:00:02.260" v="2259"/>
+          <ac:picMkLst>
+            <pc:docMk/>
+            <pc:sldMk cId="2370713982" sldId="258"/>
+            <ac:picMk id="302" creationId="{FB5E59FD-7D76-BFB4-4178-1EE84A7485ED}"/>
+          </ac:picMkLst>
+        </pc:picChg>
+        <pc:picChg chg="add mod">
+          <ac:chgData name="Fatima Pillosu" userId="a6295d4dc9e22643" providerId="LiveId" clId="{0478CFAF-F744-4001-ABF3-5E8A4958592B}" dt="2025-07-05T17:00:02.260" v="2259"/>
+          <ac:picMkLst>
+            <pc:docMk/>
+            <pc:sldMk cId="2370713982" sldId="258"/>
+            <ac:picMk id="307" creationId="{A40B800C-BBE7-0CD4-2F82-0531365A0B1D}"/>
+          </ac:picMkLst>
+        </pc:picChg>
+        <pc:picChg chg="add del mod">
+          <ac:chgData name="Fatima Pillosu" userId="a6295d4dc9e22643" providerId="LiveId" clId="{0478CFAF-F744-4001-ABF3-5E8A4958592B}" dt="2025-07-05T17:00:33.197" v="2273" actId="478"/>
+          <ac:picMkLst>
+            <pc:docMk/>
+            <pc:sldMk cId="2370713982" sldId="258"/>
+            <ac:picMk id="308" creationId="{20F42917-8EDD-BEA8-8991-E12ADCC0E561}"/>
+          </ac:picMkLst>
+        </pc:picChg>
+        <pc:picChg chg="add del mod">
+          <ac:chgData name="Fatima Pillosu" userId="a6295d4dc9e22643" providerId="LiveId" clId="{0478CFAF-F744-4001-ABF3-5E8A4958592B}" dt="2025-07-05T17:16:51.266" v="2578" actId="21"/>
+          <ac:picMkLst>
+            <pc:docMk/>
+            <pc:sldMk cId="2370713982" sldId="258"/>
+            <ac:picMk id="309" creationId="{52CA6A54-CC59-58A1-4074-7DA36EA27AEA}"/>
+          </ac:picMkLst>
+        </pc:picChg>
+        <pc:picChg chg="add del mod">
+          <ac:chgData name="Fatima Pillosu" userId="a6295d4dc9e22643" providerId="LiveId" clId="{0478CFAF-F744-4001-ABF3-5E8A4958592B}" dt="2025-07-05T17:17:09.004" v="2580" actId="21"/>
+          <ac:picMkLst>
+            <pc:docMk/>
+            <pc:sldMk cId="2370713982" sldId="258"/>
+            <ac:picMk id="357" creationId="{4943A585-56F4-BE8B-C666-8836FD94BB13}"/>
+          </ac:picMkLst>
+        </pc:picChg>
+        <pc:picChg chg="add del mod">
+          <ac:chgData name="Fatima Pillosu" userId="a6295d4dc9e22643" providerId="LiveId" clId="{0478CFAF-F744-4001-ABF3-5E8A4958592B}" dt="2025-07-05T17:17:09.004" v="2580" actId="21"/>
+          <ac:picMkLst>
+            <pc:docMk/>
+            <pc:sldMk cId="2370713982" sldId="258"/>
+            <ac:picMk id="360" creationId="{52CA6A54-CC59-58A1-4074-7DA36EA27AEA}"/>
+          </ac:picMkLst>
+        </pc:picChg>
+        <pc:picChg chg="add mod">
+          <ac:chgData name="Fatima Pillosu" userId="a6295d4dc9e22643" providerId="LiveId" clId="{0478CFAF-F744-4001-ABF3-5E8A4958592B}" dt="2025-07-05T17:17:58.193" v="2608" actId="1036"/>
+          <ac:picMkLst>
+            <pc:docMk/>
+            <pc:sldMk cId="2370713982" sldId="258"/>
+            <ac:picMk id="401" creationId="{4943A585-56F4-BE8B-C666-8836FD94BB13}"/>
+          </ac:picMkLst>
+        </pc:picChg>
+        <pc:picChg chg="add mod">
+          <ac:chgData name="Fatima Pillosu" userId="a6295d4dc9e22643" providerId="LiveId" clId="{0478CFAF-F744-4001-ABF3-5E8A4958592B}" dt="2025-07-05T17:18:02.779" v="2609" actId="14100"/>
+          <ac:picMkLst>
+            <pc:docMk/>
+            <pc:sldMk cId="2370713982" sldId="258"/>
+            <ac:picMk id="404" creationId="{52CA6A54-CC59-58A1-4074-7DA36EA27AEA}"/>
           </ac:picMkLst>
         </pc:picChg>
         <pc:cxnChg chg="add del mod">
@@ -6532,112 +9163,112 @@
             <ac:cxnSpMk id="2" creationId="{78FE547C-E0DD-A313-0B6C-3682E841EA64}"/>
           </ac:cxnSpMkLst>
         </pc:cxnChg>
-        <pc:cxnChg chg="add mod">
-          <ac:chgData name="Fatima Pillosu" userId="a6295d4dc9e22643" providerId="LiveId" clId="{0478CFAF-F744-4001-ABF3-5E8A4958592B}" dt="2025-07-05T15:13:08.339" v="536" actId="1036"/>
+        <pc:cxnChg chg="add del mod">
+          <ac:chgData name="Fatima Pillosu" userId="a6295d4dc9e22643" providerId="LiveId" clId="{0478CFAF-F744-4001-ABF3-5E8A4958592B}" dt="2025-07-05T17:16:51.266" v="2578" actId="21"/>
           <ac:cxnSpMkLst>
             <pc:docMk/>
             <pc:sldMk cId="2370713982" sldId="258"/>
             <ac:cxnSpMk id="7" creationId="{6B2B5BF2-676C-E1AE-BA62-2F7C9F6C9C70}"/>
           </ac:cxnSpMkLst>
         </pc:cxnChg>
-        <pc:cxnChg chg="add mod">
-          <ac:chgData name="Fatima Pillosu" userId="a6295d4dc9e22643" providerId="LiveId" clId="{0478CFAF-F744-4001-ABF3-5E8A4958592B}" dt="2025-07-05T15:15:02.171" v="665" actId="14100"/>
+        <pc:cxnChg chg="add del mod">
+          <ac:chgData name="Fatima Pillosu" userId="a6295d4dc9e22643" providerId="LiveId" clId="{0478CFAF-F744-4001-ABF3-5E8A4958592B}" dt="2025-07-05T17:16:51.266" v="2578" actId="21"/>
           <ac:cxnSpMkLst>
             <pc:docMk/>
             <pc:sldMk cId="2370713982" sldId="258"/>
             <ac:cxnSpMk id="8" creationId="{C03C5827-406F-B7CA-16D5-2D1C3286C854}"/>
           </ac:cxnSpMkLst>
         </pc:cxnChg>
-        <pc:cxnChg chg="add mod">
-          <ac:chgData name="Fatima Pillosu" userId="a6295d4dc9e22643" providerId="LiveId" clId="{0478CFAF-F744-4001-ABF3-5E8A4958592B}" dt="2025-07-05T15:15:08.516" v="666" actId="14100"/>
+        <pc:cxnChg chg="add del mod">
+          <ac:chgData name="Fatima Pillosu" userId="a6295d4dc9e22643" providerId="LiveId" clId="{0478CFAF-F744-4001-ABF3-5E8A4958592B}" dt="2025-07-05T17:15:24.821" v="2566" actId="478"/>
           <ac:cxnSpMkLst>
             <pc:docMk/>
             <pc:sldMk cId="2370713982" sldId="258"/>
             <ac:cxnSpMk id="10" creationId="{92F3CE2A-5F1A-1C78-2C29-5D73E908A641}"/>
           </ac:cxnSpMkLst>
         </pc:cxnChg>
-        <pc:cxnChg chg="add mod">
-          <ac:chgData name="Fatima Pillosu" userId="a6295d4dc9e22643" providerId="LiveId" clId="{0478CFAF-F744-4001-ABF3-5E8A4958592B}" dt="2025-07-05T15:23:05.357" v="1012" actId="14100"/>
+        <pc:cxnChg chg="add del mod">
+          <ac:chgData name="Fatima Pillosu" userId="a6295d4dc9e22643" providerId="LiveId" clId="{0478CFAF-F744-4001-ABF3-5E8A4958592B}" dt="2025-07-05T17:16:51.266" v="2578" actId="21"/>
           <ac:cxnSpMkLst>
             <pc:docMk/>
             <pc:sldMk cId="2370713982" sldId="258"/>
             <ac:cxnSpMk id="13" creationId="{7DC2AC43-F265-6066-8ACE-435A1F981070}"/>
           </ac:cxnSpMkLst>
         </pc:cxnChg>
-        <pc:cxnChg chg="add mod">
-          <ac:chgData name="Fatima Pillosu" userId="a6295d4dc9e22643" providerId="LiveId" clId="{0478CFAF-F744-4001-ABF3-5E8A4958592B}" dt="2025-07-05T15:13:08.339" v="536" actId="1036"/>
+        <pc:cxnChg chg="add del mod">
+          <ac:chgData name="Fatima Pillosu" userId="a6295d4dc9e22643" providerId="LiveId" clId="{0478CFAF-F744-4001-ABF3-5E8A4958592B}" dt="2025-07-05T17:16:51.266" v="2578" actId="21"/>
           <ac:cxnSpMkLst>
             <pc:docMk/>
             <pc:sldMk cId="2370713982" sldId="258"/>
             <ac:cxnSpMk id="18" creationId="{B54C17C6-3C4D-8A4F-59E1-33BB2363B4F2}"/>
           </ac:cxnSpMkLst>
         </pc:cxnChg>
-        <pc:cxnChg chg="add mod">
-          <ac:chgData name="Fatima Pillosu" userId="a6295d4dc9e22643" providerId="LiveId" clId="{0478CFAF-F744-4001-ABF3-5E8A4958592B}" dt="2025-07-05T15:13:08.339" v="536" actId="1036"/>
+        <pc:cxnChg chg="add del mod">
+          <ac:chgData name="Fatima Pillosu" userId="a6295d4dc9e22643" providerId="LiveId" clId="{0478CFAF-F744-4001-ABF3-5E8A4958592B}" dt="2025-07-05T17:16:51.266" v="2578" actId="21"/>
           <ac:cxnSpMkLst>
             <pc:docMk/>
             <pc:sldMk cId="2370713982" sldId="258"/>
             <ac:cxnSpMk id="19" creationId="{256D26E3-8C15-B026-B526-6022B54CCA43}"/>
           </ac:cxnSpMkLst>
         </pc:cxnChg>
-        <pc:cxnChg chg="add mod">
-          <ac:chgData name="Fatima Pillosu" userId="a6295d4dc9e22643" providerId="LiveId" clId="{0478CFAF-F744-4001-ABF3-5E8A4958592B}" dt="2025-07-05T15:13:08.339" v="536" actId="1036"/>
+        <pc:cxnChg chg="add del mod">
+          <ac:chgData name="Fatima Pillosu" userId="a6295d4dc9e22643" providerId="LiveId" clId="{0478CFAF-F744-4001-ABF3-5E8A4958592B}" dt="2025-07-05T17:16:51.266" v="2578" actId="21"/>
           <ac:cxnSpMkLst>
             <pc:docMk/>
             <pc:sldMk cId="2370713982" sldId="258"/>
             <ac:cxnSpMk id="20" creationId="{8B8A5069-7969-C164-8418-15F4BE24B20F}"/>
           </ac:cxnSpMkLst>
         </pc:cxnChg>
-        <pc:cxnChg chg="add mod">
-          <ac:chgData name="Fatima Pillosu" userId="a6295d4dc9e22643" providerId="LiveId" clId="{0478CFAF-F744-4001-ABF3-5E8A4958592B}" dt="2025-07-05T15:13:08.339" v="536" actId="1036"/>
+        <pc:cxnChg chg="add del mod">
+          <ac:chgData name="Fatima Pillosu" userId="a6295d4dc9e22643" providerId="LiveId" clId="{0478CFAF-F744-4001-ABF3-5E8A4958592B}" dt="2025-07-05T16:47:04.033" v="1909" actId="478"/>
           <ac:cxnSpMkLst>
             <pc:docMk/>
             <pc:sldMk cId="2370713982" sldId="258"/>
             <ac:cxnSpMk id="34" creationId="{D6C433DB-BAA1-CC71-D29E-1CD90D5B8AA6}"/>
           </ac:cxnSpMkLst>
         </pc:cxnChg>
-        <pc:cxnChg chg="add mod">
-          <ac:chgData name="Fatima Pillosu" userId="a6295d4dc9e22643" providerId="LiveId" clId="{0478CFAF-F744-4001-ABF3-5E8A4958592B}" dt="2025-07-05T15:13:08.339" v="536" actId="1036"/>
+        <pc:cxnChg chg="add del mod">
+          <ac:chgData name="Fatima Pillosu" userId="a6295d4dc9e22643" providerId="LiveId" clId="{0478CFAF-F744-4001-ABF3-5E8A4958592B}" dt="2025-07-05T17:16:51.266" v="2578" actId="21"/>
           <ac:cxnSpMkLst>
             <pc:docMk/>
             <pc:sldMk cId="2370713982" sldId="258"/>
             <ac:cxnSpMk id="43" creationId="{C7C3581F-BB46-6BFD-88EC-1685548CDC83}"/>
           </ac:cxnSpMkLst>
         </pc:cxnChg>
-        <pc:cxnChg chg="add mod">
-          <ac:chgData name="Fatima Pillosu" userId="a6295d4dc9e22643" providerId="LiveId" clId="{0478CFAF-F744-4001-ABF3-5E8A4958592B}" dt="2025-07-05T15:13:08.339" v="536" actId="1036"/>
+        <pc:cxnChg chg="add del mod">
+          <ac:chgData name="Fatima Pillosu" userId="a6295d4dc9e22643" providerId="LiveId" clId="{0478CFAF-F744-4001-ABF3-5E8A4958592B}" dt="2025-07-05T16:31:19.175" v="1468" actId="478"/>
           <ac:cxnSpMkLst>
             <pc:docMk/>
             <pc:sldMk cId="2370713982" sldId="258"/>
             <ac:cxnSpMk id="48" creationId="{C90FD5CB-CFB6-24E9-74FD-5E099AAAFF1E}"/>
           </ac:cxnSpMkLst>
         </pc:cxnChg>
-        <pc:cxnChg chg="add mod">
-          <ac:chgData name="Fatima Pillosu" userId="a6295d4dc9e22643" providerId="LiveId" clId="{0478CFAF-F744-4001-ABF3-5E8A4958592B}" dt="2025-07-05T15:13:08.339" v="536" actId="1036"/>
+        <pc:cxnChg chg="add del mod">
+          <ac:chgData name="Fatima Pillosu" userId="a6295d4dc9e22643" providerId="LiveId" clId="{0478CFAF-F744-4001-ABF3-5E8A4958592B}" dt="2025-07-05T16:31:21.162" v="1470" actId="478"/>
           <ac:cxnSpMkLst>
             <pc:docMk/>
             <pc:sldMk cId="2370713982" sldId="258"/>
             <ac:cxnSpMk id="49" creationId="{05C4EC2C-B3F3-2097-D9EC-F18C3D347A17}"/>
           </ac:cxnSpMkLst>
         </pc:cxnChg>
-        <pc:cxnChg chg="add mod">
-          <ac:chgData name="Fatima Pillosu" userId="a6295d4dc9e22643" providerId="LiveId" clId="{0478CFAF-F744-4001-ABF3-5E8A4958592B}" dt="2025-07-05T15:13:08.339" v="536" actId="1036"/>
+        <pc:cxnChg chg="add del mod">
+          <ac:chgData name="Fatima Pillosu" userId="a6295d4dc9e22643" providerId="LiveId" clId="{0478CFAF-F744-4001-ABF3-5E8A4958592B}" dt="2025-07-05T16:31:20.098" v="1469" actId="478"/>
           <ac:cxnSpMkLst>
             <pc:docMk/>
             <pc:sldMk cId="2370713982" sldId="258"/>
             <ac:cxnSpMk id="50" creationId="{0EA9D7BD-3F7C-AE8D-C1CE-E9C384898216}"/>
           </ac:cxnSpMkLst>
         </pc:cxnChg>
-        <pc:cxnChg chg="add mod">
-          <ac:chgData name="Fatima Pillosu" userId="a6295d4dc9e22643" providerId="LiveId" clId="{0478CFAF-F744-4001-ABF3-5E8A4958592B}" dt="2025-07-05T15:24:05.528" v="1041" actId="1037"/>
+        <pc:cxnChg chg="add del mod">
+          <ac:chgData name="Fatima Pillosu" userId="a6295d4dc9e22643" providerId="LiveId" clId="{0478CFAF-F744-4001-ABF3-5E8A4958592B}" dt="2025-07-05T17:14:24.737" v="2552" actId="478"/>
           <ac:cxnSpMkLst>
             <pc:docMk/>
             <pc:sldMk cId="2370713982" sldId="258"/>
             <ac:cxnSpMk id="51" creationId="{8AED844A-3F43-A4D7-963B-F1037DBA7454}"/>
           </ac:cxnSpMkLst>
         </pc:cxnChg>
-        <pc:cxnChg chg="add mod">
-          <ac:chgData name="Fatima Pillosu" userId="a6295d4dc9e22643" providerId="LiveId" clId="{0478CFAF-F744-4001-ABF3-5E8A4958592B}" dt="2025-07-05T15:24:21.505" v="1046" actId="1037"/>
+        <pc:cxnChg chg="add del mod">
+          <ac:chgData name="Fatima Pillosu" userId="a6295d4dc9e22643" providerId="LiveId" clId="{0478CFAF-F744-4001-ABF3-5E8A4958592B}" dt="2025-07-05T17:15:25.549" v="2567" actId="478"/>
           <ac:cxnSpMkLst>
             <pc:docMk/>
             <pc:sldMk cId="2370713982" sldId="258"/>
@@ -6754,6 +9385,246 @@
             <pc:docMk/>
             <pc:sldMk cId="2370713982" sldId="258"/>
             <ac:cxnSpMk id="219" creationId="{8AED844A-3F43-A4D7-963B-F1037DBA7454}"/>
+          </ac:cxnSpMkLst>
+        </pc:cxnChg>
+        <pc:cxnChg chg="add del mod">
+          <ac:chgData name="Fatima Pillosu" userId="a6295d4dc9e22643" providerId="LiveId" clId="{0478CFAF-F744-4001-ABF3-5E8A4958592B}" dt="2025-07-05T16:54:17.161" v="2072" actId="478"/>
+          <ac:cxnSpMkLst>
+            <pc:docMk/>
+            <pc:sldMk cId="2370713982" sldId="258"/>
+            <ac:cxnSpMk id="225" creationId="{D997682A-F48F-96E2-F339-1F61AAF28810}"/>
+          </ac:cxnSpMkLst>
+        </pc:cxnChg>
+        <pc:cxnChg chg="add del mod">
+          <ac:chgData name="Fatima Pillosu" userId="a6295d4dc9e22643" providerId="LiveId" clId="{0478CFAF-F744-4001-ABF3-5E8A4958592B}" dt="2025-07-05T17:16:51.266" v="2578" actId="21"/>
+          <ac:cxnSpMkLst>
+            <pc:docMk/>
+            <pc:sldMk cId="2370713982" sldId="258"/>
+            <ac:cxnSpMk id="226" creationId="{346B4E64-3EEF-D973-3957-F55293E7F745}"/>
+          </ac:cxnSpMkLst>
+        </pc:cxnChg>
+        <pc:cxnChg chg="add del mod">
+          <ac:chgData name="Fatima Pillosu" userId="a6295d4dc9e22643" providerId="LiveId" clId="{0478CFAF-F744-4001-ABF3-5E8A4958592B}" dt="2025-07-05T17:16:51.266" v="2578" actId="21"/>
+          <ac:cxnSpMkLst>
+            <pc:docMk/>
+            <pc:sldMk cId="2370713982" sldId="258"/>
+            <ac:cxnSpMk id="314" creationId="{F820DBFC-D482-D362-AD9A-EB720E92CEF4}"/>
+          </ac:cxnSpMkLst>
+        </pc:cxnChg>
+        <pc:cxnChg chg="add del mod">
+          <ac:chgData name="Fatima Pillosu" userId="a6295d4dc9e22643" providerId="LiveId" clId="{0478CFAF-F744-4001-ABF3-5E8A4958592B}" dt="2025-07-05T17:16:51.266" v="2578" actId="21"/>
+          <ac:cxnSpMkLst>
+            <pc:docMk/>
+            <pc:sldMk cId="2370713982" sldId="258"/>
+            <ac:cxnSpMk id="316" creationId="{8DF50D70-4022-681C-3D6E-62589944E0DE}"/>
+          </ac:cxnSpMkLst>
+        </pc:cxnChg>
+        <pc:cxnChg chg="add del mod">
+          <ac:chgData name="Fatima Pillosu" userId="a6295d4dc9e22643" providerId="LiveId" clId="{0478CFAF-F744-4001-ABF3-5E8A4958592B}" dt="2025-07-05T17:16:51.266" v="2578" actId="21"/>
+          <ac:cxnSpMkLst>
+            <pc:docMk/>
+            <pc:sldMk cId="2370713982" sldId="258"/>
+            <ac:cxnSpMk id="317" creationId="{1838FD34-08CA-AAAA-623C-682B4FB2B83D}"/>
+          </ac:cxnSpMkLst>
+        </pc:cxnChg>
+        <pc:cxnChg chg="add del mod">
+          <ac:chgData name="Fatima Pillosu" userId="a6295d4dc9e22643" providerId="LiveId" clId="{0478CFAF-F744-4001-ABF3-5E8A4958592B}" dt="2025-07-05T17:16:51.266" v="2578" actId="21"/>
+          <ac:cxnSpMkLst>
+            <pc:docMk/>
+            <pc:sldMk cId="2370713982" sldId="258"/>
+            <ac:cxnSpMk id="318" creationId="{16B06205-7085-528A-105F-F605E5D44E11}"/>
+          </ac:cxnSpMkLst>
+        </pc:cxnChg>
+        <pc:cxnChg chg="add del mod">
+          <ac:chgData name="Fatima Pillosu" userId="a6295d4dc9e22643" providerId="LiveId" clId="{0478CFAF-F744-4001-ABF3-5E8A4958592B}" dt="2025-07-05T17:17:09.004" v="2580" actId="21"/>
+          <ac:cxnSpMkLst>
+            <pc:docMk/>
+            <pc:sldMk cId="2370713982" sldId="258"/>
+            <ac:cxnSpMk id="321" creationId="{6B2B5BF2-676C-E1AE-BA62-2F7C9F6C9C70}"/>
+          </ac:cxnSpMkLst>
+        </pc:cxnChg>
+        <pc:cxnChg chg="add del mod">
+          <ac:chgData name="Fatima Pillosu" userId="a6295d4dc9e22643" providerId="LiveId" clId="{0478CFAF-F744-4001-ABF3-5E8A4958592B}" dt="2025-07-05T17:17:09.004" v="2580" actId="21"/>
+          <ac:cxnSpMkLst>
+            <pc:docMk/>
+            <pc:sldMk cId="2370713982" sldId="258"/>
+            <ac:cxnSpMk id="322" creationId="{C03C5827-406F-B7CA-16D5-2D1C3286C854}"/>
+          </ac:cxnSpMkLst>
+        </pc:cxnChg>
+        <pc:cxnChg chg="add del mod">
+          <ac:chgData name="Fatima Pillosu" userId="a6295d4dc9e22643" providerId="LiveId" clId="{0478CFAF-F744-4001-ABF3-5E8A4958592B}" dt="2025-07-05T17:17:09.004" v="2580" actId="21"/>
+          <ac:cxnSpMkLst>
+            <pc:docMk/>
+            <pc:sldMk cId="2370713982" sldId="258"/>
+            <ac:cxnSpMk id="326" creationId="{7DC2AC43-F265-6066-8ACE-435A1F981070}"/>
+          </ac:cxnSpMkLst>
+        </pc:cxnChg>
+        <pc:cxnChg chg="add del mod">
+          <ac:chgData name="Fatima Pillosu" userId="a6295d4dc9e22643" providerId="LiveId" clId="{0478CFAF-F744-4001-ABF3-5E8A4958592B}" dt="2025-07-05T17:17:09.004" v="2580" actId="21"/>
+          <ac:cxnSpMkLst>
+            <pc:docMk/>
+            <pc:sldMk cId="2370713982" sldId="258"/>
+            <ac:cxnSpMk id="329" creationId="{B54C17C6-3C4D-8A4F-59E1-33BB2363B4F2}"/>
+          </ac:cxnSpMkLst>
+        </pc:cxnChg>
+        <pc:cxnChg chg="add del mod">
+          <ac:chgData name="Fatima Pillosu" userId="a6295d4dc9e22643" providerId="LiveId" clId="{0478CFAF-F744-4001-ABF3-5E8A4958592B}" dt="2025-07-05T17:17:09.004" v="2580" actId="21"/>
+          <ac:cxnSpMkLst>
+            <pc:docMk/>
+            <pc:sldMk cId="2370713982" sldId="258"/>
+            <ac:cxnSpMk id="330" creationId="{256D26E3-8C15-B026-B526-6022B54CCA43}"/>
+          </ac:cxnSpMkLst>
+        </pc:cxnChg>
+        <pc:cxnChg chg="add del mod">
+          <ac:chgData name="Fatima Pillosu" userId="a6295d4dc9e22643" providerId="LiveId" clId="{0478CFAF-F744-4001-ABF3-5E8A4958592B}" dt="2025-07-05T17:17:09.004" v="2580" actId="21"/>
+          <ac:cxnSpMkLst>
+            <pc:docMk/>
+            <pc:sldMk cId="2370713982" sldId="258"/>
+            <ac:cxnSpMk id="331" creationId="{8B8A5069-7969-C164-8418-15F4BE24B20F}"/>
+          </ac:cxnSpMkLst>
+        </pc:cxnChg>
+        <pc:cxnChg chg="add del mod">
+          <ac:chgData name="Fatima Pillosu" userId="a6295d4dc9e22643" providerId="LiveId" clId="{0478CFAF-F744-4001-ABF3-5E8A4958592B}" dt="2025-07-05T17:17:09.004" v="2580" actId="21"/>
+          <ac:cxnSpMkLst>
+            <pc:docMk/>
+            <pc:sldMk cId="2370713982" sldId="258"/>
+            <ac:cxnSpMk id="351" creationId="{C7C3581F-BB46-6BFD-88EC-1685548CDC83}"/>
+          </ac:cxnSpMkLst>
+        </pc:cxnChg>
+        <pc:cxnChg chg="add del mod">
+          <ac:chgData name="Fatima Pillosu" userId="a6295d4dc9e22643" providerId="LiveId" clId="{0478CFAF-F744-4001-ABF3-5E8A4958592B}" dt="2025-07-05T17:17:09.004" v="2580" actId="21"/>
+          <ac:cxnSpMkLst>
+            <pc:docMk/>
+            <pc:sldMk cId="2370713982" sldId="258"/>
+            <ac:cxnSpMk id="359" creationId="{346B4E64-3EEF-D973-3957-F55293E7F745}"/>
+          </ac:cxnSpMkLst>
+        </pc:cxnChg>
+        <pc:cxnChg chg="add del mod">
+          <ac:chgData name="Fatima Pillosu" userId="a6295d4dc9e22643" providerId="LiveId" clId="{0478CFAF-F744-4001-ABF3-5E8A4958592B}" dt="2025-07-05T17:17:09.004" v="2580" actId="21"/>
+          <ac:cxnSpMkLst>
+            <pc:docMk/>
+            <pc:sldMk cId="2370713982" sldId="258"/>
+            <ac:cxnSpMk id="361" creationId="{F820DBFC-D482-D362-AD9A-EB720E92CEF4}"/>
+          </ac:cxnSpMkLst>
+        </pc:cxnChg>
+        <pc:cxnChg chg="add del mod">
+          <ac:chgData name="Fatima Pillosu" userId="a6295d4dc9e22643" providerId="LiveId" clId="{0478CFAF-F744-4001-ABF3-5E8A4958592B}" dt="2025-07-05T17:17:09.004" v="2580" actId="21"/>
+          <ac:cxnSpMkLst>
+            <pc:docMk/>
+            <pc:sldMk cId="2370713982" sldId="258"/>
+            <ac:cxnSpMk id="362" creationId="{8DF50D70-4022-681C-3D6E-62589944E0DE}"/>
+          </ac:cxnSpMkLst>
+        </pc:cxnChg>
+        <pc:cxnChg chg="add del mod">
+          <ac:chgData name="Fatima Pillosu" userId="a6295d4dc9e22643" providerId="LiveId" clId="{0478CFAF-F744-4001-ABF3-5E8A4958592B}" dt="2025-07-05T17:17:09.004" v="2580" actId="21"/>
+          <ac:cxnSpMkLst>
+            <pc:docMk/>
+            <pc:sldMk cId="2370713982" sldId="258"/>
+            <ac:cxnSpMk id="363" creationId="{1838FD34-08CA-AAAA-623C-682B4FB2B83D}"/>
+          </ac:cxnSpMkLst>
+        </pc:cxnChg>
+        <pc:cxnChg chg="add del mod">
+          <ac:chgData name="Fatima Pillosu" userId="a6295d4dc9e22643" providerId="LiveId" clId="{0478CFAF-F744-4001-ABF3-5E8A4958592B}" dt="2025-07-05T17:17:09.004" v="2580" actId="21"/>
+          <ac:cxnSpMkLst>
+            <pc:docMk/>
+            <pc:sldMk cId="2370713982" sldId="258"/>
+            <ac:cxnSpMk id="364" creationId="{16B06205-7085-528A-105F-F605E5D44E11}"/>
+          </ac:cxnSpMkLst>
+        </pc:cxnChg>
+        <pc:cxnChg chg="add mod">
+          <ac:chgData name="Fatima Pillosu" userId="a6295d4dc9e22643" providerId="LiveId" clId="{0478CFAF-F744-4001-ABF3-5E8A4958592B}" dt="2025-07-05T17:17:58.193" v="2608" actId="1036"/>
+          <ac:cxnSpMkLst>
+            <pc:docMk/>
+            <pc:sldMk cId="2370713982" sldId="258"/>
+            <ac:cxnSpMk id="365" creationId="{6B2B5BF2-676C-E1AE-BA62-2F7C9F6C9C70}"/>
+          </ac:cxnSpMkLst>
+        </pc:cxnChg>
+        <pc:cxnChg chg="add mod">
+          <ac:chgData name="Fatima Pillosu" userId="a6295d4dc9e22643" providerId="LiveId" clId="{0478CFAF-F744-4001-ABF3-5E8A4958592B}" dt="2025-07-05T17:17:58.193" v="2608" actId="1036"/>
+          <ac:cxnSpMkLst>
+            <pc:docMk/>
+            <pc:sldMk cId="2370713982" sldId="258"/>
+            <ac:cxnSpMk id="366" creationId="{C03C5827-406F-B7CA-16D5-2D1C3286C854}"/>
+          </ac:cxnSpMkLst>
+        </pc:cxnChg>
+        <pc:cxnChg chg="add mod">
+          <ac:chgData name="Fatima Pillosu" userId="a6295d4dc9e22643" providerId="LiveId" clId="{0478CFAF-F744-4001-ABF3-5E8A4958592B}" dt="2025-07-05T17:17:17.389" v="2581"/>
+          <ac:cxnSpMkLst>
+            <pc:docMk/>
+            <pc:sldMk cId="2370713982" sldId="258"/>
+            <ac:cxnSpMk id="370" creationId="{7DC2AC43-F265-6066-8ACE-435A1F981070}"/>
+          </ac:cxnSpMkLst>
+        </pc:cxnChg>
+        <pc:cxnChg chg="add mod">
+          <ac:chgData name="Fatima Pillosu" userId="a6295d4dc9e22643" providerId="LiveId" clId="{0478CFAF-F744-4001-ABF3-5E8A4958592B}" dt="2025-07-05T17:17:58.193" v="2608" actId="1036"/>
+          <ac:cxnSpMkLst>
+            <pc:docMk/>
+            <pc:sldMk cId="2370713982" sldId="258"/>
+            <ac:cxnSpMk id="373" creationId="{B54C17C6-3C4D-8A4F-59E1-33BB2363B4F2}"/>
+          </ac:cxnSpMkLst>
+        </pc:cxnChg>
+        <pc:cxnChg chg="add mod">
+          <ac:chgData name="Fatima Pillosu" userId="a6295d4dc9e22643" providerId="LiveId" clId="{0478CFAF-F744-4001-ABF3-5E8A4958592B}" dt="2025-07-05T17:17:58.193" v="2608" actId="1036"/>
+          <ac:cxnSpMkLst>
+            <pc:docMk/>
+            <pc:sldMk cId="2370713982" sldId="258"/>
+            <ac:cxnSpMk id="374" creationId="{256D26E3-8C15-B026-B526-6022B54CCA43}"/>
+          </ac:cxnSpMkLst>
+        </pc:cxnChg>
+        <pc:cxnChg chg="add mod">
+          <ac:chgData name="Fatima Pillosu" userId="a6295d4dc9e22643" providerId="LiveId" clId="{0478CFAF-F744-4001-ABF3-5E8A4958592B}" dt="2025-07-05T17:17:58.193" v="2608" actId="1036"/>
+          <ac:cxnSpMkLst>
+            <pc:docMk/>
+            <pc:sldMk cId="2370713982" sldId="258"/>
+            <ac:cxnSpMk id="375" creationId="{8B8A5069-7969-C164-8418-15F4BE24B20F}"/>
+          </ac:cxnSpMkLst>
+        </pc:cxnChg>
+        <pc:cxnChg chg="add mod">
+          <ac:chgData name="Fatima Pillosu" userId="a6295d4dc9e22643" providerId="LiveId" clId="{0478CFAF-F744-4001-ABF3-5E8A4958592B}" dt="2025-07-05T17:17:58.193" v="2608" actId="1036"/>
+          <ac:cxnSpMkLst>
+            <pc:docMk/>
+            <pc:sldMk cId="2370713982" sldId="258"/>
+            <ac:cxnSpMk id="395" creationId="{C7C3581F-BB46-6BFD-88EC-1685548CDC83}"/>
+          </ac:cxnSpMkLst>
+        </pc:cxnChg>
+        <pc:cxnChg chg="add mod">
+          <ac:chgData name="Fatima Pillosu" userId="a6295d4dc9e22643" providerId="LiveId" clId="{0478CFAF-F744-4001-ABF3-5E8A4958592B}" dt="2025-07-05T17:17:58.193" v="2608" actId="1036"/>
+          <ac:cxnSpMkLst>
+            <pc:docMk/>
+            <pc:sldMk cId="2370713982" sldId="258"/>
+            <ac:cxnSpMk id="403" creationId="{346B4E64-3EEF-D973-3957-F55293E7F745}"/>
+          </ac:cxnSpMkLst>
+        </pc:cxnChg>
+        <pc:cxnChg chg="add mod">
+          <ac:chgData name="Fatima Pillosu" userId="a6295d4dc9e22643" providerId="LiveId" clId="{0478CFAF-F744-4001-ABF3-5E8A4958592B}" dt="2025-07-05T17:17:58.193" v="2608" actId="1036"/>
+          <ac:cxnSpMkLst>
+            <pc:docMk/>
+            <pc:sldMk cId="2370713982" sldId="258"/>
+            <ac:cxnSpMk id="405" creationId="{F820DBFC-D482-D362-AD9A-EB720E92CEF4}"/>
+          </ac:cxnSpMkLst>
+        </pc:cxnChg>
+        <pc:cxnChg chg="add mod">
+          <ac:chgData name="Fatima Pillosu" userId="a6295d4dc9e22643" providerId="LiveId" clId="{0478CFAF-F744-4001-ABF3-5E8A4958592B}" dt="2025-07-05T17:17:58.193" v="2608" actId="1036"/>
+          <ac:cxnSpMkLst>
+            <pc:docMk/>
+            <pc:sldMk cId="2370713982" sldId="258"/>
+            <ac:cxnSpMk id="406" creationId="{8DF50D70-4022-681C-3D6E-62589944E0DE}"/>
+          </ac:cxnSpMkLst>
+        </pc:cxnChg>
+        <pc:cxnChg chg="add mod">
+          <ac:chgData name="Fatima Pillosu" userId="a6295d4dc9e22643" providerId="LiveId" clId="{0478CFAF-F744-4001-ABF3-5E8A4958592B}" dt="2025-07-05T17:17:58.193" v="2608" actId="1036"/>
+          <ac:cxnSpMkLst>
+            <pc:docMk/>
+            <pc:sldMk cId="2370713982" sldId="258"/>
+            <ac:cxnSpMk id="407" creationId="{1838FD34-08CA-AAAA-623C-682B4FB2B83D}"/>
+          </ac:cxnSpMkLst>
+        </pc:cxnChg>
+        <pc:cxnChg chg="add mod">
+          <ac:chgData name="Fatima Pillosu" userId="a6295d4dc9e22643" providerId="LiveId" clId="{0478CFAF-F744-4001-ABF3-5E8A4958592B}" dt="2025-07-05T17:17:58.193" v="2608" actId="1036"/>
+          <ac:cxnSpMkLst>
+            <pc:docMk/>
+            <pc:sldMk cId="2370713982" sldId="258"/>
+            <ac:cxnSpMk id="408" creationId="{16B06205-7085-528A-105F-F605E5D44E11}"/>
           </ac:cxnSpMkLst>
         </pc:cxnChg>
       </pc:sldChg>
@@ -6791,8 +9662,8 @@
         </p:nvSpPr>
         <p:spPr>
           <a:xfrm>
-            <a:off x="310515" y="1243173"/>
-            <a:ext cx="3519170" cy="2644599"/>
+            <a:off x="310515" y="1157697"/>
+            <a:ext cx="3519170" cy="2462765"/>
           </a:xfrm>
         </p:spPr>
         <p:txBody>
@@ -6823,8 +9694,8 @@
         </p:nvSpPr>
         <p:spPr>
           <a:xfrm>
-            <a:off x="517525" y="3989757"/>
-            <a:ext cx="3105150" cy="1833987"/>
+            <a:off x="517525" y="3715435"/>
+            <a:ext cx="3105150" cy="1707888"/>
           </a:xfrm>
         </p:spPr>
         <p:txBody>
@@ -6944,7 +9815,7 @@
     </p:spTree>
     <p:extLst>
       <p:ext uri="{BB962C8B-B14F-4D97-AF65-F5344CB8AC3E}">
-        <p14:creationId xmlns:p14="http://schemas.microsoft.com/office/powerpoint/2010/main" val="3968974430"/>
+        <p14:creationId xmlns:p14="http://schemas.microsoft.com/office/powerpoint/2010/main" val="4274378304"/>
       </p:ext>
     </p:extLst>
   </p:cSld>
@@ -7114,7 +9985,7 @@
     </p:spTree>
     <p:extLst>
       <p:ext uri="{BB962C8B-B14F-4D97-AF65-F5344CB8AC3E}">
-        <p14:creationId xmlns:p14="http://schemas.microsoft.com/office/powerpoint/2010/main" val="2895606354"/>
+        <p14:creationId xmlns:p14="http://schemas.microsoft.com/office/powerpoint/2010/main" val="4026866859"/>
       </p:ext>
     </p:extLst>
   </p:cSld>
@@ -7153,8 +10024,8 @@
         </p:nvSpPr>
         <p:spPr>
           <a:xfrm>
-            <a:off x="2962831" y="404427"/>
-            <a:ext cx="892731" cy="6437418"/>
+            <a:off x="2962831" y="376620"/>
+            <a:ext cx="892731" cy="5994803"/>
           </a:xfrm>
         </p:spPr>
         <p:txBody>
@@ -7181,8 +10052,8 @@
         </p:nvSpPr>
         <p:spPr>
           <a:xfrm>
-            <a:off x="284639" y="404427"/>
-            <a:ext cx="2626439" cy="6437418"/>
+            <a:off x="284639" y="376620"/>
+            <a:ext cx="2626439" cy="5994803"/>
           </a:xfrm>
         </p:spPr>
         <p:txBody>
@@ -7294,7 +10165,7 @@
     </p:spTree>
     <p:extLst>
       <p:ext uri="{BB962C8B-B14F-4D97-AF65-F5344CB8AC3E}">
-        <p14:creationId xmlns:p14="http://schemas.microsoft.com/office/powerpoint/2010/main" val="2379376403"/>
+        <p14:creationId xmlns:p14="http://schemas.microsoft.com/office/powerpoint/2010/main" val="2217184676"/>
       </p:ext>
     </p:extLst>
   </p:cSld>
@@ -7464,7 +10335,7 @@
     </p:spTree>
     <p:extLst>
       <p:ext uri="{BB962C8B-B14F-4D97-AF65-F5344CB8AC3E}">
-        <p14:creationId xmlns:p14="http://schemas.microsoft.com/office/powerpoint/2010/main" val="4128719797"/>
+        <p14:creationId xmlns:p14="http://schemas.microsoft.com/office/powerpoint/2010/main" val="813223132"/>
       </p:ext>
     </p:extLst>
   </p:cSld>
@@ -7503,8 +10374,8 @@
         </p:nvSpPr>
         <p:spPr>
           <a:xfrm>
-            <a:off x="282482" y="1893774"/>
-            <a:ext cx="3570923" cy="3159803"/>
+            <a:off x="282482" y="1763565"/>
+            <a:ext cx="3570923" cy="2942545"/>
           </a:xfrm>
         </p:spPr>
         <p:txBody>
@@ -7535,8 +10406,8 @@
         </p:nvSpPr>
         <p:spPr>
           <a:xfrm>
-            <a:off x="282482" y="5083469"/>
-            <a:ext cx="3570923" cy="1661666"/>
+            <a:off x="282482" y="4733948"/>
+            <a:ext cx="3570923" cy="1547415"/>
           </a:xfrm>
         </p:spPr>
         <p:txBody>
@@ -7710,7 +10581,7 @@
     </p:spTree>
     <p:extLst>
       <p:ext uri="{BB962C8B-B14F-4D97-AF65-F5344CB8AC3E}">
-        <p14:creationId xmlns:p14="http://schemas.microsoft.com/office/powerpoint/2010/main" val="1634248628"/>
+        <p14:creationId xmlns:p14="http://schemas.microsoft.com/office/powerpoint/2010/main" val="3690236990"/>
       </p:ext>
     </p:extLst>
   </p:cSld>
@@ -7772,8 +10643,8 @@
         </p:nvSpPr>
         <p:spPr>
           <a:xfrm>
-            <a:off x="284639" y="2022133"/>
-            <a:ext cx="1759585" cy="4819712"/>
+            <a:off x="284639" y="1883098"/>
+            <a:ext cx="1759585" cy="4488325"/>
           </a:xfrm>
         </p:spPr>
         <p:txBody>
@@ -7829,8 +10700,8 @@
         </p:nvSpPr>
         <p:spPr>
           <a:xfrm>
-            <a:off x="2095976" y="2022133"/>
-            <a:ext cx="1759585" cy="4819712"/>
+            <a:off x="2095976" y="1883098"/>
+            <a:ext cx="1759585" cy="4488325"/>
           </a:xfrm>
         </p:spPr>
         <p:txBody>
@@ -7942,7 +10813,7 @@
     </p:spTree>
     <p:extLst>
       <p:ext uri="{BB962C8B-B14F-4D97-AF65-F5344CB8AC3E}">
-        <p14:creationId xmlns:p14="http://schemas.microsoft.com/office/powerpoint/2010/main" val="3687292436"/>
+        <p14:creationId xmlns:p14="http://schemas.microsoft.com/office/powerpoint/2010/main" val="2284491772"/>
       </p:ext>
     </p:extLst>
   </p:cSld>
@@ -7981,8 +10852,8 @@
         </p:nvSpPr>
         <p:spPr>
           <a:xfrm>
-            <a:off x="285178" y="404428"/>
-            <a:ext cx="3570923" cy="1468245"/>
+            <a:off x="285178" y="376621"/>
+            <a:ext cx="3570923" cy="1367294"/>
           </a:xfrm>
         </p:spPr>
         <p:txBody>
@@ -8009,8 +10880,8 @@
         </p:nvSpPr>
         <p:spPr>
           <a:xfrm>
-            <a:off x="285179" y="1862122"/>
-            <a:ext cx="1751498" cy="912597"/>
+            <a:off x="285179" y="1734088"/>
+            <a:ext cx="1751498" cy="849850"/>
           </a:xfrm>
         </p:spPr>
         <p:txBody>
@@ -8074,8 +10945,8 @@
         </p:nvSpPr>
         <p:spPr>
           <a:xfrm>
-            <a:off x="285179" y="2774719"/>
-            <a:ext cx="1751498" cy="4081193"/>
+            <a:off x="285179" y="2583939"/>
+            <a:ext cx="1751498" cy="3800584"/>
           </a:xfrm>
         </p:spPr>
         <p:txBody>
@@ -8131,8 +11002,8 @@
         </p:nvSpPr>
         <p:spPr>
           <a:xfrm>
-            <a:off x="2095977" y="1862122"/>
-            <a:ext cx="1760124" cy="912597"/>
+            <a:off x="2095977" y="1734088"/>
+            <a:ext cx="1760124" cy="849850"/>
           </a:xfrm>
         </p:spPr>
         <p:txBody>
@@ -8196,8 +11067,8 @@
         </p:nvSpPr>
         <p:spPr>
           <a:xfrm>
-            <a:off x="2095977" y="2774719"/>
-            <a:ext cx="1760124" cy="4081193"/>
+            <a:off x="2095977" y="2583939"/>
+            <a:ext cx="1760124" cy="3800584"/>
           </a:xfrm>
         </p:spPr>
         <p:txBody>
@@ -8309,7 +11180,7 @@
     </p:spTree>
     <p:extLst>
       <p:ext uri="{BB962C8B-B14F-4D97-AF65-F5344CB8AC3E}">
-        <p14:creationId xmlns:p14="http://schemas.microsoft.com/office/powerpoint/2010/main" val="4234823074"/>
+        <p14:creationId xmlns:p14="http://schemas.microsoft.com/office/powerpoint/2010/main" val="1266245513"/>
       </p:ext>
     </p:extLst>
   </p:cSld>
@@ -8427,7 +11298,7 @@
     </p:spTree>
     <p:extLst>
       <p:ext uri="{BB962C8B-B14F-4D97-AF65-F5344CB8AC3E}">
-        <p14:creationId xmlns:p14="http://schemas.microsoft.com/office/powerpoint/2010/main" val="1180495647"/>
+        <p14:creationId xmlns:p14="http://schemas.microsoft.com/office/powerpoint/2010/main" val="1175873221"/>
       </p:ext>
     </p:extLst>
   </p:cSld>
@@ -8522,7 +11393,7 @@
     </p:spTree>
     <p:extLst>
       <p:ext uri="{BB962C8B-B14F-4D97-AF65-F5344CB8AC3E}">
-        <p14:creationId xmlns:p14="http://schemas.microsoft.com/office/powerpoint/2010/main" val="1768909274"/>
+        <p14:creationId xmlns:p14="http://schemas.microsoft.com/office/powerpoint/2010/main" val="2834463349"/>
       </p:ext>
     </p:extLst>
   </p:cSld>
@@ -8561,8 +11432,8 @@
         </p:nvSpPr>
         <p:spPr>
           <a:xfrm>
-            <a:off x="285178" y="506412"/>
-            <a:ext cx="1335322" cy="1772444"/>
+            <a:off x="285178" y="471593"/>
+            <a:ext cx="1335322" cy="1650577"/>
           </a:xfrm>
         </p:spPr>
         <p:txBody>
@@ -8593,8 +11464,8 @@
         </p:nvSpPr>
         <p:spPr>
           <a:xfrm>
-            <a:off x="1760124" y="1093712"/>
-            <a:ext cx="2095976" cy="5398217"/>
+            <a:off x="1760124" y="1018512"/>
+            <a:ext cx="2095976" cy="5027054"/>
           </a:xfrm>
         </p:spPr>
         <p:txBody>
@@ -8678,8 +11549,8 @@
         </p:nvSpPr>
         <p:spPr>
           <a:xfrm>
-            <a:off x="285178" y="2278857"/>
-            <a:ext cx="1335322" cy="4221863"/>
+            <a:off x="285178" y="2122170"/>
+            <a:ext cx="1335322" cy="3931582"/>
           </a:xfrm>
         </p:spPr>
         <p:txBody>
@@ -8799,7 +11670,7 @@
     </p:spTree>
     <p:extLst>
       <p:ext uri="{BB962C8B-B14F-4D97-AF65-F5344CB8AC3E}">
-        <p14:creationId xmlns:p14="http://schemas.microsoft.com/office/powerpoint/2010/main" val="3032773821"/>
+        <p14:creationId xmlns:p14="http://schemas.microsoft.com/office/powerpoint/2010/main" val="2472019006"/>
       </p:ext>
     </p:extLst>
   </p:cSld>
@@ -8838,8 +11709,8 @@
         </p:nvSpPr>
         <p:spPr>
           <a:xfrm>
-            <a:off x="285178" y="506412"/>
-            <a:ext cx="1335322" cy="1772444"/>
+            <a:off x="285178" y="471593"/>
+            <a:ext cx="1335322" cy="1650577"/>
           </a:xfrm>
         </p:spPr>
         <p:txBody>
@@ -8870,8 +11741,8 @@
         </p:nvSpPr>
         <p:spPr>
           <a:xfrm>
-            <a:off x="1760124" y="1093712"/>
-            <a:ext cx="2095976" cy="5398217"/>
+            <a:off x="1760124" y="1018512"/>
+            <a:ext cx="2095976" cy="5027054"/>
           </a:xfrm>
         </p:spPr>
         <p:txBody>
@@ -8935,8 +11806,8 @@
         </p:nvSpPr>
         <p:spPr>
           <a:xfrm>
-            <a:off x="285178" y="2278857"/>
-            <a:ext cx="1335322" cy="4221863"/>
+            <a:off x="285178" y="2122170"/>
+            <a:ext cx="1335322" cy="3931582"/>
           </a:xfrm>
         </p:spPr>
         <p:txBody>
@@ -9056,7 +11927,7 @@
     </p:spTree>
     <p:extLst>
       <p:ext uri="{BB962C8B-B14F-4D97-AF65-F5344CB8AC3E}">
-        <p14:creationId xmlns:p14="http://schemas.microsoft.com/office/powerpoint/2010/main" val="437825404"/>
+        <p14:creationId xmlns:p14="http://schemas.microsoft.com/office/powerpoint/2010/main" val="2930249768"/>
       </p:ext>
     </p:extLst>
   </p:cSld>
@@ -9100,8 +11971,8 @@
         </p:nvSpPr>
         <p:spPr>
           <a:xfrm>
-            <a:off x="284639" y="404428"/>
-            <a:ext cx="3570923" cy="1468245"/>
+            <a:off x="284639" y="376621"/>
+            <a:ext cx="3570923" cy="1367294"/>
           </a:xfrm>
           <a:prstGeom prst="rect">
             <a:avLst/>
@@ -9133,8 +12004,8 @@
         </p:nvSpPr>
         <p:spPr>
           <a:xfrm>
-            <a:off x="284639" y="2022133"/>
-            <a:ext cx="3570923" cy="4819712"/>
+            <a:off x="284639" y="1883098"/>
+            <a:ext cx="3570923" cy="4488325"/>
           </a:xfrm>
           <a:prstGeom prst="rect">
             <a:avLst/>
@@ -9195,8 +12066,8 @@
         </p:nvSpPr>
         <p:spPr>
           <a:xfrm>
-            <a:off x="284639" y="7040542"/>
-            <a:ext cx="931545" cy="404427"/>
+            <a:off x="284639" y="6556459"/>
+            <a:ext cx="931545" cy="376620"/>
           </a:xfrm>
           <a:prstGeom prst="rect">
             <a:avLst/>
@@ -9236,8 +12107,8 @@
         </p:nvSpPr>
         <p:spPr>
           <a:xfrm>
-            <a:off x="1371441" y="7040542"/>
-            <a:ext cx="1397318" cy="404427"/>
+            <a:off x="1371441" y="6556459"/>
+            <a:ext cx="1397318" cy="376620"/>
           </a:xfrm>
           <a:prstGeom prst="rect">
             <a:avLst/>
@@ -9273,8 +12144,8 @@
         </p:nvSpPr>
         <p:spPr>
           <a:xfrm>
-            <a:off x="2924016" y="7040542"/>
-            <a:ext cx="931545" cy="404427"/>
+            <a:off x="2924016" y="6556459"/>
+            <a:ext cx="931545" cy="376620"/>
           </a:xfrm>
           <a:prstGeom prst="rect">
             <a:avLst/>
@@ -9305,23 +12176,23 @@
     </p:spTree>
     <p:extLst>
       <p:ext uri="{BB962C8B-B14F-4D97-AF65-F5344CB8AC3E}">
-        <p14:creationId xmlns:p14="http://schemas.microsoft.com/office/powerpoint/2010/main" val="3103596789"/>
+        <p14:creationId xmlns:p14="http://schemas.microsoft.com/office/powerpoint/2010/main" val="3354170364"/>
       </p:ext>
     </p:extLst>
   </p:cSld>
   <p:clrMap bg1="lt1" tx1="dk1" bg2="lt2" tx2="dk2" accent1="accent1" accent2="accent2" accent3="accent3" accent4="accent4" accent5="accent5" accent6="accent6" hlink="hlink" folHlink="folHlink"/>
   <p:sldLayoutIdLst>
-    <p:sldLayoutId id="2147483697" r:id="rId1"/>
-    <p:sldLayoutId id="2147483698" r:id="rId2"/>
-    <p:sldLayoutId id="2147483699" r:id="rId3"/>
-    <p:sldLayoutId id="2147483700" r:id="rId4"/>
-    <p:sldLayoutId id="2147483701" r:id="rId5"/>
-    <p:sldLayoutId id="2147483702" r:id="rId6"/>
-    <p:sldLayoutId id="2147483703" r:id="rId7"/>
-    <p:sldLayoutId id="2147483704" r:id="rId8"/>
-    <p:sldLayoutId id="2147483705" r:id="rId9"/>
-    <p:sldLayoutId id="2147483706" r:id="rId10"/>
-    <p:sldLayoutId id="2147483707" r:id="rId11"/>
+    <p:sldLayoutId id="2147483721" r:id="rId1"/>
+    <p:sldLayoutId id="2147483722" r:id="rId2"/>
+    <p:sldLayoutId id="2147483723" r:id="rId3"/>
+    <p:sldLayoutId id="2147483724" r:id="rId4"/>
+    <p:sldLayoutId id="2147483725" r:id="rId5"/>
+    <p:sldLayoutId id="2147483726" r:id="rId6"/>
+    <p:sldLayoutId id="2147483727" r:id="rId7"/>
+    <p:sldLayoutId id="2147483728" r:id="rId8"/>
+    <p:sldLayoutId id="2147483729" r:id="rId9"/>
+    <p:sldLayoutId id="2147483730" r:id="rId10"/>
+    <p:sldLayoutId id="2147483731" r:id="rId11"/>
   </p:sldLayoutIdLst>
   <p:txStyles>
     <p:titleStyle>
@@ -9631,7 +12502,7 @@
       </p:grpSpPr>
       <p:cxnSp>
         <p:nvCxnSpPr>
-          <p:cNvPr id="7" name="Straight Arrow Connector 6">
+          <p:cNvPr id="365" name="Straight Arrow Connector 364">
             <a:extLst>
               <a:ext uri="{FF2B5EF4-FFF2-40B4-BE49-F238E27FC236}">
                 <a16:creationId xmlns:a16="http://schemas.microsoft.com/office/drawing/2014/main" id="{6B2B5BF2-676C-E1AE-BA62-2F7C9F6C9C70}"/>
@@ -9645,7 +12516,7 @@
         </p:nvCxnSpPr>
         <p:spPr>
           <a:xfrm>
-            <a:off x="1807853" y="5658896"/>
+            <a:off x="1836420" y="4900935"/>
             <a:ext cx="0" cy="184430"/>
           </a:xfrm>
           <a:prstGeom prst="straightConnector1">
@@ -9658,7 +12529,7 @@
                 <a:lumOff val="25000"/>
               </a:schemeClr>
             </a:solidFill>
-            <a:tailEnd type="triangle"/>
+            <a:tailEnd type="triangle" w="med" len="sm"/>
           </a:ln>
         </p:spPr>
         <p:style>
@@ -9678,7 +12549,7 @@
       </p:cxnSp>
       <p:cxnSp>
         <p:nvCxnSpPr>
-          <p:cNvPr id="8" name="Straight Arrow Connector 7">
+          <p:cNvPr id="366" name="Straight Arrow Connector 365">
             <a:extLst>
               <a:ext uri="{FF2B5EF4-FFF2-40B4-BE49-F238E27FC236}">
                 <a16:creationId xmlns:a16="http://schemas.microsoft.com/office/drawing/2014/main" id="{C03C5827-406F-B7CA-16D5-2D1C3286C854}"/>
@@ -9687,14 +12558,15 @@
           </p:cNvPr>
           <p:cNvCxnSpPr>
             <a:cxnSpLocks/>
-            <a:stCxn id="16" idx="2"/>
+            <a:stCxn id="371" idx="2"/>
+            <a:endCxn id="367" idx="0"/>
           </p:cNvCxnSpPr>
           <p:nvPr/>
         </p:nvCxnSpPr>
         <p:spPr>
-          <a:xfrm flipH="1">
-            <a:off x="3707850" y="3435309"/>
-            <a:ext cx="1" cy="2555106"/>
+          <a:xfrm>
+            <a:off x="3663888" y="3236060"/>
+            <a:ext cx="3103" cy="1717493"/>
           </a:xfrm>
           <a:prstGeom prst="straightConnector1">
             <a:avLst/>
@@ -9706,7 +12578,7 @@
                 <a:lumOff val="25000"/>
               </a:schemeClr>
             </a:solidFill>
-            <a:tailEnd type="none"/>
+            <a:tailEnd type="triangle" w="med" len="sm"/>
           </a:ln>
         </p:spPr>
         <p:style>
@@ -9726,7 +12598,7 @@
       </p:cxnSp>
       <p:sp>
         <p:nvSpPr>
-          <p:cNvPr id="9" name="Rectangle 8">
+          <p:cNvPr id="367" name="Rectangle 366">
             <a:extLst>
               <a:ext uri="{FF2B5EF4-FFF2-40B4-BE49-F238E27FC236}">
                 <a16:creationId xmlns:a16="http://schemas.microsoft.com/office/drawing/2014/main" id="{37757665-AC28-C2D7-9288-A4F262BEDCA5}"/>
@@ -9738,8 +12610,8 @@
         </p:nvSpPr>
         <p:spPr>
           <a:xfrm>
-            <a:off x="326662" y="5844282"/>
-            <a:ext cx="2971233" cy="292266"/>
+            <a:off x="3158824" y="4953553"/>
+            <a:ext cx="1016334" cy="678851"/>
           </a:xfrm>
           <a:prstGeom prst="rect">
             <a:avLst/>
@@ -9818,61 +12690,14 @@
                 <a:latin typeface="Calibri Light" panose="020F0302020204030204" pitchFamily="34" charset="0"/>
                 <a:cs typeface="Calibri Light" panose="020F0302020204030204" pitchFamily="34" charset="0"/>
               </a:rPr>
-              <a:t>) over the corresponding outer test dataset.</a:t>
+              <a:t>) over the corresponding outer test dataset</a:t>
             </a:r>
           </a:p>
         </p:txBody>
       </p:sp>
-      <p:cxnSp>
-        <p:nvCxnSpPr>
-          <p:cNvPr id="10" name="Straight Arrow Connector 9">
-            <a:extLst>
-              <a:ext uri="{FF2B5EF4-FFF2-40B4-BE49-F238E27FC236}">
-                <a16:creationId xmlns:a16="http://schemas.microsoft.com/office/drawing/2014/main" id="{92F3CE2A-5F1A-1C78-2C29-5D73E908A641}"/>
-              </a:ext>
-            </a:extLst>
-          </p:cNvPr>
-          <p:cNvCxnSpPr>
-            <a:cxnSpLocks/>
-          </p:cNvCxnSpPr>
-          <p:nvPr/>
-        </p:nvCxnSpPr>
-        <p:spPr>
-          <a:xfrm flipH="1">
-            <a:off x="3099335" y="5990415"/>
-            <a:ext cx="608515" cy="0"/>
-          </a:xfrm>
-          <a:prstGeom prst="straightConnector1">
-            <a:avLst/>
-          </a:prstGeom>
-          <a:ln w="3175">
-            <a:solidFill>
-              <a:schemeClr val="tx1">
-                <a:lumMod val="75000"/>
-                <a:lumOff val="25000"/>
-              </a:schemeClr>
-            </a:solidFill>
-            <a:tailEnd type="triangle"/>
-          </a:ln>
-        </p:spPr>
-        <p:style>
-          <a:lnRef idx="2">
-            <a:schemeClr val="accent1"/>
-          </a:lnRef>
-          <a:fillRef idx="0">
-            <a:schemeClr val="accent1"/>
-          </a:fillRef>
-          <a:effectRef idx="1">
-            <a:schemeClr val="accent1"/>
-          </a:effectRef>
-          <a:fontRef idx="minor">
-            <a:schemeClr val="tx1"/>
-          </a:fontRef>
-        </p:style>
-      </p:cxnSp>
       <p:sp>
         <p:nvSpPr>
-          <p:cNvPr id="11" name="Rectangle 10">
+          <p:cNvPr id="368" name="Rectangle 367">
             <a:extLst>
               <a:ext uri="{FF2B5EF4-FFF2-40B4-BE49-F238E27FC236}">
                 <a16:creationId xmlns:a16="http://schemas.microsoft.com/office/drawing/2014/main" id="{6E3975A0-04BD-A32C-5C8E-87D363BCBF43}"/>
@@ -9948,7 +12773,7 @@
       </p:sp>
       <p:sp>
         <p:nvSpPr>
-          <p:cNvPr id="12" name="Rectangle 11">
+          <p:cNvPr id="369" name="Rectangle 368">
             <a:extLst>
               <a:ext uri="{FF2B5EF4-FFF2-40B4-BE49-F238E27FC236}">
                 <a16:creationId xmlns:a16="http://schemas.microsoft.com/office/drawing/2014/main" id="{EC3C4672-BBD3-831C-7CA8-0C6A492C9F9C}"/>
@@ -9960,7 +12785,7 @@
         </p:nvSpPr>
         <p:spPr>
           <a:xfrm>
-            <a:off x="490149" y="389200"/>
+            <a:off x="490149" y="372108"/>
             <a:ext cx="3159903" cy="264384"/>
           </a:xfrm>
           <a:prstGeom prst="rect">
@@ -10004,8 +12829,8 @@
                 <a:solidFill>
                   <a:schemeClr val="bg1"/>
                 </a:solidFill>
-                <a:latin typeface="Calibri Light" panose="020F0302020204030204" pitchFamily="34" charset="0"/>
-                <a:cs typeface="Calibri Light" panose="020F0302020204030204" pitchFamily="34" charset="0"/>
+                <a:latin typeface="Calibri" panose="020F0502020204030204" pitchFamily="34" charset="0"/>
+                <a:cs typeface="Calibri" panose="020F0502020204030204" pitchFamily="34" charset="0"/>
               </a:rPr>
               <a:t>Imbalanced</a:t>
             </a:r>
@@ -10014,8 +12839,8 @@
                 <a:solidFill>
                   <a:schemeClr val="bg1"/>
                 </a:solidFill>
-                <a:latin typeface="Calibri Light" panose="020F0302020204030204" pitchFamily="34" charset="0"/>
-                <a:cs typeface="Calibri Light" panose="020F0302020204030204" pitchFamily="34" charset="0"/>
+                <a:latin typeface="Calibri" panose="020F0502020204030204" pitchFamily="34" charset="0"/>
+                <a:cs typeface="Calibri" panose="020F0502020204030204" pitchFamily="34" charset="0"/>
               </a:rPr>
               <a:t> training dataset (from 2001 to 2020)</a:t>
             </a:r>
@@ -10023,101 +12848,21 @@
           <a:p>
             <a:pPr algn="ctr"/>
             <a:r>
-              <a:rPr lang="en-GB" sz="800" b="1" dirty="0">
+              <a:rPr lang="en-GB" sz="800" dirty="0">
                 <a:solidFill>
                   <a:schemeClr val="bg1"/>
                 </a:solidFill>
                 <a:latin typeface="Calibri" panose="020F0502020204030204" pitchFamily="34" charset="0"/>
                 <a:cs typeface="Calibri" panose="020F0502020204030204" pitchFamily="34" charset="0"/>
               </a:rPr>
-              <a:t>m = 19.75M</a:t>
-            </a:r>
-            <a:r>
-              <a:rPr lang="en-GB" sz="800" b="1" dirty="0">
-                <a:solidFill>
-                  <a:schemeClr val="bg1"/>
-                </a:solidFill>
-                <a:latin typeface="Calibri Light" panose="020F0302020204030204" pitchFamily="34" charset="0"/>
-                <a:cs typeface="Calibri Light" panose="020F0302020204030204" pitchFamily="34" charset="0"/>
-              </a:rPr>
-              <a:t> </a:t>
-            </a:r>
-            <a:r>
-              <a:rPr lang="en-GB" sz="800" dirty="0">
-                <a:solidFill>
-                  <a:schemeClr val="bg1"/>
-                </a:solidFill>
-                <a:latin typeface="Calibri Light" panose="020F0302020204030204" pitchFamily="34" charset="0"/>
-                <a:cs typeface="Calibri Light" panose="020F0302020204030204" pitchFamily="34" charset="0"/>
-              </a:rPr>
-              <a:t>data points, of which </a:t>
-            </a:r>
-            <a:r>
-              <a:rPr lang="en-GB" sz="800" b="1" dirty="0">
-                <a:solidFill>
-                  <a:schemeClr val="bg1"/>
-                </a:solidFill>
-                <a:latin typeface="Calibri" panose="020F0502020204030204" pitchFamily="34" charset="0"/>
-                <a:cs typeface="Calibri" panose="020F0502020204030204" pitchFamily="34" charset="0"/>
-              </a:rPr>
-              <a:t>53245 </a:t>
-            </a:r>
-            <a:r>
-              <a:rPr lang="en-GB" sz="800" dirty="0">
-                <a:solidFill>
-                  <a:schemeClr val="bg1"/>
-                </a:solidFill>
-                <a:latin typeface="Calibri Light" panose="020F0302020204030204" pitchFamily="34" charset="0"/>
-                <a:cs typeface="Calibri Light" panose="020F0302020204030204" pitchFamily="34" charset="0"/>
-              </a:rPr>
-              <a:t>(</a:t>
-            </a:r>
-            <a:r>
-              <a:rPr lang="en-GB" sz="800" b="1" dirty="0">
-                <a:solidFill>
-                  <a:schemeClr val="bg1"/>
-                </a:solidFill>
-                <a:latin typeface="Calibri" panose="020F0502020204030204" pitchFamily="34" charset="0"/>
-                <a:cs typeface="Calibri" panose="020F0502020204030204" pitchFamily="34" charset="0"/>
-              </a:rPr>
-              <a:t>0.27%</a:t>
-            </a:r>
-            <a:r>
-              <a:rPr lang="en-GB" sz="800" dirty="0">
-                <a:solidFill>
-                  <a:schemeClr val="bg1"/>
-                </a:solidFill>
-                <a:latin typeface="Calibri Light" panose="020F0302020204030204" pitchFamily="34" charset="0"/>
-                <a:cs typeface="Calibri Light" panose="020F0302020204030204" pitchFamily="34" charset="0"/>
-              </a:rPr>
-              <a:t>)</a:t>
-            </a:r>
-            <a:r>
-              <a:rPr lang="en-GB" sz="800" b="1" dirty="0">
-                <a:solidFill>
-                  <a:schemeClr val="bg1"/>
-                </a:solidFill>
-                <a:latin typeface="Calibri" panose="020F0502020204030204" pitchFamily="34" charset="0"/>
-                <a:cs typeface="Calibri" panose="020F0502020204030204" pitchFamily="34" charset="0"/>
-              </a:rPr>
-              <a:t> </a:t>
-            </a:r>
-            <a:r>
-              <a:rPr lang="en-GB" sz="800" dirty="0">
-                <a:solidFill>
-                  <a:schemeClr val="bg1"/>
-                </a:solidFill>
-                <a:latin typeface="Calibri Light" panose="020F0302020204030204" pitchFamily="34" charset="0"/>
-                <a:cs typeface="Calibri Light" panose="020F0302020204030204" pitchFamily="34" charset="0"/>
-              </a:rPr>
-              <a:t>are gridded yes-events</a:t>
+              <a:t>m = 19.75M gridded data points, of which 53245 (0.27%) are yes-events</a:t>
             </a:r>
           </a:p>
         </p:txBody>
       </p:sp>
       <p:cxnSp>
         <p:nvCxnSpPr>
-          <p:cNvPr id="13" name="Straight Arrow Connector 12">
+          <p:cNvPr id="370" name="Straight Arrow Connector 369">
             <a:extLst>
               <a:ext uri="{FF2B5EF4-FFF2-40B4-BE49-F238E27FC236}">
                 <a16:creationId xmlns:a16="http://schemas.microsoft.com/office/drawing/2014/main" id="{7DC2AC43-F265-6066-8ACE-435A1F981070}"/>
@@ -10131,8 +12876,8 @@
         </p:nvCxnSpPr>
         <p:spPr>
           <a:xfrm>
-            <a:off x="2070101" y="615084"/>
-            <a:ext cx="0" cy="684000"/>
+            <a:off x="2070101" y="640722"/>
+            <a:ext cx="0" cy="180000"/>
           </a:xfrm>
           <a:prstGeom prst="straightConnector1">
             <a:avLst/>
@@ -10144,7 +12889,7 @@
                 <a:lumOff val="25000"/>
               </a:schemeClr>
             </a:solidFill>
-            <a:tailEnd type="triangle"/>
+            <a:tailEnd type="triangle" w="med" len="sm"/>
           </a:ln>
         </p:spPr>
         <p:style>
@@ -10164,128 +12909,7 @@
       </p:cxnSp>
       <p:sp>
         <p:nvSpPr>
-          <p:cNvPr id="14" name="Rectangle 13">
-            <a:extLst>
-              <a:ext uri="{FF2B5EF4-FFF2-40B4-BE49-F238E27FC236}">
-                <a16:creationId xmlns:a16="http://schemas.microsoft.com/office/drawing/2014/main" id="{A98AD652-CC49-61CB-93BF-590382B2DB5F}"/>
-              </a:ext>
-            </a:extLst>
-          </p:cNvPr>
-          <p:cNvSpPr/>
-          <p:nvPr/>
-        </p:nvSpPr>
-        <p:spPr>
-          <a:xfrm>
-            <a:off x="2115982" y="686065"/>
-            <a:ext cx="1915552" cy="589128"/>
-          </a:xfrm>
-          <a:prstGeom prst="rect">
-            <a:avLst/>
-          </a:prstGeom>
-          <a:noFill/>
-          <a:ln w="3175">
-            <a:noFill/>
-          </a:ln>
-        </p:spPr>
-        <p:style>
-          <a:lnRef idx="2">
-            <a:schemeClr val="accent1">
-              <a:shade val="15000"/>
-            </a:schemeClr>
-          </a:lnRef>
-          <a:fillRef idx="1">
-            <a:schemeClr val="accent1"/>
-          </a:fillRef>
-          <a:effectRef idx="0">
-            <a:schemeClr val="accent1"/>
-          </a:effectRef>
-          <a:fontRef idx="minor">
-            <a:schemeClr val="lt1"/>
-          </a:fontRef>
-        </p:style>
-        <p:txBody>
-          <a:bodyPr rtlCol="0" anchor="ctr"/>
-          <a:lstStyle/>
-          <a:p>
-            <a:r>
-              <a:rPr lang="en-GB" sz="800" b="1" dirty="0">
-                <a:solidFill>
-                  <a:schemeClr val="tx1">
-                    <a:lumMod val="75000"/>
-                    <a:lumOff val="25000"/>
-                  </a:schemeClr>
-                </a:solidFill>
-                <a:latin typeface="Calibri" panose="020F0502020204030204" pitchFamily="34" charset="0"/>
-                <a:cs typeface="Calibri" panose="020F0502020204030204" pitchFamily="34" charset="0"/>
-              </a:rPr>
-              <a:t>RepeatedStratifiedKfold</a:t>
-            </a:r>
-          </a:p>
-          <a:p>
-            <a:r>
-              <a:rPr lang="en-GB" sz="800" dirty="0">
-                <a:solidFill>
-                  <a:schemeClr val="tx1">
-                    <a:lumMod val="75000"/>
-                    <a:lumOff val="25000"/>
-                  </a:schemeClr>
-                </a:solidFill>
-                <a:latin typeface="Calibri Light" panose="020F0302020204030204" pitchFamily="34" charset="0"/>
-                <a:cs typeface="Calibri Light" panose="020F0302020204030204" pitchFamily="34" charset="0"/>
-              </a:rPr>
-              <a:t>To preserve in every outer and inner fold the training dataset’s original class ratio between yes- and non-events</a:t>
-            </a:r>
-          </a:p>
-        </p:txBody>
-      </p:sp>
-      <p:pic>
-        <p:nvPicPr>
-          <p:cNvPr id="15" name="Picture 2" descr="Integrate scikit-learn (sklearn) with ZenML - Modeling Integrations">
-            <a:extLst>
-              <a:ext uri="{FF2B5EF4-FFF2-40B4-BE49-F238E27FC236}">
-                <a16:creationId xmlns:a16="http://schemas.microsoft.com/office/drawing/2014/main" id="{E97DB556-868B-EC99-E5AE-818CEEC67257}"/>
-              </a:ext>
-            </a:extLst>
-          </p:cNvPr>
-          <p:cNvPicPr>
-            <a:picLocks noChangeAspect="1" noChangeArrowheads="1"/>
-          </p:cNvPicPr>
-          <p:nvPr/>
-        </p:nvPicPr>
-        <p:blipFill rotWithShape="1">
-          <a:blip r:embed="rId2">
-            <a:extLst>
-              <a:ext uri="{28A0092B-C50C-407E-A947-70E740481C1C}">
-                <a14:useLocalDpi xmlns:a14="http://schemas.microsoft.com/office/drawing/2010/main" val="0"/>
-              </a:ext>
-            </a:extLst>
-          </a:blip>
-          <a:srcRect l="7299" t="22668" r="8002" b="22124"/>
-          <a:stretch/>
-        </p:blipFill>
-        <p:spPr bwMode="auto">
-          <a:xfrm>
-            <a:off x="3264540" y="685256"/>
-            <a:ext cx="262871" cy="171347"/>
-          </a:xfrm>
-          <a:prstGeom prst="rect">
-            <a:avLst/>
-          </a:prstGeom>
-          <a:noFill/>
-          <a:extLst>
-            <a:ext uri="{909E8E84-426E-40DD-AFC4-6F175D3DCCD1}">
-              <a14:hiddenFill xmlns:a14="http://schemas.microsoft.com/office/drawing/2010/main">
-                <a:solidFill>
-                  <a:srgbClr val="FFFFFF"/>
-                </a:solidFill>
-              </a14:hiddenFill>
-            </a:ext>
-          </a:extLst>
-        </p:spPr>
-      </p:pic>
-      <p:sp>
-        <p:nvSpPr>
-          <p:cNvPr id="16" name="Rectangle 15">
+          <p:cNvPr id="371" name="Rectangle 370">
             <a:extLst>
               <a:ext uri="{FF2B5EF4-FFF2-40B4-BE49-F238E27FC236}">
                 <a16:creationId xmlns:a16="http://schemas.microsoft.com/office/drawing/2014/main" id="{66347620-DBE3-A5F5-F8A3-7C2F7C6EBDE6}"/>
@@ -10297,7 +12921,7 @@
         </p:nvSpPr>
         <p:spPr>
           <a:xfrm>
-            <a:off x="3347851" y="3255309"/>
+            <a:off x="3303888" y="3056060"/>
             <a:ext cx="720000" cy="180000"/>
           </a:xfrm>
           <a:prstGeom prst="rect">
@@ -10336,8 +12960,8 @@
                 <a:solidFill>
                   <a:srgbClr val="F2F2F2"/>
                 </a:solidFill>
-                <a:latin typeface="Calibri Light" panose="020F0302020204030204" pitchFamily="34" charset="0"/>
-                <a:cs typeface="Calibri Light" panose="020F0302020204030204" pitchFamily="34" charset="0"/>
+                <a:latin typeface="Calibri" panose="020F0502020204030204" pitchFamily="34" charset="0"/>
+                <a:cs typeface="Calibri" panose="020F0502020204030204" pitchFamily="34" charset="0"/>
               </a:rPr>
               <a:t>Outer Test</a:t>
             </a:r>
@@ -10346,7 +12970,7 @@
       </p:sp>
       <p:sp>
         <p:nvSpPr>
-          <p:cNvPr id="17" name="TextBox 16">
+          <p:cNvPr id="372" name="TextBox 371">
             <a:extLst>
               <a:ext uri="{FF2B5EF4-FFF2-40B4-BE49-F238E27FC236}">
                 <a16:creationId xmlns:a16="http://schemas.microsoft.com/office/drawing/2014/main" id="{4DC959A9-7C89-6A9D-8C2C-4CCD3B47ECC5}"/>
@@ -10358,7 +12982,7 @@
         </p:nvSpPr>
         <p:spPr>
           <a:xfrm>
-            <a:off x="3347850" y="3088479"/>
+            <a:off x="3303887" y="2889230"/>
             <a:ext cx="720000" cy="215442"/>
           </a:xfrm>
           <a:prstGeom prst="rect">
@@ -10388,7 +13012,7 @@
       </p:sp>
       <p:cxnSp>
         <p:nvCxnSpPr>
-          <p:cNvPr id="18" name="Straight Arrow Connector 17">
+          <p:cNvPr id="373" name="Straight Arrow Connector 372">
             <a:extLst>
               <a:ext uri="{FF2B5EF4-FFF2-40B4-BE49-F238E27FC236}">
                 <a16:creationId xmlns:a16="http://schemas.microsoft.com/office/drawing/2014/main" id="{B54C17C6-3C4D-8A4F-59E1-33BB2363B4F2}"/>
@@ -10402,15 +13026,18 @@
         </p:nvCxnSpPr>
         <p:spPr>
           <a:xfrm>
-            <a:off x="1424066" y="2619241"/>
-            <a:ext cx="1881069" cy="159293"/>
+            <a:off x="1262303" y="2375488"/>
+            <a:ext cx="1957445" cy="317480"/>
           </a:xfrm>
           <a:prstGeom prst="straightConnector1">
             <a:avLst/>
           </a:prstGeom>
           <a:ln w="19050">
             <a:solidFill>
-              <a:srgbClr val="3A0CA3"/>
+              <a:schemeClr val="tx1">
+                <a:lumMod val="75000"/>
+                <a:lumOff val="25000"/>
+              </a:schemeClr>
             </a:solidFill>
             <a:tailEnd type="none"/>
           </a:ln>
@@ -10432,7 +13059,7 @@
       </p:cxnSp>
       <p:cxnSp>
         <p:nvCxnSpPr>
-          <p:cNvPr id="19" name="Straight Arrow Connector 18">
+          <p:cNvPr id="374" name="Straight Arrow Connector 373">
             <a:extLst>
               <a:ext uri="{FF2B5EF4-FFF2-40B4-BE49-F238E27FC236}">
                 <a16:creationId xmlns:a16="http://schemas.microsoft.com/office/drawing/2014/main" id="{256D26E3-8C15-B026-B526-6022B54CCA43}"/>
@@ -10446,15 +13073,18 @@
         </p:nvCxnSpPr>
         <p:spPr>
           <a:xfrm>
-            <a:off x="74951" y="2613311"/>
-            <a:ext cx="251711" cy="167808"/>
+            <a:off x="95442" y="2365460"/>
+            <a:ext cx="170165" cy="317480"/>
           </a:xfrm>
           <a:prstGeom prst="straightConnector1">
             <a:avLst/>
           </a:prstGeom>
           <a:ln w="19050">
             <a:solidFill>
-              <a:srgbClr val="3A0CA3"/>
+              <a:schemeClr val="tx1">
+                <a:lumMod val="75000"/>
+                <a:lumOff val="25000"/>
+              </a:schemeClr>
             </a:solidFill>
             <a:tailEnd type="none"/>
           </a:ln>
@@ -10476,7 +13106,7 @@
       </p:cxnSp>
       <p:cxnSp>
         <p:nvCxnSpPr>
-          <p:cNvPr id="20" name="Straight Arrow Connector 19">
+          <p:cNvPr id="375" name="Straight Arrow Connector 374">
             <a:extLst>
               <a:ext uri="{FF2B5EF4-FFF2-40B4-BE49-F238E27FC236}">
                 <a16:creationId xmlns:a16="http://schemas.microsoft.com/office/drawing/2014/main" id="{8B8A5069-7969-C164-8418-15F4BE24B20F}"/>
@@ -10490,7 +13120,7 @@
         </p:nvCxnSpPr>
         <p:spPr>
           <a:xfrm>
-            <a:off x="2070100" y="6303201"/>
+            <a:off x="2070100" y="5676576"/>
             <a:ext cx="0" cy="184430"/>
           </a:xfrm>
           <a:prstGeom prst="straightConnector1">
@@ -10503,7 +13133,7 @@
                 <a:lumOff val="25000"/>
               </a:schemeClr>
             </a:solidFill>
-            <a:tailEnd type="triangle"/>
+            <a:tailEnd type="triangle" w="med" len="sm"/>
           </a:ln>
         </p:spPr>
         <p:style>
@@ -10523,119 +13153,7 @@
       </p:cxnSp>
       <p:sp>
         <p:nvSpPr>
-          <p:cNvPr id="21" name="Rectangle 20">
-            <a:extLst>
-              <a:ext uri="{FF2B5EF4-FFF2-40B4-BE49-F238E27FC236}">
-                <a16:creationId xmlns:a16="http://schemas.microsoft.com/office/drawing/2014/main" id="{AE7F31D2-F023-F7AB-A647-E119A53ECEA7}"/>
-              </a:ext>
-            </a:extLst>
-          </p:cNvPr>
-          <p:cNvSpPr/>
-          <p:nvPr/>
-        </p:nvSpPr>
-        <p:spPr>
-          <a:xfrm>
-            <a:off x="0" y="6483276"/>
-            <a:ext cx="4140200" cy="173470"/>
-          </a:xfrm>
-          <a:prstGeom prst="rect">
-            <a:avLst/>
-          </a:prstGeom>
-          <a:noFill/>
-          <a:ln w="3175">
-            <a:noFill/>
-          </a:ln>
-        </p:spPr>
-        <p:style>
-          <a:lnRef idx="2">
-            <a:schemeClr val="accent1">
-              <a:shade val="15000"/>
-            </a:schemeClr>
-          </a:lnRef>
-          <a:fillRef idx="1">
-            <a:schemeClr val="accent1"/>
-          </a:fillRef>
-          <a:effectRef idx="0">
-            <a:schemeClr val="accent1"/>
-          </a:effectRef>
-          <a:fontRef idx="minor">
-            <a:schemeClr val="lt1"/>
-          </a:fontRef>
-        </p:style>
-        <p:txBody>
-          <a:bodyPr rtlCol="0" anchor="ctr"/>
-          <a:lstStyle/>
-          <a:p>
-            <a:pPr algn="ctr"/>
-            <a:r>
-              <a:rPr lang="en-GB" sz="800" b="1" dirty="0">
-                <a:solidFill>
-                  <a:srgbClr val="2CA58D"/>
-                </a:solidFill>
-                <a:latin typeface="Calibri" panose="020F0502020204030204" pitchFamily="34" charset="0"/>
-                <a:cs typeface="Calibri" panose="020F0502020204030204" pitchFamily="34" charset="0"/>
-              </a:rPr>
-              <a:t>Select the best-performing fold</a:t>
-            </a:r>
-            <a:r>
-              <a:rPr lang="en-GB" sz="800" dirty="0">
-                <a:solidFill>
-                  <a:schemeClr val="tx1">
-                    <a:lumMod val="75000"/>
-                    <a:lumOff val="25000"/>
-                  </a:schemeClr>
-                </a:solidFill>
-                <a:latin typeface="Calibri Light" panose="020F0302020204030204" pitchFamily="34" charset="0"/>
-                <a:cs typeface="Calibri Light" panose="020F0302020204030204" pitchFamily="34" charset="0"/>
-              </a:rPr>
-              <a:t>, and </a:t>
-            </a:r>
-            <a:r>
-              <a:rPr lang="en-GB" sz="800" b="1" dirty="0">
-                <a:solidFill>
-                  <a:srgbClr val="800080"/>
-                </a:solidFill>
-                <a:latin typeface="Calibri" panose="020F0502020204030204" pitchFamily="34" charset="0"/>
-                <a:cs typeface="Calibri" panose="020F0502020204030204" pitchFamily="34" charset="0"/>
-              </a:rPr>
-              <a:t>train it over the original training dataset </a:t>
-            </a:r>
-            <a:r>
-              <a:rPr lang="en-GB" sz="800" dirty="0">
-                <a:solidFill>
-                  <a:srgbClr val="800080"/>
-                </a:solidFill>
-                <a:latin typeface="Calibri Light" panose="020F0302020204030204" pitchFamily="34" charset="0"/>
-                <a:cs typeface="Calibri Light" panose="020F0302020204030204" pitchFamily="34" charset="0"/>
-              </a:rPr>
-              <a:t>(</a:t>
-            </a:r>
-            <a:r>
-              <a:rPr lang="en-GB" sz="800" b="1" dirty="0">
-                <a:solidFill>
-                  <a:srgbClr val="800080"/>
-                </a:solidFill>
-                <a:latin typeface="Calibri" panose="020F0502020204030204" pitchFamily="34" charset="0"/>
-                <a:cs typeface="Calibri" panose="020F0502020204030204" pitchFamily="34" charset="0"/>
-              </a:rPr>
-              <a:t>m</a:t>
-            </a:r>
-            <a:r>
-              <a:rPr lang="en-GB" sz="800" dirty="0">
-                <a:solidFill>
-                  <a:srgbClr val="800080"/>
-                </a:solidFill>
-                <a:latin typeface="Calibri Light" panose="020F0302020204030204" pitchFamily="34" charset="0"/>
-                <a:cs typeface="Calibri Light" panose="020F0302020204030204" pitchFamily="34" charset="0"/>
-              </a:rPr>
-              <a:t> datapoints)</a:t>
-            </a:r>
-          </a:p>
-        </p:txBody>
-      </p:sp>
-      <p:sp>
-        <p:nvSpPr>
-          <p:cNvPr id="22" name="Parallelogram 21">
+          <p:cNvPr id="376" name="Parallelogram 375">
             <a:extLst>
               <a:ext uri="{FF2B5EF4-FFF2-40B4-BE49-F238E27FC236}">
                 <a16:creationId xmlns:a16="http://schemas.microsoft.com/office/drawing/2014/main" id="{1A0731B8-37BC-29FF-5EFB-3505DFCBB060}"/>
@@ -10647,8 +13165,8 @@
         </p:nvSpPr>
         <p:spPr>
           <a:xfrm>
-            <a:off x="18108" y="6827996"/>
-            <a:ext cx="1720023" cy="444575"/>
+            <a:off x="581957" y="5866875"/>
+            <a:ext cx="2976579" cy="444575"/>
           </a:xfrm>
           <a:prstGeom prst="parallelogram">
             <a:avLst>
@@ -10700,60 +13218,53 @@
                 <a:latin typeface="Calibri Light" panose="020F0302020204030204" pitchFamily="34" charset="0"/>
                 <a:cs typeface="Calibri Light" panose="020F0302020204030204" pitchFamily="34" charset="0"/>
               </a:rPr>
-              <a:t>Model ready </a:t>
+              <a:t>Select best-performing fold, and </a:t>
             </a:r>
           </a:p>
           <a:p>
             <a:pPr algn="ctr"/>
             <a:r>
               <a:rPr lang="en-GB" sz="800" dirty="0">
+                <a:solidFill>
+                  <a:srgbClr val="800080"/>
+                </a:solidFill>
+                <a:latin typeface="Calibri Light" panose="020F0302020204030204" pitchFamily="34" charset="0"/>
+                <a:cs typeface="Calibri Light" panose="020F0302020204030204" pitchFamily="34" charset="0"/>
+              </a:rPr>
+              <a:t>train it over the original training dataset</a:t>
+            </a:r>
+            <a:endParaRPr lang="en-GB" sz="800" dirty="0">
+              <a:solidFill>
+                <a:schemeClr val="tx1">
+                  <a:lumMod val="75000"/>
+                  <a:lumOff val="25000"/>
+                </a:schemeClr>
+              </a:solidFill>
+              <a:latin typeface="Calibri Light" panose="020F0302020204030204" pitchFamily="34" charset="0"/>
+              <a:cs typeface="Calibri Light" panose="020F0302020204030204" pitchFamily="34" charset="0"/>
+            </a:endParaRPr>
+          </a:p>
+          <a:p>
+            <a:pPr algn="ctr"/>
+            <a:r>
+              <a:rPr lang="en-GB" sz="800" b="1" dirty="0">
                 <a:solidFill>
                   <a:schemeClr val="tx1">
                     <a:lumMod val="75000"/>
                     <a:lumOff val="25000"/>
                   </a:schemeClr>
                 </a:solidFill>
-                <a:latin typeface="Calibri Light" panose="020F0302020204030204" pitchFamily="34" charset="0"/>
-                <a:cs typeface="Calibri Light" panose="020F0302020204030204" pitchFamily="34" charset="0"/>
+                <a:latin typeface="Calibri" panose="020F0502020204030204" pitchFamily="34" charset="0"/>
+                <a:cs typeface="Calibri" panose="020F0502020204030204" pitchFamily="34" charset="0"/>
               </a:rPr>
-              <a:t>for forecast production</a:t>
+              <a:t>(model ready for operational deployment)</a:t>
             </a:r>
           </a:p>
         </p:txBody>
       </p:sp>
-      <p:pic>
-        <p:nvPicPr>
-          <p:cNvPr id="23" name="Picture 22">
-            <a:extLst>
-              <a:ext uri="{FF2B5EF4-FFF2-40B4-BE49-F238E27FC236}">
-                <a16:creationId xmlns:a16="http://schemas.microsoft.com/office/drawing/2014/main" id="{6A5460AA-4519-4CF9-A5F0-33FE5FD31A96}"/>
-              </a:ext>
-            </a:extLst>
-          </p:cNvPr>
-          <p:cNvPicPr>
-            <a:picLocks noChangeAspect="1"/>
-          </p:cNvPicPr>
-          <p:nvPr/>
-        </p:nvPicPr>
-        <p:blipFill>
-          <a:blip r:embed="rId3"/>
-          <a:stretch>
-            <a:fillRect/>
-          </a:stretch>
-        </p:blipFill>
-        <p:spPr>
-          <a:xfrm>
-            <a:off x="-15240" y="1275594"/>
-            <a:ext cx="4140200" cy="1390443"/>
-          </a:xfrm>
-          <a:prstGeom prst="rect">
-            <a:avLst/>
-          </a:prstGeom>
-        </p:spPr>
-      </p:pic>
       <p:sp>
         <p:nvSpPr>
-          <p:cNvPr id="24" name="Rectangle 23">
+          <p:cNvPr id="377" name="Rectangle 376">
             <a:extLst>
               <a:ext uri="{FF2B5EF4-FFF2-40B4-BE49-F238E27FC236}">
                 <a16:creationId xmlns:a16="http://schemas.microsoft.com/office/drawing/2014/main" id="{5382C8C2-6F3C-50EB-0A51-B5F6DC1665D1}"/>
@@ -10765,7 +13276,7 @@
         </p:nvSpPr>
         <p:spPr>
           <a:xfrm>
-            <a:off x="660104" y="3617678"/>
+            <a:off x="581957" y="3418429"/>
             <a:ext cx="846000" cy="180000"/>
           </a:xfrm>
           <a:prstGeom prst="rect">
@@ -10800,14 +13311,14 @@
           <a:p>
             <a:pPr algn="ctr"/>
             <a:r>
-              <a:rPr lang="en-GB" sz="700" dirty="0">
+              <a:rPr lang="en-GB" sz="700" b="1" dirty="0">
                 <a:solidFill>
                   <a:schemeClr val="bg1">
                     <a:lumMod val="95000"/>
                   </a:schemeClr>
                 </a:solidFill>
-                <a:latin typeface="Calibri Light" panose="020F0302020204030204" pitchFamily="34" charset="0"/>
-                <a:cs typeface="Calibri Light" panose="020F0302020204030204" pitchFamily="34" charset="0"/>
+                <a:latin typeface="Calibri" panose="020F0502020204030204" pitchFamily="34" charset="0"/>
+                <a:cs typeface="Calibri" panose="020F0502020204030204" pitchFamily="34" charset="0"/>
               </a:rPr>
               <a:t>Inner Validation</a:t>
             </a:r>
@@ -10816,7 +13327,7 @@
       </p:sp>
       <p:sp>
         <p:nvSpPr>
-          <p:cNvPr id="25" name="Rectangle 24">
+          <p:cNvPr id="378" name="Rectangle 377">
             <a:extLst>
               <a:ext uri="{FF2B5EF4-FFF2-40B4-BE49-F238E27FC236}">
                 <a16:creationId xmlns:a16="http://schemas.microsoft.com/office/drawing/2014/main" id="{AFE3A951-104C-CEDE-A21D-544D4B214711}"/>
@@ -10828,7 +13339,7 @@
         </p:nvSpPr>
         <p:spPr>
           <a:xfrm>
-            <a:off x="1533104" y="3617678"/>
+            <a:off x="1454957" y="3418429"/>
             <a:ext cx="846000" cy="180000"/>
           </a:xfrm>
           <a:prstGeom prst="rect">
@@ -10863,14 +13374,14 @@
           <a:p>
             <a:pPr algn="ctr"/>
             <a:r>
-              <a:rPr lang="en-GB" sz="700" dirty="0">
+              <a:rPr lang="en-GB" sz="700" b="1" dirty="0">
                 <a:solidFill>
                   <a:schemeClr val="bg1">
                     <a:lumMod val="95000"/>
                   </a:schemeClr>
                 </a:solidFill>
-                <a:latin typeface="Calibri Light" panose="020F0302020204030204" pitchFamily="34" charset="0"/>
-                <a:cs typeface="Calibri Light" panose="020F0302020204030204" pitchFamily="34" charset="0"/>
+                <a:latin typeface="Calibri" panose="020F0502020204030204" pitchFamily="34" charset="0"/>
+                <a:cs typeface="Calibri" panose="020F0502020204030204" pitchFamily="34" charset="0"/>
               </a:rPr>
               <a:t>Inner Training</a:t>
             </a:r>
@@ -10879,7 +13390,7 @@
       </p:sp>
       <p:sp>
         <p:nvSpPr>
-          <p:cNvPr id="26" name="Rectangle 25">
+          <p:cNvPr id="379" name="Rectangle 378">
             <a:extLst>
               <a:ext uri="{FF2B5EF4-FFF2-40B4-BE49-F238E27FC236}">
                 <a16:creationId xmlns:a16="http://schemas.microsoft.com/office/drawing/2014/main" id="{F81123FD-1880-7B13-64BB-A61B32D6C3FC}"/>
@@ -10891,7 +13402,7 @@
         </p:nvSpPr>
         <p:spPr>
           <a:xfrm>
-            <a:off x="2406104" y="3617678"/>
+            <a:off x="2327957" y="3418429"/>
             <a:ext cx="846000" cy="180000"/>
           </a:xfrm>
           <a:prstGeom prst="rect">
@@ -10926,14 +13437,14 @@
           <a:p>
             <a:pPr algn="ctr"/>
             <a:r>
-              <a:rPr lang="en-GB" sz="700" dirty="0">
+              <a:rPr lang="en-GB" sz="700" b="1" dirty="0">
                 <a:solidFill>
                   <a:schemeClr val="bg1">
                     <a:lumMod val="95000"/>
                   </a:schemeClr>
                 </a:solidFill>
-                <a:latin typeface="Calibri Light" panose="020F0302020204030204" pitchFamily="34" charset="0"/>
-                <a:cs typeface="Calibri Light" panose="020F0302020204030204" pitchFamily="34" charset="0"/>
+                <a:latin typeface="Calibri" panose="020F0502020204030204" pitchFamily="34" charset="0"/>
+                <a:cs typeface="Calibri" panose="020F0502020204030204" pitchFamily="34" charset="0"/>
               </a:rPr>
               <a:t>Inner Training</a:t>
             </a:r>
@@ -10942,7 +13453,7 @@
       </p:sp>
       <p:sp>
         <p:nvSpPr>
-          <p:cNvPr id="27" name="Rectangle 26">
+          <p:cNvPr id="380" name="Rectangle 379">
             <a:extLst>
               <a:ext uri="{FF2B5EF4-FFF2-40B4-BE49-F238E27FC236}">
                 <a16:creationId xmlns:a16="http://schemas.microsoft.com/office/drawing/2014/main" id="{68F25C0E-89BD-9175-A93B-76E013FBF0DD}"/>
@@ -10954,7 +13465,7 @@
         </p:nvSpPr>
         <p:spPr>
           <a:xfrm>
-            <a:off x="660104" y="3828944"/>
+            <a:off x="581957" y="3629695"/>
             <a:ext cx="846000" cy="180000"/>
           </a:xfrm>
           <a:prstGeom prst="rect">
@@ -10989,14 +13500,14 @@
           <a:p>
             <a:pPr algn="ctr"/>
             <a:r>
-              <a:rPr lang="en-GB" sz="700" dirty="0">
+              <a:rPr lang="en-GB" sz="700" b="1" dirty="0">
                 <a:solidFill>
                   <a:schemeClr val="bg1">
                     <a:lumMod val="95000"/>
                   </a:schemeClr>
                 </a:solidFill>
-                <a:latin typeface="Calibri Light" panose="020F0302020204030204" pitchFamily="34" charset="0"/>
-                <a:cs typeface="Calibri Light" panose="020F0302020204030204" pitchFamily="34" charset="0"/>
+                <a:latin typeface="Calibri" panose="020F0502020204030204" pitchFamily="34" charset="0"/>
+                <a:cs typeface="Calibri" panose="020F0502020204030204" pitchFamily="34" charset="0"/>
               </a:rPr>
               <a:t>Inner Training</a:t>
             </a:r>
@@ -11005,7 +13516,7 @@
       </p:sp>
       <p:sp>
         <p:nvSpPr>
-          <p:cNvPr id="28" name="Rectangle 27">
+          <p:cNvPr id="381" name="Rectangle 380">
             <a:extLst>
               <a:ext uri="{FF2B5EF4-FFF2-40B4-BE49-F238E27FC236}">
                 <a16:creationId xmlns:a16="http://schemas.microsoft.com/office/drawing/2014/main" id="{96248778-630E-7601-4FAE-FF9CFCDF1B42}"/>
@@ -11017,7 +13528,7 @@
         </p:nvSpPr>
         <p:spPr>
           <a:xfrm>
-            <a:off x="1533104" y="3828944"/>
+            <a:off x="1454957" y="3629695"/>
             <a:ext cx="846000" cy="180000"/>
           </a:xfrm>
           <a:prstGeom prst="rect">
@@ -11052,14 +13563,14 @@
           <a:p>
             <a:pPr algn="ctr"/>
             <a:r>
-              <a:rPr lang="en-GB" sz="700" dirty="0">
+              <a:rPr lang="en-GB" sz="700" b="1" dirty="0">
                 <a:solidFill>
                   <a:schemeClr val="bg1">
                     <a:lumMod val="95000"/>
                   </a:schemeClr>
                 </a:solidFill>
-                <a:latin typeface="Calibri Light" panose="020F0302020204030204" pitchFamily="34" charset="0"/>
-                <a:cs typeface="Calibri Light" panose="020F0302020204030204" pitchFamily="34" charset="0"/>
+                <a:latin typeface="Calibri" panose="020F0502020204030204" pitchFamily="34" charset="0"/>
+                <a:cs typeface="Calibri" panose="020F0502020204030204" pitchFamily="34" charset="0"/>
               </a:rPr>
               <a:t>Inner Validation</a:t>
             </a:r>
@@ -11068,7 +13579,7 @@
       </p:sp>
       <p:sp>
         <p:nvSpPr>
-          <p:cNvPr id="29" name="Rectangle 28">
+          <p:cNvPr id="382" name="Rectangle 381">
             <a:extLst>
               <a:ext uri="{FF2B5EF4-FFF2-40B4-BE49-F238E27FC236}">
                 <a16:creationId xmlns:a16="http://schemas.microsoft.com/office/drawing/2014/main" id="{9CADC630-E44A-1A89-9FDE-8EDA7123B19C}"/>
@@ -11080,7 +13591,7 @@
         </p:nvSpPr>
         <p:spPr>
           <a:xfrm>
-            <a:off x="2406104" y="3828944"/>
+            <a:off x="2327957" y="3629695"/>
             <a:ext cx="846000" cy="180000"/>
           </a:xfrm>
           <a:prstGeom prst="rect">
@@ -11115,14 +13626,14 @@
           <a:p>
             <a:pPr algn="ctr"/>
             <a:r>
-              <a:rPr lang="en-GB" sz="700" dirty="0">
+              <a:rPr lang="en-GB" sz="700" b="1" dirty="0">
                 <a:solidFill>
                   <a:schemeClr val="bg1">
                     <a:lumMod val="95000"/>
                   </a:schemeClr>
                 </a:solidFill>
-                <a:latin typeface="Calibri Light" panose="020F0302020204030204" pitchFamily="34" charset="0"/>
-                <a:cs typeface="Calibri Light" panose="020F0302020204030204" pitchFamily="34" charset="0"/>
+                <a:latin typeface="Calibri" panose="020F0502020204030204" pitchFamily="34" charset="0"/>
+                <a:cs typeface="Calibri" panose="020F0502020204030204" pitchFamily="34" charset="0"/>
               </a:rPr>
               <a:t>Inner Training</a:t>
             </a:r>
@@ -11131,7 +13642,7 @@
       </p:sp>
       <p:sp>
         <p:nvSpPr>
-          <p:cNvPr id="30" name="Rectangle 29">
+          <p:cNvPr id="383" name="Rectangle 382">
             <a:extLst>
               <a:ext uri="{FF2B5EF4-FFF2-40B4-BE49-F238E27FC236}">
                 <a16:creationId xmlns:a16="http://schemas.microsoft.com/office/drawing/2014/main" id="{EAF3C8BC-9003-987C-E4A9-44A032A5528E}"/>
@@ -11143,7 +13654,7 @@
         </p:nvSpPr>
         <p:spPr>
           <a:xfrm>
-            <a:off x="660104" y="4032243"/>
+            <a:off x="581957" y="3832994"/>
             <a:ext cx="846000" cy="180000"/>
           </a:xfrm>
           <a:prstGeom prst="rect">
@@ -11178,14 +13689,14 @@
           <a:p>
             <a:pPr algn="ctr"/>
             <a:r>
-              <a:rPr lang="en-GB" sz="700" dirty="0">
+              <a:rPr lang="en-GB" sz="700" b="1" dirty="0">
                 <a:solidFill>
                   <a:schemeClr val="bg1">
                     <a:lumMod val="95000"/>
                   </a:schemeClr>
                 </a:solidFill>
-                <a:latin typeface="Calibri Light" panose="020F0302020204030204" pitchFamily="34" charset="0"/>
-                <a:cs typeface="Calibri Light" panose="020F0302020204030204" pitchFamily="34" charset="0"/>
+                <a:latin typeface="Calibri" panose="020F0502020204030204" pitchFamily="34" charset="0"/>
+                <a:cs typeface="Calibri" panose="020F0502020204030204" pitchFamily="34" charset="0"/>
               </a:rPr>
               <a:t>Inner Training</a:t>
             </a:r>
@@ -11194,7 +13705,7 @@
       </p:sp>
       <p:sp>
         <p:nvSpPr>
-          <p:cNvPr id="31" name="Rectangle 30">
+          <p:cNvPr id="384" name="Rectangle 383">
             <a:extLst>
               <a:ext uri="{FF2B5EF4-FFF2-40B4-BE49-F238E27FC236}">
                 <a16:creationId xmlns:a16="http://schemas.microsoft.com/office/drawing/2014/main" id="{28B436EB-88AE-9EF3-EB76-64B6D1FB6EEB}"/>
@@ -11206,7 +13717,7 @@
         </p:nvSpPr>
         <p:spPr>
           <a:xfrm>
-            <a:off x="1533104" y="4032243"/>
+            <a:off x="1454957" y="3832994"/>
             <a:ext cx="846000" cy="180000"/>
           </a:xfrm>
           <a:prstGeom prst="rect">
@@ -11241,14 +13752,14 @@
           <a:p>
             <a:pPr algn="ctr"/>
             <a:r>
-              <a:rPr lang="en-GB" sz="700" dirty="0">
+              <a:rPr lang="en-GB" sz="700" b="1" dirty="0">
                 <a:solidFill>
                   <a:schemeClr val="bg1">
                     <a:lumMod val="95000"/>
                   </a:schemeClr>
                 </a:solidFill>
-                <a:latin typeface="Calibri Light" panose="020F0302020204030204" pitchFamily="34" charset="0"/>
-                <a:cs typeface="Calibri Light" panose="020F0302020204030204" pitchFamily="34" charset="0"/>
+                <a:latin typeface="Calibri" panose="020F0502020204030204" pitchFamily="34" charset="0"/>
+                <a:cs typeface="Calibri" panose="020F0502020204030204" pitchFamily="34" charset="0"/>
               </a:rPr>
               <a:t>Inner Training</a:t>
             </a:r>
@@ -11257,7 +13768,7 @@
       </p:sp>
       <p:sp>
         <p:nvSpPr>
-          <p:cNvPr id="32" name="Rectangle 31">
+          <p:cNvPr id="385" name="Rectangle 384">
             <a:extLst>
               <a:ext uri="{FF2B5EF4-FFF2-40B4-BE49-F238E27FC236}">
                 <a16:creationId xmlns:a16="http://schemas.microsoft.com/office/drawing/2014/main" id="{F27C24D0-AB2A-41DB-6171-C0B6ED9E9A68}"/>
@@ -11269,7 +13780,7 @@
         </p:nvSpPr>
         <p:spPr>
           <a:xfrm>
-            <a:off x="2406104" y="4032243"/>
+            <a:off x="2327957" y="3832994"/>
             <a:ext cx="846000" cy="180000"/>
           </a:xfrm>
           <a:prstGeom prst="rect">
@@ -11304,14 +13815,14 @@
           <a:p>
             <a:pPr algn="ctr"/>
             <a:r>
-              <a:rPr lang="en-GB" sz="700" dirty="0">
+              <a:rPr lang="en-GB" sz="700" b="1" dirty="0">
                 <a:solidFill>
                   <a:schemeClr val="bg1">
                     <a:lumMod val="95000"/>
                   </a:schemeClr>
                 </a:solidFill>
-                <a:latin typeface="Calibri Light" panose="020F0302020204030204" pitchFamily="34" charset="0"/>
-                <a:cs typeface="Calibri Light" panose="020F0302020204030204" pitchFamily="34" charset="0"/>
+                <a:latin typeface="Calibri" panose="020F0502020204030204" pitchFamily="34" charset="0"/>
+                <a:cs typeface="Calibri" panose="020F0502020204030204" pitchFamily="34" charset="0"/>
               </a:rPr>
               <a:t>Inner Validation</a:t>
             </a:r>
@@ -11320,7 +13831,7 @@
       </p:sp>
       <p:sp>
         <p:nvSpPr>
-          <p:cNvPr id="33" name="Rectangle 32">
+          <p:cNvPr id="386" name="Rectangle 385">
             <a:extLst>
               <a:ext uri="{FF2B5EF4-FFF2-40B4-BE49-F238E27FC236}">
                 <a16:creationId xmlns:a16="http://schemas.microsoft.com/office/drawing/2014/main" id="{41C377DF-3C36-42E1-684D-12BC83DB59C3}"/>
@@ -11332,8 +13843,8 @@
         </p:nvSpPr>
         <p:spPr>
           <a:xfrm>
-            <a:off x="288074" y="4455720"/>
-            <a:ext cx="3028422" cy="546157"/>
+            <a:off x="410199" y="4008640"/>
+            <a:ext cx="2888472" cy="413416"/>
           </a:xfrm>
           <a:prstGeom prst="rect">
             <a:avLst/>
@@ -11367,48 +13878,12 @@
             <a:r>
               <a:rPr lang="en-GB" sz="800" dirty="0">
                 <a:solidFill>
-                  <a:srgbClr val="3A0CA3"/>
-                </a:solidFill>
-                <a:latin typeface="Calibri Light" panose="020F0302020204030204" pitchFamily="34" charset="0"/>
-                <a:cs typeface="Calibri Light" panose="020F0302020204030204" pitchFamily="34" charset="0"/>
-              </a:rPr>
-              <a:t>Single Optuna trial (candidate set of hyperparameters) =  </a:t>
-            </a:r>
-          </a:p>
-          <a:p>
-            <a:pPr algn="ctr"/>
-            <a:r>
-              <a:rPr lang="en-GB" sz="800" dirty="0">
-                <a:solidFill>
                   <a:srgbClr val="FF0066"/>
                 </a:solidFill>
                 <a:latin typeface="Calibri Light" panose="020F0302020204030204" pitchFamily="34" charset="0"/>
                 <a:cs typeface="Calibri Light" panose="020F0302020204030204" pitchFamily="34" charset="0"/>
               </a:rPr>
-              <a:t>Train each candidate set of hyperparameters over (k_inner - 1) splits,</a:t>
-            </a:r>
-            <a:r>
-              <a:rPr lang="en-GB" sz="800" dirty="0">
-                <a:solidFill>
-                  <a:schemeClr val="tx1">
-                    <a:lumMod val="75000"/>
-                    <a:lumOff val="25000"/>
-                  </a:schemeClr>
-                </a:solidFill>
-                <a:latin typeface="Calibri Light" panose="020F0302020204030204" pitchFamily="34" charset="0"/>
-                <a:cs typeface="Calibri Light" panose="020F0302020204030204" pitchFamily="34" charset="0"/>
-              </a:rPr>
-              <a:t> </a:t>
-            </a:r>
-            <a:r>
-              <a:rPr lang="en-GB" sz="800" dirty="0">
-                <a:solidFill>
-                  <a:srgbClr val="FF0066"/>
-                </a:solidFill>
-                <a:latin typeface="Calibri Light" panose="020F0302020204030204" pitchFamily="34" charset="0"/>
-                <a:cs typeface="Calibri Light" panose="020F0302020204030204" pitchFamily="34" charset="0"/>
-              </a:rPr>
-              <a:t>maximising </a:t>
+              <a:t>Train each candidate hyperparameters set over (k_inner - 1) splits (maximising </a:t>
             </a:r>
             <a:r>
               <a:rPr lang="en-GB" sz="800" b="1" dirty="0">
@@ -11438,7 +13913,7 @@
                 <a:latin typeface="Calibri" panose="020F0502020204030204" pitchFamily="34" charset="0"/>
                 <a:cs typeface="Calibri" panose="020F0502020204030204" pitchFamily="34" charset="0"/>
               </a:rPr>
-              <a:t>AUC-ROC</a:t>
+              <a:t>AUC-ROC)</a:t>
             </a:r>
             <a:r>
               <a:rPr lang="en-GB" sz="800" dirty="0">
@@ -11451,7 +13926,7 @@
                 <a:latin typeface="Calibri Light" panose="020F0302020204030204" pitchFamily="34" charset="0"/>
                 <a:cs typeface="Calibri Light" panose="020F0302020204030204" pitchFamily="34" charset="0"/>
               </a:rPr>
-              <a:t>, and </a:t>
+              <a:t> and </a:t>
             </a:r>
             <a:r>
               <a:rPr lang="en-GB" sz="800" dirty="0">
@@ -11461,7 +13936,7 @@
                 <a:latin typeface="Calibri Light" panose="020F0302020204030204" pitchFamily="34" charset="0"/>
                 <a:cs typeface="Calibri Light" panose="020F0302020204030204" pitchFamily="34" charset="0"/>
               </a:rPr>
-              <a:t>validate the set over 1 split </a:t>
+              <a:t>validate over 1 split </a:t>
             </a:r>
           </a:p>
           <a:p>
@@ -11469,7 +13944,10 @@
             <a:r>
               <a:rPr lang="en-GB" sz="800" dirty="0">
                 <a:solidFill>
-                  <a:srgbClr val="3A0CA3"/>
+                  <a:schemeClr val="tx1">
+                    <a:lumMod val="75000"/>
+                    <a:lumOff val="25000"/>
+                  </a:schemeClr>
                 </a:solidFill>
                 <a:latin typeface="Calibri Light" panose="020F0302020204030204" pitchFamily="34" charset="0"/>
                 <a:cs typeface="Calibri Light" panose="020F0302020204030204" pitchFamily="34" charset="0"/>
@@ -11479,56 +13957,9 @@
           </a:p>
         </p:txBody>
       </p:sp>
-      <p:cxnSp>
-        <p:nvCxnSpPr>
-          <p:cNvPr id="34" name="Straight Arrow Connector 33">
-            <a:extLst>
-              <a:ext uri="{FF2B5EF4-FFF2-40B4-BE49-F238E27FC236}">
-                <a16:creationId xmlns:a16="http://schemas.microsoft.com/office/drawing/2014/main" id="{D6C433DB-BAA1-CC71-D29E-1CD90D5B8AA6}"/>
-              </a:ext>
-            </a:extLst>
-          </p:cNvPr>
-          <p:cNvCxnSpPr>
-            <a:cxnSpLocks/>
-          </p:cNvCxnSpPr>
-          <p:nvPr/>
-        </p:nvCxnSpPr>
-        <p:spPr>
-          <a:xfrm>
-            <a:off x="1807853" y="4265889"/>
-            <a:ext cx="0" cy="183694"/>
-          </a:xfrm>
-          <a:prstGeom prst="straightConnector1">
-            <a:avLst/>
-          </a:prstGeom>
-          <a:ln w="3175">
-            <a:solidFill>
-              <a:schemeClr val="tx1">
-                <a:lumMod val="75000"/>
-                <a:lumOff val="25000"/>
-              </a:schemeClr>
-            </a:solidFill>
-            <a:tailEnd type="triangle"/>
-          </a:ln>
-        </p:spPr>
-        <p:style>
-          <a:lnRef idx="2">
-            <a:schemeClr val="accent1"/>
-          </a:lnRef>
-          <a:fillRef idx="0">
-            <a:schemeClr val="accent1"/>
-          </a:fillRef>
-          <a:effectRef idx="1">
-            <a:schemeClr val="accent1"/>
-          </a:effectRef>
-          <a:fontRef idx="minor">
-            <a:schemeClr val="tx1"/>
-          </a:fontRef>
-        </p:style>
-      </p:cxnSp>
       <p:sp>
         <p:nvSpPr>
-          <p:cNvPr id="35" name="Rectangle 34">
+          <p:cNvPr id="387" name="Rectangle 386">
             <a:extLst>
               <a:ext uri="{FF2B5EF4-FFF2-40B4-BE49-F238E27FC236}">
                 <a16:creationId xmlns:a16="http://schemas.microsoft.com/office/drawing/2014/main" id="{2CFA74E3-D91E-2C27-4A99-D3D1A111919C}"/>
@@ -11540,18 +13971,23 @@
         </p:nvSpPr>
         <p:spPr>
           <a:xfrm>
-            <a:off x="326662" y="2781119"/>
-            <a:ext cx="2971234" cy="317158"/>
+            <a:off x="265607" y="2692968"/>
+            <a:ext cx="2971234" cy="203321"/>
           </a:xfrm>
           <a:prstGeom prst="rect">
             <a:avLst/>
           </a:prstGeom>
           <a:solidFill>
-            <a:srgbClr val="3A0CA3"/>
+            <a:schemeClr val="bg1">
+              <a:lumMod val="95000"/>
+            </a:schemeClr>
           </a:solidFill>
           <a:ln w="19050">
             <a:solidFill>
-              <a:srgbClr val="3A0CA3"/>
+              <a:schemeClr val="tx1">
+                <a:lumMod val="75000"/>
+                <a:lumOff val="25000"/>
+              </a:schemeClr>
             </a:solidFill>
           </a:ln>
         </p:spPr>
@@ -11579,23 +14015,22 @@
             <a:r>
               <a:rPr lang="en-GB" sz="800" dirty="0">
                 <a:solidFill>
-                  <a:schemeClr val="bg1">
-                    <a:lumMod val="95000"/>
+                  <a:schemeClr val="tx1">
+                    <a:lumMod val="75000"/>
+                    <a:lumOff val="25000"/>
                   </a:schemeClr>
                 </a:solidFill>
                 <a:latin typeface="Calibri Light" panose="020F0302020204030204" pitchFamily="34" charset="0"/>
                 <a:cs typeface="Calibri Light" panose="020F0302020204030204" pitchFamily="34" charset="0"/>
               </a:rPr>
-              <a:t>Hyperparameter tuning with Optuna </a:t>
+              <a:t>Hyperparameter tuning with Optuna (      </a:t>
             </a:r>
-          </a:p>
-          <a:p>
-            <a:pPr algn="ctr"/>
             <a:r>
               <a:rPr lang="en-GB" sz="800" b="1" dirty="0">
                 <a:solidFill>
-                  <a:schemeClr val="bg1">
-                    <a:lumMod val="95000"/>
+                  <a:schemeClr val="tx1">
+                    <a:lumMod val="75000"/>
+                    <a:lumOff val="25000"/>
                   </a:schemeClr>
                 </a:solidFill>
                 <a:latin typeface="Calibri" panose="020F0502020204030204" pitchFamily="34" charset="0"/>
@@ -11606,30 +14041,35 @@
             <a:r>
               <a:rPr lang="en-GB" sz="800" b="1" dirty="0">
                 <a:solidFill>
-                  <a:schemeClr val="bg1">
-                    <a:lumMod val="95000"/>
+                  <a:schemeClr val="tx1">
+                    <a:lumMod val="75000"/>
+                    <a:lumOff val="25000"/>
                   </a:schemeClr>
                 </a:solidFill>
                 <a:latin typeface="Calibri Light" panose="020F0302020204030204" pitchFamily="34" charset="0"/>
                 <a:cs typeface="Calibri Light" panose="020F0302020204030204" pitchFamily="34" charset="0"/>
               </a:rPr>
-              <a:t>= 20</a:t>
+              <a:t>= 20 </a:t>
             </a:r>
-            <a:endParaRPr lang="en-GB" sz="800" dirty="0">
-              <a:solidFill>
-                <a:schemeClr val="bg1">
-                  <a:lumMod val="95000"/>
-                </a:schemeClr>
-              </a:solidFill>
-              <a:latin typeface="Calibri Light" panose="020F0302020204030204" pitchFamily="34" charset="0"/>
-              <a:cs typeface="Calibri Light" panose="020F0302020204030204" pitchFamily="34" charset="0"/>
-            </a:endParaRPr>
+            <a:r>
+              <a:rPr lang="en-GB" sz="800" dirty="0">
+                <a:solidFill>
+                  <a:schemeClr val="tx1">
+                    <a:lumMod val="75000"/>
+                    <a:lumOff val="25000"/>
+                  </a:schemeClr>
+                </a:solidFill>
+                <a:latin typeface="Calibri Light" panose="020F0302020204030204" pitchFamily="34" charset="0"/>
+                <a:cs typeface="Calibri Light" panose="020F0302020204030204" pitchFamily="34" charset="0"/>
+              </a:rPr>
+              <a:t>)</a:t>
+            </a:r>
           </a:p>
         </p:txBody>
       </p:sp>
       <p:sp>
         <p:nvSpPr>
-          <p:cNvPr id="36" name="Rectangle 35">
+          <p:cNvPr id="388" name="Rectangle 387">
             <a:extLst>
               <a:ext uri="{FF2B5EF4-FFF2-40B4-BE49-F238E27FC236}">
                 <a16:creationId xmlns:a16="http://schemas.microsoft.com/office/drawing/2014/main" id="{CC497459-D1DC-EE9A-EE1D-815F28D2818C}"/>
@@ -11641,7 +14081,7 @@
         </p:nvSpPr>
         <p:spPr>
           <a:xfrm>
-            <a:off x="653070" y="3455757"/>
+            <a:off x="574923" y="3256508"/>
             <a:ext cx="846000" cy="180000"/>
           </a:xfrm>
           <a:prstGeom prst="rect">
@@ -11694,8 +14134,8 @@
                     <a:lumOff val="25000"/>
                   </a:schemeClr>
                 </a:solidFill>
-                <a:latin typeface="Calibri Light" panose="020F0302020204030204" pitchFamily="34" charset="0"/>
-                <a:cs typeface="Calibri Light" panose="020F0302020204030204" pitchFamily="34" charset="0"/>
+                <a:latin typeface="Calibri" panose="020F0502020204030204" pitchFamily="34" charset="0"/>
+                <a:cs typeface="Calibri" panose="020F0502020204030204" pitchFamily="34" charset="0"/>
               </a:rPr>
               <a:t> fold 1</a:t>
             </a:r>
@@ -11704,7 +14144,7 @@
       </p:sp>
       <p:sp>
         <p:nvSpPr>
-          <p:cNvPr id="37" name="Rectangle 36">
+          <p:cNvPr id="389" name="Rectangle 388">
             <a:extLst>
               <a:ext uri="{FF2B5EF4-FFF2-40B4-BE49-F238E27FC236}">
                 <a16:creationId xmlns:a16="http://schemas.microsoft.com/office/drawing/2014/main" id="{8A74094E-C336-74AA-E520-6856C354301A}"/>
@@ -11716,7 +14156,7 @@
         </p:nvSpPr>
         <p:spPr>
           <a:xfrm>
-            <a:off x="1526070" y="3455757"/>
+            <a:off x="1447923" y="3256508"/>
             <a:ext cx="846000" cy="180000"/>
           </a:xfrm>
           <a:prstGeom prst="rect">
@@ -11769,8 +14209,8 @@
                     <a:lumOff val="25000"/>
                   </a:schemeClr>
                 </a:solidFill>
-                <a:latin typeface="Calibri Light" panose="020F0302020204030204" pitchFamily="34" charset="0"/>
-                <a:cs typeface="Calibri Light" panose="020F0302020204030204" pitchFamily="34" charset="0"/>
+                <a:latin typeface="Calibri" panose="020F0502020204030204" pitchFamily="34" charset="0"/>
+                <a:cs typeface="Calibri" panose="020F0502020204030204" pitchFamily="34" charset="0"/>
               </a:rPr>
               <a:t> fold 2</a:t>
             </a:r>
@@ -11779,7 +14219,7 @@
       </p:sp>
       <p:sp>
         <p:nvSpPr>
-          <p:cNvPr id="38" name="Rectangle 37">
+          <p:cNvPr id="390" name="Rectangle 389">
             <a:extLst>
               <a:ext uri="{FF2B5EF4-FFF2-40B4-BE49-F238E27FC236}">
                 <a16:creationId xmlns:a16="http://schemas.microsoft.com/office/drawing/2014/main" id="{10B23706-9C8A-69A2-B423-B2EEB1C4D06D}"/>
@@ -11791,7 +14231,7 @@
         </p:nvSpPr>
         <p:spPr>
           <a:xfrm>
-            <a:off x="2399070" y="3455757"/>
+            <a:off x="2320923" y="3256508"/>
             <a:ext cx="846000" cy="180000"/>
           </a:xfrm>
           <a:prstGeom prst="rect">
@@ -11844,8 +14284,8 @@
                     <a:lumOff val="25000"/>
                   </a:schemeClr>
                 </a:solidFill>
-                <a:latin typeface="Calibri Light" panose="020F0302020204030204" pitchFamily="34" charset="0"/>
-                <a:cs typeface="Calibri Light" panose="020F0302020204030204" pitchFamily="34" charset="0"/>
+                <a:latin typeface="Calibri" panose="020F0502020204030204" pitchFamily="34" charset="0"/>
+                <a:cs typeface="Calibri" panose="020F0502020204030204" pitchFamily="34" charset="0"/>
               </a:rPr>
               <a:t> fold 3</a:t>
             </a:r>
@@ -11854,7 +14294,7 @@
       </p:sp>
       <p:sp>
         <p:nvSpPr>
-          <p:cNvPr id="39" name="Rectangle 38">
+          <p:cNvPr id="391" name="Rectangle 390">
             <a:extLst>
               <a:ext uri="{FF2B5EF4-FFF2-40B4-BE49-F238E27FC236}">
                 <a16:creationId xmlns:a16="http://schemas.microsoft.com/office/drawing/2014/main" id="{14A7D952-0782-7271-7F2A-BC6BC775B542}"/>
@@ -11866,7 +14306,7 @@
         </p:nvSpPr>
         <p:spPr>
           <a:xfrm>
-            <a:off x="226504" y="3621888"/>
+            <a:off x="148357" y="3422639"/>
             <a:ext cx="497974" cy="180000"/>
           </a:xfrm>
           <a:prstGeom prst="rect">
@@ -11906,8 +14346,8 @@
                     <a:lumOff val="25000"/>
                   </a:schemeClr>
                 </a:solidFill>
-                <a:latin typeface="Calibri Light" panose="020F0302020204030204" pitchFamily="34" charset="0"/>
-                <a:cs typeface="Calibri Light" panose="020F0302020204030204" pitchFamily="34" charset="0"/>
+                <a:latin typeface="Calibri" panose="020F0502020204030204" pitchFamily="34" charset="0"/>
+                <a:cs typeface="Calibri" panose="020F0502020204030204" pitchFamily="34" charset="0"/>
               </a:rPr>
               <a:t>Split 1</a:t>
             </a:r>
@@ -11916,7 +14356,7 @@
       </p:sp>
       <p:sp>
         <p:nvSpPr>
-          <p:cNvPr id="40" name="Rectangle 39">
+          <p:cNvPr id="392" name="Rectangle 391">
             <a:extLst>
               <a:ext uri="{FF2B5EF4-FFF2-40B4-BE49-F238E27FC236}">
                 <a16:creationId xmlns:a16="http://schemas.microsoft.com/office/drawing/2014/main" id="{06432789-ABB4-135D-C8F1-01F8D760F247}"/>
@@ -11928,7 +14368,7 @@
         </p:nvSpPr>
         <p:spPr>
           <a:xfrm>
-            <a:off x="226504" y="3835248"/>
+            <a:off x="148357" y="3635999"/>
             <a:ext cx="497974" cy="180000"/>
           </a:xfrm>
           <a:prstGeom prst="rect">
@@ -11968,8 +14408,8 @@
                     <a:lumOff val="25000"/>
                   </a:schemeClr>
                 </a:solidFill>
-                <a:latin typeface="Calibri Light" panose="020F0302020204030204" pitchFamily="34" charset="0"/>
-                <a:cs typeface="Calibri Light" panose="020F0302020204030204" pitchFamily="34" charset="0"/>
+                <a:latin typeface="Calibri" panose="020F0502020204030204" pitchFamily="34" charset="0"/>
+                <a:cs typeface="Calibri" panose="020F0502020204030204" pitchFamily="34" charset="0"/>
               </a:rPr>
               <a:t>Split 2</a:t>
             </a:r>
@@ -11978,7 +14418,7 @@
       </p:sp>
       <p:sp>
         <p:nvSpPr>
-          <p:cNvPr id="41" name="Rectangle 40">
+          <p:cNvPr id="393" name="Rectangle 392">
             <a:extLst>
               <a:ext uri="{FF2B5EF4-FFF2-40B4-BE49-F238E27FC236}">
                 <a16:creationId xmlns:a16="http://schemas.microsoft.com/office/drawing/2014/main" id="{C5603496-23AC-2551-E5E0-BDF8C60E9816}"/>
@@ -11990,7 +14430,7 @@
         </p:nvSpPr>
         <p:spPr>
           <a:xfrm>
-            <a:off x="226504" y="4034637"/>
+            <a:off x="148357" y="3835388"/>
             <a:ext cx="497974" cy="180000"/>
           </a:xfrm>
           <a:prstGeom prst="rect">
@@ -12030,8 +14470,8 @@
                     <a:lumOff val="25000"/>
                   </a:schemeClr>
                 </a:solidFill>
-                <a:latin typeface="Calibri Light" panose="020F0302020204030204" pitchFamily="34" charset="0"/>
-                <a:cs typeface="Calibri Light" panose="020F0302020204030204" pitchFamily="34" charset="0"/>
+                <a:latin typeface="Calibri" panose="020F0502020204030204" pitchFamily="34" charset="0"/>
+                <a:cs typeface="Calibri" panose="020F0502020204030204" pitchFamily="34" charset="0"/>
               </a:rPr>
               <a:t>Split 3</a:t>
             </a:r>
@@ -12040,7 +14480,7 @@
       </p:sp>
       <p:sp>
         <p:nvSpPr>
-          <p:cNvPr id="42" name="Rectangle 41">
+          <p:cNvPr id="394" name="Rectangle 393">
             <a:extLst>
               <a:ext uri="{FF2B5EF4-FFF2-40B4-BE49-F238E27FC236}">
                 <a16:creationId xmlns:a16="http://schemas.microsoft.com/office/drawing/2014/main" id="{BD4FCEEF-D9EE-3F9D-274E-A275AE7207AC}"/>
@@ -12052,8 +14492,8 @@
         </p:nvSpPr>
         <p:spPr>
           <a:xfrm>
-            <a:off x="326663" y="3105670"/>
-            <a:ext cx="2971235" cy="2507267"/>
+            <a:off x="265609" y="2896797"/>
+            <a:ext cx="2971232" cy="1994571"/>
           </a:xfrm>
           <a:prstGeom prst="rect">
             <a:avLst/>
@@ -12061,7 +14501,10 @@
           <a:noFill/>
           <a:ln>
             <a:solidFill>
-              <a:srgbClr val="3A0CA3"/>
+              <a:schemeClr val="tx1">
+                <a:lumMod val="75000"/>
+                <a:lumOff val="25000"/>
+              </a:schemeClr>
             </a:solidFill>
             <a:prstDash val="solid"/>
           </a:ln>
@@ -12101,7 +14544,7 @@
       </p:sp>
       <p:cxnSp>
         <p:nvCxnSpPr>
-          <p:cNvPr id="43" name="Straight Arrow Connector 42">
+          <p:cNvPr id="395" name="Straight Arrow Connector 394">
             <a:extLst>
               <a:ext uri="{FF2B5EF4-FFF2-40B4-BE49-F238E27FC236}">
                 <a16:creationId xmlns:a16="http://schemas.microsoft.com/office/drawing/2014/main" id="{C7C3581F-BB46-6BFD-88EC-1685548CDC83}"/>
@@ -12115,7 +14558,7 @@
         </p:nvCxnSpPr>
         <p:spPr>
           <a:xfrm>
-            <a:off x="1807853" y="5006617"/>
+            <a:off x="1836420" y="4414672"/>
             <a:ext cx="0" cy="184430"/>
           </a:xfrm>
           <a:prstGeom prst="straightConnector1">
@@ -12128,7 +14571,7 @@
                 <a:lumOff val="25000"/>
               </a:schemeClr>
             </a:solidFill>
-            <a:tailEnd type="triangle"/>
+            <a:tailEnd type="triangle" w="med" len="sm"/>
           </a:ln>
         </p:spPr>
         <p:style>
@@ -12148,7 +14591,7 @@
       </p:cxnSp>
       <p:sp>
         <p:nvSpPr>
-          <p:cNvPr id="44" name="Rectangle 43">
+          <p:cNvPr id="396" name="Rectangle 395">
             <a:extLst>
               <a:ext uri="{FF2B5EF4-FFF2-40B4-BE49-F238E27FC236}">
                 <a16:creationId xmlns:a16="http://schemas.microsoft.com/office/drawing/2014/main" id="{54B4C05C-53AB-88AD-E871-B8862B4F61D3}"/>
@@ -12160,8 +14603,8 @@
         </p:nvSpPr>
         <p:spPr>
           <a:xfrm>
-            <a:off x="353116" y="5182916"/>
-            <a:ext cx="2944779" cy="430021"/>
+            <a:off x="574923" y="4599102"/>
+            <a:ext cx="2592000" cy="292266"/>
           </a:xfrm>
           <a:prstGeom prst="rect">
             <a:avLst/>
@@ -12195,7 +14638,10 @@
             <a:r>
               <a:rPr lang="en-GB" sz="800" dirty="0">
                 <a:solidFill>
-                  <a:srgbClr val="3A0CA3"/>
+                  <a:schemeClr val="tx1">
+                    <a:lumMod val="75000"/>
+                    <a:lumOff val="25000"/>
+                  </a:schemeClr>
                 </a:solidFill>
                 <a:latin typeface="Calibri Light" panose="020F0302020204030204" pitchFamily="34" charset="0"/>
                 <a:cs typeface="Calibri Light" panose="020F0302020204030204" pitchFamily="34" charset="0"/>
@@ -12205,29 +14651,32 @@
             <a:r>
               <a:rPr lang="en-GB" sz="800" b="1" dirty="0">
                 <a:solidFill>
-                  <a:srgbClr val="3A0CA3"/>
+                  <a:schemeClr val="tx1">
+                    <a:lumMod val="75000"/>
+                    <a:lumOff val="25000"/>
+                  </a:schemeClr>
                 </a:solidFill>
                 <a:latin typeface="Calibri" panose="020F0502020204030204" pitchFamily="34" charset="0"/>
                 <a:cs typeface="Calibri" panose="020F0502020204030204" pitchFamily="34" charset="0"/>
               </a:rPr>
-              <a:t>best hyper-parameter set per outer fold and</a:t>
+              <a:t>best-performing hyperparameter set</a:t>
             </a:r>
-            <a:r>
-              <a:rPr lang="en-GB" sz="800" dirty="0">
-                <a:solidFill>
-                  <a:srgbClr val="3A0CA3"/>
-                </a:solidFill>
-                <a:latin typeface="Calibri Light" panose="020F0302020204030204" pitchFamily="34" charset="0"/>
-                <a:cs typeface="Calibri Light" panose="020F0302020204030204" pitchFamily="34" charset="0"/>
-              </a:rPr>
-              <a:t> trains the model with it over the entire outer training dataset.</a:t>
-            </a:r>
+            <a:endParaRPr lang="en-GB" sz="800" dirty="0">
+              <a:solidFill>
+                <a:schemeClr val="tx1">
+                  <a:lumMod val="75000"/>
+                  <a:lumOff val="25000"/>
+                </a:schemeClr>
+              </a:solidFill>
+              <a:latin typeface="Calibri Light" panose="020F0302020204030204" pitchFamily="34" charset="0"/>
+              <a:cs typeface="Calibri Light" panose="020F0302020204030204" pitchFamily="34" charset="0"/>
+            </a:endParaRPr>
           </a:p>
         </p:txBody>
       </p:sp>
       <p:sp>
         <p:nvSpPr>
-          <p:cNvPr id="45" name="Rectangle 44">
+          <p:cNvPr id="397" name="Rectangle 396">
             <a:extLst>
               <a:ext uri="{FF2B5EF4-FFF2-40B4-BE49-F238E27FC236}">
                 <a16:creationId xmlns:a16="http://schemas.microsoft.com/office/drawing/2014/main" id="{6EE46427-6BDE-882E-3A72-3DF2ED872F0A}"/>
@@ -12239,7 +14688,7 @@
         </p:nvSpPr>
         <p:spPr>
           <a:xfrm>
-            <a:off x="653070" y="3255309"/>
+            <a:off x="574923" y="3056060"/>
             <a:ext cx="2599034" cy="178250"/>
           </a:xfrm>
           <a:prstGeom prst="rect">
@@ -12289,8 +14738,8 @@
                     <a:lumMod val="95000"/>
                   </a:schemeClr>
                 </a:solidFill>
-                <a:latin typeface="Calibri Light" panose="020F0302020204030204" pitchFamily="34" charset="0"/>
-                <a:cs typeface="Calibri Light" panose="020F0302020204030204" pitchFamily="34" charset="0"/>
+                <a:latin typeface="Calibri" panose="020F0502020204030204" pitchFamily="34" charset="0"/>
+                <a:cs typeface="Calibri" panose="020F0502020204030204" pitchFamily="34" charset="0"/>
               </a:rPr>
               <a:t>Outer Training</a:t>
             </a:r>
@@ -12299,7 +14748,7 @@
       </p:sp>
       <p:sp>
         <p:nvSpPr>
-          <p:cNvPr id="46" name="TextBox 45">
+          <p:cNvPr id="398" name="TextBox 397">
             <a:extLst>
               <a:ext uri="{FF2B5EF4-FFF2-40B4-BE49-F238E27FC236}">
                 <a16:creationId xmlns:a16="http://schemas.microsoft.com/office/drawing/2014/main" id="{0BBE180E-9D2D-A30D-B94E-AB6240A4F89E}"/>
@@ -12311,7 +14760,7 @@
         </p:nvSpPr>
         <p:spPr>
           <a:xfrm>
-            <a:off x="679155" y="3088478"/>
+            <a:off x="601008" y="2889229"/>
             <a:ext cx="2592000" cy="215444"/>
           </a:xfrm>
           <a:prstGeom prst="rect">
@@ -12339,280 +14788,9 @@
           </a:p>
         </p:txBody>
       </p:sp>
-      <p:pic>
-        <p:nvPicPr>
-          <p:cNvPr id="47" name="Graphic 46" descr="Refresh with solid fill">
-            <a:extLst>
-              <a:ext uri="{FF2B5EF4-FFF2-40B4-BE49-F238E27FC236}">
-                <a16:creationId xmlns:a16="http://schemas.microsoft.com/office/drawing/2014/main" id="{682317A1-2BB1-8278-722B-8CE350ED4201}"/>
-              </a:ext>
-            </a:extLst>
-          </p:cNvPr>
-          <p:cNvPicPr>
-            <a:picLocks noChangeAspect="1"/>
-          </p:cNvPicPr>
-          <p:nvPr/>
-        </p:nvPicPr>
-        <p:blipFill>
-          <a:blip r:embed="rId4">
-            <a:extLst>
-              <a:ext uri="{96DAC541-7B7A-43D3-8B79-37D633B846F1}">
-                <asvg:svgBlip xmlns:asvg="http://schemas.microsoft.com/office/drawing/2016/SVG/main" r:embed="rId5"/>
-              </a:ext>
-            </a:extLst>
-          </a:blip>
-          <a:stretch>
-            <a:fillRect/>
-          </a:stretch>
-        </p:blipFill>
-        <p:spPr>
-          <a:xfrm>
-            <a:off x="1434629" y="2947376"/>
-            <a:ext cx="108000" cy="108000"/>
-          </a:xfrm>
-          <a:prstGeom prst="rect">
-            <a:avLst/>
-          </a:prstGeom>
-        </p:spPr>
-      </p:pic>
-      <p:cxnSp>
-        <p:nvCxnSpPr>
-          <p:cNvPr id="48" name="Straight Connector 47">
-            <a:extLst>
-              <a:ext uri="{FF2B5EF4-FFF2-40B4-BE49-F238E27FC236}">
-                <a16:creationId xmlns:a16="http://schemas.microsoft.com/office/drawing/2014/main" id="{C90FD5CB-CFB6-24E9-74FD-5E099AAAFF1E}"/>
-              </a:ext>
-            </a:extLst>
-          </p:cNvPr>
-          <p:cNvCxnSpPr>
-            <a:cxnSpLocks/>
-          </p:cNvCxnSpPr>
-          <p:nvPr/>
-        </p:nvCxnSpPr>
-        <p:spPr>
-          <a:xfrm>
-            <a:off x="31750" y="6256015"/>
-            <a:ext cx="4124960" cy="0"/>
-          </a:xfrm>
-          <a:prstGeom prst="line">
-            <a:avLst/>
-          </a:prstGeom>
-          <a:ln w="19050">
-            <a:solidFill>
-              <a:schemeClr val="tx1">
-                <a:lumMod val="75000"/>
-                <a:lumOff val="25000"/>
-              </a:schemeClr>
-            </a:solidFill>
-            <a:prstDash val="dash"/>
-          </a:ln>
-        </p:spPr>
-        <p:style>
-          <a:lnRef idx="2">
-            <a:schemeClr val="accent1"/>
-          </a:lnRef>
-          <a:fillRef idx="0">
-            <a:schemeClr val="accent1"/>
-          </a:fillRef>
-          <a:effectRef idx="1">
-            <a:schemeClr val="accent1"/>
-          </a:effectRef>
-          <a:fontRef idx="minor">
-            <a:schemeClr val="tx1"/>
-          </a:fontRef>
-        </p:style>
-      </p:cxnSp>
-      <p:cxnSp>
-        <p:nvCxnSpPr>
-          <p:cNvPr id="49" name="Straight Connector 48">
-            <a:extLst>
-              <a:ext uri="{FF2B5EF4-FFF2-40B4-BE49-F238E27FC236}">
-                <a16:creationId xmlns:a16="http://schemas.microsoft.com/office/drawing/2014/main" id="{05C4EC2C-B3F3-2097-D9EC-F18C3D347A17}"/>
-              </a:ext>
-            </a:extLst>
-          </p:cNvPr>
-          <p:cNvCxnSpPr>
-            <a:cxnSpLocks/>
-          </p:cNvCxnSpPr>
-          <p:nvPr/>
-        </p:nvCxnSpPr>
-        <p:spPr>
-          <a:xfrm rot="16200000">
-            <a:off x="-165100" y="6063282"/>
-            <a:ext cx="393700" cy="0"/>
-          </a:xfrm>
-          <a:prstGeom prst="line">
-            <a:avLst/>
-          </a:prstGeom>
-          <a:ln w="19050">
-            <a:solidFill>
-              <a:schemeClr val="tx1">
-                <a:lumMod val="75000"/>
-                <a:lumOff val="25000"/>
-              </a:schemeClr>
-            </a:solidFill>
-            <a:prstDash val="dash"/>
-          </a:ln>
-        </p:spPr>
-        <p:style>
-          <a:lnRef idx="2">
-            <a:schemeClr val="accent1"/>
-          </a:lnRef>
-          <a:fillRef idx="0">
-            <a:schemeClr val="accent1"/>
-          </a:fillRef>
-          <a:effectRef idx="1">
-            <a:schemeClr val="accent1"/>
-          </a:effectRef>
-          <a:fontRef idx="minor">
-            <a:schemeClr val="tx1"/>
-          </a:fontRef>
-        </p:style>
-      </p:cxnSp>
-      <p:cxnSp>
-        <p:nvCxnSpPr>
-          <p:cNvPr id="50" name="Straight Connector 49">
-            <a:extLst>
-              <a:ext uri="{FF2B5EF4-FFF2-40B4-BE49-F238E27FC236}">
-                <a16:creationId xmlns:a16="http://schemas.microsoft.com/office/drawing/2014/main" id="{0EA9D7BD-3F7C-AE8D-C1CE-E9C384898216}"/>
-              </a:ext>
-            </a:extLst>
-          </p:cNvPr>
-          <p:cNvCxnSpPr>
-            <a:cxnSpLocks/>
-          </p:cNvCxnSpPr>
-          <p:nvPr/>
-        </p:nvCxnSpPr>
-        <p:spPr>
-          <a:xfrm rot="16200000">
-            <a:off x="3902750" y="6055382"/>
-            <a:ext cx="393700" cy="0"/>
-          </a:xfrm>
-          <a:prstGeom prst="line">
-            <a:avLst/>
-          </a:prstGeom>
-          <a:ln w="19050">
-            <a:solidFill>
-              <a:schemeClr val="tx1">
-                <a:lumMod val="75000"/>
-                <a:lumOff val="25000"/>
-              </a:schemeClr>
-            </a:solidFill>
-            <a:prstDash val="dash"/>
-          </a:ln>
-        </p:spPr>
-        <p:style>
-          <a:lnRef idx="2">
-            <a:schemeClr val="accent1"/>
-          </a:lnRef>
-          <a:fillRef idx="0">
-            <a:schemeClr val="accent1"/>
-          </a:fillRef>
-          <a:effectRef idx="1">
-            <a:schemeClr val="accent1"/>
-          </a:effectRef>
-          <a:fontRef idx="minor">
-            <a:schemeClr val="tx1"/>
-          </a:fontRef>
-        </p:style>
-      </p:cxnSp>
-      <p:cxnSp>
-        <p:nvCxnSpPr>
-          <p:cNvPr id="51" name="Straight Arrow Connector 50">
-            <a:extLst>
-              <a:ext uri="{FF2B5EF4-FFF2-40B4-BE49-F238E27FC236}">
-                <a16:creationId xmlns:a16="http://schemas.microsoft.com/office/drawing/2014/main" id="{8AED844A-3F43-A4D7-963B-F1037DBA7454}"/>
-              </a:ext>
-            </a:extLst>
-          </p:cNvPr>
-          <p:cNvCxnSpPr>
-            <a:cxnSpLocks/>
-          </p:cNvCxnSpPr>
-          <p:nvPr/>
-        </p:nvCxnSpPr>
-        <p:spPr>
-          <a:xfrm>
-            <a:off x="1041479" y="6641225"/>
-            <a:ext cx="0" cy="184430"/>
-          </a:xfrm>
-          <a:prstGeom prst="straightConnector1">
-            <a:avLst/>
-          </a:prstGeom>
-          <a:ln w="3175">
-            <a:solidFill>
-              <a:schemeClr val="tx1">
-                <a:lumMod val="75000"/>
-                <a:lumOff val="25000"/>
-              </a:schemeClr>
-            </a:solidFill>
-            <a:tailEnd type="triangle"/>
-          </a:ln>
-        </p:spPr>
-        <p:style>
-          <a:lnRef idx="2">
-            <a:schemeClr val="accent1"/>
-          </a:lnRef>
-          <a:fillRef idx="0">
-            <a:schemeClr val="accent1"/>
-          </a:fillRef>
-          <a:effectRef idx="1">
-            <a:schemeClr val="accent1"/>
-          </a:effectRef>
-          <a:fontRef idx="minor">
-            <a:schemeClr val="tx1"/>
-          </a:fontRef>
-        </p:style>
-      </p:cxnSp>
-      <p:cxnSp>
-        <p:nvCxnSpPr>
-          <p:cNvPr id="52" name="Straight Arrow Connector 51">
-            <a:extLst>
-              <a:ext uri="{FF2B5EF4-FFF2-40B4-BE49-F238E27FC236}">
-                <a16:creationId xmlns:a16="http://schemas.microsoft.com/office/drawing/2014/main" id="{78FE547C-E0DD-A313-0B6C-3682E841EA64}"/>
-              </a:ext>
-            </a:extLst>
-          </p:cNvPr>
-          <p:cNvCxnSpPr>
-            <a:cxnSpLocks/>
-          </p:cNvCxnSpPr>
-          <p:nvPr/>
-        </p:nvCxnSpPr>
-        <p:spPr>
-          <a:xfrm>
-            <a:off x="1513854" y="7033507"/>
-            <a:ext cx="345978" cy="0"/>
-          </a:xfrm>
-          <a:prstGeom prst="straightConnector1">
-            <a:avLst/>
-          </a:prstGeom>
-          <a:ln w="3175">
-            <a:solidFill>
-              <a:schemeClr val="tx1">
-                <a:lumMod val="75000"/>
-                <a:lumOff val="25000"/>
-              </a:schemeClr>
-            </a:solidFill>
-            <a:tailEnd type="triangle"/>
-          </a:ln>
-        </p:spPr>
-        <p:style>
-          <a:lnRef idx="2">
-            <a:schemeClr val="accent1"/>
-          </a:lnRef>
-          <a:fillRef idx="0">
-            <a:schemeClr val="accent1"/>
-          </a:fillRef>
-          <a:effectRef idx="1">
-            <a:schemeClr val="accent1"/>
-          </a:effectRef>
-          <a:fontRef idx="minor">
-            <a:schemeClr val="tx1"/>
-          </a:fontRef>
-        </p:style>
-      </p:cxnSp>
       <p:sp>
         <p:nvSpPr>
-          <p:cNvPr id="53" name="Rectangle 52">
+          <p:cNvPr id="399" name="Rectangle 398">
             <a:extLst>
               <a:ext uri="{FF2B5EF4-FFF2-40B4-BE49-F238E27FC236}">
                 <a16:creationId xmlns:a16="http://schemas.microsoft.com/office/drawing/2014/main" id="{27B7D5CF-81CA-4EAF-61FB-FBDB71CAE40F}"/>
@@ -12624,8 +14802,8 @@
         </p:nvSpPr>
         <p:spPr>
           <a:xfrm>
-            <a:off x="1879082" y="6710984"/>
-            <a:ext cx="2171470" cy="485691"/>
+            <a:off x="490150" y="6520282"/>
+            <a:ext cx="3159900" cy="282573"/>
           </a:xfrm>
           <a:prstGeom prst="rect">
             <a:avLst/>
@@ -12664,84 +14842,44 @@
           <a:p>
             <a:pPr algn="ctr"/>
             <a:r>
-              <a:rPr lang="en-GB" sz="800" dirty="0">
-                <a:solidFill>
-                  <a:schemeClr val="bg1"/>
-                </a:solidFill>
-                <a:latin typeface="Calibri Light" panose="020F0302020204030204" pitchFamily="34" charset="0"/>
-                <a:cs typeface="Calibri Light" panose="020F0302020204030204" pitchFamily="34" charset="0"/>
-              </a:rPr>
-              <a:t>Verification dataset (from 2021 to 2024)</a:t>
-            </a:r>
-          </a:p>
-          <a:p>
-            <a:pPr algn="ctr"/>
-            <a:r>
-              <a:rPr lang="en-GB" sz="800" b="1" dirty="0">
+              <a:rPr lang="en-GB" sz="800" u="sng" dirty="0">
                 <a:solidFill>
                   <a:schemeClr val="bg1"/>
                 </a:solidFill>
                 <a:latin typeface="Calibri" panose="020F0502020204030204" pitchFamily="34" charset="0"/>
                 <a:cs typeface="Calibri" panose="020F0502020204030204" pitchFamily="34" charset="0"/>
               </a:rPr>
-              <a:t>n = 4.36M</a:t>
+              <a:t>Imbalanced</a:t>
             </a:r>
             <a:r>
               <a:rPr lang="en-GB" sz="800" dirty="0">
                 <a:solidFill>
                   <a:schemeClr val="bg1"/>
                 </a:solidFill>
-                <a:latin typeface="Calibri Light" panose="020F0302020204030204" pitchFamily="34" charset="0"/>
-                <a:cs typeface="Calibri Light" panose="020F0302020204030204" pitchFamily="34" charset="0"/>
+                <a:latin typeface="Calibri" panose="020F0502020204030204" pitchFamily="34" charset="0"/>
+                <a:cs typeface="Calibri" panose="020F0502020204030204" pitchFamily="34" charset="0"/>
               </a:rPr>
-              <a:t>, of which </a:t>
+              <a:t> verification dataset (from 2021 to 2024)</a:t>
             </a:r>
+          </a:p>
+          <a:p>
+            <a:pPr algn="ctr"/>
             <a:r>
-              <a:rPr lang="en-GB" sz="800" b="1" dirty="0">
+              <a:rPr lang="en-GB" sz="800" dirty="0">
                 <a:solidFill>
                   <a:schemeClr val="bg1"/>
                 </a:solidFill>
                 <a:latin typeface="Calibri" panose="020F0502020204030204" pitchFamily="34" charset="0"/>
                 <a:cs typeface="Calibri" panose="020F0502020204030204" pitchFamily="34" charset="0"/>
               </a:rPr>
-              <a:t>10742</a:t>
-            </a:r>
-            <a:r>
-              <a:rPr lang="en-GB" sz="800" dirty="0">
-                <a:solidFill>
-                  <a:schemeClr val="bg1"/>
-                </a:solidFill>
-                <a:latin typeface="Calibri Light" panose="020F0302020204030204" pitchFamily="34" charset="0"/>
-                <a:cs typeface="Calibri Light" panose="020F0302020204030204" pitchFamily="34" charset="0"/>
-              </a:rPr>
-              <a:t> (</a:t>
-            </a:r>
-            <a:r>
-              <a:rPr lang="en-GB" sz="800" b="1" dirty="0">
-                <a:solidFill>
-                  <a:schemeClr val="bg1"/>
-                </a:solidFill>
-                <a:latin typeface="Calibri" panose="020F0502020204030204" pitchFamily="34" charset="0"/>
-                <a:cs typeface="Calibri" panose="020F0502020204030204" pitchFamily="34" charset="0"/>
-              </a:rPr>
-              <a:t>0.25%</a:t>
-            </a:r>
-            <a:r>
-              <a:rPr lang="en-GB" sz="800" dirty="0">
-                <a:solidFill>
-                  <a:schemeClr val="bg1"/>
-                </a:solidFill>
-                <a:latin typeface="Calibri Light" panose="020F0302020204030204" pitchFamily="34" charset="0"/>
-                <a:cs typeface="Calibri Light" panose="020F0302020204030204" pitchFamily="34" charset="0"/>
-              </a:rPr>
-              <a:t>) are gridded yes-events</a:t>
+              <a:t>n = 4.36M gridded data-points, of which 10742 (0.25%) are yes-events</a:t>
             </a:r>
           </a:p>
         </p:txBody>
       </p:sp>
       <p:sp>
         <p:nvSpPr>
-          <p:cNvPr id="55" name="Rectangle 54">
+          <p:cNvPr id="400" name="Rectangle 399">
             <a:extLst>
               <a:ext uri="{FF2B5EF4-FFF2-40B4-BE49-F238E27FC236}">
                 <a16:creationId xmlns:a16="http://schemas.microsoft.com/office/drawing/2014/main" id="{78B6A93C-975D-F2FB-2429-F211CE81F035}"/>
@@ -12753,8 +14891,8 @@
         </p:nvSpPr>
         <p:spPr>
           <a:xfrm>
-            <a:off x="1731819" y="7188082"/>
-            <a:ext cx="2525221" cy="406457"/>
+            <a:off x="0" y="6801619"/>
+            <a:ext cx="4102002" cy="322057"/>
           </a:xfrm>
           <a:prstGeom prst="rect">
             <a:avLst/>
@@ -12918,6 +15056,369 @@
           </a:p>
         </p:txBody>
       </p:sp>
+      <p:pic>
+        <p:nvPicPr>
+          <p:cNvPr id="401" name="Graphic 400" descr="Refresh with solid fill">
+            <a:extLst>
+              <a:ext uri="{FF2B5EF4-FFF2-40B4-BE49-F238E27FC236}">
+                <a16:creationId xmlns:a16="http://schemas.microsoft.com/office/drawing/2014/main" id="{4943A585-56F4-BE8B-C666-8836FD94BB13}"/>
+              </a:ext>
+            </a:extLst>
+          </p:cNvPr>
+          <p:cNvPicPr>
+            <a:picLocks noChangeAspect="1"/>
+          </p:cNvPicPr>
+          <p:nvPr/>
+        </p:nvPicPr>
+        <p:blipFill>
+          <a:blip r:embed="rId2">
+            <a:extLst>
+              <a:ext uri="{96DAC541-7B7A-43D3-8B79-37D633B846F1}">
+                <asvg:svgBlip xmlns:asvg="http://schemas.microsoft.com/office/drawing/2016/SVG/main" r:embed="rId3"/>
+              </a:ext>
+            </a:extLst>
+          </a:blip>
+          <a:stretch>
+            <a:fillRect/>
+          </a:stretch>
+        </p:blipFill>
+        <p:spPr>
+          <a:xfrm>
+            <a:off x="2197512" y="2764467"/>
+            <a:ext cx="72000" cy="72000"/>
+          </a:xfrm>
+          <a:prstGeom prst="rect">
+            <a:avLst/>
+          </a:prstGeom>
+        </p:spPr>
+      </p:pic>
+      <p:sp>
+        <p:nvSpPr>
+          <p:cNvPr id="402" name="Rectangle 401">
+            <a:extLst>
+              <a:ext uri="{FF2B5EF4-FFF2-40B4-BE49-F238E27FC236}">
+                <a16:creationId xmlns:a16="http://schemas.microsoft.com/office/drawing/2014/main" id="{A6BD9B84-7D11-E6C4-714D-168348DA6A59}"/>
+              </a:ext>
+            </a:extLst>
+          </p:cNvPr>
+          <p:cNvSpPr/>
+          <p:nvPr/>
+        </p:nvSpPr>
+        <p:spPr>
+          <a:xfrm>
+            <a:off x="962227" y="5106135"/>
+            <a:ext cx="1761620" cy="393580"/>
+          </a:xfrm>
+          <a:prstGeom prst="rect">
+            <a:avLst/>
+          </a:prstGeom>
+          <a:noFill/>
+          <a:ln w="3175">
+            <a:noFill/>
+          </a:ln>
+        </p:spPr>
+        <p:style>
+          <a:lnRef idx="2">
+            <a:schemeClr val="accent1">
+              <a:shade val="15000"/>
+            </a:schemeClr>
+          </a:lnRef>
+          <a:fillRef idx="1">
+            <a:schemeClr val="accent1"/>
+          </a:fillRef>
+          <a:effectRef idx="0">
+            <a:schemeClr val="accent1"/>
+          </a:effectRef>
+          <a:fontRef idx="minor">
+            <a:schemeClr val="lt1"/>
+          </a:fontRef>
+        </p:style>
+        <p:txBody>
+          <a:bodyPr rtlCol="0" anchor="ctr"/>
+          <a:lstStyle/>
+          <a:p>
+            <a:pPr algn="ctr"/>
+            <a:r>
+              <a:rPr lang="en-GB" sz="800" dirty="0">
+                <a:solidFill>
+                  <a:schemeClr val="tx1">
+                    <a:lumMod val="75000"/>
+                    <a:lumOff val="25000"/>
+                  </a:schemeClr>
+                </a:solidFill>
+                <a:latin typeface="Calibri Light" panose="020F0302020204030204" pitchFamily="34" charset="0"/>
+                <a:cs typeface="Calibri Light" panose="020F0302020204030204" pitchFamily="34" charset="0"/>
+              </a:rPr>
+              <a:t>Train the model using the best-performing hyperparameter set over the entire outer training dataset</a:t>
+            </a:r>
+          </a:p>
+        </p:txBody>
+      </p:sp>
+      <p:cxnSp>
+        <p:nvCxnSpPr>
+          <p:cNvPr id="403" name="Straight Arrow Connector 402">
+            <a:extLst>
+              <a:ext uri="{FF2B5EF4-FFF2-40B4-BE49-F238E27FC236}">
+                <a16:creationId xmlns:a16="http://schemas.microsoft.com/office/drawing/2014/main" id="{346B4E64-3EEF-D973-3957-F55293E7F745}"/>
+              </a:ext>
+            </a:extLst>
+          </p:cNvPr>
+          <p:cNvCxnSpPr>
+            <a:cxnSpLocks/>
+          </p:cNvCxnSpPr>
+          <p:nvPr/>
+        </p:nvCxnSpPr>
+        <p:spPr>
+          <a:xfrm rot="10800000" flipH="1">
+            <a:off x="2648337" y="5304054"/>
+            <a:ext cx="544671" cy="0"/>
+          </a:xfrm>
+          <a:prstGeom prst="straightConnector1">
+            <a:avLst/>
+          </a:prstGeom>
+          <a:ln w="3175">
+            <a:solidFill>
+              <a:schemeClr val="tx1">
+                <a:lumMod val="75000"/>
+                <a:lumOff val="25000"/>
+              </a:schemeClr>
+            </a:solidFill>
+            <a:tailEnd type="triangle" w="med" len="sm"/>
+          </a:ln>
+        </p:spPr>
+        <p:style>
+          <a:lnRef idx="2">
+            <a:schemeClr val="accent1"/>
+          </a:lnRef>
+          <a:fillRef idx="0">
+            <a:schemeClr val="accent1"/>
+          </a:fillRef>
+          <a:effectRef idx="1">
+            <a:schemeClr val="accent1"/>
+          </a:effectRef>
+          <a:fontRef idx="minor">
+            <a:schemeClr val="tx1"/>
+          </a:fontRef>
+        </p:style>
+      </p:cxnSp>
+      <p:pic>
+        <p:nvPicPr>
+          <p:cNvPr id="404" name="Picture 403">
+            <a:extLst>
+              <a:ext uri="{FF2B5EF4-FFF2-40B4-BE49-F238E27FC236}">
+                <a16:creationId xmlns:a16="http://schemas.microsoft.com/office/drawing/2014/main" id="{52CA6A54-CC59-58A1-4074-7DA36EA27AEA}"/>
+              </a:ext>
+            </a:extLst>
+          </p:cNvPr>
+          <p:cNvPicPr>
+            <a:picLocks noChangeAspect="1"/>
+          </p:cNvPicPr>
+          <p:nvPr/>
+        </p:nvPicPr>
+        <p:blipFill>
+          <a:blip r:embed="rId4"/>
+          <a:stretch>
+            <a:fillRect/>
+          </a:stretch>
+        </p:blipFill>
+        <p:spPr>
+          <a:xfrm>
+            <a:off x="-32165" y="802653"/>
+            <a:ext cx="4140200" cy="1801878"/>
+          </a:xfrm>
+          <a:prstGeom prst="rect">
+            <a:avLst/>
+          </a:prstGeom>
+        </p:spPr>
+      </p:pic>
+      <p:cxnSp>
+        <p:nvCxnSpPr>
+          <p:cNvPr id="405" name="Straight Connector 404">
+            <a:extLst>
+              <a:ext uri="{FF2B5EF4-FFF2-40B4-BE49-F238E27FC236}">
+                <a16:creationId xmlns:a16="http://schemas.microsoft.com/office/drawing/2014/main" id="{F820DBFC-D482-D362-AD9A-EB720E92CEF4}"/>
+              </a:ext>
+            </a:extLst>
+          </p:cNvPr>
+          <p:cNvCxnSpPr>
+            <a:cxnSpLocks/>
+          </p:cNvCxnSpPr>
+          <p:nvPr/>
+        </p:nvCxnSpPr>
+        <p:spPr>
+          <a:xfrm>
+            <a:off x="18337" y="5658042"/>
+            <a:ext cx="4098244" cy="0"/>
+          </a:xfrm>
+          <a:prstGeom prst="line">
+            <a:avLst/>
+          </a:prstGeom>
+          <a:ln>
+            <a:solidFill>
+              <a:schemeClr val="tx1">
+                <a:lumMod val="75000"/>
+                <a:lumOff val="25000"/>
+              </a:schemeClr>
+            </a:solidFill>
+            <a:prstDash val="dash"/>
+          </a:ln>
+        </p:spPr>
+        <p:style>
+          <a:lnRef idx="2">
+            <a:schemeClr val="accent1"/>
+          </a:lnRef>
+          <a:fillRef idx="0">
+            <a:schemeClr val="accent1"/>
+          </a:fillRef>
+          <a:effectRef idx="1">
+            <a:schemeClr val="accent1"/>
+          </a:effectRef>
+          <a:fontRef idx="minor">
+            <a:schemeClr val="tx1"/>
+          </a:fontRef>
+        </p:style>
+      </p:cxnSp>
+      <p:cxnSp>
+        <p:nvCxnSpPr>
+          <p:cNvPr id="406" name="Straight Connector 405">
+            <a:extLst>
+              <a:ext uri="{FF2B5EF4-FFF2-40B4-BE49-F238E27FC236}">
+                <a16:creationId xmlns:a16="http://schemas.microsoft.com/office/drawing/2014/main" id="{8DF50D70-4022-681C-3D6E-62589944E0DE}"/>
+              </a:ext>
+            </a:extLst>
+          </p:cNvPr>
+          <p:cNvCxnSpPr>
+            <a:cxnSpLocks/>
+          </p:cNvCxnSpPr>
+          <p:nvPr/>
+        </p:nvCxnSpPr>
+        <p:spPr>
+          <a:xfrm rot="5400000">
+            <a:off x="3202002" y="4766588"/>
+            <a:ext cx="1800000" cy="0"/>
+          </a:xfrm>
+          <a:prstGeom prst="line">
+            <a:avLst/>
+          </a:prstGeom>
+          <a:ln>
+            <a:solidFill>
+              <a:schemeClr val="tx1">
+                <a:lumMod val="75000"/>
+                <a:lumOff val="25000"/>
+              </a:schemeClr>
+            </a:solidFill>
+            <a:prstDash val="dash"/>
+          </a:ln>
+        </p:spPr>
+        <p:style>
+          <a:lnRef idx="2">
+            <a:schemeClr val="accent1"/>
+          </a:lnRef>
+          <a:fillRef idx="0">
+            <a:schemeClr val="accent1"/>
+          </a:fillRef>
+          <a:effectRef idx="1">
+            <a:schemeClr val="accent1"/>
+          </a:effectRef>
+          <a:fontRef idx="minor">
+            <a:schemeClr val="tx1"/>
+          </a:fontRef>
+        </p:style>
+      </p:cxnSp>
+      <p:cxnSp>
+        <p:nvCxnSpPr>
+          <p:cNvPr id="407" name="Straight Connector 406">
+            <a:extLst>
+              <a:ext uri="{FF2B5EF4-FFF2-40B4-BE49-F238E27FC236}">
+                <a16:creationId xmlns:a16="http://schemas.microsoft.com/office/drawing/2014/main" id="{1838FD34-08CA-AAAA-623C-682B4FB2B83D}"/>
+              </a:ext>
+            </a:extLst>
+          </p:cNvPr>
+          <p:cNvCxnSpPr>
+            <a:cxnSpLocks/>
+          </p:cNvCxnSpPr>
+          <p:nvPr/>
+        </p:nvCxnSpPr>
+        <p:spPr>
+          <a:xfrm rot="5400000">
+            <a:off x="-881663" y="4766588"/>
+            <a:ext cx="1800000" cy="0"/>
+          </a:xfrm>
+          <a:prstGeom prst="line">
+            <a:avLst/>
+          </a:prstGeom>
+          <a:ln>
+            <a:solidFill>
+              <a:schemeClr val="tx1">
+                <a:lumMod val="75000"/>
+                <a:lumOff val="25000"/>
+              </a:schemeClr>
+            </a:solidFill>
+            <a:prstDash val="dash"/>
+          </a:ln>
+        </p:spPr>
+        <p:style>
+          <a:lnRef idx="2">
+            <a:schemeClr val="accent1"/>
+          </a:lnRef>
+          <a:fillRef idx="0">
+            <a:schemeClr val="accent1"/>
+          </a:fillRef>
+          <a:effectRef idx="1">
+            <a:schemeClr val="accent1"/>
+          </a:effectRef>
+          <a:fontRef idx="minor">
+            <a:schemeClr val="tx1"/>
+          </a:fontRef>
+        </p:style>
+      </p:cxnSp>
+      <p:cxnSp>
+        <p:nvCxnSpPr>
+          <p:cNvPr id="408" name="Straight Arrow Connector 407">
+            <a:extLst>
+              <a:ext uri="{FF2B5EF4-FFF2-40B4-BE49-F238E27FC236}">
+                <a16:creationId xmlns:a16="http://schemas.microsoft.com/office/drawing/2014/main" id="{16B06205-7085-528A-105F-F605E5D44E11}"/>
+              </a:ext>
+            </a:extLst>
+          </p:cNvPr>
+          <p:cNvCxnSpPr>
+            <a:cxnSpLocks/>
+          </p:cNvCxnSpPr>
+          <p:nvPr/>
+        </p:nvCxnSpPr>
+        <p:spPr>
+          <a:xfrm>
+            <a:off x="2062148" y="6319996"/>
+            <a:ext cx="0" cy="184430"/>
+          </a:xfrm>
+          <a:prstGeom prst="straightConnector1">
+            <a:avLst/>
+          </a:prstGeom>
+          <a:ln w="3175">
+            <a:solidFill>
+              <a:schemeClr val="tx1">
+                <a:lumMod val="75000"/>
+                <a:lumOff val="25000"/>
+              </a:schemeClr>
+            </a:solidFill>
+            <a:tailEnd type="triangle" w="med" len="sm"/>
+          </a:ln>
+        </p:spPr>
+        <p:style>
+          <a:lnRef idx="2">
+            <a:schemeClr val="accent1"/>
+          </a:lnRef>
+          <a:fillRef idx="0">
+            <a:schemeClr val="accent1"/>
+          </a:fillRef>
+          <a:effectRef idx="1">
+            <a:schemeClr val="accent1"/>
+          </a:effectRef>
+          <a:fontRef idx="minor">
+            <a:schemeClr val="tx1"/>
+          </a:fontRef>
+        </p:style>
+      </p:cxnSp>
     </p:spTree>
     <p:extLst>
       <p:ext uri="{BB962C8B-B14F-4D97-AF65-F5344CB8AC3E}">
@@ -12962,8 +15463,8 @@
         </p:nvSpPr>
         <p:spPr>
           <a:xfrm>
-            <a:off x="-1341803" y="1825095"/>
-            <a:ext cx="5937987" cy="1752925"/>
+            <a:off x="-1093826" y="1540268"/>
+            <a:ext cx="5752304" cy="815363"/>
           </a:xfrm>
           <a:prstGeom prst="rect">
             <a:avLst/>
@@ -13000,7 +15501,7 @@
           <a:lstStyle/>
           <a:p>
             <a:pPr algn="ctr"/>
-            <a:endParaRPr lang="en-GB" sz="903">
+            <a:endParaRPr lang="en-GB" sz="922">
               <a:latin typeface="Calibri Light" panose="020F0302020204030204" pitchFamily="34" charset="0"/>
               <a:cs typeface="Calibri Light" panose="020F0302020204030204" pitchFamily="34" charset="0"/>
             </a:endParaRPr>
@@ -13021,8 +15522,8 @@
         </p:nvSpPr>
         <p:spPr>
           <a:xfrm>
-            <a:off x="-1259906" y="2331683"/>
-            <a:ext cx="1965301" cy="1182447"/>
+            <a:off x="-1270727" y="2419306"/>
+            <a:ext cx="1738395" cy="815363"/>
           </a:xfrm>
           <a:prstGeom prst="rect">
             <a:avLst/>
@@ -13030,9 +15531,12 @@
           <a:noFill/>
           <a:ln>
             <a:solidFill>
-              <a:srgbClr val="3A0CA3"/>
+              <a:schemeClr val="tx1">
+                <a:lumMod val="75000"/>
+                <a:lumOff val="25000"/>
+              </a:schemeClr>
             </a:solidFill>
-            <a:prstDash val="dash"/>
+            <a:prstDash val="solid"/>
           </a:ln>
         </p:spPr>
         <p:style>
@@ -13056,7 +15560,7 @@
           <a:lstStyle/>
           <a:p>
             <a:pPr algn="ctr"/>
-            <a:endParaRPr lang="en-GB" sz="903">
+            <a:endParaRPr lang="en-GB" sz="922">
               <a:latin typeface="Calibri Light" panose="020F0302020204030204" pitchFamily="34" charset="0"/>
               <a:cs typeface="Calibri Light" panose="020F0302020204030204" pitchFamily="34" charset="0"/>
             </a:endParaRPr>
@@ -13077,8 +15581,8 @@
         </p:nvSpPr>
         <p:spPr>
           <a:xfrm>
-            <a:off x="-268472" y="2378352"/>
-            <a:ext cx="719591" cy="232126"/>
+            <a:off x="-317225" y="2087610"/>
+            <a:ext cx="734593" cy="236965"/>
           </a:xfrm>
           <a:prstGeom prst="rect">
             <a:avLst/>
@@ -13119,7 +15623,7 @@
           <a:lstStyle/>
           <a:p>
             <a:pPr algn="ctr"/>
-            <a:endParaRPr lang="en-GB" sz="903" dirty="0">
+            <a:endParaRPr lang="en-GB" sz="922" dirty="0">
               <a:solidFill>
                 <a:schemeClr val="tx1">
                   <a:lumMod val="75000"/>
@@ -13146,8 +15650,8 @@
         </p:nvSpPr>
         <p:spPr>
           <a:xfrm>
-            <a:off x="-268471" y="2733435"/>
-            <a:ext cx="222841" cy="232126"/>
+            <a:off x="-274068" y="2450096"/>
+            <a:ext cx="227487" cy="236965"/>
           </a:xfrm>
           <a:prstGeom prst="rect">
             <a:avLst/>
@@ -13180,7 +15684,7 @@
           <a:lstStyle/>
           <a:p>
             <a:pPr algn="ctr"/>
-            <a:endParaRPr lang="en-GB" sz="903" dirty="0">
+            <a:endParaRPr lang="en-GB" sz="922" dirty="0">
               <a:solidFill>
                 <a:schemeClr val="tx1">
                   <a:lumMod val="75000"/>
@@ -13207,8 +15711,8 @@
         </p:nvSpPr>
         <p:spPr>
           <a:xfrm>
-            <a:off x="-268471" y="2978890"/>
-            <a:ext cx="222841" cy="232126"/>
+            <a:off x="-274068" y="2700668"/>
+            <a:ext cx="227487" cy="236965"/>
           </a:xfrm>
           <a:prstGeom prst="rect">
             <a:avLst/>
@@ -13241,7 +15745,7 @@
           <a:lstStyle/>
           <a:p>
             <a:pPr algn="ctr"/>
-            <a:endParaRPr lang="en-GB" sz="903" dirty="0">
+            <a:endParaRPr lang="en-GB" sz="922" dirty="0">
               <a:solidFill>
                 <a:schemeClr val="tx1">
                   <a:lumMod val="75000"/>
@@ -13268,8 +15772,8 @@
         </p:nvSpPr>
         <p:spPr>
           <a:xfrm>
-            <a:off x="-268471" y="3235576"/>
-            <a:ext cx="222841" cy="232126"/>
+            <a:off x="-274068" y="2962705"/>
+            <a:ext cx="227487" cy="236965"/>
           </a:xfrm>
           <a:prstGeom prst="rect">
             <a:avLst/>
@@ -13302,7 +15806,7 @@
           <a:lstStyle/>
           <a:p>
             <a:pPr algn="ctr"/>
-            <a:endParaRPr lang="en-GB" sz="903" dirty="0">
+            <a:endParaRPr lang="en-GB" sz="922" dirty="0">
               <a:solidFill>
                 <a:schemeClr val="tx1">
                   <a:lumMod val="75000"/>
@@ -13329,8 +15833,8 @@
         </p:nvSpPr>
         <p:spPr>
           <a:xfrm>
-            <a:off x="480387" y="2378352"/>
-            <a:ext cx="185701" cy="232126"/>
+            <a:off x="447247" y="2087610"/>
+            <a:ext cx="189572" cy="236965"/>
           </a:xfrm>
           <a:prstGeom prst="rect">
             <a:avLst/>
@@ -13363,7 +15867,7 @@
           <a:lstStyle/>
           <a:p>
             <a:pPr algn="ctr"/>
-            <a:endParaRPr lang="en-GB" sz="903" dirty="0">
+            <a:endParaRPr lang="en-GB" sz="922" dirty="0">
               <a:solidFill>
                 <a:schemeClr val="tx1">
                   <a:lumMod val="75000"/>
@@ -13390,8 +15894,8 @@
         </p:nvSpPr>
         <p:spPr>
           <a:xfrm>
-            <a:off x="-20097" y="2733435"/>
-            <a:ext cx="222841" cy="232126"/>
+            <a:off x="-63672" y="2450096"/>
+            <a:ext cx="227487" cy="236965"/>
           </a:xfrm>
           <a:prstGeom prst="rect">
             <a:avLst/>
@@ -13424,7 +15928,7 @@
           <a:lstStyle/>
           <a:p>
             <a:pPr algn="ctr"/>
-            <a:endParaRPr lang="en-GB" sz="903" dirty="0">
+            <a:endParaRPr lang="en-GB" sz="922" dirty="0">
               <a:solidFill>
                 <a:schemeClr val="tx1">
                   <a:lumMod val="75000"/>
@@ -13451,8 +15955,8 @@
         </p:nvSpPr>
         <p:spPr>
           <a:xfrm>
-            <a:off x="-20097" y="2978890"/>
-            <a:ext cx="222841" cy="232126"/>
+            <a:off x="-63672" y="2700668"/>
+            <a:ext cx="227487" cy="236965"/>
           </a:xfrm>
           <a:prstGeom prst="rect">
             <a:avLst/>
@@ -13485,7 +15989,7 @@
           <a:lstStyle/>
           <a:p>
             <a:pPr algn="ctr"/>
-            <a:endParaRPr lang="en-GB" sz="903" dirty="0">
+            <a:endParaRPr lang="en-GB" sz="922" dirty="0">
               <a:solidFill>
                 <a:schemeClr val="tx1">
                   <a:lumMod val="75000"/>
@@ -13512,8 +16016,8 @@
         </p:nvSpPr>
         <p:spPr>
           <a:xfrm>
-            <a:off x="-20097" y="3235576"/>
-            <a:ext cx="222841" cy="232126"/>
+            <a:off x="-63672" y="2962705"/>
+            <a:ext cx="227487" cy="236965"/>
           </a:xfrm>
           <a:prstGeom prst="rect">
             <a:avLst/>
@@ -13546,7 +16050,7 @@
           <a:lstStyle/>
           <a:p>
             <a:pPr algn="ctr"/>
-            <a:endParaRPr lang="en-GB" sz="903" dirty="0">
+            <a:endParaRPr lang="en-GB" sz="922" dirty="0">
               <a:solidFill>
                 <a:schemeClr val="tx1">
                   <a:lumMod val="75000"/>
@@ -13573,8 +16077,8 @@
         </p:nvSpPr>
         <p:spPr>
           <a:xfrm>
-            <a:off x="228279" y="2733435"/>
-            <a:ext cx="222841" cy="232126"/>
+            <a:off x="189883" y="2450096"/>
+            <a:ext cx="227487" cy="236965"/>
           </a:xfrm>
           <a:prstGeom prst="rect">
             <a:avLst/>
@@ -13607,7 +16111,7 @@
           <a:lstStyle/>
           <a:p>
             <a:pPr algn="ctr"/>
-            <a:endParaRPr lang="en-GB" sz="903" dirty="0">
+            <a:endParaRPr lang="en-GB" sz="922" dirty="0">
               <a:solidFill>
                 <a:schemeClr val="tx1">
                   <a:lumMod val="75000"/>
@@ -13634,8 +16138,8 @@
         </p:nvSpPr>
         <p:spPr>
           <a:xfrm>
-            <a:off x="228279" y="2978890"/>
-            <a:ext cx="222841" cy="232126"/>
+            <a:off x="189883" y="2700668"/>
+            <a:ext cx="227487" cy="236965"/>
           </a:xfrm>
           <a:prstGeom prst="rect">
             <a:avLst/>
@@ -13668,7 +16172,7 @@
           <a:lstStyle/>
           <a:p>
             <a:pPr algn="ctr"/>
-            <a:endParaRPr lang="en-GB" sz="903" dirty="0">
+            <a:endParaRPr lang="en-GB" sz="922" dirty="0">
               <a:solidFill>
                 <a:schemeClr val="tx1">
                   <a:lumMod val="75000"/>
@@ -13695,8 +16199,8 @@
         </p:nvSpPr>
         <p:spPr>
           <a:xfrm>
-            <a:off x="228279" y="3235576"/>
-            <a:ext cx="222841" cy="232126"/>
+            <a:off x="189883" y="2962705"/>
+            <a:ext cx="227487" cy="236965"/>
           </a:xfrm>
           <a:prstGeom prst="rect">
             <a:avLst/>
@@ -13729,7 +16233,7 @@
           <a:lstStyle/>
           <a:p>
             <a:pPr algn="ctr"/>
-            <a:endParaRPr lang="en-GB" sz="903" dirty="0">
+            <a:endParaRPr lang="en-GB" sz="922" dirty="0">
               <a:solidFill>
                 <a:schemeClr val="tx1">
                   <a:lumMod val="75000"/>
@@ -13756,8 +16260,8 @@
         </p:nvSpPr>
         <p:spPr>
           <a:xfrm>
-            <a:off x="-262416" y="2051844"/>
-            <a:ext cx="928504" cy="232126"/>
+            <a:off x="-311043" y="1754295"/>
+            <a:ext cx="947861" cy="236965"/>
           </a:xfrm>
           <a:prstGeom prst="rect">
             <a:avLst/>
@@ -13797,7 +16301,7 @@
           <a:p>
             <a:pPr algn="ctr"/>
             <a:r>
-              <a:rPr lang="en-GB" sz="903" b="1" u="sng" dirty="0">
+              <a:rPr lang="en-GB" sz="922" b="1" u="sng" dirty="0">
                 <a:solidFill>
                   <a:schemeClr val="tx1">
                     <a:lumMod val="75000"/>
@@ -13810,7 +16314,7 @@
               <a:t>OUTER</a:t>
             </a:r>
             <a:r>
-              <a:rPr lang="en-GB" sz="903" dirty="0">
+              <a:rPr lang="en-GB" sz="922" dirty="0">
                 <a:solidFill>
                   <a:schemeClr val="tx1">
                     <a:lumMod val="75000"/>
@@ -13839,8 +16343,8 @@
         </p:nvSpPr>
         <p:spPr>
           <a:xfrm>
-            <a:off x="735160" y="2733435"/>
-            <a:ext cx="222841" cy="232126"/>
+            <a:off x="707331" y="2450096"/>
+            <a:ext cx="227487" cy="236965"/>
           </a:xfrm>
           <a:prstGeom prst="rect">
             <a:avLst/>
@@ -13873,7 +16377,7 @@
           <a:lstStyle/>
           <a:p>
             <a:pPr algn="ctr"/>
-            <a:endParaRPr lang="en-GB" sz="903" dirty="0">
+            <a:endParaRPr lang="en-GB" sz="922" dirty="0">
               <a:solidFill>
                 <a:schemeClr val="tx1">
                   <a:lumMod val="75000"/>
@@ -13900,8 +16404,8 @@
         </p:nvSpPr>
         <p:spPr>
           <a:xfrm>
-            <a:off x="735160" y="2978890"/>
-            <a:ext cx="222841" cy="232126"/>
+            <a:off x="707331" y="2700668"/>
+            <a:ext cx="227487" cy="236965"/>
           </a:xfrm>
           <a:prstGeom prst="rect">
             <a:avLst/>
@@ -13934,7 +16438,7 @@
           <a:lstStyle/>
           <a:p>
             <a:pPr algn="ctr"/>
-            <a:endParaRPr lang="en-GB" sz="903" dirty="0">
+            <a:endParaRPr lang="en-GB" sz="922" dirty="0">
               <a:solidFill>
                 <a:schemeClr val="tx1">
                   <a:lumMod val="75000"/>
@@ -13961,8 +16465,8 @@
         </p:nvSpPr>
         <p:spPr>
           <a:xfrm>
-            <a:off x="735160" y="3235576"/>
-            <a:ext cx="222841" cy="232126"/>
+            <a:off x="707331" y="2962705"/>
+            <a:ext cx="227487" cy="236965"/>
           </a:xfrm>
           <a:prstGeom prst="rect">
             <a:avLst/>
@@ -13995,7 +16499,7 @@
           <a:lstStyle/>
           <a:p>
             <a:pPr algn="ctr"/>
-            <a:endParaRPr lang="en-GB" sz="903" dirty="0">
+            <a:endParaRPr lang="en-GB" sz="922" dirty="0">
               <a:solidFill>
                 <a:schemeClr val="tx1">
                   <a:lumMod val="75000"/>
@@ -14022,8 +16526,8 @@
         </p:nvSpPr>
         <p:spPr>
           <a:xfrm>
-            <a:off x="1484016" y="2378352"/>
-            <a:ext cx="185701" cy="232126"/>
+            <a:off x="1471799" y="2087610"/>
+            <a:ext cx="189572" cy="236965"/>
           </a:xfrm>
           <a:prstGeom prst="rect">
             <a:avLst/>
@@ -14056,7 +16560,7 @@
           <a:lstStyle/>
           <a:p>
             <a:pPr algn="ctr"/>
-            <a:endParaRPr lang="en-GB" sz="903" dirty="0">
+            <a:endParaRPr lang="en-GB" sz="922" dirty="0">
               <a:solidFill>
                 <a:schemeClr val="tx1">
                   <a:lumMod val="75000"/>
@@ -14083,8 +16587,8 @@
         </p:nvSpPr>
         <p:spPr>
           <a:xfrm>
-            <a:off x="983534" y="2733435"/>
-            <a:ext cx="222841" cy="232126"/>
+            <a:off x="960883" y="2450096"/>
+            <a:ext cx="227487" cy="236965"/>
           </a:xfrm>
           <a:prstGeom prst="rect">
             <a:avLst/>
@@ -14117,7 +16621,7 @@
           <a:lstStyle/>
           <a:p>
             <a:pPr algn="ctr"/>
-            <a:endParaRPr lang="en-GB" sz="903" dirty="0">
+            <a:endParaRPr lang="en-GB" sz="922" dirty="0">
               <a:solidFill>
                 <a:schemeClr val="tx1">
                   <a:lumMod val="75000"/>
@@ -14144,8 +16648,8 @@
         </p:nvSpPr>
         <p:spPr>
           <a:xfrm>
-            <a:off x="983534" y="2978890"/>
-            <a:ext cx="222841" cy="232126"/>
+            <a:off x="960883" y="2700668"/>
+            <a:ext cx="227487" cy="236965"/>
           </a:xfrm>
           <a:prstGeom prst="rect">
             <a:avLst/>
@@ -14178,7 +16682,7 @@
           <a:lstStyle/>
           <a:p>
             <a:pPr algn="ctr"/>
-            <a:endParaRPr lang="en-GB" sz="903" dirty="0">
+            <a:endParaRPr lang="en-GB" sz="922" dirty="0">
               <a:solidFill>
                 <a:schemeClr val="tx1">
                   <a:lumMod val="75000"/>
@@ -14205,8 +16709,8 @@
         </p:nvSpPr>
         <p:spPr>
           <a:xfrm>
-            <a:off x="983534" y="3235576"/>
-            <a:ext cx="222841" cy="232126"/>
+            <a:off x="960883" y="2962705"/>
+            <a:ext cx="227487" cy="236965"/>
           </a:xfrm>
           <a:prstGeom prst="rect">
             <a:avLst/>
@@ -14239,7 +16743,7 @@
           <a:lstStyle/>
           <a:p>
             <a:pPr algn="ctr"/>
-            <a:endParaRPr lang="en-GB" sz="903" dirty="0">
+            <a:endParaRPr lang="en-GB" sz="922" dirty="0">
               <a:solidFill>
                 <a:schemeClr val="tx1">
                   <a:lumMod val="75000"/>
@@ -14266,8 +16770,8 @@
         </p:nvSpPr>
         <p:spPr>
           <a:xfrm>
-            <a:off x="1231909" y="2733435"/>
-            <a:ext cx="222841" cy="232126"/>
+            <a:off x="1214436" y="2450096"/>
+            <a:ext cx="227487" cy="236965"/>
           </a:xfrm>
           <a:prstGeom prst="rect">
             <a:avLst/>
@@ -14300,7 +16804,7 @@
           <a:lstStyle/>
           <a:p>
             <a:pPr algn="ctr"/>
-            <a:endParaRPr lang="en-GB" sz="903" dirty="0">
+            <a:endParaRPr lang="en-GB" sz="922" dirty="0">
               <a:solidFill>
                 <a:schemeClr val="tx1">
                   <a:lumMod val="75000"/>
@@ -14327,8 +16831,8 @@
         </p:nvSpPr>
         <p:spPr>
           <a:xfrm>
-            <a:off x="1231909" y="2978890"/>
-            <a:ext cx="222841" cy="232126"/>
+            <a:off x="1214436" y="2700668"/>
+            <a:ext cx="227487" cy="236965"/>
           </a:xfrm>
           <a:prstGeom prst="rect">
             <a:avLst/>
@@ -14361,7 +16865,7 @@
           <a:lstStyle/>
           <a:p>
             <a:pPr algn="ctr"/>
-            <a:endParaRPr lang="en-GB" sz="903" dirty="0">
+            <a:endParaRPr lang="en-GB" sz="922" dirty="0">
               <a:solidFill>
                 <a:schemeClr val="tx1">
                   <a:lumMod val="75000"/>
@@ -14388,8 +16892,8 @@
         </p:nvSpPr>
         <p:spPr>
           <a:xfrm>
-            <a:off x="1231909" y="3235576"/>
-            <a:ext cx="222841" cy="232126"/>
+            <a:off x="1214436" y="2962705"/>
+            <a:ext cx="227487" cy="236965"/>
           </a:xfrm>
           <a:prstGeom prst="rect">
             <a:avLst/>
@@ -14422,7 +16926,7 @@
           <a:lstStyle/>
           <a:p>
             <a:pPr algn="ctr"/>
-            <a:endParaRPr lang="en-GB" sz="903" dirty="0">
+            <a:endParaRPr lang="en-GB" sz="922" dirty="0">
               <a:solidFill>
                 <a:schemeClr val="tx1">
                   <a:lumMod val="75000"/>
@@ -14449,8 +16953,8 @@
         </p:nvSpPr>
         <p:spPr>
           <a:xfrm>
-            <a:off x="741212" y="2051844"/>
-            <a:ext cx="928504" cy="232126"/>
+            <a:off x="713508" y="1754295"/>
+            <a:ext cx="947861" cy="236965"/>
           </a:xfrm>
           <a:prstGeom prst="rect">
             <a:avLst/>
@@ -14490,7 +16994,7 @@
           <a:p>
             <a:pPr algn="ctr"/>
             <a:r>
-              <a:rPr lang="en-GB" sz="903" b="1" u="sng" dirty="0">
+              <a:rPr lang="en-GB" sz="922" b="1" u="sng" dirty="0">
                 <a:solidFill>
                   <a:schemeClr val="tx1">
                     <a:lumMod val="75000"/>
@@ -14503,7 +17007,7 @@
               <a:t>OUTER</a:t>
             </a:r>
             <a:r>
-              <a:rPr lang="en-GB" sz="903" dirty="0">
+              <a:rPr lang="en-GB" sz="922" dirty="0">
                 <a:solidFill>
                   <a:schemeClr val="tx1">
                     <a:lumMod val="75000"/>
@@ -14532,8 +17036,8 @@
         </p:nvSpPr>
         <p:spPr>
           <a:xfrm>
-            <a:off x="1696806" y="2733435"/>
-            <a:ext cx="222841" cy="232126"/>
+            <a:off x="1689025" y="2450096"/>
+            <a:ext cx="227487" cy="236965"/>
           </a:xfrm>
           <a:prstGeom prst="rect">
             <a:avLst/>
@@ -14566,7 +17070,7 @@
           <a:lstStyle/>
           <a:p>
             <a:pPr algn="ctr"/>
-            <a:endParaRPr lang="en-GB" sz="903" dirty="0">
+            <a:endParaRPr lang="en-GB" sz="922" dirty="0">
               <a:solidFill>
                 <a:schemeClr val="tx1">
                   <a:lumMod val="75000"/>
@@ -14593,8 +17097,8 @@
         </p:nvSpPr>
         <p:spPr>
           <a:xfrm>
-            <a:off x="1696806" y="2978890"/>
-            <a:ext cx="222841" cy="232126"/>
+            <a:off x="1689025" y="2700668"/>
+            <a:ext cx="227487" cy="236965"/>
           </a:xfrm>
           <a:prstGeom prst="rect">
             <a:avLst/>
@@ -14627,7 +17131,7 @@
           <a:lstStyle/>
           <a:p>
             <a:pPr algn="ctr"/>
-            <a:endParaRPr lang="en-GB" sz="903" dirty="0">
+            <a:endParaRPr lang="en-GB" sz="922" dirty="0">
               <a:solidFill>
                 <a:schemeClr val="tx1">
                   <a:lumMod val="75000"/>
@@ -14654,8 +17158,8 @@
         </p:nvSpPr>
         <p:spPr>
           <a:xfrm>
-            <a:off x="1696806" y="3235576"/>
-            <a:ext cx="222841" cy="232126"/>
+            <a:off x="1689025" y="2962705"/>
+            <a:ext cx="227487" cy="236965"/>
           </a:xfrm>
           <a:prstGeom prst="rect">
             <a:avLst/>
@@ -14688,7 +17192,7 @@
           <a:lstStyle/>
           <a:p>
             <a:pPr algn="ctr"/>
-            <a:endParaRPr lang="en-GB" sz="903" dirty="0">
+            <a:endParaRPr lang="en-GB" sz="922" dirty="0">
               <a:solidFill>
                 <a:schemeClr val="tx1">
                   <a:lumMod val="75000"/>
@@ -14715,8 +17219,8 @@
         </p:nvSpPr>
         <p:spPr>
           <a:xfrm>
-            <a:off x="2445664" y="2378352"/>
-            <a:ext cx="185701" cy="232126"/>
+            <a:off x="2453495" y="2087610"/>
+            <a:ext cx="189572" cy="236965"/>
           </a:xfrm>
           <a:prstGeom prst="rect">
             <a:avLst/>
@@ -14749,7 +17253,7 @@
           <a:lstStyle/>
           <a:p>
             <a:pPr algn="ctr"/>
-            <a:endParaRPr lang="en-GB" sz="903" dirty="0">
+            <a:endParaRPr lang="en-GB" sz="922" dirty="0">
               <a:solidFill>
                 <a:schemeClr val="tx1">
                   <a:lumMod val="75000"/>
@@ -14776,8 +17280,8 @@
         </p:nvSpPr>
         <p:spPr>
           <a:xfrm>
-            <a:off x="1945182" y="2733435"/>
-            <a:ext cx="222841" cy="232126"/>
+            <a:off x="1942579" y="2450096"/>
+            <a:ext cx="227487" cy="236965"/>
           </a:xfrm>
           <a:prstGeom prst="rect">
             <a:avLst/>
@@ -14810,7 +17314,7 @@
           <a:lstStyle/>
           <a:p>
             <a:pPr algn="ctr"/>
-            <a:endParaRPr lang="en-GB" sz="903" dirty="0">
+            <a:endParaRPr lang="en-GB" sz="922" dirty="0">
               <a:solidFill>
                 <a:schemeClr val="tx1">
                   <a:lumMod val="75000"/>
@@ -14837,8 +17341,8 @@
         </p:nvSpPr>
         <p:spPr>
           <a:xfrm>
-            <a:off x="1945182" y="2978890"/>
-            <a:ext cx="222841" cy="232126"/>
+            <a:off x="1942579" y="2700668"/>
+            <a:ext cx="227487" cy="236965"/>
           </a:xfrm>
           <a:prstGeom prst="rect">
             <a:avLst/>
@@ -14871,7 +17375,7 @@
           <a:lstStyle/>
           <a:p>
             <a:pPr algn="ctr"/>
-            <a:endParaRPr lang="en-GB" sz="903" dirty="0">
+            <a:endParaRPr lang="en-GB" sz="922" dirty="0">
               <a:solidFill>
                 <a:schemeClr val="tx1">
                   <a:lumMod val="75000"/>
@@ -14898,8 +17402,8 @@
         </p:nvSpPr>
         <p:spPr>
           <a:xfrm>
-            <a:off x="1945182" y="3235576"/>
-            <a:ext cx="222841" cy="232126"/>
+            <a:off x="1942579" y="2962705"/>
+            <a:ext cx="227487" cy="236965"/>
           </a:xfrm>
           <a:prstGeom prst="rect">
             <a:avLst/>
@@ -14932,7 +17436,7 @@
           <a:lstStyle/>
           <a:p>
             <a:pPr algn="ctr"/>
-            <a:endParaRPr lang="en-GB" sz="903" dirty="0">
+            <a:endParaRPr lang="en-GB" sz="922" dirty="0">
               <a:solidFill>
                 <a:schemeClr val="tx1">
                   <a:lumMod val="75000"/>
@@ -14959,8 +17463,8 @@
         </p:nvSpPr>
         <p:spPr>
           <a:xfrm>
-            <a:off x="2193557" y="2733435"/>
-            <a:ext cx="222841" cy="232126"/>
+            <a:off x="2196132" y="2450096"/>
+            <a:ext cx="227487" cy="236965"/>
           </a:xfrm>
           <a:prstGeom prst="rect">
             <a:avLst/>
@@ -14993,7 +17497,7 @@
           <a:lstStyle/>
           <a:p>
             <a:pPr algn="ctr"/>
-            <a:endParaRPr lang="en-GB" sz="903" dirty="0">
+            <a:endParaRPr lang="en-GB" sz="922" dirty="0">
               <a:solidFill>
                 <a:schemeClr val="tx1">
                   <a:lumMod val="75000"/>
@@ -15020,8 +17524,8 @@
         </p:nvSpPr>
         <p:spPr>
           <a:xfrm>
-            <a:off x="2193557" y="2978890"/>
-            <a:ext cx="222841" cy="232126"/>
+            <a:off x="2196132" y="2700668"/>
+            <a:ext cx="227487" cy="236965"/>
           </a:xfrm>
           <a:prstGeom prst="rect">
             <a:avLst/>
@@ -15054,7 +17558,7 @@
           <a:lstStyle/>
           <a:p>
             <a:pPr algn="ctr"/>
-            <a:endParaRPr lang="en-GB" sz="903" dirty="0">
+            <a:endParaRPr lang="en-GB" sz="922" dirty="0">
               <a:solidFill>
                 <a:schemeClr val="tx1">
                   <a:lumMod val="75000"/>
@@ -15081,8 +17585,8 @@
         </p:nvSpPr>
         <p:spPr>
           <a:xfrm>
-            <a:off x="2193557" y="3235576"/>
-            <a:ext cx="222841" cy="232126"/>
+            <a:off x="2196132" y="2962705"/>
+            <a:ext cx="227487" cy="236965"/>
           </a:xfrm>
           <a:prstGeom prst="rect">
             <a:avLst/>
@@ -15115,7 +17619,7 @@
           <a:lstStyle/>
           <a:p>
             <a:pPr algn="ctr"/>
-            <a:endParaRPr lang="en-GB" sz="903" dirty="0">
+            <a:endParaRPr lang="en-GB" sz="922" dirty="0">
               <a:solidFill>
                 <a:schemeClr val="tx1">
                   <a:lumMod val="75000"/>
@@ -15142,8 +17646,8 @@
         </p:nvSpPr>
         <p:spPr>
           <a:xfrm>
-            <a:off x="1702860" y="2051844"/>
-            <a:ext cx="928504" cy="232126"/>
+            <a:off x="1695204" y="1754295"/>
+            <a:ext cx="947861" cy="236965"/>
           </a:xfrm>
           <a:prstGeom prst="rect">
             <a:avLst/>
@@ -15183,7 +17687,7 @@
           <a:p>
             <a:pPr algn="ctr"/>
             <a:r>
-              <a:rPr lang="en-GB" sz="903" b="1" u="sng" dirty="0">
+              <a:rPr lang="en-GB" sz="922" b="1" u="sng" dirty="0">
                 <a:solidFill>
                   <a:schemeClr val="tx1">
                     <a:lumMod val="75000"/>
@@ -15196,7 +17700,7 @@
               <a:t>OUTER</a:t>
             </a:r>
             <a:r>
-              <a:rPr lang="en-GB" sz="903" dirty="0">
+              <a:rPr lang="en-GB" sz="922" dirty="0">
                 <a:solidFill>
                   <a:schemeClr val="tx1">
                     <a:lumMod val="75000"/>
@@ -15225,8 +17729,8 @@
         </p:nvSpPr>
         <p:spPr>
           <a:xfrm>
-            <a:off x="2651165" y="2733435"/>
-            <a:ext cx="222841" cy="232126"/>
+            <a:off x="2663280" y="2450096"/>
+            <a:ext cx="227487" cy="236965"/>
           </a:xfrm>
           <a:prstGeom prst="rect">
             <a:avLst/>
@@ -15259,7 +17763,7 @@
           <a:lstStyle/>
           <a:p>
             <a:pPr algn="ctr"/>
-            <a:endParaRPr lang="en-GB" sz="903" dirty="0">
+            <a:endParaRPr lang="en-GB" sz="922" dirty="0">
               <a:solidFill>
                 <a:schemeClr val="tx1">
                   <a:lumMod val="75000"/>
@@ -15286,8 +17790,8 @@
         </p:nvSpPr>
         <p:spPr>
           <a:xfrm>
-            <a:off x="2651165" y="2978890"/>
-            <a:ext cx="222841" cy="232126"/>
+            <a:off x="2663280" y="2700668"/>
+            <a:ext cx="227487" cy="236965"/>
           </a:xfrm>
           <a:prstGeom prst="rect">
             <a:avLst/>
@@ -15320,7 +17824,7 @@
           <a:lstStyle/>
           <a:p>
             <a:pPr algn="ctr"/>
-            <a:endParaRPr lang="en-GB" sz="903" dirty="0">
+            <a:endParaRPr lang="en-GB" sz="922" dirty="0">
               <a:solidFill>
                 <a:schemeClr val="tx1">
                   <a:lumMod val="75000"/>
@@ -15347,8 +17851,8 @@
         </p:nvSpPr>
         <p:spPr>
           <a:xfrm>
-            <a:off x="2651165" y="3235576"/>
-            <a:ext cx="222841" cy="232126"/>
+            <a:off x="2663280" y="2962705"/>
+            <a:ext cx="227487" cy="236965"/>
           </a:xfrm>
           <a:prstGeom prst="rect">
             <a:avLst/>
@@ -15381,7 +17885,7 @@
           <a:lstStyle/>
           <a:p>
             <a:pPr algn="ctr"/>
-            <a:endParaRPr lang="en-GB" sz="903" dirty="0">
+            <a:endParaRPr lang="en-GB" sz="922" dirty="0">
               <a:solidFill>
                 <a:schemeClr val="tx1">
                   <a:lumMod val="75000"/>
@@ -15408,8 +17912,8 @@
         </p:nvSpPr>
         <p:spPr>
           <a:xfrm>
-            <a:off x="3400021" y="2378352"/>
-            <a:ext cx="185701" cy="232126"/>
+            <a:off x="3427748" y="2087610"/>
+            <a:ext cx="189572" cy="236965"/>
           </a:xfrm>
           <a:prstGeom prst="rect">
             <a:avLst/>
@@ -15442,7 +17946,7 @@
           <a:lstStyle/>
           <a:p>
             <a:pPr algn="ctr"/>
-            <a:endParaRPr lang="en-GB" sz="903" dirty="0">
+            <a:endParaRPr lang="en-GB" sz="922" dirty="0">
               <a:solidFill>
                 <a:schemeClr val="tx1">
                   <a:lumMod val="75000"/>
@@ -15469,8 +17973,8 @@
         </p:nvSpPr>
         <p:spPr>
           <a:xfrm>
-            <a:off x="2899539" y="2733435"/>
-            <a:ext cx="222841" cy="232126"/>
+            <a:off x="2916832" y="2450096"/>
+            <a:ext cx="227487" cy="236965"/>
           </a:xfrm>
           <a:prstGeom prst="rect">
             <a:avLst/>
@@ -15503,7 +18007,7 @@
           <a:lstStyle/>
           <a:p>
             <a:pPr algn="ctr"/>
-            <a:endParaRPr lang="en-GB" sz="903" dirty="0">
+            <a:endParaRPr lang="en-GB" sz="922" dirty="0">
               <a:solidFill>
                 <a:schemeClr val="tx1">
                   <a:lumMod val="75000"/>
@@ -15530,8 +18034,8 @@
         </p:nvSpPr>
         <p:spPr>
           <a:xfrm>
-            <a:off x="2899539" y="2978890"/>
-            <a:ext cx="222841" cy="232126"/>
+            <a:off x="2916832" y="2700668"/>
+            <a:ext cx="227487" cy="236965"/>
           </a:xfrm>
           <a:prstGeom prst="rect">
             <a:avLst/>
@@ -15564,7 +18068,7 @@
           <a:lstStyle/>
           <a:p>
             <a:pPr algn="ctr"/>
-            <a:endParaRPr lang="en-GB" sz="903" dirty="0">
+            <a:endParaRPr lang="en-GB" sz="922" dirty="0">
               <a:solidFill>
                 <a:schemeClr val="tx1">
                   <a:lumMod val="75000"/>
@@ -15591,8 +18095,8 @@
         </p:nvSpPr>
         <p:spPr>
           <a:xfrm>
-            <a:off x="2899539" y="3235576"/>
-            <a:ext cx="222841" cy="232126"/>
+            <a:off x="2916832" y="2962705"/>
+            <a:ext cx="227487" cy="236965"/>
           </a:xfrm>
           <a:prstGeom prst="rect">
             <a:avLst/>
@@ -15625,7 +18129,7 @@
           <a:lstStyle/>
           <a:p>
             <a:pPr algn="ctr"/>
-            <a:endParaRPr lang="en-GB" sz="903" dirty="0">
+            <a:endParaRPr lang="en-GB" sz="922" dirty="0">
               <a:solidFill>
                 <a:schemeClr val="tx1">
                   <a:lumMod val="75000"/>
@@ -15652,8 +18156,8 @@
         </p:nvSpPr>
         <p:spPr>
           <a:xfrm>
-            <a:off x="3147914" y="2733435"/>
-            <a:ext cx="222841" cy="232126"/>
+            <a:off x="3170385" y="2450096"/>
+            <a:ext cx="227487" cy="236965"/>
           </a:xfrm>
           <a:prstGeom prst="rect">
             <a:avLst/>
@@ -15686,7 +18190,7 @@
           <a:lstStyle/>
           <a:p>
             <a:pPr algn="ctr"/>
-            <a:endParaRPr lang="en-GB" sz="903" dirty="0">
+            <a:endParaRPr lang="en-GB" sz="922" dirty="0">
               <a:solidFill>
                 <a:schemeClr val="tx1">
                   <a:lumMod val="75000"/>
@@ -15713,8 +18217,8 @@
         </p:nvSpPr>
         <p:spPr>
           <a:xfrm>
-            <a:off x="3147914" y="2978890"/>
-            <a:ext cx="222841" cy="232126"/>
+            <a:off x="3170385" y="2700668"/>
+            <a:ext cx="227487" cy="236965"/>
           </a:xfrm>
           <a:prstGeom prst="rect">
             <a:avLst/>
@@ -15747,7 +18251,7 @@
           <a:lstStyle/>
           <a:p>
             <a:pPr algn="ctr"/>
-            <a:endParaRPr lang="en-GB" sz="903" dirty="0">
+            <a:endParaRPr lang="en-GB" sz="922" dirty="0">
               <a:solidFill>
                 <a:schemeClr val="tx1">
                   <a:lumMod val="75000"/>
@@ -15774,8 +18278,8 @@
         </p:nvSpPr>
         <p:spPr>
           <a:xfrm>
-            <a:off x="3147914" y="3235576"/>
-            <a:ext cx="222841" cy="232126"/>
+            <a:off x="3170385" y="2962705"/>
+            <a:ext cx="227487" cy="236965"/>
           </a:xfrm>
           <a:prstGeom prst="rect">
             <a:avLst/>
@@ -15808,7 +18312,7 @@
           <a:lstStyle/>
           <a:p>
             <a:pPr algn="ctr"/>
-            <a:endParaRPr lang="en-GB" sz="903" dirty="0">
+            <a:endParaRPr lang="en-GB" sz="922" dirty="0">
               <a:solidFill>
                 <a:schemeClr val="tx1">
                   <a:lumMod val="75000"/>
@@ -15835,8 +18339,8 @@
         </p:nvSpPr>
         <p:spPr>
           <a:xfrm>
-            <a:off x="2657218" y="2051844"/>
-            <a:ext cx="928504" cy="232126"/>
+            <a:off x="2669458" y="1754295"/>
+            <a:ext cx="947861" cy="236965"/>
           </a:xfrm>
           <a:prstGeom prst="rect">
             <a:avLst/>
@@ -15876,7 +18380,7 @@
           <a:p>
             <a:pPr algn="ctr"/>
             <a:r>
-              <a:rPr lang="en-GB" sz="903" b="1" u="sng" dirty="0">
+              <a:rPr lang="en-GB" sz="922" b="1" u="sng" dirty="0">
                 <a:solidFill>
                   <a:schemeClr val="tx1">
                     <a:lumMod val="75000"/>
@@ -15889,7 +18393,7 @@
               <a:t>OUTER</a:t>
             </a:r>
             <a:r>
-              <a:rPr lang="en-GB" sz="903" dirty="0">
+              <a:rPr lang="en-GB" sz="922" dirty="0">
                 <a:solidFill>
                   <a:schemeClr val="tx1">
                     <a:lumMod val="75000"/>
@@ -15918,8 +18422,8 @@
         </p:nvSpPr>
         <p:spPr>
           <a:xfrm>
-            <a:off x="3612812" y="2733435"/>
-            <a:ext cx="222841" cy="232126"/>
+            <a:off x="3644975" y="2450096"/>
+            <a:ext cx="227487" cy="236965"/>
           </a:xfrm>
           <a:prstGeom prst="rect">
             <a:avLst/>
@@ -15952,7 +18456,7 @@
           <a:lstStyle/>
           <a:p>
             <a:pPr algn="ctr"/>
-            <a:endParaRPr lang="en-GB" sz="903" dirty="0">
+            <a:endParaRPr lang="en-GB" sz="922" dirty="0">
               <a:solidFill>
                 <a:schemeClr val="tx1">
                   <a:lumMod val="75000"/>
@@ -15979,8 +18483,8 @@
         </p:nvSpPr>
         <p:spPr>
           <a:xfrm>
-            <a:off x="3612812" y="2978890"/>
-            <a:ext cx="222841" cy="232126"/>
+            <a:off x="3644975" y="2700668"/>
+            <a:ext cx="227487" cy="236965"/>
           </a:xfrm>
           <a:prstGeom prst="rect">
             <a:avLst/>
@@ -16013,7 +18517,7 @@
           <a:lstStyle/>
           <a:p>
             <a:pPr algn="ctr"/>
-            <a:endParaRPr lang="en-GB" sz="903" dirty="0">
+            <a:endParaRPr lang="en-GB" sz="922" dirty="0">
               <a:solidFill>
                 <a:schemeClr val="tx1">
                   <a:lumMod val="75000"/>
@@ -16040,8 +18544,8 @@
         </p:nvSpPr>
         <p:spPr>
           <a:xfrm>
-            <a:off x="3612812" y="3235576"/>
-            <a:ext cx="222841" cy="232126"/>
+            <a:off x="3644975" y="2962705"/>
+            <a:ext cx="227487" cy="236965"/>
           </a:xfrm>
           <a:prstGeom prst="rect">
             <a:avLst/>
@@ -16074,7 +18578,7 @@
           <a:lstStyle/>
           <a:p>
             <a:pPr algn="ctr"/>
-            <a:endParaRPr lang="en-GB" sz="903" dirty="0">
+            <a:endParaRPr lang="en-GB" sz="922" dirty="0">
               <a:solidFill>
                 <a:schemeClr val="tx1">
                   <a:lumMod val="75000"/>
@@ -16101,8 +18605,8 @@
         </p:nvSpPr>
         <p:spPr>
           <a:xfrm>
-            <a:off x="4361669" y="2378352"/>
-            <a:ext cx="185701" cy="232126"/>
+            <a:off x="4366286" y="2087610"/>
+            <a:ext cx="189572" cy="236965"/>
           </a:xfrm>
           <a:prstGeom prst="rect">
             <a:avLst/>
@@ -16135,7 +18639,7 @@
           <a:lstStyle/>
           <a:p>
             <a:pPr algn="ctr"/>
-            <a:endParaRPr lang="en-GB" sz="903" dirty="0">
+            <a:endParaRPr lang="en-GB" sz="922" dirty="0">
               <a:solidFill>
                 <a:schemeClr val="tx1">
                   <a:lumMod val="75000"/>
@@ -16162,8 +18666,8 @@
         </p:nvSpPr>
         <p:spPr>
           <a:xfrm>
-            <a:off x="3861187" y="2733435"/>
-            <a:ext cx="222841" cy="232126"/>
+            <a:off x="3898528" y="2450096"/>
+            <a:ext cx="227487" cy="236965"/>
           </a:xfrm>
           <a:prstGeom prst="rect">
             <a:avLst/>
@@ -16196,7 +18700,7 @@
           <a:lstStyle/>
           <a:p>
             <a:pPr algn="ctr"/>
-            <a:endParaRPr lang="en-GB" sz="903" dirty="0">
+            <a:endParaRPr lang="en-GB" sz="922" dirty="0">
               <a:solidFill>
                 <a:schemeClr val="tx1">
                   <a:lumMod val="75000"/>
@@ -16223,8 +18727,8 @@
         </p:nvSpPr>
         <p:spPr>
           <a:xfrm>
-            <a:off x="3861187" y="2978890"/>
-            <a:ext cx="222841" cy="232126"/>
+            <a:off x="3898528" y="2700668"/>
+            <a:ext cx="227487" cy="236965"/>
           </a:xfrm>
           <a:prstGeom prst="rect">
             <a:avLst/>
@@ -16257,7 +18761,7 @@
           <a:lstStyle/>
           <a:p>
             <a:pPr algn="ctr"/>
-            <a:endParaRPr lang="en-GB" sz="903" dirty="0">
+            <a:endParaRPr lang="en-GB" sz="922" dirty="0">
               <a:solidFill>
                 <a:schemeClr val="tx1">
                   <a:lumMod val="75000"/>
@@ -16284,8 +18788,8 @@
         </p:nvSpPr>
         <p:spPr>
           <a:xfrm>
-            <a:off x="3861187" y="3235576"/>
-            <a:ext cx="222841" cy="232126"/>
+            <a:off x="3898528" y="2962705"/>
+            <a:ext cx="227487" cy="236965"/>
           </a:xfrm>
           <a:prstGeom prst="rect">
             <a:avLst/>
@@ -16318,7 +18822,7 @@
           <a:lstStyle/>
           <a:p>
             <a:pPr algn="ctr"/>
-            <a:endParaRPr lang="en-GB" sz="903" dirty="0">
+            <a:endParaRPr lang="en-GB" sz="922" dirty="0">
               <a:solidFill>
                 <a:schemeClr val="tx1">
                   <a:lumMod val="75000"/>
@@ -16345,8 +18849,8 @@
         </p:nvSpPr>
         <p:spPr>
           <a:xfrm>
-            <a:off x="4109562" y="2733435"/>
-            <a:ext cx="222841" cy="232126"/>
+            <a:off x="4152081" y="2450096"/>
+            <a:ext cx="227487" cy="236965"/>
           </a:xfrm>
           <a:prstGeom prst="rect">
             <a:avLst/>
@@ -16379,7 +18883,7 @@
           <a:lstStyle/>
           <a:p>
             <a:pPr algn="ctr"/>
-            <a:endParaRPr lang="en-GB" sz="903" dirty="0">
+            <a:endParaRPr lang="en-GB" sz="922" dirty="0">
               <a:solidFill>
                 <a:schemeClr val="tx1">
                   <a:lumMod val="75000"/>
@@ -16406,8 +18910,8 @@
         </p:nvSpPr>
         <p:spPr>
           <a:xfrm>
-            <a:off x="4109562" y="2978890"/>
-            <a:ext cx="222841" cy="232126"/>
+            <a:off x="4152081" y="2700668"/>
+            <a:ext cx="227487" cy="236965"/>
           </a:xfrm>
           <a:prstGeom prst="rect">
             <a:avLst/>
@@ -16440,7 +18944,7 @@
           <a:lstStyle/>
           <a:p>
             <a:pPr algn="ctr"/>
-            <a:endParaRPr lang="en-GB" sz="903" dirty="0">
+            <a:endParaRPr lang="en-GB" sz="922" dirty="0">
               <a:solidFill>
                 <a:schemeClr val="tx1">
                   <a:lumMod val="75000"/>
@@ -16467,8 +18971,8 @@
         </p:nvSpPr>
         <p:spPr>
           <a:xfrm>
-            <a:off x="4109562" y="3235576"/>
-            <a:ext cx="222841" cy="232126"/>
+            <a:off x="4152081" y="2962705"/>
+            <a:ext cx="227487" cy="236965"/>
           </a:xfrm>
           <a:prstGeom prst="rect">
             <a:avLst/>
@@ -16501,7 +19005,7 @@
           <a:lstStyle/>
           <a:p>
             <a:pPr algn="ctr"/>
-            <a:endParaRPr lang="en-GB" sz="903" dirty="0">
+            <a:endParaRPr lang="en-GB" sz="922" dirty="0">
               <a:solidFill>
                 <a:schemeClr val="tx1">
                   <a:lumMod val="75000"/>
@@ -16528,8 +19032,8 @@
         </p:nvSpPr>
         <p:spPr>
           <a:xfrm>
-            <a:off x="3618866" y="2051844"/>
-            <a:ext cx="928504" cy="232126"/>
+            <a:off x="3651154" y="1754295"/>
+            <a:ext cx="947861" cy="236965"/>
           </a:xfrm>
           <a:prstGeom prst="rect">
             <a:avLst/>
@@ -16569,7 +19073,7 @@
           <a:p>
             <a:pPr algn="ctr"/>
             <a:r>
-              <a:rPr lang="en-GB" sz="903" b="1" u="sng" dirty="0">
+              <a:rPr lang="en-GB" sz="922" b="1" u="sng" dirty="0">
                 <a:solidFill>
                   <a:schemeClr val="tx1">
                     <a:lumMod val="75000"/>
@@ -16582,7 +19086,7 @@
               <a:t>OUTER</a:t>
             </a:r>
             <a:r>
-              <a:rPr lang="en-GB" sz="903" dirty="0">
+              <a:rPr lang="en-GB" sz="922" dirty="0">
                 <a:solidFill>
                   <a:schemeClr val="tx1">
                     <a:lumMod val="75000"/>
@@ -16625,8 +19129,8 @@
         </p:blipFill>
         <p:spPr>
           <a:xfrm>
-            <a:off x="-539269" y="2126090"/>
-            <a:ext cx="139276" cy="139276"/>
+            <a:off x="-1011230" y="1830088"/>
+            <a:ext cx="142180" cy="142180"/>
           </a:xfrm>
           <a:prstGeom prst="rect">
             <a:avLst/>
@@ -16647,8 +19151,8 @@
         </p:nvSpPr>
         <p:spPr>
           <a:xfrm>
-            <a:off x="-1183695" y="2059776"/>
-            <a:ext cx="998142" cy="251418"/>
+            <a:off x="-1234545" y="1762392"/>
+            <a:ext cx="1018951" cy="256659"/>
           </a:xfrm>
           <a:prstGeom prst="rect">
             <a:avLst/>
@@ -16680,7 +19184,7 @@
           <a:p>
             <a:pPr algn="r"/>
             <a:r>
-              <a:rPr lang="en-GB" sz="903" b="1" dirty="0">
+              <a:rPr lang="en-GB" sz="922" b="1" dirty="0">
                 <a:solidFill>
                   <a:schemeClr val="tx1">
                     <a:lumMod val="75000"/>
@@ -16693,7 +19197,7 @@
               <a:t>k_outer </a:t>
             </a:r>
             <a:r>
-              <a:rPr lang="en-GB" sz="903" b="1" dirty="0">
+              <a:rPr lang="en-GB" sz="922" b="1" dirty="0">
                 <a:solidFill>
                   <a:schemeClr val="tx1">
                     <a:lumMod val="75000"/>
@@ -16722,8 +19226,8 @@
         </p:nvSpPr>
         <p:spPr>
           <a:xfrm>
-            <a:off x="-1385404" y="2957358"/>
-            <a:ext cx="998142" cy="251418"/>
+            <a:off x="-1414287" y="2678687"/>
+            <a:ext cx="1018951" cy="256659"/>
           </a:xfrm>
           <a:prstGeom prst="rect">
             <a:avLst/>
@@ -16755,7 +19259,7 @@
           <a:p>
             <a:pPr algn="r"/>
             <a:r>
-              <a:rPr lang="en-GB" sz="903" b="1" dirty="0">
+              <a:rPr lang="en-GB" sz="922" b="1" dirty="0">
                 <a:solidFill>
                   <a:schemeClr val="tx1">
                     <a:lumMod val="75000"/>
@@ -16768,7 +19272,7 @@
               <a:t>k_inner </a:t>
             </a:r>
             <a:r>
-              <a:rPr lang="en-GB" sz="903" b="1" dirty="0">
+              <a:rPr lang="en-GB" sz="922" b="1" dirty="0">
                 <a:solidFill>
                   <a:schemeClr val="tx1">
                     <a:lumMod val="75000"/>
@@ -16797,8 +19301,8 @@
         </p:nvSpPr>
         <p:spPr>
           <a:xfrm>
-            <a:off x="-471792" y="2733435"/>
-            <a:ext cx="171966" cy="709256"/>
+            <a:off x="-481628" y="2450096"/>
+            <a:ext cx="175551" cy="724042"/>
           </a:xfrm>
           <a:prstGeom prst="leftBrace">
             <a:avLst>
@@ -16834,7 +19338,7 @@
           <a:lstStyle/>
           <a:p>
             <a:pPr algn="ctr"/>
-            <a:endParaRPr lang="en-GB" sz="903">
+            <a:endParaRPr lang="en-GB" sz="922">
               <a:latin typeface="Calibri Light" panose="020F0302020204030204" pitchFamily="34" charset="0"/>
               <a:cs typeface="Calibri Light" panose="020F0302020204030204" pitchFamily="34" charset="0"/>
             </a:endParaRPr>
@@ -16869,8 +19373,8 @@
         </p:blipFill>
         <p:spPr>
           <a:xfrm>
-            <a:off x="-725725" y="3015806"/>
-            <a:ext cx="139276" cy="139276"/>
+            <a:off x="-1192849" y="2747077"/>
+            <a:ext cx="142180" cy="142180"/>
           </a:xfrm>
           <a:prstGeom prst="rect">
             <a:avLst/>
@@ -16891,8 +19395,8 @@
         </p:nvSpPr>
         <p:spPr>
           <a:xfrm>
-            <a:off x="-262201" y="1841159"/>
-            <a:ext cx="928288" cy="231282"/>
+            <a:off x="-310824" y="1539218"/>
+            <a:ext cx="947641" cy="239114"/>
           </a:xfrm>
           <a:prstGeom prst="rect">
             <a:avLst/>
@@ -16907,7 +19411,7 @@
           <a:p>
             <a:pPr algn="ctr"/>
             <a:r>
-              <a:rPr lang="en-GB" sz="903" i="1" dirty="0">
+              <a:rPr lang="en-GB" sz="922" i="1" dirty="0">
                 <a:solidFill>
                   <a:schemeClr val="tx1">
                     <a:lumMod val="75000"/>
@@ -16936,8 +19440,8 @@
         </p:nvSpPr>
         <p:spPr>
           <a:xfrm>
-            <a:off x="741212" y="2378352"/>
-            <a:ext cx="719591" cy="232126"/>
+            <a:off x="713509" y="2087610"/>
+            <a:ext cx="734593" cy="236965"/>
           </a:xfrm>
           <a:prstGeom prst="rect">
             <a:avLst/>
@@ -16978,7 +19482,7 @@
           <a:lstStyle/>
           <a:p>
             <a:pPr algn="ctr"/>
-            <a:endParaRPr lang="en-GB" sz="903" dirty="0">
+            <a:endParaRPr lang="en-GB" sz="922" dirty="0">
               <a:solidFill>
                 <a:schemeClr val="tx1">
                   <a:lumMod val="75000"/>
@@ -17005,8 +19509,8 @@
         </p:nvSpPr>
         <p:spPr>
           <a:xfrm>
-            <a:off x="1702861" y="2378352"/>
-            <a:ext cx="719591" cy="232126"/>
+            <a:off x="1695206" y="2087610"/>
+            <a:ext cx="734593" cy="236965"/>
           </a:xfrm>
           <a:prstGeom prst="rect">
             <a:avLst/>
@@ -17047,7 +19551,7 @@
           <a:lstStyle/>
           <a:p>
             <a:pPr algn="ctr"/>
-            <a:endParaRPr lang="en-GB" sz="903" dirty="0">
+            <a:endParaRPr lang="en-GB" sz="922" dirty="0">
               <a:solidFill>
                 <a:schemeClr val="tx1">
                   <a:lumMod val="75000"/>
@@ -17074,8 +19578,8 @@
         </p:nvSpPr>
         <p:spPr>
           <a:xfrm>
-            <a:off x="2657218" y="2378352"/>
-            <a:ext cx="719591" cy="232126"/>
+            <a:off x="2669459" y="2087610"/>
+            <a:ext cx="734593" cy="236965"/>
           </a:xfrm>
           <a:prstGeom prst="rect">
             <a:avLst/>
@@ -17116,7 +19620,7 @@
           <a:lstStyle/>
           <a:p>
             <a:pPr algn="ctr"/>
-            <a:endParaRPr lang="en-GB" sz="903" dirty="0">
+            <a:endParaRPr lang="en-GB" sz="922" dirty="0">
               <a:solidFill>
                 <a:schemeClr val="tx1">
                   <a:lumMod val="75000"/>
@@ -17143,8 +19647,8 @@
         </p:nvSpPr>
         <p:spPr>
           <a:xfrm>
-            <a:off x="3618866" y="2378352"/>
-            <a:ext cx="719591" cy="232126"/>
+            <a:off x="3651156" y="2087610"/>
+            <a:ext cx="734593" cy="236965"/>
           </a:xfrm>
           <a:prstGeom prst="rect">
             <a:avLst/>
@@ -17185,7 +19689,7 @@
           <a:lstStyle/>
           <a:p>
             <a:pPr algn="ctr"/>
-            <a:endParaRPr lang="en-GB" sz="903" dirty="0">
+            <a:endParaRPr lang="en-GB" sz="922" dirty="0">
               <a:solidFill>
                 <a:schemeClr val="tx1">
                   <a:lumMod val="75000"/>
@@ -17212,8 +19716,8 @@
         </p:nvSpPr>
         <p:spPr>
           <a:xfrm>
-            <a:off x="744910" y="1841159"/>
-            <a:ext cx="928288" cy="231282"/>
+            <a:off x="717283" y="1539218"/>
+            <a:ext cx="947641" cy="239114"/>
           </a:xfrm>
           <a:prstGeom prst="rect">
             <a:avLst/>
@@ -17228,7 +19732,7 @@
           <a:p>
             <a:pPr algn="ctr"/>
             <a:r>
-              <a:rPr lang="en-GB" sz="903" i="1" dirty="0">
+              <a:rPr lang="en-GB" sz="922" i="1" dirty="0">
                 <a:solidFill>
                   <a:schemeClr val="tx1">
                     <a:lumMod val="75000"/>
@@ -17257,8 +19761,8 @@
         </p:nvSpPr>
         <p:spPr>
           <a:xfrm>
-            <a:off x="1706164" y="1841159"/>
-            <a:ext cx="928288" cy="231282"/>
+            <a:off x="1698577" y="1539218"/>
+            <a:ext cx="947641" cy="239114"/>
           </a:xfrm>
           <a:prstGeom prst="rect">
             <a:avLst/>
@@ -17273,7 +19777,7 @@
           <a:p>
             <a:pPr algn="ctr"/>
             <a:r>
-              <a:rPr lang="en-GB" sz="903" i="1" dirty="0">
+              <a:rPr lang="en-GB" sz="922" i="1" dirty="0">
                 <a:solidFill>
                   <a:schemeClr val="tx1">
                     <a:lumMod val="75000"/>
@@ -17302,8 +19806,8 @@
         </p:nvSpPr>
         <p:spPr>
           <a:xfrm>
-            <a:off x="2667417" y="1841159"/>
-            <a:ext cx="928288" cy="231282"/>
+            <a:off x="2679869" y="1539218"/>
+            <a:ext cx="947641" cy="239114"/>
           </a:xfrm>
           <a:prstGeom prst="rect">
             <a:avLst/>
@@ -17318,7 +19822,7 @@
           <a:p>
             <a:pPr algn="ctr"/>
             <a:r>
-              <a:rPr lang="en-GB" sz="903" i="1" dirty="0">
+              <a:rPr lang="en-GB" sz="922" i="1" dirty="0">
                 <a:solidFill>
                   <a:schemeClr val="tx1">
                     <a:lumMod val="75000"/>
@@ -17347,8 +19851,8 @@
         </p:nvSpPr>
         <p:spPr>
           <a:xfrm>
-            <a:off x="3628667" y="1841159"/>
-            <a:ext cx="928288" cy="231282"/>
+            <a:off x="3661159" y="1539218"/>
+            <a:ext cx="947641" cy="239114"/>
           </a:xfrm>
           <a:prstGeom prst="rect">
             <a:avLst/>
@@ -17363,7 +19867,7 @@
           <a:p>
             <a:pPr algn="ctr"/>
             <a:r>
-              <a:rPr lang="en-GB" sz="903" i="1" dirty="0">
+              <a:rPr lang="en-GB" sz="922" i="1" dirty="0">
                 <a:solidFill>
                   <a:schemeClr val="tx1">
                     <a:lumMod val="75000"/>
@@ -17406,8 +19910,8 @@
         </p:blipFill>
         <p:spPr>
           <a:xfrm>
-            <a:off x="1218620" y="1648557"/>
-            <a:ext cx="139276" cy="139276"/>
+            <a:off x="360945" y="851315"/>
+            <a:ext cx="135127" cy="142180"/>
           </a:xfrm>
           <a:prstGeom prst="rect">
             <a:avLst/>
@@ -17428,8 +19932,8 @@
         </p:nvSpPr>
         <p:spPr>
           <a:xfrm>
-            <a:off x="1173977" y="1580203"/>
-            <a:ext cx="998142" cy="251418"/>
+            <a:off x="262901" y="790261"/>
+            <a:ext cx="2825663" cy="256659"/>
           </a:xfrm>
           <a:prstGeom prst="rect">
             <a:avLst/>
@@ -17459,9 +19963,9 @@
           <a:bodyPr rtlCol="0" anchor="ctr"/>
           <a:lstStyle/>
           <a:p>
-            <a:pPr algn="r"/>
+            <a:pPr algn="ctr"/>
             <a:r>
-              <a:rPr lang="en-GB" sz="903" b="1" dirty="0">
+              <a:rPr lang="en-GB" sz="919" b="1" dirty="0">
                 <a:solidFill>
                   <a:schemeClr val="tx1">
                     <a:lumMod val="75000"/>
@@ -17474,7 +19978,7 @@
               <a:t>n_repeats </a:t>
             </a:r>
             <a:r>
-              <a:rPr lang="en-GB" sz="903" b="1" dirty="0">
+              <a:rPr lang="en-GB" sz="919" b="1" dirty="0">
                 <a:solidFill>
                   <a:schemeClr val="tx1">
                     <a:lumMod val="75000"/>
@@ -17484,11 +19988,313 @@
                 <a:latin typeface="Calibri Light" panose="020F0302020204030204" pitchFamily="34" charset="0"/>
                 <a:cs typeface="Calibri Light" panose="020F0302020204030204" pitchFamily="34" charset="0"/>
               </a:rPr>
-              <a:t>= 1</a:t>
+              <a:t>= 1 (</a:t>
+            </a:r>
+            <a:r>
+              <a:rPr lang="en-GB" sz="919" b="1" dirty="0">
+                <a:solidFill>
+                  <a:schemeClr val="tx1">
+                    <a:lumMod val="75000"/>
+                    <a:lumOff val="25000"/>
+                  </a:schemeClr>
+                </a:solidFill>
+                <a:latin typeface="Calibri" panose="020F0502020204030204" pitchFamily="34" charset="0"/>
+                <a:cs typeface="Calibri" panose="020F0502020204030204" pitchFamily="34" charset="0"/>
+              </a:rPr>
+              <a:t>RepeatedStratifiedKfold            </a:t>
+            </a:r>
+            <a:r>
+              <a:rPr lang="en-GB" sz="919" b="1" dirty="0">
+                <a:solidFill>
+                  <a:schemeClr val="tx1">
+                    <a:lumMod val="75000"/>
+                    <a:lumOff val="25000"/>
+                  </a:schemeClr>
+                </a:solidFill>
+                <a:latin typeface="Calibri Light" panose="020F0302020204030204" pitchFamily="34" charset="0"/>
+                <a:cs typeface="Calibri Light" panose="020F0302020204030204" pitchFamily="34" charset="0"/>
+              </a:rPr>
+              <a:t>)</a:t>
             </a:r>
           </a:p>
         </p:txBody>
       </p:sp>
+      <p:sp>
+        <p:nvSpPr>
+          <p:cNvPr id="2" name="Rectangle 1">
+            <a:extLst>
+              <a:ext uri="{FF2B5EF4-FFF2-40B4-BE49-F238E27FC236}">
+                <a16:creationId xmlns:a16="http://schemas.microsoft.com/office/drawing/2014/main" id="{70009A46-6D12-CD32-6226-3AE28828467D}"/>
+              </a:ext>
+            </a:extLst>
+          </p:cNvPr>
+          <p:cNvSpPr/>
+          <p:nvPr/>
+        </p:nvSpPr>
+        <p:spPr>
+          <a:xfrm>
+            <a:off x="-882370" y="1239615"/>
+            <a:ext cx="1350039" cy="256659"/>
+          </a:xfrm>
+          <a:prstGeom prst="rect">
+            <a:avLst/>
+          </a:prstGeom>
+          <a:noFill/>
+          <a:ln w="3175">
+            <a:noFill/>
+          </a:ln>
+        </p:spPr>
+        <p:style>
+          <a:lnRef idx="2">
+            <a:schemeClr val="accent1">
+              <a:shade val="15000"/>
+            </a:schemeClr>
+          </a:lnRef>
+          <a:fillRef idx="1">
+            <a:schemeClr val="accent1"/>
+          </a:fillRef>
+          <a:effectRef idx="0">
+            <a:schemeClr val="accent1"/>
+          </a:effectRef>
+          <a:fontRef idx="minor">
+            <a:schemeClr val="lt1"/>
+          </a:fontRef>
+        </p:style>
+        <p:txBody>
+          <a:bodyPr rtlCol="0" anchor="ctr"/>
+          <a:lstStyle/>
+          <a:p>
+            <a:pPr algn="ctr"/>
+            <a:r>
+              <a:rPr lang="en-GB" sz="922" b="1" dirty="0">
+                <a:solidFill>
+                  <a:schemeClr val="tx1">
+                    <a:lumMod val="75000"/>
+                    <a:lumOff val="25000"/>
+                  </a:schemeClr>
+                </a:solidFill>
+                <a:latin typeface="Calibri" panose="020F0502020204030204" pitchFamily="34" charset="0"/>
+                <a:cs typeface="Calibri" panose="020F0502020204030204" pitchFamily="34" charset="0"/>
+              </a:rPr>
+              <a:t>Outer Cross-Validation</a:t>
+            </a:r>
+          </a:p>
+          <a:p>
+            <a:pPr algn="ctr"/>
+            <a:r>
+              <a:rPr lang="en-GB" sz="922" b="1" dirty="0">
+                <a:solidFill>
+                  <a:schemeClr val="tx1">
+                    <a:lumMod val="75000"/>
+                    <a:lumOff val="25000"/>
+                  </a:schemeClr>
+                </a:solidFill>
+                <a:latin typeface="Calibri" panose="020F0502020204030204" pitchFamily="34" charset="0"/>
+                <a:cs typeface="Calibri" panose="020F0502020204030204" pitchFamily="34" charset="0"/>
+              </a:rPr>
+              <a:t>(Model generalisation)</a:t>
+            </a:r>
+            <a:endParaRPr lang="en-GB" sz="922" b="1" dirty="0">
+              <a:solidFill>
+                <a:schemeClr val="tx1">
+                  <a:lumMod val="75000"/>
+                  <a:lumOff val="25000"/>
+                </a:schemeClr>
+              </a:solidFill>
+              <a:latin typeface="Calibri Light" panose="020F0302020204030204" pitchFamily="34" charset="0"/>
+              <a:cs typeface="Calibri Light" panose="020F0302020204030204" pitchFamily="34" charset="0"/>
+            </a:endParaRPr>
+          </a:p>
+        </p:txBody>
+      </p:sp>
+      <p:sp>
+        <p:nvSpPr>
+          <p:cNvPr id="3" name="Rectangle 2">
+            <a:extLst>
+              <a:ext uri="{FF2B5EF4-FFF2-40B4-BE49-F238E27FC236}">
+                <a16:creationId xmlns:a16="http://schemas.microsoft.com/office/drawing/2014/main" id="{D530AD3E-3C80-557C-5792-3994668D0538}"/>
+              </a:ext>
+            </a:extLst>
+          </p:cNvPr>
+          <p:cNvSpPr/>
+          <p:nvPr/>
+        </p:nvSpPr>
+        <p:spPr>
+          <a:xfrm>
+            <a:off x="-1277702" y="3247625"/>
+            <a:ext cx="1745370" cy="256659"/>
+          </a:xfrm>
+          <a:prstGeom prst="rect">
+            <a:avLst/>
+          </a:prstGeom>
+          <a:noFill/>
+          <a:ln w="3175">
+            <a:noFill/>
+          </a:ln>
+        </p:spPr>
+        <p:style>
+          <a:lnRef idx="2">
+            <a:schemeClr val="accent1">
+              <a:shade val="15000"/>
+            </a:schemeClr>
+          </a:lnRef>
+          <a:fillRef idx="1">
+            <a:schemeClr val="accent1"/>
+          </a:fillRef>
+          <a:effectRef idx="0">
+            <a:schemeClr val="accent1"/>
+          </a:effectRef>
+          <a:fontRef idx="minor">
+            <a:schemeClr val="lt1"/>
+          </a:fontRef>
+        </p:style>
+        <p:txBody>
+          <a:bodyPr rtlCol="0" anchor="ctr"/>
+          <a:lstStyle/>
+          <a:p>
+            <a:pPr algn="ctr"/>
+            <a:r>
+              <a:rPr lang="en-GB" sz="922" b="1" dirty="0">
+                <a:solidFill>
+                  <a:schemeClr val="tx1">
+                    <a:lumMod val="75000"/>
+                    <a:lumOff val="25000"/>
+                  </a:schemeClr>
+                </a:solidFill>
+                <a:latin typeface="Calibri" panose="020F0502020204030204" pitchFamily="34" charset="0"/>
+                <a:cs typeface="Calibri" panose="020F0502020204030204" pitchFamily="34" charset="0"/>
+              </a:rPr>
+              <a:t>Inner Cross-Validation</a:t>
+            </a:r>
+          </a:p>
+          <a:p>
+            <a:pPr algn="ctr"/>
+            <a:r>
+              <a:rPr lang="en-GB" sz="922" b="1" dirty="0">
+                <a:solidFill>
+                  <a:schemeClr val="tx1">
+                    <a:lumMod val="75000"/>
+                    <a:lumOff val="25000"/>
+                  </a:schemeClr>
+                </a:solidFill>
+                <a:latin typeface="Calibri" panose="020F0502020204030204" pitchFamily="34" charset="0"/>
+                <a:cs typeface="Calibri" panose="020F0502020204030204" pitchFamily="34" charset="0"/>
+              </a:rPr>
+              <a:t>(Hyperparameter tuning)</a:t>
+            </a:r>
+            <a:endParaRPr lang="en-GB" sz="922" b="1" dirty="0">
+              <a:solidFill>
+                <a:schemeClr val="tx1">
+                  <a:lumMod val="75000"/>
+                  <a:lumOff val="25000"/>
+                </a:schemeClr>
+              </a:solidFill>
+              <a:latin typeface="Calibri Light" panose="020F0302020204030204" pitchFamily="34" charset="0"/>
+              <a:cs typeface="Calibri Light" panose="020F0302020204030204" pitchFamily="34" charset="0"/>
+            </a:endParaRPr>
+          </a:p>
+        </p:txBody>
+      </p:sp>
+      <p:sp>
+        <p:nvSpPr>
+          <p:cNvPr id="4" name="Right Brace 3">
+            <a:extLst>
+              <a:ext uri="{FF2B5EF4-FFF2-40B4-BE49-F238E27FC236}">
+                <a16:creationId xmlns:a16="http://schemas.microsoft.com/office/drawing/2014/main" id="{9A9B4192-EF51-90EC-146D-0F70F0266B6F}"/>
+              </a:ext>
+            </a:extLst>
+          </p:cNvPr>
+          <p:cNvSpPr/>
+          <p:nvPr/>
+        </p:nvSpPr>
+        <p:spPr>
+          <a:xfrm rot="16200000">
+            <a:off x="1505768" y="-1811202"/>
+            <a:ext cx="277745" cy="6027680"/>
+          </a:xfrm>
+          <a:prstGeom prst="rightBrace">
+            <a:avLst>
+              <a:gd name="adj1" fmla="val 76542"/>
+              <a:gd name="adj2" fmla="val 50602"/>
+            </a:avLst>
+          </a:prstGeom>
+          <a:ln>
+            <a:solidFill>
+              <a:schemeClr val="tx1">
+                <a:lumMod val="75000"/>
+                <a:lumOff val="25000"/>
+              </a:schemeClr>
+            </a:solidFill>
+          </a:ln>
+        </p:spPr>
+        <p:style>
+          <a:lnRef idx="2">
+            <a:schemeClr val="accent1"/>
+          </a:lnRef>
+          <a:fillRef idx="0">
+            <a:schemeClr val="accent1"/>
+          </a:fillRef>
+          <a:effectRef idx="1">
+            <a:schemeClr val="accent1"/>
+          </a:effectRef>
+          <a:fontRef idx="minor">
+            <a:schemeClr val="tx1"/>
+          </a:fontRef>
+        </p:style>
+        <p:txBody>
+          <a:bodyPr rtlCol="0" anchor="ctr"/>
+          <a:lstStyle/>
+          <a:p>
+            <a:pPr algn="ctr"/>
+            <a:endParaRPr lang="en-GB" sz="1837"/>
+          </a:p>
+        </p:txBody>
+      </p:sp>
+      <p:pic>
+        <p:nvPicPr>
+          <p:cNvPr id="6" name="Picture 2" descr="Integrate scikit-learn (sklearn) with ZenML - Modeling Integrations">
+            <a:extLst>
+              <a:ext uri="{FF2B5EF4-FFF2-40B4-BE49-F238E27FC236}">
+                <a16:creationId xmlns:a16="http://schemas.microsoft.com/office/drawing/2014/main" id="{769FF019-D5FA-0862-6908-CADDF593680E}"/>
+              </a:ext>
+            </a:extLst>
+          </p:cNvPr>
+          <p:cNvPicPr>
+            <a:picLocks noChangeAspect="1" noChangeArrowheads="1"/>
+          </p:cNvPicPr>
+          <p:nvPr/>
+        </p:nvPicPr>
+        <p:blipFill rotWithShape="1">
+          <a:blip r:embed="rId4">
+            <a:extLst>
+              <a:ext uri="{28A0092B-C50C-407E-A947-70E740481C1C}">
+                <a14:useLocalDpi xmlns:a14="http://schemas.microsoft.com/office/drawing/2010/main" val="0"/>
+              </a:ext>
+            </a:extLst>
+          </a:blip>
+          <a:srcRect l="7299" t="22668" r="8002" b="22124"/>
+          <a:stretch/>
+        </p:blipFill>
+        <p:spPr bwMode="auto">
+          <a:xfrm>
+            <a:off x="2481755" y="821797"/>
+            <a:ext cx="268351" cy="174919"/>
+          </a:xfrm>
+          <a:prstGeom prst="rect">
+            <a:avLst/>
+          </a:prstGeom>
+          <a:noFill/>
+          <a:extLst>
+            <a:ext uri="{909E8E84-426E-40DD-AFC4-6F175D3DCCD1}">
+              <a14:hiddenFill xmlns:a14="http://schemas.microsoft.com/office/drawing/2010/main">
+                <a:solidFill>
+                  <a:srgbClr val="FFFFFF"/>
+                </a:solidFill>
+              </a14:hiddenFill>
+            </a:ext>
+          </a:extLst>
+        </p:spPr>
+      </p:pic>
     </p:spTree>
     <p:extLst>
       <p:ext uri="{BB962C8B-B14F-4D97-AF65-F5344CB8AC3E}">
@@ -17533,8 +20339,8 @@
         </p:nvSpPr>
         <p:spPr>
           <a:xfrm>
-            <a:off x="158836" y="4486104"/>
-            <a:ext cx="1043303" cy="221979"/>
+            <a:off x="118992" y="4239305"/>
+            <a:ext cx="1065053" cy="226607"/>
           </a:xfrm>
           <a:prstGeom prst="rect">
             <a:avLst/>
@@ -17568,7 +20374,7 @@
           <a:p>
             <a:pPr algn="ctr"/>
             <a:r>
-              <a:rPr lang="en-GB" sz="863" dirty="0">
+              <a:rPr lang="en-GB" sz="881" dirty="0">
                 <a:solidFill>
                   <a:schemeClr val="bg1">
                     <a:lumMod val="95000"/>
@@ -17596,8 +20402,8 @@
         </p:nvSpPr>
         <p:spPr>
           <a:xfrm>
-            <a:off x="1235436" y="4486104"/>
-            <a:ext cx="1043303" cy="221979"/>
+            <a:off x="1218037" y="4239305"/>
+            <a:ext cx="1065053" cy="226607"/>
           </a:xfrm>
           <a:prstGeom prst="rect">
             <a:avLst/>
@@ -17631,7 +20437,7 @@
           <a:p>
             <a:pPr algn="ctr"/>
             <a:r>
-              <a:rPr lang="en-GB" sz="863" dirty="0">
+              <a:rPr lang="en-GB" sz="881" dirty="0">
                 <a:solidFill>
                   <a:schemeClr val="bg1">
                     <a:lumMod val="95000"/>
@@ -17659,8 +20465,8 @@
         </p:nvSpPr>
         <p:spPr>
           <a:xfrm>
-            <a:off x="2312037" y="4486104"/>
-            <a:ext cx="1043303" cy="221979"/>
+            <a:off x="2317083" y="4239305"/>
+            <a:ext cx="1065053" cy="226607"/>
           </a:xfrm>
           <a:prstGeom prst="rect">
             <a:avLst/>
@@ -17694,7 +20500,7 @@
           <a:p>
             <a:pPr algn="ctr"/>
             <a:r>
-              <a:rPr lang="en-GB" sz="863" dirty="0">
+              <a:rPr lang="en-GB" sz="881" dirty="0">
                 <a:solidFill>
                   <a:schemeClr val="bg1">
                     <a:lumMod val="95000"/>
@@ -17722,8 +20528,8 @@
         </p:nvSpPr>
         <p:spPr>
           <a:xfrm>
-            <a:off x="158836" y="4746642"/>
-            <a:ext cx="1043303" cy="221979"/>
+            <a:off x="118992" y="4505274"/>
+            <a:ext cx="1065053" cy="226607"/>
           </a:xfrm>
           <a:prstGeom prst="rect">
             <a:avLst/>
@@ -17757,7 +20563,7 @@
           <a:p>
             <a:pPr algn="ctr"/>
             <a:r>
-              <a:rPr lang="en-GB" sz="863" dirty="0">
+              <a:rPr lang="en-GB" sz="881" dirty="0">
                 <a:solidFill>
                   <a:schemeClr val="bg1">
                     <a:lumMod val="95000"/>
@@ -17785,8 +20591,8 @@
         </p:nvSpPr>
         <p:spPr>
           <a:xfrm>
-            <a:off x="1235436" y="4746642"/>
-            <a:ext cx="1043303" cy="221979"/>
+            <a:off x="1218037" y="4505274"/>
+            <a:ext cx="1065053" cy="226607"/>
           </a:xfrm>
           <a:prstGeom prst="rect">
             <a:avLst/>
@@ -17820,7 +20626,7 @@
           <a:p>
             <a:pPr algn="ctr"/>
             <a:r>
-              <a:rPr lang="en-GB" sz="863" dirty="0">
+              <a:rPr lang="en-GB" sz="881" dirty="0">
                 <a:solidFill>
                   <a:schemeClr val="bg1">
                     <a:lumMod val="95000"/>
@@ -17848,8 +20654,8 @@
         </p:nvSpPr>
         <p:spPr>
           <a:xfrm>
-            <a:off x="2312037" y="4746642"/>
-            <a:ext cx="1043303" cy="221979"/>
+            <a:off x="2317083" y="4505274"/>
+            <a:ext cx="1065053" cy="226607"/>
           </a:xfrm>
           <a:prstGeom prst="rect">
             <a:avLst/>
@@ -17883,7 +20689,7 @@
           <a:p>
             <a:pPr algn="ctr"/>
             <a:r>
-              <a:rPr lang="en-GB" sz="863" dirty="0">
+              <a:rPr lang="en-GB" sz="881" dirty="0">
                 <a:solidFill>
                   <a:schemeClr val="bg1">
                     <a:lumMod val="95000"/>
@@ -17911,8 +20717,8 @@
         </p:nvSpPr>
         <p:spPr>
           <a:xfrm>
-            <a:off x="158836" y="4997354"/>
-            <a:ext cx="1043303" cy="221979"/>
+            <a:off x="118992" y="4761213"/>
+            <a:ext cx="1065053" cy="226607"/>
           </a:xfrm>
           <a:prstGeom prst="rect">
             <a:avLst/>
@@ -17946,7 +20752,7 @@
           <a:p>
             <a:pPr algn="ctr"/>
             <a:r>
-              <a:rPr lang="en-GB" sz="863" dirty="0">
+              <a:rPr lang="en-GB" sz="881" dirty="0">
                 <a:solidFill>
                   <a:schemeClr val="bg1">
                     <a:lumMod val="95000"/>
@@ -17974,8 +20780,8 @@
         </p:nvSpPr>
         <p:spPr>
           <a:xfrm>
-            <a:off x="1235436" y="4997354"/>
-            <a:ext cx="1043303" cy="221979"/>
+            <a:off x="1218037" y="4761213"/>
+            <a:ext cx="1065053" cy="226607"/>
           </a:xfrm>
           <a:prstGeom prst="rect">
             <a:avLst/>
@@ -18009,7 +20815,7 @@
           <a:p>
             <a:pPr algn="ctr"/>
             <a:r>
-              <a:rPr lang="en-GB" sz="863" dirty="0">
+              <a:rPr lang="en-GB" sz="881" dirty="0">
                 <a:solidFill>
                   <a:schemeClr val="bg1">
                     <a:lumMod val="95000"/>
@@ -18037,8 +20843,8 @@
         </p:nvSpPr>
         <p:spPr>
           <a:xfrm>
-            <a:off x="2312037" y="4997354"/>
-            <a:ext cx="1043303" cy="221979"/>
+            <a:off x="2317083" y="4761213"/>
+            <a:ext cx="1065053" cy="226607"/>
           </a:xfrm>
           <a:prstGeom prst="rect">
             <a:avLst/>
@@ -18072,7 +20878,7 @@
           <a:p>
             <a:pPr algn="ctr"/>
             <a:r>
-              <a:rPr lang="en-GB" sz="863" dirty="0">
+              <a:rPr lang="en-GB" sz="881" dirty="0">
                 <a:solidFill>
                   <a:schemeClr val="bg1">
                     <a:lumMod val="95000"/>
@@ -18100,8 +20906,8 @@
         </p:nvSpPr>
         <p:spPr>
           <a:xfrm>
-            <a:off x="-252372" y="5519594"/>
-            <a:ext cx="3673110" cy="673531"/>
+            <a:off x="-300790" y="5294341"/>
+            <a:ext cx="3749686" cy="687573"/>
           </a:xfrm>
           <a:prstGeom prst="rect">
             <a:avLst/>
@@ -18133,7 +20939,7 @@
           <a:p>
             <a:pPr algn="ctr"/>
             <a:r>
-              <a:rPr lang="en-GB" sz="987" dirty="0">
+              <a:rPr lang="en-GB" sz="1008" dirty="0">
                 <a:solidFill>
                   <a:srgbClr val="3A0CA3"/>
                 </a:solidFill>
@@ -18146,7 +20952,7 @@
           <a:p>
             <a:pPr algn="ctr"/>
             <a:r>
-              <a:rPr lang="en-GB" sz="987" dirty="0">
+              <a:rPr lang="en-GB" sz="1008" dirty="0">
                 <a:solidFill>
                   <a:srgbClr val="FF0066"/>
                 </a:solidFill>
@@ -18156,7 +20962,7 @@
               <a:t>Train each candidate set of hyperparameters over (k_inner - 1) splits</a:t>
             </a:r>
             <a:r>
-              <a:rPr lang="en-GB" sz="987" dirty="0">
+              <a:rPr lang="en-GB" sz="1008" dirty="0">
                 <a:solidFill>
                   <a:schemeClr val="tx1">
                     <a:lumMod val="75000"/>
@@ -18169,7 +20975,7 @@
               <a:t> and </a:t>
             </a:r>
             <a:r>
-              <a:rPr lang="en-GB" sz="987" dirty="0">
+              <a:rPr lang="en-GB" sz="1008" dirty="0">
                 <a:solidFill>
                   <a:srgbClr val="E98A15"/>
                 </a:solidFill>
@@ -18182,7 +20988,7 @@
           <a:p>
             <a:pPr algn="ctr"/>
             <a:r>
-              <a:rPr lang="en-GB" sz="987" dirty="0">
+              <a:rPr lang="en-GB" sz="1008" dirty="0">
                 <a:solidFill>
                   <a:srgbClr val="3A0CA3"/>
                 </a:solidFill>
@@ -18210,8 +21016,8 @@
         </p:nvCxnSpPr>
         <p:spPr>
           <a:xfrm>
-            <a:off x="1566371" y="5285490"/>
-            <a:ext cx="0" cy="226535"/>
+            <a:off x="1555869" y="5055356"/>
+            <a:ext cx="0" cy="231258"/>
           </a:xfrm>
           <a:prstGeom prst="straightConnector1">
             <a:avLst/>
@@ -18255,8 +21061,8 @@
         </p:nvSpPr>
         <p:spPr>
           <a:xfrm>
-            <a:off x="-252372" y="3454444"/>
-            <a:ext cx="3664182" cy="391125"/>
+            <a:off x="-300790" y="3186137"/>
+            <a:ext cx="3740572" cy="399279"/>
           </a:xfrm>
           <a:prstGeom prst="rect">
             <a:avLst/>
@@ -18292,7 +21098,7 @@
           <a:p>
             <a:pPr algn="ctr"/>
             <a:r>
-              <a:rPr lang="en-GB" sz="987" dirty="0">
+              <a:rPr lang="en-GB" sz="1008" dirty="0">
                 <a:solidFill>
                   <a:schemeClr val="bg1">
                     <a:lumMod val="95000"/>
@@ -18307,7 +21113,7 @@
           <a:p>
             <a:pPr algn="ctr"/>
             <a:r>
-              <a:rPr lang="en-GB" sz="987" b="1" dirty="0">
+              <a:rPr lang="en-GB" sz="1008" b="1" dirty="0">
                 <a:solidFill>
                   <a:schemeClr val="bg1">
                     <a:lumMod val="95000"/>
@@ -18319,7 +21125,7 @@
               <a:t>n_trials </a:t>
             </a:r>
             <a:r>
-              <a:rPr lang="en-GB" sz="987" b="1" dirty="0">
+              <a:rPr lang="en-GB" sz="1008" b="1" dirty="0">
                 <a:solidFill>
                   <a:schemeClr val="bg1">
                     <a:lumMod val="95000"/>
@@ -18330,7 +21136,7 @@
               </a:rPr>
               <a:t>= 20</a:t>
             </a:r>
-            <a:endParaRPr lang="en-GB" sz="987" dirty="0">
+            <a:endParaRPr lang="en-GB" sz="1008" dirty="0">
               <a:solidFill>
                 <a:schemeClr val="bg1">
                   <a:lumMod val="95000"/>
@@ -18356,8 +21162,8 @@
         </p:nvSpPr>
         <p:spPr>
           <a:xfrm>
-            <a:off x="150162" y="4286420"/>
-            <a:ext cx="1043303" cy="221979"/>
+            <a:off x="110138" y="4035458"/>
+            <a:ext cx="1065053" cy="226607"/>
           </a:xfrm>
           <a:prstGeom prst="rect">
             <a:avLst/>
@@ -18389,7 +21195,7 @@
           <a:p>
             <a:pPr algn="ctr"/>
             <a:r>
-              <a:rPr lang="en-GB" sz="863" b="1" u="sng" dirty="0">
+              <a:rPr lang="en-GB" sz="881" b="1" u="sng" dirty="0">
                 <a:solidFill>
                   <a:schemeClr val="tx1">
                     <a:lumMod val="75000"/>
@@ -18402,7 +21208,7 @@
               <a:t>INNER</a:t>
             </a:r>
             <a:r>
-              <a:rPr lang="en-GB" sz="863" dirty="0">
+              <a:rPr lang="en-GB" sz="881" dirty="0">
                 <a:solidFill>
                   <a:schemeClr val="tx1">
                     <a:lumMod val="75000"/>
@@ -18431,8 +21237,8 @@
         </p:nvSpPr>
         <p:spPr>
           <a:xfrm>
-            <a:off x="1226762" y="4286420"/>
-            <a:ext cx="1043303" cy="221979"/>
+            <a:off x="1209182" y="4035458"/>
+            <a:ext cx="1065053" cy="226607"/>
           </a:xfrm>
           <a:prstGeom prst="rect">
             <a:avLst/>
@@ -18464,7 +21270,7 @@
           <a:p>
             <a:pPr algn="ctr"/>
             <a:r>
-              <a:rPr lang="en-GB" sz="863" b="1" u="sng" dirty="0">
+              <a:rPr lang="en-GB" sz="881" b="1" u="sng" dirty="0">
                 <a:solidFill>
                   <a:schemeClr val="tx1">
                     <a:lumMod val="75000"/>
@@ -18477,7 +21283,7 @@
               <a:t>INNER</a:t>
             </a:r>
             <a:r>
-              <a:rPr lang="en-GB" sz="863" dirty="0">
+              <a:rPr lang="en-GB" sz="881" dirty="0">
                 <a:solidFill>
                   <a:schemeClr val="tx1">
                     <a:lumMod val="75000"/>
@@ -18506,8 +21312,8 @@
         </p:nvSpPr>
         <p:spPr>
           <a:xfrm>
-            <a:off x="2303362" y="4286420"/>
-            <a:ext cx="1043303" cy="221979"/>
+            <a:off x="2308227" y="4035458"/>
+            <a:ext cx="1065053" cy="226607"/>
           </a:xfrm>
           <a:prstGeom prst="rect">
             <a:avLst/>
@@ -18539,7 +21345,7 @@
           <a:p>
             <a:pPr algn="ctr"/>
             <a:r>
-              <a:rPr lang="en-GB" sz="863" b="1" u="sng" dirty="0">
+              <a:rPr lang="en-GB" sz="881" b="1" u="sng" dirty="0">
                 <a:solidFill>
                   <a:schemeClr val="tx1">
                     <a:lumMod val="75000"/>
@@ -18552,7 +21358,7 @@
               <a:t>INNER</a:t>
             </a:r>
             <a:r>
-              <a:rPr lang="en-GB" sz="863" dirty="0">
+              <a:rPr lang="en-GB" sz="881" dirty="0">
                 <a:solidFill>
                   <a:schemeClr val="tx1">
                     <a:lumMod val="75000"/>
@@ -18581,8 +21387,8 @@
         </p:nvSpPr>
         <p:spPr>
           <a:xfrm>
-            <a:off x="-375889" y="4491296"/>
-            <a:ext cx="614111" cy="221979"/>
+            <a:off x="-426882" y="4244605"/>
+            <a:ext cx="626914" cy="226607"/>
           </a:xfrm>
           <a:prstGeom prst="rect">
             <a:avLst/>
@@ -18614,7 +21420,7 @@
           <a:p>
             <a:pPr algn="r"/>
             <a:r>
-              <a:rPr lang="en-GB" sz="863" dirty="0">
+              <a:rPr lang="en-GB" sz="881" dirty="0">
                 <a:solidFill>
                   <a:schemeClr val="tx1">
                     <a:lumMod val="75000"/>
@@ -18643,8 +21449,8 @@
         </p:nvSpPr>
         <p:spPr>
           <a:xfrm>
-            <a:off x="-375889" y="4754416"/>
-            <a:ext cx="614111" cy="221979"/>
+            <a:off x="-426882" y="4513210"/>
+            <a:ext cx="626914" cy="226607"/>
           </a:xfrm>
           <a:prstGeom prst="rect">
             <a:avLst/>
@@ -18676,7 +21482,7 @@
           <a:p>
             <a:pPr algn="r"/>
             <a:r>
-              <a:rPr lang="en-GB" sz="863" dirty="0">
+              <a:rPr lang="en-GB" sz="881" dirty="0">
                 <a:solidFill>
                   <a:schemeClr val="tx1">
                     <a:lumMod val="75000"/>
@@ -18705,8 +21511,8 @@
         </p:nvSpPr>
         <p:spPr>
           <a:xfrm>
-            <a:off x="-375889" y="5000306"/>
-            <a:ext cx="614111" cy="221979"/>
+            <a:off x="-426882" y="4764227"/>
+            <a:ext cx="626914" cy="226607"/>
           </a:xfrm>
           <a:prstGeom prst="rect">
             <a:avLst/>
@@ -18738,7 +21544,7 @@
           <a:p>
             <a:pPr algn="r"/>
             <a:r>
-              <a:rPr lang="en-GB" sz="863" dirty="0">
+              <a:rPr lang="en-GB" sz="881" dirty="0">
                 <a:solidFill>
                   <a:schemeClr val="tx1">
                     <a:lumMod val="75000"/>
@@ -18767,8 +21573,8 @@
         </p:nvSpPr>
         <p:spPr>
           <a:xfrm>
-            <a:off x="-252370" y="3854687"/>
-            <a:ext cx="3664183" cy="3092009"/>
+            <a:off x="-300788" y="3594724"/>
+            <a:ext cx="3740573" cy="3156470"/>
           </a:xfrm>
           <a:prstGeom prst="rect">
             <a:avLst/>
@@ -18802,7 +21608,7 @@
           <a:lstStyle/>
           <a:p>
             <a:pPr algn="ctr"/>
-            <a:endParaRPr lang="en-GB" sz="863">
+            <a:endParaRPr lang="en-GB" sz="881">
               <a:solidFill>
                 <a:schemeClr val="accent2">
                   <a:lumMod val="75000"/>
@@ -18830,8 +21636,8 @@
         </p:nvCxnSpPr>
         <p:spPr>
           <a:xfrm>
-            <a:off x="1582977" y="6198970"/>
-            <a:ext cx="0" cy="227443"/>
+            <a:off x="1572822" y="5987880"/>
+            <a:ext cx="0" cy="232185"/>
           </a:xfrm>
           <a:prstGeom prst="straightConnector1">
             <a:avLst/>
@@ -18875,8 +21681,8 @@
         </p:nvSpPr>
         <p:spPr>
           <a:xfrm>
-            <a:off x="-219748" y="6416385"/>
-            <a:ext cx="3631557" cy="530310"/>
+            <a:off x="-267485" y="6209826"/>
+            <a:ext cx="3707266" cy="541366"/>
           </a:xfrm>
           <a:prstGeom prst="rect">
             <a:avLst/>
@@ -18908,7 +21714,7 @@
           <a:p>
             <a:pPr algn="ctr"/>
             <a:r>
-              <a:rPr lang="en-GB" sz="987" dirty="0">
+              <a:rPr lang="en-GB" sz="1008" dirty="0">
                 <a:solidFill>
                   <a:srgbClr val="3A0CA3"/>
                 </a:solidFill>
@@ -18918,7 +21724,7 @@
               <a:t>Optuna ranks the n_trials scores to provide the </a:t>
             </a:r>
             <a:r>
-              <a:rPr lang="en-GB" sz="987" b="1" dirty="0">
+              <a:rPr lang="en-GB" sz="1008" b="1" dirty="0">
                 <a:solidFill>
                   <a:srgbClr val="3A0CA3"/>
                 </a:solidFill>
@@ -18928,7 +21734,7 @@
               <a:t>best hyper-parameter set </a:t>
             </a:r>
             <a:r>
-              <a:rPr lang="en-GB" sz="987" dirty="0">
+              <a:rPr lang="en-GB" sz="1008" dirty="0">
                 <a:solidFill>
                   <a:srgbClr val="3A0CA3"/>
                 </a:solidFill>
@@ -18954,8 +21760,8 @@
         </p:nvSpPr>
         <p:spPr>
           <a:xfrm>
-            <a:off x="150161" y="4039224"/>
-            <a:ext cx="3205178" cy="219821"/>
+            <a:off x="110135" y="3783108"/>
+            <a:ext cx="3271998" cy="224404"/>
           </a:xfrm>
           <a:prstGeom prst="rect">
             <a:avLst/>
@@ -18998,7 +21804,7 @@
           <a:p>
             <a:pPr algn="ctr"/>
             <a:r>
-              <a:rPr lang="en-GB" sz="987" dirty="0">
+              <a:rPr lang="en-GB" sz="1008" dirty="0">
                 <a:solidFill>
                   <a:schemeClr val="bg1">
                     <a:lumMod val="95000"/>
@@ -19026,8 +21832,8 @@
         </p:nvSpPr>
         <p:spPr>
           <a:xfrm>
-            <a:off x="182329" y="3833484"/>
-            <a:ext cx="3196504" cy="244234"/>
+            <a:off x="142973" y="3573078"/>
+            <a:ext cx="3263144" cy="252599"/>
           </a:xfrm>
           <a:prstGeom prst="rect">
             <a:avLst/>
@@ -19042,7 +21848,7 @@
           <a:p>
             <a:pPr algn="ctr"/>
             <a:r>
-              <a:rPr lang="en-GB" sz="987" dirty="0">
+              <a:rPr lang="en-GB" sz="1008" dirty="0">
                 <a:solidFill>
                   <a:srgbClr val="FF0066"/>
                 </a:solidFill>
@@ -19082,8 +21888,8 @@
         </p:blipFill>
         <p:spPr>
           <a:xfrm>
-            <a:off x="1113994" y="3659474"/>
-            <a:ext cx="133188" cy="133188"/>
+            <a:off x="1094061" y="3395440"/>
+            <a:ext cx="135965" cy="135965"/>
           </a:xfrm>
           <a:prstGeom prst="rect">
             <a:avLst/>

--- a/chapter_06/figures/cv_optuna.pptx
+++ b/chapter_06/figures/cv_optuna.pptx
@@ -2,14 +2,14 @@
 <file path=ppt/presentation.xml><?xml version="1.0" encoding="utf-8"?>
 <p:presentation xmlns:a="http://schemas.openxmlformats.org/drawingml/2006/main" xmlns:r="http://schemas.openxmlformats.org/officeDocument/2006/relationships" xmlns:p="http://schemas.openxmlformats.org/presentationml/2006/main" saveSubsetFonts="1">
   <p:sldMasterIdLst>
-    <p:sldMasterId id="2147483720" r:id="rId1"/>
+    <p:sldMasterId id="2147483732" r:id="rId1"/>
   </p:sldMasterIdLst>
   <p:sldIdLst>
     <p:sldId id="258" r:id="rId2"/>
     <p:sldId id="257" r:id="rId3"/>
     <p:sldId id="259" r:id="rId4"/>
   </p:sldIdLst>
-  <p:sldSz cx="4140200" cy="7073900"/>
+  <p:sldSz cx="4140200" cy="6480175"/>
   <p:notesSz cx="6858000" cy="9144000"/>
   <p:defaultTextStyle>
     <a:defPPr>
@@ -117,7 +117,7 @@
 <file path=ppt/revisionInfo.xml><?xml version="1.0" encoding="utf-8"?>
 <p1510:revInfo xmlns:a="http://schemas.openxmlformats.org/drawingml/2006/main" xmlns:r="http://schemas.openxmlformats.org/officeDocument/2006/relationships" xmlns:p1510="http://schemas.microsoft.com/office/powerpoint/2015/10/main">
   <p1510:revLst>
-    <p1510:client id="{0478CFAF-F744-4001-ABF3-5E8A4958592B}" v="134" dt="2025-07-05T17:17:17.389"/>
+    <p1510:client id="{0478CFAF-F744-4001-ABF3-5E8A4958592B}" v="149" dt="2025-07-05T17:32:00.704"/>
   </p1510:revLst>
 </p1510:revInfo>
 </file>
@@ -5954,18 +5954,18 @@
   <pc:docChgLst>
     <pc:chgData name="Fatima Pillosu" userId="a6295d4dc9e22643" providerId="LiveId" clId="{0478CFAF-F744-4001-ABF3-5E8A4958592B}"/>
     <pc:docChg chg="undo custSel modSld">
-      <pc:chgData name="Fatima Pillosu" userId="a6295d4dc9e22643" providerId="LiveId" clId="{0478CFAF-F744-4001-ABF3-5E8A4958592B}" dt="2025-07-05T17:18:02.779" v="2609" actId="14100"/>
+      <pc:chgData name="Fatima Pillosu" userId="a6295d4dc9e22643" providerId="LiveId" clId="{0478CFAF-F744-4001-ABF3-5E8A4958592B}" dt="2025-07-05T17:32:07.102" v="2909" actId="1036"/>
       <pc:docMkLst>
         <pc:docMk/>
       </pc:docMkLst>
       <pc:sldChg chg="addSp delSp modSp mod">
-        <pc:chgData name="Fatima Pillosu" userId="a6295d4dc9e22643" providerId="LiveId" clId="{0478CFAF-F744-4001-ABF3-5E8A4958592B}" dt="2025-07-05T17:00:28.975" v="2272" actId="1035"/>
+        <pc:chgData name="Fatima Pillosu" userId="a6295d4dc9e22643" providerId="LiveId" clId="{0478CFAF-F744-4001-ABF3-5E8A4958592B}" dt="2025-07-05T17:26:25.543" v="2752" actId="1038"/>
         <pc:sldMkLst>
           <pc:docMk/>
           <pc:sldMk cId="2827987875" sldId="257"/>
         </pc:sldMkLst>
         <pc:spChg chg="add mod">
-          <ac:chgData name="Fatima Pillosu" userId="a6295d4dc9e22643" providerId="LiveId" clId="{0478CFAF-F744-4001-ABF3-5E8A4958592B}" dt="2025-07-05T16:35:56.842" v="1639" actId="1076"/>
+          <ac:chgData name="Fatima Pillosu" userId="a6295d4dc9e22643" providerId="LiveId" clId="{0478CFAF-F744-4001-ABF3-5E8A4958592B}" dt="2025-07-05T17:23:54.087" v="2694" actId="1036"/>
           <ac:spMkLst>
             <pc:docMk/>
             <pc:sldMk cId="2827987875" sldId="257"/>
@@ -5973,7 +5973,7 @@
           </ac:spMkLst>
         </pc:spChg>
         <pc:spChg chg="add mod">
-          <ac:chgData name="Fatima Pillosu" userId="a6295d4dc9e22643" providerId="LiveId" clId="{0478CFAF-F744-4001-ABF3-5E8A4958592B}" dt="2025-07-05T16:36:19.145" v="1669" actId="20577"/>
+          <ac:chgData name="Fatima Pillosu" userId="a6295d4dc9e22643" providerId="LiveId" clId="{0478CFAF-F744-4001-ABF3-5E8A4958592B}" dt="2025-07-05T17:26:25.543" v="2752" actId="1038"/>
           <ac:spMkLst>
             <pc:docMk/>
             <pc:sldMk cId="2827987875" sldId="257"/>
@@ -5981,7 +5981,7 @@
           </ac:spMkLst>
         </pc:spChg>
         <pc:spChg chg="add mod">
-          <ac:chgData name="Fatima Pillosu" userId="a6295d4dc9e22643" providerId="LiveId" clId="{0478CFAF-F744-4001-ABF3-5E8A4958592B}" dt="2025-07-05T16:36:40.013" v="1677" actId="14100"/>
+          <ac:chgData name="Fatima Pillosu" userId="a6295d4dc9e22643" providerId="LiveId" clId="{0478CFAF-F744-4001-ABF3-5E8A4958592B}" dt="2025-07-05T17:23:48.774" v="2690" actId="1035"/>
           <ac:spMkLst>
             <pc:docMk/>
             <pc:sldMk cId="2827987875" sldId="257"/>
@@ -5997,7 +5997,7 @@
           </ac:spMkLst>
         </pc:spChg>
         <pc:spChg chg="mod">
-          <ac:chgData name="Fatima Pillosu" userId="a6295d4dc9e22643" providerId="LiveId" clId="{0478CFAF-F744-4001-ABF3-5E8A4958592B}" dt="2025-07-05T16:59:52.774" v="2257" actId="14100"/>
+          <ac:chgData name="Fatima Pillosu" userId="a6295d4dc9e22643" providerId="LiveId" clId="{0478CFAF-F744-4001-ABF3-5E8A4958592B}" dt="2025-07-05T17:23:34.042" v="2682" actId="1035"/>
           <ac:spMkLst>
             <pc:docMk/>
             <pc:sldMk cId="2827987875" sldId="257"/>
@@ -6005,7 +6005,7 @@
           </ac:spMkLst>
         </pc:spChg>
         <pc:spChg chg="mod">
-          <ac:chgData name="Fatima Pillosu" userId="a6295d4dc9e22643" providerId="LiveId" clId="{0478CFAF-F744-4001-ABF3-5E8A4958592B}" dt="2025-07-05T16:34:14.723" v="1547" actId="14100"/>
+          <ac:chgData name="Fatima Pillosu" userId="a6295d4dc9e22643" providerId="LiveId" clId="{0478CFAF-F744-4001-ABF3-5E8A4958592B}" dt="2025-07-05T17:23:34.042" v="2682" actId="1035"/>
           <ac:spMkLst>
             <pc:docMk/>
             <pc:sldMk cId="2827987875" sldId="257"/>
@@ -6013,7 +6013,23 @@
           </ac:spMkLst>
         </pc:spChg>
         <pc:spChg chg="mod">
-          <ac:chgData name="Fatima Pillosu" userId="a6295d4dc9e22643" providerId="LiveId" clId="{0478CFAF-F744-4001-ABF3-5E8A4958592B}" dt="2025-07-05T16:34:06.397" v="1541" actId="1036"/>
+          <ac:chgData name="Fatima Pillosu" userId="a6295d4dc9e22643" providerId="LiveId" clId="{0478CFAF-F744-4001-ABF3-5E8A4958592B}" dt="2025-07-05T17:23:34.042" v="2682" actId="1035"/>
+          <ac:spMkLst>
+            <pc:docMk/>
+            <pc:sldMk cId="2827987875" sldId="257"/>
+            <ac:spMk id="170" creationId="{7C7D3C35-5EFB-3A13-6947-6762E19973F1}"/>
+          </ac:spMkLst>
+        </pc:spChg>
+        <pc:spChg chg="mod">
+          <ac:chgData name="Fatima Pillosu" userId="a6295d4dc9e22643" providerId="LiveId" clId="{0478CFAF-F744-4001-ABF3-5E8A4958592B}" dt="2025-07-05T17:23:34.042" v="2682" actId="1035"/>
+          <ac:spMkLst>
+            <pc:docMk/>
+            <pc:sldMk cId="2827987875" sldId="257"/>
+            <ac:spMk id="171" creationId="{21013CC2-2CBD-C39B-16E9-48002B516D7A}"/>
+          </ac:spMkLst>
+        </pc:spChg>
+        <pc:spChg chg="mod">
+          <ac:chgData name="Fatima Pillosu" userId="a6295d4dc9e22643" providerId="LiveId" clId="{0478CFAF-F744-4001-ABF3-5E8A4958592B}" dt="2025-07-05T17:23:34.042" v="2682" actId="1035"/>
           <ac:spMkLst>
             <pc:docMk/>
             <pc:sldMk cId="2827987875" sldId="257"/>
@@ -6021,7 +6037,7 @@
           </ac:spMkLst>
         </pc:spChg>
         <pc:spChg chg="mod">
-          <ac:chgData name="Fatima Pillosu" userId="a6295d4dc9e22643" providerId="LiveId" clId="{0478CFAF-F744-4001-ABF3-5E8A4958592B}" dt="2025-07-05T16:34:06.397" v="1541" actId="1036"/>
+          <ac:chgData name="Fatima Pillosu" userId="a6295d4dc9e22643" providerId="LiveId" clId="{0478CFAF-F744-4001-ABF3-5E8A4958592B}" dt="2025-07-05T17:23:34.042" v="2682" actId="1035"/>
           <ac:spMkLst>
             <pc:docMk/>
             <pc:sldMk cId="2827987875" sldId="257"/>
@@ -6029,7 +6045,7 @@
           </ac:spMkLst>
         </pc:spChg>
         <pc:spChg chg="mod">
-          <ac:chgData name="Fatima Pillosu" userId="a6295d4dc9e22643" providerId="LiveId" clId="{0478CFAF-F744-4001-ABF3-5E8A4958592B}" dt="2025-07-05T16:34:06.397" v="1541" actId="1036"/>
+          <ac:chgData name="Fatima Pillosu" userId="a6295d4dc9e22643" providerId="LiveId" clId="{0478CFAF-F744-4001-ABF3-5E8A4958592B}" dt="2025-07-05T17:23:34.042" v="2682" actId="1035"/>
           <ac:spMkLst>
             <pc:docMk/>
             <pc:sldMk cId="2827987875" sldId="257"/>
@@ -6037,7 +6053,15 @@
           </ac:spMkLst>
         </pc:spChg>
         <pc:spChg chg="mod">
-          <ac:chgData name="Fatima Pillosu" userId="a6295d4dc9e22643" providerId="LiveId" clId="{0478CFAF-F744-4001-ABF3-5E8A4958592B}" dt="2025-07-05T16:34:06.397" v="1541" actId="1036"/>
+          <ac:chgData name="Fatima Pillosu" userId="a6295d4dc9e22643" providerId="LiveId" clId="{0478CFAF-F744-4001-ABF3-5E8A4958592B}" dt="2025-07-05T17:23:34.042" v="2682" actId="1035"/>
+          <ac:spMkLst>
+            <pc:docMk/>
+            <pc:sldMk cId="2827987875" sldId="257"/>
+            <ac:spMk id="188" creationId="{93CC8F30-4764-CC3C-ABBE-B779B4448D7C}"/>
+          </ac:spMkLst>
+        </pc:spChg>
+        <pc:spChg chg="mod">
+          <ac:chgData name="Fatima Pillosu" userId="a6295d4dc9e22643" providerId="LiveId" clId="{0478CFAF-F744-4001-ABF3-5E8A4958592B}" dt="2025-07-05T17:23:34.042" v="2682" actId="1035"/>
           <ac:spMkLst>
             <pc:docMk/>
             <pc:sldMk cId="2827987875" sldId="257"/>
@@ -6045,7 +6069,7 @@
           </ac:spMkLst>
         </pc:spChg>
         <pc:spChg chg="mod">
-          <ac:chgData name="Fatima Pillosu" userId="a6295d4dc9e22643" providerId="LiveId" clId="{0478CFAF-F744-4001-ABF3-5E8A4958592B}" dt="2025-07-05T16:34:06.397" v="1541" actId="1036"/>
+          <ac:chgData name="Fatima Pillosu" userId="a6295d4dc9e22643" providerId="LiveId" clId="{0478CFAF-F744-4001-ABF3-5E8A4958592B}" dt="2025-07-05T17:23:34.042" v="2682" actId="1035"/>
           <ac:spMkLst>
             <pc:docMk/>
             <pc:sldMk cId="2827987875" sldId="257"/>
@@ -6053,7 +6077,7 @@
           </ac:spMkLst>
         </pc:spChg>
         <pc:spChg chg="mod">
-          <ac:chgData name="Fatima Pillosu" userId="a6295d4dc9e22643" providerId="LiveId" clId="{0478CFAF-F744-4001-ABF3-5E8A4958592B}" dt="2025-07-05T16:34:06.397" v="1541" actId="1036"/>
+          <ac:chgData name="Fatima Pillosu" userId="a6295d4dc9e22643" providerId="LiveId" clId="{0478CFAF-F744-4001-ABF3-5E8A4958592B}" dt="2025-07-05T17:23:34.042" v="2682" actId="1035"/>
           <ac:spMkLst>
             <pc:docMk/>
             <pc:sldMk cId="2827987875" sldId="257"/>
@@ -6061,7 +6085,7 @@
           </ac:spMkLst>
         </pc:spChg>
         <pc:spChg chg="mod">
-          <ac:chgData name="Fatima Pillosu" userId="a6295d4dc9e22643" providerId="LiveId" clId="{0478CFAF-F744-4001-ABF3-5E8A4958592B}" dt="2025-07-05T16:34:06.397" v="1541" actId="1036"/>
+          <ac:chgData name="Fatima Pillosu" userId="a6295d4dc9e22643" providerId="LiveId" clId="{0478CFAF-F744-4001-ABF3-5E8A4958592B}" dt="2025-07-05T17:23:34.042" v="2682" actId="1035"/>
           <ac:spMkLst>
             <pc:docMk/>
             <pc:sldMk cId="2827987875" sldId="257"/>
@@ -6069,7 +6093,7 @@
           </ac:spMkLst>
         </pc:spChg>
         <pc:spChg chg="mod">
-          <ac:chgData name="Fatima Pillosu" userId="a6295d4dc9e22643" providerId="LiveId" clId="{0478CFAF-F744-4001-ABF3-5E8A4958592B}" dt="2025-07-05T16:34:06.397" v="1541" actId="1036"/>
+          <ac:chgData name="Fatima Pillosu" userId="a6295d4dc9e22643" providerId="LiveId" clId="{0478CFAF-F744-4001-ABF3-5E8A4958592B}" dt="2025-07-05T17:23:34.042" v="2682" actId="1035"/>
           <ac:spMkLst>
             <pc:docMk/>
             <pc:sldMk cId="2827987875" sldId="257"/>
@@ -6077,7 +6101,7 @@
           </ac:spMkLst>
         </pc:spChg>
         <pc:spChg chg="mod">
-          <ac:chgData name="Fatima Pillosu" userId="a6295d4dc9e22643" providerId="LiveId" clId="{0478CFAF-F744-4001-ABF3-5E8A4958592B}" dt="2025-07-05T16:34:06.397" v="1541" actId="1036"/>
+          <ac:chgData name="Fatima Pillosu" userId="a6295d4dc9e22643" providerId="LiveId" clId="{0478CFAF-F744-4001-ABF3-5E8A4958592B}" dt="2025-07-05T17:23:34.042" v="2682" actId="1035"/>
           <ac:spMkLst>
             <pc:docMk/>
             <pc:sldMk cId="2827987875" sldId="257"/>
@@ -6085,7 +6109,359 @@
           </ac:spMkLst>
         </pc:spChg>
         <pc:spChg chg="mod">
-          <ac:chgData name="Fatima Pillosu" userId="a6295d4dc9e22643" providerId="LiveId" clId="{0478CFAF-F744-4001-ABF3-5E8A4958592B}" dt="2025-07-05T16:34:26.177" v="1553" actId="1037"/>
+          <ac:chgData name="Fatima Pillosu" userId="a6295d4dc9e22643" providerId="LiveId" clId="{0478CFAF-F744-4001-ABF3-5E8A4958592B}" dt="2025-07-05T17:23:34.042" v="2682" actId="1035"/>
+          <ac:spMkLst>
+            <pc:docMk/>
+            <pc:sldMk cId="2827987875" sldId="257"/>
+            <ac:spMk id="205" creationId="{FA282F67-8084-9E56-B834-4484CCDC84E3}"/>
+          </ac:spMkLst>
+        </pc:spChg>
+        <pc:spChg chg="mod">
+          <ac:chgData name="Fatima Pillosu" userId="a6295d4dc9e22643" providerId="LiveId" clId="{0478CFAF-F744-4001-ABF3-5E8A4958592B}" dt="2025-07-05T17:23:34.042" v="2682" actId="1035"/>
+          <ac:spMkLst>
+            <pc:docMk/>
+            <pc:sldMk cId="2827987875" sldId="257"/>
+            <ac:spMk id="206" creationId="{C81D98BC-2D2D-79A0-E985-C2CF33E2CF29}"/>
+          </ac:spMkLst>
+        </pc:spChg>
+        <pc:spChg chg="mod">
+          <ac:chgData name="Fatima Pillosu" userId="a6295d4dc9e22643" providerId="LiveId" clId="{0478CFAF-F744-4001-ABF3-5E8A4958592B}" dt="2025-07-05T17:23:34.042" v="2682" actId="1035"/>
+          <ac:spMkLst>
+            <pc:docMk/>
+            <pc:sldMk cId="2827987875" sldId="257"/>
+            <ac:spMk id="207" creationId="{FDC28721-23B8-EBB7-71A2-B83556298249}"/>
+          </ac:spMkLst>
+        </pc:spChg>
+        <pc:spChg chg="mod">
+          <ac:chgData name="Fatima Pillosu" userId="a6295d4dc9e22643" providerId="LiveId" clId="{0478CFAF-F744-4001-ABF3-5E8A4958592B}" dt="2025-07-05T17:23:34.042" v="2682" actId="1035"/>
+          <ac:spMkLst>
+            <pc:docMk/>
+            <pc:sldMk cId="2827987875" sldId="257"/>
+            <ac:spMk id="209" creationId="{ED1F9E4C-3B78-CEA9-7FCE-A5170203DA35}"/>
+          </ac:spMkLst>
+        </pc:spChg>
+        <pc:spChg chg="mod">
+          <ac:chgData name="Fatima Pillosu" userId="a6295d4dc9e22643" providerId="LiveId" clId="{0478CFAF-F744-4001-ABF3-5E8A4958592B}" dt="2025-07-05T17:23:34.042" v="2682" actId="1035"/>
+          <ac:spMkLst>
+            <pc:docMk/>
+            <pc:sldMk cId="2827987875" sldId="257"/>
+            <ac:spMk id="210" creationId="{6622E0D0-E807-65A1-4F7D-5AC133873464}"/>
+          </ac:spMkLst>
+        </pc:spChg>
+        <pc:spChg chg="mod">
+          <ac:chgData name="Fatima Pillosu" userId="a6295d4dc9e22643" providerId="LiveId" clId="{0478CFAF-F744-4001-ABF3-5E8A4958592B}" dt="2025-07-05T17:23:34.042" v="2682" actId="1035"/>
+          <ac:spMkLst>
+            <pc:docMk/>
+            <pc:sldMk cId="2827987875" sldId="257"/>
+            <ac:spMk id="211" creationId="{8462A943-9388-0455-3059-F928B8276707}"/>
+          </ac:spMkLst>
+        </pc:spChg>
+        <pc:spChg chg="mod">
+          <ac:chgData name="Fatima Pillosu" userId="a6295d4dc9e22643" providerId="LiveId" clId="{0478CFAF-F744-4001-ABF3-5E8A4958592B}" dt="2025-07-05T17:23:34.042" v="2682" actId="1035"/>
+          <ac:spMkLst>
+            <pc:docMk/>
+            <pc:sldMk cId="2827987875" sldId="257"/>
+            <ac:spMk id="212" creationId="{4A184943-2199-9A52-0167-939C15F9A318}"/>
+          </ac:spMkLst>
+        </pc:spChg>
+        <pc:spChg chg="mod">
+          <ac:chgData name="Fatima Pillosu" userId="a6295d4dc9e22643" providerId="LiveId" clId="{0478CFAF-F744-4001-ABF3-5E8A4958592B}" dt="2025-07-05T17:23:34.042" v="2682" actId="1035"/>
+          <ac:spMkLst>
+            <pc:docMk/>
+            <pc:sldMk cId="2827987875" sldId="257"/>
+            <ac:spMk id="213" creationId="{957C8477-35FC-0350-230A-D674CF5EF8C7}"/>
+          </ac:spMkLst>
+        </pc:spChg>
+        <pc:spChg chg="mod">
+          <ac:chgData name="Fatima Pillosu" userId="a6295d4dc9e22643" providerId="LiveId" clId="{0478CFAF-F744-4001-ABF3-5E8A4958592B}" dt="2025-07-05T17:23:34.042" v="2682" actId="1035"/>
+          <ac:spMkLst>
+            <pc:docMk/>
+            <pc:sldMk cId="2827987875" sldId="257"/>
+            <ac:spMk id="214" creationId="{18B83974-1713-8978-DABF-B66B3B534F5C}"/>
+          </ac:spMkLst>
+        </pc:spChg>
+        <pc:spChg chg="mod">
+          <ac:chgData name="Fatima Pillosu" userId="a6295d4dc9e22643" providerId="LiveId" clId="{0478CFAF-F744-4001-ABF3-5E8A4958592B}" dt="2025-07-05T17:23:34.042" v="2682" actId="1035"/>
+          <ac:spMkLst>
+            <pc:docMk/>
+            <pc:sldMk cId="2827987875" sldId="257"/>
+            <ac:spMk id="215" creationId="{1E0300A3-F516-67F5-529B-5235613B6340}"/>
+          </ac:spMkLst>
+        </pc:spChg>
+        <pc:spChg chg="mod">
+          <ac:chgData name="Fatima Pillosu" userId="a6295d4dc9e22643" providerId="LiveId" clId="{0478CFAF-F744-4001-ABF3-5E8A4958592B}" dt="2025-07-05T17:23:34.042" v="2682" actId="1035"/>
+          <ac:spMkLst>
+            <pc:docMk/>
+            <pc:sldMk cId="2827987875" sldId="257"/>
+            <ac:spMk id="217" creationId="{280B9147-4787-B602-2AE9-E85DF03A2F3F}"/>
+          </ac:spMkLst>
+        </pc:spChg>
+        <pc:spChg chg="mod">
+          <ac:chgData name="Fatima Pillosu" userId="a6295d4dc9e22643" providerId="LiveId" clId="{0478CFAF-F744-4001-ABF3-5E8A4958592B}" dt="2025-07-05T17:23:34.042" v="2682" actId="1035"/>
+          <ac:spMkLst>
+            <pc:docMk/>
+            <pc:sldMk cId="2827987875" sldId="257"/>
+            <ac:spMk id="219" creationId="{7ECA3901-3DB1-6E1D-5036-0DB5DF0C7576}"/>
+          </ac:spMkLst>
+        </pc:spChg>
+        <pc:spChg chg="mod">
+          <ac:chgData name="Fatima Pillosu" userId="a6295d4dc9e22643" providerId="LiveId" clId="{0478CFAF-F744-4001-ABF3-5E8A4958592B}" dt="2025-07-05T17:23:34.042" v="2682" actId="1035"/>
+          <ac:spMkLst>
+            <pc:docMk/>
+            <pc:sldMk cId="2827987875" sldId="257"/>
+            <ac:spMk id="220" creationId="{C5304D2E-D381-327C-5C60-6C5D381B7125}"/>
+          </ac:spMkLst>
+        </pc:spChg>
+        <pc:spChg chg="mod">
+          <ac:chgData name="Fatima Pillosu" userId="a6295d4dc9e22643" providerId="LiveId" clId="{0478CFAF-F744-4001-ABF3-5E8A4958592B}" dt="2025-07-05T17:23:34.042" v="2682" actId="1035"/>
+          <ac:spMkLst>
+            <pc:docMk/>
+            <pc:sldMk cId="2827987875" sldId="257"/>
+            <ac:spMk id="221" creationId="{E83E585C-BCE1-515E-96B8-4B69D9B9C91E}"/>
+          </ac:spMkLst>
+        </pc:spChg>
+        <pc:spChg chg="mod">
+          <ac:chgData name="Fatima Pillosu" userId="a6295d4dc9e22643" providerId="LiveId" clId="{0478CFAF-F744-4001-ABF3-5E8A4958592B}" dt="2025-07-05T17:23:34.042" v="2682" actId="1035"/>
+          <ac:spMkLst>
+            <pc:docMk/>
+            <pc:sldMk cId="2827987875" sldId="257"/>
+            <ac:spMk id="223" creationId="{C426AD2C-DF9C-29A2-8170-D8D303C2DA73}"/>
+          </ac:spMkLst>
+        </pc:spChg>
+        <pc:spChg chg="mod">
+          <ac:chgData name="Fatima Pillosu" userId="a6295d4dc9e22643" providerId="LiveId" clId="{0478CFAF-F744-4001-ABF3-5E8A4958592B}" dt="2025-07-05T17:23:34.042" v="2682" actId="1035"/>
+          <ac:spMkLst>
+            <pc:docMk/>
+            <pc:sldMk cId="2827987875" sldId="257"/>
+            <ac:spMk id="224" creationId="{F351FBF1-1DB8-EFE9-BD08-17451B714551}"/>
+          </ac:spMkLst>
+        </pc:spChg>
+        <pc:spChg chg="mod">
+          <ac:chgData name="Fatima Pillosu" userId="a6295d4dc9e22643" providerId="LiveId" clId="{0478CFAF-F744-4001-ABF3-5E8A4958592B}" dt="2025-07-05T17:23:34.042" v="2682" actId="1035"/>
+          <ac:spMkLst>
+            <pc:docMk/>
+            <pc:sldMk cId="2827987875" sldId="257"/>
+            <ac:spMk id="225" creationId="{9B95412B-D806-143C-3830-9B8801E66792}"/>
+          </ac:spMkLst>
+        </pc:spChg>
+        <pc:spChg chg="mod">
+          <ac:chgData name="Fatima Pillosu" userId="a6295d4dc9e22643" providerId="LiveId" clId="{0478CFAF-F744-4001-ABF3-5E8A4958592B}" dt="2025-07-05T17:23:34.042" v="2682" actId="1035"/>
+          <ac:spMkLst>
+            <pc:docMk/>
+            <pc:sldMk cId="2827987875" sldId="257"/>
+            <ac:spMk id="226" creationId="{562B4D07-D19B-D168-2215-C3CD4342B333}"/>
+          </ac:spMkLst>
+        </pc:spChg>
+        <pc:spChg chg="mod">
+          <ac:chgData name="Fatima Pillosu" userId="a6295d4dc9e22643" providerId="LiveId" clId="{0478CFAF-F744-4001-ABF3-5E8A4958592B}" dt="2025-07-05T17:23:34.042" v="2682" actId="1035"/>
+          <ac:spMkLst>
+            <pc:docMk/>
+            <pc:sldMk cId="2827987875" sldId="257"/>
+            <ac:spMk id="227" creationId="{BBE9715F-452C-C7FC-052C-1718B74FFCCB}"/>
+          </ac:spMkLst>
+        </pc:spChg>
+        <pc:spChg chg="mod">
+          <ac:chgData name="Fatima Pillosu" userId="a6295d4dc9e22643" providerId="LiveId" clId="{0478CFAF-F744-4001-ABF3-5E8A4958592B}" dt="2025-07-05T17:23:34.042" v="2682" actId="1035"/>
+          <ac:spMkLst>
+            <pc:docMk/>
+            <pc:sldMk cId="2827987875" sldId="257"/>
+            <ac:spMk id="228" creationId="{7B3C287B-1DA5-EC40-9A72-DFDE07DD4917}"/>
+          </ac:spMkLst>
+        </pc:spChg>
+        <pc:spChg chg="mod">
+          <ac:chgData name="Fatima Pillosu" userId="a6295d4dc9e22643" providerId="LiveId" clId="{0478CFAF-F744-4001-ABF3-5E8A4958592B}" dt="2025-07-05T17:23:34.042" v="2682" actId="1035"/>
+          <ac:spMkLst>
+            <pc:docMk/>
+            <pc:sldMk cId="2827987875" sldId="257"/>
+            <ac:spMk id="229" creationId="{E1D2FDBD-5990-AA59-D135-738D5B5BB537}"/>
+          </ac:spMkLst>
+        </pc:spChg>
+        <pc:spChg chg="mod">
+          <ac:chgData name="Fatima Pillosu" userId="a6295d4dc9e22643" providerId="LiveId" clId="{0478CFAF-F744-4001-ABF3-5E8A4958592B}" dt="2025-07-05T17:23:34.042" v="2682" actId="1035"/>
+          <ac:spMkLst>
+            <pc:docMk/>
+            <pc:sldMk cId="2827987875" sldId="257"/>
+            <ac:spMk id="231" creationId="{0FFEAB08-8128-36EC-585B-946DE19FF360}"/>
+          </ac:spMkLst>
+        </pc:spChg>
+        <pc:spChg chg="mod">
+          <ac:chgData name="Fatima Pillosu" userId="a6295d4dc9e22643" providerId="LiveId" clId="{0478CFAF-F744-4001-ABF3-5E8A4958592B}" dt="2025-07-05T17:23:34.042" v="2682" actId="1035"/>
+          <ac:spMkLst>
+            <pc:docMk/>
+            <pc:sldMk cId="2827987875" sldId="257"/>
+            <ac:spMk id="233" creationId="{77D3E3A7-04A2-EE4E-4C7D-9B7B76DD8FF4}"/>
+          </ac:spMkLst>
+        </pc:spChg>
+        <pc:spChg chg="mod">
+          <ac:chgData name="Fatima Pillosu" userId="a6295d4dc9e22643" providerId="LiveId" clId="{0478CFAF-F744-4001-ABF3-5E8A4958592B}" dt="2025-07-05T17:23:34.042" v="2682" actId="1035"/>
+          <ac:spMkLst>
+            <pc:docMk/>
+            <pc:sldMk cId="2827987875" sldId="257"/>
+            <ac:spMk id="234" creationId="{3B74AE2E-7C33-ED9E-28B7-650B9766EF62}"/>
+          </ac:spMkLst>
+        </pc:spChg>
+        <pc:spChg chg="mod">
+          <ac:chgData name="Fatima Pillosu" userId="a6295d4dc9e22643" providerId="LiveId" clId="{0478CFAF-F744-4001-ABF3-5E8A4958592B}" dt="2025-07-05T17:23:34.042" v="2682" actId="1035"/>
+          <ac:spMkLst>
+            <pc:docMk/>
+            <pc:sldMk cId="2827987875" sldId="257"/>
+            <ac:spMk id="235" creationId="{A4700F22-87FF-E3F3-0AB5-FE64CC71C970}"/>
+          </ac:spMkLst>
+        </pc:spChg>
+        <pc:spChg chg="mod">
+          <ac:chgData name="Fatima Pillosu" userId="a6295d4dc9e22643" providerId="LiveId" clId="{0478CFAF-F744-4001-ABF3-5E8A4958592B}" dt="2025-07-05T17:23:34.042" v="2682" actId="1035"/>
+          <ac:spMkLst>
+            <pc:docMk/>
+            <pc:sldMk cId="2827987875" sldId="257"/>
+            <ac:spMk id="237" creationId="{684D11EF-8EE3-3095-57C1-ECA5759EA1A5}"/>
+          </ac:spMkLst>
+        </pc:spChg>
+        <pc:spChg chg="mod">
+          <ac:chgData name="Fatima Pillosu" userId="a6295d4dc9e22643" providerId="LiveId" clId="{0478CFAF-F744-4001-ABF3-5E8A4958592B}" dt="2025-07-05T17:23:34.042" v="2682" actId="1035"/>
+          <ac:spMkLst>
+            <pc:docMk/>
+            <pc:sldMk cId="2827987875" sldId="257"/>
+            <ac:spMk id="238" creationId="{49AF96A6-4EC9-00A3-8497-B65D39AA3C75}"/>
+          </ac:spMkLst>
+        </pc:spChg>
+        <pc:spChg chg="mod">
+          <ac:chgData name="Fatima Pillosu" userId="a6295d4dc9e22643" providerId="LiveId" clId="{0478CFAF-F744-4001-ABF3-5E8A4958592B}" dt="2025-07-05T17:23:34.042" v="2682" actId="1035"/>
+          <ac:spMkLst>
+            <pc:docMk/>
+            <pc:sldMk cId="2827987875" sldId="257"/>
+            <ac:spMk id="239" creationId="{FF05681B-B742-6F1B-25A4-63EBEFDF3B7F}"/>
+          </ac:spMkLst>
+        </pc:spChg>
+        <pc:spChg chg="mod">
+          <ac:chgData name="Fatima Pillosu" userId="a6295d4dc9e22643" providerId="LiveId" clId="{0478CFAF-F744-4001-ABF3-5E8A4958592B}" dt="2025-07-05T17:23:34.042" v="2682" actId="1035"/>
+          <ac:spMkLst>
+            <pc:docMk/>
+            <pc:sldMk cId="2827987875" sldId="257"/>
+            <ac:spMk id="240" creationId="{3476CD23-92F5-79F6-02B2-30620036B905}"/>
+          </ac:spMkLst>
+        </pc:spChg>
+        <pc:spChg chg="mod">
+          <ac:chgData name="Fatima Pillosu" userId="a6295d4dc9e22643" providerId="LiveId" clId="{0478CFAF-F744-4001-ABF3-5E8A4958592B}" dt="2025-07-05T17:23:34.042" v="2682" actId="1035"/>
+          <ac:spMkLst>
+            <pc:docMk/>
+            <pc:sldMk cId="2827987875" sldId="257"/>
+            <ac:spMk id="241" creationId="{B25532B5-CE42-9DD2-9150-B63484A87891}"/>
+          </ac:spMkLst>
+        </pc:spChg>
+        <pc:spChg chg="mod">
+          <ac:chgData name="Fatima Pillosu" userId="a6295d4dc9e22643" providerId="LiveId" clId="{0478CFAF-F744-4001-ABF3-5E8A4958592B}" dt="2025-07-05T17:23:34.042" v="2682" actId="1035"/>
+          <ac:spMkLst>
+            <pc:docMk/>
+            <pc:sldMk cId="2827987875" sldId="257"/>
+            <ac:spMk id="242" creationId="{C3BFD9C3-2B9C-3D8D-6F09-EB5695DC0615}"/>
+          </ac:spMkLst>
+        </pc:spChg>
+        <pc:spChg chg="mod">
+          <ac:chgData name="Fatima Pillosu" userId="a6295d4dc9e22643" providerId="LiveId" clId="{0478CFAF-F744-4001-ABF3-5E8A4958592B}" dt="2025-07-05T17:23:34.042" v="2682" actId="1035"/>
+          <ac:spMkLst>
+            <pc:docMk/>
+            <pc:sldMk cId="2827987875" sldId="257"/>
+            <ac:spMk id="243" creationId="{311EE729-5BDB-1DED-5042-10C2639D12C2}"/>
+          </ac:spMkLst>
+        </pc:spChg>
+        <pc:spChg chg="mod">
+          <ac:chgData name="Fatima Pillosu" userId="a6295d4dc9e22643" providerId="LiveId" clId="{0478CFAF-F744-4001-ABF3-5E8A4958592B}" dt="2025-07-05T17:23:34.042" v="2682" actId="1035"/>
+          <ac:spMkLst>
+            <pc:docMk/>
+            <pc:sldMk cId="2827987875" sldId="257"/>
+            <ac:spMk id="245" creationId="{320718EB-EA18-F146-1688-68C7FF7410B4}"/>
+          </ac:spMkLst>
+        </pc:spChg>
+        <pc:spChg chg="mod">
+          <ac:chgData name="Fatima Pillosu" userId="a6295d4dc9e22643" providerId="LiveId" clId="{0478CFAF-F744-4001-ABF3-5E8A4958592B}" dt="2025-07-05T17:23:34.042" v="2682" actId="1035"/>
+          <ac:spMkLst>
+            <pc:docMk/>
+            <pc:sldMk cId="2827987875" sldId="257"/>
+            <ac:spMk id="247" creationId="{F5E83FE7-E223-A34B-1AA5-63C6D4927847}"/>
+          </ac:spMkLst>
+        </pc:spChg>
+        <pc:spChg chg="mod">
+          <ac:chgData name="Fatima Pillosu" userId="a6295d4dc9e22643" providerId="LiveId" clId="{0478CFAF-F744-4001-ABF3-5E8A4958592B}" dt="2025-07-05T17:23:34.042" v="2682" actId="1035"/>
+          <ac:spMkLst>
+            <pc:docMk/>
+            <pc:sldMk cId="2827987875" sldId="257"/>
+            <ac:spMk id="248" creationId="{C4F278CC-89FC-102D-C64D-9E0D80ECDA19}"/>
+          </ac:spMkLst>
+        </pc:spChg>
+        <pc:spChg chg="mod">
+          <ac:chgData name="Fatima Pillosu" userId="a6295d4dc9e22643" providerId="LiveId" clId="{0478CFAF-F744-4001-ABF3-5E8A4958592B}" dt="2025-07-05T17:23:34.042" v="2682" actId="1035"/>
+          <ac:spMkLst>
+            <pc:docMk/>
+            <pc:sldMk cId="2827987875" sldId="257"/>
+            <ac:spMk id="249" creationId="{EC627BA5-8EA7-715D-A0C8-BC6B2265871D}"/>
+          </ac:spMkLst>
+        </pc:spChg>
+        <pc:spChg chg="mod">
+          <ac:chgData name="Fatima Pillosu" userId="a6295d4dc9e22643" providerId="LiveId" clId="{0478CFAF-F744-4001-ABF3-5E8A4958592B}" dt="2025-07-05T17:23:34.042" v="2682" actId="1035"/>
+          <ac:spMkLst>
+            <pc:docMk/>
+            <pc:sldMk cId="2827987875" sldId="257"/>
+            <ac:spMk id="251" creationId="{2932F01D-ACD4-977D-6F37-910556CF8A45}"/>
+          </ac:spMkLst>
+        </pc:spChg>
+        <pc:spChg chg="mod">
+          <ac:chgData name="Fatima Pillosu" userId="a6295d4dc9e22643" providerId="LiveId" clId="{0478CFAF-F744-4001-ABF3-5E8A4958592B}" dt="2025-07-05T17:23:34.042" v="2682" actId="1035"/>
+          <ac:spMkLst>
+            <pc:docMk/>
+            <pc:sldMk cId="2827987875" sldId="257"/>
+            <ac:spMk id="252" creationId="{E3EE0089-BDFC-C426-5F18-3B0748B58620}"/>
+          </ac:spMkLst>
+        </pc:spChg>
+        <pc:spChg chg="mod">
+          <ac:chgData name="Fatima Pillosu" userId="a6295d4dc9e22643" providerId="LiveId" clId="{0478CFAF-F744-4001-ABF3-5E8A4958592B}" dt="2025-07-05T17:23:34.042" v="2682" actId="1035"/>
+          <ac:spMkLst>
+            <pc:docMk/>
+            <pc:sldMk cId="2827987875" sldId="257"/>
+            <ac:spMk id="253" creationId="{0C53BAB0-D220-AF31-1AD4-EE2CD308359D}"/>
+          </ac:spMkLst>
+        </pc:spChg>
+        <pc:spChg chg="mod">
+          <ac:chgData name="Fatima Pillosu" userId="a6295d4dc9e22643" providerId="LiveId" clId="{0478CFAF-F744-4001-ABF3-5E8A4958592B}" dt="2025-07-05T17:23:34.042" v="2682" actId="1035"/>
+          <ac:spMkLst>
+            <pc:docMk/>
+            <pc:sldMk cId="2827987875" sldId="257"/>
+            <ac:spMk id="254" creationId="{72C9621B-4A51-E446-0DFE-5B56299EE705}"/>
+          </ac:spMkLst>
+        </pc:spChg>
+        <pc:spChg chg="mod">
+          <ac:chgData name="Fatima Pillosu" userId="a6295d4dc9e22643" providerId="LiveId" clId="{0478CFAF-F744-4001-ABF3-5E8A4958592B}" dt="2025-07-05T17:23:34.042" v="2682" actId="1035"/>
+          <ac:spMkLst>
+            <pc:docMk/>
+            <pc:sldMk cId="2827987875" sldId="257"/>
+            <ac:spMk id="255" creationId="{195F49FD-B57E-86DF-8892-33895D300551}"/>
+          </ac:spMkLst>
+        </pc:spChg>
+        <pc:spChg chg="mod">
+          <ac:chgData name="Fatima Pillosu" userId="a6295d4dc9e22643" providerId="LiveId" clId="{0478CFAF-F744-4001-ABF3-5E8A4958592B}" dt="2025-07-05T17:23:34.042" v="2682" actId="1035"/>
+          <ac:spMkLst>
+            <pc:docMk/>
+            <pc:sldMk cId="2827987875" sldId="257"/>
+            <ac:spMk id="256" creationId="{15F2EBE1-F19B-E61F-FCA9-6B9ABF4E855C}"/>
+          </ac:spMkLst>
+        </pc:spChg>
+        <pc:spChg chg="mod">
+          <ac:chgData name="Fatima Pillosu" userId="a6295d4dc9e22643" providerId="LiveId" clId="{0478CFAF-F744-4001-ABF3-5E8A4958592B}" dt="2025-07-05T17:23:34.042" v="2682" actId="1035"/>
+          <ac:spMkLst>
+            <pc:docMk/>
+            <pc:sldMk cId="2827987875" sldId="257"/>
+            <ac:spMk id="257" creationId="{08BD692E-B98C-93F4-B769-C2EA09747AE7}"/>
+          </ac:spMkLst>
+        </pc:spChg>
+        <pc:spChg chg="mod">
+          <ac:chgData name="Fatima Pillosu" userId="a6295d4dc9e22643" providerId="LiveId" clId="{0478CFAF-F744-4001-ABF3-5E8A4958592B}" dt="2025-07-05T17:23:34.042" v="2682" actId="1035"/>
+          <ac:spMkLst>
+            <pc:docMk/>
+            <pc:sldMk cId="2827987875" sldId="257"/>
+            <ac:spMk id="259" creationId="{0D62A59A-16B8-50D6-6107-13060486C2B1}"/>
+          </ac:spMkLst>
+        </pc:spChg>
+        <pc:spChg chg="mod">
+          <ac:chgData name="Fatima Pillosu" userId="a6295d4dc9e22643" providerId="LiveId" clId="{0478CFAF-F744-4001-ABF3-5E8A4958592B}" dt="2025-07-05T17:23:34.042" v="2682" actId="1035"/>
           <ac:spMkLst>
             <pc:docMk/>
             <pc:sldMk cId="2827987875" sldId="257"/>
@@ -6093,7 +6469,7 @@
           </ac:spMkLst>
         </pc:spChg>
         <pc:spChg chg="mod">
-          <ac:chgData name="Fatima Pillosu" userId="a6295d4dc9e22643" providerId="LiveId" clId="{0478CFAF-F744-4001-ABF3-5E8A4958592B}" dt="2025-07-05T16:34:06.397" v="1541" actId="1036"/>
+          <ac:chgData name="Fatima Pillosu" userId="a6295d4dc9e22643" providerId="LiveId" clId="{0478CFAF-F744-4001-ABF3-5E8A4958592B}" dt="2025-07-05T17:23:34.042" v="2682" actId="1035"/>
           <ac:spMkLst>
             <pc:docMk/>
             <pc:sldMk cId="2827987875" sldId="257"/>
@@ -6101,7 +6477,7 @@
           </ac:spMkLst>
         </pc:spChg>
         <pc:spChg chg="mod">
-          <ac:chgData name="Fatima Pillosu" userId="a6295d4dc9e22643" providerId="LiveId" clId="{0478CFAF-F744-4001-ABF3-5E8A4958592B}" dt="2025-07-05T16:34:06.397" v="1541" actId="1036"/>
+          <ac:chgData name="Fatima Pillosu" userId="a6295d4dc9e22643" providerId="LiveId" clId="{0478CFAF-F744-4001-ABF3-5E8A4958592B}" dt="2025-07-05T17:23:34.042" v="2682" actId="1035"/>
           <ac:spMkLst>
             <pc:docMk/>
             <pc:sldMk cId="2827987875" sldId="257"/>
@@ -6109,7 +6485,79 @@
           </ac:spMkLst>
         </pc:spChg>
         <pc:spChg chg="mod">
-          <ac:chgData name="Fatima Pillosu" userId="a6295d4dc9e22643" providerId="LiveId" clId="{0478CFAF-F744-4001-ABF3-5E8A4958592B}" dt="2025-07-05T17:00:28.975" v="2272" actId="1035"/>
+          <ac:chgData name="Fatima Pillosu" userId="a6295d4dc9e22643" providerId="LiveId" clId="{0478CFAF-F744-4001-ABF3-5E8A4958592B}" dt="2025-07-05T17:23:34.042" v="2682" actId="1035"/>
+          <ac:spMkLst>
+            <pc:docMk/>
+            <pc:sldMk cId="2827987875" sldId="257"/>
+            <ac:spMk id="274" creationId="{67D32D45-2DC0-2072-3AB4-37C1E02B2376}"/>
+          </ac:spMkLst>
+        </pc:spChg>
+        <pc:spChg chg="mod">
+          <ac:chgData name="Fatima Pillosu" userId="a6295d4dc9e22643" providerId="LiveId" clId="{0478CFAF-F744-4001-ABF3-5E8A4958592B}" dt="2025-07-05T17:23:34.042" v="2682" actId="1035"/>
+          <ac:spMkLst>
+            <pc:docMk/>
+            <pc:sldMk cId="2827987875" sldId="257"/>
+            <ac:spMk id="275" creationId="{7938D923-20CB-2406-E297-81877AE34A20}"/>
+          </ac:spMkLst>
+        </pc:spChg>
+        <pc:spChg chg="mod">
+          <ac:chgData name="Fatima Pillosu" userId="a6295d4dc9e22643" providerId="LiveId" clId="{0478CFAF-F744-4001-ABF3-5E8A4958592B}" dt="2025-07-05T17:23:34.042" v="2682" actId="1035"/>
+          <ac:spMkLst>
+            <pc:docMk/>
+            <pc:sldMk cId="2827987875" sldId="257"/>
+            <ac:spMk id="276" creationId="{441375F6-99C6-2084-D67D-86B3E4D001DE}"/>
+          </ac:spMkLst>
+        </pc:spChg>
+        <pc:spChg chg="mod">
+          <ac:chgData name="Fatima Pillosu" userId="a6295d4dc9e22643" providerId="LiveId" clId="{0478CFAF-F744-4001-ABF3-5E8A4958592B}" dt="2025-07-05T17:23:34.042" v="2682" actId="1035"/>
+          <ac:spMkLst>
+            <pc:docMk/>
+            <pc:sldMk cId="2827987875" sldId="257"/>
+            <ac:spMk id="277" creationId="{9E8F7CF7-A90C-1AD2-08D2-9F2178169D22}"/>
+          </ac:spMkLst>
+        </pc:spChg>
+        <pc:spChg chg="mod">
+          <ac:chgData name="Fatima Pillosu" userId="a6295d4dc9e22643" providerId="LiveId" clId="{0478CFAF-F744-4001-ABF3-5E8A4958592B}" dt="2025-07-05T17:23:34.042" v="2682" actId="1035"/>
+          <ac:spMkLst>
+            <pc:docMk/>
+            <pc:sldMk cId="2827987875" sldId="257"/>
+            <ac:spMk id="278" creationId="{4A1B64CC-958D-29C7-FB12-944551D1EC5E}"/>
+          </ac:spMkLst>
+        </pc:spChg>
+        <pc:spChg chg="mod">
+          <ac:chgData name="Fatima Pillosu" userId="a6295d4dc9e22643" providerId="LiveId" clId="{0478CFAF-F744-4001-ABF3-5E8A4958592B}" dt="2025-07-05T17:23:34.042" v="2682" actId="1035"/>
+          <ac:spMkLst>
+            <pc:docMk/>
+            <pc:sldMk cId="2827987875" sldId="257"/>
+            <ac:spMk id="280" creationId="{9A749F05-307B-FA25-C140-2F3CDEE31F99}"/>
+          </ac:spMkLst>
+        </pc:spChg>
+        <pc:spChg chg="mod">
+          <ac:chgData name="Fatima Pillosu" userId="a6295d4dc9e22643" providerId="LiveId" clId="{0478CFAF-F744-4001-ABF3-5E8A4958592B}" dt="2025-07-05T17:23:34.042" v="2682" actId="1035"/>
+          <ac:spMkLst>
+            <pc:docMk/>
+            <pc:sldMk cId="2827987875" sldId="257"/>
+            <ac:spMk id="281" creationId="{DDB7608A-94FF-D7FA-DFC7-3043808ABA47}"/>
+          </ac:spMkLst>
+        </pc:spChg>
+        <pc:spChg chg="mod">
+          <ac:chgData name="Fatima Pillosu" userId="a6295d4dc9e22643" providerId="LiveId" clId="{0478CFAF-F744-4001-ABF3-5E8A4958592B}" dt="2025-07-05T17:23:34.042" v="2682" actId="1035"/>
+          <ac:spMkLst>
+            <pc:docMk/>
+            <pc:sldMk cId="2827987875" sldId="257"/>
+            <ac:spMk id="282" creationId="{643743EA-89F9-46BE-7FAD-DBF45DA84B52}"/>
+          </ac:spMkLst>
+        </pc:spChg>
+        <pc:spChg chg="mod">
+          <ac:chgData name="Fatima Pillosu" userId="a6295d4dc9e22643" providerId="LiveId" clId="{0478CFAF-F744-4001-ABF3-5E8A4958592B}" dt="2025-07-05T17:23:34.042" v="2682" actId="1035"/>
+          <ac:spMkLst>
+            <pc:docMk/>
+            <pc:sldMk cId="2827987875" sldId="257"/>
+            <ac:spMk id="283" creationId="{B01D0432-B4AC-D486-7531-B5BB267EDFF4}"/>
+          </ac:spMkLst>
+        </pc:spChg>
+        <pc:spChg chg="mod">
+          <ac:chgData name="Fatima Pillosu" userId="a6295d4dc9e22643" providerId="LiveId" clId="{0478CFAF-F744-4001-ABF3-5E8A4958592B}" dt="2025-07-05T17:23:48.774" v="2690" actId="1035"/>
           <ac:spMkLst>
             <pc:docMk/>
             <pc:sldMk cId="2827987875" sldId="257"/>
@@ -6117,7 +6565,7 @@
           </ac:spMkLst>
         </pc:spChg>
         <pc:picChg chg="add mod">
-          <ac:chgData name="Fatima Pillosu" userId="a6295d4dc9e22643" providerId="LiveId" clId="{0478CFAF-F744-4001-ABF3-5E8A4958592B}" dt="2025-07-05T17:00:28.975" v="2272" actId="1035"/>
+          <ac:chgData name="Fatima Pillosu" userId="a6295d4dc9e22643" providerId="LiveId" clId="{0478CFAF-F744-4001-ABF3-5E8A4958592B}" dt="2025-07-05T17:23:48.774" v="2690" actId="1035"/>
           <ac:picMkLst>
             <pc:docMk/>
             <pc:sldMk cId="2827987875" sldId="257"/>
@@ -6125,7 +6573,7 @@
           </ac:picMkLst>
         </pc:picChg>
         <pc:picChg chg="mod">
-          <ac:chgData name="Fatima Pillosu" userId="a6295d4dc9e22643" providerId="LiveId" clId="{0478CFAF-F744-4001-ABF3-5E8A4958592B}" dt="2025-07-05T16:34:28.510" v="1554" actId="1037"/>
+          <ac:chgData name="Fatima Pillosu" userId="a6295d4dc9e22643" providerId="LiveId" clId="{0478CFAF-F744-4001-ABF3-5E8A4958592B}" dt="2025-07-05T17:23:34.042" v="2682" actId="1035"/>
           <ac:picMkLst>
             <pc:docMk/>
             <pc:sldMk cId="2827987875" sldId="257"/>
@@ -6133,7 +6581,7 @@
           </ac:picMkLst>
         </pc:picChg>
         <pc:picChg chg="mod">
-          <ac:chgData name="Fatima Pillosu" userId="a6295d4dc9e22643" providerId="LiveId" clId="{0478CFAF-F744-4001-ABF3-5E8A4958592B}" dt="2025-07-05T16:34:32.798" v="1555" actId="1036"/>
+          <ac:chgData name="Fatima Pillosu" userId="a6295d4dc9e22643" providerId="LiveId" clId="{0478CFAF-F744-4001-ABF3-5E8A4958592B}" dt="2025-07-05T17:23:34.042" v="2682" actId="1035"/>
           <ac:picMkLst>
             <pc:docMk/>
             <pc:sldMk cId="2827987875" sldId="257"/>
@@ -6141,7 +6589,7 @@
           </ac:picMkLst>
         </pc:picChg>
         <pc:picChg chg="mod">
-          <ac:chgData name="Fatima Pillosu" userId="a6295d4dc9e22643" providerId="LiveId" clId="{0478CFAF-F744-4001-ABF3-5E8A4958592B}" dt="2025-07-05T17:00:28.975" v="2272" actId="1035"/>
+          <ac:chgData name="Fatima Pillosu" userId="a6295d4dc9e22643" providerId="LiveId" clId="{0478CFAF-F744-4001-ABF3-5E8A4958592B}" dt="2025-07-05T17:23:48.774" v="2690" actId="1035"/>
           <ac:picMkLst>
             <pc:docMk/>
             <pc:sldMk cId="2827987875" sldId="257"/>
@@ -6150,12 +6598,20 @@
         </pc:picChg>
       </pc:sldChg>
       <pc:sldChg chg="addSp delSp modSp mod">
-        <pc:chgData name="Fatima Pillosu" userId="a6295d4dc9e22643" providerId="LiveId" clId="{0478CFAF-F744-4001-ABF3-5E8A4958592B}" dt="2025-07-05T17:18:02.779" v="2609" actId="14100"/>
+        <pc:chgData name="Fatima Pillosu" userId="a6295d4dc9e22643" providerId="LiveId" clId="{0478CFAF-F744-4001-ABF3-5E8A4958592B}" dt="2025-07-05T17:32:07.102" v="2909" actId="1036"/>
         <pc:sldMkLst>
           <pc:docMk/>
           <pc:sldMk cId="2370713982" sldId="258"/>
         </pc:sldMkLst>
         <pc:spChg chg="add del mod">
+          <ac:chgData name="Fatima Pillosu" userId="a6295d4dc9e22643" providerId="LiveId" clId="{0478CFAF-F744-4001-ABF3-5E8A4958592B}" dt="2025-07-05T17:31:48.799" v="2906" actId="21"/>
+          <ac:spMkLst>
+            <pc:docMk/>
+            <pc:sldMk cId="2370713982" sldId="258"/>
+            <ac:spMk id="3" creationId="{28AEAA1C-A4B2-C456-3DF2-85203C0EBF3D}"/>
+          </ac:spMkLst>
+        </pc:spChg>
+        <pc:spChg chg="add del mod">
           <ac:chgData name="Fatima Pillosu" userId="a6295d4dc9e22643" providerId="LiveId" clId="{0478CFAF-F744-4001-ABF3-5E8A4958592B}" dt="2025-07-03T10:13:29.318" v="498" actId="21"/>
           <ac:spMkLst>
             <pc:docMk/>
@@ -6187,6 +6643,22 @@
             <ac:spMk id="11" creationId="{6E3975A0-04BD-A32C-5C8E-87D363BCBF43}"/>
           </ac:spMkLst>
         </pc:spChg>
+        <pc:spChg chg="add mod">
+          <ac:chgData name="Fatima Pillosu" userId="a6295d4dc9e22643" providerId="LiveId" clId="{0478CFAF-F744-4001-ABF3-5E8A4958592B}" dt="2025-07-05T17:26:33.797" v="2754"/>
+          <ac:spMkLst>
+            <pc:docMk/>
+            <pc:sldMk cId="2370713982" sldId="258"/>
+            <ac:spMk id="11" creationId="{A0ACF2E1-D29A-5256-9717-A860D4788647}"/>
+          </ac:spMkLst>
+        </pc:spChg>
+        <pc:spChg chg="add mod">
+          <ac:chgData name="Fatima Pillosu" userId="a6295d4dc9e22643" providerId="LiveId" clId="{0478CFAF-F744-4001-ABF3-5E8A4958592B}" dt="2025-07-05T17:26:33.797" v="2754"/>
+          <ac:spMkLst>
+            <pc:docMk/>
+            <pc:sldMk cId="2370713982" sldId="258"/>
+            <ac:spMk id="12" creationId="{952E81D7-FB0C-003A-DD10-EFBE4081F362}"/>
+          </ac:spMkLst>
+        </pc:spChg>
         <pc:spChg chg="add del mod">
           <ac:chgData name="Fatima Pillosu" userId="a6295d4dc9e22643" providerId="LiveId" clId="{0478CFAF-F744-4001-ABF3-5E8A4958592B}" dt="2025-07-05T17:16:51.266" v="2578" actId="21"/>
           <ac:spMkLst>
@@ -6195,6 +6667,22 @@
             <ac:spMk id="12" creationId="{EC3C4672-BBD3-831C-7CA8-0C6A492C9F9C}"/>
           </ac:spMkLst>
         </pc:spChg>
+        <pc:spChg chg="add mod">
+          <ac:chgData name="Fatima Pillosu" userId="a6295d4dc9e22643" providerId="LiveId" clId="{0478CFAF-F744-4001-ABF3-5E8A4958592B}" dt="2025-07-05T17:26:33.797" v="2754"/>
+          <ac:spMkLst>
+            <pc:docMk/>
+            <pc:sldMk cId="2370713982" sldId="258"/>
+            <ac:spMk id="13" creationId="{2E82EF19-A781-28CD-E7FD-3C419DE7C8E4}"/>
+          </ac:spMkLst>
+        </pc:spChg>
+        <pc:spChg chg="add mod">
+          <ac:chgData name="Fatima Pillosu" userId="a6295d4dc9e22643" providerId="LiveId" clId="{0478CFAF-F744-4001-ABF3-5E8A4958592B}" dt="2025-07-05T17:26:33.797" v="2754"/>
+          <ac:spMkLst>
+            <pc:docMk/>
+            <pc:sldMk cId="2370713982" sldId="258"/>
+            <ac:spMk id="14" creationId="{06250B55-45AF-36A2-5648-6B3389F55E3B}"/>
+          </ac:spMkLst>
+        </pc:spChg>
         <pc:spChg chg="add del mod">
           <ac:chgData name="Fatima Pillosu" userId="a6295d4dc9e22643" providerId="LiveId" clId="{0478CFAF-F744-4001-ABF3-5E8A4958592B}" dt="2025-07-05T16:40:32.927" v="1802" actId="478"/>
           <ac:spMkLst>
@@ -6203,6 +6691,22 @@
             <ac:spMk id="14" creationId="{A98AD652-CC49-61CB-93BF-590382B2DB5F}"/>
           </ac:spMkLst>
         </pc:spChg>
+        <pc:spChg chg="add mod">
+          <ac:chgData name="Fatima Pillosu" userId="a6295d4dc9e22643" providerId="LiveId" clId="{0478CFAF-F744-4001-ABF3-5E8A4958592B}" dt="2025-07-05T17:26:33.797" v="2754"/>
+          <ac:spMkLst>
+            <pc:docMk/>
+            <pc:sldMk cId="2370713982" sldId="258"/>
+            <ac:spMk id="15" creationId="{B34065B8-8B75-A1B5-BD2A-F3F6219964AF}"/>
+          </ac:spMkLst>
+        </pc:spChg>
+        <pc:spChg chg="add mod">
+          <ac:chgData name="Fatima Pillosu" userId="a6295d4dc9e22643" providerId="LiveId" clId="{0478CFAF-F744-4001-ABF3-5E8A4958592B}" dt="2025-07-05T17:26:33.797" v="2754"/>
+          <ac:spMkLst>
+            <pc:docMk/>
+            <pc:sldMk cId="2370713982" sldId="258"/>
+            <ac:spMk id="16" creationId="{64D33ED3-C040-AFCE-0A0A-8132F094242E}"/>
+          </ac:spMkLst>
+        </pc:spChg>
         <pc:spChg chg="add del mod">
           <ac:chgData name="Fatima Pillosu" userId="a6295d4dc9e22643" providerId="LiveId" clId="{0478CFAF-F744-4001-ABF3-5E8A4958592B}" dt="2025-07-05T17:16:51.266" v="2578" actId="21"/>
           <ac:spMkLst>
@@ -6217,6 +6721,46 @@
             <pc:docMk/>
             <pc:sldMk cId="2370713982" sldId="258"/>
             <ac:spMk id="17" creationId="{4DC959A9-7C89-6A9D-8C2C-4CCD3B47ECC5}"/>
+          </ac:spMkLst>
+        </pc:spChg>
+        <pc:spChg chg="add mod">
+          <ac:chgData name="Fatima Pillosu" userId="a6295d4dc9e22643" providerId="LiveId" clId="{0478CFAF-F744-4001-ABF3-5E8A4958592B}" dt="2025-07-05T17:26:33.797" v="2754"/>
+          <ac:spMkLst>
+            <pc:docMk/>
+            <pc:sldMk cId="2370713982" sldId="258"/>
+            <ac:spMk id="17" creationId="{FF012970-E6D6-1E76-9B1D-7D951903D28A}"/>
+          </ac:spMkLst>
+        </pc:spChg>
+        <pc:spChg chg="add mod">
+          <ac:chgData name="Fatima Pillosu" userId="a6295d4dc9e22643" providerId="LiveId" clId="{0478CFAF-F744-4001-ABF3-5E8A4958592B}" dt="2025-07-05T17:26:33.797" v="2754"/>
+          <ac:spMkLst>
+            <pc:docMk/>
+            <pc:sldMk cId="2370713982" sldId="258"/>
+            <ac:spMk id="18" creationId="{E02CE945-4EFD-45B1-168A-76AC2E4D089B}"/>
+          </ac:spMkLst>
+        </pc:spChg>
+        <pc:spChg chg="add mod">
+          <ac:chgData name="Fatima Pillosu" userId="a6295d4dc9e22643" providerId="LiveId" clId="{0478CFAF-F744-4001-ABF3-5E8A4958592B}" dt="2025-07-05T17:26:33.797" v="2754"/>
+          <ac:spMkLst>
+            <pc:docMk/>
+            <pc:sldMk cId="2370713982" sldId="258"/>
+            <ac:spMk id="19" creationId="{DE4B189B-0083-2A75-9B8F-1425FB9D620A}"/>
+          </ac:spMkLst>
+        </pc:spChg>
+        <pc:spChg chg="add mod">
+          <ac:chgData name="Fatima Pillosu" userId="a6295d4dc9e22643" providerId="LiveId" clId="{0478CFAF-F744-4001-ABF3-5E8A4958592B}" dt="2025-07-05T17:26:33.797" v="2754"/>
+          <ac:spMkLst>
+            <pc:docMk/>
+            <pc:sldMk cId="2370713982" sldId="258"/>
+            <ac:spMk id="20" creationId="{8BB5558F-3593-749D-9DB1-0AFD00D2DDFA}"/>
+          </ac:spMkLst>
+        </pc:spChg>
+        <pc:spChg chg="add mod">
+          <ac:chgData name="Fatima Pillosu" userId="a6295d4dc9e22643" providerId="LiveId" clId="{0478CFAF-F744-4001-ABF3-5E8A4958592B}" dt="2025-07-05T17:26:33.797" v="2754"/>
+          <ac:spMkLst>
+            <pc:docMk/>
+            <pc:sldMk cId="2370713982" sldId="258"/>
+            <ac:spMk id="21" creationId="{448E6E5E-7709-5F9E-357E-F1AC58CDB5B8}"/>
           </ac:spMkLst>
         </pc:spChg>
         <pc:spChg chg="add del mod ord">
@@ -6235,6 +6779,22 @@
             <ac:spMk id="22" creationId="{1A0731B8-37BC-29FF-5EFB-3505DFCBB060}"/>
           </ac:spMkLst>
         </pc:spChg>
+        <pc:spChg chg="add mod">
+          <ac:chgData name="Fatima Pillosu" userId="a6295d4dc9e22643" providerId="LiveId" clId="{0478CFAF-F744-4001-ABF3-5E8A4958592B}" dt="2025-07-05T17:26:33.797" v="2754"/>
+          <ac:spMkLst>
+            <pc:docMk/>
+            <pc:sldMk cId="2370713982" sldId="258"/>
+            <ac:spMk id="22" creationId="{E6F62E0A-9A7C-CEEB-0444-C7A3050641D1}"/>
+          </ac:spMkLst>
+        </pc:spChg>
+        <pc:spChg chg="add mod">
+          <ac:chgData name="Fatima Pillosu" userId="a6295d4dc9e22643" providerId="LiveId" clId="{0478CFAF-F744-4001-ABF3-5E8A4958592B}" dt="2025-07-05T17:26:33.797" v="2754"/>
+          <ac:spMkLst>
+            <pc:docMk/>
+            <pc:sldMk cId="2370713982" sldId="258"/>
+            <ac:spMk id="23" creationId="{A38EC5F8-2817-0C7C-D3F6-6DADF19357A5}"/>
+          </ac:spMkLst>
+        </pc:spChg>
         <pc:spChg chg="add del mod">
           <ac:chgData name="Fatima Pillosu" userId="a6295d4dc9e22643" providerId="LiveId" clId="{0478CFAF-F744-4001-ABF3-5E8A4958592B}" dt="2025-07-05T17:16:51.266" v="2578" actId="21"/>
           <ac:spMkLst>
@@ -6243,6 +6803,14 @@
             <ac:spMk id="24" creationId="{5382C8C2-6F3C-50EB-0A51-B5F6DC1665D1}"/>
           </ac:spMkLst>
         </pc:spChg>
+        <pc:spChg chg="add mod">
+          <ac:chgData name="Fatima Pillosu" userId="a6295d4dc9e22643" providerId="LiveId" clId="{0478CFAF-F744-4001-ABF3-5E8A4958592B}" dt="2025-07-05T17:26:33.797" v="2754"/>
+          <ac:spMkLst>
+            <pc:docMk/>
+            <pc:sldMk cId="2370713982" sldId="258"/>
+            <ac:spMk id="24" creationId="{B2D52315-9D9B-3AF3-A310-7E56CABFA047}"/>
+          </ac:spMkLst>
+        </pc:spChg>
         <pc:spChg chg="add del mod">
           <ac:chgData name="Fatima Pillosu" userId="a6295d4dc9e22643" providerId="LiveId" clId="{0478CFAF-F744-4001-ABF3-5E8A4958592B}" dt="2025-07-05T17:16:51.266" v="2578" actId="21"/>
           <ac:spMkLst>
@@ -6251,6 +6819,22 @@
             <ac:spMk id="25" creationId="{AFE3A951-104C-CEDE-A21D-544D4B214711}"/>
           </ac:spMkLst>
         </pc:spChg>
+        <pc:spChg chg="add mod">
+          <ac:chgData name="Fatima Pillosu" userId="a6295d4dc9e22643" providerId="LiveId" clId="{0478CFAF-F744-4001-ABF3-5E8A4958592B}" dt="2025-07-05T17:26:33.797" v="2754"/>
+          <ac:spMkLst>
+            <pc:docMk/>
+            <pc:sldMk cId="2370713982" sldId="258"/>
+            <ac:spMk id="25" creationId="{BE8EC922-1FB4-1FC6-2670-845C891BAEFB}"/>
+          </ac:spMkLst>
+        </pc:spChg>
+        <pc:spChg chg="add mod">
+          <ac:chgData name="Fatima Pillosu" userId="a6295d4dc9e22643" providerId="LiveId" clId="{0478CFAF-F744-4001-ABF3-5E8A4958592B}" dt="2025-07-05T17:26:33.797" v="2754"/>
+          <ac:spMkLst>
+            <pc:docMk/>
+            <pc:sldMk cId="2370713982" sldId="258"/>
+            <ac:spMk id="26" creationId="{E6CB9905-25B6-2F78-7A8A-67C873877D40}"/>
+          </ac:spMkLst>
+        </pc:spChg>
         <pc:spChg chg="add del mod">
           <ac:chgData name="Fatima Pillosu" userId="a6295d4dc9e22643" providerId="LiveId" clId="{0478CFAF-F744-4001-ABF3-5E8A4958592B}" dt="2025-07-05T17:16:51.266" v="2578" actId="21"/>
           <ac:spMkLst>
@@ -6259,6 +6843,14 @@
             <ac:spMk id="26" creationId="{F81123FD-1880-7B13-64BB-A61B32D6C3FC}"/>
           </ac:spMkLst>
         </pc:spChg>
+        <pc:spChg chg="add mod">
+          <ac:chgData name="Fatima Pillosu" userId="a6295d4dc9e22643" providerId="LiveId" clId="{0478CFAF-F744-4001-ABF3-5E8A4958592B}" dt="2025-07-05T17:26:33.797" v="2754"/>
+          <ac:spMkLst>
+            <pc:docMk/>
+            <pc:sldMk cId="2370713982" sldId="258"/>
+            <ac:spMk id="27" creationId="{43157AAA-D5A4-EFD1-9726-74B1AD23948B}"/>
+          </ac:spMkLst>
+        </pc:spChg>
         <pc:spChg chg="add del mod">
           <ac:chgData name="Fatima Pillosu" userId="a6295d4dc9e22643" providerId="LiveId" clId="{0478CFAF-F744-4001-ABF3-5E8A4958592B}" dt="2025-07-05T17:16:51.266" v="2578" actId="21"/>
           <ac:spMkLst>
@@ -6267,6 +6859,14 @@
             <ac:spMk id="27" creationId="{68F25C0E-89BD-9175-A93B-76E013FBF0DD}"/>
           </ac:spMkLst>
         </pc:spChg>
+        <pc:spChg chg="add mod">
+          <ac:chgData name="Fatima Pillosu" userId="a6295d4dc9e22643" providerId="LiveId" clId="{0478CFAF-F744-4001-ABF3-5E8A4958592B}" dt="2025-07-05T17:26:33.797" v="2754"/>
+          <ac:spMkLst>
+            <pc:docMk/>
+            <pc:sldMk cId="2370713982" sldId="258"/>
+            <ac:spMk id="28" creationId="{2DE607AD-68CE-62CC-0478-2FE081F2C4A8}"/>
+          </ac:spMkLst>
+        </pc:spChg>
         <pc:spChg chg="add del mod">
           <ac:chgData name="Fatima Pillosu" userId="a6295d4dc9e22643" providerId="LiveId" clId="{0478CFAF-F744-4001-ABF3-5E8A4958592B}" dt="2025-07-05T17:16:51.266" v="2578" actId="21"/>
           <ac:spMkLst>
@@ -6283,6 +6883,22 @@
             <ac:spMk id="29" creationId="{9CADC630-E44A-1A89-9FDE-8EDA7123B19C}"/>
           </ac:spMkLst>
         </pc:spChg>
+        <pc:spChg chg="add mod">
+          <ac:chgData name="Fatima Pillosu" userId="a6295d4dc9e22643" providerId="LiveId" clId="{0478CFAF-F744-4001-ABF3-5E8A4958592B}" dt="2025-07-05T17:26:33.797" v="2754"/>
+          <ac:spMkLst>
+            <pc:docMk/>
+            <pc:sldMk cId="2370713982" sldId="258"/>
+            <ac:spMk id="29" creationId="{B19A2B9B-EAA5-4571-E016-B2E46AEB7548}"/>
+          </ac:spMkLst>
+        </pc:spChg>
+        <pc:spChg chg="add mod">
+          <ac:chgData name="Fatima Pillosu" userId="a6295d4dc9e22643" providerId="LiveId" clId="{0478CFAF-F744-4001-ABF3-5E8A4958592B}" dt="2025-07-05T17:26:33.797" v="2754"/>
+          <ac:spMkLst>
+            <pc:docMk/>
+            <pc:sldMk cId="2370713982" sldId="258"/>
+            <ac:spMk id="30" creationId="{93AAB058-03F7-9673-AF68-E546E03B1376}"/>
+          </ac:spMkLst>
+        </pc:spChg>
         <pc:spChg chg="add del mod">
           <ac:chgData name="Fatima Pillosu" userId="a6295d4dc9e22643" providerId="LiveId" clId="{0478CFAF-F744-4001-ABF3-5E8A4958592B}" dt="2025-07-05T17:16:51.266" v="2578" actId="21"/>
           <ac:spMkLst>
@@ -6291,6 +6907,14 @@
             <ac:spMk id="30" creationId="{EAF3C8BC-9003-987C-E4A9-44A032A5528E}"/>
           </ac:spMkLst>
         </pc:spChg>
+        <pc:spChg chg="add mod">
+          <ac:chgData name="Fatima Pillosu" userId="a6295d4dc9e22643" providerId="LiveId" clId="{0478CFAF-F744-4001-ABF3-5E8A4958592B}" dt="2025-07-05T17:26:33.797" v="2754"/>
+          <ac:spMkLst>
+            <pc:docMk/>
+            <pc:sldMk cId="2370713982" sldId="258"/>
+            <ac:spMk id="31" creationId="{264947DC-43EA-4E55-43C8-0689FEDFA6D7}"/>
+          </ac:spMkLst>
+        </pc:spChg>
         <pc:spChg chg="add del mod">
           <ac:chgData name="Fatima Pillosu" userId="a6295d4dc9e22643" providerId="LiveId" clId="{0478CFAF-F744-4001-ABF3-5E8A4958592B}" dt="2025-07-05T17:16:51.266" v="2578" actId="21"/>
           <ac:spMkLst>
@@ -6299,6 +6923,14 @@
             <ac:spMk id="31" creationId="{28B436EB-88AE-9EF3-EB76-64B6D1FB6EEB}"/>
           </ac:spMkLst>
         </pc:spChg>
+        <pc:spChg chg="add mod">
+          <ac:chgData name="Fatima Pillosu" userId="a6295d4dc9e22643" providerId="LiveId" clId="{0478CFAF-F744-4001-ABF3-5E8A4958592B}" dt="2025-07-05T17:26:33.797" v="2754"/>
+          <ac:spMkLst>
+            <pc:docMk/>
+            <pc:sldMk cId="2370713982" sldId="258"/>
+            <ac:spMk id="32" creationId="{965253E4-BF86-279F-427E-DE57D85DF04E}"/>
+          </ac:spMkLst>
+        </pc:spChg>
         <pc:spChg chg="add del mod">
           <ac:chgData name="Fatima Pillosu" userId="a6295d4dc9e22643" providerId="LiveId" clId="{0478CFAF-F744-4001-ABF3-5E8A4958592B}" dt="2025-07-05T17:16:51.266" v="2578" actId="21"/>
           <ac:spMkLst>
@@ -6315,6 +6947,22 @@
             <ac:spMk id="33" creationId="{41C377DF-3C36-42E1-684D-12BC83DB59C3}"/>
           </ac:spMkLst>
         </pc:spChg>
+        <pc:spChg chg="add mod">
+          <ac:chgData name="Fatima Pillosu" userId="a6295d4dc9e22643" providerId="LiveId" clId="{0478CFAF-F744-4001-ABF3-5E8A4958592B}" dt="2025-07-05T17:26:33.797" v="2754"/>
+          <ac:spMkLst>
+            <pc:docMk/>
+            <pc:sldMk cId="2370713982" sldId="258"/>
+            <ac:spMk id="33" creationId="{43666F44-2205-87B5-B1DF-45C1F12D24D7}"/>
+          </ac:spMkLst>
+        </pc:spChg>
+        <pc:spChg chg="add mod">
+          <ac:chgData name="Fatima Pillosu" userId="a6295d4dc9e22643" providerId="LiveId" clId="{0478CFAF-F744-4001-ABF3-5E8A4958592B}" dt="2025-07-05T17:26:33.797" v="2754"/>
+          <ac:spMkLst>
+            <pc:docMk/>
+            <pc:sldMk cId="2370713982" sldId="258"/>
+            <ac:spMk id="34" creationId="{315BDA41-1EA7-E73B-13B5-6C43657B48B0}"/>
+          </ac:spMkLst>
+        </pc:spChg>
         <pc:spChg chg="add del mod">
           <ac:chgData name="Fatima Pillosu" userId="a6295d4dc9e22643" providerId="LiveId" clId="{0478CFAF-F744-4001-ABF3-5E8A4958592B}" dt="2025-07-05T17:16:51.266" v="2578" actId="21"/>
           <ac:spMkLst>
@@ -6323,6 +6971,14 @@
             <ac:spMk id="35" creationId="{2CFA74E3-D91E-2C27-4A99-D3D1A111919C}"/>
           </ac:spMkLst>
         </pc:spChg>
+        <pc:spChg chg="add mod">
+          <ac:chgData name="Fatima Pillosu" userId="a6295d4dc9e22643" providerId="LiveId" clId="{0478CFAF-F744-4001-ABF3-5E8A4958592B}" dt="2025-07-05T17:26:33.797" v="2754"/>
+          <ac:spMkLst>
+            <pc:docMk/>
+            <pc:sldMk cId="2370713982" sldId="258"/>
+            <ac:spMk id="35" creationId="{6E0EEF82-9A39-FD4F-B830-5C3AB288E1C4}"/>
+          </ac:spMkLst>
+        </pc:spChg>
         <pc:spChg chg="add del mod">
           <ac:chgData name="Fatima Pillosu" userId="a6295d4dc9e22643" providerId="LiveId" clId="{0478CFAF-F744-4001-ABF3-5E8A4958592B}" dt="2025-07-05T17:16:51.266" v="2578" actId="21"/>
           <ac:spMkLst>
@@ -6331,6 +6987,14 @@
             <ac:spMk id="36" creationId="{CC497459-D1DC-EE9A-EE1D-815F28D2818C}"/>
           </ac:spMkLst>
         </pc:spChg>
+        <pc:spChg chg="add mod">
+          <ac:chgData name="Fatima Pillosu" userId="a6295d4dc9e22643" providerId="LiveId" clId="{0478CFAF-F744-4001-ABF3-5E8A4958592B}" dt="2025-07-05T17:26:33.797" v="2754"/>
+          <ac:spMkLst>
+            <pc:docMk/>
+            <pc:sldMk cId="2370713982" sldId="258"/>
+            <ac:spMk id="36" creationId="{DA417FCB-EA49-933C-C7DD-CE4884F84813}"/>
+          </ac:spMkLst>
+        </pc:spChg>
         <pc:spChg chg="add del mod">
           <ac:chgData name="Fatima Pillosu" userId="a6295d4dc9e22643" providerId="LiveId" clId="{0478CFAF-F744-4001-ABF3-5E8A4958592B}" dt="2025-07-05T17:16:51.266" v="2578" actId="21"/>
           <ac:spMkLst>
@@ -6339,6 +7003,14 @@
             <ac:spMk id="37" creationId="{8A74094E-C336-74AA-E520-6856C354301A}"/>
           </ac:spMkLst>
         </pc:spChg>
+        <pc:spChg chg="add mod">
+          <ac:chgData name="Fatima Pillosu" userId="a6295d4dc9e22643" providerId="LiveId" clId="{0478CFAF-F744-4001-ABF3-5E8A4958592B}" dt="2025-07-05T17:26:33.797" v="2754"/>
+          <ac:spMkLst>
+            <pc:docMk/>
+            <pc:sldMk cId="2370713982" sldId="258"/>
+            <ac:spMk id="37" creationId="{A5EABE5F-5D26-F9B7-E1F8-4D47565A13B6}"/>
+          </ac:spMkLst>
+        </pc:spChg>
         <pc:spChg chg="add del mod">
           <ac:chgData name="Fatima Pillosu" userId="a6295d4dc9e22643" providerId="LiveId" clId="{0478CFAF-F744-4001-ABF3-5E8A4958592B}" dt="2025-07-05T17:16:51.266" v="2578" actId="21"/>
           <ac:spMkLst>
@@ -6347,6 +7019,14 @@
             <ac:spMk id="38" creationId="{10B23706-9C8A-69A2-B423-B2EEB1C4D06D}"/>
           </ac:spMkLst>
         </pc:spChg>
+        <pc:spChg chg="add mod">
+          <ac:chgData name="Fatima Pillosu" userId="a6295d4dc9e22643" providerId="LiveId" clId="{0478CFAF-F744-4001-ABF3-5E8A4958592B}" dt="2025-07-05T17:26:33.797" v="2754"/>
+          <ac:spMkLst>
+            <pc:docMk/>
+            <pc:sldMk cId="2370713982" sldId="258"/>
+            <ac:spMk id="38" creationId="{6B96EE93-71BF-1E1B-F699-FD70D76A177A}"/>
+          </ac:spMkLst>
+        </pc:spChg>
         <pc:spChg chg="add del mod">
           <ac:chgData name="Fatima Pillosu" userId="a6295d4dc9e22643" providerId="LiveId" clId="{0478CFAF-F744-4001-ABF3-5E8A4958592B}" dt="2025-07-05T17:16:51.266" v="2578" actId="21"/>
           <ac:spMkLst>
@@ -6355,6 +7035,14 @@
             <ac:spMk id="39" creationId="{14A7D952-0782-7271-7F2A-BC6BC775B542}"/>
           </ac:spMkLst>
         </pc:spChg>
+        <pc:spChg chg="add mod">
+          <ac:chgData name="Fatima Pillosu" userId="a6295d4dc9e22643" providerId="LiveId" clId="{0478CFAF-F744-4001-ABF3-5E8A4958592B}" dt="2025-07-05T17:26:33.797" v="2754"/>
+          <ac:spMkLst>
+            <pc:docMk/>
+            <pc:sldMk cId="2370713982" sldId="258"/>
+            <ac:spMk id="39" creationId="{276D24FB-50FA-E923-39FC-3665777B5FF8}"/>
+          </ac:spMkLst>
+        </pc:spChg>
         <pc:spChg chg="add del mod">
           <ac:chgData name="Fatima Pillosu" userId="a6295d4dc9e22643" providerId="LiveId" clId="{0478CFAF-F744-4001-ABF3-5E8A4958592B}" dt="2025-07-05T17:16:51.266" v="2578" actId="21"/>
           <ac:spMkLst>
@@ -6363,6 +7051,22 @@
             <ac:spMk id="40" creationId="{06432789-ABB4-135D-C8F1-01F8D760F247}"/>
           </ac:spMkLst>
         </pc:spChg>
+        <pc:spChg chg="add mod">
+          <ac:chgData name="Fatima Pillosu" userId="a6295d4dc9e22643" providerId="LiveId" clId="{0478CFAF-F744-4001-ABF3-5E8A4958592B}" dt="2025-07-05T17:26:33.797" v="2754"/>
+          <ac:spMkLst>
+            <pc:docMk/>
+            <pc:sldMk cId="2370713982" sldId="258"/>
+            <ac:spMk id="40" creationId="{212F7925-D6EF-01DE-D0A0-E45770E2E3EE}"/>
+          </ac:spMkLst>
+        </pc:spChg>
+        <pc:spChg chg="add mod">
+          <ac:chgData name="Fatima Pillosu" userId="a6295d4dc9e22643" providerId="LiveId" clId="{0478CFAF-F744-4001-ABF3-5E8A4958592B}" dt="2025-07-05T17:26:33.797" v="2754"/>
+          <ac:spMkLst>
+            <pc:docMk/>
+            <pc:sldMk cId="2370713982" sldId="258"/>
+            <ac:spMk id="41" creationId="{B6594B1C-F9D8-A36F-E6EA-C7076A435D7C}"/>
+          </ac:spMkLst>
+        </pc:spChg>
         <pc:spChg chg="add del mod">
           <ac:chgData name="Fatima Pillosu" userId="a6295d4dc9e22643" providerId="LiveId" clId="{0478CFAF-F744-4001-ABF3-5E8A4958592B}" dt="2025-07-05T17:16:51.266" v="2578" actId="21"/>
           <ac:spMkLst>
@@ -6371,6 +7075,14 @@
             <ac:spMk id="41" creationId="{C5603496-23AC-2551-E5E0-BDF8C60E9816}"/>
           </ac:spMkLst>
         </pc:spChg>
+        <pc:spChg chg="add mod">
+          <ac:chgData name="Fatima Pillosu" userId="a6295d4dc9e22643" providerId="LiveId" clId="{0478CFAF-F744-4001-ABF3-5E8A4958592B}" dt="2025-07-05T17:26:33.797" v="2754"/>
+          <ac:spMkLst>
+            <pc:docMk/>
+            <pc:sldMk cId="2370713982" sldId="258"/>
+            <ac:spMk id="42" creationId="{630AFC62-F36D-BA65-E615-2BD1DBF9BDBB}"/>
+          </ac:spMkLst>
+        </pc:spChg>
         <pc:spChg chg="add del mod">
           <ac:chgData name="Fatima Pillosu" userId="a6295d4dc9e22643" providerId="LiveId" clId="{0478CFAF-F744-4001-ABF3-5E8A4958592B}" dt="2025-07-05T17:16:51.266" v="2578" actId="21"/>
           <ac:spMkLst>
@@ -6379,6 +7091,14 @@
             <ac:spMk id="42" creationId="{BD4FCEEF-D9EE-3F9D-274E-A275AE7207AC}"/>
           </ac:spMkLst>
         </pc:spChg>
+        <pc:spChg chg="add mod">
+          <ac:chgData name="Fatima Pillosu" userId="a6295d4dc9e22643" providerId="LiveId" clId="{0478CFAF-F744-4001-ABF3-5E8A4958592B}" dt="2025-07-05T17:26:33.797" v="2754"/>
+          <ac:spMkLst>
+            <pc:docMk/>
+            <pc:sldMk cId="2370713982" sldId="258"/>
+            <ac:spMk id="43" creationId="{2A292B58-8AB3-8D59-0574-E4CCCF4A2D7A}"/>
+          </ac:spMkLst>
+        </pc:spChg>
         <pc:spChg chg="add del mod">
           <ac:chgData name="Fatima Pillosu" userId="a6295d4dc9e22643" providerId="LiveId" clId="{0478CFAF-F744-4001-ABF3-5E8A4958592B}" dt="2025-07-05T17:16:51.266" v="2578" actId="21"/>
           <ac:spMkLst>
@@ -6387,6 +7107,14 @@
             <ac:spMk id="44" creationId="{54B4C05C-53AB-88AD-E871-B8862B4F61D3}"/>
           </ac:spMkLst>
         </pc:spChg>
+        <pc:spChg chg="add mod">
+          <ac:chgData name="Fatima Pillosu" userId="a6295d4dc9e22643" providerId="LiveId" clId="{0478CFAF-F744-4001-ABF3-5E8A4958592B}" dt="2025-07-05T17:26:33.797" v="2754"/>
+          <ac:spMkLst>
+            <pc:docMk/>
+            <pc:sldMk cId="2370713982" sldId="258"/>
+            <ac:spMk id="44" creationId="{E6ADD90F-7EFF-1455-69CB-7A67A7E532E4}"/>
+          </ac:spMkLst>
+        </pc:spChg>
         <pc:spChg chg="add del mod">
           <ac:chgData name="Fatima Pillosu" userId="a6295d4dc9e22643" providerId="LiveId" clId="{0478CFAF-F744-4001-ABF3-5E8A4958592B}" dt="2025-07-05T17:16:51.266" v="2578" actId="21"/>
           <ac:spMkLst>
@@ -6395,6 +7123,14 @@
             <ac:spMk id="45" creationId="{6EE46427-6BDE-882E-3A72-3DF2ED872F0A}"/>
           </ac:spMkLst>
         </pc:spChg>
+        <pc:spChg chg="add mod">
+          <ac:chgData name="Fatima Pillosu" userId="a6295d4dc9e22643" providerId="LiveId" clId="{0478CFAF-F744-4001-ABF3-5E8A4958592B}" dt="2025-07-05T17:26:33.797" v="2754"/>
+          <ac:spMkLst>
+            <pc:docMk/>
+            <pc:sldMk cId="2370713982" sldId="258"/>
+            <ac:spMk id="45" creationId="{DAF0F48A-A089-F201-1712-29E8B26D8E7E}"/>
+          </ac:spMkLst>
+        </pc:spChg>
         <pc:spChg chg="add del mod">
           <ac:chgData name="Fatima Pillosu" userId="a6295d4dc9e22643" providerId="LiveId" clId="{0478CFAF-F744-4001-ABF3-5E8A4958592B}" dt="2025-07-05T17:16:51.266" v="2578" actId="21"/>
           <ac:spMkLst>
@@ -6403,6 +7139,62 @@
             <ac:spMk id="46" creationId="{0BBE180E-9D2D-A30D-B94E-AB6240A4F89E}"/>
           </ac:spMkLst>
         </pc:spChg>
+        <pc:spChg chg="add mod">
+          <ac:chgData name="Fatima Pillosu" userId="a6295d4dc9e22643" providerId="LiveId" clId="{0478CFAF-F744-4001-ABF3-5E8A4958592B}" dt="2025-07-05T17:26:33.797" v="2754"/>
+          <ac:spMkLst>
+            <pc:docMk/>
+            <pc:sldMk cId="2370713982" sldId="258"/>
+            <ac:spMk id="46" creationId="{F120D217-E596-6126-B6BF-63FA6C0CF137}"/>
+          </ac:spMkLst>
+        </pc:spChg>
+        <pc:spChg chg="add mod">
+          <ac:chgData name="Fatima Pillosu" userId="a6295d4dc9e22643" providerId="LiveId" clId="{0478CFAF-F744-4001-ABF3-5E8A4958592B}" dt="2025-07-05T17:26:33.797" v="2754"/>
+          <ac:spMkLst>
+            <pc:docMk/>
+            <pc:sldMk cId="2370713982" sldId="258"/>
+            <ac:spMk id="47" creationId="{75797DDF-DC1F-12FD-7899-A85F17C9CAC5}"/>
+          </ac:spMkLst>
+        </pc:spChg>
+        <pc:spChg chg="add mod">
+          <ac:chgData name="Fatima Pillosu" userId="a6295d4dc9e22643" providerId="LiveId" clId="{0478CFAF-F744-4001-ABF3-5E8A4958592B}" dt="2025-07-05T17:26:33.797" v="2754"/>
+          <ac:spMkLst>
+            <pc:docMk/>
+            <pc:sldMk cId="2370713982" sldId="258"/>
+            <ac:spMk id="48" creationId="{EECC1CF0-F5BA-685B-9BBC-9EE4DC4C0337}"/>
+          </ac:spMkLst>
+        </pc:spChg>
+        <pc:spChg chg="add mod">
+          <ac:chgData name="Fatima Pillosu" userId="a6295d4dc9e22643" providerId="LiveId" clId="{0478CFAF-F744-4001-ABF3-5E8A4958592B}" dt="2025-07-05T17:26:33.797" v="2754"/>
+          <ac:spMkLst>
+            <pc:docMk/>
+            <pc:sldMk cId="2370713982" sldId="258"/>
+            <ac:spMk id="49" creationId="{E829A4CC-942E-210E-FE6B-7A501AB453E6}"/>
+          </ac:spMkLst>
+        </pc:spChg>
+        <pc:spChg chg="add mod">
+          <ac:chgData name="Fatima Pillosu" userId="a6295d4dc9e22643" providerId="LiveId" clId="{0478CFAF-F744-4001-ABF3-5E8A4958592B}" dt="2025-07-05T17:26:33.797" v="2754"/>
+          <ac:spMkLst>
+            <pc:docMk/>
+            <pc:sldMk cId="2370713982" sldId="258"/>
+            <ac:spMk id="50" creationId="{7E7CF391-97C1-1BED-CE52-7883EB3AE401}"/>
+          </ac:spMkLst>
+        </pc:spChg>
+        <pc:spChg chg="add mod">
+          <ac:chgData name="Fatima Pillosu" userId="a6295d4dc9e22643" providerId="LiveId" clId="{0478CFAF-F744-4001-ABF3-5E8A4958592B}" dt="2025-07-05T17:26:33.797" v="2754"/>
+          <ac:spMkLst>
+            <pc:docMk/>
+            <pc:sldMk cId="2370713982" sldId="258"/>
+            <ac:spMk id="51" creationId="{3FDBE631-4A9B-F6F9-1B2C-E4D218042D6F}"/>
+          </ac:spMkLst>
+        </pc:spChg>
+        <pc:spChg chg="add mod">
+          <ac:chgData name="Fatima Pillosu" userId="a6295d4dc9e22643" providerId="LiveId" clId="{0478CFAF-F744-4001-ABF3-5E8A4958592B}" dt="2025-07-05T17:26:33.797" v="2754"/>
+          <ac:spMkLst>
+            <pc:docMk/>
+            <pc:sldMk cId="2370713982" sldId="258"/>
+            <ac:spMk id="52" creationId="{215C4F69-24A6-F015-FBC7-15E336EC4E70}"/>
+          </ac:spMkLst>
+        </pc:spChg>
         <pc:spChg chg="add del mod">
           <ac:chgData name="Fatima Pillosu" userId="a6295d4dc9e22643" providerId="LiveId" clId="{0478CFAF-F744-4001-ABF3-5E8A4958592B}" dt="2025-07-05T17:16:51.266" v="2578" actId="21"/>
           <ac:spMkLst>
@@ -6411,6 +7203,22 @@
             <ac:spMk id="53" creationId="{27B7D5CF-81CA-4EAF-61FB-FBDB71CAE40F}"/>
           </ac:spMkLst>
         </pc:spChg>
+        <pc:spChg chg="add mod">
+          <ac:chgData name="Fatima Pillosu" userId="a6295d4dc9e22643" providerId="LiveId" clId="{0478CFAF-F744-4001-ABF3-5E8A4958592B}" dt="2025-07-05T17:26:33.797" v="2754"/>
+          <ac:spMkLst>
+            <pc:docMk/>
+            <pc:sldMk cId="2370713982" sldId="258"/>
+            <ac:spMk id="53" creationId="{48FCA2E9-A339-39CE-EDAE-3C137F0E9B4C}"/>
+          </ac:spMkLst>
+        </pc:spChg>
+        <pc:spChg chg="add mod">
+          <ac:chgData name="Fatima Pillosu" userId="a6295d4dc9e22643" providerId="LiveId" clId="{0478CFAF-F744-4001-ABF3-5E8A4958592B}" dt="2025-07-05T17:26:33.797" v="2754"/>
+          <ac:spMkLst>
+            <pc:docMk/>
+            <pc:sldMk cId="2370713982" sldId="258"/>
+            <ac:spMk id="54" creationId="{7F22F789-9647-252A-631A-9D4A2B28AEFC}"/>
+          </ac:spMkLst>
+        </pc:spChg>
         <pc:spChg chg="add del mod">
           <ac:chgData name="Fatima Pillosu" userId="a6295d4dc9e22643" providerId="LiveId" clId="{0478CFAF-F744-4001-ABF3-5E8A4958592B}" dt="2025-07-05T15:19:38.870" v="812" actId="22"/>
           <ac:spMkLst>
@@ -6419,6 +7227,14 @@
             <ac:spMk id="54" creationId="{93C34A20-7CB5-2F0A-0C2D-D6976B6CD62A}"/>
           </ac:spMkLst>
         </pc:spChg>
+        <pc:spChg chg="add mod">
+          <ac:chgData name="Fatima Pillosu" userId="a6295d4dc9e22643" providerId="LiveId" clId="{0478CFAF-F744-4001-ABF3-5E8A4958592B}" dt="2025-07-05T17:26:33.797" v="2754"/>
+          <ac:spMkLst>
+            <pc:docMk/>
+            <pc:sldMk cId="2370713982" sldId="258"/>
+            <ac:spMk id="55" creationId="{20614E3F-7B5B-AA08-9D95-C80F19F2ABD8}"/>
+          </ac:spMkLst>
+        </pc:spChg>
         <pc:spChg chg="add del mod">
           <ac:chgData name="Fatima Pillosu" userId="a6295d4dc9e22643" providerId="LiveId" clId="{0478CFAF-F744-4001-ABF3-5E8A4958592B}" dt="2025-07-05T17:16:51.266" v="2578" actId="21"/>
           <ac:spMkLst>
@@ -6428,11 +7244,75 @@
           </ac:spMkLst>
         </pc:spChg>
         <pc:spChg chg="add mod">
+          <ac:chgData name="Fatima Pillosu" userId="a6295d4dc9e22643" providerId="LiveId" clId="{0478CFAF-F744-4001-ABF3-5E8A4958592B}" dt="2025-07-05T17:26:33.797" v="2754"/>
+          <ac:spMkLst>
+            <pc:docMk/>
+            <pc:sldMk cId="2370713982" sldId="258"/>
+            <ac:spMk id="56" creationId="{88969B4A-BBFC-0BCD-4C4F-1EBED9E73B67}"/>
+          </ac:spMkLst>
+        </pc:spChg>
+        <pc:spChg chg="add mod">
+          <ac:chgData name="Fatima Pillosu" userId="a6295d4dc9e22643" providerId="LiveId" clId="{0478CFAF-F744-4001-ABF3-5E8A4958592B}" dt="2025-07-05T17:26:33.797" v="2754"/>
+          <ac:spMkLst>
+            <pc:docMk/>
+            <pc:sldMk cId="2370713982" sldId="258"/>
+            <ac:spMk id="57" creationId="{68334C70-1B43-56C9-D1C9-5AE6A3BF9922}"/>
+          </ac:spMkLst>
+        </pc:spChg>
+        <pc:spChg chg="add mod">
+          <ac:chgData name="Fatima Pillosu" userId="a6295d4dc9e22643" providerId="LiveId" clId="{0478CFAF-F744-4001-ABF3-5E8A4958592B}" dt="2025-07-05T17:26:33.797" v="2754"/>
+          <ac:spMkLst>
+            <pc:docMk/>
+            <pc:sldMk cId="2370713982" sldId="258"/>
+            <ac:spMk id="58" creationId="{AA85B453-442C-1792-8D35-EC2E9F974AA0}"/>
+          </ac:spMkLst>
+        </pc:spChg>
+        <pc:spChg chg="add mod">
+          <ac:chgData name="Fatima Pillosu" userId="a6295d4dc9e22643" providerId="LiveId" clId="{0478CFAF-F744-4001-ABF3-5E8A4958592B}" dt="2025-07-05T17:26:33.797" v="2754"/>
+          <ac:spMkLst>
+            <pc:docMk/>
+            <pc:sldMk cId="2370713982" sldId="258"/>
+            <ac:spMk id="59" creationId="{B22666D9-9AAF-231D-4347-73725EF633F5}"/>
+          </ac:spMkLst>
+        </pc:spChg>
+        <pc:spChg chg="add mod">
+          <ac:chgData name="Fatima Pillosu" userId="a6295d4dc9e22643" providerId="LiveId" clId="{0478CFAF-F744-4001-ABF3-5E8A4958592B}" dt="2025-07-05T17:26:33.797" v="2754"/>
+          <ac:spMkLst>
+            <pc:docMk/>
+            <pc:sldMk cId="2370713982" sldId="258"/>
+            <ac:spMk id="60" creationId="{B04A8053-CE15-15A7-EF47-215CBAE180F3}"/>
+          </ac:spMkLst>
+        </pc:spChg>
+        <pc:spChg chg="add mod">
+          <ac:chgData name="Fatima Pillosu" userId="a6295d4dc9e22643" providerId="LiveId" clId="{0478CFAF-F744-4001-ABF3-5E8A4958592B}" dt="2025-07-05T17:26:33.797" v="2754"/>
+          <ac:spMkLst>
+            <pc:docMk/>
+            <pc:sldMk cId="2370713982" sldId="258"/>
+            <ac:spMk id="61" creationId="{48FEDD4E-7388-0801-B84D-77DEC1C9FB4D}"/>
+          </ac:spMkLst>
+        </pc:spChg>
+        <pc:spChg chg="add mod">
+          <ac:chgData name="Fatima Pillosu" userId="a6295d4dc9e22643" providerId="LiveId" clId="{0478CFAF-F744-4001-ABF3-5E8A4958592B}" dt="2025-07-05T17:26:33.797" v="2754"/>
+          <ac:spMkLst>
+            <pc:docMk/>
+            <pc:sldMk cId="2370713982" sldId="258"/>
+            <ac:spMk id="62" creationId="{823F1A11-94E0-29B5-F59B-99C0158EFA85}"/>
+          </ac:spMkLst>
+        </pc:spChg>
+        <pc:spChg chg="add mod">
           <ac:chgData name="Fatima Pillosu" userId="a6295d4dc9e22643" providerId="LiveId" clId="{0478CFAF-F744-4001-ABF3-5E8A4958592B}" dt="2025-07-05T16:37:00.957" v="1695"/>
           <ac:spMkLst>
             <pc:docMk/>
             <pc:sldMk cId="2370713982" sldId="258"/>
             <ac:spMk id="63" creationId="{318D1204-CCB6-3F04-441C-185E60523032}"/>
+          </ac:spMkLst>
+        </pc:spChg>
+        <pc:spChg chg="add mod">
+          <ac:chgData name="Fatima Pillosu" userId="a6295d4dc9e22643" providerId="LiveId" clId="{0478CFAF-F744-4001-ABF3-5E8A4958592B}" dt="2025-07-05T17:26:33.797" v="2754"/>
+          <ac:spMkLst>
+            <pc:docMk/>
+            <pc:sldMk cId="2370713982" sldId="258"/>
+            <ac:spMk id="63" creationId="{98925BC7-048A-908B-A3CC-4530AA91E7D1}"/>
           </ac:spMkLst>
         </pc:spChg>
         <pc:spChg chg="add mod">
@@ -8459,6 +9339,30 @@
             <ac:spMk id="320" creationId="{5102E2A0-5102-0C2A-81E7-3CE0B1C71E8E}"/>
           </ac:spMkLst>
         </pc:spChg>
+        <pc:spChg chg="add mod">
+          <ac:chgData name="Fatima Pillosu" userId="a6295d4dc9e22643" providerId="LiveId" clId="{0478CFAF-F744-4001-ABF3-5E8A4958592B}" dt="2025-07-05T17:26:33.797" v="2754"/>
+          <ac:spMkLst>
+            <pc:docMk/>
+            <pc:sldMk cId="2370713982" sldId="258"/>
+            <ac:spMk id="320" creationId="{99CBFCCB-C1AB-A602-D17C-AB3281B03E45}"/>
+          </ac:spMkLst>
+        </pc:spChg>
+        <pc:spChg chg="add mod">
+          <ac:chgData name="Fatima Pillosu" userId="a6295d4dc9e22643" providerId="LiveId" clId="{0478CFAF-F744-4001-ABF3-5E8A4958592B}" dt="2025-07-05T17:26:33.797" v="2754"/>
+          <ac:spMkLst>
+            <pc:docMk/>
+            <pc:sldMk cId="2370713982" sldId="258"/>
+            <ac:spMk id="321" creationId="{86718F0D-BD34-E0A3-74A1-3FB863EE64B1}"/>
+          </ac:spMkLst>
+        </pc:spChg>
+        <pc:spChg chg="add mod">
+          <ac:chgData name="Fatima Pillosu" userId="a6295d4dc9e22643" providerId="LiveId" clId="{0478CFAF-F744-4001-ABF3-5E8A4958592B}" dt="2025-07-05T17:26:33.797" v="2754"/>
+          <ac:spMkLst>
+            <pc:docMk/>
+            <pc:sldMk cId="2370713982" sldId="258"/>
+            <ac:spMk id="322" creationId="{F9215A04-B24F-0418-08E2-D9E47621F577}"/>
+          </ac:spMkLst>
+        </pc:spChg>
         <pc:spChg chg="add del mod">
           <ac:chgData name="Fatima Pillosu" userId="a6295d4dc9e22643" providerId="LiveId" clId="{0478CFAF-F744-4001-ABF3-5E8A4958592B}" dt="2025-07-05T17:17:09.004" v="2580" actId="21"/>
           <ac:spMkLst>
@@ -8467,6 +9371,22 @@
             <ac:spMk id="323" creationId="{37757665-AC28-C2D7-9288-A4F262BEDCA5}"/>
           </ac:spMkLst>
         </pc:spChg>
+        <pc:spChg chg="add mod">
+          <ac:chgData name="Fatima Pillosu" userId="a6295d4dc9e22643" providerId="LiveId" clId="{0478CFAF-F744-4001-ABF3-5E8A4958592B}" dt="2025-07-05T17:26:33.797" v="2754"/>
+          <ac:spMkLst>
+            <pc:docMk/>
+            <pc:sldMk cId="2370713982" sldId="258"/>
+            <ac:spMk id="323" creationId="{DF10195A-ED35-31A3-D4E7-00C38FDC3DAF}"/>
+          </ac:spMkLst>
+        </pc:spChg>
+        <pc:spChg chg="add mod">
+          <ac:chgData name="Fatima Pillosu" userId="a6295d4dc9e22643" providerId="LiveId" clId="{0478CFAF-F744-4001-ABF3-5E8A4958592B}" dt="2025-07-05T17:26:33.797" v="2754"/>
+          <ac:spMkLst>
+            <pc:docMk/>
+            <pc:sldMk cId="2370713982" sldId="258"/>
+            <ac:spMk id="324" creationId="{5B6C4763-6B0E-D586-D0B5-1D54B0EC42C9}"/>
+          </ac:spMkLst>
+        </pc:spChg>
         <pc:spChg chg="add del mod">
           <ac:chgData name="Fatima Pillosu" userId="a6295d4dc9e22643" providerId="LiveId" clId="{0478CFAF-F744-4001-ABF3-5E8A4958592B}" dt="2025-07-05T17:17:09.004" v="2580" actId="21"/>
           <ac:spMkLst>
@@ -8483,6 +9403,22 @@
             <ac:spMk id="325" creationId="{EC3C4672-BBD3-831C-7CA8-0C6A492C9F9C}"/>
           </ac:spMkLst>
         </pc:spChg>
+        <pc:spChg chg="add mod">
+          <ac:chgData name="Fatima Pillosu" userId="a6295d4dc9e22643" providerId="LiveId" clId="{0478CFAF-F744-4001-ABF3-5E8A4958592B}" dt="2025-07-05T17:26:33.797" v="2754"/>
+          <ac:spMkLst>
+            <pc:docMk/>
+            <pc:sldMk cId="2370713982" sldId="258"/>
+            <ac:spMk id="326" creationId="{21F70C20-FC02-1136-3665-B0E19793C67F}"/>
+          </ac:spMkLst>
+        </pc:spChg>
+        <pc:spChg chg="add mod">
+          <ac:chgData name="Fatima Pillosu" userId="a6295d4dc9e22643" providerId="LiveId" clId="{0478CFAF-F744-4001-ABF3-5E8A4958592B}" dt="2025-07-05T17:26:33.797" v="2754"/>
+          <ac:spMkLst>
+            <pc:docMk/>
+            <pc:sldMk cId="2370713982" sldId="258"/>
+            <ac:spMk id="327" creationId="{31711C9E-2A5A-760F-C652-C7DEE237D786}"/>
+          </ac:spMkLst>
+        </pc:spChg>
         <pc:spChg chg="add del mod">
           <ac:chgData name="Fatima Pillosu" userId="a6295d4dc9e22643" providerId="LiveId" clId="{0478CFAF-F744-4001-ABF3-5E8A4958592B}" dt="2025-07-05T17:17:09.004" v="2580" actId="21"/>
           <ac:spMkLst>
@@ -8499,6 +9435,30 @@
             <ac:spMk id="328" creationId="{4DC959A9-7C89-6A9D-8C2C-4CCD3B47ECC5}"/>
           </ac:spMkLst>
         </pc:spChg>
+        <pc:spChg chg="add mod">
+          <ac:chgData name="Fatima Pillosu" userId="a6295d4dc9e22643" providerId="LiveId" clId="{0478CFAF-F744-4001-ABF3-5E8A4958592B}" dt="2025-07-05T17:26:33.797" v="2754"/>
+          <ac:spMkLst>
+            <pc:docMk/>
+            <pc:sldMk cId="2370713982" sldId="258"/>
+            <ac:spMk id="328" creationId="{DB059085-E0D5-CADA-3F36-A56C730A8473}"/>
+          </ac:spMkLst>
+        </pc:spChg>
+        <pc:spChg chg="add mod">
+          <ac:chgData name="Fatima Pillosu" userId="a6295d4dc9e22643" providerId="LiveId" clId="{0478CFAF-F744-4001-ABF3-5E8A4958592B}" dt="2025-07-05T17:26:33.797" v="2754"/>
+          <ac:spMkLst>
+            <pc:docMk/>
+            <pc:sldMk cId="2370713982" sldId="258"/>
+            <ac:spMk id="330" creationId="{EFCD7474-517B-B36F-AF3F-E369331CEA7E}"/>
+          </ac:spMkLst>
+        </pc:spChg>
+        <pc:spChg chg="add mod">
+          <ac:chgData name="Fatima Pillosu" userId="a6295d4dc9e22643" providerId="LiveId" clId="{0478CFAF-F744-4001-ABF3-5E8A4958592B}" dt="2025-07-05T17:26:33.797" v="2754"/>
+          <ac:spMkLst>
+            <pc:docMk/>
+            <pc:sldMk cId="2370713982" sldId="258"/>
+            <ac:spMk id="331" creationId="{04799BE8-60EA-E757-9A94-DB8FEB681C81}"/>
+          </ac:spMkLst>
+        </pc:spChg>
         <pc:spChg chg="add del mod">
           <ac:chgData name="Fatima Pillosu" userId="a6295d4dc9e22643" providerId="LiveId" clId="{0478CFAF-F744-4001-ABF3-5E8A4958592B}" dt="2025-07-05T17:17:09.004" v="2580" actId="21"/>
           <ac:spMkLst>
@@ -8507,6 +9467,14 @@
             <ac:spMk id="332" creationId="{1A0731B8-37BC-29FF-5EFB-3505DFCBB060}"/>
           </ac:spMkLst>
         </pc:spChg>
+        <pc:spChg chg="add mod">
+          <ac:chgData name="Fatima Pillosu" userId="a6295d4dc9e22643" providerId="LiveId" clId="{0478CFAF-F744-4001-ABF3-5E8A4958592B}" dt="2025-07-05T17:26:33.797" v="2754"/>
+          <ac:spMkLst>
+            <pc:docMk/>
+            <pc:sldMk cId="2370713982" sldId="258"/>
+            <ac:spMk id="332" creationId="{248829A6-BE36-E5E9-F00B-E5FA0055DC9A}"/>
+          </ac:spMkLst>
+        </pc:spChg>
         <pc:spChg chg="add del mod">
           <ac:chgData name="Fatima Pillosu" userId="a6295d4dc9e22643" providerId="LiveId" clId="{0478CFAF-F744-4001-ABF3-5E8A4958592B}" dt="2025-07-05T17:17:09.004" v="2580" actId="21"/>
           <ac:spMkLst>
@@ -8515,6 +9483,22 @@
             <ac:spMk id="333" creationId="{5382C8C2-6F3C-50EB-0A51-B5F6DC1665D1}"/>
           </ac:spMkLst>
         </pc:spChg>
+        <pc:spChg chg="add mod">
+          <ac:chgData name="Fatima Pillosu" userId="a6295d4dc9e22643" providerId="LiveId" clId="{0478CFAF-F744-4001-ABF3-5E8A4958592B}" dt="2025-07-05T17:26:33.797" v="2754"/>
+          <ac:spMkLst>
+            <pc:docMk/>
+            <pc:sldMk cId="2370713982" sldId="258"/>
+            <ac:spMk id="333" creationId="{742439C6-92AE-9BD9-9415-15F2420BB0E4}"/>
+          </ac:spMkLst>
+        </pc:spChg>
+        <pc:spChg chg="add mod">
+          <ac:chgData name="Fatima Pillosu" userId="a6295d4dc9e22643" providerId="LiveId" clId="{0478CFAF-F744-4001-ABF3-5E8A4958592B}" dt="2025-07-05T17:26:33.797" v="2754"/>
+          <ac:spMkLst>
+            <pc:docMk/>
+            <pc:sldMk cId="2370713982" sldId="258"/>
+            <ac:spMk id="334" creationId="{5ACC015C-C125-61F6-C80D-082E4DA1855F}"/>
+          </ac:spMkLst>
+        </pc:spChg>
         <pc:spChg chg="add del mod">
           <ac:chgData name="Fatima Pillosu" userId="a6295d4dc9e22643" providerId="LiveId" clId="{0478CFAF-F744-4001-ABF3-5E8A4958592B}" dt="2025-07-05T17:17:09.004" v="2580" actId="21"/>
           <ac:spMkLst>
@@ -8523,6 +9507,14 @@
             <ac:spMk id="334" creationId="{AFE3A951-104C-CEDE-A21D-544D4B214711}"/>
           </ac:spMkLst>
         </pc:spChg>
+        <pc:spChg chg="add mod">
+          <ac:chgData name="Fatima Pillosu" userId="a6295d4dc9e22643" providerId="LiveId" clId="{0478CFAF-F744-4001-ABF3-5E8A4958592B}" dt="2025-07-05T17:26:33.797" v="2754"/>
+          <ac:spMkLst>
+            <pc:docMk/>
+            <pc:sldMk cId="2370713982" sldId="258"/>
+            <ac:spMk id="335" creationId="{8F80601E-4CB8-C9D3-F8D7-6CAF3543AC34}"/>
+          </ac:spMkLst>
+        </pc:spChg>
         <pc:spChg chg="add del mod">
           <ac:chgData name="Fatima Pillosu" userId="a6295d4dc9e22643" providerId="LiveId" clId="{0478CFAF-F744-4001-ABF3-5E8A4958592B}" dt="2025-07-05T17:17:09.004" v="2580" actId="21"/>
           <ac:spMkLst>
@@ -8531,6 +9523,14 @@
             <ac:spMk id="335" creationId="{F81123FD-1880-7B13-64BB-A61B32D6C3FC}"/>
           </ac:spMkLst>
         </pc:spChg>
+        <pc:spChg chg="add mod">
+          <ac:chgData name="Fatima Pillosu" userId="a6295d4dc9e22643" providerId="LiveId" clId="{0478CFAF-F744-4001-ABF3-5E8A4958592B}" dt="2025-07-05T17:26:33.797" v="2754"/>
+          <ac:spMkLst>
+            <pc:docMk/>
+            <pc:sldMk cId="2370713982" sldId="258"/>
+            <ac:spMk id="336" creationId="{419CA6F4-9D8A-5E95-66F6-EB3742697349}"/>
+          </ac:spMkLst>
+        </pc:spChg>
         <pc:spChg chg="add del mod">
           <ac:chgData name="Fatima Pillosu" userId="a6295d4dc9e22643" providerId="LiveId" clId="{0478CFAF-F744-4001-ABF3-5E8A4958592B}" dt="2025-07-05T17:17:09.004" v="2580" actId="21"/>
           <ac:spMkLst>
@@ -8539,6 +9539,14 @@
             <ac:spMk id="336" creationId="{68F25C0E-89BD-9175-A93B-76E013FBF0DD}"/>
           </ac:spMkLst>
         </pc:spChg>
+        <pc:spChg chg="add mod">
+          <ac:chgData name="Fatima Pillosu" userId="a6295d4dc9e22643" providerId="LiveId" clId="{0478CFAF-F744-4001-ABF3-5E8A4958592B}" dt="2025-07-05T17:26:33.797" v="2754"/>
+          <ac:spMkLst>
+            <pc:docMk/>
+            <pc:sldMk cId="2370713982" sldId="258"/>
+            <ac:spMk id="337" creationId="{8FF7EC8F-85ED-82BC-1411-C58F124D6A8E}"/>
+          </ac:spMkLst>
+        </pc:spChg>
         <pc:spChg chg="add del mod">
           <ac:chgData name="Fatima Pillosu" userId="a6295d4dc9e22643" providerId="LiveId" clId="{0478CFAF-F744-4001-ABF3-5E8A4958592B}" dt="2025-07-05T17:17:09.004" v="2580" actId="21"/>
           <ac:spMkLst>
@@ -8547,6 +9555,14 @@
             <ac:spMk id="337" creationId="{96248778-630E-7601-4FAE-FF9CFCDF1B42}"/>
           </ac:spMkLst>
         </pc:spChg>
+        <pc:spChg chg="add mod">
+          <ac:chgData name="Fatima Pillosu" userId="a6295d4dc9e22643" providerId="LiveId" clId="{0478CFAF-F744-4001-ABF3-5E8A4958592B}" dt="2025-07-05T17:26:33.797" v="2754"/>
+          <ac:spMkLst>
+            <pc:docMk/>
+            <pc:sldMk cId="2370713982" sldId="258"/>
+            <ac:spMk id="338" creationId="{496347D2-A129-07FB-E06A-D1C5C85D3E9D}"/>
+          </ac:spMkLst>
+        </pc:spChg>
         <pc:spChg chg="add del mod">
           <ac:chgData name="Fatima Pillosu" userId="a6295d4dc9e22643" providerId="LiveId" clId="{0478CFAF-F744-4001-ABF3-5E8A4958592B}" dt="2025-07-05T17:17:09.004" v="2580" actId="21"/>
           <ac:spMkLst>
@@ -8571,6 +9587,22 @@
             <ac:spMk id="340" creationId="{28B436EB-88AE-9EF3-EB76-64B6D1FB6EEB}"/>
           </ac:spMkLst>
         </pc:spChg>
+        <pc:spChg chg="add mod">
+          <ac:chgData name="Fatima Pillosu" userId="a6295d4dc9e22643" providerId="LiveId" clId="{0478CFAF-F744-4001-ABF3-5E8A4958592B}" dt="2025-07-05T17:26:33.797" v="2754"/>
+          <ac:spMkLst>
+            <pc:docMk/>
+            <pc:sldMk cId="2370713982" sldId="258"/>
+            <ac:spMk id="340" creationId="{51711E70-ED7A-E612-FC22-61E0BA727939}"/>
+          </ac:spMkLst>
+        </pc:spChg>
+        <pc:spChg chg="add mod">
+          <ac:chgData name="Fatima Pillosu" userId="a6295d4dc9e22643" providerId="LiveId" clId="{0478CFAF-F744-4001-ABF3-5E8A4958592B}" dt="2025-07-05T17:26:33.797" v="2754"/>
+          <ac:spMkLst>
+            <pc:docMk/>
+            <pc:sldMk cId="2370713982" sldId="258"/>
+            <ac:spMk id="341" creationId="{8F0EA465-9CB1-746A-CF6F-708E8BF5CD36}"/>
+          </ac:spMkLst>
+        </pc:spChg>
         <pc:spChg chg="add del mod">
           <ac:chgData name="Fatima Pillosu" userId="a6295d4dc9e22643" providerId="LiveId" clId="{0478CFAF-F744-4001-ABF3-5E8A4958592B}" dt="2025-07-05T17:17:09.004" v="2580" actId="21"/>
           <ac:spMkLst>
@@ -8579,6 +9611,14 @@
             <ac:spMk id="341" creationId="{F27C24D0-AB2A-41DB-6171-C0B6ED9E9A68}"/>
           </ac:spMkLst>
         </pc:spChg>
+        <pc:spChg chg="add mod">
+          <ac:chgData name="Fatima Pillosu" userId="a6295d4dc9e22643" providerId="LiveId" clId="{0478CFAF-F744-4001-ABF3-5E8A4958592B}" dt="2025-07-05T17:26:33.797" v="2754"/>
+          <ac:spMkLst>
+            <pc:docMk/>
+            <pc:sldMk cId="2370713982" sldId="258"/>
+            <ac:spMk id="342" creationId="{1CCB6C72-CEC8-FD46-A0F3-7707AB65E8D1}"/>
+          </ac:spMkLst>
+        </pc:spChg>
         <pc:spChg chg="add del mod">
           <ac:chgData name="Fatima Pillosu" userId="a6295d4dc9e22643" providerId="LiveId" clId="{0478CFAF-F744-4001-ABF3-5E8A4958592B}" dt="2025-07-05T17:17:09.004" v="2580" actId="21"/>
           <ac:spMkLst>
@@ -8595,6 +9635,14 @@
             <ac:spMk id="343" creationId="{2CFA74E3-D91E-2C27-4A99-D3D1A111919C}"/>
           </ac:spMkLst>
         </pc:spChg>
+        <pc:spChg chg="add mod">
+          <ac:chgData name="Fatima Pillosu" userId="a6295d4dc9e22643" providerId="LiveId" clId="{0478CFAF-F744-4001-ABF3-5E8A4958592B}" dt="2025-07-05T17:26:33.797" v="2754"/>
+          <ac:spMkLst>
+            <pc:docMk/>
+            <pc:sldMk cId="2370713982" sldId="258"/>
+            <ac:spMk id="343" creationId="{413D2B48-02A6-B2E0-8549-CE7E0BD00714}"/>
+          </ac:spMkLst>
+        </pc:spChg>
         <pc:spChg chg="add del mod">
           <ac:chgData name="Fatima Pillosu" userId="a6295d4dc9e22643" providerId="LiveId" clId="{0478CFAF-F744-4001-ABF3-5E8A4958592B}" dt="2025-07-05T17:17:09.004" v="2580" actId="21"/>
           <ac:spMkLst>
@@ -8651,6 +9699,14 @@
             <ac:spMk id="350" creationId="{BD4FCEEF-D9EE-3F9D-274E-A275AE7207AC}"/>
           </ac:spMkLst>
         </pc:spChg>
+        <pc:spChg chg="add del">
+          <ac:chgData name="Fatima Pillosu" userId="a6295d4dc9e22643" providerId="LiveId" clId="{0478CFAF-F744-4001-ABF3-5E8A4958592B}" dt="2025-07-05T17:31:47.344" v="2905" actId="478"/>
+          <ac:spMkLst>
+            <pc:docMk/>
+            <pc:sldMk cId="2370713982" sldId="258"/>
+            <ac:spMk id="351" creationId="{CD846D1F-5F51-5BCB-DA23-D711CF6120EA}"/>
+          </ac:spMkLst>
+        </pc:spChg>
         <pc:spChg chg="add del mod">
           <ac:chgData name="Fatima Pillosu" userId="a6295d4dc9e22643" providerId="LiveId" clId="{0478CFAF-F744-4001-ABF3-5E8A4958592B}" dt="2025-07-05T17:17:09.004" v="2580" actId="21"/>
           <ac:spMkLst>
@@ -8675,6 +9731,14 @@
             <ac:spMk id="354" creationId="{0BBE180E-9D2D-A30D-B94E-AB6240A4F89E}"/>
           </ac:spMkLst>
         </pc:spChg>
+        <pc:spChg chg="add mod">
+          <ac:chgData name="Fatima Pillosu" userId="a6295d4dc9e22643" providerId="LiveId" clId="{0478CFAF-F744-4001-ABF3-5E8A4958592B}" dt="2025-07-05T17:32:07.102" v="2909" actId="1036"/>
+          <ac:spMkLst>
+            <pc:docMk/>
+            <pc:sldMk cId="2370713982" sldId="258"/>
+            <ac:spMk id="354" creationId="{37757665-AC28-C2D7-9288-A4F262BEDCA5}"/>
+          </ac:spMkLst>
+        </pc:spChg>
         <pc:spChg chg="add del mod">
           <ac:chgData name="Fatima Pillosu" userId="a6295d4dc9e22643" providerId="LiveId" clId="{0478CFAF-F744-4001-ABF3-5E8A4958592B}" dt="2025-07-05T17:17:09.004" v="2580" actId="21"/>
           <ac:spMkLst>
@@ -8683,6 +9747,14 @@
             <ac:spMk id="355" creationId="{27B7D5CF-81CA-4EAF-61FB-FBDB71CAE40F}"/>
           </ac:spMkLst>
         </pc:spChg>
+        <pc:spChg chg="add mod">
+          <ac:chgData name="Fatima Pillosu" userId="a6295d4dc9e22643" providerId="LiveId" clId="{0478CFAF-F744-4001-ABF3-5E8A4958592B}" dt="2025-07-05T17:32:07.102" v="2909" actId="1036"/>
+          <ac:spMkLst>
+            <pc:docMk/>
+            <pc:sldMk cId="2370713982" sldId="258"/>
+            <ac:spMk id="355" creationId="{6E3975A0-04BD-A32C-5C8E-87D363BCBF43}"/>
+          </ac:spMkLst>
+        </pc:spChg>
         <pc:spChg chg="add del mod">
           <ac:chgData name="Fatima Pillosu" userId="a6295d4dc9e22643" providerId="LiveId" clId="{0478CFAF-F744-4001-ABF3-5E8A4958592B}" dt="2025-07-05T17:17:09.004" v="2580" actId="21"/>
           <ac:spMkLst>
@@ -8691,6 +9763,22 @@
             <ac:spMk id="356" creationId="{78B6A93C-975D-F2FB-2429-F211CE81F035}"/>
           </ac:spMkLst>
         </pc:spChg>
+        <pc:spChg chg="add mod">
+          <ac:chgData name="Fatima Pillosu" userId="a6295d4dc9e22643" providerId="LiveId" clId="{0478CFAF-F744-4001-ABF3-5E8A4958592B}" dt="2025-07-05T17:32:07.102" v="2909" actId="1036"/>
+          <ac:spMkLst>
+            <pc:docMk/>
+            <pc:sldMk cId="2370713982" sldId="258"/>
+            <ac:spMk id="356" creationId="{EC3C4672-BBD3-831C-7CA8-0C6A492C9F9C}"/>
+          </ac:spMkLst>
+        </pc:spChg>
+        <pc:spChg chg="add mod">
+          <ac:chgData name="Fatima Pillosu" userId="a6295d4dc9e22643" providerId="LiveId" clId="{0478CFAF-F744-4001-ABF3-5E8A4958592B}" dt="2025-07-05T17:32:07.102" v="2909" actId="1036"/>
+          <ac:spMkLst>
+            <pc:docMk/>
+            <pc:sldMk cId="2370713982" sldId="258"/>
+            <ac:spMk id="358" creationId="{66347620-DBE3-A5F5-F8A3-7C2F7C6EBDE6}"/>
+          </ac:spMkLst>
+        </pc:spChg>
         <pc:spChg chg="add del mod">
           <ac:chgData name="Fatima Pillosu" userId="a6295d4dc9e22643" providerId="LiveId" clId="{0478CFAF-F744-4001-ABF3-5E8A4958592B}" dt="2025-07-05T17:17:09.004" v="2580" actId="21"/>
           <ac:spMkLst>
@@ -8700,245 +9788,461 @@
           </ac:spMkLst>
         </pc:spChg>
         <pc:spChg chg="add mod">
-          <ac:chgData name="Fatima Pillosu" userId="a6295d4dc9e22643" providerId="LiveId" clId="{0478CFAF-F744-4001-ABF3-5E8A4958592B}" dt="2025-07-05T17:17:58.193" v="2608" actId="1036"/>
+          <ac:chgData name="Fatima Pillosu" userId="a6295d4dc9e22643" providerId="LiveId" clId="{0478CFAF-F744-4001-ABF3-5E8A4958592B}" dt="2025-07-05T17:32:07.102" v="2909" actId="1036"/>
+          <ac:spMkLst>
+            <pc:docMk/>
+            <pc:sldMk cId="2370713982" sldId="258"/>
+            <ac:spMk id="359" creationId="{4DC959A9-7C89-6A9D-8C2C-4CCD3B47ECC5}"/>
+          </ac:spMkLst>
+        </pc:spChg>
+        <pc:spChg chg="add mod">
+          <ac:chgData name="Fatima Pillosu" userId="a6295d4dc9e22643" providerId="LiveId" clId="{0478CFAF-F744-4001-ABF3-5E8A4958592B}" dt="2025-07-05T17:32:07.102" v="2909" actId="1036"/>
+          <ac:spMkLst>
+            <pc:docMk/>
+            <pc:sldMk cId="2370713982" sldId="258"/>
+            <ac:spMk id="363" creationId="{1A0731B8-37BC-29FF-5EFB-3505DFCBB060}"/>
+          </ac:spMkLst>
+        </pc:spChg>
+        <pc:spChg chg="add mod">
+          <ac:chgData name="Fatima Pillosu" userId="a6295d4dc9e22643" providerId="LiveId" clId="{0478CFAF-F744-4001-ABF3-5E8A4958592B}" dt="2025-07-05T17:32:07.102" v="2909" actId="1036"/>
+          <ac:spMkLst>
+            <pc:docMk/>
+            <pc:sldMk cId="2370713982" sldId="258"/>
+            <ac:spMk id="364" creationId="{5382C8C2-6F3C-50EB-0A51-B5F6DC1665D1}"/>
+          </ac:spMkLst>
+        </pc:spChg>
+        <pc:spChg chg="add del mod">
+          <ac:chgData name="Fatima Pillosu" userId="a6295d4dc9e22643" providerId="LiveId" clId="{0478CFAF-F744-4001-ABF3-5E8A4958592B}" dt="2025-07-05T17:31:48.799" v="2906" actId="21"/>
           <ac:spMkLst>
             <pc:docMk/>
             <pc:sldMk cId="2370713982" sldId="258"/>
             <ac:spMk id="367" creationId="{37757665-AC28-C2D7-9288-A4F262BEDCA5}"/>
           </ac:spMkLst>
         </pc:spChg>
-        <pc:spChg chg="add mod">
-          <ac:chgData name="Fatima Pillosu" userId="a6295d4dc9e22643" providerId="LiveId" clId="{0478CFAF-F744-4001-ABF3-5E8A4958592B}" dt="2025-07-05T17:17:17.389" v="2581"/>
+        <pc:spChg chg="add del mod">
+          <ac:chgData name="Fatima Pillosu" userId="a6295d4dc9e22643" providerId="LiveId" clId="{0478CFAF-F744-4001-ABF3-5E8A4958592B}" dt="2025-07-05T17:31:48.799" v="2906" actId="21"/>
           <ac:spMkLst>
             <pc:docMk/>
             <pc:sldMk cId="2370713982" sldId="258"/>
             <ac:spMk id="368" creationId="{6E3975A0-04BD-A32C-5C8E-87D363BCBF43}"/>
           </ac:spMkLst>
         </pc:spChg>
-        <pc:spChg chg="add mod">
-          <ac:chgData name="Fatima Pillosu" userId="a6295d4dc9e22643" providerId="LiveId" clId="{0478CFAF-F744-4001-ABF3-5E8A4958592B}" dt="2025-07-05T17:17:17.389" v="2581"/>
+        <pc:spChg chg="add del mod">
+          <ac:chgData name="Fatima Pillosu" userId="a6295d4dc9e22643" providerId="LiveId" clId="{0478CFAF-F744-4001-ABF3-5E8A4958592B}" dt="2025-07-05T17:31:48.799" v="2906" actId="21"/>
           <ac:spMkLst>
             <pc:docMk/>
             <pc:sldMk cId="2370713982" sldId="258"/>
             <ac:spMk id="369" creationId="{EC3C4672-BBD3-831C-7CA8-0C6A492C9F9C}"/>
           </ac:spMkLst>
         </pc:spChg>
-        <pc:spChg chg="add mod">
-          <ac:chgData name="Fatima Pillosu" userId="a6295d4dc9e22643" providerId="LiveId" clId="{0478CFAF-F744-4001-ABF3-5E8A4958592B}" dt="2025-07-05T17:17:58.193" v="2608" actId="1036"/>
+        <pc:spChg chg="add del mod">
+          <ac:chgData name="Fatima Pillosu" userId="a6295d4dc9e22643" providerId="LiveId" clId="{0478CFAF-F744-4001-ABF3-5E8A4958592B}" dt="2025-07-05T17:31:48.799" v="2906" actId="21"/>
           <ac:spMkLst>
             <pc:docMk/>
             <pc:sldMk cId="2370713982" sldId="258"/>
             <ac:spMk id="371" creationId="{66347620-DBE3-A5F5-F8A3-7C2F7C6EBDE6}"/>
           </ac:spMkLst>
         </pc:spChg>
-        <pc:spChg chg="add mod">
-          <ac:chgData name="Fatima Pillosu" userId="a6295d4dc9e22643" providerId="LiveId" clId="{0478CFAF-F744-4001-ABF3-5E8A4958592B}" dt="2025-07-05T17:17:58.193" v="2608" actId="1036"/>
+        <pc:spChg chg="add del mod">
+          <ac:chgData name="Fatima Pillosu" userId="a6295d4dc9e22643" providerId="LiveId" clId="{0478CFAF-F744-4001-ABF3-5E8A4958592B}" dt="2025-07-05T17:31:48.799" v="2906" actId="21"/>
           <ac:spMkLst>
             <pc:docMk/>
             <pc:sldMk cId="2370713982" sldId="258"/>
             <ac:spMk id="372" creationId="{4DC959A9-7C89-6A9D-8C2C-4CCD3B47ECC5}"/>
           </ac:spMkLst>
         </pc:spChg>
-        <pc:spChg chg="add mod">
-          <ac:chgData name="Fatima Pillosu" userId="a6295d4dc9e22643" providerId="LiveId" clId="{0478CFAF-F744-4001-ABF3-5E8A4958592B}" dt="2025-07-05T17:17:58.193" v="2608" actId="1036"/>
+        <pc:spChg chg="add del mod">
+          <ac:chgData name="Fatima Pillosu" userId="a6295d4dc9e22643" providerId="LiveId" clId="{0478CFAF-F744-4001-ABF3-5E8A4958592B}" dt="2025-07-05T17:31:48.799" v="2906" actId="21"/>
           <ac:spMkLst>
             <pc:docMk/>
             <pc:sldMk cId="2370713982" sldId="258"/>
             <ac:spMk id="376" creationId="{1A0731B8-37BC-29FF-5EFB-3505DFCBB060}"/>
           </ac:spMkLst>
         </pc:spChg>
-        <pc:spChg chg="add mod">
-          <ac:chgData name="Fatima Pillosu" userId="a6295d4dc9e22643" providerId="LiveId" clId="{0478CFAF-F744-4001-ABF3-5E8A4958592B}" dt="2025-07-05T17:17:58.193" v="2608" actId="1036"/>
+        <pc:spChg chg="add del mod">
+          <ac:chgData name="Fatima Pillosu" userId="a6295d4dc9e22643" providerId="LiveId" clId="{0478CFAF-F744-4001-ABF3-5E8A4958592B}" dt="2025-07-05T17:31:48.799" v="2906" actId="21"/>
           <ac:spMkLst>
             <pc:docMk/>
             <pc:sldMk cId="2370713982" sldId="258"/>
             <ac:spMk id="377" creationId="{5382C8C2-6F3C-50EB-0A51-B5F6DC1665D1}"/>
           </ac:spMkLst>
         </pc:spChg>
-        <pc:spChg chg="add mod">
-          <ac:chgData name="Fatima Pillosu" userId="a6295d4dc9e22643" providerId="LiveId" clId="{0478CFAF-F744-4001-ABF3-5E8A4958592B}" dt="2025-07-05T17:17:58.193" v="2608" actId="1036"/>
+        <pc:spChg chg="add del mod">
+          <ac:chgData name="Fatima Pillosu" userId="a6295d4dc9e22643" providerId="LiveId" clId="{0478CFAF-F744-4001-ABF3-5E8A4958592B}" dt="2025-07-05T17:31:48.799" v="2906" actId="21"/>
           <ac:spMkLst>
             <pc:docMk/>
             <pc:sldMk cId="2370713982" sldId="258"/>
             <ac:spMk id="378" creationId="{AFE3A951-104C-CEDE-A21D-544D4B214711}"/>
           </ac:spMkLst>
         </pc:spChg>
-        <pc:spChg chg="add mod">
-          <ac:chgData name="Fatima Pillosu" userId="a6295d4dc9e22643" providerId="LiveId" clId="{0478CFAF-F744-4001-ABF3-5E8A4958592B}" dt="2025-07-05T17:17:58.193" v="2608" actId="1036"/>
+        <pc:spChg chg="add del mod">
+          <ac:chgData name="Fatima Pillosu" userId="a6295d4dc9e22643" providerId="LiveId" clId="{0478CFAF-F744-4001-ABF3-5E8A4958592B}" dt="2025-07-05T17:31:48.799" v="2906" actId="21"/>
           <ac:spMkLst>
             <pc:docMk/>
             <pc:sldMk cId="2370713982" sldId="258"/>
             <ac:spMk id="379" creationId="{F81123FD-1880-7B13-64BB-A61B32D6C3FC}"/>
           </ac:spMkLst>
         </pc:spChg>
-        <pc:spChg chg="add mod">
-          <ac:chgData name="Fatima Pillosu" userId="a6295d4dc9e22643" providerId="LiveId" clId="{0478CFAF-F744-4001-ABF3-5E8A4958592B}" dt="2025-07-05T17:17:58.193" v="2608" actId="1036"/>
+        <pc:spChg chg="add del mod">
+          <ac:chgData name="Fatima Pillosu" userId="a6295d4dc9e22643" providerId="LiveId" clId="{0478CFAF-F744-4001-ABF3-5E8A4958592B}" dt="2025-07-05T17:31:48.799" v="2906" actId="21"/>
           <ac:spMkLst>
             <pc:docMk/>
             <pc:sldMk cId="2370713982" sldId="258"/>
             <ac:spMk id="380" creationId="{68F25C0E-89BD-9175-A93B-76E013FBF0DD}"/>
           </ac:spMkLst>
         </pc:spChg>
-        <pc:spChg chg="add mod">
-          <ac:chgData name="Fatima Pillosu" userId="a6295d4dc9e22643" providerId="LiveId" clId="{0478CFAF-F744-4001-ABF3-5E8A4958592B}" dt="2025-07-05T17:17:58.193" v="2608" actId="1036"/>
+        <pc:spChg chg="add del mod">
+          <ac:chgData name="Fatima Pillosu" userId="a6295d4dc9e22643" providerId="LiveId" clId="{0478CFAF-F744-4001-ABF3-5E8A4958592B}" dt="2025-07-05T17:31:48.799" v="2906" actId="21"/>
           <ac:spMkLst>
             <pc:docMk/>
             <pc:sldMk cId="2370713982" sldId="258"/>
             <ac:spMk id="381" creationId="{96248778-630E-7601-4FAE-FF9CFCDF1B42}"/>
           </ac:spMkLst>
         </pc:spChg>
-        <pc:spChg chg="add mod">
-          <ac:chgData name="Fatima Pillosu" userId="a6295d4dc9e22643" providerId="LiveId" clId="{0478CFAF-F744-4001-ABF3-5E8A4958592B}" dt="2025-07-05T17:17:58.193" v="2608" actId="1036"/>
+        <pc:spChg chg="add del mod">
+          <ac:chgData name="Fatima Pillosu" userId="a6295d4dc9e22643" providerId="LiveId" clId="{0478CFAF-F744-4001-ABF3-5E8A4958592B}" dt="2025-07-05T17:31:48.799" v="2906" actId="21"/>
           <ac:spMkLst>
             <pc:docMk/>
             <pc:sldMk cId="2370713982" sldId="258"/>
             <ac:spMk id="382" creationId="{9CADC630-E44A-1A89-9FDE-8EDA7123B19C}"/>
           </ac:spMkLst>
         </pc:spChg>
-        <pc:spChg chg="add mod">
-          <ac:chgData name="Fatima Pillosu" userId="a6295d4dc9e22643" providerId="LiveId" clId="{0478CFAF-F744-4001-ABF3-5E8A4958592B}" dt="2025-07-05T17:17:58.193" v="2608" actId="1036"/>
+        <pc:spChg chg="add del mod">
+          <ac:chgData name="Fatima Pillosu" userId="a6295d4dc9e22643" providerId="LiveId" clId="{0478CFAF-F744-4001-ABF3-5E8A4958592B}" dt="2025-07-05T17:31:48.799" v="2906" actId="21"/>
           <ac:spMkLst>
             <pc:docMk/>
             <pc:sldMk cId="2370713982" sldId="258"/>
             <ac:spMk id="383" creationId="{EAF3C8BC-9003-987C-E4A9-44A032A5528E}"/>
           </ac:spMkLst>
         </pc:spChg>
-        <pc:spChg chg="add mod">
-          <ac:chgData name="Fatima Pillosu" userId="a6295d4dc9e22643" providerId="LiveId" clId="{0478CFAF-F744-4001-ABF3-5E8A4958592B}" dt="2025-07-05T17:17:58.193" v="2608" actId="1036"/>
+        <pc:spChg chg="add del mod">
+          <ac:chgData name="Fatima Pillosu" userId="a6295d4dc9e22643" providerId="LiveId" clId="{0478CFAF-F744-4001-ABF3-5E8A4958592B}" dt="2025-07-05T17:31:48.799" v="2906" actId="21"/>
           <ac:spMkLst>
             <pc:docMk/>
             <pc:sldMk cId="2370713982" sldId="258"/>
             <ac:spMk id="384" creationId="{28B436EB-88AE-9EF3-EB76-64B6D1FB6EEB}"/>
           </ac:spMkLst>
         </pc:spChg>
-        <pc:spChg chg="add mod">
-          <ac:chgData name="Fatima Pillosu" userId="a6295d4dc9e22643" providerId="LiveId" clId="{0478CFAF-F744-4001-ABF3-5E8A4958592B}" dt="2025-07-05T17:17:58.193" v="2608" actId="1036"/>
+        <pc:spChg chg="add del mod">
+          <ac:chgData name="Fatima Pillosu" userId="a6295d4dc9e22643" providerId="LiveId" clId="{0478CFAF-F744-4001-ABF3-5E8A4958592B}" dt="2025-07-05T17:31:48.799" v="2906" actId="21"/>
           <ac:spMkLst>
             <pc:docMk/>
             <pc:sldMk cId="2370713982" sldId="258"/>
             <ac:spMk id="385" creationId="{F27C24D0-AB2A-41DB-6171-C0B6ED9E9A68}"/>
           </ac:spMkLst>
         </pc:spChg>
-        <pc:spChg chg="add mod">
-          <ac:chgData name="Fatima Pillosu" userId="a6295d4dc9e22643" providerId="LiveId" clId="{0478CFAF-F744-4001-ABF3-5E8A4958592B}" dt="2025-07-05T17:17:58.193" v="2608" actId="1036"/>
+        <pc:spChg chg="add del mod">
+          <ac:chgData name="Fatima Pillosu" userId="a6295d4dc9e22643" providerId="LiveId" clId="{0478CFAF-F744-4001-ABF3-5E8A4958592B}" dt="2025-07-05T17:31:48.799" v="2906" actId="21"/>
           <ac:spMkLst>
             <pc:docMk/>
             <pc:sldMk cId="2370713982" sldId="258"/>
             <ac:spMk id="386" creationId="{41C377DF-3C36-42E1-684D-12BC83DB59C3}"/>
           </ac:spMkLst>
         </pc:spChg>
-        <pc:spChg chg="add mod">
-          <ac:chgData name="Fatima Pillosu" userId="a6295d4dc9e22643" providerId="LiveId" clId="{0478CFAF-F744-4001-ABF3-5E8A4958592B}" dt="2025-07-05T17:17:58.193" v="2608" actId="1036"/>
+        <pc:spChg chg="add del mod">
+          <ac:chgData name="Fatima Pillosu" userId="a6295d4dc9e22643" providerId="LiveId" clId="{0478CFAF-F744-4001-ABF3-5E8A4958592B}" dt="2025-07-05T17:24:48.976" v="2717" actId="478"/>
           <ac:spMkLst>
             <pc:docMk/>
             <pc:sldMk cId="2370713982" sldId="258"/>
             <ac:spMk id="387" creationId="{2CFA74E3-D91E-2C27-4A99-D3D1A111919C}"/>
           </ac:spMkLst>
         </pc:spChg>
-        <pc:spChg chg="add mod">
-          <ac:chgData name="Fatima Pillosu" userId="a6295d4dc9e22643" providerId="LiveId" clId="{0478CFAF-F744-4001-ABF3-5E8A4958592B}" dt="2025-07-05T17:17:58.193" v="2608" actId="1036"/>
+        <pc:spChg chg="add del mod">
+          <ac:chgData name="Fatima Pillosu" userId="a6295d4dc9e22643" providerId="LiveId" clId="{0478CFAF-F744-4001-ABF3-5E8A4958592B}" dt="2025-07-05T17:31:48.799" v="2906" actId="21"/>
           <ac:spMkLst>
             <pc:docMk/>
             <pc:sldMk cId="2370713982" sldId="258"/>
             <ac:spMk id="388" creationId="{CC497459-D1DC-EE9A-EE1D-815F28D2818C}"/>
           </ac:spMkLst>
         </pc:spChg>
-        <pc:spChg chg="add mod">
-          <ac:chgData name="Fatima Pillosu" userId="a6295d4dc9e22643" providerId="LiveId" clId="{0478CFAF-F744-4001-ABF3-5E8A4958592B}" dt="2025-07-05T17:17:58.193" v="2608" actId="1036"/>
+        <pc:spChg chg="add del mod">
+          <ac:chgData name="Fatima Pillosu" userId="a6295d4dc9e22643" providerId="LiveId" clId="{0478CFAF-F744-4001-ABF3-5E8A4958592B}" dt="2025-07-05T17:31:48.799" v="2906" actId="21"/>
           <ac:spMkLst>
             <pc:docMk/>
             <pc:sldMk cId="2370713982" sldId="258"/>
             <ac:spMk id="389" creationId="{8A74094E-C336-74AA-E520-6856C354301A}"/>
           </ac:spMkLst>
         </pc:spChg>
-        <pc:spChg chg="add mod">
-          <ac:chgData name="Fatima Pillosu" userId="a6295d4dc9e22643" providerId="LiveId" clId="{0478CFAF-F744-4001-ABF3-5E8A4958592B}" dt="2025-07-05T17:17:58.193" v="2608" actId="1036"/>
+        <pc:spChg chg="add del mod">
+          <ac:chgData name="Fatima Pillosu" userId="a6295d4dc9e22643" providerId="LiveId" clId="{0478CFAF-F744-4001-ABF3-5E8A4958592B}" dt="2025-07-05T17:31:48.799" v="2906" actId="21"/>
           <ac:spMkLst>
             <pc:docMk/>
             <pc:sldMk cId="2370713982" sldId="258"/>
             <ac:spMk id="390" creationId="{10B23706-9C8A-69A2-B423-B2EEB1C4D06D}"/>
           </ac:spMkLst>
         </pc:spChg>
-        <pc:spChg chg="add mod">
-          <ac:chgData name="Fatima Pillosu" userId="a6295d4dc9e22643" providerId="LiveId" clId="{0478CFAF-F744-4001-ABF3-5E8A4958592B}" dt="2025-07-05T17:17:58.193" v="2608" actId="1036"/>
+        <pc:spChg chg="add del mod">
+          <ac:chgData name="Fatima Pillosu" userId="a6295d4dc9e22643" providerId="LiveId" clId="{0478CFAF-F744-4001-ABF3-5E8A4958592B}" dt="2025-07-05T17:31:48.799" v="2906" actId="21"/>
           <ac:spMkLst>
             <pc:docMk/>
             <pc:sldMk cId="2370713982" sldId="258"/>
             <ac:spMk id="391" creationId="{14A7D952-0782-7271-7F2A-BC6BC775B542}"/>
           </ac:spMkLst>
         </pc:spChg>
-        <pc:spChg chg="add mod">
-          <ac:chgData name="Fatima Pillosu" userId="a6295d4dc9e22643" providerId="LiveId" clId="{0478CFAF-F744-4001-ABF3-5E8A4958592B}" dt="2025-07-05T17:17:58.193" v="2608" actId="1036"/>
+        <pc:spChg chg="add del mod">
+          <ac:chgData name="Fatima Pillosu" userId="a6295d4dc9e22643" providerId="LiveId" clId="{0478CFAF-F744-4001-ABF3-5E8A4958592B}" dt="2025-07-05T17:31:48.799" v="2906" actId="21"/>
           <ac:spMkLst>
             <pc:docMk/>
             <pc:sldMk cId="2370713982" sldId="258"/>
             <ac:spMk id="392" creationId="{06432789-ABB4-135D-C8F1-01F8D760F247}"/>
           </ac:spMkLst>
         </pc:spChg>
-        <pc:spChg chg="add mod">
-          <ac:chgData name="Fatima Pillosu" userId="a6295d4dc9e22643" providerId="LiveId" clId="{0478CFAF-F744-4001-ABF3-5E8A4958592B}" dt="2025-07-05T17:17:58.193" v="2608" actId="1036"/>
+        <pc:spChg chg="add del mod">
+          <ac:chgData name="Fatima Pillosu" userId="a6295d4dc9e22643" providerId="LiveId" clId="{0478CFAF-F744-4001-ABF3-5E8A4958592B}" dt="2025-07-05T17:31:48.799" v="2906" actId="21"/>
           <ac:spMkLst>
             <pc:docMk/>
             <pc:sldMk cId="2370713982" sldId="258"/>
             <ac:spMk id="393" creationId="{C5603496-23AC-2551-E5E0-BDF8C60E9816}"/>
           </ac:spMkLst>
         </pc:spChg>
-        <pc:spChg chg="add mod">
-          <ac:chgData name="Fatima Pillosu" userId="a6295d4dc9e22643" providerId="LiveId" clId="{0478CFAF-F744-4001-ABF3-5E8A4958592B}" dt="2025-07-05T17:17:58.193" v="2608" actId="1036"/>
+        <pc:spChg chg="add del mod">
+          <ac:chgData name="Fatima Pillosu" userId="a6295d4dc9e22643" providerId="LiveId" clId="{0478CFAF-F744-4001-ABF3-5E8A4958592B}" dt="2025-07-05T17:31:48.799" v="2906" actId="21"/>
           <ac:spMkLst>
             <pc:docMk/>
             <pc:sldMk cId="2370713982" sldId="258"/>
             <ac:spMk id="394" creationId="{BD4FCEEF-D9EE-3F9D-274E-A275AE7207AC}"/>
           </ac:spMkLst>
         </pc:spChg>
-        <pc:spChg chg="add mod">
-          <ac:chgData name="Fatima Pillosu" userId="a6295d4dc9e22643" providerId="LiveId" clId="{0478CFAF-F744-4001-ABF3-5E8A4958592B}" dt="2025-07-05T17:17:58.193" v="2608" actId="1036"/>
+        <pc:spChg chg="add del mod">
+          <ac:chgData name="Fatima Pillosu" userId="a6295d4dc9e22643" providerId="LiveId" clId="{0478CFAF-F744-4001-ABF3-5E8A4958592B}" dt="2025-07-05T17:31:48.799" v="2906" actId="21"/>
           <ac:spMkLst>
             <pc:docMk/>
             <pc:sldMk cId="2370713982" sldId="258"/>
             <ac:spMk id="396" creationId="{54B4C05C-53AB-88AD-E871-B8862B4F61D3}"/>
           </ac:spMkLst>
         </pc:spChg>
-        <pc:spChg chg="add mod">
-          <ac:chgData name="Fatima Pillosu" userId="a6295d4dc9e22643" providerId="LiveId" clId="{0478CFAF-F744-4001-ABF3-5E8A4958592B}" dt="2025-07-05T17:17:58.193" v="2608" actId="1036"/>
+        <pc:spChg chg="add del mod">
+          <ac:chgData name="Fatima Pillosu" userId="a6295d4dc9e22643" providerId="LiveId" clId="{0478CFAF-F744-4001-ABF3-5E8A4958592B}" dt="2025-07-05T17:31:48.799" v="2906" actId="21"/>
           <ac:spMkLst>
             <pc:docMk/>
             <pc:sldMk cId="2370713982" sldId="258"/>
             <ac:spMk id="397" creationId="{6EE46427-6BDE-882E-3A72-3DF2ED872F0A}"/>
           </ac:spMkLst>
         </pc:spChg>
-        <pc:spChg chg="add mod">
-          <ac:chgData name="Fatima Pillosu" userId="a6295d4dc9e22643" providerId="LiveId" clId="{0478CFAF-F744-4001-ABF3-5E8A4958592B}" dt="2025-07-05T17:17:58.193" v="2608" actId="1036"/>
+        <pc:spChg chg="add del mod">
+          <ac:chgData name="Fatima Pillosu" userId="a6295d4dc9e22643" providerId="LiveId" clId="{0478CFAF-F744-4001-ABF3-5E8A4958592B}" dt="2025-07-05T17:31:48.799" v="2906" actId="21"/>
           <ac:spMkLst>
             <pc:docMk/>
             <pc:sldMk cId="2370713982" sldId="258"/>
             <ac:spMk id="398" creationId="{0BBE180E-9D2D-A30D-B94E-AB6240A4F89E}"/>
           </ac:spMkLst>
         </pc:spChg>
-        <pc:spChg chg="add mod">
-          <ac:chgData name="Fatima Pillosu" userId="a6295d4dc9e22643" providerId="LiveId" clId="{0478CFAF-F744-4001-ABF3-5E8A4958592B}" dt="2025-07-05T17:17:58.193" v="2608" actId="1036"/>
+        <pc:spChg chg="add del mod">
+          <ac:chgData name="Fatima Pillosu" userId="a6295d4dc9e22643" providerId="LiveId" clId="{0478CFAF-F744-4001-ABF3-5E8A4958592B}" dt="2025-07-05T17:31:48.799" v="2906" actId="21"/>
           <ac:spMkLst>
             <pc:docMk/>
             <pc:sldMk cId="2370713982" sldId="258"/>
             <ac:spMk id="399" creationId="{27B7D5CF-81CA-4EAF-61FB-FBDB71CAE40F}"/>
           </ac:spMkLst>
         </pc:spChg>
-        <pc:spChg chg="add mod">
-          <ac:chgData name="Fatima Pillosu" userId="a6295d4dc9e22643" providerId="LiveId" clId="{0478CFAF-F744-4001-ABF3-5E8A4958592B}" dt="2025-07-05T17:17:58.193" v="2608" actId="1036"/>
+        <pc:spChg chg="add del mod">
+          <ac:chgData name="Fatima Pillosu" userId="a6295d4dc9e22643" providerId="LiveId" clId="{0478CFAF-F744-4001-ABF3-5E8A4958592B}" dt="2025-07-05T17:31:48.799" v="2906" actId="21"/>
           <ac:spMkLst>
             <pc:docMk/>
             <pc:sldMk cId="2370713982" sldId="258"/>
             <ac:spMk id="400" creationId="{78B6A93C-975D-F2FB-2429-F211CE81F035}"/>
           </ac:spMkLst>
         </pc:spChg>
-        <pc:spChg chg="add mod">
-          <ac:chgData name="Fatima Pillosu" userId="a6295d4dc9e22643" providerId="LiveId" clId="{0478CFAF-F744-4001-ABF3-5E8A4958592B}" dt="2025-07-05T17:17:58.193" v="2608" actId="1036"/>
+        <pc:spChg chg="add del mod">
+          <ac:chgData name="Fatima Pillosu" userId="a6295d4dc9e22643" providerId="LiveId" clId="{0478CFAF-F744-4001-ABF3-5E8A4958592B}" dt="2025-07-05T17:31:48.799" v="2906" actId="21"/>
           <ac:spMkLst>
             <pc:docMk/>
             <pc:sldMk cId="2370713982" sldId="258"/>
             <ac:spMk id="402" creationId="{A6BD9B84-7D11-E6C4-714D-168348DA6A59}"/>
           </ac:spMkLst>
         </pc:spChg>
+        <pc:spChg chg="add mod">
+          <ac:chgData name="Fatima Pillosu" userId="a6295d4dc9e22643" providerId="LiveId" clId="{0478CFAF-F744-4001-ABF3-5E8A4958592B}" dt="2025-07-05T17:32:07.102" v="2909" actId="1036"/>
+          <ac:spMkLst>
+            <pc:docMk/>
+            <pc:sldMk cId="2370713982" sldId="258"/>
+            <ac:spMk id="409" creationId="{AFE3A951-104C-CEDE-A21D-544D4B214711}"/>
+          </ac:spMkLst>
+        </pc:spChg>
+        <pc:spChg chg="add mod">
+          <ac:chgData name="Fatima Pillosu" userId="a6295d4dc9e22643" providerId="LiveId" clId="{0478CFAF-F744-4001-ABF3-5E8A4958592B}" dt="2025-07-05T17:32:07.102" v="2909" actId="1036"/>
+          <ac:spMkLst>
+            <pc:docMk/>
+            <pc:sldMk cId="2370713982" sldId="258"/>
+            <ac:spMk id="410" creationId="{F81123FD-1880-7B13-64BB-A61B32D6C3FC}"/>
+          </ac:spMkLst>
+        </pc:spChg>
+        <pc:spChg chg="add mod">
+          <ac:chgData name="Fatima Pillosu" userId="a6295d4dc9e22643" providerId="LiveId" clId="{0478CFAF-F744-4001-ABF3-5E8A4958592B}" dt="2025-07-05T17:32:07.102" v="2909" actId="1036"/>
+          <ac:spMkLst>
+            <pc:docMk/>
+            <pc:sldMk cId="2370713982" sldId="258"/>
+            <ac:spMk id="411" creationId="{68F25C0E-89BD-9175-A93B-76E013FBF0DD}"/>
+          </ac:spMkLst>
+        </pc:spChg>
+        <pc:spChg chg="add mod">
+          <ac:chgData name="Fatima Pillosu" userId="a6295d4dc9e22643" providerId="LiveId" clId="{0478CFAF-F744-4001-ABF3-5E8A4958592B}" dt="2025-07-05T17:32:07.102" v="2909" actId="1036"/>
+          <ac:spMkLst>
+            <pc:docMk/>
+            <pc:sldMk cId="2370713982" sldId="258"/>
+            <ac:spMk id="412" creationId="{96248778-630E-7601-4FAE-FF9CFCDF1B42}"/>
+          </ac:spMkLst>
+        </pc:spChg>
+        <pc:spChg chg="add mod">
+          <ac:chgData name="Fatima Pillosu" userId="a6295d4dc9e22643" providerId="LiveId" clId="{0478CFAF-F744-4001-ABF3-5E8A4958592B}" dt="2025-07-05T17:32:07.102" v="2909" actId="1036"/>
+          <ac:spMkLst>
+            <pc:docMk/>
+            <pc:sldMk cId="2370713982" sldId="258"/>
+            <ac:spMk id="413" creationId="{9CADC630-E44A-1A89-9FDE-8EDA7123B19C}"/>
+          </ac:spMkLst>
+        </pc:spChg>
+        <pc:spChg chg="add mod">
+          <ac:chgData name="Fatima Pillosu" userId="a6295d4dc9e22643" providerId="LiveId" clId="{0478CFAF-F744-4001-ABF3-5E8A4958592B}" dt="2025-07-05T17:32:07.102" v="2909" actId="1036"/>
+          <ac:spMkLst>
+            <pc:docMk/>
+            <pc:sldMk cId="2370713982" sldId="258"/>
+            <ac:spMk id="414" creationId="{EAF3C8BC-9003-987C-E4A9-44A032A5528E}"/>
+          </ac:spMkLst>
+        </pc:spChg>
+        <pc:spChg chg="add mod">
+          <ac:chgData name="Fatima Pillosu" userId="a6295d4dc9e22643" providerId="LiveId" clId="{0478CFAF-F744-4001-ABF3-5E8A4958592B}" dt="2025-07-05T17:32:07.102" v="2909" actId="1036"/>
+          <ac:spMkLst>
+            <pc:docMk/>
+            <pc:sldMk cId="2370713982" sldId="258"/>
+            <ac:spMk id="415" creationId="{28B436EB-88AE-9EF3-EB76-64B6D1FB6EEB}"/>
+          </ac:spMkLst>
+        </pc:spChg>
+        <pc:spChg chg="add mod">
+          <ac:chgData name="Fatima Pillosu" userId="a6295d4dc9e22643" providerId="LiveId" clId="{0478CFAF-F744-4001-ABF3-5E8A4958592B}" dt="2025-07-05T17:32:07.102" v="2909" actId="1036"/>
+          <ac:spMkLst>
+            <pc:docMk/>
+            <pc:sldMk cId="2370713982" sldId="258"/>
+            <ac:spMk id="416" creationId="{F27C24D0-AB2A-41DB-6171-C0B6ED9E9A68}"/>
+          </ac:spMkLst>
+        </pc:spChg>
+        <pc:spChg chg="add mod">
+          <ac:chgData name="Fatima Pillosu" userId="a6295d4dc9e22643" providerId="LiveId" clId="{0478CFAF-F744-4001-ABF3-5E8A4958592B}" dt="2025-07-05T17:32:07.102" v="2909" actId="1036"/>
+          <ac:spMkLst>
+            <pc:docMk/>
+            <pc:sldMk cId="2370713982" sldId="258"/>
+            <ac:spMk id="417" creationId="{41C377DF-3C36-42E1-684D-12BC83DB59C3}"/>
+          </ac:spMkLst>
+        </pc:spChg>
+        <pc:spChg chg="add mod">
+          <ac:chgData name="Fatima Pillosu" userId="a6295d4dc9e22643" providerId="LiveId" clId="{0478CFAF-F744-4001-ABF3-5E8A4958592B}" dt="2025-07-05T17:32:07.102" v="2909" actId="1036"/>
+          <ac:spMkLst>
+            <pc:docMk/>
+            <pc:sldMk cId="2370713982" sldId="258"/>
+            <ac:spMk id="418" creationId="{CC497459-D1DC-EE9A-EE1D-815F28D2818C}"/>
+          </ac:spMkLst>
+        </pc:spChg>
+        <pc:spChg chg="add mod">
+          <ac:chgData name="Fatima Pillosu" userId="a6295d4dc9e22643" providerId="LiveId" clId="{0478CFAF-F744-4001-ABF3-5E8A4958592B}" dt="2025-07-05T17:32:07.102" v="2909" actId="1036"/>
+          <ac:spMkLst>
+            <pc:docMk/>
+            <pc:sldMk cId="2370713982" sldId="258"/>
+            <ac:spMk id="419" creationId="{8A74094E-C336-74AA-E520-6856C354301A}"/>
+          </ac:spMkLst>
+        </pc:spChg>
+        <pc:spChg chg="add mod">
+          <ac:chgData name="Fatima Pillosu" userId="a6295d4dc9e22643" providerId="LiveId" clId="{0478CFAF-F744-4001-ABF3-5E8A4958592B}" dt="2025-07-05T17:32:07.102" v="2909" actId="1036"/>
+          <ac:spMkLst>
+            <pc:docMk/>
+            <pc:sldMk cId="2370713982" sldId="258"/>
+            <ac:spMk id="420" creationId="{10B23706-9C8A-69A2-B423-B2EEB1C4D06D}"/>
+          </ac:spMkLst>
+        </pc:spChg>
+        <pc:spChg chg="add mod">
+          <ac:chgData name="Fatima Pillosu" userId="a6295d4dc9e22643" providerId="LiveId" clId="{0478CFAF-F744-4001-ABF3-5E8A4958592B}" dt="2025-07-05T17:32:07.102" v="2909" actId="1036"/>
+          <ac:spMkLst>
+            <pc:docMk/>
+            <pc:sldMk cId="2370713982" sldId="258"/>
+            <ac:spMk id="421" creationId="{14A7D952-0782-7271-7F2A-BC6BC775B542}"/>
+          </ac:spMkLst>
+        </pc:spChg>
+        <pc:spChg chg="add mod">
+          <ac:chgData name="Fatima Pillosu" userId="a6295d4dc9e22643" providerId="LiveId" clId="{0478CFAF-F744-4001-ABF3-5E8A4958592B}" dt="2025-07-05T17:32:07.102" v="2909" actId="1036"/>
+          <ac:spMkLst>
+            <pc:docMk/>
+            <pc:sldMk cId="2370713982" sldId="258"/>
+            <ac:spMk id="422" creationId="{06432789-ABB4-135D-C8F1-01F8D760F247}"/>
+          </ac:spMkLst>
+        </pc:spChg>
+        <pc:spChg chg="add mod">
+          <ac:chgData name="Fatima Pillosu" userId="a6295d4dc9e22643" providerId="LiveId" clId="{0478CFAF-F744-4001-ABF3-5E8A4958592B}" dt="2025-07-05T17:32:07.102" v="2909" actId="1036"/>
+          <ac:spMkLst>
+            <pc:docMk/>
+            <pc:sldMk cId="2370713982" sldId="258"/>
+            <ac:spMk id="423" creationId="{C5603496-23AC-2551-E5E0-BDF8C60E9816}"/>
+          </ac:spMkLst>
+        </pc:spChg>
+        <pc:spChg chg="add mod">
+          <ac:chgData name="Fatima Pillosu" userId="a6295d4dc9e22643" providerId="LiveId" clId="{0478CFAF-F744-4001-ABF3-5E8A4958592B}" dt="2025-07-05T17:32:07.102" v="2909" actId="1036"/>
+          <ac:spMkLst>
+            <pc:docMk/>
+            <pc:sldMk cId="2370713982" sldId="258"/>
+            <ac:spMk id="424" creationId="{BD4FCEEF-D9EE-3F9D-274E-A275AE7207AC}"/>
+          </ac:spMkLst>
+        </pc:spChg>
+        <pc:spChg chg="add mod">
+          <ac:chgData name="Fatima Pillosu" userId="a6295d4dc9e22643" providerId="LiveId" clId="{0478CFAF-F744-4001-ABF3-5E8A4958592B}" dt="2025-07-05T17:32:07.102" v="2909" actId="1036"/>
+          <ac:spMkLst>
+            <pc:docMk/>
+            <pc:sldMk cId="2370713982" sldId="258"/>
+            <ac:spMk id="426" creationId="{54B4C05C-53AB-88AD-E871-B8862B4F61D3}"/>
+          </ac:spMkLst>
+        </pc:spChg>
+        <pc:spChg chg="add mod">
+          <ac:chgData name="Fatima Pillosu" userId="a6295d4dc9e22643" providerId="LiveId" clId="{0478CFAF-F744-4001-ABF3-5E8A4958592B}" dt="2025-07-05T17:32:07.102" v="2909" actId="1036"/>
+          <ac:spMkLst>
+            <pc:docMk/>
+            <pc:sldMk cId="2370713982" sldId="258"/>
+            <ac:spMk id="427" creationId="{6EE46427-6BDE-882E-3A72-3DF2ED872F0A}"/>
+          </ac:spMkLst>
+        </pc:spChg>
+        <pc:spChg chg="add mod">
+          <ac:chgData name="Fatima Pillosu" userId="a6295d4dc9e22643" providerId="LiveId" clId="{0478CFAF-F744-4001-ABF3-5E8A4958592B}" dt="2025-07-05T17:32:07.102" v="2909" actId="1036"/>
+          <ac:spMkLst>
+            <pc:docMk/>
+            <pc:sldMk cId="2370713982" sldId="258"/>
+            <ac:spMk id="428" creationId="{0BBE180E-9D2D-A30D-B94E-AB6240A4F89E}"/>
+          </ac:spMkLst>
+        </pc:spChg>
+        <pc:spChg chg="add mod">
+          <ac:chgData name="Fatima Pillosu" userId="a6295d4dc9e22643" providerId="LiveId" clId="{0478CFAF-F744-4001-ABF3-5E8A4958592B}" dt="2025-07-05T17:32:07.102" v="2909" actId="1036"/>
+          <ac:spMkLst>
+            <pc:docMk/>
+            <pc:sldMk cId="2370713982" sldId="258"/>
+            <ac:spMk id="429" creationId="{27B7D5CF-81CA-4EAF-61FB-FBDB71CAE40F}"/>
+          </ac:spMkLst>
+        </pc:spChg>
+        <pc:spChg chg="add mod">
+          <ac:chgData name="Fatima Pillosu" userId="a6295d4dc9e22643" providerId="LiveId" clId="{0478CFAF-F744-4001-ABF3-5E8A4958592B}" dt="2025-07-05T17:32:07.102" v="2909" actId="1036"/>
+          <ac:spMkLst>
+            <pc:docMk/>
+            <pc:sldMk cId="2370713982" sldId="258"/>
+            <ac:spMk id="430" creationId="{78B6A93C-975D-F2FB-2429-F211CE81F035}"/>
+          </ac:spMkLst>
+        </pc:spChg>
+        <pc:spChg chg="add mod">
+          <ac:chgData name="Fatima Pillosu" userId="a6295d4dc9e22643" providerId="LiveId" clId="{0478CFAF-F744-4001-ABF3-5E8A4958592B}" dt="2025-07-05T17:32:07.102" v="2909" actId="1036"/>
+          <ac:spMkLst>
+            <pc:docMk/>
+            <pc:sldMk cId="2370713982" sldId="258"/>
+            <ac:spMk id="432" creationId="{A6BD9B84-7D11-E6C4-714D-168348DA6A59}"/>
+          </ac:spMkLst>
+        </pc:spChg>
+        <pc:spChg chg="add mod">
+          <ac:chgData name="Fatima Pillosu" userId="a6295d4dc9e22643" providerId="LiveId" clId="{0478CFAF-F744-4001-ABF3-5E8A4958592B}" dt="2025-07-05T17:32:07.102" v="2909" actId="1036"/>
+          <ac:spMkLst>
+            <pc:docMk/>
+            <pc:sldMk cId="2370713982" sldId="258"/>
+            <ac:spMk id="438" creationId="{28AEAA1C-A4B2-C456-3DF2-85203C0EBF3D}"/>
+          </ac:spMkLst>
+        </pc:spChg>
+        <pc:picChg chg="add del mod">
+          <ac:chgData name="Fatima Pillosu" userId="a6295d4dc9e22643" providerId="LiveId" clId="{0478CFAF-F744-4001-ABF3-5E8A4958592B}" dt="2025-07-05T17:26:32.759" v="2753" actId="478"/>
+          <ac:picMkLst>
+            <pc:docMk/>
+            <pc:sldMk cId="2370713982" sldId="258"/>
+            <ac:picMk id="2" creationId="{1363CC68-D7B8-7537-5211-12DB6DE04B5C}"/>
+          </ac:picMkLst>
+        </pc:picChg>
         <pc:picChg chg="add del mod">
           <ac:chgData name="Fatima Pillosu" userId="a6295d4dc9e22643" providerId="LiveId" clId="{0478CFAF-F744-4001-ABF3-5E8A4958592B}" dt="2025-07-05T16:36:59.453" v="1694" actId="478"/>
           <ac:picMkLst>
@@ -9123,6 +10427,46 @@
             <ac:picMk id="309" creationId="{52CA6A54-CC59-58A1-4074-7DA36EA27AEA}"/>
           </ac:picMkLst>
         </pc:picChg>
+        <pc:picChg chg="add mod">
+          <ac:chgData name="Fatima Pillosu" userId="a6295d4dc9e22643" providerId="LiveId" clId="{0478CFAF-F744-4001-ABF3-5E8A4958592B}" dt="2025-07-05T17:26:33.797" v="2754"/>
+          <ac:picMkLst>
+            <pc:docMk/>
+            <pc:sldMk cId="2370713982" sldId="258"/>
+            <ac:picMk id="325" creationId="{BE5C86E8-BB66-777E-AD88-10DAB370B9C0}"/>
+          </ac:picMkLst>
+        </pc:picChg>
+        <pc:picChg chg="add mod">
+          <ac:chgData name="Fatima Pillosu" userId="a6295d4dc9e22643" providerId="LiveId" clId="{0478CFAF-F744-4001-ABF3-5E8A4958592B}" dt="2025-07-05T17:26:33.797" v="2754"/>
+          <ac:picMkLst>
+            <pc:docMk/>
+            <pc:sldMk cId="2370713982" sldId="258"/>
+            <ac:picMk id="329" creationId="{5403DEBF-F1AA-8702-ED30-6361311A7F09}"/>
+          </ac:picMkLst>
+        </pc:picChg>
+        <pc:picChg chg="add mod">
+          <ac:chgData name="Fatima Pillosu" userId="a6295d4dc9e22643" providerId="LiveId" clId="{0478CFAF-F744-4001-ABF3-5E8A4958592B}" dt="2025-07-05T17:26:33.797" v="2754"/>
+          <ac:picMkLst>
+            <pc:docMk/>
+            <pc:sldMk cId="2370713982" sldId="258"/>
+            <ac:picMk id="339" creationId="{D1ED3AD3-B111-83BC-B58F-4E55294893C8}"/>
+          </ac:picMkLst>
+        </pc:picChg>
+        <pc:picChg chg="add mod">
+          <ac:chgData name="Fatima Pillosu" userId="a6295d4dc9e22643" providerId="LiveId" clId="{0478CFAF-F744-4001-ABF3-5E8A4958592B}" dt="2025-07-05T17:26:33.797" v="2754"/>
+          <ac:picMkLst>
+            <pc:docMk/>
+            <pc:sldMk cId="2370713982" sldId="258"/>
+            <ac:picMk id="344" creationId="{AE19FBDE-88D8-3C8A-774A-3C16F1AB9B2B}"/>
+          </ac:picMkLst>
+        </pc:picChg>
+        <pc:picChg chg="add del mod">
+          <ac:chgData name="Fatima Pillosu" userId="a6295d4dc9e22643" providerId="LiveId" clId="{0478CFAF-F744-4001-ABF3-5E8A4958592B}" dt="2025-07-05T17:31:48.799" v="2906" actId="21"/>
+          <ac:picMkLst>
+            <pc:docMk/>
+            <pc:sldMk cId="2370713982" sldId="258"/>
+            <ac:picMk id="345" creationId="{5478F336-4A82-C851-031E-7B68A3B8EB1A}"/>
+          </ac:picMkLst>
+        </pc:picChg>
         <pc:picChg chg="add del mod">
           <ac:chgData name="Fatima Pillosu" userId="a6295d4dc9e22643" providerId="LiveId" clId="{0478CFAF-F744-4001-ABF3-5E8A4958592B}" dt="2025-07-05T17:17:09.004" v="2580" actId="21"/>
           <ac:picMkLst>
@@ -9139,20 +10483,36 @@
             <ac:picMk id="360" creationId="{52CA6A54-CC59-58A1-4074-7DA36EA27AEA}"/>
           </ac:picMkLst>
         </pc:picChg>
-        <pc:picChg chg="add mod">
-          <ac:chgData name="Fatima Pillosu" userId="a6295d4dc9e22643" providerId="LiveId" clId="{0478CFAF-F744-4001-ABF3-5E8A4958592B}" dt="2025-07-05T17:17:58.193" v="2608" actId="1036"/>
+        <pc:picChg chg="add del mod">
+          <ac:chgData name="Fatima Pillosu" userId="a6295d4dc9e22643" providerId="LiveId" clId="{0478CFAF-F744-4001-ABF3-5E8A4958592B}" dt="2025-07-05T17:31:48.799" v="2906" actId="21"/>
           <ac:picMkLst>
             <pc:docMk/>
             <pc:sldMk cId="2370713982" sldId="258"/>
             <ac:picMk id="401" creationId="{4943A585-56F4-BE8B-C666-8836FD94BB13}"/>
           </ac:picMkLst>
         </pc:picChg>
+        <pc:picChg chg="add del mod">
+          <ac:chgData name="Fatima Pillosu" userId="a6295d4dc9e22643" providerId="LiveId" clId="{0478CFAF-F744-4001-ABF3-5E8A4958592B}" dt="2025-07-05T17:24:08.409" v="2701" actId="478"/>
+          <ac:picMkLst>
+            <pc:docMk/>
+            <pc:sldMk cId="2370713982" sldId="258"/>
+            <ac:picMk id="404" creationId="{52CA6A54-CC59-58A1-4074-7DA36EA27AEA}"/>
+          </ac:picMkLst>
+        </pc:picChg>
         <pc:picChg chg="add mod">
-          <ac:chgData name="Fatima Pillosu" userId="a6295d4dc9e22643" providerId="LiveId" clId="{0478CFAF-F744-4001-ABF3-5E8A4958592B}" dt="2025-07-05T17:18:02.779" v="2609" actId="14100"/>
+          <ac:chgData name="Fatima Pillosu" userId="a6295d4dc9e22643" providerId="LiveId" clId="{0478CFAF-F744-4001-ABF3-5E8A4958592B}" dt="2025-07-05T17:32:07.102" v="2909" actId="1036"/>
           <ac:picMkLst>
             <pc:docMk/>
             <pc:sldMk cId="2370713982" sldId="258"/>
-            <ac:picMk id="404" creationId="{52CA6A54-CC59-58A1-4074-7DA36EA27AEA}"/>
+            <ac:picMk id="431" creationId="{4943A585-56F4-BE8B-C666-8836FD94BB13}"/>
+          </ac:picMkLst>
+        </pc:picChg>
+        <pc:picChg chg="add mod">
+          <ac:chgData name="Fatima Pillosu" userId="a6295d4dc9e22643" providerId="LiveId" clId="{0478CFAF-F744-4001-ABF3-5E8A4958592B}" dt="2025-07-05T17:32:07.102" v="2909" actId="1036"/>
+          <ac:picMkLst>
+            <pc:docMk/>
+            <pc:sldMk cId="2370713982" sldId="258"/>
+            <ac:picMk id="439" creationId="{5478F336-4A82-C851-031E-7B68A3B8EB1A}"/>
           </ac:picMkLst>
         </pc:picChg>
         <pc:cxnChg chg="add del mod">
@@ -9491,12 +10851,28 @@
             <ac:cxnSpMk id="351" creationId="{C7C3581F-BB46-6BFD-88EC-1685548CDC83}"/>
           </ac:cxnSpMkLst>
         </pc:cxnChg>
-        <pc:cxnChg chg="add del mod">
-          <ac:chgData name="Fatima Pillosu" userId="a6295d4dc9e22643" providerId="LiveId" clId="{0478CFAF-F744-4001-ABF3-5E8A4958592B}" dt="2025-07-05T17:17:09.004" v="2580" actId="21"/>
+        <pc:cxnChg chg="add mod">
+          <ac:chgData name="Fatima Pillosu" userId="a6295d4dc9e22643" providerId="LiveId" clId="{0478CFAF-F744-4001-ABF3-5E8A4958592B}" dt="2025-07-05T17:32:07.102" v="2909" actId="1036"/>
           <ac:cxnSpMkLst>
             <pc:docMk/>
             <pc:sldMk cId="2370713982" sldId="258"/>
-            <ac:cxnSpMk id="359" creationId="{346B4E64-3EEF-D973-3957-F55293E7F745}"/>
+            <ac:cxnSpMk id="352" creationId="{6B2B5BF2-676C-E1AE-BA62-2F7C9F6C9C70}"/>
+          </ac:cxnSpMkLst>
+        </pc:cxnChg>
+        <pc:cxnChg chg="add mod">
+          <ac:chgData name="Fatima Pillosu" userId="a6295d4dc9e22643" providerId="LiveId" clId="{0478CFAF-F744-4001-ABF3-5E8A4958592B}" dt="2025-07-05T17:32:07.102" v="2909" actId="1036"/>
+          <ac:cxnSpMkLst>
+            <pc:docMk/>
+            <pc:sldMk cId="2370713982" sldId="258"/>
+            <ac:cxnSpMk id="353" creationId="{C03C5827-406F-B7CA-16D5-2D1C3286C854}"/>
+          </ac:cxnSpMkLst>
+        </pc:cxnChg>
+        <pc:cxnChg chg="add mod">
+          <ac:chgData name="Fatima Pillosu" userId="a6295d4dc9e22643" providerId="LiveId" clId="{0478CFAF-F744-4001-ABF3-5E8A4958592B}" dt="2025-07-05T17:32:07.102" v="2909" actId="1036"/>
+          <ac:cxnSpMkLst>
+            <pc:docMk/>
+            <pc:sldMk cId="2370713982" sldId="258"/>
+            <ac:cxnSpMk id="357" creationId="{7DC2AC43-F265-6066-8ACE-435A1F981070}"/>
           </ac:cxnSpMkLst>
         </pc:cxnChg>
         <pc:cxnChg chg="add del mod">
@@ -9504,7 +10880,39 @@
           <ac:cxnSpMkLst>
             <pc:docMk/>
             <pc:sldMk cId="2370713982" sldId="258"/>
+            <ac:cxnSpMk id="359" creationId="{346B4E64-3EEF-D973-3957-F55293E7F745}"/>
+          </ac:cxnSpMkLst>
+        </pc:cxnChg>
+        <pc:cxnChg chg="add mod">
+          <ac:chgData name="Fatima Pillosu" userId="a6295d4dc9e22643" providerId="LiveId" clId="{0478CFAF-F744-4001-ABF3-5E8A4958592B}" dt="2025-07-05T17:32:07.102" v="2909" actId="1036"/>
+          <ac:cxnSpMkLst>
+            <pc:docMk/>
+            <pc:sldMk cId="2370713982" sldId="258"/>
+            <ac:cxnSpMk id="360" creationId="{B54C17C6-3C4D-8A4F-59E1-33BB2363B4F2}"/>
+          </ac:cxnSpMkLst>
+        </pc:cxnChg>
+        <pc:cxnChg chg="add mod">
+          <ac:chgData name="Fatima Pillosu" userId="a6295d4dc9e22643" providerId="LiveId" clId="{0478CFAF-F744-4001-ABF3-5E8A4958592B}" dt="2025-07-05T17:32:07.102" v="2909" actId="1036"/>
+          <ac:cxnSpMkLst>
+            <pc:docMk/>
+            <pc:sldMk cId="2370713982" sldId="258"/>
+            <ac:cxnSpMk id="361" creationId="{256D26E3-8C15-B026-B526-6022B54CCA43}"/>
+          </ac:cxnSpMkLst>
+        </pc:cxnChg>
+        <pc:cxnChg chg="add del mod">
+          <ac:chgData name="Fatima Pillosu" userId="a6295d4dc9e22643" providerId="LiveId" clId="{0478CFAF-F744-4001-ABF3-5E8A4958592B}" dt="2025-07-05T17:17:09.004" v="2580" actId="21"/>
+          <ac:cxnSpMkLst>
+            <pc:docMk/>
+            <pc:sldMk cId="2370713982" sldId="258"/>
             <ac:cxnSpMk id="361" creationId="{F820DBFC-D482-D362-AD9A-EB720E92CEF4}"/>
+          </ac:cxnSpMkLst>
+        </pc:cxnChg>
+        <pc:cxnChg chg="add mod">
+          <ac:chgData name="Fatima Pillosu" userId="a6295d4dc9e22643" providerId="LiveId" clId="{0478CFAF-F744-4001-ABF3-5E8A4958592B}" dt="2025-07-05T17:32:07.102" v="2909" actId="1036"/>
+          <ac:cxnSpMkLst>
+            <pc:docMk/>
+            <pc:sldMk cId="2370713982" sldId="258"/>
+            <ac:cxnSpMk id="362" creationId="{8B8A5069-7969-C164-8418-15F4BE24B20F}"/>
           </ac:cxnSpMkLst>
         </pc:cxnChg>
         <pc:cxnChg chg="add del mod">
@@ -9531,100 +10939,148 @@
             <ac:cxnSpMk id="364" creationId="{16B06205-7085-528A-105F-F605E5D44E11}"/>
           </ac:cxnSpMkLst>
         </pc:cxnChg>
-        <pc:cxnChg chg="add mod">
-          <ac:chgData name="Fatima Pillosu" userId="a6295d4dc9e22643" providerId="LiveId" clId="{0478CFAF-F744-4001-ABF3-5E8A4958592B}" dt="2025-07-05T17:17:58.193" v="2608" actId="1036"/>
+        <pc:cxnChg chg="add del mod">
+          <ac:chgData name="Fatima Pillosu" userId="a6295d4dc9e22643" providerId="LiveId" clId="{0478CFAF-F744-4001-ABF3-5E8A4958592B}" dt="2025-07-05T17:31:48.799" v="2906" actId="21"/>
           <ac:cxnSpMkLst>
             <pc:docMk/>
             <pc:sldMk cId="2370713982" sldId="258"/>
             <ac:cxnSpMk id="365" creationId="{6B2B5BF2-676C-E1AE-BA62-2F7C9F6C9C70}"/>
           </ac:cxnSpMkLst>
         </pc:cxnChg>
-        <pc:cxnChg chg="add mod">
-          <ac:chgData name="Fatima Pillosu" userId="a6295d4dc9e22643" providerId="LiveId" clId="{0478CFAF-F744-4001-ABF3-5E8A4958592B}" dt="2025-07-05T17:17:58.193" v="2608" actId="1036"/>
+        <pc:cxnChg chg="add del mod">
+          <ac:chgData name="Fatima Pillosu" userId="a6295d4dc9e22643" providerId="LiveId" clId="{0478CFAF-F744-4001-ABF3-5E8A4958592B}" dt="2025-07-05T17:31:48.799" v="2906" actId="21"/>
           <ac:cxnSpMkLst>
             <pc:docMk/>
             <pc:sldMk cId="2370713982" sldId="258"/>
             <ac:cxnSpMk id="366" creationId="{C03C5827-406F-B7CA-16D5-2D1C3286C854}"/>
           </ac:cxnSpMkLst>
         </pc:cxnChg>
-        <pc:cxnChg chg="add mod">
-          <ac:chgData name="Fatima Pillosu" userId="a6295d4dc9e22643" providerId="LiveId" clId="{0478CFAF-F744-4001-ABF3-5E8A4958592B}" dt="2025-07-05T17:17:17.389" v="2581"/>
+        <pc:cxnChg chg="add del mod">
+          <ac:chgData name="Fatima Pillosu" userId="a6295d4dc9e22643" providerId="LiveId" clId="{0478CFAF-F744-4001-ABF3-5E8A4958592B}" dt="2025-07-05T17:31:48.799" v="2906" actId="21"/>
           <ac:cxnSpMkLst>
             <pc:docMk/>
             <pc:sldMk cId="2370713982" sldId="258"/>
             <ac:cxnSpMk id="370" creationId="{7DC2AC43-F265-6066-8ACE-435A1F981070}"/>
           </ac:cxnSpMkLst>
         </pc:cxnChg>
-        <pc:cxnChg chg="add mod">
-          <ac:chgData name="Fatima Pillosu" userId="a6295d4dc9e22643" providerId="LiveId" clId="{0478CFAF-F744-4001-ABF3-5E8A4958592B}" dt="2025-07-05T17:17:58.193" v="2608" actId="1036"/>
+        <pc:cxnChg chg="add del mod">
+          <ac:chgData name="Fatima Pillosu" userId="a6295d4dc9e22643" providerId="LiveId" clId="{0478CFAF-F744-4001-ABF3-5E8A4958592B}" dt="2025-07-05T17:31:48.799" v="2906" actId="21"/>
           <ac:cxnSpMkLst>
             <pc:docMk/>
             <pc:sldMk cId="2370713982" sldId="258"/>
             <ac:cxnSpMk id="373" creationId="{B54C17C6-3C4D-8A4F-59E1-33BB2363B4F2}"/>
           </ac:cxnSpMkLst>
         </pc:cxnChg>
-        <pc:cxnChg chg="add mod">
-          <ac:chgData name="Fatima Pillosu" userId="a6295d4dc9e22643" providerId="LiveId" clId="{0478CFAF-F744-4001-ABF3-5E8A4958592B}" dt="2025-07-05T17:17:58.193" v="2608" actId="1036"/>
+        <pc:cxnChg chg="add del mod">
+          <ac:chgData name="Fatima Pillosu" userId="a6295d4dc9e22643" providerId="LiveId" clId="{0478CFAF-F744-4001-ABF3-5E8A4958592B}" dt="2025-07-05T17:31:48.799" v="2906" actId="21"/>
           <ac:cxnSpMkLst>
             <pc:docMk/>
             <pc:sldMk cId="2370713982" sldId="258"/>
             <ac:cxnSpMk id="374" creationId="{256D26E3-8C15-B026-B526-6022B54CCA43}"/>
           </ac:cxnSpMkLst>
         </pc:cxnChg>
-        <pc:cxnChg chg="add mod">
-          <ac:chgData name="Fatima Pillosu" userId="a6295d4dc9e22643" providerId="LiveId" clId="{0478CFAF-F744-4001-ABF3-5E8A4958592B}" dt="2025-07-05T17:17:58.193" v="2608" actId="1036"/>
+        <pc:cxnChg chg="add del mod">
+          <ac:chgData name="Fatima Pillosu" userId="a6295d4dc9e22643" providerId="LiveId" clId="{0478CFAF-F744-4001-ABF3-5E8A4958592B}" dt="2025-07-05T17:31:48.799" v="2906" actId="21"/>
           <ac:cxnSpMkLst>
             <pc:docMk/>
             <pc:sldMk cId="2370713982" sldId="258"/>
             <ac:cxnSpMk id="375" creationId="{8B8A5069-7969-C164-8418-15F4BE24B20F}"/>
           </ac:cxnSpMkLst>
         </pc:cxnChg>
-        <pc:cxnChg chg="add mod">
-          <ac:chgData name="Fatima Pillosu" userId="a6295d4dc9e22643" providerId="LiveId" clId="{0478CFAF-F744-4001-ABF3-5E8A4958592B}" dt="2025-07-05T17:17:58.193" v="2608" actId="1036"/>
+        <pc:cxnChg chg="add del mod">
+          <ac:chgData name="Fatima Pillosu" userId="a6295d4dc9e22643" providerId="LiveId" clId="{0478CFAF-F744-4001-ABF3-5E8A4958592B}" dt="2025-07-05T17:31:48.799" v="2906" actId="21"/>
           <ac:cxnSpMkLst>
             <pc:docMk/>
             <pc:sldMk cId="2370713982" sldId="258"/>
             <ac:cxnSpMk id="395" creationId="{C7C3581F-BB46-6BFD-88EC-1685548CDC83}"/>
           </ac:cxnSpMkLst>
         </pc:cxnChg>
-        <pc:cxnChg chg="add mod">
-          <ac:chgData name="Fatima Pillosu" userId="a6295d4dc9e22643" providerId="LiveId" clId="{0478CFAF-F744-4001-ABF3-5E8A4958592B}" dt="2025-07-05T17:17:58.193" v="2608" actId="1036"/>
+        <pc:cxnChg chg="add del mod">
+          <ac:chgData name="Fatima Pillosu" userId="a6295d4dc9e22643" providerId="LiveId" clId="{0478CFAF-F744-4001-ABF3-5E8A4958592B}" dt="2025-07-05T17:31:48.799" v="2906" actId="21"/>
           <ac:cxnSpMkLst>
             <pc:docMk/>
             <pc:sldMk cId="2370713982" sldId="258"/>
             <ac:cxnSpMk id="403" creationId="{346B4E64-3EEF-D973-3957-F55293E7F745}"/>
           </ac:cxnSpMkLst>
         </pc:cxnChg>
-        <pc:cxnChg chg="add mod">
-          <ac:chgData name="Fatima Pillosu" userId="a6295d4dc9e22643" providerId="LiveId" clId="{0478CFAF-F744-4001-ABF3-5E8A4958592B}" dt="2025-07-05T17:17:58.193" v="2608" actId="1036"/>
+        <pc:cxnChg chg="add del mod">
+          <ac:chgData name="Fatima Pillosu" userId="a6295d4dc9e22643" providerId="LiveId" clId="{0478CFAF-F744-4001-ABF3-5E8A4958592B}" dt="2025-07-05T17:31:48.799" v="2906" actId="21"/>
           <ac:cxnSpMkLst>
             <pc:docMk/>
             <pc:sldMk cId="2370713982" sldId="258"/>
             <ac:cxnSpMk id="405" creationId="{F820DBFC-D482-D362-AD9A-EB720E92CEF4}"/>
           </ac:cxnSpMkLst>
         </pc:cxnChg>
-        <pc:cxnChg chg="add mod">
-          <ac:chgData name="Fatima Pillosu" userId="a6295d4dc9e22643" providerId="LiveId" clId="{0478CFAF-F744-4001-ABF3-5E8A4958592B}" dt="2025-07-05T17:17:58.193" v="2608" actId="1036"/>
+        <pc:cxnChg chg="add del mod">
+          <ac:chgData name="Fatima Pillosu" userId="a6295d4dc9e22643" providerId="LiveId" clId="{0478CFAF-F744-4001-ABF3-5E8A4958592B}" dt="2025-07-05T17:31:48.799" v="2906" actId="21"/>
           <ac:cxnSpMkLst>
             <pc:docMk/>
             <pc:sldMk cId="2370713982" sldId="258"/>
             <ac:cxnSpMk id="406" creationId="{8DF50D70-4022-681C-3D6E-62589944E0DE}"/>
           </ac:cxnSpMkLst>
         </pc:cxnChg>
-        <pc:cxnChg chg="add mod">
-          <ac:chgData name="Fatima Pillosu" userId="a6295d4dc9e22643" providerId="LiveId" clId="{0478CFAF-F744-4001-ABF3-5E8A4958592B}" dt="2025-07-05T17:17:58.193" v="2608" actId="1036"/>
+        <pc:cxnChg chg="add del mod">
+          <ac:chgData name="Fatima Pillosu" userId="a6295d4dc9e22643" providerId="LiveId" clId="{0478CFAF-F744-4001-ABF3-5E8A4958592B}" dt="2025-07-05T17:31:48.799" v="2906" actId="21"/>
           <ac:cxnSpMkLst>
             <pc:docMk/>
             <pc:sldMk cId="2370713982" sldId="258"/>
             <ac:cxnSpMk id="407" creationId="{1838FD34-08CA-AAAA-623C-682B4FB2B83D}"/>
           </ac:cxnSpMkLst>
         </pc:cxnChg>
+        <pc:cxnChg chg="add del mod">
+          <ac:chgData name="Fatima Pillosu" userId="a6295d4dc9e22643" providerId="LiveId" clId="{0478CFAF-F744-4001-ABF3-5E8A4958592B}" dt="2025-07-05T17:31:48.799" v="2906" actId="21"/>
+          <ac:cxnSpMkLst>
+            <pc:docMk/>
+            <pc:sldMk cId="2370713982" sldId="258"/>
+            <ac:cxnSpMk id="408" creationId="{16B06205-7085-528A-105F-F605E5D44E11}"/>
+          </ac:cxnSpMkLst>
+        </pc:cxnChg>
         <pc:cxnChg chg="add mod">
-          <ac:chgData name="Fatima Pillosu" userId="a6295d4dc9e22643" providerId="LiveId" clId="{0478CFAF-F744-4001-ABF3-5E8A4958592B}" dt="2025-07-05T17:17:58.193" v="2608" actId="1036"/>
+          <ac:chgData name="Fatima Pillosu" userId="a6295d4dc9e22643" providerId="LiveId" clId="{0478CFAF-F744-4001-ABF3-5E8A4958592B}" dt="2025-07-05T17:32:07.102" v="2909" actId="1036"/>
           <ac:cxnSpMkLst>
             <pc:docMk/>
             <pc:sldMk cId="2370713982" sldId="258"/>
-            <ac:cxnSpMk id="408" creationId="{16B06205-7085-528A-105F-F605E5D44E11}"/>
+            <ac:cxnSpMk id="425" creationId="{C7C3581F-BB46-6BFD-88EC-1685548CDC83}"/>
+          </ac:cxnSpMkLst>
+        </pc:cxnChg>
+        <pc:cxnChg chg="add mod">
+          <ac:chgData name="Fatima Pillosu" userId="a6295d4dc9e22643" providerId="LiveId" clId="{0478CFAF-F744-4001-ABF3-5E8A4958592B}" dt="2025-07-05T17:32:07.102" v="2909" actId="1036"/>
+          <ac:cxnSpMkLst>
+            <pc:docMk/>
+            <pc:sldMk cId="2370713982" sldId="258"/>
+            <ac:cxnSpMk id="433" creationId="{346B4E64-3EEF-D973-3957-F55293E7F745}"/>
+          </ac:cxnSpMkLst>
+        </pc:cxnChg>
+        <pc:cxnChg chg="add mod">
+          <ac:chgData name="Fatima Pillosu" userId="a6295d4dc9e22643" providerId="LiveId" clId="{0478CFAF-F744-4001-ABF3-5E8A4958592B}" dt="2025-07-05T17:32:07.102" v="2909" actId="1036"/>
+          <ac:cxnSpMkLst>
+            <pc:docMk/>
+            <pc:sldMk cId="2370713982" sldId="258"/>
+            <ac:cxnSpMk id="434" creationId="{F820DBFC-D482-D362-AD9A-EB720E92CEF4}"/>
+          </ac:cxnSpMkLst>
+        </pc:cxnChg>
+        <pc:cxnChg chg="add mod">
+          <ac:chgData name="Fatima Pillosu" userId="a6295d4dc9e22643" providerId="LiveId" clId="{0478CFAF-F744-4001-ABF3-5E8A4958592B}" dt="2025-07-05T17:32:07.102" v="2909" actId="1036"/>
+          <ac:cxnSpMkLst>
+            <pc:docMk/>
+            <pc:sldMk cId="2370713982" sldId="258"/>
+            <ac:cxnSpMk id="435" creationId="{8DF50D70-4022-681C-3D6E-62589944E0DE}"/>
+          </ac:cxnSpMkLst>
+        </pc:cxnChg>
+        <pc:cxnChg chg="add mod">
+          <ac:chgData name="Fatima Pillosu" userId="a6295d4dc9e22643" providerId="LiveId" clId="{0478CFAF-F744-4001-ABF3-5E8A4958592B}" dt="2025-07-05T17:32:07.102" v="2909" actId="1036"/>
+          <ac:cxnSpMkLst>
+            <pc:docMk/>
+            <pc:sldMk cId="2370713982" sldId="258"/>
+            <ac:cxnSpMk id="436" creationId="{1838FD34-08CA-AAAA-623C-682B4FB2B83D}"/>
+          </ac:cxnSpMkLst>
+        </pc:cxnChg>
+        <pc:cxnChg chg="add mod">
+          <ac:chgData name="Fatima Pillosu" userId="a6295d4dc9e22643" providerId="LiveId" clId="{0478CFAF-F744-4001-ABF3-5E8A4958592B}" dt="2025-07-05T17:32:07.102" v="2909" actId="1036"/>
+          <ac:cxnSpMkLst>
+            <pc:docMk/>
+            <pc:sldMk cId="2370713982" sldId="258"/>
+            <ac:cxnSpMk id="437" creationId="{16B06205-7085-528A-105F-F605E5D44E11}"/>
           </ac:cxnSpMkLst>
         </pc:cxnChg>
       </pc:sldChg>
@@ -9662,8 +11118,8 @@
         </p:nvSpPr>
         <p:spPr>
           <a:xfrm>
-            <a:off x="310515" y="1157697"/>
-            <a:ext cx="3519170" cy="2462765"/>
+            <a:off x="310515" y="1060529"/>
+            <a:ext cx="3519170" cy="2256061"/>
           </a:xfrm>
         </p:spPr>
         <p:txBody>
@@ -9694,8 +11150,8 @@
         </p:nvSpPr>
         <p:spPr>
           <a:xfrm>
-            <a:off x="517525" y="3715435"/>
-            <a:ext cx="3105150" cy="1707888"/>
+            <a:off x="517525" y="3403592"/>
+            <a:ext cx="3105150" cy="1564542"/>
           </a:xfrm>
         </p:spPr>
         <p:txBody>
@@ -9815,7 +11271,7 @@
     </p:spTree>
     <p:extLst>
       <p:ext uri="{BB962C8B-B14F-4D97-AF65-F5344CB8AC3E}">
-        <p14:creationId xmlns:p14="http://schemas.microsoft.com/office/powerpoint/2010/main" val="4274378304"/>
+        <p14:creationId xmlns:p14="http://schemas.microsoft.com/office/powerpoint/2010/main" val="3021007488"/>
       </p:ext>
     </p:extLst>
   </p:cSld>
@@ -9985,7 +11441,7 @@
     </p:spTree>
     <p:extLst>
       <p:ext uri="{BB962C8B-B14F-4D97-AF65-F5344CB8AC3E}">
-        <p14:creationId xmlns:p14="http://schemas.microsoft.com/office/powerpoint/2010/main" val="4026866859"/>
+        <p14:creationId xmlns:p14="http://schemas.microsoft.com/office/powerpoint/2010/main" val="1182851395"/>
       </p:ext>
     </p:extLst>
   </p:cSld>
@@ -10024,8 +11480,8 @@
         </p:nvSpPr>
         <p:spPr>
           <a:xfrm>
-            <a:off x="2962831" y="376620"/>
-            <a:ext cx="892731" cy="5994803"/>
+            <a:off x="2962831" y="345009"/>
+            <a:ext cx="892731" cy="5491649"/>
           </a:xfrm>
         </p:spPr>
         <p:txBody>
@@ -10052,8 +11508,8 @@
         </p:nvSpPr>
         <p:spPr>
           <a:xfrm>
-            <a:off x="284639" y="376620"/>
-            <a:ext cx="2626439" cy="5994803"/>
+            <a:off x="284639" y="345009"/>
+            <a:ext cx="2626439" cy="5491649"/>
           </a:xfrm>
         </p:spPr>
         <p:txBody>
@@ -10165,7 +11621,7 @@
     </p:spTree>
     <p:extLst>
       <p:ext uri="{BB962C8B-B14F-4D97-AF65-F5344CB8AC3E}">
-        <p14:creationId xmlns:p14="http://schemas.microsoft.com/office/powerpoint/2010/main" val="2217184676"/>
+        <p14:creationId xmlns:p14="http://schemas.microsoft.com/office/powerpoint/2010/main" val="800982695"/>
       </p:ext>
     </p:extLst>
   </p:cSld>
@@ -10335,7 +11791,7 @@
     </p:spTree>
     <p:extLst>
       <p:ext uri="{BB962C8B-B14F-4D97-AF65-F5344CB8AC3E}">
-        <p14:creationId xmlns:p14="http://schemas.microsoft.com/office/powerpoint/2010/main" val="813223132"/>
+        <p14:creationId xmlns:p14="http://schemas.microsoft.com/office/powerpoint/2010/main" val="4208266042"/>
       </p:ext>
     </p:extLst>
   </p:cSld>
@@ -10374,8 +11830,8 @@
         </p:nvSpPr>
         <p:spPr>
           <a:xfrm>
-            <a:off x="282482" y="1763565"/>
-            <a:ext cx="3570923" cy="2942545"/>
+            <a:off x="282482" y="1615546"/>
+            <a:ext cx="3570923" cy="2695572"/>
           </a:xfrm>
         </p:spPr>
         <p:txBody>
@@ -10406,8 +11862,8 @@
         </p:nvSpPr>
         <p:spPr>
           <a:xfrm>
-            <a:off x="282482" y="4733948"/>
-            <a:ext cx="3570923" cy="1547415"/>
+            <a:off x="282482" y="4336619"/>
+            <a:ext cx="3570923" cy="1417538"/>
           </a:xfrm>
         </p:spPr>
         <p:txBody>
@@ -10581,7 +12037,7 @@
     </p:spTree>
     <p:extLst>
       <p:ext uri="{BB962C8B-B14F-4D97-AF65-F5344CB8AC3E}">
-        <p14:creationId xmlns:p14="http://schemas.microsoft.com/office/powerpoint/2010/main" val="3690236990"/>
+        <p14:creationId xmlns:p14="http://schemas.microsoft.com/office/powerpoint/2010/main" val="1673863519"/>
       </p:ext>
     </p:extLst>
   </p:cSld>
@@ -10643,8 +12099,8 @@
         </p:nvSpPr>
         <p:spPr>
           <a:xfrm>
-            <a:off x="284639" y="1883098"/>
-            <a:ext cx="1759585" cy="4488325"/>
+            <a:off x="284639" y="1725046"/>
+            <a:ext cx="1759585" cy="4111612"/>
           </a:xfrm>
         </p:spPr>
         <p:txBody>
@@ -10700,8 +12156,8 @@
         </p:nvSpPr>
         <p:spPr>
           <a:xfrm>
-            <a:off x="2095976" y="1883098"/>
-            <a:ext cx="1759585" cy="4488325"/>
+            <a:off x="2095976" y="1725046"/>
+            <a:ext cx="1759585" cy="4111612"/>
           </a:xfrm>
         </p:spPr>
         <p:txBody>
@@ -10813,7 +12269,7 @@
     </p:spTree>
     <p:extLst>
       <p:ext uri="{BB962C8B-B14F-4D97-AF65-F5344CB8AC3E}">
-        <p14:creationId xmlns:p14="http://schemas.microsoft.com/office/powerpoint/2010/main" val="2284491772"/>
+        <p14:creationId xmlns:p14="http://schemas.microsoft.com/office/powerpoint/2010/main" val="381723357"/>
       </p:ext>
     </p:extLst>
   </p:cSld>
@@ -10852,8 +12308,8 @@
         </p:nvSpPr>
         <p:spPr>
           <a:xfrm>
-            <a:off x="285178" y="376621"/>
-            <a:ext cx="3570923" cy="1367294"/>
+            <a:off x="285178" y="345011"/>
+            <a:ext cx="3570923" cy="1252534"/>
           </a:xfrm>
         </p:spPr>
         <p:txBody>
@@ -10880,8 +12336,8 @@
         </p:nvSpPr>
         <p:spPr>
           <a:xfrm>
-            <a:off x="285179" y="1734088"/>
-            <a:ext cx="1751498" cy="849850"/>
+            <a:off x="285179" y="1588543"/>
+            <a:ext cx="1751498" cy="778521"/>
           </a:xfrm>
         </p:spPr>
         <p:txBody>
@@ -10945,8 +12401,8 @@
         </p:nvSpPr>
         <p:spPr>
           <a:xfrm>
-            <a:off x="285179" y="2583939"/>
-            <a:ext cx="1751498" cy="3800584"/>
+            <a:off x="285179" y="2367064"/>
+            <a:ext cx="1751498" cy="3481594"/>
           </a:xfrm>
         </p:spPr>
         <p:txBody>
@@ -11002,8 +12458,8 @@
         </p:nvSpPr>
         <p:spPr>
           <a:xfrm>
-            <a:off x="2095977" y="1734088"/>
-            <a:ext cx="1760124" cy="849850"/>
+            <a:off x="2095977" y="1588543"/>
+            <a:ext cx="1760124" cy="778521"/>
           </a:xfrm>
         </p:spPr>
         <p:txBody>
@@ -11067,8 +12523,8 @@
         </p:nvSpPr>
         <p:spPr>
           <a:xfrm>
-            <a:off x="2095977" y="2583939"/>
-            <a:ext cx="1760124" cy="3800584"/>
+            <a:off x="2095977" y="2367064"/>
+            <a:ext cx="1760124" cy="3481594"/>
           </a:xfrm>
         </p:spPr>
         <p:txBody>
@@ -11180,7 +12636,7 @@
     </p:spTree>
     <p:extLst>
       <p:ext uri="{BB962C8B-B14F-4D97-AF65-F5344CB8AC3E}">
-        <p14:creationId xmlns:p14="http://schemas.microsoft.com/office/powerpoint/2010/main" val="1266245513"/>
+        <p14:creationId xmlns:p14="http://schemas.microsoft.com/office/powerpoint/2010/main" val="1430748303"/>
       </p:ext>
     </p:extLst>
   </p:cSld>
@@ -11298,7 +12754,7 @@
     </p:spTree>
     <p:extLst>
       <p:ext uri="{BB962C8B-B14F-4D97-AF65-F5344CB8AC3E}">
-        <p14:creationId xmlns:p14="http://schemas.microsoft.com/office/powerpoint/2010/main" val="1175873221"/>
+        <p14:creationId xmlns:p14="http://schemas.microsoft.com/office/powerpoint/2010/main" val="2891547395"/>
       </p:ext>
     </p:extLst>
   </p:cSld>
@@ -11393,7 +12849,7 @@
     </p:spTree>
     <p:extLst>
       <p:ext uri="{BB962C8B-B14F-4D97-AF65-F5344CB8AC3E}">
-        <p14:creationId xmlns:p14="http://schemas.microsoft.com/office/powerpoint/2010/main" val="2834463349"/>
+        <p14:creationId xmlns:p14="http://schemas.microsoft.com/office/powerpoint/2010/main" val="1206424216"/>
       </p:ext>
     </p:extLst>
   </p:cSld>
@@ -11432,8 +12888,8 @@
         </p:nvSpPr>
         <p:spPr>
           <a:xfrm>
-            <a:off x="285178" y="471593"/>
-            <a:ext cx="1335322" cy="1650577"/>
+            <a:off x="285178" y="432012"/>
+            <a:ext cx="1335322" cy="1512041"/>
           </a:xfrm>
         </p:spPr>
         <p:txBody>
@@ -11464,8 +12920,8 @@
         </p:nvSpPr>
         <p:spPr>
           <a:xfrm>
-            <a:off x="1760124" y="1018512"/>
-            <a:ext cx="2095976" cy="5027054"/>
+            <a:off x="1760124" y="933027"/>
+            <a:ext cx="2095976" cy="4605124"/>
           </a:xfrm>
         </p:spPr>
         <p:txBody>
@@ -11549,8 +13005,8 @@
         </p:nvSpPr>
         <p:spPr>
           <a:xfrm>
-            <a:off x="285178" y="2122170"/>
-            <a:ext cx="1335322" cy="3931582"/>
+            <a:off x="285178" y="1944052"/>
+            <a:ext cx="1335322" cy="3601598"/>
           </a:xfrm>
         </p:spPr>
         <p:txBody>
@@ -11670,7 +13126,7 @@
     </p:spTree>
     <p:extLst>
       <p:ext uri="{BB962C8B-B14F-4D97-AF65-F5344CB8AC3E}">
-        <p14:creationId xmlns:p14="http://schemas.microsoft.com/office/powerpoint/2010/main" val="2472019006"/>
+        <p14:creationId xmlns:p14="http://schemas.microsoft.com/office/powerpoint/2010/main" val="3690160164"/>
       </p:ext>
     </p:extLst>
   </p:cSld>
@@ -11709,8 +13165,8 @@
         </p:nvSpPr>
         <p:spPr>
           <a:xfrm>
-            <a:off x="285178" y="471593"/>
-            <a:ext cx="1335322" cy="1650577"/>
+            <a:off x="285178" y="432012"/>
+            <a:ext cx="1335322" cy="1512041"/>
           </a:xfrm>
         </p:spPr>
         <p:txBody>
@@ -11741,8 +13197,8 @@
         </p:nvSpPr>
         <p:spPr>
           <a:xfrm>
-            <a:off x="1760124" y="1018512"/>
-            <a:ext cx="2095976" cy="5027054"/>
+            <a:off x="1760124" y="933027"/>
+            <a:ext cx="2095976" cy="4605124"/>
           </a:xfrm>
         </p:spPr>
         <p:txBody>
@@ -11806,8 +13262,8 @@
         </p:nvSpPr>
         <p:spPr>
           <a:xfrm>
-            <a:off x="285178" y="2122170"/>
-            <a:ext cx="1335322" cy="3931582"/>
+            <a:off x="285178" y="1944052"/>
+            <a:ext cx="1335322" cy="3601598"/>
           </a:xfrm>
         </p:spPr>
         <p:txBody>
@@ -11927,7 +13383,7 @@
     </p:spTree>
     <p:extLst>
       <p:ext uri="{BB962C8B-B14F-4D97-AF65-F5344CB8AC3E}">
-        <p14:creationId xmlns:p14="http://schemas.microsoft.com/office/powerpoint/2010/main" val="2930249768"/>
+        <p14:creationId xmlns:p14="http://schemas.microsoft.com/office/powerpoint/2010/main" val="609244000"/>
       </p:ext>
     </p:extLst>
   </p:cSld>
@@ -11971,8 +13427,8 @@
         </p:nvSpPr>
         <p:spPr>
           <a:xfrm>
-            <a:off x="284639" y="376621"/>
-            <a:ext cx="3570923" cy="1367294"/>
+            <a:off x="284639" y="345011"/>
+            <a:ext cx="3570923" cy="1252534"/>
           </a:xfrm>
           <a:prstGeom prst="rect">
             <a:avLst/>
@@ -12004,8 +13460,8 @@
         </p:nvSpPr>
         <p:spPr>
           <a:xfrm>
-            <a:off x="284639" y="1883098"/>
-            <a:ext cx="3570923" cy="4488325"/>
+            <a:off x="284639" y="1725046"/>
+            <a:ext cx="3570923" cy="4111612"/>
           </a:xfrm>
           <a:prstGeom prst="rect">
             <a:avLst/>
@@ -12066,8 +13522,8 @@
         </p:nvSpPr>
         <p:spPr>
           <a:xfrm>
-            <a:off x="284639" y="6556459"/>
-            <a:ext cx="931545" cy="376620"/>
+            <a:off x="284639" y="6006164"/>
+            <a:ext cx="931545" cy="345009"/>
           </a:xfrm>
           <a:prstGeom prst="rect">
             <a:avLst/>
@@ -12107,8 +13563,8 @@
         </p:nvSpPr>
         <p:spPr>
           <a:xfrm>
-            <a:off x="1371441" y="6556459"/>
-            <a:ext cx="1397318" cy="376620"/>
+            <a:off x="1371441" y="6006164"/>
+            <a:ext cx="1397318" cy="345009"/>
           </a:xfrm>
           <a:prstGeom prst="rect">
             <a:avLst/>
@@ -12144,8 +13600,8 @@
         </p:nvSpPr>
         <p:spPr>
           <a:xfrm>
-            <a:off x="2924016" y="6556459"/>
-            <a:ext cx="931545" cy="376620"/>
+            <a:off x="2924016" y="6006164"/>
+            <a:ext cx="931545" cy="345009"/>
           </a:xfrm>
           <a:prstGeom prst="rect">
             <a:avLst/>
@@ -12176,23 +13632,23 @@
     </p:spTree>
     <p:extLst>
       <p:ext uri="{BB962C8B-B14F-4D97-AF65-F5344CB8AC3E}">
-        <p14:creationId xmlns:p14="http://schemas.microsoft.com/office/powerpoint/2010/main" val="3354170364"/>
+        <p14:creationId xmlns:p14="http://schemas.microsoft.com/office/powerpoint/2010/main" val="628611097"/>
       </p:ext>
     </p:extLst>
   </p:cSld>
   <p:clrMap bg1="lt1" tx1="dk1" bg2="lt2" tx2="dk2" accent1="accent1" accent2="accent2" accent3="accent3" accent4="accent4" accent5="accent5" accent6="accent6" hlink="hlink" folHlink="folHlink"/>
   <p:sldLayoutIdLst>
-    <p:sldLayoutId id="2147483721" r:id="rId1"/>
-    <p:sldLayoutId id="2147483722" r:id="rId2"/>
-    <p:sldLayoutId id="2147483723" r:id="rId3"/>
-    <p:sldLayoutId id="2147483724" r:id="rId4"/>
-    <p:sldLayoutId id="2147483725" r:id="rId5"/>
-    <p:sldLayoutId id="2147483726" r:id="rId6"/>
-    <p:sldLayoutId id="2147483727" r:id="rId7"/>
-    <p:sldLayoutId id="2147483728" r:id="rId8"/>
-    <p:sldLayoutId id="2147483729" r:id="rId9"/>
-    <p:sldLayoutId id="2147483730" r:id="rId10"/>
-    <p:sldLayoutId id="2147483731" r:id="rId11"/>
+    <p:sldLayoutId id="2147483733" r:id="rId1"/>
+    <p:sldLayoutId id="2147483734" r:id="rId2"/>
+    <p:sldLayoutId id="2147483735" r:id="rId3"/>
+    <p:sldLayoutId id="2147483736" r:id="rId4"/>
+    <p:sldLayoutId id="2147483737" r:id="rId5"/>
+    <p:sldLayoutId id="2147483738" r:id="rId6"/>
+    <p:sldLayoutId id="2147483739" r:id="rId7"/>
+    <p:sldLayoutId id="2147483740" r:id="rId8"/>
+    <p:sldLayoutId id="2147483741" r:id="rId9"/>
+    <p:sldLayoutId id="2147483742" r:id="rId10"/>
+    <p:sldLayoutId id="2147483743" r:id="rId11"/>
   </p:sldLayoutIdLst>
   <p:txStyles>
     <p:titleStyle>
@@ -12502,7 +13958,7 @@
       </p:grpSpPr>
       <p:cxnSp>
         <p:nvCxnSpPr>
-          <p:cNvPr id="365" name="Straight Arrow Connector 364">
+          <p:cNvPr id="352" name="Straight Arrow Connector 351">
             <a:extLst>
               <a:ext uri="{FF2B5EF4-FFF2-40B4-BE49-F238E27FC236}">
                 <a16:creationId xmlns:a16="http://schemas.microsoft.com/office/drawing/2014/main" id="{6B2B5BF2-676C-E1AE-BA62-2F7C9F6C9C70}"/>
@@ -12516,8 +13972,8 @@
         </p:nvCxnSpPr>
         <p:spPr>
           <a:xfrm>
-            <a:off x="1836420" y="4900935"/>
-            <a:ext cx="0" cy="184430"/>
+            <a:off x="1664406" y="4535767"/>
+            <a:ext cx="0" cy="90000"/>
           </a:xfrm>
           <a:prstGeom prst="straightConnector1">
             <a:avLst/>
@@ -12549,7 +14005,7 @@
       </p:cxnSp>
       <p:cxnSp>
         <p:nvCxnSpPr>
-          <p:cNvPr id="366" name="Straight Arrow Connector 365">
+          <p:cNvPr id="353" name="Straight Arrow Connector 352">
             <a:extLst>
               <a:ext uri="{FF2B5EF4-FFF2-40B4-BE49-F238E27FC236}">
                 <a16:creationId xmlns:a16="http://schemas.microsoft.com/office/drawing/2014/main" id="{C03C5827-406F-B7CA-16D5-2D1C3286C854}"/>
@@ -12558,15 +14014,15 @@
           </p:cNvPr>
           <p:cNvCxnSpPr>
             <a:cxnSpLocks/>
-            <a:stCxn id="371" idx="2"/>
-            <a:endCxn id="367" idx="0"/>
+            <a:stCxn id="358" idx="2"/>
+            <a:endCxn id="354" idx="0"/>
           </p:cNvCxnSpPr>
           <p:nvPr/>
         </p:nvCxnSpPr>
         <p:spPr>
           <a:xfrm>
-            <a:off x="3663888" y="3236060"/>
-            <a:ext cx="3103" cy="1717493"/>
+            <a:off x="3663888" y="2986513"/>
+            <a:ext cx="3103" cy="1500211"/>
           </a:xfrm>
           <a:prstGeom prst="straightConnector1">
             <a:avLst/>
@@ -12598,7 +14054,7 @@
       </p:cxnSp>
       <p:sp>
         <p:nvSpPr>
-          <p:cNvPr id="367" name="Rectangle 366">
+          <p:cNvPr id="354" name="Rectangle 353">
             <a:extLst>
               <a:ext uri="{FF2B5EF4-FFF2-40B4-BE49-F238E27FC236}">
                 <a16:creationId xmlns:a16="http://schemas.microsoft.com/office/drawing/2014/main" id="{37757665-AC28-C2D7-9288-A4F262BEDCA5}"/>
@@ -12610,7 +14066,7 @@
         </p:nvSpPr>
         <p:spPr>
           <a:xfrm>
-            <a:off x="3158824" y="4953553"/>
+            <a:off x="3158824" y="4486724"/>
             <a:ext cx="1016334" cy="678851"/>
           </a:xfrm>
           <a:prstGeom prst="rect">
@@ -12697,7 +14153,7 @@
       </p:sp>
       <p:sp>
         <p:nvSpPr>
-          <p:cNvPr id="368" name="Rectangle 367">
+          <p:cNvPr id="355" name="Rectangle 354">
             <a:extLst>
               <a:ext uri="{FF2B5EF4-FFF2-40B4-BE49-F238E27FC236}">
                 <a16:creationId xmlns:a16="http://schemas.microsoft.com/office/drawing/2014/main" id="{6E3975A0-04BD-A32C-5C8E-87D363BCBF43}"/>
@@ -12709,7 +14165,7 @@
         </p:nvSpPr>
         <p:spPr>
           <a:xfrm>
-            <a:off x="-78147" y="-39345"/>
+            <a:off x="-78147" y="-21239"/>
             <a:ext cx="4335187" cy="348703"/>
           </a:xfrm>
           <a:prstGeom prst="rect">
@@ -12773,7 +14229,7 @@
       </p:sp>
       <p:sp>
         <p:nvSpPr>
-          <p:cNvPr id="369" name="Rectangle 368">
+          <p:cNvPr id="356" name="Rectangle 355">
             <a:extLst>
               <a:ext uri="{FF2B5EF4-FFF2-40B4-BE49-F238E27FC236}">
                 <a16:creationId xmlns:a16="http://schemas.microsoft.com/office/drawing/2014/main" id="{EC3C4672-BBD3-831C-7CA8-0C6A492C9F9C}"/>
@@ -12785,7 +14241,7 @@
         </p:nvSpPr>
         <p:spPr>
           <a:xfrm>
-            <a:off x="490149" y="372108"/>
+            <a:off x="490149" y="390214"/>
             <a:ext cx="3159903" cy="264384"/>
           </a:xfrm>
           <a:prstGeom prst="rect">
@@ -12862,7 +14318,7 @@
       </p:sp>
       <p:cxnSp>
         <p:nvCxnSpPr>
-          <p:cNvPr id="370" name="Straight Arrow Connector 369">
+          <p:cNvPr id="357" name="Straight Arrow Connector 356">
             <a:extLst>
               <a:ext uri="{FF2B5EF4-FFF2-40B4-BE49-F238E27FC236}">
                 <a16:creationId xmlns:a16="http://schemas.microsoft.com/office/drawing/2014/main" id="{7DC2AC43-F265-6066-8ACE-435A1F981070}"/>
@@ -12876,8 +14332,8 @@
         </p:nvCxnSpPr>
         <p:spPr>
           <a:xfrm>
-            <a:off x="2070101" y="640722"/>
-            <a:ext cx="0" cy="180000"/>
+            <a:off x="2070101" y="658828"/>
+            <a:ext cx="0" cy="90000"/>
           </a:xfrm>
           <a:prstGeom prst="straightConnector1">
             <a:avLst/>
@@ -12909,7 +14365,7 @@
       </p:cxnSp>
       <p:sp>
         <p:nvSpPr>
-          <p:cNvPr id="371" name="Rectangle 370">
+          <p:cNvPr id="358" name="Rectangle 357">
             <a:extLst>
               <a:ext uri="{FF2B5EF4-FFF2-40B4-BE49-F238E27FC236}">
                 <a16:creationId xmlns:a16="http://schemas.microsoft.com/office/drawing/2014/main" id="{66347620-DBE3-A5F5-F8A3-7C2F7C6EBDE6}"/>
@@ -12921,7 +14377,7 @@
         </p:nvSpPr>
         <p:spPr>
           <a:xfrm>
-            <a:off x="3303888" y="3056060"/>
+            <a:off x="3303888" y="2806513"/>
             <a:ext cx="720000" cy="180000"/>
           </a:xfrm>
           <a:prstGeom prst="rect">
@@ -12970,7 +14426,7 @@
       </p:sp>
       <p:sp>
         <p:nvSpPr>
-          <p:cNvPr id="372" name="TextBox 371">
+          <p:cNvPr id="359" name="TextBox 358">
             <a:extLst>
               <a:ext uri="{FF2B5EF4-FFF2-40B4-BE49-F238E27FC236}">
                 <a16:creationId xmlns:a16="http://schemas.microsoft.com/office/drawing/2014/main" id="{4DC959A9-7C89-6A9D-8C2C-4CCD3B47ECC5}"/>
@@ -12982,7 +14438,7 @@
         </p:nvSpPr>
         <p:spPr>
           <a:xfrm>
-            <a:off x="3303887" y="2889230"/>
+            <a:off x="3303887" y="2639683"/>
             <a:ext cx="720000" cy="215442"/>
           </a:xfrm>
           <a:prstGeom prst="rect">
@@ -13012,7 +14468,7 @@
       </p:sp>
       <p:cxnSp>
         <p:nvCxnSpPr>
-          <p:cNvPr id="373" name="Straight Arrow Connector 372">
+          <p:cNvPr id="360" name="Straight Arrow Connector 359">
             <a:extLst>
               <a:ext uri="{FF2B5EF4-FFF2-40B4-BE49-F238E27FC236}">
                 <a16:creationId xmlns:a16="http://schemas.microsoft.com/office/drawing/2014/main" id="{B54C17C6-3C4D-8A4F-59E1-33BB2363B4F2}"/>
@@ -13026,8 +14482,8 @@
         </p:nvCxnSpPr>
         <p:spPr>
           <a:xfrm>
-            <a:off x="1262303" y="2375488"/>
-            <a:ext cx="1957445" cy="317480"/>
+            <a:off x="1268048" y="2374593"/>
+            <a:ext cx="1968793" cy="272657"/>
           </a:xfrm>
           <a:prstGeom prst="straightConnector1">
             <a:avLst/>
@@ -13059,7 +14515,7 @@
       </p:cxnSp>
       <p:cxnSp>
         <p:nvCxnSpPr>
-          <p:cNvPr id="374" name="Straight Arrow Connector 373">
+          <p:cNvPr id="361" name="Straight Arrow Connector 360">
             <a:extLst>
               <a:ext uri="{FF2B5EF4-FFF2-40B4-BE49-F238E27FC236}">
                 <a16:creationId xmlns:a16="http://schemas.microsoft.com/office/drawing/2014/main" id="{256D26E3-8C15-B026-B526-6022B54CCA43}"/>
@@ -13073,8 +14529,8 @@
         </p:nvCxnSpPr>
         <p:spPr>
           <a:xfrm>
-            <a:off x="95442" y="2365460"/>
-            <a:ext cx="170165" cy="317480"/>
+            <a:off x="89284" y="2372138"/>
+            <a:ext cx="27027" cy="275112"/>
           </a:xfrm>
           <a:prstGeom prst="straightConnector1">
             <a:avLst/>
@@ -13106,7 +14562,7 @@
       </p:cxnSp>
       <p:cxnSp>
         <p:nvCxnSpPr>
-          <p:cNvPr id="375" name="Straight Arrow Connector 374">
+          <p:cNvPr id="362" name="Straight Arrow Connector 361">
             <a:extLst>
               <a:ext uri="{FF2B5EF4-FFF2-40B4-BE49-F238E27FC236}">
                 <a16:creationId xmlns:a16="http://schemas.microsoft.com/office/drawing/2014/main" id="{8B8A5069-7969-C164-8418-15F4BE24B20F}"/>
@@ -13120,8 +14576,8 @@
         </p:nvCxnSpPr>
         <p:spPr>
           <a:xfrm>
-            <a:off x="2070100" y="5676576"/>
-            <a:ext cx="0" cy="184430"/>
+            <a:off x="2070100" y="5209747"/>
+            <a:ext cx="0" cy="90000"/>
           </a:xfrm>
           <a:prstGeom prst="straightConnector1">
             <a:avLst/>
@@ -13153,7 +14609,7 @@
       </p:cxnSp>
       <p:sp>
         <p:nvSpPr>
-          <p:cNvPr id="376" name="Parallelogram 375">
+          <p:cNvPr id="363" name="Parallelogram 362">
             <a:extLst>
               <a:ext uri="{FF2B5EF4-FFF2-40B4-BE49-F238E27FC236}">
                 <a16:creationId xmlns:a16="http://schemas.microsoft.com/office/drawing/2014/main" id="{1A0731B8-37BC-29FF-5EFB-3505DFCBB060}"/>
@@ -13165,7 +14621,7 @@
         </p:nvSpPr>
         <p:spPr>
           <a:xfrm>
-            <a:off x="581957" y="5866875"/>
+            <a:off x="591010" y="5318569"/>
             <a:ext cx="2976579" cy="444575"/>
           </a:xfrm>
           <a:prstGeom prst="parallelogram">
@@ -13264,7 +14720,7 @@
       </p:sp>
       <p:sp>
         <p:nvSpPr>
-          <p:cNvPr id="377" name="Rectangle 376">
+          <p:cNvPr id="364" name="Rectangle 363">
             <a:extLst>
               <a:ext uri="{FF2B5EF4-FFF2-40B4-BE49-F238E27FC236}">
                 <a16:creationId xmlns:a16="http://schemas.microsoft.com/office/drawing/2014/main" id="{5382C8C2-6F3C-50EB-0A51-B5F6DC1665D1}"/>
@@ -13276,7 +14732,7 @@
         </p:nvSpPr>
         <p:spPr>
           <a:xfrm>
-            <a:off x="581957" y="3418429"/>
+            <a:off x="581957" y="3168882"/>
             <a:ext cx="846000" cy="180000"/>
           </a:xfrm>
           <a:prstGeom prst="rect">
@@ -13327,7 +14783,7 @@
       </p:sp>
       <p:sp>
         <p:nvSpPr>
-          <p:cNvPr id="378" name="Rectangle 377">
+          <p:cNvPr id="409" name="Rectangle 408">
             <a:extLst>
               <a:ext uri="{FF2B5EF4-FFF2-40B4-BE49-F238E27FC236}">
                 <a16:creationId xmlns:a16="http://schemas.microsoft.com/office/drawing/2014/main" id="{AFE3A951-104C-CEDE-A21D-544D4B214711}"/>
@@ -13339,7 +14795,7 @@
         </p:nvSpPr>
         <p:spPr>
           <a:xfrm>
-            <a:off x="1454957" y="3418429"/>
+            <a:off x="1454957" y="3168882"/>
             <a:ext cx="846000" cy="180000"/>
           </a:xfrm>
           <a:prstGeom prst="rect">
@@ -13390,7 +14846,7 @@
       </p:sp>
       <p:sp>
         <p:nvSpPr>
-          <p:cNvPr id="379" name="Rectangle 378">
+          <p:cNvPr id="410" name="Rectangle 409">
             <a:extLst>
               <a:ext uri="{FF2B5EF4-FFF2-40B4-BE49-F238E27FC236}">
                 <a16:creationId xmlns:a16="http://schemas.microsoft.com/office/drawing/2014/main" id="{F81123FD-1880-7B13-64BB-A61B32D6C3FC}"/>
@@ -13402,7 +14858,7 @@
         </p:nvSpPr>
         <p:spPr>
           <a:xfrm>
-            <a:off x="2327957" y="3418429"/>
+            <a:off x="2327957" y="3168882"/>
             <a:ext cx="846000" cy="180000"/>
           </a:xfrm>
           <a:prstGeom prst="rect">
@@ -13453,7 +14909,7 @@
       </p:sp>
       <p:sp>
         <p:nvSpPr>
-          <p:cNvPr id="380" name="Rectangle 379">
+          <p:cNvPr id="411" name="Rectangle 410">
             <a:extLst>
               <a:ext uri="{FF2B5EF4-FFF2-40B4-BE49-F238E27FC236}">
                 <a16:creationId xmlns:a16="http://schemas.microsoft.com/office/drawing/2014/main" id="{68F25C0E-89BD-9175-A93B-76E013FBF0DD}"/>
@@ -13465,7 +14921,7 @@
         </p:nvSpPr>
         <p:spPr>
           <a:xfrm>
-            <a:off x="581957" y="3629695"/>
+            <a:off x="581957" y="3380148"/>
             <a:ext cx="846000" cy="180000"/>
           </a:xfrm>
           <a:prstGeom prst="rect">
@@ -13516,7 +14972,7 @@
       </p:sp>
       <p:sp>
         <p:nvSpPr>
-          <p:cNvPr id="381" name="Rectangle 380">
+          <p:cNvPr id="412" name="Rectangle 411">
             <a:extLst>
               <a:ext uri="{FF2B5EF4-FFF2-40B4-BE49-F238E27FC236}">
                 <a16:creationId xmlns:a16="http://schemas.microsoft.com/office/drawing/2014/main" id="{96248778-630E-7601-4FAE-FF9CFCDF1B42}"/>
@@ -13528,7 +14984,7 @@
         </p:nvSpPr>
         <p:spPr>
           <a:xfrm>
-            <a:off x="1454957" y="3629695"/>
+            <a:off x="1454957" y="3380148"/>
             <a:ext cx="846000" cy="180000"/>
           </a:xfrm>
           <a:prstGeom prst="rect">
@@ -13579,7 +15035,7 @@
       </p:sp>
       <p:sp>
         <p:nvSpPr>
-          <p:cNvPr id="382" name="Rectangle 381">
+          <p:cNvPr id="413" name="Rectangle 412">
             <a:extLst>
               <a:ext uri="{FF2B5EF4-FFF2-40B4-BE49-F238E27FC236}">
                 <a16:creationId xmlns:a16="http://schemas.microsoft.com/office/drawing/2014/main" id="{9CADC630-E44A-1A89-9FDE-8EDA7123B19C}"/>
@@ -13591,7 +15047,7 @@
         </p:nvSpPr>
         <p:spPr>
           <a:xfrm>
-            <a:off x="2327957" y="3629695"/>
+            <a:off x="2327957" y="3380148"/>
             <a:ext cx="846000" cy="180000"/>
           </a:xfrm>
           <a:prstGeom prst="rect">
@@ -13642,7 +15098,7 @@
       </p:sp>
       <p:sp>
         <p:nvSpPr>
-          <p:cNvPr id="383" name="Rectangle 382">
+          <p:cNvPr id="414" name="Rectangle 413">
             <a:extLst>
               <a:ext uri="{FF2B5EF4-FFF2-40B4-BE49-F238E27FC236}">
                 <a16:creationId xmlns:a16="http://schemas.microsoft.com/office/drawing/2014/main" id="{EAF3C8BC-9003-987C-E4A9-44A032A5528E}"/>
@@ -13654,7 +15110,7 @@
         </p:nvSpPr>
         <p:spPr>
           <a:xfrm>
-            <a:off x="581957" y="3832994"/>
+            <a:off x="581957" y="3583447"/>
             <a:ext cx="846000" cy="180000"/>
           </a:xfrm>
           <a:prstGeom prst="rect">
@@ -13705,7 +15161,7 @@
       </p:sp>
       <p:sp>
         <p:nvSpPr>
-          <p:cNvPr id="384" name="Rectangle 383">
+          <p:cNvPr id="415" name="Rectangle 414">
             <a:extLst>
               <a:ext uri="{FF2B5EF4-FFF2-40B4-BE49-F238E27FC236}">
                 <a16:creationId xmlns:a16="http://schemas.microsoft.com/office/drawing/2014/main" id="{28B436EB-88AE-9EF3-EB76-64B6D1FB6EEB}"/>
@@ -13717,7 +15173,7 @@
         </p:nvSpPr>
         <p:spPr>
           <a:xfrm>
-            <a:off x="1454957" y="3832994"/>
+            <a:off x="1454957" y="3583447"/>
             <a:ext cx="846000" cy="180000"/>
           </a:xfrm>
           <a:prstGeom prst="rect">
@@ -13768,7 +15224,7 @@
       </p:sp>
       <p:sp>
         <p:nvSpPr>
-          <p:cNvPr id="385" name="Rectangle 384">
+          <p:cNvPr id="416" name="Rectangle 415">
             <a:extLst>
               <a:ext uri="{FF2B5EF4-FFF2-40B4-BE49-F238E27FC236}">
                 <a16:creationId xmlns:a16="http://schemas.microsoft.com/office/drawing/2014/main" id="{F27C24D0-AB2A-41DB-6171-C0B6ED9E9A68}"/>
@@ -13780,7 +15236,7 @@
         </p:nvSpPr>
         <p:spPr>
           <a:xfrm>
-            <a:off x="2327957" y="3832994"/>
+            <a:off x="2327957" y="3583447"/>
             <a:ext cx="846000" cy="180000"/>
           </a:xfrm>
           <a:prstGeom prst="rect">
@@ -13831,7 +15287,7 @@
       </p:sp>
       <p:sp>
         <p:nvSpPr>
-          <p:cNvPr id="386" name="Rectangle 385">
+          <p:cNvPr id="417" name="Rectangle 416">
             <a:extLst>
               <a:ext uri="{FF2B5EF4-FFF2-40B4-BE49-F238E27FC236}">
                 <a16:creationId xmlns:a16="http://schemas.microsoft.com/office/drawing/2014/main" id="{41C377DF-3C36-42E1-684D-12BC83DB59C3}"/>
@@ -13843,7 +15299,7 @@
         </p:nvSpPr>
         <p:spPr>
           <a:xfrm>
-            <a:off x="410199" y="4008640"/>
+            <a:off x="410199" y="3759093"/>
             <a:ext cx="2888472" cy="413416"/>
           </a:xfrm>
           <a:prstGeom prst="rect">
@@ -13959,117 +15415,7 @@
       </p:sp>
       <p:sp>
         <p:nvSpPr>
-          <p:cNvPr id="387" name="Rectangle 386">
-            <a:extLst>
-              <a:ext uri="{FF2B5EF4-FFF2-40B4-BE49-F238E27FC236}">
-                <a16:creationId xmlns:a16="http://schemas.microsoft.com/office/drawing/2014/main" id="{2CFA74E3-D91E-2C27-4A99-D3D1A111919C}"/>
-              </a:ext>
-            </a:extLst>
-          </p:cNvPr>
-          <p:cNvSpPr/>
-          <p:nvPr/>
-        </p:nvSpPr>
-        <p:spPr>
-          <a:xfrm>
-            <a:off x="265607" y="2692968"/>
-            <a:ext cx="2971234" cy="203321"/>
-          </a:xfrm>
-          <a:prstGeom prst="rect">
-            <a:avLst/>
-          </a:prstGeom>
-          <a:solidFill>
-            <a:schemeClr val="bg1">
-              <a:lumMod val="95000"/>
-            </a:schemeClr>
-          </a:solidFill>
-          <a:ln w="19050">
-            <a:solidFill>
-              <a:schemeClr val="tx1">
-                <a:lumMod val="75000"/>
-                <a:lumOff val="25000"/>
-              </a:schemeClr>
-            </a:solidFill>
-          </a:ln>
-        </p:spPr>
-        <p:style>
-          <a:lnRef idx="2">
-            <a:schemeClr val="accent1">
-              <a:shade val="15000"/>
-            </a:schemeClr>
-          </a:lnRef>
-          <a:fillRef idx="1">
-            <a:schemeClr val="accent1"/>
-          </a:fillRef>
-          <a:effectRef idx="0">
-            <a:schemeClr val="accent1"/>
-          </a:effectRef>
-          <a:fontRef idx="minor">
-            <a:schemeClr val="lt1"/>
-          </a:fontRef>
-        </p:style>
-        <p:txBody>
-          <a:bodyPr rtlCol="0" anchor="ctr"/>
-          <a:lstStyle/>
-          <a:p>
-            <a:pPr algn="ctr"/>
-            <a:r>
-              <a:rPr lang="en-GB" sz="800" dirty="0">
-                <a:solidFill>
-                  <a:schemeClr val="tx1">
-                    <a:lumMod val="75000"/>
-                    <a:lumOff val="25000"/>
-                  </a:schemeClr>
-                </a:solidFill>
-                <a:latin typeface="Calibri Light" panose="020F0302020204030204" pitchFamily="34" charset="0"/>
-                <a:cs typeface="Calibri Light" panose="020F0302020204030204" pitchFamily="34" charset="0"/>
-              </a:rPr>
-              <a:t>Hyperparameter tuning with Optuna (      </a:t>
-            </a:r>
-            <a:r>
-              <a:rPr lang="en-GB" sz="800" b="1" dirty="0">
-                <a:solidFill>
-                  <a:schemeClr val="tx1">
-                    <a:lumMod val="75000"/>
-                    <a:lumOff val="25000"/>
-                  </a:schemeClr>
-                </a:solidFill>
-                <a:latin typeface="Calibri" panose="020F0502020204030204" pitchFamily="34" charset="0"/>
-                <a:cs typeface="Calibri" panose="020F0502020204030204" pitchFamily="34" charset="0"/>
-              </a:rPr>
-              <a:t>n_trials </a:t>
-            </a:r>
-            <a:r>
-              <a:rPr lang="en-GB" sz="800" b="1" dirty="0">
-                <a:solidFill>
-                  <a:schemeClr val="tx1">
-                    <a:lumMod val="75000"/>
-                    <a:lumOff val="25000"/>
-                  </a:schemeClr>
-                </a:solidFill>
-                <a:latin typeface="Calibri Light" panose="020F0302020204030204" pitchFamily="34" charset="0"/>
-                <a:cs typeface="Calibri Light" panose="020F0302020204030204" pitchFamily="34" charset="0"/>
-              </a:rPr>
-              <a:t>= 20 </a:t>
-            </a:r>
-            <a:r>
-              <a:rPr lang="en-GB" sz="800" dirty="0">
-                <a:solidFill>
-                  <a:schemeClr val="tx1">
-                    <a:lumMod val="75000"/>
-                    <a:lumOff val="25000"/>
-                  </a:schemeClr>
-                </a:solidFill>
-                <a:latin typeface="Calibri Light" panose="020F0302020204030204" pitchFamily="34" charset="0"/>
-                <a:cs typeface="Calibri Light" panose="020F0302020204030204" pitchFamily="34" charset="0"/>
-              </a:rPr>
-              <a:t>)</a:t>
-            </a:r>
-          </a:p>
-        </p:txBody>
-      </p:sp>
-      <p:sp>
-        <p:nvSpPr>
-          <p:cNvPr id="388" name="Rectangle 387">
+          <p:cNvPr id="418" name="Rectangle 417">
             <a:extLst>
               <a:ext uri="{FF2B5EF4-FFF2-40B4-BE49-F238E27FC236}">
                 <a16:creationId xmlns:a16="http://schemas.microsoft.com/office/drawing/2014/main" id="{CC497459-D1DC-EE9A-EE1D-815F28D2818C}"/>
@@ -14081,7 +15427,7 @@
         </p:nvSpPr>
         <p:spPr>
           <a:xfrm>
-            <a:off x="574923" y="3256508"/>
+            <a:off x="574923" y="3006961"/>
             <a:ext cx="846000" cy="180000"/>
           </a:xfrm>
           <a:prstGeom prst="rect">
@@ -14144,7 +15490,7 @@
       </p:sp>
       <p:sp>
         <p:nvSpPr>
-          <p:cNvPr id="389" name="Rectangle 388">
+          <p:cNvPr id="419" name="Rectangle 418">
             <a:extLst>
               <a:ext uri="{FF2B5EF4-FFF2-40B4-BE49-F238E27FC236}">
                 <a16:creationId xmlns:a16="http://schemas.microsoft.com/office/drawing/2014/main" id="{8A74094E-C336-74AA-E520-6856C354301A}"/>
@@ -14156,7 +15502,7 @@
         </p:nvSpPr>
         <p:spPr>
           <a:xfrm>
-            <a:off x="1447923" y="3256508"/>
+            <a:off x="1447923" y="3006961"/>
             <a:ext cx="846000" cy="180000"/>
           </a:xfrm>
           <a:prstGeom prst="rect">
@@ -14219,7 +15565,7 @@
       </p:sp>
       <p:sp>
         <p:nvSpPr>
-          <p:cNvPr id="390" name="Rectangle 389">
+          <p:cNvPr id="420" name="Rectangle 419">
             <a:extLst>
               <a:ext uri="{FF2B5EF4-FFF2-40B4-BE49-F238E27FC236}">
                 <a16:creationId xmlns:a16="http://schemas.microsoft.com/office/drawing/2014/main" id="{10B23706-9C8A-69A2-B423-B2EEB1C4D06D}"/>
@@ -14231,7 +15577,7 @@
         </p:nvSpPr>
         <p:spPr>
           <a:xfrm>
-            <a:off x="2320923" y="3256508"/>
+            <a:off x="2320923" y="3006961"/>
             <a:ext cx="846000" cy="180000"/>
           </a:xfrm>
           <a:prstGeom prst="rect">
@@ -14294,7 +15640,7 @@
       </p:sp>
       <p:sp>
         <p:nvSpPr>
-          <p:cNvPr id="391" name="Rectangle 390">
+          <p:cNvPr id="421" name="Rectangle 420">
             <a:extLst>
               <a:ext uri="{FF2B5EF4-FFF2-40B4-BE49-F238E27FC236}">
                 <a16:creationId xmlns:a16="http://schemas.microsoft.com/office/drawing/2014/main" id="{14A7D952-0782-7271-7F2A-BC6BC775B542}"/>
@@ -14306,7 +15652,7 @@
         </p:nvSpPr>
         <p:spPr>
           <a:xfrm>
-            <a:off x="148357" y="3422639"/>
+            <a:off x="148357" y="3173092"/>
             <a:ext cx="497974" cy="180000"/>
           </a:xfrm>
           <a:prstGeom prst="rect">
@@ -14356,7 +15702,7 @@
       </p:sp>
       <p:sp>
         <p:nvSpPr>
-          <p:cNvPr id="392" name="Rectangle 391">
+          <p:cNvPr id="422" name="Rectangle 421">
             <a:extLst>
               <a:ext uri="{FF2B5EF4-FFF2-40B4-BE49-F238E27FC236}">
                 <a16:creationId xmlns:a16="http://schemas.microsoft.com/office/drawing/2014/main" id="{06432789-ABB4-135D-C8F1-01F8D760F247}"/>
@@ -14368,7 +15714,7 @@
         </p:nvSpPr>
         <p:spPr>
           <a:xfrm>
-            <a:off x="148357" y="3635999"/>
+            <a:off x="148357" y="3386452"/>
             <a:ext cx="497974" cy="180000"/>
           </a:xfrm>
           <a:prstGeom prst="rect">
@@ -14418,7 +15764,7 @@
       </p:sp>
       <p:sp>
         <p:nvSpPr>
-          <p:cNvPr id="393" name="Rectangle 392">
+          <p:cNvPr id="423" name="Rectangle 422">
             <a:extLst>
               <a:ext uri="{FF2B5EF4-FFF2-40B4-BE49-F238E27FC236}">
                 <a16:creationId xmlns:a16="http://schemas.microsoft.com/office/drawing/2014/main" id="{C5603496-23AC-2551-E5E0-BDF8C60E9816}"/>
@@ -14430,7 +15776,7 @@
         </p:nvSpPr>
         <p:spPr>
           <a:xfrm>
-            <a:off x="148357" y="3835388"/>
+            <a:off x="148357" y="3585841"/>
             <a:ext cx="497974" cy="180000"/>
           </a:xfrm>
           <a:prstGeom prst="rect">
@@ -14480,7 +15826,7 @@
       </p:sp>
       <p:sp>
         <p:nvSpPr>
-          <p:cNvPr id="394" name="Rectangle 393">
+          <p:cNvPr id="424" name="Rectangle 423">
             <a:extLst>
               <a:ext uri="{FF2B5EF4-FFF2-40B4-BE49-F238E27FC236}">
                 <a16:creationId xmlns:a16="http://schemas.microsoft.com/office/drawing/2014/main" id="{BD4FCEEF-D9EE-3F9D-274E-A275AE7207AC}"/>
@@ -14492,8 +15838,8 @@
         </p:nvSpPr>
         <p:spPr>
           <a:xfrm>
-            <a:off x="265609" y="2896797"/>
-            <a:ext cx="2971232" cy="1994571"/>
+            <a:off x="116312" y="2647250"/>
+            <a:ext cx="3120529" cy="1888517"/>
           </a:xfrm>
           <a:prstGeom prst="rect">
             <a:avLst/>
@@ -14544,7 +15890,7 @@
       </p:sp>
       <p:cxnSp>
         <p:nvCxnSpPr>
-          <p:cNvPr id="395" name="Straight Arrow Connector 394">
+          <p:cNvPr id="425" name="Straight Arrow Connector 424">
             <a:extLst>
               <a:ext uri="{FF2B5EF4-FFF2-40B4-BE49-F238E27FC236}">
                 <a16:creationId xmlns:a16="http://schemas.microsoft.com/office/drawing/2014/main" id="{C7C3581F-BB46-6BFD-88EC-1685548CDC83}"/>
@@ -14558,8 +15904,8 @@
         </p:nvCxnSpPr>
         <p:spPr>
           <a:xfrm>
-            <a:off x="1836420" y="4414672"/>
-            <a:ext cx="0" cy="184430"/>
+            <a:off x="1836420" y="4165125"/>
+            <a:ext cx="0" cy="90000"/>
           </a:xfrm>
           <a:prstGeom prst="straightConnector1">
             <a:avLst/>
@@ -14591,7 +15937,7 @@
       </p:cxnSp>
       <p:sp>
         <p:nvSpPr>
-          <p:cNvPr id="396" name="Rectangle 395">
+          <p:cNvPr id="426" name="Rectangle 425">
             <a:extLst>
               <a:ext uri="{FF2B5EF4-FFF2-40B4-BE49-F238E27FC236}">
                 <a16:creationId xmlns:a16="http://schemas.microsoft.com/office/drawing/2014/main" id="{54B4C05C-53AB-88AD-E871-B8862B4F61D3}"/>
@@ -14603,8 +15949,8 @@
         </p:nvSpPr>
         <p:spPr>
           <a:xfrm>
-            <a:off x="574923" y="4599102"/>
-            <a:ext cx="2592000" cy="292266"/>
+            <a:off x="101734" y="4231866"/>
+            <a:ext cx="3135106" cy="292266"/>
           </a:xfrm>
           <a:prstGeom prst="rect">
             <a:avLst/>
@@ -14676,7 +16022,7 @@
       </p:sp>
       <p:sp>
         <p:nvSpPr>
-          <p:cNvPr id="397" name="Rectangle 396">
+          <p:cNvPr id="427" name="Rectangle 426">
             <a:extLst>
               <a:ext uri="{FF2B5EF4-FFF2-40B4-BE49-F238E27FC236}">
                 <a16:creationId xmlns:a16="http://schemas.microsoft.com/office/drawing/2014/main" id="{6EE46427-6BDE-882E-3A72-3DF2ED872F0A}"/>
@@ -14688,7 +16034,7 @@
         </p:nvSpPr>
         <p:spPr>
           <a:xfrm>
-            <a:off x="574923" y="3056060"/>
+            <a:off x="574923" y="2806513"/>
             <a:ext cx="2599034" cy="178250"/>
           </a:xfrm>
           <a:prstGeom prst="rect">
@@ -14748,7 +16094,7 @@
       </p:sp>
       <p:sp>
         <p:nvSpPr>
-          <p:cNvPr id="398" name="TextBox 397">
+          <p:cNvPr id="428" name="TextBox 427">
             <a:extLst>
               <a:ext uri="{FF2B5EF4-FFF2-40B4-BE49-F238E27FC236}">
                 <a16:creationId xmlns:a16="http://schemas.microsoft.com/office/drawing/2014/main" id="{0BBE180E-9D2D-A30D-B94E-AB6240A4F89E}"/>
@@ -14760,7 +16106,7 @@
         </p:nvSpPr>
         <p:spPr>
           <a:xfrm>
-            <a:off x="601008" y="2889229"/>
+            <a:off x="601008" y="2639682"/>
             <a:ext cx="2592000" cy="215444"/>
           </a:xfrm>
           <a:prstGeom prst="rect">
@@ -14790,7 +16136,7 @@
       </p:sp>
       <p:sp>
         <p:nvSpPr>
-          <p:cNvPr id="399" name="Rectangle 398">
+          <p:cNvPr id="429" name="Rectangle 428">
             <a:extLst>
               <a:ext uri="{FF2B5EF4-FFF2-40B4-BE49-F238E27FC236}">
                 <a16:creationId xmlns:a16="http://schemas.microsoft.com/office/drawing/2014/main" id="{27B7D5CF-81CA-4EAF-61FB-FBDB71CAE40F}"/>
@@ -14802,7 +16148,7 @@
         </p:nvSpPr>
         <p:spPr>
           <a:xfrm>
-            <a:off x="490150" y="6520282"/>
+            <a:off x="499203" y="5881446"/>
             <a:ext cx="3159900" cy="282573"/>
           </a:xfrm>
           <a:prstGeom prst="rect">
@@ -14879,7 +16225,7 @@
       </p:sp>
       <p:sp>
         <p:nvSpPr>
-          <p:cNvPr id="400" name="Rectangle 399">
+          <p:cNvPr id="430" name="Rectangle 429">
             <a:extLst>
               <a:ext uri="{FF2B5EF4-FFF2-40B4-BE49-F238E27FC236}">
                 <a16:creationId xmlns:a16="http://schemas.microsoft.com/office/drawing/2014/main" id="{78B6A93C-975D-F2FB-2429-F211CE81F035}"/>
@@ -14891,7 +16237,7 @@
         </p:nvSpPr>
         <p:spPr>
           <a:xfrm>
-            <a:off x="0" y="6801619"/>
+            <a:off x="9053" y="6162783"/>
             <a:ext cx="4102002" cy="322057"/>
           </a:xfrm>
           <a:prstGeom prst="rect">
@@ -15058,7 +16404,7 @@
       </p:sp>
       <p:pic>
         <p:nvPicPr>
-          <p:cNvPr id="401" name="Graphic 400" descr="Refresh with solid fill">
+          <p:cNvPr id="431" name="Graphic 430" descr="Refresh with solid fill">
             <a:extLst>
               <a:ext uri="{FF2B5EF4-FFF2-40B4-BE49-F238E27FC236}">
                 <a16:creationId xmlns:a16="http://schemas.microsoft.com/office/drawing/2014/main" id="{4943A585-56F4-BE8B-C666-8836FD94BB13}"/>
@@ -15084,7 +16430,7 @@
         </p:blipFill>
         <p:spPr>
           <a:xfrm>
-            <a:off x="2197512" y="2764467"/>
+            <a:off x="1520027" y="2546882"/>
             <a:ext cx="72000" cy="72000"/>
           </a:xfrm>
           <a:prstGeom prst="rect">
@@ -15094,7 +16440,7 @@
       </p:pic>
       <p:sp>
         <p:nvSpPr>
-          <p:cNvPr id="402" name="Rectangle 401">
+          <p:cNvPr id="432" name="Rectangle 431">
             <a:extLst>
               <a:ext uri="{FF2B5EF4-FFF2-40B4-BE49-F238E27FC236}">
                 <a16:creationId xmlns:a16="http://schemas.microsoft.com/office/drawing/2014/main" id="{A6BD9B84-7D11-E6C4-714D-168348DA6A59}"/>
@@ -15106,7 +16452,7 @@
         </p:nvSpPr>
         <p:spPr>
           <a:xfrm>
-            <a:off x="962227" y="5106135"/>
+            <a:off x="795766" y="4637809"/>
             <a:ext cx="1761620" cy="393580"/>
           </a:xfrm>
           <a:prstGeom prst="rect">
@@ -15156,7 +16502,7 @@
       </p:sp>
       <p:cxnSp>
         <p:nvCxnSpPr>
-          <p:cNvPr id="403" name="Straight Arrow Connector 402">
+          <p:cNvPr id="433" name="Straight Arrow Connector 432">
             <a:extLst>
               <a:ext uri="{FF2B5EF4-FFF2-40B4-BE49-F238E27FC236}">
                 <a16:creationId xmlns:a16="http://schemas.microsoft.com/office/drawing/2014/main" id="{346B4E64-3EEF-D973-3957-F55293E7F745}"/>
@@ -15169,9 +16515,9 @@
           <p:nvPr/>
         </p:nvCxnSpPr>
         <p:spPr>
-          <a:xfrm rot="10800000" flipH="1">
-            <a:off x="2648337" y="5304054"/>
-            <a:ext cx="544671" cy="0"/>
+          <a:xfrm>
+            <a:off x="2471596" y="4837225"/>
+            <a:ext cx="721411" cy="0"/>
           </a:xfrm>
           <a:prstGeom prst="straightConnector1">
             <a:avLst/>
@@ -15201,39 +16547,9 @@
           </a:fontRef>
         </p:style>
       </p:cxnSp>
-      <p:pic>
-        <p:nvPicPr>
-          <p:cNvPr id="404" name="Picture 403">
-            <a:extLst>
-              <a:ext uri="{FF2B5EF4-FFF2-40B4-BE49-F238E27FC236}">
-                <a16:creationId xmlns:a16="http://schemas.microsoft.com/office/drawing/2014/main" id="{52CA6A54-CC59-58A1-4074-7DA36EA27AEA}"/>
-              </a:ext>
-            </a:extLst>
-          </p:cNvPr>
-          <p:cNvPicPr>
-            <a:picLocks noChangeAspect="1"/>
-          </p:cNvPicPr>
-          <p:nvPr/>
-        </p:nvPicPr>
-        <p:blipFill>
-          <a:blip r:embed="rId4"/>
-          <a:stretch>
-            <a:fillRect/>
-          </a:stretch>
-        </p:blipFill>
-        <p:spPr>
-          <a:xfrm>
-            <a:off x="-32165" y="802653"/>
-            <a:ext cx="4140200" cy="1801878"/>
-          </a:xfrm>
-          <a:prstGeom prst="rect">
-            <a:avLst/>
-          </a:prstGeom>
-        </p:spPr>
-      </p:pic>
       <p:cxnSp>
         <p:nvCxnSpPr>
-          <p:cNvPr id="405" name="Straight Connector 404">
+          <p:cNvPr id="434" name="Straight Connector 433">
             <a:extLst>
               <a:ext uri="{FF2B5EF4-FFF2-40B4-BE49-F238E27FC236}">
                 <a16:creationId xmlns:a16="http://schemas.microsoft.com/office/drawing/2014/main" id="{F820DBFC-D482-D362-AD9A-EB720E92CEF4}"/>
@@ -15247,7 +16563,7 @@
         </p:nvCxnSpPr>
         <p:spPr>
           <a:xfrm>
-            <a:off x="18337" y="5658042"/>
+            <a:off x="18337" y="5191213"/>
             <a:ext cx="4098244" cy="0"/>
           </a:xfrm>
           <a:prstGeom prst="line">
@@ -15280,7 +16596,7 @@
       </p:cxnSp>
       <p:cxnSp>
         <p:nvCxnSpPr>
-          <p:cNvPr id="406" name="Straight Connector 405">
+          <p:cNvPr id="435" name="Straight Connector 434">
             <a:extLst>
               <a:ext uri="{FF2B5EF4-FFF2-40B4-BE49-F238E27FC236}">
                 <a16:creationId xmlns:a16="http://schemas.microsoft.com/office/drawing/2014/main" id="{8DF50D70-4022-681C-3D6E-62589944E0DE}"/>
@@ -15294,7 +16610,7 @@
         </p:nvCxnSpPr>
         <p:spPr>
           <a:xfrm rot="5400000">
-            <a:off x="3202002" y="4766588"/>
+            <a:off x="3202002" y="4291213"/>
             <a:ext cx="1800000" cy="0"/>
           </a:xfrm>
           <a:prstGeom prst="line">
@@ -15327,7 +16643,7 @@
       </p:cxnSp>
       <p:cxnSp>
         <p:nvCxnSpPr>
-          <p:cNvPr id="407" name="Straight Connector 406">
+          <p:cNvPr id="436" name="Straight Connector 435">
             <a:extLst>
               <a:ext uri="{FF2B5EF4-FFF2-40B4-BE49-F238E27FC236}">
                 <a16:creationId xmlns:a16="http://schemas.microsoft.com/office/drawing/2014/main" id="{1838FD34-08CA-AAAA-623C-682B4FB2B83D}"/>
@@ -15341,7 +16657,7 @@
         </p:nvCxnSpPr>
         <p:spPr>
           <a:xfrm rot="5400000">
-            <a:off x="-881663" y="4766588"/>
+            <a:off x="-881663" y="4291213"/>
             <a:ext cx="1800000" cy="0"/>
           </a:xfrm>
           <a:prstGeom prst="line">
@@ -15374,7 +16690,7 @@
       </p:cxnSp>
       <p:cxnSp>
         <p:nvCxnSpPr>
-          <p:cNvPr id="408" name="Straight Arrow Connector 407">
+          <p:cNvPr id="437" name="Straight Arrow Connector 436">
             <a:extLst>
               <a:ext uri="{FF2B5EF4-FFF2-40B4-BE49-F238E27FC236}">
                 <a16:creationId xmlns:a16="http://schemas.microsoft.com/office/drawing/2014/main" id="{16B06205-7085-528A-105F-F605E5D44E11}"/>
@@ -15388,8 +16704,8 @@
         </p:nvCxnSpPr>
         <p:spPr>
           <a:xfrm>
-            <a:off x="2062148" y="6319996"/>
-            <a:ext cx="0" cy="184430"/>
+            <a:off x="2071201" y="5771690"/>
+            <a:ext cx="0" cy="90000"/>
           </a:xfrm>
           <a:prstGeom prst="straightConnector1">
             <a:avLst/>
@@ -15419,6 +16735,121 @@
           </a:fontRef>
         </p:style>
       </p:cxnSp>
+      <p:sp>
+        <p:nvSpPr>
+          <p:cNvPr id="438" name="Rectangle 437">
+            <a:extLst>
+              <a:ext uri="{FF2B5EF4-FFF2-40B4-BE49-F238E27FC236}">
+                <a16:creationId xmlns:a16="http://schemas.microsoft.com/office/drawing/2014/main" id="{28AEAA1C-A4B2-C456-3DF2-85203C0EBF3D}"/>
+              </a:ext>
+            </a:extLst>
+          </p:cNvPr>
+          <p:cNvSpPr/>
+          <p:nvPr/>
+        </p:nvSpPr>
+        <p:spPr>
+          <a:xfrm>
+            <a:off x="1490225" y="2496860"/>
+            <a:ext cx="761396" cy="152436"/>
+          </a:xfrm>
+          <a:prstGeom prst="rect">
+            <a:avLst/>
+          </a:prstGeom>
+          <a:noFill/>
+          <a:ln w="19050">
+            <a:noFill/>
+          </a:ln>
+        </p:spPr>
+        <p:style>
+          <a:lnRef idx="2">
+            <a:schemeClr val="accent1">
+              <a:shade val="15000"/>
+            </a:schemeClr>
+          </a:lnRef>
+          <a:fillRef idx="1">
+            <a:schemeClr val="accent1"/>
+          </a:fillRef>
+          <a:effectRef idx="0">
+            <a:schemeClr val="accent1"/>
+          </a:effectRef>
+          <a:fontRef idx="minor">
+            <a:schemeClr val="lt1"/>
+          </a:fontRef>
+        </p:style>
+        <p:txBody>
+          <a:bodyPr rtlCol="0" anchor="ctr"/>
+          <a:lstStyle/>
+          <a:p>
+            <a:pPr algn="ctr"/>
+            <a:r>
+              <a:rPr lang="en-GB" sz="800" b="1" dirty="0">
+                <a:solidFill>
+                  <a:schemeClr val="tx1">
+                    <a:lumMod val="75000"/>
+                    <a:lumOff val="25000"/>
+                  </a:schemeClr>
+                </a:solidFill>
+                <a:latin typeface="Calibri" panose="020F0502020204030204" pitchFamily="34" charset="0"/>
+                <a:cs typeface="Calibri" panose="020F0502020204030204" pitchFamily="34" charset="0"/>
+              </a:rPr>
+              <a:t>n_trials </a:t>
+            </a:r>
+            <a:r>
+              <a:rPr lang="en-GB" sz="800" b="1" dirty="0">
+                <a:solidFill>
+                  <a:schemeClr val="tx1">
+                    <a:lumMod val="75000"/>
+                    <a:lumOff val="25000"/>
+                  </a:schemeClr>
+                </a:solidFill>
+                <a:latin typeface="Calibri Light" panose="020F0302020204030204" pitchFamily="34" charset="0"/>
+                <a:cs typeface="Calibri Light" panose="020F0302020204030204" pitchFamily="34" charset="0"/>
+              </a:rPr>
+              <a:t>= 20 </a:t>
+            </a:r>
+            <a:endParaRPr lang="en-GB" sz="800" dirty="0">
+              <a:solidFill>
+                <a:schemeClr val="tx1">
+                  <a:lumMod val="75000"/>
+                  <a:lumOff val="25000"/>
+                </a:schemeClr>
+              </a:solidFill>
+              <a:latin typeface="Calibri Light" panose="020F0302020204030204" pitchFamily="34" charset="0"/>
+              <a:cs typeface="Calibri Light" panose="020F0302020204030204" pitchFamily="34" charset="0"/>
+            </a:endParaRPr>
+          </a:p>
+        </p:txBody>
+      </p:sp>
+      <p:pic>
+        <p:nvPicPr>
+          <p:cNvPr id="439" name="Picture 438">
+            <a:extLst>
+              <a:ext uri="{FF2B5EF4-FFF2-40B4-BE49-F238E27FC236}">
+                <a16:creationId xmlns:a16="http://schemas.microsoft.com/office/drawing/2014/main" id="{5478F336-4A82-C851-031E-7B68A3B8EB1A}"/>
+              </a:ext>
+            </a:extLst>
+          </p:cNvPr>
+          <p:cNvPicPr>
+            <a:picLocks noChangeAspect="1"/>
+          </p:cNvPicPr>
+          <p:nvPr/>
+        </p:nvPicPr>
+        <p:blipFill>
+          <a:blip r:embed="rId4"/>
+          <a:stretch>
+            <a:fillRect/>
+          </a:stretch>
+        </p:blipFill>
+        <p:spPr>
+          <a:xfrm>
+            <a:off x="-27159" y="753245"/>
+            <a:ext cx="4140200" cy="1875899"/>
+          </a:xfrm>
+          <a:prstGeom prst="rect">
+            <a:avLst/>
+          </a:prstGeom>
+        </p:spPr>
+      </p:pic>
     </p:spTree>
     <p:extLst>
       <p:ext uri="{BB962C8B-B14F-4D97-AF65-F5344CB8AC3E}">
@@ -15463,8 +16894,8 @@
         </p:nvSpPr>
         <p:spPr>
           <a:xfrm>
-            <a:off x="-1093826" y="1540268"/>
-            <a:ext cx="5752304" cy="815363"/>
+            <a:off x="-1139092" y="1125717"/>
+            <a:ext cx="5797569" cy="815363"/>
           </a:xfrm>
           <a:prstGeom prst="rect">
             <a:avLst/>
@@ -15522,7 +16953,7 @@
         </p:nvSpPr>
         <p:spPr>
           <a:xfrm>
-            <a:off x="-1270727" y="2419306"/>
+            <a:off x="-1270727" y="2004755"/>
             <a:ext cx="1738395" cy="815363"/>
           </a:xfrm>
           <a:prstGeom prst="rect">
@@ -15581,7 +17012,7 @@
         </p:nvSpPr>
         <p:spPr>
           <a:xfrm>
-            <a:off x="-317225" y="2087610"/>
+            <a:off x="-317225" y="1673059"/>
             <a:ext cx="734593" cy="236965"/>
           </a:xfrm>
           <a:prstGeom prst="rect">
@@ -15650,7 +17081,7 @@
         </p:nvSpPr>
         <p:spPr>
           <a:xfrm>
-            <a:off x="-274068" y="2450096"/>
+            <a:off x="-274068" y="2035545"/>
             <a:ext cx="227487" cy="236965"/>
           </a:xfrm>
           <a:prstGeom prst="rect">
@@ -15711,7 +17142,7 @@
         </p:nvSpPr>
         <p:spPr>
           <a:xfrm>
-            <a:off x="-274068" y="2700668"/>
+            <a:off x="-274068" y="2286117"/>
             <a:ext cx="227487" cy="236965"/>
           </a:xfrm>
           <a:prstGeom prst="rect">
@@ -15772,7 +17203,7 @@
         </p:nvSpPr>
         <p:spPr>
           <a:xfrm>
-            <a:off x="-274068" y="2962705"/>
+            <a:off x="-274068" y="2548154"/>
             <a:ext cx="227487" cy="236965"/>
           </a:xfrm>
           <a:prstGeom prst="rect">
@@ -15833,7 +17264,7 @@
         </p:nvSpPr>
         <p:spPr>
           <a:xfrm>
-            <a:off x="447247" y="2087610"/>
+            <a:off x="447247" y="1673059"/>
             <a:ext cx="189572" cy="236965"/>
           </a:xfrm>
           <a:prstGeom prst="rect">
@@ -15894,7 +17325,7 @@
         </p:nvSpPr>
         <p:spPr>
           <a:xfrm>
-            <a:off x="-63672" y="2450096"/>
+            <a:off x="-63672" y="2035545"/>
             <a:ext cx="227487" cy="236965"/>
           </a:xfrm>
           <a:prstGeom prst="rect">
@@ -15955,7 +17386,7 @@
         </p:nvSpPr>
         <p:spPr>
           <a:xfrm>
-            <a:off x="-63672" y="2700668"/>
+            <a:off x="-63672" y="2286117"/>
             <a:ext cx="227487" cy="236965"/>
           </a:xfrm>
           <a:prstGeom prst="rect">
@@ -16016,7 +17447,7 @@
         </p:nvSpPr>
         <p:spPr>
           <a:xfrm>
-            <a:off x="-63672" y="2962705"/>
+            <a:off x="-63672" y="2548154"/>
             <a:ext cx="227487" cy="236965"/>
           </a:xfrm>
           <a:prstGeom prst="rect">
@@ -16077,7 +17508,7 @@
         </p:nvSpPr>
         <p:spPr>
           <a:xfrm>
-            <a:off x="189883" y="2450096"/>
+            <a:off x="189884" y="2035545"/>
             <a:ext cx="227487" cy="236965"/>
           </a:xfrm>
           <a:prstGeom prst="rect">
@@ -16138,7 +17569,7 @@
         </p:nvSpPr>
         <p:spPr>
           <a:xfrm>
-            <a:off x="189883" y="2700668"/>
+            <a:off x="189884" y="2286117"/>
             <a:ext cx="227487" cy="236965"/>
           </a:xfrm>
           <a:prstGeom prst="rect">
@@ -16199,7 +17630,7 @@
         </p:nvSpPr>
         <p:spPr>
           <a:xfrm>
-            <a:off x="189883" y="2962705"/>
+            <a:off x="189884" y="2548154"/>
             <a:ext cx="227487" cy="236965"/>
           </a:xfrm>
           <a:prstGeom prst="rect">
@@ -16260,7 +17691,7 @@
         </p:nvSpPr>
         <p:spPr>
           <a:xfrm>
-            <a:off x="-311043" y="1754295"/>
+            <a:off x="-311043" y="1339744"/>
             <a:ext cx="947861" cy="236965"/>
           </a:xfrm>
           <a:prstGeom prst="rect">
@@ -16343,7 +17774,7 @@
         </p:nvSpPr>
         <p:spPr>
           <a:xfrm>
-            <a:off x="707331" y="2450096"/>
+            <a:off x="707332" y="2035545"/>
             <a:ext cx="227487" cy="236965"/>
           </a:xfrm>
           <a:prstGeom prst="rect">
@@ -16404,7 +17835,7 @@
         </p:nvSpPr>
         <p:spPr>
           <a:xfrm>
-            <a:off x="707331" y="2700668"/>
+            <a:off x="707332" y="2286117"/>
             <a:ext cx="227487" cy="236965"/>
           </a:xfrm>
           <a:prstGeom prst="rect">
@@ -16465,7 +17896,7 @@
         </p:nvSpPr>
         <p:spPr>
           <a:xfrm>
-            <a:off x="707331" y="2962705"/>
+            <a:off x="707332" y="2548154"/>
             <a:ext cx="227487" cy="236965"/>
           </a:xfrm>
           <a:prstGeom prst="rect">
@@ -16526,7 +17957,7 @@
         </p:nvSpPr>
         <p:spPr>
           <a:xfrm>
-            <a:off x="1471799" y="2087610"/>
+            <a:off x="1471799" y="1673059"/>
             <a:ext cx="189572" cy="236965"/>
           </a:xfrm>
           <a:prstGeom prst="rect">
@@ -16587,7 +18018,7 @@
         </p:nvSpPr>
         <p:spPr>
           <a:xfrm>
-            <a:off x="960883" y="2450096"/>
+            <a:off x="960884" y="2035545"/>
             <a:ext cx="227487" cy="236965"/>
           </a:xfrm>
           <a:prstGeom prst="rect">
@@ -16648,7 +18079,7 @@
         </p:nvSpPr>
         <p:spPr>
           <a:xfrm>
-            <a:off x="960883" y="2700668"/>
+            <a:off x="960884" y="2286117"/>
             <a:ext cx="227487" cy="236965"/>
           </a:xfrm>
           <a:prstGeom prst="rect">
@@ -16709,7 +18140,7 @@
         </p:nvSpPr>
         <p:spPr>
           <a:xfrm>
-            <a:off x="960883" y="2962705"/>
+            <a:off x="960884" y="2548154"/>
             <a:ext cx="227487" cy="236965"/>
           </a:xfrm>
           <a:prstGeom prst="rect">
@@ -16770,7 +18201,7 @@
         </p:nvSpPr>
         <p:spPr>
           <a:xfrm>
-            <a:off x="1214436" y="2450096"/>
+            <a:off x="1214437" y="2035545"/>
             <a:ext cx="227487" cy="236965"/>
           </a:xfrm>
           <a:prstGeom prst="rect">
@@ -16831,7 +18262,7 @@
         </p:nvSpPr>
         <p:spPr>
           <a:xfrm>
-            <a:off x="1214436" y="2700668"/>
+            <a:off x="1214437" y="2286117"/>
             <a:ext cx="227487" cy="236965"/>
           </a:xfrm>
           <a:prstGeom prst="rect">
@@ -16892,7 +18323,7 @@
         </p:nvSpPr>
         <p:spPr>
           <a:xfrm>
-            <a:off x="1214436" y="2962705"/>
+            <a:off x="1214437" y="2548154"/>
             <a:ext cx="227487" cy="236965"/>
           </a:xfrm>
           <a:prstGeom prst="rect">
@@ -16953,7 +18384,7 @@
         </p:nvSpPr>
         <p:spPr>
           <a:xfrm>
-            <a:off x="713508" y="1754295"/>
+            <a:off x="713509" y="1339744"/>
             <a:ext cx="947861" cy="236965"/>
           </a:xfrm>
           <a:prstGeom prst="rect">
@@ -17036,7 +18467,7 @@
         </p:nvSpPr>
         <p:spPr>
           <a:xfrm>
-            <a:off x="1689025" y="2450096"/>
+            <a:off x="1689026" y="2035545"/>
             <a:ext cx="227487" cy="236965"/>
           </a:xfrm>
           <a:prstGeom prst="rect">
@@ -17097,7 +18528,7 @@
         </p:nvSpPr>
         <p:spPr>
           <a:xfrm>
-            <a:off x="1689025" y="2700668"/>
+            <a:off x="1689026" y="2286117"/>
             <a:ext cx="227487" cy="236965"/>
           </a:xfrm>
           <a:prstGeom prst="rect">
@@ -17158,7 +18589,7 @@
         </p:nvSpPr>
         <p:spPr>
           <a:xfrm>
-            <a:off x="1689025" y="2962705"/>
+            <a:off x="1689026" y="2548154"/>
             <a:ext cx="227487" cy="236965"/>
           </a:xfrm>
           <a:prstGeom prst="rect">
@@ -17219,7 +18650,7 @@
         </p:nvSpPr>
         <p:spPr>
           <a:xfrm>
-            <a:off x="2453495" y="2087610"/>
+            <a:off x="2453495" y="1673059"/>
             <a:ext cx="189572" cy="236965"/>
           </a:xfrm>
           <a:prstGeom prst="rect">
@@ -17280,7 +18711,7 @@
         </p:nvSpPr>
         <p:spPr>
           <a:xfrm>
-            <a:off x="1942579" y="2450096"/>
+            <a:off x="1942580" y="2035545"/>
             <a:ext cx="227487" cy="236965"/>
           </a:xfrm>
           <a:prstGeom prst="rect">
@@ -17341,7 +18772,7 @@
         </p:nvSpPr>
         <p:spPr>
           <a:xfrm>
-            <a:off x="1942579" y="2700668"/>
+            <a:off x="1942580" y="2286117"/>
             <a:ext cx="227487" cy="236965"/>
           </a:xfrm>
           <a:prstGeom prst="rect">
@@ -17402,7 +18833,7 @@
         </p:nvSpPr>
         <p:spPr>
           <a:xfrm>
-            <a:off x="1942579" y="2962705"/>
+            <a:off x="1942580" y="2548154"/>
             <a:ext cx="227487" cy="236965"/>
           </a:xfrm>
           <a:prstGeom prst="rect">
@@ -17463,7 +18894,7 @@
         </p:nvSpPr>
         <p:spPr>
           <a:xfrm>
-            <a:off x="2196132" y="2450096"/>
+            <a:off x="2196133" y="2035545"/>
             <a:ext cx="227487" cy="236965"/>
           </a:xfrm>
           <a:prstGeom prst="rect">
@@ -17524,7 +18955,7 @@
         </p:nvSpPr>
         <p:spPr>
           <a:xfrm>
-            <a:off x="2196132" y="2700668"/>
+            <a:off x="2196133" y="2286117"/>
             <a:ext cx="227487" cy="236965"/>
           </a:xfrm>
           <a:prstGeom prst="rect">
@@ -17585,7 +19016,7 @@
         </p:nvSpPr>
         <p:spPr>
           <a:xfrm>
-            <a:off x="2196132" y="2962705"/>
+            <a:off x="2196133" y="2548154"/>
             <a:ext cx="227487" cy="236965"/>
           </a:xfrm>
           <a:prstGeom prst="rect">
@@ -17646,7 +19077,7 @@
         </p:nvSpPr>
         <p:spPr>
           <a:xfrm>
-            <a:off x="1695204" y="1754295"/>
+            <a:off x="1695205" y="1339744"/>
             <a:ext cx="947861" cy="236965"/>
           </a:xfrm>
           <a:prstGeom prst="rect">
@@ -17729,7 +19160,7 @@
         </p:nvSpPr>
         <p:spPr>
           <a:xfrm>
-            <a:off x="2663280" y="2450096"/>
+            <a:off x="2663281" y="2035545"/>
             <a:ext cx="227487" cy="236965"/>
           </a:xfrm>
           <a:prstGeom prst="rect">
@@ -17790,7 +19221,7 @@
         </p:nvSpPr>
         <p:spPr>
           <a:xfrm>
-            <a:off x="2663280" y="2700668"/>
+            <a:off x="2663281" y="2286117"/>
             <a:ext cx="227487" cy="236965"/>
           </a:xfrm>
           <a:prstGeom prst="rect">
@@ -17851,7 +19282,7 @@
         </p:nvSpPr>
         <p:spPr>
           <a:xfrm>
-            <a:off x="2663280" y="2962705"/>
+            <a:off x="2663281" y="2548154"/>
             <a:ext cx="227487" cy="236965"/>
           </a:xfrm>
           <a:prstGeom prst="rect">
@@ -17912,7 +19343,7 @@
         </p:nvSpPr>
         <p:spPr>
           <a:xfrm>
-            <a:off x="3427748" y="2087610"/>
+            <a:off x="3427748" y="1673059"/>
             <a:ext cx="189572" cy="236965"/>
           </a:xfrm>
           <a:prstGeom prst="rect">
@@ -17973,7 +19404,7 @@
         </p:nvSpPr>
         <p:spPr>
           <a:xfrm>
-            <a:off x="2916832" y="2450096"/>
+            <a:off x="2916833" y="2035545"/>
             <a:ext cx="227487" cy="236965"/>
           </a:xfrm>
           <a:prstGeom prst="rect">
@@ -18034,7 +19465,7 @@
         </p:nvSpPr>
         <p:spPr>
           <a:xfrm>
-            <a:off x="2916832" y="2700668"/>
+            <a:off x="2916833" y="2286117"/>
             <a:ext cx="227487" cy="236965"/>
           </a:xfrm>
           <a:prstGeom prst="rect">
@@ -18095,7 +19526,7 @@
         </p:nvSpPr>
         <p:spPr>
           <a:xfrm>
-            <a:off x="2916832" y="2962705"/>
+            <a:off x="2916833" y="2548154"/>
             <a:ext cx="227487" cy="236965"/>
           </a:xfrm>
           <a:prstGeom prst="rect">
@@ -18156,7 +19587,7 @@
         </p:nvSpPr>
         <p:spPr>
           <a:xfrm>
-            <a:off x="3170385" y="2450096"/>
+            <a:off x="3170386" y="2035545"/>
             <a:ext cx="227487" cy="236965"/>
           </a:xfrm>
           <a:prstGeom prst="rect">
@@ -18217,7 +19648,7 @@
         </p:nvSpPr>
         <p:spPr>
           <a:xfrm>
-            <a:off x="3170385" y="2700668"/>
+            <a:off x="3170386" y="2286117"/>
             <a:ext cx="227487" cy="236965"/>
           </a:xfrm>
           <a:prstGeom prst="rect">
@@ -18278,7 +19709,7 @@
         </p:nvSpPr>
         <p:spPr>
           <a:xfrm>
-            <a:off x="3170385" y="2962705"/>
+            <a:off x="3170386" y="2548154"/>
             <a:ext cx="227487" cy="236965"/>
           </a:xfrm>
           <a:prstGeom prst="rect">
@@ -18339,7 +19770,7 @@
         </p:nvSpPr>
         <p:spPr>
           <a:xfrm>
-            <a:off x="2669458" y="1754295"/>
+            <a:off x="2669459" y="1339744"/>
             <a:ext cx="947861" cy="236965"/>
           </a:xfrm>
           <a:prstGeom prst="rect">
@@ -18422,7 +19853,7 @@
         </p:nvSpPr>
         <p:spPr>
           <a:xfrm>
-            <a:off x="3644975" y="2450096"/>
+            <a:off x="3644976" y="2035545"/>
             <a:ext cx="227487" cy="236965"/>
           </a:xfrm>
           <a:prstGeom prst="rect">
@@ -18483,7 +19914,7 @@
         </p:nvSpPr>
         <p:spPr>
           <a:xfrm>
-            <a:off x="3644975" y="2700668"/>
+            <a:off x="3644976" y="2286117"/>
             <a:ext cx="227487" cy="236965"/>
           </a:xfrm>
           <a:prstGeom prst="rect">
@@ -18544,7 +19975,7 @@
         </p:nvSpPr>
         <p:spPr>
           <a:xfrm>
-            <a:off x="3644975" y="2962705"/>
+            <a:off x="3644976" y="2548154"/>
             <a:ext cx="227487" cy="236965"/>
           </a:xfrm>
           <a:prstGeom prst="rect">
@@ -18605,7 +20036,7 @@
         </p:nvSpPr>
         <p:spPr>
           <a:xfrm>
-            <a:off x="4366286" y="2087610"/>
+            <a:off x="4366286" y="1673059"/>
             <a:ext cx="189572" cy="236965"/>
           </a:xfrm>
           <a:prstGeom prst="rect">
@@ -18666,7 +20097,7 @@
         </p:nvSpPr>
         <p:spPr>
           <a:xfrm>
-            <a:off x="3898528" y="2450096"/>
+            <a:off x="3898529" y="2035545"/>
             <a:ext cx="227487" cy="236965"/>
           </a:xfrm>
           <a:prstGeom prst="rect">
@@ -18727,7 +20158,7 @@
         </p:nvSpPr>
         <p:spPr>
           <a:xfrm>
-            <a:off x="3898528" y="2700668"/>
+            <a:off x="3898529" y="2286117"/>
             <a:ext cx="227487" cy="236965"/>
           </a:xfrm>
           <a:prstGeom prst="rect">
@@ -18788,7 +20219,7 @@
         </p:nvSpPr>
         <p:spPr>
           <a:xfrm>
-            <a:off x="3898528" y="2962705"/>
+            <a:off x="3898529" y="2548154"/>
             <a:ext cx="227487" cy="236965"/>
           </a:xfrm>
           <a:prstGeom prst="rect">
@@ -18849,7 +20280,7 @@
         </p:nvSpPr>
         <p:spPr>
           <a:xfrm>
-            <a:off x="4152081" y="2450096"/>
+            <a:off x="4152081" y="2035545"/>
             <a:ext cx="227487" cy="236965"/>
           </a:xfrm>
           <a:prstGeom prst="rect">
@@ -18910,7 +20341,7 @@
         </p:nvSpPr>
         <p:spPr>
           <a:xfrm>
-            <a:off x="4152081" y="2700668"/>
+            <a:off x="4152081" y="2286117"/>
             <a:ext cx="227487" cy="236965"/>
           </a:xfrm>
           <a:prstGeom prst="rect">
@@ -18971,7 +20402,7 @@
         </p:nvSpPr>
         <p:spPr>
           <a:xfrm>
-            <a:off x="4152081" y="2962705"/>
+            <a:off x="4152081" y="2548154"/>
             <a:ext cx="227487" cy="236965"/>
           </a:xfrm>
           <a:prstGeom prst="rect">
@@ -19032,7 +20463,7 @@
         </p:nvSpPr>
         <p:spPr>
           <a:xfrm>
-            <a:off x="3651154" y="1754295"/>
+            <a:off x="3651155" y="1339744"/>
             <a:ext cx="947861" cy="236965"/>
           </a:xfrm>
           <a:prstGeom prst="rect">
@@ -19129,7 +20560,7 @@
         </p:blipFill>
         <p:spPr>
           <a:xfrm>
-            <a:off x="-1011230" y="1830088"/>
+            <a:off x="-1074601" y="1415536"/>
             <a:ext cx="142180" cy="142180"/>
           </a:xfrm>
           <a:prstGeom prst="rect">
@@ -19151,7 +20582,7 @@
         </p:nvSpPr>
         <p:spPr>
           <a:xfrm>
-            <a:off x="-1234545" y="1762392"/>
+            <a:off x="-1297916" y="1347841"/>
             <a:ext cx="1018951" cy="256659"/>
           </a:xfrm>
           <a:prstGeom prst="rect">
@@ -19226,7 +20657,7 @@
         </p:nvSpPr>
         <p:spPr>
           <a:xfrm>
-            <a:off x="-1414287" y="2678687"/>
+            <a:off x="-1441446" y="2273189"/>
             <a:ext cx="1018951" cy="256659"/>
           </a:xfrm>
           <a:prstGeom prst="rect">
@@ -19301,7 +20732,7 @@
         </p:nvSpPr>
         <p:spPr>
           <a:xfrm>
-            <a:off x="-481628" y="2450096"/>
+            <a:off x="-481628" y="2035544"/>
             <a:ext cx="175551" cy="724042"/>
           </a:xfrm>
           <a:prstGeom prst="leftBrace">
@@ -19373,7 +20804,7 @@
         </p:blipFill>
         <p:spPr>
           <a:xfrm>
-            <a:off x="-1192849" y="2747077"/>
+            <a:off x="-1220008" y="2341578"/>
             <a:ext cx="142180" cy="142180"/>
           </a:xfrm>
           <a:prstGeom prst="rect">
@@ -19395,7 +20826,7 @@
         </p:nvSpPr>
         <p:spPr>
           <a:xfrm>
-            <a:off x="-310824" y="1539218"/>
+            <a:off x="-310824" y="1124666"/>
             <a:ext cx="947641" cy="239114"/>
           </a:xfrm>
           <a:prstGeom prst="rect">
@@ -19440,7 +20871,7 @@
         </p:nvSpPr>
         <p:spPr>
           <a:xfrm>
-            <a:off x="713509" y="2087610"/>
+            <a:off x="713510" y="1673059"/>
             <a:ext cx="734593" cy="236965"/>
           </a:xfrm>
           <a:prstGeom prst="rect">
@@ -19509,7 +20940,7 @@
         </p:nvSpPr>
         <p:spPr>
           <a:xfrm>
-            <a:off x="1695206" y="2087610"/>
+            <a:off x="1695207" y="1673059"/>
             <a:ext cx="734593" cy="236965"/>
           </a:xfrm>
           <a:prstGeom prst="rect">
@@ -19578,7 +21009,7 @@
         </p:nvSpPr>
         <p:spPr>
           <a:xfrm>
-            <a:off x="2669459" y="2087610"/>
+            <a:off x="2669460" y="1673059"/>
             <a:ext cx="734593" cy="236965"/>
           </a:xfrm>
           <a:prstGeom prst="rect">
@@ -19647,7 +21078,7 @@
         </p:nvSpPr>
         <p:spPr>
           <a:xfrm>
-            <a:off x="3651156" y="2087610"/>
+            <a:off x="3651157" y="1673059"/>
             <a:ext cx="734593" cy="236965"/>
           </a:xfrm>
           <a:prstGeom prst="rect">
@@ -19716,7 +21147,7 @@
         </p:nvSpPr>
         <p:spPr>
           <a:xfrm>
-            <a:off x="717283" y="1539218"/>
+            <a:off x="717284" y="1124666"/>
             <a:ext cx="947641" cy="239114"/>
           </a:xfrm>
           <a:prstGeom prst="rect">
@@ -19761,7 +21192,7 @@
         </p:nvSpPr>
         <p:spPr>
           <a:xfrm>
-            <a:off x="1698577" y="1539218"/>
+            <a:off x="1698578" y="1124666"/>
             <a:ext cx="947641" cy="239114"/>
           </a:xfrm>
           <a:prstGeom prst="rect">
@@ -19806,7 +21237,7 @@
         </p:nvSpPr>
         <p:spPr>
           <a:xfrm>
-            <a:off x="2679869" y="1539218"/>
+            <a:off x="2679870" y="1124666"/>
             <a:ext cx="947641" cy="239114"/>
           </a:xfrm>
           <a:prstGeom prst="rect">
@@ -19851,7 +21282,7 @@
         </p:nvSpPr>
         <p:spPr>
           <a:xfrm>
-            <a:off x="3661159" y="1539218"/>
+            <a:off x="3661160" y="1124666"/>
             <a:ext cx="947641" cy="239114"/>
           </a:xfrm>
           <a:prstGeom prst="rect">
@@ -19910,7 +21341,7 @@
         </p:blipFill>
         <p:spPr>
           <a:xfrm>
-            <a:off x="360945" y="851315"/>
+            <a:off x="360946" y="482028"/>
             <a:ext cx="135127" cy="142180"/>
           </a:xfrm>
           <a:prstGeom prst="rect">
@@ -19932,7 +21363,7 @@
         </p:nvSpPr>
         <p:spPr>
           <a:xfrm>
-            <a:off x="262901" y="790261"/>
+            <a:off x="262902" y="420975"/>
             <a:ext cx="2825663" cy="256659"/>
           </a:xfrm>
           <a:prstGeom prst="rect">
@@ -19988,7 +21419,7 @@
                 <a:latin typeface="Calibri Light" panose="020F0302020204030204" pitchFamily="34" charset="0"/>
                 <a:cs typeface="Calibri Light" panose="020F0302020204030204" pitchFamily="34" charset="0"/>
               </a:rPr>
-              <a:t>= 1 (</a:t>
+              <a:t>= 1 ( </a:t>
             </a:r>
             <a:r>
               <a:rPr lang="en-GB" sz="919" b="1" dirty="0">
@@ -20033,8 +21464,8 @@
         </p:nvSpPr>
         <p:spPr>
           <a:xfrm>
-            <a:off x="-882370" y="1239615"/>
-            <a:ext cx="1350039" cy="256659"/>
+            <a:off x="-1139092" y="906541"/>
+            <a:ext cx="5797569" cy="256659"/>
           </a:xfrm>
           <a:prstGeom prst="rect">
             <a:avLst/>
@@ -20076,23 +21507,7 @@
                 <a:latin typeface="Calibri" panose="020F0502020204030204" pitchFamily="34" charset="0"/>
                 <a:cs typeface="Calibri" panose="020F0502020204030204" pitchFamily="34" charset="0"/>
               </a:rPr>
-              <a:t>Outer Cross-Validation</a:t>
-            </a:r>
-          </a:p>
-          <a:p>
-            <a:pPr algn="ctr"/>
-            <a:r>
-              <a:rPr lang="en-GB" sz="922" b="1" dirty="0">
-                <a:solidFill>
-                  <a:schemeClr val="tx1">
-                    <a:lumMod val="75000"/>
-                    <a:lumOff val="25000"/>
-                  </a:schemeClr>
-                </a:solidFill>
-                <a:latin typeface="Calibri" panose="020F0502020204030204" pitchFamily="34" charset="0"/>
-                <a:cs typeface="Calibri" panose="020F0502020204030204" pitchFamily="34" charset="0"/>
-              </a:rPr>
-              <a:t>(Model generalisation)</a:t>
+              <a:t>Outer Cross-Validation (Model generalisation)</a:t>
             </a:r>
             <a:endParaRPr lang="en-GB" sz="922" b="1" dirty="0">
               <a:solidFill>
@@ -20121,8 +21536,8 @@
         </p:nvSpPr>
         <p:spPr>
           <a:xfrm>
-            <a:off x="-1277702" y="3247625"/>
-            <a:ext cx="1745370" cy="256659"/>
+            <a:off x="-1308998" y="2847634"/>
+            <a:ext cx="1985033" cy="256659"/>
           </a:xfrm>
           <a:prstGeom prst="rect">
             <a:avLst/>
@@ -20180,7 +21595,7 @@
                 <a:latin typeface="Calibri" panose="020F0502020204030204" pitchFamily="34" charset="0"/>
                 <a:cs typeface="Calibri" panose="020F0502020204030204" pitchFamily="34" charset="0"/>
               </a:rPr>
-              <a:t>(Hyperparameter tuning)</a:t>
+              <a:t>(Optuna hyperparameter tuning)</a:t>
             </a:r>
             <a:endParaRPr lang="en-GB" sz="922" b="1" dirty="0">
               <a:solidFill>
@@ -20209,7 +21624,7 @@
         </p:nvSpPr>
         <p:spPr>
           <a:xfrm rot="16200000">
-            <a:off x="1505768" y="-1811202"/>
+            <a:off x="1505769" y="-2180489"/>
             <a:ext cx="277745" cy="6027680"/>
           </a:xfrm>
           <a:prstGeom prst="rightBrace">
@@ -20277,7 +21692,7 @@
         </p:blipFill>
         <p:spPr bwMode="auto">
           <a:xfrm>
-            <a:off x="2481755" y="821797"/>
+            <a:off x="2481756" y="452511"/>
             <a:ext cx="268351" cy="174919"/>
           </a:xfrm>
           <a:prstGeom prst="rect">
@@ -20339,7 +21754,7 @@
         </p:nvSpPr>
         <p:spPr>
           <a:xfrm>
-            <a:off x="118992" y="4239305"/>
+            <a:off x="118993" y="3942443"/>
             <a:ext cx="1065053" cy="226607"/>
           </a:xfrm>
           <a:prstGeom prst="rect">
@@ -20402,7 +21817,7 @@
         </p:nvSpPr>
         <p:spPr>
           <a:xfrm>
-            <a:off x="1218037" y="4239305"/>
+            <a:off x="1218038" y="3942443"/>
             <a:ext cx="1065053" cy="226607"/>
           </a:xfrm>
           <a:prstGeom prst="rect">
@@ -20465,7 +21880,7 @@
         </p:nvSpPr>
         <p:spPr>
           <a:xfrm>
-            <a:off x="2317083" y="4239305"/>
+            <a:off x="2317084" y="3942443"/>
             <a:ext cx="1065053" cy="226607"/>
           </a:xfrm>
           <a:prstGeom prst="rect">
@@ -20528,7 +21943,7 @@
         </p:nvSpPr>
         <p:spPr>
           <a:xfrm>
-            <a:off x="118992" y="4505274"/>
+            <a:off x="118993" y="4208412"/>
             <a:ext cx="1065053" cy="226607"/>
           </a:xfrm>
           <a:prstGeom prst="rect">
@@ -20591,7 +22006,7 @@
         </p:nvSpPr>
         <p:spPr>
           <a:xfrm>
-            <a:off x="1218037" y="4505274"/>
+            <a:off x="1218038" y="4208412"/>
             <a:ext cx="1065053" cy="226607"/>
           </a:xfrm>
           <a:prstGeom prst="rect">
@@ -20654,7 +22069,7 @@
         </p:nvSpPr>
         <p:spPr>
           <a:xfrm>
-            <a:off x="2317083" y="4505274"/>
+            <a:off x="2317084" y="4208412"/>
             <a:ext cx="1065053" cy="226607"/>
           </a:xfrm>
           <a:prstGeom prst="rect">
@@ -20717,7 +22132,7 @@
         </p:nvSpPr>
         <p:spPr>
           <a:xfrm>
-            <a:off x="118992" y="4761213"/>
+            <a:off x="118993" y="4464351"/>
             <a:ext cx="1065053" cy="226607"/>
           </a:xfrm>
           <a:prstGeom prst="rect">
@@ -20780,7 +22195,7 @@
         </p:nvSpPr>
         <p:spPr>
           <a:xfrm>
-            <a:off x="1218037" y="4761213"/>
+            <a:off x="1218038" y="4464351"/>
             <a:ext cx="1065053" cy="226607"/>
           </a:xfrm>
           <a:prstGeom prst="rect">
@@ -20843,7 +22258,7 @@
         </p:nvSpPr>
         <p:spPr>
           <a:xfrm>
-            <a:off x="2317083" y="4761213"/>
+            <a:off x="2317084" y="4464351"/>
             <a:ext cx="1065053" cy="226607"/>
           </a:xfrm>
           <a:prstGeom prst="rect">
@@ -20906,7 +22321,7 @@
         </p:nvSpPr>
         <p:spPr>
           <a:xfrm>
-            <a:off x="-300790" y="5294341"/>
+            <a:off x="-300790" y="4997479"/>
             <a:ext cx="3749686" cy="687573"/>
           </a:xfrm>
           <a:prstGeom prst="rect">
@@ -21016,7 +22431,7 @@
         </p:nvCxnSpPr>
         <p:spPr>
           <a:xfrm>
-            <a:off x="1555869" y="5055356"/>
+            <a:off x="1555869" y="4758493"/>
             <a:ext cx="0" cy="231258"/>
           </a:xfrm>
           <a:prstGeom prst="straightConnector1">
@@ -21061,7 +22476,7 @@
         </p:nvSpPr>
         <p:spPr>
           <a:xfrm>
-            <a:off x="-300790" y="3186137"/>
+            <a:off x="-300790" y="2889275"/>
             <a:ext cx="3740572" cy="399279"/>
           </a:xfrm>
           <a:prstGeom prst="rect">
@@ -21162,7 +22577,7 @@
         </p:nvSpPr>
         <p:spPr>
           <a:xfrm>
-            <a:off x="110138" y="4035458"/>
+            <a:off x="110139" y="3738596"/>
             <a:ext cx="1065053" cy="226607"/>
           </a:xfrm>
           <a:prstGeom prst="rect">
@@ -21237,7 +22652,7 @@
         </p:nvSpPr>
         <p:spPr>
           <a:xfrm>
-            <a:off x="1209182" y="4035458"/>
+            <a:off x="1209183" y="3738596"/>
             <a:ext cx="1065053" cy="226607"/>
           </a:xfrm>
           <a:prstGeom prst="rect">
@@ -21312,7 +22727,7 @@
         </p:nvSpPr>
         <p:spPr>
           <a:xfrm>
-            <a:off x="2308227" y="4035458"/>
+            <a:off x="2308228" y="3738596"/>
             <a:ext cx="1065053" cy="226607"/>
           </a:xfrm>
           <a:prstGeom prst="rect">
@@ -21387,7 +22802,7 @@
         </p:nvSpPr>
         <p:spPr>
           <a:xfrm>
-            <a:off x="-426882" y="4244605"/>
+            <a:off x="-426882" y="3947743"/>
             <a:ext cx="626914" cy="226607"/>
           </a:xfrm>
           <a:prstGeom prst="rect">
@@ -21449,7 +22864,7 @@
         </p:nvSpPr>
         <p:spPr>
           <a:xfrm>
-            <a:off x="-426882" y="4513210"/>
+            <a:off x="-426882" y="4216348"/>
             <a:ext cx="626914" cy="226607"/>
           </a:xfrm>
           <a:prstGeom prst="rect">
@@ -21511,7 +22926,7 @@
         </p:nvSpPr>
         <p:spPr>
           <a:xfrm>
-            <a:off x="-426882" y="4764227"/>
+            <a:off x="-426882" y="4467365"/>
             <a:ext cx="626914" cy="226607"/>
           </a:xfrm>
           <a:prstGeom prst="rect">
@@ -21573,7 +22988,7 @@
         </p:nvSpPr>
         <p:spPr>
           <a:xfrm>
-            <a:off x="-300788" y="3594724"/>
+            <a:off x="-300788" y="3297861"/>
             <a:ext cx="3740573" cy="3156470"/>
           </a:xfrm>
           <a:prstGeom prst="rect">
@@ -21636,7 +23051,7 @@
         </p:nvCxnSpPr>
         <p:spPr>
           <a:xfrm>
-            <a:off x="1572822" y="5987880"/>
+            <a:off x="1572822" y="5691018"/>
             <a:ext cx="0" cy="232185"/>
           </a:xfrm>
           <a:prstGeom prst="straightConnector1">
@@ -21681,7 +23096,7 @@
         </p:nvSpPr>
         <p:spPr>
           <a:xfrm>
-            <a:off x="-267485" y="6209826"/>
+            <a:off x="-267485" y="5912963"/>
             <a:ext cx="3707266" cy="541366"/>
           </a:xfrm>
           <a:prstGeom prst="rect">
@@ -21760,7 +23175,7 @@
         </p:nvSpPr>
         <p:spPr>
           <a:xfrm>
-            <a:off x="110135" y="3783108"/>
+            <a:off x="110135" y="3486245"/>
             <a:ext cx="3271998" cy="224404"/>
           </a:xfrm>
           <a:prstGeom prst="rect">
@@ -21832,7 +23247,7 @@
         </p:nvSpPr>
         <p:spPr>
           <a:xfrm>
-            <a:off x="142973" y="3573078"/>
+            <a:off x="142973" y="3276216"/>
             <a:ext cx="3263144" cy="252599"/>
           </a:xfrm>
           <a:prstGeom prst="rect">
@@ -21888,7 +23303,7 @@
         </p:blipFill>
         <p:spPr>
           <a:xfrm>
-            <a:off x="1094061" y="3395440"/>
+            <a:off x="1094062" y="3098578"/>
             <a:ext cx="135965" cy="135965"/>
           </a:xfrm>
           <a:prstGeom prst="rect">
